--- a/documents/Figures editing.pptx
+++ b/documents/Figures editing.pptx
@@ -7,6 +7,7 @@
   <p:sldIdLst>
     <p:sldId id="256" r:id="rId2"/>
     <p:sldId id="257" r:id="rId3"/>
+    <p:sldId id="258" r:id="rId4"/>
   </p:sldIdLst>
   <p:sldSz cx="12192000" cy="6858000"/>
   <p:notesSz cx="6858000" cy="9144000"/>
@@ -262,7 +263,7 @@
           <a:p>
             <a:fld id="{F6E9F5A1-C99C-41F9-B991-61D99245B2FF}" type="datetimeFigureOut">
               <a:rPr lang="en-PH" smtClean="0"/>
-              <a:t>05/14/2024</a:t>
+              <a:t>05/17/2024</a:t>
             </a:fld>
             <a:endParaRPr lang="en-PH"/>
           </a:p>
@@ -462,7 +463,7 @@
           <a:p>
             <a:fld id="{F6E9F5A1-C99C-41F9-B991-61D99245B2FF}" type="datetimeFigureOut">
               <a:rPr lang="en-PH" smtClean="0"/>
-              <a:t>05/14/2024</a:t>
+              <a:t>05/17/2024</a:t>
             </a:fld>
             <a:endParaRPr lang="en-PH"/>
           </a:p>
@@ -672,7 +673,7 @@
           <a:p>
             <a:fld id="{F6E9F5A1-C99C-41F9-B991-61D99245B2FF}" type="datetimeFigureOut">
               <a:rPr lang="en-PH" smtClean="0"/>
-              <a:t>05/14/2024</a:t>
+              <a:t>05/17/2024</a:t>
             </a:fld>
             <a:endParaRPr lang="en-PH"/>
           </a:p>
@@ -872,7 +873,7 @@
           <a:p>
             <a:fld id="{F6E9F5A1-C99C-41F9-B991-61D99245B2FF}" type="datetimeFigureOut">
               <a:rPr lang="en-PH" smtClean="0"/>
-              <a:t>05/14/2024</a:t>
+              <a:t>05/17/2024</a:t>
             </a:fld>
             <a:endParaRPr lang="en-PH"/>
           </a:p>
@@ -1148,7 +1149,7 @@
           <a:p>
             <a:fld id="{F6E9F5A1-C99C-41F9-B991-61D99245B2FF}" type="datetimeFigureOut">
               <a:rPr lang="en-PH" smtClean="0"/>
-              <a:t>05/14/2024</a:t>
+              <a:t>05/17/2024</a:t>
             </a:fld>
             <a:endParaRPr lang="en-PH"/>
           </a:p>
@@ -1416,7 +1417,7 @@
           <a:p>
             <a:fld id="{F6E9F5A1-C99C-41F9-B991-61D99245B2FF}" type="datetimeFigureOut">
               <a:rPr lang="en-PH" smtClean="0"/>
-              <a:t>05/14/2024</a:t>
+              <a:t>05/17/2024</a:t>
             </a:fld>
             <a:endParaRPr lang="en-PH"/>
           </a:p>
@@ -1831,7 +1832,7 @@
           <a:p>
             <a:fld id="{F6E9F5A1-C99C-41F9-B991-61D99245B2FF}" type="datetimeFigureOut">
               <a:rPr lang="en-PH" smtClean="0"/>
-              <a:t>05/14/2024</a:t>
+              <a:t>05/17/2024</a:t>
             </a:fld>
             <a:endParaRPr lang="en-PH"/>
           </a:p>
@@ -1973,7 +1974,7 @@
           <a:p>
             <a:fld id="{F6E9F5A1-C99C-41F9-B991-61D99245B2FF}" type="datetimeFigureOut">
               <a:rPr lang="en-PH" smtClean="0"/>
-              <a:t>05/14/2024</a:t>
+              <a:t>05/17/2024</a:t>
             </a:fld>
             <a:endParaRPr lang="en-PH"/>
           </a:p>
@@ -2086,7 +2087,7 @@
           <a:p>
             <a:fld id="{F6E9F5A1-C99C-41F9-B991-61D99245B2FF}" type="datetimeFigureOut">
               <a:rPr lang="en-PH" smtClean="0"/>
-              <a:t>05/14/2024</a:t>
+              <a:t>05/17/2024</a:t>
             </a:fld>
             <a:endParaRPr lang="en-PH"/>
           </a:p>
@@ -2399,7 +2400,7 @@
           <a:p>
             <a:fld id="{F6E9F5A1-C99C-41F9-B991-61D99245B2FF}" type="datetimeFigureOut">
               <a:rPr lang="en-PH" smtClean="0"/>
-              <a:t>05/14/2024</a:t>
+              <a:t>05/17/2024</a:t>
             </a:fld>
             <a:endParaRPr lang="en-PH"/>
           </a:p>
@@ -2688,7 +2689,7 @@
           <a:p>
             <a:fld id="{F6E9F5A1-C99C-41F9-B991-61D99245B2FF}" type="datetimeFigureOut">
               <a:rPr lang="en-PH" smtClean="0"/>
-              <a:t>05/14/2024</a:t>
+              <a:t>05/17/2024</a:t>
             </a:fld>
             <a:endParaRPr lang="en-PH"/>
           </a:p>
@@ -2931,7 +2932,7 @@
           <a:p>
             <a:fld id="{F6E9F5A1-C99C-41F9-B991-61D99245B2FF}" type="datetimeFigureOut">
               <a:rPr lang="en-PH" smtClean="0"/>
-              <a:t>05/14/2024</a:t>
+              <a:t>05/17/2024</a:t>
             </a:fld>
             <a:endParaRPr lang="en-PH"/>
           </a:p>
@@ -3677,8 +3678,8 @@
                 <a:chExt cx="1758883" cy="1323439"/>
               </a:xfrm>
             </p:grpSpPr>
-            <mc:AlternateContent xmlns:mc="http://schemas.openxmlformats.org/markup-compatibility/2006">
-              <mc:Choice xmlns:a14="http://schemas.microsoft.com/office/drawing/2010/main" Requires="a14">
+            <mc:AlternateContent xmlns:mc="http://schemas.openxmlformats.org/markup-compatibility/2006" xmlns:a14="http://schemas.microsoft.com/office/drawing/2010/main">
+              <mc:Choice Requires="a14">
                 <p:sp>
                   <p:nvSpPr>
                     <p:cNvPr id="15" name="TextBox 14">
@@ -3799,7 +3800,7 @@
                   </p:txBody>
                 </p:sp>
               </mc:Choice>
-              <mc:Fallback>
+              <mc:Fallback xmlns="">
                 <p:sp>
                   <p:nvSpPr>
                     <p:cNvPr id="15" name="TextBox 14">
@@ -4172,10 +4173,2440 @@
           <a:chExt cx="0" cy="0"/>
         </a:xfrm>
       </p:grpSpPr>
+      <p:sp>
+        <p:nvSpPr>
+          <p:cNvPr id="2" name="Rectangle 1">
+            <a:extLst>
+              <a:ext uri="{FF2B5EF4-FFF2-40B4-BE49-F238E27FC236}">
+                <a16:creationId xmlns:a16="http://schemas.microsoft.com/office/drawing/2014/main" id="{91A9068F-CA68-51F8-6FFD-463982A25DA3}"/>
+              </a:ext>
+            </a:extLst>
+          </p:cNvPr>
+          <p:cNvSpPr/>
+          <p:nvPr/>
+        </p:nvSpPr>
+        <p:spPr>
+          <a:xfrm>
+            <a:off x="575733" y="2007810"/>
+            <a:ext cx="3600000" cy="3600000"/>
+          </a:xfrm>
+          <a:prstGeom prst="rect">
+            <a:avLst/>
+          </a:prstGeom>
+          <a:noFill/>
+          <a:ln>
+            <a:solidFill>
+              <a:schemeClr val="accent1"/>
+            </a:solidFill>
+          </a:ln>
+        </p:spPr>
+        <p:style>
+          <a:lnRef idx="2">
+            <a:schemeClr val="accent1">
+              <a:shade val="15000"/>
+            </a:schemeClr>
+          </a:lnRef>
+          <a:fillRef idx="1">
+            <a:schemeClr val="accent1"/>
+          </a:fillRef>
+          <a:effectRef idx="0">
+            <a:schemeClr val="accent1"/>
+          </a:effectRef>
+          <a:fontRef idx="minor">
+            <a:schemeClr val="lt1"/>
+          </a:fontRef>
+        </p:style>
+        <p:txBody>
+          <a:bodyPr rtlCol="0" anchor="ctr"/>
+          <a:lstStyle/>
+          <a:p>
+            <a:pPr algn="ctr"/>
+            <a:endParaRPr lang="en-PH"/>
+          </a:p>
+        </p:txBody>
+      </p:sp>
+      <p:sp>
+        <p:nvSpPr>
+          <p:cNvPr id="3" name="Rectangle 2">
+            <a:extLst>
+              <a:ext uri="{FF2B5EF4-FFF2-40B4-BE49-F238E27FC236}">
+                <a16:creationId xmlns:a16="http://schemas.microsoft.com/office/drawing/2014/main" id="{8A5F81CC-2722-0ED8-303D-42480B408F13}"/>
+              </a:ext>
+            </a:extLst>
+          </p:cNvPr>
+          <p:cNvSpPr/>
+          <p:nvPr/>
+        </p:nvSpPr>
+        <p:spPr>
+          <a:xfrm>
+            <a:off x="4376810" y="2007810"/>
+            <a:ext cx="3600000" cy="3600000"/>
+          </a:xfrm>
+          <a:prstGeom prst="rect">
+            <a:avLst/>
+          </a:prstGeom>
+          <a:noFill/>
+          <a:ln>
+            <a:solidFill>
+              <a:schemeClr val="accent1"/>
+            </a:solidFill>
+          </a:ln>
+        </p:spPr>
+        <p:style>
+          <a:lnRef idx="2">
+            <a:schemeClr val="accent1">
+              <a:shade val="15000"/>
+            </a:schemeClr>
+          </a:lnRef>
+          <a:fillRef idx="1">
+            <a:schemeClr val="accent1"/>
+          </a:fillRef>
+          <a:effectRef idx="0">
+            <a:schemeClr val="accent1"/>
+          </a:effectRef>
+          <a:fontRef idx="minor">
+            <a:schemeClr val="lt1"/>
+          </a:fontRef>
+        </p:style>
+        <p:txBody>
+          <a:bodyPr rtlCol="0" anchor="ctr"/>
+          <a:lstStyle/>
+          <a:p>
+            <a:pPr algn="ctr"/>
+            <a:endParaRPr lang="en-PH"/>
+          </a:p>
+        </p:txBody>
+      </p:sp>
+      <p:sp>
+        <p:nvSpPr>
+          <p:cNvPr id="4" name="Rectangle 3">
+            <a:extLst>
+              <a:ext uri="{FF2B5EF4-FFF2-40B4-BE49-F238E27FC236}">
+                <a16:creationId xmlns:a16="http://schemas.microsoft.com/office/drawing/2014/main" id="{B1B1F4B4-B261-F312-35CC-AC5B0D2C4CA9}"/>
+              </a:ext>
+            </a:extLst>
+          </p:cNvPr>
+          <p:cNvSpPr/>
+          <p:nvPr/>
+        </p:nvSpPr>
+        <p:spPr>
+          <a:xfrm>
+            <a:off x="8177888" y="2007810"/>
+            <a:ext cx="3600000" cy="3600000"/>
+          </a:xfrm>
+          <a:prstGeom prst="rect">
+            <a:avLst/>
+          </a:prstGeom>
+          <a:noFill/>
+          <a:ln>
+            <a:solidFill>
+              <a:schemeClr val="accent1"/>
+            </a:solidFill>
+          </a:ln>
+        </p:spPr>
+        <p:style>
+          <a:lnRef idx="2">
+            <a:schemeClr val="accent1">
+              <a:shade val="15000"/>
+            </a:schemeClr>
+          </a:lnRef>
+          <a:fillRef idx="1">
+            <a:schemeClr val="accent1"/>
+          </a:fillRef>
+          <a:effectRef idx="0">
+            <a:schemeClr val="accent1"/>
+          </a:effectRef>
+          <a:fontRef idx="minor">
+            <a:schemeClr val="lt1"/>
+          </a:fontRef>
+        </p:style>
+        <p:txBody>
+          <a:bodyPr rtlCol="0" anchor="ctr"/>
+          <a:lstStyle/>
+          <a:p>
+            <a:pPr algn="ctr"/>
+            <a:endParaRPr lang="en-PH"/>
+          </a:p>
+        </p:txBody>
+      </p:sp>
+      <p:sp>
+        <p:nvSpPr>
+          <p:cNvPr id="5" name="Oval 4">
+            <a:extLst>
+              <a:ext uri="{FF2B5EF4-FFF2-40B4-BE49-F238E27FC236}">
+                <a16:creationId xmlns:a16="http://schemas.microsoft.com/office/drawing/2014/main" id="{20FF252F-EB0A-3EA2-1C69-1E4DDD4AAFB3}"/>
+              </a:ext>
+            </a:extLst>
+          </p:cNvPr>
+          <p:cNvSpPr/>
+          <p:nvPr/>
+        </p:nvSpPr>
+        <p:spPr>
+          <a:xfrm>
+            <a:off x="1475733" y="2907810"/>
+            <a:ext cx="168388" cy="172286"/>
+          </a:xfrm>
+          <a:prstGeom prst="ellipse">
+            <a:avLst/>
+          </a:prstGeom>
+        </p:spPr>
+        <p:style>
+          <a:lnRef idx="2">
+            <a:schemeClr val="accent1">
+              <a:shade val="15000"/>
+            </a:schemeClr>
+          </a:lnRef>
+          <a:fillRef idx="1">
+            <a:schemeClr val="accent1"/>
+          </a:fillRef>
+          <a:effectRef idx="0">
+            <a:schemeClr val="accent1"/>
+          </a:effectRef>
+          <a:fontRef idx="minor">
+            <a:schemeClr val="lt1"/>
+          </a:fontRef>
+        </p:style>
+        <p:txBody>
+          <a:bodyPr rtlCol="0" anchor="ctr"/>
+          <a:lstStyle/>
+          <a:p>
+            <a:pPr algn="ctr"/>
+            <a:endParaRPr lang="en-PH"/>
+          </a:p>
+        </p:txBody>
+      </p:sp>
+      <p:sp>
+        <p:nvSpPr>
+          <p:cNvPr id="6" name="Oval 5">
+            <a:extLst>
+              <a:ext uri="{FF2B5EF4-FFF2-40B4-BE49-F238E27FC236}">
+                <a16:creationId xmlns:a16="http://schemas.microsoft.com/office/drawing/2014/main" id="{18C2E593-A8A6-B49D-CDFF-8CE755D82B6C}"/>
+              </a:ext>
+            </a:extLst>
+          </p:cNvPr>
+          <p:cNvSpPr/>
+          <p:nvPr/>
+        </p:nvSpPr>
+        <p:spPr>
+          <a:xfrm>
+            <a:off x="3107345" y="4535524"/>
+            <a:ext cx="168388" cy="172286"/>
+          </a:xfrm>
+          <a:prstGeom prst="ellipse">
+            <a:avLst/>
+          </a:prstGeom>
+        </p:spPr>
+        <p:style>
+          <a:lnRef idx="2">
+            <a:schemeClr val="accent1">
+              <a:shade val="15000"/>
+            </a:schemeClr>
+          </a:lnRef>
+          <a:fillRef idx="1">
+            <a:schemeClr val="accent1"/>
+          </a:fillRef>
+          <a:effectRef idx="0">
+            <a:schemeClr val="accent1"/>
+          </a:effectRef>
+          <a:fontRef idx="minor">
+            <a:schemeClr val="lt1"/>
+          </a:fontRef>
+        </p:style>
+        <p:txBody>
+          <a:bodyPr rtlCol="0" anchor="ctr"/>
+          <a:lstStyle/>
+          <a:p>
+            <a:pPr algn="ctr"/>
+            <a:endParaRPr lang="en-PH"/>
+          </a:p>
+        </p:txBody>
+      </p:sp>
+      <p:cxnSp>
+        <p:nvCxnSpPr>
+          <p:cNvPr id="7" name="Straight Arrow Connector 6">
+            <a:extLst>
+              <a:ext uri="{FF2B5EF4-FFF2-40B4-BE49-F238E27FC236}">
+                <a16:creationId xmlns:a16="http://schemas.microsoft.com/office/drawing/2014/main" id="{9ADE819C-1FF7-A7B0-6D98-8CB3420B2E52}"/>
+              </a:ext>
+            </a:extLst>
+          </p:cNvPr>
+          <p:cNvCxnSpPr>
+            <a:cxnSpLocks/>
+            <a:stCxn id="5" idx="1"/>
+          </p:cNvCxnSpPr>
+          <p:nvPr/>
+        </p:nvCxnSpPr>
+        <p:spPr>
+          <a:xfrm flipH="1" flipV="1">
+            <a:off x="575733" y="2007810"/>
+            <a:ext cx="924660" cy="925231"/>
+          </a:xfrm>
+          <a:prstGeom prst="straightConnector1">
+            <a:avLst/>
+          </a:prstGeom>
+          <a:ln>
+            <a:tailEnd type="triangle"/>
+          </a:ln>
+        </p:spPr>
+        <p:style>
+          <a:lnRef idx="2">
+            <a:schemeClr val="accent1"/>
+          </a:lnRef>
+          <a:fillRef idx="0">
+            <a:schemeClr val="accent1"/>
+          </a:fillRef>
+          <a:effectRef idx="1">
+            <a:schemeClr val="accent1"/>
+          </a:effectRef>
+          <a:fontRef idx="minor">
+            <a:schemeClr val="tx1"/>
+          </a:fontRef>
+        </p:style>
+      </p:cxnSp>
+      <p:cxnSp>
+        <p:nvCxnSpPr>
+          <p:cNvPr id="8" name="Straight Arrow Connector 7">
+            <a:extLst>
+              <a:ext uri="{FF2B5EF4-FFF2-40B4-BE49-F238E27FC236}">
+                <a16:creationId xmlns:a16="http://schemas.microsoft.com/office/drawing/2014/main" id="{25D86978-D59C-834A-2001-79B1022E8736}"/>
+              </a:ext>
+            </a:extLst>
+          </p:cNvPr>
+          <p:cNvCxnSpPr>
+            <a:cxnSpLocks/>
+            <a:stCxn id="5" idx="5"/>
+          </p:cNvCxnSpPr>
+          <p:nvPr/>
+        </p:nvCxnSpPr>
+        <p:spPr>
+          <a:xfrm>
+            <a:off x="1619461" y="3054865"/>
+            <a:ext cx="756271" cy="752944"/>
+          </a:xfrm>
+          <a:prstGeom prst="straightConnector1">
+            <a:avLst/>
+          </a:prstGeom>
+          <a:ln>
+            <a:tailEnd type="triangle"/>
+          </a:ln>
+        </p:spPr>
+        <p:style>
+          <a:lnRef idx="2">
+            <a:schemeClr val="accent1"/>
+          </a:lnRef>
+          <a:fillRef idx="0">
+            <a:schemeClr val="accent1"/>
+          </a:fillRef>
+          <a:effectRef idx="1">
+            <a:schemeClr val="accent1"/>
+          </a:effectRef>
+          <a:fontRef idx="minor">
+            <a:schemeClr val="tx1"/>
+          </a:fontRef>
+        </p:style>
+      </p:cxnSp>
+      <p:cxnSp>
+        <p:nvCxnSpPr>
+          <p:cNvPr id="9" name="Straight Arrow Connector 8">
+            <a:extLst>
+              <a:ext uri="{FF2B5EF4-FFF2-40B4-BE49-F238E27FC236}">
+                <a16:creationId xmlns:a16="http://schemas.microsoft.com/office/drawing/2014/main" id="{D043654D-F6B9-2C34-4008-24B66741FEC3}"/>
+              </a:ext>
+            </a:extLst>
+          </p:cNvPr>
+          <p:cNvCxnSpPr>
+            <a:cxnSpLocks/>
+            <a:stCxn id="6" idx="1"/>
+          </p:cNvCxnSpPr>
+          <p:nvPr/>
+        </p:nvCxnSpPr>
+        <p:spPr>
+          <a:xfrm flipH="1" flipV="1">
+            <a:off x="2375732" y="3807809"/>
+            <a:ext cx="756273" cy="752946"/>
+          </a:xfrm>
+          <a:prstGeom prst="straightConnector1">
+            <a:avLst/>
+          </a:prstGeom>
+          <a:ln>
+            <a:tailEnd type="triangle"/>
+          </a:ln>
+        </p:spPr>
+        <p:style>
+          <a:lnRef idx="2">
+            <a:schemeClr val="accent1"/>
+          </a:lnRef>
+          <a:fillRef idx="0">
+            <a:schemeClr val="accent1"/>
+          </a:fillRef>
+          <a:effectRef idx="1">
+            <a:schemeClr val="accent1"/>
+          </a:effectRef>
+          <a:fontRef idx="minor">
+            <a:schemeClr val="tx1"/>
+          </a:fontRef>
+        </p:style>
+      </p:cxnSp>
+      <p:cxnSp>
+        <p:nvCxnSpPr>
+          <p:cNvPr id="10" name="Straight Arrow Connector 9">
+            <a:extLst>
+              <a:ext uri="{FF2B5EF4-FFF2-40B4-BE49-F238E27FC236}">
+                <a16:creationId xmlns:a16="http://schemas.microsoft.com/office/drawing/2014/main" id="{5FC0406D-0B73-29A8-0603-3EC74A070FBC}"/>
+              </a:ext>
+            </a:extLst>
+          </p:cNvPr>
+          <p:cNvCxnSpPr>
+            <a:cxnSpLocks/>
+            <a:stCxn id="6" idx="5"/>
+          </p:cNvCxnSpPr>
+          <p:nvPr/>
+        </p:nvCxnSpPr>
+        <p:spPr>
+          <a:xfrm>
+            <a:off x="3251073" y="4682579"/>
+            <a:ext cx="924660" cy="925231"/>
+          </a:xfrm>
+          <a:prstGeom prst="straightConnector1">
+            <a:avLst/>
+          </a:prstGeom>
+          <a:ln>
+            <a:tailEnd type="triangle"/>
+          </a:ln>
+        </p:spPr>
+        <p:style>
+          <a:lnRef idx="2">
+            <a:schemeClr val="accent1"/>
+          </a:lnRef>
+          <a:fillRef idx="0">
+            <a:schemeClr val="accent1"/>
+          </a:fillRef>
+          <a:effectRef idx="1">
+            <a:schemeClr val="accent1"/>
+          </a:effectRef>
+          <a:fontRef idx="minor">
+            <a:schemeClr val="tx1"/>
+          </a:fontRef>
+        </p:style>
+      </p:cxnSp>
+      <p:grpSp>
+        <p:nvGrpSpPr>
+          <p:cNvPr id="11" name="Group 10">
+            <a:extLst>
+              <a:ext uri="{FF2B5EF4-FFF2-40B4-BE49-F238E27FC236}">
+                <a16:creationId xmlns:a16="http://schemas.microsoft.com/office/drawing/2014/main" id="{39B59187-5EA0-78F3-6996-B5858FCDAF62}"/>
+              </a:ext>
+            </a:extLst>
+          </p:cNvPr>
+          <p:cNvGrpSpPr/>
+          <p:nvPr/>
+        </p:nvGrpSpPr>
+        <p:grpSpPr>
+          <a:xfrm rot="16200000">
+            <a:off x="558892" y="2010270"/>
+            <a:ext cx="3600000" cy="3600000"/>
+            <a:chOff x="728133" y="2160210"/>
+            <a:chExt cx="3600000" cy="3600000"/>
+          </a:xfrm>
+        </p:grpSpPr>
+        <p:sp>
+          <p:nvSpPr>
+            <p:cNvPr id="12" name="Oval 11">
+              <a:extLst>
+                <a:ext uri="{FF2B5EF4-FFF2-40B4-BE49-F238E27FC236}">
+                  <a16:creationId xmlns:a16="http://schemas.microsoft.com/office/drawing/2014/main" id="{087176AD-AE63-C7DD-60BB-5CD6662C3971}"/>
+                </a:ext>
+              </a:extLst>
+            </p:cNvPr>
+            <p:cNvSpPr/>
+            <p:nvPr/>
+          </p:nvSpPr>
+          <p:spPr>
+            <a:xfrm>
+              <a:off x="1628133" y="3060210"/>
+              <a:ext cx="168388" cy="172286"/>
+            </a:xfrm>
+            <a:prstGeom prst="ellipse">
+              <a:avLst/>
+            </a:prstGeom>
+          </p:spPr>
+          <p:style>
+            <a:lnRef idx="2">
+              <a:schemeClr val="accent1">
+                <a:shade val="15000"/>
+              </a:schemeClr>
+            </a:lnRef>
+            <a:fillRef idx="1">
+              <a:schemeClr val="accent1"/>
+            </a:fillRef>
+            <a:effectRef idx="0">
+              <a:schemeClr val="accent1"/>
+            </a:effectRef>
+            <a:fontRef idx="minor">
+              <a:schemeClr val="lt1"/>
+            </a:fontRef>
+          </p:style>
+          <p:txBody>
+            <a:bodyPr rtlCol="0" anchor="ctr"/>
+            <a:lstStyle/>
+            <a:p>
+              <a:pPr algn="ctr"/>
+              <a:endParaRPr lang="en-PH"/>
+            </a:p>
+          </p:txBody>
+        </p:sp>
+        <p:sp>
+          <p:nvSpPr>
+            <p:cNvPr id="13" name="Oval 12">
+              <a:extLst>
+                <a:ext uri="{FF2B5EF4-FFF2-40B4-BE49-F238E27FC236}">
+                  <a16:creationId xmlns:a16="http://schemas.microsoft.com/office/drawing/2014/main" id="{88603B28-DBCF-431F-969E-2B909D7E1391}"/>
+                </a:ext>
+              </a:extLst>
+            </p:cNvPr>
+            <p:cNvSpPr/>
+            <p:nvPr/>
+          </p:nvSpPr>
+          <p:spPr>
+            <a:xfrm>
+              <a:off x="3259745" y="4687924"/>
+              <a:ext cx="168388" cy="172286"/>
+            </a:xfrm>
+            <a:prstGeom prst="ellipse">
+              <a:avLst/>
+            </a:prstGeom>
+          </p:spPr>
+          <p:style>
+            <a:lnRef idx="2">
+              <a:schemeClr val="accent1">
+                <a:shade val="15000"/>
+              </a:schemeClr>
+            </a:lnRef>
+            <a:fillRef idx="1">
+              <a:schemeClr val="accent1"/>
+            </a:fillRef>
+            <a:effectRef idx="0">
+              <a:schemeClr val="accent1"/>
+            </a:effectRef>
+            <a:fontRef idx="minor">
+              <a:schemeClr val="lt1"/>
+            </a:fontRef>
+          </p:style>
+          <p:txBody>
+            <a:bodyPr rtlCol="0" anchor="ctr"/>
+            <a:lstStyle/>
+            <a:p>
+              <a:pPr algn="ctr"/>
+              <a:endParaRPr lang="en-PH"/>
+            </a:p>
+          </p:txBody>
+        </p:sp>
+        <p:cxnSp>
+          <p:nvCxnSpPr>
+            <p:cNvPr id="14" name="Straight Arrow Connector 13">
+              <a:extLst>
+                <a:ext uri="{FF2B5EF4-FFF2-40B4-BE49-F238E27FC236}">
+                  <a16:creationId xmlns:a16="http://schemas.microsoft.com/office/drawing/2014/main" id="{1D1FD65D-9448-6B8F-07BF-C1981CD986F0}"/>
+                </a:ext>
+              </a:extLst>
+            </p:cNvPr>
+            <p:cNvCxnSpPr>
+              <a:cxnSpLocks/>
+              <a:stCxn id="12" idx="1"/>
+            </p:cNvCxnSpPr>
+            <p:nvPr/>
+          </p:nvCxnSpPr>
+          <p:spPr>
+            <a:xfrm flipH="1" flipV="1">
+              <a:off x="728133" y="2160210"/>
+              <a:ext cx="924660" cy="925231"/>
+            </a:xfrm>
+            <a:prstGeom prst="straightConnector1">
+              <a:avLst/>
+            </a:prstGeom>
+            <a:ln>
+              <a:tailEnd type="triangle"/>
+            </a:ln>
+          </p:spPr>
+          <p:style>
+            <a:lnRef idx="2">
+              <a:schemeClr val="accent1"/>
+            </a:lnRef>
+            <a:fillRef idx="0">
+              <a:schemeClr val="accent1"/>
+            </a:fillRef>
+            <a:effectRef idx="1">
+              <a:schemeClr val="accent1"/>
+            </a:effectRef>
+            <a:fontRef idx="minor">
+              <a:schemeClr val="tx1"/>
+            </a:fontRef>
+          </p:style>
+        </p:cxnSp>
+        <p:cxnSp>
+          <p:nvCxnSpPr>
+            <p:cNvPr id="15" name="Straight Arrow Connector 14">
+              <a:extLst>
+                <a:ext uri="{FF2B5EF4-FFF2-40B4-BE49-F238E27FC236}">
+                  <a16:creationId xmlns:a16="http://schemas.microsoft.com/office/drawing/2014/main" id="{A9D4461A-FD0B-61BE-565B-E5EC027AE3A8}"/>
+                </a:ext>
+              </a:extLst>
+            </p:cNvPr>
+            <p:cNvCxnSpPr>
+              <a:cxnSpLocks/>
+              <a:stCxn id="12" idx="5"/>
+            </p:cNvCxnSpPr>
+            <p:nvPr/>
+          </p:nvCxnSpPr>
+          <p:spPr>
+            <a:xfrm>
+              <a:off x="1771861" y="3207265"/>
+              <a:ext cx="756271" cy="752944"/>
+            </a:xfrm>
+            <a:prstGeom prst="straightConnector1">
+              <a:avLst/>
+            </a:prstGeom>
+            <a:ln>
+              <a:tailEnd type="triangle"/>
+            </a:ln>
+          </p:spPr>
+          <p:style>
+            <a:lnRef idx="2">
+              <a:schemeClr val="accent1"/>
+            </a:lnRef>
+            <a:fillRef idx="0">
+              <a:schemeClr val="accent1"/>
+            </a:fillRef>
+            <a:effectRef idx="1">
+              <a:schemeClr val="accent1"/>
+            </a:effectRef>
+            <a:fontRef idx="minor">
+              <a:schemeClr val="tx1"/>
+            </a:fontRef>
+          </p:style>
+        </p:cxnSp>
+        <p:cxnSp>
+          <p:nvCxnSpPr>
+            <p:cNvPr id="16" name="Straight Arrow Connector 15">
+              <a:extLst>
+                <a:ext uri="{FF2B5EF4-FFF2-40B4-BE49-F238E27FC236}">
+                  <a16:creationId xmlns:a16="http://schemas.microsoft.com/office/drawing/2014/main" id="{043816CF-49F8-5532-FC25-AA5E7B18216B}"/>
+                </a:ext>
+              </a:extLst>
+            </p:cNvPr>
+            <p:cNvCxnSpPr>
+              <a:cxnSpLocks/>
+              <a:stCxn id="13" idx="1"/>
+            </p:cNvCxnSpPr>
+            <p:nvPr/>
+          </p:nvCxnSpPr>
+          <p:spPr>
+            <a:xfrm flipH="1" flipV="1">
+              <a:off x="2528132" y="3960209"/>
+              <a:ext cx="756273" cy="752946"/>
+            </a:xfrm>
+            <a:prstGeom prst="straightConnector1">
+              <a:avLst/>
+            </a:prstGeom>
+            <a:ln>
+              <a:tailEnd type="triangle"/>
+            </a:ln>
+          </p:spPr>
+          <p:style>
+            <a:lnRef idx="2">
+              <a:schemeClr val="accent1"/>
+            </a:lnRef>
+            <a:fillRef idx="0">
+              <a:schemeClr val="accent1"/>
+            </a:fillRef>
+            <a:effectRef idx="1">
+              <a:schemeClr val="accent1"/>
+            </a:effectRef>
+            <a:fontRef idx="minor">
+              <a:schemeClr val="tx1"/>
+            </a:fontRef>
+          </p:style>
+        </p:cxnSp>
+        <p:cxnSp>
+          <p:nvCxnSpPr>
+            <p:cNvPr id="17" name="Straight Arrow Connector 16">
+              <a:extLst>
+                <a:ext uri="{FF2B5EF4-FFF2-40B4-BE49-F238E27FC236}">
+                  <a16:creationId xmlns:a16="http://schemas.microsoft.com/office/drawing/2014/main" id="{E285EC25-59C5-8553-FA7D-87057E562D7E}"/>
+                </a:ext>
+              </a:extLst>
+            </p:cNvPr>
+            <p:cNvCxnSpPr>
+              <a:cxnSpLocks/>
+              <a:stCxn id="13" idx="5"/>
+            </p:cNvCxnSpPr>
+            <p:nvPr/>
+          </p:nvCxnSpPr>
+          <p:spPr>
+            <a:xfrm>
+              <a:off x="3403473" y="4834979"/>
+              <a:ext cx="924660" cy="925231"/>
+            </a:xfrm>
+            <a:prstGeom prst="straightConnector1">
+              <a:avLst/>
+            </a:prstGeom>
+            <a:ln>
+              <a:tailEnd type="triangle"/>
+            </a:ln>
+          </p:spPr>
+          <p:style>
+            <a:lnRef idx="2">
+              <a:schemeClr val="accent1"/>
+            </a:lnRef>
+            <a:fillRef idx="0">
+              <a:schemeClr val="accent1"/>
+            </a:fillRef>
+            <a:effectRef idx="1">
+              <a:schemeClr val="accent1"/>
+            </a:effectRef>
+            <a:fontRef idx="minor">
+              <a:schemeClr val="tx1"/>
+            </a:fontRef>
+          </p:style>
+        </p:cxnSp>
+      </p:grpSp>
+      <p:sp>
+        <p:nvSpPr>
+          <p:cNvPr id="19" name="Oval 18">
+            <a:extLst>
+              <a:ext uri="{FF2B5EF4-FFF2-40B4-BE49-F238E27FC236}">
+                <a16:creationId xmlns:a16="http://schemas.microsoft.com/office/drawing/2014/main" id="{565EF036-2AD5-C40A-8A88-1776DA4F9076}"/>
+              </a:ext>
+            </a:extLst>
+          </p:cNvPr>
+          <p:cNvSpPr/>
+          <p:nvPr/>
+        </p:nvSpPr>
+        <p:spPr>
+          <a:xfrm>
+            <a:off x="5916000" y="3627809"/>
+            <a:ext cx="360000" cy="360000"/>
+          </a:xfrm>
+          <a:prstGeom prst="ellipse">
+            <a:avLst/>
+          </a:prstGeom>
+        </p:spPr>
+        <p:style>
+          <a:lnRef idx="2">
+            <a:schemeClr val="accent1">
+              <a:shade val="15000"/>
+            </a:schemeClr>
+          </a:lnRef>
+          <a:fillRef idx="1">
+            <a:schemeClr val="accent1"/>
+          </a:fillRef>
+          <a:effectRef idx="0">
+            <a:schemeClr val="accent1"/>
+          </a:effectRef>
+          <a:fontRef idx="minor">
+            <a:schemeClr val="lt1"/>
+          </a:fontRef>
+        </p:style>
+        <p:txBody>
+          <a:bodyPr rtlCol="0" anchor="ctr"/>
+          <a:lstStyle/>
+          <a:p>
+            <a:pPr algn="ctr"/>
+            <a:endParaRPr lang="en-PH"/>
+          </a:p>
+        </p:txBody>
+      </p:sp>
+      <p:cxnSp>
+        <p:nvCxnSpPr>
+          <p:cNvPr id="20" name="Straight Arrow Connector 19">
+            <a:extLst>
+              <a:ext uri="{FF2B5EF4-FFF2-40B4-BE49-F238E27FC236}">
+                <a16:creationId xmlns:a16="http://schemas.microsoft.com/office/drawing/2014/main" id="{0A0DD4B1-6E57-954F-8C64-F2B33F56A92D}"/>
+              </a:ext>
+            </a:extLst>
+          </p:cNvPr>
+          <p:cNvCxnSpPr>
+            <a:stCxn id="19" idx="1"/>
+          </p:cNvCxnSpPr>
+          <p:nvPr/>
+        </p:nvCxnSpPr>
+        <p:spPr>
+          <a:xfrm flipH="1" flipV="1">
+            <a:off x="4376810" y="2007810"/>
+            <a:ext cx="1591911" cy="1672720"/>
+          </a:xfrm>
+          <a:prstGeom prst="straightConnector1">
+            <a:avLst/>
+          </a:prstGeom>
+          <a:ln>
+            <a:tailEnd type="triangle"/>
+          </a:ln>
+        </p:spPr>
+        <p:style>
+          <a:lnRef idx="2">
+            <a:schemeClr val="accent1"/>
+          </a:lnRef>
+          <a:fillRef idx="0">
+            <a:schemeClr val="accent1"/>
+          </a:fillRef>
+          <a:effectRef idx="1">
+            <a:schemeClr val="accent1"/>
+          </a:effectRef>
+          <a:fontRef idx="minor">
+            <a:schemeClr val="tx1"/>
+          </a:fontRef>
+        </p:style>
+      </p:cxnSp>
+      <p:cxnSp>
+        <p:nvCxnSpPr>
+          <p:cNvPr id="21" name="Straight Arrow Connector 20">
+            <a:extLst>
+              <a:ext uri="{FF2B5EF4-FFF2-40B4-BE49-F238E27FC236}">
+                <a16:creationId xmlns:a16="http://schemas.microsoft.com/office/drawing/2014/main" id="{E13A16F7-87F9-D227-4F0C-C175CE1F8E9F}"/>
+              </a:ext>
+            </a:extLst>
+          </p:cNvPr>
+          <p:cNvCxnSpPr>
+            <a:stCxn id="19" idx="7"/>
+          </p:cNvCxnSpPr>
+          <p:nvPr/>
+        </p:nvCxnSpPr>
+        <p:spPr>
+          <a:xfrm flipV="1">
+            <a:off x="6223279" y="2007810"/>
+            <a:ext cx="1719809" cy="1672720"/>
+          </a:xfrm>
+          <a:prstGeom prst="straightConnector1">
+            <a:avLst/>
+          </a:prstGeom>
+          <a:ln>
+            <a:tailEnd type="triangle"/>
+          </a:ln>
+        </p:spPr>
+        <p:style>
+          <a:lnRef idx="2">
+            <a:schemeClr val="accent1"/>
+          </a:lnRef>
+          <a:fillRef idx="0">
+            <a:schemeClr val="accent1"/>
+          </a:fillRef>
+          <a:effectRef idx="1">
+            <a:schemeClr val="accent1"/>
+          </a:effectRef>
+          <a:fontRef idx="minor">
+            <a:schemeClr val="tx1"/>
+          </a:fontRef>
+        </p:style>
+      </p:cxnSp>
+      <p:cxnSp>
+        <p:nvCxnSpPr>
+          <p:cNvPr id="22" name="Straight Arrow Connector 21">
+            <a:extLst>
+              <a:ext uri="{FF2B5EF4-FFF2-40B4-BE49-F238E27FC236}">
+                <a16:creationId xmlns:a16="http://schemas.microsoft.com/office/drawing/2014/main" id="{0FDD580E-C8B6-C372-9A01-8CD49FB945CE}"/>
+              </a:ext>
+            </a:extLst>
+          </p:cNvPr>
+          <p:cNvCxnSpPr>
+            <a:stCxn id="19" idx="3"/>
+          </p:cNvCxnSpPr>
+          <p:nvPr/>
+        </p:nvCxnSpPr>
+        <p:spPr>
+          <a:xfrm flipH="1">
+            <a:off x="4413504" y="3935088"/>
+            <a:ext cx="1555217" cy="1645800"/>
+          </a:xfrm>
+          <a:prstGeom prst="straightConnector1">
+            <a:avLst/>
+          </a:prstGeom>
+          <a:ln>
+            <a:tailEnd type="triangle"/>
+          </a:ln>
+        </p:spPr>
+        <p:style>
+          <a:lnRef idx="2">
+            <a:schemeClr val="accent1"/>
+          </a:lnRef>
+          <a:fillRef idx="0">
+            <a:schemeClr val="accent1"/>
+          </a:fillRef>
+          <a:effectRef idx="1">
+            <a:schemeClr val="accent1"/>
+          </a:effectRef>
+          <a:fontRef idx="minor">
+            <a:schemeClr val="tx1"/>
+          </a:fontRef>
+        </p:style>
+      </p:cxnSp>
+      <p:cxnSp>
+        <p:nvCxnSpPr>
+          <p:cNvPr id="23" name="Straight Arrow Connector 22">
+            <a:extLst>
+              <a:ext uri="{FF2B5EF4-FFF2-40B4-BE49-F238E27FC236}">
+                <a16:creationId xmlns:a16="http://schemas.microsoft.com/office/drawing/2014/main" id="{22FF0F42-CFFF-BB0B-2BCA-EF6A6ED3788D}"/>
+              </a:ext>
+            </a:extLst>
+          </p:cNvPr>
+          <p:cNvCxnSpPr>
+            <a:cxnSpLocks/>
+            <a:stCxn id="19" idx="5"/>
+          </p:cNvCxnSpPr>
+          <p:nvPr/>
+        </p:nvCxnSpPr>
+        <p:spPr>
+          <a:xfrm>
+            <a:off x="6223279" y="3935088"/>
+            <a:ext cx="1727171" cy="1652811"/>
+          </a:xfrm>
+          <a:prstGeom prst="straightConnector1">
+            <a:avLst/>
+          </a:prstGeom>
+          <a:ln>
+            <a:tailEnd type="triangle"/>
+          </a:ln>
+        </p:spPr>
+        <p:style>
+          <a:lnRef idx="2">
+            <a:schemeClr val="accent1"/>
+          </a:lnRef>
+          <a:fillRef idx="0">
+            <a:schemeClr val="accent1"/>
+          </a:fillRef>
+          <a:effectRef idx="1">
+            <a:schemeClr val="accent1"/>
+          </a:effectRef>
+          <a:fontRef idx="minor">
+            <a:schemeClr val="tx1"/>
+          </a:fontRef>
+        </p:style>
+      </p:cxnSp>
+      <p:sp>
+        <p:nvSpPr>
+          <p:cNvPr id="25" name="Oval 24">
+            <a:extLst>
+              <a:ext uri="{FF2B5EF4-FFF2-40B4-BE49-F238E27FC236}">
+                <a16:creationId xmlns:a16="http://schemas.microsoft.com/office/drawing/2014/main" id="{DB945A88-3D67-D254-0D8F-61DE87F8FFE5}"/>
+              </a:ext>
+            </a:extLst>
+          </p:cNvPr>
+          <p:cNvSpPr/>
+          <p:nvPr/>
+        </p:nvSpPr>
+        <p:spPr>
+          <a:xfrm>
+            <a:off x="8087887" y="1917810"/>
+            <a:ext cx="180000" cy="180000"/>
+          </a:xfrm>
+          <a:prstGeom prst="ellipse">
+            <a:avLst/>
+          </a:prstGeom>
+        </p:spPr>
+        <p:style>
+          <a:lnRef idx="2">
+            <a:schemeClr val="accent1">
+              <a:shade val="15000"/>
+            </a:schemeClr>
+          </a:lnRef>
+          <a:fillRef idx="1">
+            <a:schemeClr val="accent1"/>
+          </a:fillRef>
+          <a:effectRef idx="0">
+            <a:schemeClr val="accent1"/>
+          </a:effectRef>
+          <a:fontRef idx="minor">
+            <a:schemeClr val="lt1"/>
+          </a:fontRef>
+        </p:style>
+        <p:txBody>
+          <a:bodyPr rtlCol="0" anchor="ctr"/>
+          <a:lstStyle/>
+          <a:p>
+            <a:pPr algn="ctr"/>
+            <a:endParaRPr lang="en-PH"/>
+          </a:p>
+        </p:txBody>
+      </p:sp>
+      <p:sp>
+        <p:nvSpPr>
+          <p:cNvPr id="26" name="Oval 25">
+            <a:extLst>
+              <a:ext uri="{FF2B5EF4-FFF2-40B4-BE49-F238E27FC236}">
+                <a16:creationId xmlns:a16="http://schemas.microsoft.com/office/drawing/2014/main" id="{972DAEA7-AB5C-66B2-15CE-7333D9AAEB51}"/>
+              </a:ext>
+            </a:extLst>
+          </p:cNvPr>
+          <p:cNvSpPr/>
+          <p:nvPr/>
+        </p:nvSpPr>
+        <p:spPr>
+          <a:xfrm>
+            <a:off x="8087887" y="5497899"/>
+            <a:ext cx="180000" cy="180000"/>
+          </a:xfrm>
+          <a:prstGeom prst="ellipse">
+            <a:avLst/>
+          </a:prstGeom>
+        </p:spPr>
+        <p:style>
+          <a:lnRef idx="2">
+            <a:schemeClr val="accent1">
+              <a:shade val="15000"/>
+            </a:schemeClr>
+          </a:lnRef>
+          <a:fillRef idx="1">
+            <a:schemeClr val="accent1"/>
+          </a:fillRef>
+          <a:effectRef idx="0">
+            <a:schemeClr val="accent1"/>
+          </a:effectRef>
+          <a:fontRef idx="minor">
+            <a:schemeClr val="lt1"/>
+          </a:fontRef>
+        </p:style>
+        <p:txBody>
+          <a:bodyPr rtlCol="0" anchor="ctr"/>
+          <a:lstStyle/>
+          <a:p>
+            <a:pPr algn="ctr"/>
+            <a:endParaRPr lang="en-PH"/>
+          </a:p>
+        </p:txBody>
+      </p:sp>
+      <p:sp>
+        <p:nvSpPr>
+          <p:cNvPr id="27" name="Oval 26">
+            <a:extLst>
+              <a:ext uri="{FF2B5EF4-FFF2-40B4-BE49-F238E27FC236}">
+                <a16:creationId xmlns:a16="http://schemas.microsoft.com/office/drawing/2014/main" id="{A1C16AAE-B7B7-9E61-4CA3-CFEF3A41AFF3}"/>
+              </a:ext>
+            </a:extLst>
+          </p:cNvPr>
+          <p:cNvSpPr/>
+          <p:nvPr/>
+        </p:nvSpPr>
+        <p:spPr>
+          <a:xfrm>
+            <a:off x="11682604" y="5517810"/>
+            <a:ext cx="180000" cy="180000"/>
+          </a:xfrm>
+          <a:prstGeom prst="ellipse">
+            <a:avLst/>
+          </a:prstGeom>
+        </p:spPr>
+        <p:style>
+          <a:lnRef idx="2">
+            <a:schemeClr val="accent1">
+              <a:shade val="15000"/>
+            </a:schemeClr>
+          </a:lnRef>
+          <a:fillRef idx="1">
+            <a:schemeClr val="accent1"/>
+          </a:fillRef>
+          <a:effectRef idx="0">
+            <a:schemeClr val="accent1"/>
+          </a:effectRef>
+          <a:fontRef idx="minor">
+            <a:schemeClr val="lt1"/>
+          </a:fontRef>
+        </p:style>
+        <p:txBody>
+          <a:bodyPr rtlCol="0" anchor="ctr"/>
+          <a:lstStyle/>
+          <a:p>
+            <a:pPr algn="ctr"/>
+            <a:endParaRPr lang="en-PH"/>
+          </a:p>
+        </p:txBody>
+      </p:sp>
+      <p:sp>
+        <p:nvSpPr>
+          <p:cNvPr id="28" name="Oval 27">
+            <a:extLst>
+              <a:ext uri="{FF2B5EF4-FFF2-40B4-BE49-F238E27FC236}">
+                <a16:creationId xmlns:a16="http://schemas.microsoft.com/office/drawing/2014/main" id="{6BEDD6C5-FC60-8672-F243-C44B9C038E8F}"/>
+              </a:ext>
+            </a:extLst>
+          </p:cNvPr>
+          <p:cNvSpPr/>
+          <p:nvPr/>
+        </p:nvSpPr>
+        <p:spPr>
+          <a:xfrm>
+            <a:off x="11682604" y="1925430"/>
+            <a:ext cx="180000" cy="180000"/>
+          </a:xfrm>
+          <a:prstGeom prst="ellipse">
+            <a:avLst/>
+          </a:prstGeom>
+        </p:spPr>
+        <p:style>
+          <a:lnRef idx="2">
+            <a:schemeClr val="accent1">
+              <a:shade val="15000"/>
+            </a:schemeClr>
+          </a:lnRef>
+          <a:fillRef idx="1">
+            <a:schemeClr val="accent1"/>
+          </a:fillRef>
+          <a:effectRef idx="0">
+            <a:schemeClr val="accent1"/>
+          </a:effectRef>
+          <a:fontRef idx="minor">
+            <a:schemeClr val="lt1"/>
+          </a:fontRef>
+        </p:style>
+        <p:txBody>
+          <a:bodyPr rtlCol="0" anchor="ctr"/>
+          <a:lstStyle/>
+          <a:p>
+            <a:pPr algn="ctr"/>
+            <a:endParaRPr lang="en-PH"/>
+          </a:p>
+        </p:txBody>
+      </p:sp>
+      <p:cxnSp>
+        <p:nvCxnSpPr>
+          <p:cNvPr id="29" name="Straight Arrow Connector 28">
+            <a:extLst>
+              <a:ext uri="{FF2B5EF4-FFF2-40B4-BE49-F238E27FC236}">
+                <a16:creationId xmlns:a16="http://schemas.microsoft.com/office/drawing/2014/main" id="{D06591B7-F67E-5AEB-CE05-BCF816178908}"/>
+              </a:ext>
+            </a:extLst>
+          </p:cNvPr>
+          <p:cNvCxnSpPr>
+            <a:cxnSpLocks/>
+            <a:stCxn id="25" idx="5"/>
+          </p:cNvCxnSpPr>
+          <p:nvPr/>
+        </p:nvCxnSpPr>
+        <p:spPr>
+          <a:xfrm>
+            <a:off x="8241527" y="2071450"/>
+            <a:ext cx="1736361" cy="1736359"/>
+          </a:xfrm>
+          <a:prstGeom prst="straightConnector1">
+            <a:avLst/>
+          </a:prstGeom>
+          <a:ln>
+            <a:tailEnd type="triangle"/>
+          </a:ln>
+        </p:spPr>
+        <p:style>
+          <a:lnRef idx="2">
+            <a:schemeClr val="accent1"/>
+          </a:lnRef>
+          <a:fillRef idx="0">
+            <a:schemeClr val="accent1"/>
+          </a:fillRef>
+          <a:effectRef idx="1">
+            <a:schemeClr val="accent1"/>
+          </a:effectRef>
+          <a:fontRef idx="minor">
+            <a:schemeClr val="tx1"/>
+          </a:fontRef>
+        </p:style>
+      </p:cxnSp>
+      <p:cxnSp>
+        <p:nvCxnSpPr>
+          <p:cNvPr id="30" name="Straight Arrow Connector 29">
+            <a:extLst>
+              <a:ext uri="{FF2B5EF4-FFF2-40B4-BE49-F238E27FC236}">
+                <a16:creationId xmlns:a16="http://schemas.microsoft.com/office/drawing/2014/main" id="{39E4B417-9D3D-274F-DA60-D68A773197AC}"/>
+              </a:ext>
+            </a:extLst>
+          </p:cNvPr>
+          <p:cNvCxnSpPr>
+            <a:stCxn id="26" idx="7"/>
+          </p:cNvCxnSpPr>
+          <p:nvPr/>
+        </p:nvCxnSpPr>
+        <p:spPr>
+          <a:xfrm flipV="1">
+            <a:off x="8241527" y="3794631"/>
+            <a:ext cx="1731075" cy="1729628"/>
+          </a:xfrm>
+          <a:prstGeom prst="straightConnector1">
+            <a:avLst/>
+          </a:prstGeom>
+          <a:ln>
+            <a:tailEnd type="triangle"/>
+          </a:ln>
+        </p:spPr>
+        <p:style>
+          <a:lnRef idx="2">
+            <a:schemeClr val="accent1"/>
+          </a:lnRef>
+          <a:fillRef idx="0">
+            <a:schemeClr val="accent1"/>
+          </a:fillRef>
+          <a:effectRef idx="1">
+            <a:schemeClr val="accent1"/>
+          </a:effectRef>
+          <a:fontRef idx="minor">
+            <a:schemeClr val="tx1"/>
+          </a:fontRef>
+        </p:style>
+      </p:cxnSp>
+      <p:cxnSp>
+        <p:nvCxnSpPr>
+          <p:cNvPr id="31" name="Straight Arrow Connector 30">
+            <a:extLst>
+              <a:ext uri="{FF2B5EF4-FFF2-40B4-BE49-F238E27FC236}">
+                <a16:creationId xmlns:a16="http://schemas.microsoft.com/office/drawing/2014/main" id="{9BD96F9A-058E-1362-6345-D25652237610}"/>
+              </a:ext>
+            </a:extLst>
+          </p:cNvPr>
+          <p:cNvCxnSpPr>
+            <a:cxnSpLocks/>
+            <a:stCxn id="28" idx="3"/>
+          </p:cNvCxnSpPr>
+          <p:nvPr/>
+        </p:nvCxnSpPr>
+        <p:spPr>
+          <a:xfrm flipH="1">
+            <a:off x="9983174" y="2079070"/>
+            <a:ext cx="1725790" cy="1728739"/>
+          </a:xfrm>
+          <a:prstGeom prst="straightConnector1">
+            <a:avLst/>
+          </a:prstGeom>
+          <a:ln>
+            <a:tailEnd type="triangle"/>
+          </a:ln>
+        </p:spPr>
+        <p:style>
+          <a:lnRef idx="2">
+            <a:schemeClr val="accent1"/>
+          </a:lnRef>
+          <a:fillRef idx="0">
+            <a:schemeClr val="accent1"/>
+          </a:fillRef>
+          <a:effectRef idx="1">
+            <a:schemeClr val="accent1"/>
+          </a:effectRef>
+          <a:fontRef idx="minor">
+            <a:schemeClr val="tx1"/>
+          </a:fontRef>
+        </p:style>
+      </p:cxnSp>
+      <p:cxnSp>
+        <p:nvCxnSpPr>
+          <p:cNvPr id="32" name="Straight Arrow Connector 31">
+            <a:extLst>
+              <a:ext uri="{FF2B5EF4-FFF2-40B4-BE49-F238E27FC236}">
+                <a16:creationId xmlns:a16="http://schemas.microsoft.com/office/drawing/2014/main" id="{0E334835-E3F1-0EA9-D6CC-D73BC5B62186}"/>
+              </a:ext>
+            </a:extLst>
+          </p:cNvPr>
+          <p:cNvCxnSpPr>
+            <a:stCxn id="27" idx="1"/>
+          </p:cNvCxnSpPr>
+          <p:nvPr/>
+        </p:nvCxnSpPr>
+        <p:spPr>
+          <a:xfrm flipH="1" flipV="1">
+            <a:off x="9972602" y="3794631"/>
+            <a:ext cx="1736362" cy="1749539"/>
+          </a:xfrm>
+          <a:prstGeom prst="straightConnector1">
+            <a:avLst/>
+          </a:prstGeom>
+          <a:ln>
+            <a:tailEnd type="triangle"/>
+          </a:ln>
+        </p:spPr>
+        <p:style>
+          <a:lnRef idx="2">
+            <a:schemeClr val="accent1"/>
+          </a:lnRef>
+          <a:fillRef idx="0">
+            <a:schemeClr val="accent1"/>
+          </a:fillRef>
+          <a:effectRef idx="1">
+            <a:schemeClr val="accent1"/>
+          </a:effectRef>
+          <a:fontRef idx="minor">
+            <a:schemeClr val="tx1"/>
+          </a:fontRef>
+        </p:style>
+      </p:cxnSp>
+      <p:sp>
+        <p:nvSpPr>
+          <p:cNvPr id="33" name="TextBox 32">
+            <a:extLst>
+              <a:ext uri="{FF2B5EF4-FFF2-40B4-BE49-F238E27FC236}">
+                <a16:creationId xmlns:a16="http://schemas.microsoft.com/office/drawing/2014/main" id="{A1A6F537-8A84-BD14-80B3-C93C5F3BB147}"/>
+              </a:ext>
+            </a:extLst>
+          </p:cNvPr>
+          <p:cNvSpPr txBox="1"/>
+          <p:nvPr/>
+        </p:nvSpPr>
+        <p:spPr>
+          <a:xfrm>
+            <a:off x="558892" y="1458469"/>
+            <a:ext cx="3616841" cy="523220"/>
+          </a:xfrm>
+          <a:prstGeom prst="rect">
+            <a:avLst/>
+          </a:prstGeom>
+          <a:noFill/>
+        </p:spPr>
+        <p:txBody>
+          <a:bodyPr wrap="square" rtlCol="0">
+            <a:spAutoFit/>
+          </a:bodyPr>
+          <a:lstStyle/>
+          <a:p>
+            <a:pPr algn="ctr"/>
+            <a:r>
+              <a:rPr lang="en-PH" sz="2800" dirty="0"/>
+              <a:t>Inner corner</a:t>
+            </a:r>
+          </a:p>
+        </p:txBody>
+      </p:sp>
+      <p:sp>
+        <p:nvSpPr>
+          <p:cNvPr id="34" name="TextBox 33">
+            <a:extLst>
+              <a:ext uri="{FF2B5EF4-FFF2-40B4-BE49-F238E27FC236}">
+                <a16:creationId xmlns:a16="http://schemas.microsoft.com/office/drawing/2014/main" id="{88374645-87A3-4FAA-446A-5702AEDAF4BC}"/>
+              </a:ext>
+            </a:extLst>
+          </p:cNvPr>
+          <p:cNvSpPr txBox="1"/>
+          <p:nvPr/>
+        </p:nvSpPr>
+        <p:spPr>
+          <a:xfrm>
+            <a:off x="4376810" y="1458469"/>
+            <a:ext cx="3566278" cy="523220"/>
+          </a:xfrm>
+          <a:prstGeom prst="rect">
+            <a:avLst/>
+          </a:prstGeom>
+          <a:noFill/>
+        </p:spPr>
+        <p:txBody>
+          <a:bodyPr wrap="square" rtlCol="0">
+            <a:spAutoFit/>
+          </a:bodyPr>
+          <a:lstStyle/>
+          <a:p>
+            <a:pPr algn="ctr"/>
+            <a:r>
+              <a:rPr lang="en-PH" sz="2800" dirty="0"/>
+              <a:t>Center</a:t>
+            </a:r>
+          </a:p>
+        </p:txBody>
+      </p:sp>
+      <p:sp>
+        <p:nvSpPr>
+          <p:cNvPr id="35" name="TextBox 34">
+            <a:extLst>
+              <a:ext uri="{FF2B5EF4-FFF2-40B4-BE49-F238E27FC236}">
+                <a16:creationId xmlns:a16="http://schemas.microsoft.com/office/drawing/2014/main" id="{D387BC27-5805-86B2-548B-CE0A237F7E57}"/>
+              </a:ext>
+            </a:extLst>
+          </p:cNvPr>
+          <p:cNvSpPr txBox="1"/>
+          <p:nvPr/>
+        </p:nvSpPr>
+        <p:spPr>
+          <a:xfrm>
+            <a:off x="8217636" y="1458469"/>
+            <a:ext cx="3600000" cy="523220"/>
+          </a:xfrm>
+          <a:prstGeom prst="rect">
+            <a:avLst/>
+          </a:prstGeom>
+          <a:noFill/>
+        </p:spPr>
+        <p:txBody>
+          <a:bodyPr wrap="square" rtlCol="0">
+            <a:spAutoFit/>
+          </a:bodyPr>
+          <a:lstStyle/>
+          <a:p>
+            <a:pPr algn="ctr"/>
+            <a:r>
+              <a:rPr lang="en-PH" sz="2800" dirty="0"/>
+              <a:t>Outer corner</a:t>
+            </a:r>
+          </a:p>
+        </p:txBody>
+      </p:sp>
     </p:spTree>
     <p:extLst>
       <p:ext uri="{BB962C8B-B14F-4D97-AF65-F5344CB8AC3E}">
         <p14:creationId xmlns:p14="http://schemas.microsoft.com/office/powerpoint/2010/main" val="2922023225"/>
+      </p:ext>
+    </p:extLst>
+  </p:cSld>
+  <p:clrMapOvr>
+    <a:masterClrMapping/>
+  </p:clrMapOvr>
+</p:sld>
+</file>
+
+<file path=ppt/slides/slide3.xml><?xml version="1.0" encoding="utf-8"?>
+<p:sld xmlns:a="http://schemas.openxmlformats.org/drawingml/2006/main" xmlns:r="http://schemas.openxmlformats.org/officeDocument/2006/relationships" xmlns:p="http://schemas.openxmlformats.org/presentationml/2006/main">
+  <p:cSld>
+    <p:spTree>
+      <p:nvGrpSpPr>
+        <p:cNvPr id="1" name=""/>
+        <p:cNvGrpSpPr/>
+        <p:nvPr/>
+      </p:nvGrpSpPr>
+      <p:grpSpPr>
+        <a:xfrm>
+          <a:off x="0" y="0"/>
+          <a:ext cx="0" cy="0"/>
+          <a:chOff x="0" y="0"/>
+          <a:chExt cx="0" cy="0"/>
+        </a:xfrm>
+      </p:grpSpPr>
+      <p:grpSp>
+        <p:nvGrpSpPr>
+          <p:cNvPr id="18" name="Group 17">
+            <a:extLst>
+              <a:ext uri="{FF2B5EF4-FFF2-40B4-BE49-F238E27FC236}">
+                <a16:creationId xmlns:a16="http://schemas.microsoft.com/office/drawing/2014/main" id="{024ABE80-B688-EAFB-2E1A-25206AB8EFBA}"/>
+              </a:ext>
+            </a:extLst>
+          </p:cNvPr>
+          <p:cNvGrpSpPr/>
+          <p:nvPr/>
+        </p:nvGrpSpPr>
+        <p:grpSpPr>
+          <a:xfrm>
+            <a:off x="1724392" y="48425"/>
+            <a:ext cx="2833282" cy="3250419"/>
+            <a:chOff x="558891" y="1458469"/>
+            <a:chExt cx="3616842" cy="4149341"/>
+          </a:xfrm>
+        </p:grpSpPr>
+        <p:sp>
+          <p:nvSpPr>
+            <p:cNvPr id="2" name="Rectangle 1">
+              <a:extLst>
+                <a:ext uri="{FF2B5EF4-FFF2-40B4-BE49-F238E27FC236}">
+                  <a16:creationId xmlns:a16="http://schemas.microsoft.com/office/drawing/2014/main" id="{91A9068F-CA68-51F8-6FFD-463982A25DA3}"/>
+                </a:ext>
+              </a:extLst>
+            </p:cNvPr>
+            <p:cNvSpPr/>
+            <p:nvPr/>
+          </p:nvSpPr>
+          <p:spPr>
+            <a:xfrm>
+              <a:off x="575733" y="2007810"/>
+              <a:ext cx="3600000" cy="3600000"/>
+            </a:xfrm>
+            <a:prstGeom prst="rect">
+              <a:avLst/>
+            </a:prstGeom>
+            <a:noFill/>
+            <a:ln>
+              <a:solidFill>
+                <a:schemeClr val="accent1"/>
+              </a:solidFill>
+            </a:ln>
+          </p:spPr>
+          <p:style>
+            <a:lnRef idx="2">
+              <a:schemeClr val="accent1">
+                <a:shade val="15000"/>
+              </a:schemeClr>
+            </a:lnRef>
+            <a:fillRef idx="1">
+              <a:schemeClr val="accent1"/>
+            </a:fillRef>
+            <a:effectRef idx="0">
+              <a:schemeClr val="accent1"/>
+            </a:effectRef>
+            <a:fontRef idx="minor">
+              <a:schemeClr val="lt1"/>
+            </a:fontRef>
+          </p:style>
+          <p:txBody>
+            <a:bodyPr rtlCol="0" anchor="ctr"/>
+            <a:lstStyle/>
+            <a:p>
+              <a:pPr algn="ctr"/>
+              <a:endParaRPr lang="en-PH"/>
+            </a:p>
+          </p:txBody>
+        </p:sp>
+        <p:sp>
+          <p:nvSpPr>
+            <p:cNvPr id="5" name="Oval 4">
+              <a:extLst>
+                <a:ext uri="{FF2B5EF4-FFF2-40B4-BE49-F238E27FC236}">
+                  <a16:creationId xmlns:a16="http://schemas.microsoft.com/office/drawing/2014/main" id="{20FF252F-EB0A-3EA2-1C69-1E4DDD4AAFB3}"/>
+                </a:ext>
+              </a:extLst>
+            </p:cNvPr>
+            <p:cNvSpPr/>
+            <p:nvPr/>
+          </p:nvSpPr>
+          <p:spPr>
+            <a:xfrm>
+              <a:off x="1475733" y="2907810"/>
+              <a:ext cx="168388" cy="172286"/>
+            </a:xfrm>
+            <a:prstGeom prst="ellipse">
+              <a:avLst/>
+            </a:prstGeom>
+          </p:spPr>
+          <p:style>
+            <a:lnRef idx="2">
+              <a:schemeClr val="accent1">
+                <a:shade val="15000"/>
+              </a:schemeClr>
+            </a:lnRef>
+            <a:fillRef idx="1">
+              <a:schemeClr val="accent1"/>
+            </a:fillRef>
+            <a:effectRef idx="0">
+              <a:schemeClr val="accent1"/>
+            </a:effectRef>
+            <a:fontRef idx="minor">
+              <a:schemeClr val="lt1"/>
+            </a:fontRef>
+          </p:style>
+          <p:txBody>
+            <a:bodyPr rtlCol="0" anchor="ctr"/>
+            <a:lstStyle/>
+            <a:p>
+              <a:pPr algn="ctr"/>
+              <a:endParaRPr lang="en-PH"/>
+            </a:p>
+          </p:txBody>
+        </p:sp>
+        <p:sp>
+          <p:nvSpPr>
+            <p:cNvPr id="6" name="Oval 5">
+              <a:extLst>
+                <a:ext uri="{FF2B5EF4-FFF2-40B4-BE49-F238E27FC236}">
+                  <a16:creationId xmlns:a16="http://schemas.microsoft.com/office/drawing/2014/main" id="{18C2E593-A8A6-B49D-CDFF-8CE755D82B6C}"/>
+                </a:ext>
+              </a:extLst>
+            </p:cNvPr>
+            <p:cNvSpPr/>
+            <p:nvPr/>
+          </p:nvSpPr>
+          <p:spPr>
+            <a:xfrm>
+              <a:off x="3107345" y="4535524"/>
+              <a:ext cx="168388" cy="172286"/>
+            </a:xfrm>
+            <a:prstGeom prst="ellipse">
+              <a:avLst/>
+            </a:prstGeom>
+          </p:spPr>
+          <p:style>
+            <a:lnRef idx="2">
+              <a:schemeClr val="accent1">
+                <a:shade val="15000"/>
+              </a:schemeClr>
+            </a:lnRef>
+            <a:fillRef idx="1">
+              <a:schemeClr val="accent1"/>
+            </a:fillRef>
+            <a:effectRef idx="0">
+              <a:schemeClr val="accent1"/>
+            </a:effectRef>
+            <a:fontRef idx="minor">
+              <a:schemeClr val="lt1"/>
+            </a:fontRef>
+          </p:style>
+          <p:txBody>
+            <a:bodyPr rtlCol="0" anchor="ctr"/>
+            <a:lstStyle/>
+            <a:p>
+              <a:pPr algn="ctr"/>
+              <a:endParaRPr lang="en-PH"/>
+            </a:p>
+          </p:txBody>
+        </p:sp>
+        <p:grpSp>
+          <p:nvGrpSpPr>
+            <p:cNvPr id="11" name="Group 10">
+              <a:extLst>
+                <a:ext uri="{FF2B5EF4-FFF2-40B4-BE49-F238E27FC236}">
+                  <a16:creationId xmlns:a16="http://schemas.microsoft.com/office/drawing/2014/main" id="{39B59187-5EA0-78F3-6996-B5858FCDAF62}"/>
+                </a:ext>
+              </a:extLst>
+            </p:cNvPr>
+            <p:cNvGrpSpPr/>
+            <p:nvPr/>
+          </p:nvGrpSpPr>
+          <p:grpSpPr>
+            <a:xfrm rot="16200000">
+              <a:off x="1458892" y="2910270"/>
+              <a:ext cx="1800000" cy="1800000"/>
+              <a:chOff x="1628133" y="3060210"/>
+              <a:chExt cx="1800000" cy="1800000"/>
+            </a:xfrm>
+          </p:grpSpPr>
+          <p:sp>
+            <p:nvSpPr>
+              <p:cNvPr id="12" name="Oval 11">
+                <a:extLst>
+                  <a:ext uri="{FF2B5EF4-FFF2-40B4-BE49-F238E27FC236}">
+                    <a16:creationId xmlns:a16="http://schemas.microsoft.com/office/drawing/2014/main" id="{087176AD-AE63-C7DD-60BB-5CD6662C3971}"/>
+                  </a:ext>
+                </a:extLst>
+              </p:cNvPr>
+              <p:cNvSpPr/>
+              <p:nvPr/>
+            </p:nvSpPr>
+            <p:spPr>
+              <a:xfrm>
+                <a:off x="1628133" y="3060210"/>
+                <a:ext cx="168388" cy="172286"/>
+              </a:xfrm>
+              <a:prstGeom prst="ellipse">
+                <a:avLst/>
+              </a:prstGeom>
+            </p:spPr>
+            <p:style>
+              <a:lnRef idx="2">
+                <a:schemeClr val="accent1">
+                  <a:shade val="15000"/>
+                </a:schemeClr>
+              </a:lnRef>
+              <a:fillRef idx="1">
+                <a:schemeClr val="accent1"/>
+              </a:fillRef>
+              <a:effectRef idx="0">
+                <a:schemeClr val="accent1"/>
+              </a:effectRef>
+              <a:fontRef idx="minor">
+                <a:schemeClr val="lt1"/>
+              </a:fontRef>
+            </p:style>
+            <p:txBody>
+              <a:bodyPr rtlCol="0" anchor="ctr"/>
+              <a:lstStyle/>
+              <a:p>
+                <a:pPr algn="ctr"/>
+                <a:endParaRPr lang="en-PH"/>
+              </a:p>
+            </p:txBody>
+          </p:sp>
+          <p:sp>
+            <p:nvSpPr>
+              <p:cNvPr id="13" name="Oval 12">
+                <a:extLst>
+                  <a:ext uri="{FF2B5EF4-FFF2-40B4-BE49-F238E27FC236}">
+                    <a16:creationId xmlns:a16="http://schemas.microsoft.com/office/drawing/2014/main" id="{88603B28-DBCF-431F-969E-2B909D7E1391}"/>
+                  </a:ext>
+                </a:extLst>
+              </p:cNvPr>
+              <p:cNvSpPr/>
+              <p:nvPr/>
+            </p:nvSpPr>
+            <p:spPr>
+              <a:xfrm>
+                <a:off x="3259745" y="4687924"/>
+                <a:ext cx="168388" cy="172286"/>
+              </a:xfrm>
+              <a:prstGeom prst="ellipse">
+                <a:avLst/>
+              </a:prstGeom>
+            </p:spPr>
+            <p:style>
+              <a:lnRef idx="2">
+                <a:schemeClr val="accent1">
+                  <a:shade val="15000"/>
+                </a:schemeClr>
+              </a:lnRef>
+              <a:fillRef idx="1">
+                <a:schemeClr val="accent1"/>
+              </a:fillRef>
+              <a:effectRef idx="0">
+                <a:schemeClr val="accent1"/>
+              </a:effectRef>
+              <a:fontRef idx="minor">
+                <a:schemeClr val="lt1"/>
+              </a:fontRef>
+            </p:style>
+            <p:txBody>
+              <a:bodyPr rtlCol="0" anchor="ctr"/>
+              <a:lstStyle/>
+              <a:p>
+                <a:pPr algn="ctr"/>
+                <a:endParaRPr lang="en-PH"/>
+              </a:p>
+            </p:txBody>
+          </p:sp>
+        </p:grpSp>
+        <p:sp>
+          <p:nvSpPr>
+            <p:cNvPr id="33" name="TextBox 32">
+              <a:extLst>
+                <a:ext uri="{FF2B5EF4-FFF2-40B4-BE49-F238E27FC236}">
+                  <a16:creationId xmlns:a16="http://schemas.microsoft.com/office/drawing/2014/main" id="{A1A6F537-8A84-BD14-80B3-C93C5F3BB147}"/>
+                </a:ext>
+              </a:extLst>
+            </p:cNvPr>
+            <p:cNvSpPr txBox="1"/>
+            <p:nvPr/>
+          </p:nvSpPr>
+          <p:spPr>
+            <a:xfrm>
+              <a:off x="558891" y="1458469"/>
+              <a:ext cx="3616841" cy="523221"/>
+            </a:xfrm>
+            <a:prstGeom prst="rect">
+              <a:avLst/>
+            </a:prstGeom>
+            <a:noFill/>
+          </p:spPr>
+          <p:txBody>
+            <a:bodyPr wrap="square" rtlCol="0">
+              <a:spAutoFit/>
+            </a:bodyPr>
+            <a:lstStyle/>
+            <a:p>
+              <a:pPr algn="ctr"/>
+              <a:r>
+                <a:rPr lang="en-PH" sz="2800" dirty="0"/>
+                <a:t>Inner corner</a:t>
+              </a:r>
+            </a:p>
+          </p:txBody>
+        </p:sp>
+      </p:grpSp>
+      <p:grpSp>
+        <p:nvGrpSpPr>
+          <p:cNvPr id="24" name="Group 23">
+            <a:extLst>
+              <a:ext uri="{FF2B5EF4-FFF2-40B4-BE49-F238E27FC236}">
+                <a16:creationId xmlns:a16="http://schemas.microsoft.com/office/drawing/2014/main" id="{A96F8876-AC69-661B-5DCD-2307B4069371}"/>
+              </a:ext>
+            </a:extLst>
+          </p:cNvPr>
+          <p:cNvGrpSpPr/>
+          <p:nvPr/>
+        </p:nvGrpSpPr>
+        <p:grpSpPr>
+          <a:xfrm>
+            <a:off x="4801016" y="48425"/>
+            <a:ext cx="2820088" cy="3250419"/>
+            <a:chOff x="4376810" y="1458469"/>
+            <a:chExt cx="3600000" cy="4149341"/>
+          </a:xfrm>
+        </p:grpSpPr>
+        <p:sp>
+          <p:nvSpPr>
+            <p:cNvPr id="3" name="Rectangle 2">
+              <a:extLst>
+                <a:ext uri="{FF2B5EF4-FFF2-40B4-BE49-F238E27FC236}">
+                  <a16:creationId xmlns:a16="http://schemas.microsoft.com/office/drawing/2014/main" id="{8A5F81CC-2722-0ED8-303D-42480B408F13}"/>
+                </a:ext>
+              </a:extLst>
+            </p:cNvPr>
+            <p:cNvSpPr/>
+            <p:nvPr/>
+          </p:nvSpPr>
+          <p:spPr>
+            <a:xfrm>
+              <a:off x="4376810" y="2007810"/>
+              <a:ext cx="3600000" cy="3600000"/>
+            </a:xfrm>
+            <a:prstGeom prst="rect">
+              <a:avLst/>
+            </a:prstGeom>
+            <a:noFill/>
+            <a:ln>
+              <a:solidFill>
+                <a:schemeClr val="accent1"/>
+              </a:solidFill>
+            </a:ln>
+          </p:spPr>
+          <p:style>
+            <a:lnRef idx="2">
+              <a:schemeClr val="accent1">
+                <a:shade val="15000"/>
+              </a:schemeClr>
+            </a:lnRef>
+            <a:fillRef idx="1">
+              <a:schemeClr val="accent1"/>
+            </a:fillRef>
+            <a:effectRef idx="0">
+              <a:schemeClr val="accent1"/>
+            </a:effectRef>
+            <a:fontRef idx="minor">
+              <a:schemeClr val="lt1"/>
+            </a:fontRef>
+          </p:style>
+          <p:txBody>
+            <a:bodyPr rtlCol="0" anchor="ctr"/>
+            <a:lstStyle/>
+            <a:p>
+              <a:pPr algn="ctr"/>
+              <a:endParaRPr lang="en-PH"/>
+            </a:p>
+          </p:txBody>
+        </p:sp>
+        <p:sp>
+          <p:nvSpPr>
+            <p:cNvPr id="19" name="Oval 18">
+              <a:extLst>
+                <a:ext uri="{FF2B5EF4-FFF2-40B4-BE49-F238E27FC236}">
+                  <a16:creationId xmlns:a16="http://schemas.microsoft.com/office/drawing/2014/main" id="{565EF036-2AD5-C40A-8A88-1776DA4F9076}"/>
+                </a:ext>
+              </a:extLst>
+            </p:cNvPr>
+            <p:cNvSpPr/>
+            <p:nvPr/>
+          </p:nvSpPr>
+          <p:spPr>
+            <a:xfrm>
+              <a:off x="5916000" y="3627809"/>
+              <a:ext cx="360000" cy="360000"/>
+            </a:xfrm>
+            <a:prstGeom prst="ellipse">
+              <a:avLst/>
+            </a:prstGeom>
+          </p:spPr>
+          <p:style>
+            <a:lnRef idx="2">
+              <a:schemeClr val="accent1">
+                <a:shade val="15000"/>
+              </a:schemeClr>
+            </a:lnRef>
+            <a:fillRef idx="1">
+              <a:schemeClr val="accent1"/>
+            </a:fillRef>
+            <a:effectRef idx="0">
+              <a:schemeClr val="accent1"/>
+            </a:effectRef>
+            <a:fontRef idx="minor">
+              <a:schemeClr val="lt1"/>
+            </a:fontRef>
+          </p:style>
+          <p:txBody>
+            <a:bodyPr rtlCol="0" anchor="ctr"/>
+            <a:lstStyle/>
+            <a:p>
+              <a:pPr algn="ctr"/>
+              <a:endParaRPr lang="en-PH"/>
+            </a:p>
+          </p:txBody>
+        </p:sp>
+        <p:sp>
+          <p:nvSpPr>
+            <p:cNvPr id="34" name="TextBox 33">
+              <a:extLst>
+                <a:ext uri="{FF2B5EF4-FFF2-40B4-BE49-F238E27FC236}">
+                  <a16:creationId xmlns:a16="http://schemas.microsoft.com/office/drawing/2014/main" id="{88374645-87A3-4FAA-446A-5702AEDAF4BC}"/>
+                </a:ext>
+              </a:extLst>
+            </p:cNvPr>
+            <p:cNvSpPr txBox="1"/>
+            <p:nvPr/>
+          </p:nvSpPr>
+          <p:spPr>
+            <a:xfrm>
+              <a:off x="4376810" y="1458469"/>
+              <a:ext cx="3566278" cy="523220"/>
+            </a:xfrm>
+            <a:prstGeom prst="rect">
+              <a:avLst/>
+            </a:prstGeom>
+            <a:noFill/>
+          </p:spPr>
+          <p:txBody>
+            <a:bodyPr wrap="square" rtlCol="0">
+              <a:spAutoFit/>
+            </a:bodyPr>
+            <a:lstStyle/>
+            <a:p>
+              <a:pPr algn="ctr"/>
+              <a:r>
+                <a:rPr lang="en-PH" sz="2800" dirty="0"/>
+                <a:t>Center</a:t>
+              </a:r>
+            </a:p>
+          </p:txBody>
+        </p:sp>
+      </p:grpSp>
+      <p:grpSp>
+        <p:nvGrpSpPr>
+          <p:cNvPr id="36" name="Group 35">
+            <a:extLst>
+              <a:ext uri="{FF2B5EF4-FFF2-40B4-BE49-F238E27FC236}">
+                <a16:creationId xmlns:a16="http://schemas.microsoft.com/office/drawing/2014/main" id="{AA6BB1C2-FE82-FA47-FE33-2EFADA54B747}"/>
+              </a:ext>
+            </a:extLst>
+          </p:cNvPr>
+          <p:cNvGrpSpPr/>
+          <p:nvPr/>
+        </p:nvGrpSpPr>
+        <p:grpSpPr>
+          <a:xfrm>
+            <a:off x="1662555" y="3297717"/>
+            <a:ext cx="2956954" cy="3320921"/>
+            <a:chOff x="8087887" y="1458469"/>
+            <a:chExt cx="3774717" cy="4239341"/>
+          </a:xfrm>
+        </p:grpSpPr>
+        <p:sp>
+          <p:nvSpPr>
+            <p:cNvPr id="4" name="Rectangle 3">
+              <a:extLst>
+                <a:ext uri="{FF2B5EF4-FFF2-40B4-BE49-F238E27FC236}">
+                  <a16:creationId xmlns:a16="http://schemas.microsoft.com/office/drawing/2014/main" id="{B1B1F4B4-B261-F312-35CC-AC5B0D2C4CA9}"/>
+                </a:ext>
+              </a:extLst>
+            </p:cNvPr>
+            <p:cNvSpPr/>
+            <p:nvPr/>
+          </p:nvSpPr>
+          <p:spPr>
+            <a:xfrm>
+              <a:off x="8177888" y="2007810"/>
+              <a:ext cx="3600000" cy="3600000"/>
+            </a:xfrm>
+            <a:prstGeom prst="rect">
+              <a:avLst/>
+            </a:prstGeom>
+            <a:noFill/>
+            <a:ln>
+              <a:solidFill>
+                <a:schemeClr val="accent1"/>
+              </a:solidFill>
+            </a:ln>
+          </p:spPr>
+          <p:style>
+            <a:lnRef idx="2">
+              <a:schemeClr val="accent1">
+                <a:shade val="15000"/>
+              </a:schemeClr>
+            </a:lnRef>
+            <a:fillRef idx="1">
+              <a:schemeClr val="accent1"/>
+            </a:fillRef>
+            <a:effectRef idx="0">
+              <a:schemeClr val="accent1"/>
+            </a:effectRef>
+            <a:fontRef idx="minor">
+              <a:schemeClr val="lt1"/>
+            </a:fontRef>
+          </p:style>
+          <p:txBody>
+            <a:bodyPr rtlCol="0" anchor="ctr"/>
+            <a:lstStyle/>
+            <a:p>
+              <a:pPr algn="ctr"/>
+              <a:endParaRPr lang="en-PH"/>
+            </a:p>
+          </p:txBody>
+        </p:sp>
+        <p:sp>
+          <p:nvSpPr>
+            <p:cNvPr id="25" name="Oval 24">
+              <a:extLst>
+                <a:ext uri="{FF2B5EF4-FFF2-40B4-BE49-F238E27FC236}">
+                  <a16:creationId xmlns:a16="http://schemas.microsoft.com/office/drawing/2014/main" id="{DB945A88-3D67-D254-0D8F-61DE87F8FFE5}"/>
+                </a:ext>
+              </a:extLst>
+            </p:cNvPr>
+            <p:cNvSpPr/>
+            <p:nvPr/>
+          </p:nvSpPr>
+          <p:spPr>
+            <a:xfrm>
+              <a:off x="8087887" y="1917810"/>
+              <a:ext cx="180000" cy="180000"/>
+            </a:xfrm>
+            <a:prstGeom prst="ellipse">
+              <a:avLst/>
+            </a:prstGeom>
+          </p:spPr>
+          <p:style>
+            <a:lnRef idx="2">
+              <a:schemeClr val="accent1">
+                <a:shade val="15000"/>
+              </a:schemeClr>
+            </a:lnRef>
+            <a:fillRef idx="1">
+              <a:schemeClr val="accent1"/>
+            </a:fillRef>
+            <a:effectRef idx="0">
+              <a:schemeClr val="accent1"/>
+            </a:effectRef>
+            <a:fontRef idx="minor">
+              <a:schemeClr val="lt1"/>
+            </a:fontRef>
+          </p:style>
+          <p:txBody>
+            <a:bodyPr rtlCol="0" anchor="ctr"/>
+            <a:lstStyle/>
+            <a:p>
+              <a:pPr algn="ctr"/>
+              <a:endParaRPr lang="en-PH"/>
+            </a:p>
+          </p:txBody>
+        </p:sp>
+        <p:sp>
+          <p:nvSpPr>
+            <p:cNvPr id="26" name="Oval 25">
+              <a:extLst>
+                <a:ext uri="{FF2B5EF4-FFF2-40B4-BE49-F238E27FC236}">
+                  <a16:creationId xmlns:a16="http://schemas.microsoft.com/office/drawing/2014/main" id="{972DAEA7-AB5C-66B2-15CE-7333D9AAEB51}"/>
+                </a:ext>
+              </a:extLst>
+            </p:cNvPr>
+            <p:cNvSpPr/>
+            <p:nvPr/>
+          </p:nvSpPr>
+          <p:spPr>
+            <a:xfrm>
+              <a:off x="8087887" y="5497899"/>
+              <a:ext cx="180000" cy="180000"/>
+            </a:xfrm>
+            <a:prstGeom prst="ellipse">
+              <a:avLst/>
+            </a:prstGeom>
+          </p:spPr>
+          <p:style>
+            <a:lnRef idx="2">
+              <a:schemeClr val="accent1">
+                <a:shade val="15000"/>
+              </a:schemeClr>
+            </a:lnRef>
+            <a:fillRef idx="1">
+              <a:schemeClr val="accent1"/>
+            </a:fillRef>
+            <a:effectRef idx="0">
+              <a:schemeClr val="accent1"/>
+            </a:effectRef>
+            <a:fontRef idx="minor">
+              <a:schemeClr val="lt1"/>
+            </a:fontRef>
+          </p:style>
+          <p:txBody>
+            <a:bodyPr rtlCol="0" anchor="ctr"/>
+            <a:lstStyle/>
+            <a:p>
+              <a:pPr algn="ctr"/>
+              <a:endParaRPr lang="en-PH"/>
+            </a:p>
+          </p:txBody>
+        </p:sp>
+        <p:sp>
+          <p:nvSpPr>
+            <p:cNvPr id="27" name="Oval 26">
+              <a:extLst>
+                <a:ext uri="{FF2B5EF4-FFF2-40B4-BE49-F238E27FC236}">
+                  <a16:creationId xmlns:a16="http://schemas.microsoft.com/office/drawing/2014/main" id="{A1C16AAE-B7B7-9E61-4CA3-CFEF3A41AFF3}"/>
+                </a:ext>
+              </a:extLst>
+            </p:cNvPr>
+            <p:cNvSpPr/>
+            <p:nvPr/>
+          </p:nvSpPr>
+          <p:spPr>
+            <a:xfrm>
+              <a:off x="11682604" y="5517810"/>
+              <a:ext cx="180000" cy="180000"/>
+            </a:xfrm>
+            <a:prstGeom prst="ellipse">
+              <a:avLst/>
+            </a:prstGeom>
+          </p:spPr>
+          <p:style>
+            <a:lnRef idx="2">
+              <a:schemeClr val="accent1">
+                <a:shade val="15000"/>
+              </a:schemeClr>
+            </a:lnRef>
+            <a:fillRef idx="1">
+              <a:schemeClr val="accent1"/>
+            </a:fillRef>
+            <a:effectRef idx="0">
+              <a:schemeClr val="accent1"/>
+            </a:effectRef>
+            <a:fontRef idx="minor">
+              <a:schemeClr val="lt1"/>
+            </a:fontRef>
+          </p:style>
+          <p:txBody>
+            <a:bodyPr rtlCol="0" anchor="ctr"/>
+            <a:lstStyle/>
+            <a:p>
+              <a:pPr algn="ctr"/>
+              <a:endParaRPr lang="en-PH"/>
+            </a:p>
+          </p:txBody>
+        </p:sp>
+        <p:sp>
+          <p:nvSpPr>
+            <p:cNvPr id="28" name="Oval 27">
+              <a:extLst>
+                <a:ext uri="{FF2B5EF4-FFF2-40B4-BE49-F238E27FC236}">
+                  <a16:creationId xmlns:a16="http://schemas.microsoft.com/office/drawing/2014/main" id="{6BEDD6C5-FC60-8672-F243-C44B9C038E8F}"/>
+                </a:ext>
+              </a:extLst>
+            </p:cNvPr>
+            <p:cNvSpPr/>
+            <p:nvPr/>
+          </p:nvSpPr>
+          <p:spPr>
+            <a:xfrm>
+              <a:off x="11682604" y="1925430"/>
+              <a:ext cx="180000" cy="180000"/>
+            </a:xfrm>
+            <a:prstGeom prst="ellipse">
+              <a:avLst/>
+            </a:prstGeom>
+          </p:spPr>
+          <p:style>
+            <a:lnRef idx="2">
+              <a:schemeClr val="accent1">
+                <a:shade val="15000"/>
+              </a:schemeClr>
+            </a:lnRef>
+            <a:fillRef idx="1">
+              <a:schemeClr val="accent1"/>
+            </a:fillRef>
+            <a:effectRef idx="0">
+              <a:schemeClr val="accent1"/>
+            </a:effectRef>
+            <a:fontRef idx="minor">
+              <a:schemeClr val="lt1"/>
+            </a:fontRef>
+          </p:style>
+          <p:txBody>
+            <a:bodyPr rtlCol="0" anchor="ctr"/>
+            <a:lstStyle/>
+            <a:p>
+              <a:pPr algn="ctr"/>
+              <a:endParaRPr lang="en-PH"/>
+            </a:p>
+          </p:txBody>
+        </p:sp>
+        <p:sp>
+          <p:nvSpPr>
+            <p:cNvPr id="35" name="TextBox 34">
+              <a:extLst>
+                <a:ext uri="{FF2B5EF4-FFF2-40B4-BE49-F238E27FC236}">
+                  <a16:creationId xmlns:a16="http://schemas.microsoft.com/office/drawing/2014/main" id="{D387BC27-5805-86B2-548B-CE0A237F7E57}"/>
+                </a:ext>
+              </a:extLst>
+            </p:cNvPr>
+            <p:cNvSpPr txBox="1"/>
+            <p:nvPr/>
+          </p:nvSpPr>
+          <p:spPr>
+            <a:xfrm>
+              <a:off x="8217636" y="1458469"/>
+              <a:ext cx="3600000" cy="523220"/>
+            </a:xfrm>
+            <a:prstGeom prst="rect">
+              <a:avLst/>
+            </a:prstGeom>
+            <a:noFill/>
+          </p:spPr>
+          <p:txBody>
+            <a:bodyPr wrap="square" rtlCol="0">
+              <a:spAutoFit/>
+            </a:bodyPr>
+            <a:lstStyle/>
+            <a:p>
+              <a:pPr algn="ctr"/>
+              <a:r>
+                <a:rPr lang="en-PH" sz="2800" dirty="0"/>
+                <a:t>Outer corner</a:t>
+              </a:r>
+            </a:p>
+          </p:txBody>
+        </p:sp>
+      </p:grpSp>
+      <p:sp>
+        <p:nvSpPr>
+          <p:cNvPr id="38" name="Rectangle 37">
+            <a:extLst>
+              <a:ext uri="{FF2B5EF4-FFF2-40B4-BE49-F238E27FC236}">
+                <a16:creationId xmlns:a16="http://schemas.microsoft.com/office/drawing/2014/main" id="{A5F70AB6-97EC-C46A-AA15-4E2B3FA22565}"/>
+              </a:ext>
+            </a:extLst>
+          </p:cNvPr>
+          <p:cNvSpPr/>
+          <p:nvPr/>
+        </p:nvSpPr>
+        <p:spPr>
+          <a:xfrm>
+            <a:off x="4803086" y="3711159"/>
+            <a:ext cx="2820088" cy="2820088"/>
+          </a:xfrm>
+          <a:prstGeom prst="rect">
+            <a:avLst/>
+          </a:prstGeom>
+          <a:noFill/>
+          <a:ln>
+            <a:solidFill>
+              <a:schemeClr val="accent1"/>
+            </a:solidFill>
+          </a:ln>
+        </p:spPr>
+        <p:style>
+          <a:lnRef idx="2">
+            <a:schemeClr val="accent1">
+              <a:shade val="15000"/>
+            </a:schemeClr>
+          </a:lnRef>
+          <a:fillRef idx="1">
+            <a:schemeClr val="accent1"/>
+          </a:fillRef>
+          <a:effectRef idx="0">
+            <a:schemeClr val="accent1"/>
+          </a:effectRef>
+          <a:fontRef idx="minor">
+            <a:schemeClr val="lt1"/>
+          </a:fontRef>
+        </p:style>
+        <p:txBody>
+          <a:bodyPr rtlCol="0" anchor="ctr"/>
+          <a:lstStyle/>
+          <a:p>
+            <a:pPr algn="ctr"/>
+            <a:endParaRPr lang="en-PH"/>
+          </a:p>
+        </p:txBody>
+      </p:sp>
+      <p:sp>
+        <p:nvSpPr>
+          <p:cNvPr id="39" name="Oval 38">
+            <a:extLst>
+              <a:ext uri="{FF2B5EF4-FFF2-40B4-BE49-F238E27FC236}">
+                <a16:creationId xmlns:a16="http://schemas.microsoft.com/office/drawing/2014/main" id="{5F2F056E-6BCE-7C83-88BF-8FAC35381A96}"/>
+              </a:ext>
+            </a:extLst>
+          </p:cNvPr>
+          <p:cNvSpPr/>
+          <p:nvPr/>
+        </p:nvSpPr>
+        <p:spPr>
+          <a:xfrm>
+            <a:off x="6740453" y="4163877"/>
+            <a:ext cx="141004" cy="141004"/>
+          </a:xfrm>
+          <a:prstGeom prst="ellipse">
+            <a:avLst/>
+          </a:prstGeom>
+        </p:spPr>
+        <p:style>
+          <a:lnRef idx="2">
+            <a:schemeClr val="accent1">
+              <a:shade val="15000"/>
+            </a:schemeClr>
+          </a:lnRef>
+          <a:fillRef idx="1">
+            <a:schemeClr val="accent1"/>
+          </a:fillRef>
+          <a:effectRef idx="0">
+            <a:schemeClr val="accent1"/>
+          </a:effectRef>
+          <a:fontRef idx="minor">
+            <a:schemeClr val="lt1"/>
+          </a:fontRef>
+        </p:style>
+        <p:txBody>
+          <a:bodyPr rtlCol="0" anchor="ctr"/>
+          <a:lstStyle/>
+          <a:p>
+            <a:pPr algn="ctr"/>
+            <a:endParaRPr lang="en-PH"/>
+          </a:p>
+        </p:txBody>
+      </p:sp>
+      <p:sp>
+        <p:nvSpPr>
+          <p:cNvPr id="40" name="Oval 39">
+            <a:extLst>
+              <a:ext uri="{FF2B5EF4-FFF2-40B4-BE49-F238E27FC236}">
+                <a16:creationId xmlns:a16="http://schemas.microsoft.com/office/drawing/2014/main" id="{C6E2EDE4-04E9-D535-EB57-B671EF097EAC}"/>
+              </a:ext>
+            </a:extLst>
+          </p:cNvPr>
+          <p:cNvSpPr/>
+          <p:nvPr/>
+        </p:nvSpPr>
+        <p:spPr>
+          <a:xfrm>
+            <a:off x="5658413" y="5351677"/>
+            <a:ext cx="141004" cy="141004"/>
+          </a:xfrm>
+          <a:prstGeom prst="ellipse">
+            <a:avLst/>
+          </a:prstGeom>
+        </p:spPr>
+        <p:style>
+          <a:lnRef idx="2">
+            <a:schemeClr val="accent1">
+              <a:shade val="15000"/>
+            </a:schemeClr>
+          </a:lnRef>
+          <a:fillRef idx="1">
+            <a:schemeClr val="accent1"/>
+          </a:fillRef>
+          <a:effectRef idx="0">
+            <a:schemeClr val="accent1"/>
+          </a:effectRef>
+          <a:fontRef idx="minor">
+            <a:schemeClr val="lt1"/>
+          </a:fontRef>
+        </p:style>
+        <p:txBody>
+          <a:bodyPr rtlCol="0" anchor="ctr"/>
+          <a:lstStyle/>
+          <a:p>
+            <a:pPr algn="ctr"/>
+            <a:endParaRPr lang="en-PH"/>
+          </a:p>
+        </p:txBody>
+      </p:sp>
+      <p:sp>
+        <p:nvSpPr>
+          <p:cNvPr id="41" name="Oval 40">
+            <a:extLst>
+              <a:ext uri="{FF2B5EF4-FFF2-40B4-BE49-F238E27FC236}">
+                <a16:creationId xmlns:a16="http://schemas.microsoft.com/office/drawing/2014/main" id="{96789DF2-9CF2-DA27-28A2-21CB43988979}"/>
+              </a:ext>
+            </a:extLst>
+          </p:cNvPr>
+          <p:cNvSpPr/>
+          <p:nvPr/>
+        </p:nvSpPr>
+        <p:spPr>
+          <a:xfrm>
+            <a:off x="7178963" y="6133085"/>
+            <a:ext cx="141004" cy="141004"/>
+          </a:xfrm>
+          <a:prstGeom prst="ellipse">
+            <a:avLst/>
+          </a:prstGeom>
+        </p:spPr>
+        <p:style>
+          <a:lnRef idx="2">
+            <a:schemeClr val="accent1">
+              <a:shade val="15000"/>
+            </a:schemeClr>
+          </a:lnRef>
+          <a:fillRef idx="1">
+            <a:schemeClr val="accent1"/>
+          </a:fillRef>
+          <a:effectRef idx="0">
+            <a:schemeClr val="accent1"/>
+          </a:effectRef>
+          <a:fontRef idx="minor">
+            <a:schemeClr val="lt1"/>
+          </a:fontRef>
+        </p:style>
+        <p:txBody>
+          <a:bodyPr rtlCol="0" anchor="ctr"/>
+          <a:lstStyle/>
+          <a:p>
+            <a:pPr algn="ctr"/>
+            <a:endParaRPr lang="en-PH"/>
+          </a:p>
+        </p:txBody>
+      </p:sp>
+      <p:sp>
+        <p:nvSpPr>
+          <p:cNvPr id="42" name="Oval 41">
+            <a:extLst>
+              <a:ext uri="{FF2B5EF4-FFF2-40B4-BE49-F238E27FC236}">
+                <a16:creationId xmlns:a16="http://schemas.microsoft.com/office/drawing/2014/main" id="{42DB6914-E998-743F-5D8A-17D59D7D08CB}"/>
+              </a:ext>
+            </a:extLst>
+          </p:cNvPr>
+          <p:cNvSpPr/>
+          <p:nvPr/>
+        </p:nvSpPr>
+        <p:spPr>
+          <a:xfrm>
+            <a:off x="5461056" y="4898064"/>
+            <a:ext cx="141004" cy="141004"/>
+          </a:xfrm>
+          <a:prstGeom prst="ellipse">
+            <a:avLst/>
+          </a:prstGeom>
+        </p:spPr>
+        <p:style>
+          <a:lnRef idx="2">
+            <a:schemeClr val="accent1">
+              <a:shade val="15000"/>
+            </a:schemeClr>
+          </a:lnRef>
+          <a:fillRef idx="1">
+            <a:schemeClr val="accent1"/>
+          </a:fillRef>
+          <a:effectRef idx="0">
+            <a:schemeClr val="accent1"/>
+          </a:effectRef>
+          <a:fontRef idx="minor">
+            <a:schemeClr val="lt1"/>
+          </a:fontRef>
+        </p:style>
+        <p:txBody>
+          <a:bodyPr rtlCol="0" anchor="ctr"/>
+          <a:lstStyle/>
+          <a:p>
+            <a:pPr algn="ctr"/>
+            <a:endParaRPr lang="en-PH"/>
+          </a:p>
+        </p:txBody>
+      </p:sp>
+      <p:sp>
+        <p:nvSpPr>
+          <p:cNvPr id="43" name="TextBox 42">
+            <a:extLst>
+              <a:ext uri="{FF2B5EF4-FFF2-40B4-BE49-F238E27FC236}">
+                <a16:creationId xmlns:a16="http://schemas.microsoft.com/office/drawing/2014/main" id="{05ACC8E5-16C4-8C73-33B3-7841DF17B273}"/>
+              </a:ext>
+            </a:extLst>
+          </p:cNvPr>
+          <p:cNvSpPr txBox="1"/>
+          <p:nvPr/>
+        </p:nvSpPr>
+        <p:spPr>
+          <a:xfrm>
+            <a:off x="4834223" y="3280828"/>
+            <a:ext cx="2820088" cy="523220"/>
+          </a:xfrm>
+          <a:prstGeom prst="rect">
+            <a:avLst/>
+          </a:prstGeom>
+          <a:noFill/>
+        </p:spPr>
+        <p:txBody>
+          <a:bodyPr wrap="square" rtlCol="0">
+            <a:spAutoFit/>
+          </a:bodyPr>
+          <a:lstStyle/>
+          <a:p>
+            <a:pPr algn="ctr"/>
+            <a:r>
+              <a:rPr lang="en-PH" sz="2800" dirty="0"/>
+              <a:t>Random</a:t>
+            </a:r>
+          </a:p>
+        </p:txBody>
+      </p:sp>
+    </p:spTree>
+    <p:extLst>
+      <p:ext uri="{BB962C8B-B14F-4D97-AF65-F5344CB8AC3E}">
+        <p14:creationId xmlns:p14="http://schemas.microsoft.com/office/powerpoint/2010/main" val="2626063900"/>
       </p:ext>
     </p:extLst>
   </p:cSld>

--- a/documents/Figures editing.pptx
+++ b/documents/Figures editing.pptx
@@ -8,6 +8,7 @@
     <p:sldId id="256" r:id="rId2"/>
     <p:sldId id="257" r:id="rId3"/>
     <p:sldId id="258" r:id="rId4"/>
+    <p:sldId id="259" r:id="rId5"/>
   </p:sldIdLst>
   <p:sldSz cx="12192000" cy="6858000"/>
   <p:notesSz cx="6858000" cy="9144000"/>
@@ -6616,6 +6617,2364 @@
 </p:sld>
 </file>
 
+<file path=ppt/slides/slide4.xml><?xml version="1.0" encoding="utf-8"?>
+<p:sld xmlns:a="http://schemas.openxmlformats.org/drawingml/2006/main" xmlns:r="http://schemas.openxmlformats.org/officeDocument/2006/relationships" xmlns:p="http://schemas.openxmlformats.org/presentationml/2006/main">
+  <p:cSld>
+    <p:spTree>
+      <p:nvGrpSpPr>
+        <p:cNvPr id="1" name=""/>
+        <p:cNvGrpSpPr/>
+        <p:nvPr/>
+      </p:nvGrpSpPr>
+      <p:grpSpPr>
+        <a:xfrm>
+          <a:off x="0" y="0"/>
+          <a:ext cx="0" cy="0"/>
+          <a:chOff x="0" y="0"/>
+          <a:chExt cx="0" cy="0"/>
+        </a:xfrm>
+      </p:grpSpPr>
+      <mc:AlternateContent xmlns:mc="http://schemas.openxmlformats.org/markup-compatibility/2006">
+        <mc:Choice xmlns:a14="http://schemas.microsoft.com/office/drawing/2010/main" Requires="a14">
+          <p:sp>
+            <p:nvSpPr>
+              <p:cNvPr id="2" name="Flowchart: Process 1">
+                <a:extLst>
+                  <a:ext uri="{FF2B5EF4-FFF2-40B4-BE49-F238E27FC236}">
+                    <a16:creationId xmlns:a16="http://schemas.microsoft.com/office/drawing/2014/main" id="{7FF7CAB8-A963-B5D7-5247-3B927CBC6E39}"/>
+                  </a:ext>
+                </a:extLst>
+              </p:cNvPr>
+              <p:cNvSpPr/>
+              <p:nvPr/>
+            </p:nvSpPr>
+            <p:spPr>
+              <a:xfrm>
+                <a:off x="236168" y="365601"/>
+                <a:ext cx="1951349" cy="1263192"/>
+              </a:xfrm>
+              <a:prstGeom prst="flowChartProcess">
+                <a:avLst/>
+              </a:prstGeom>
+            </p:spPr>
+            <p:style>
+              <a:lnRef idx="2">
+                <a:schemeClr val="dk1"/>
+              </a:lnRef>
+              <a:fillRef idx="1">
+                <a:schemeClr val="lt1"/>
+              </a:fillRef>
+              <a:effectRef idx="0">
+                <a:schemeClr val="dk1"/>
+              </a:effectRef>
+              <a:fontRef idx="minor">
+                <a:schemeClr val="dk1"/>
+              </a:fontRef>
+            </p:style>
+            <p:txBody>
+              <a:bodyPr rtlCol="0" anchor="ctr"/>
+              <a:lstStyle/>
+              <a:p>
+                <a:pPr algn="ctr"/>
+                <a:r>
+                  <a:rPr lang="en-PH" dirty="0"/>
+                  <a:t>Initialize classroom with </a:t>
+                </a:r>
+                <a14:m>
+                  <m:oMath xmlns:m="http://schemas.openxmlformats.org/officeDocument/2006/math">
+                    <m:sSub>
+                      <m:sSubPr>
+                        <m:ctrlPr>
+                          <a:rPr lang="en-PH" b="0" i="1" smtClean="0">
+                            <a:latin typeface="Cambria Math" panose="02040503050406030204" pitchFamily="18" charset="0"/>
+                          </a:rPr>
+                        </m:ctrlPr>
+                      </m:sSubPr>
+                      <m:e>
+                        <m:r>
+                          <a:rPr lang="en-PH" b="0" i="1" smtClean="0">
+                            <a:latin typeface="Cambria Math" panose="02040503050406030204" pitchFamily="18" charset="0"/>
+                          </a:rPr>
+                          <m:t>𝑛</m:t>
+                        </m:r>
+                      </m:e>
+                      <m:sub>
+                        <m:r>
+                          <a:rPr lang="en-PH" b="0" i="1" smtClean="0">
+                            <a:latin typeface="Cambria Math" panose="02040503050406030204" pitchFamily="18" charset="0"/>
+                          </a:rPr>
+                          <m:t>0</m:t>
+                        </m:r>
+                      </m:sub>
+                    </m:sSub>
+                    <m:r>
+                      <a:rPr lang="en-PH" b="0" i="1" smtClean="0">
+                        <a:latin typeface="Cambria Math" panose="02040503050406030204" pitchFamily="18" charset="0"/>
+                      </a:rPr>
+                      <m:t>=4</m:t>
+                    </m:r>
+                  </m:oMath>
+                </a14:m>
+                <a:r>
+                  <a:rPr lang="en-PH" dirty="0"/>
+                  <a:t> learned students</a:t>
+                </a:r>
+              </a:p>
+            </p:txBody>
+          </p:sp>
+        </mc:Choice>
+        <mc:Fallback>
+          <p:sp>
+            <p:nvSpPr>
+              <p:cNvPr id="2" name="Flowchart: Process 1">
+                <a:extLst>
+                  <a:ext uri="{FF2B5EF4-FFF2-40B4-BE49-F238E27FC236}">
+                    <a16:creationId xmlns:a16="http://schemas.microsoft.com/office/drawing/2014/main" id="{7FF7CAB8-A963-B5D7-5247-3B927CBC6E39}"/>
+                  </a:ext>
+                </a:extLst>
+              </p:cNvPr>
+              <p:cNvSpPr>
+                <a:spLocks noRot="1" noChangeAspect="1" noMove="1" noResize="1" noEditPoints="1" noAdjustHandles="1" noChangeArrowheads="1" noChangeShapeType="1" noTextEdit="1"/>
+              </p:cNvSpPr>
+              <p:nvPr/>
+            </p:nvSpPr>
+            <p:spPr>
+              <a:xfrm>
+                <a:off x="236168" y="365601"/>
+                <a:ext cx="1951349" cy="1263192"/>
+              </a:xfrm>
+              <a:prstGeom prst="flowChartProcess">
+                <a:avLst/>
+              </a:prstGeom>
+              <a:blipFill>
+                <a:blip r:embed="rId2"/>
+                <a:stretch>
+                  <a:fillRect b="-4286"/>
+                </a:stretch>
+              </a:blipFill>
+            </p:spPr>
+            <p:txBody>
+              <a:bodyPr/>
+              <a:lstStyle/>
+              <a:p>
+                <a:r>
+                  <a:rPr lang="en-PH">
+                    <a:noFill/>
+                  </a:rPr>
+                  <a:t> </a:t>
+                </a:r>
+              </a:p>
+            </p:txBody>
+          </p:sp>
+        </mc:Fallback>
+      </mc:AlternateContent>
+      <p:cxnSp>
+        <p:nvCxnSpPr>
+          <p:cNvPr id="4" name="Straight Arrow Connector 3">
+            <a:extLst>
+              <a:ext uri="{FF2B5EF4-FFF2-40B4-BE49-F238E27FC236}">
+                <a16:creationId xmlns:a16="http://schemas.microsoft.com/office/drawing/2014/main" id="{B51E95C1-A424-0C90-8ACB-BF8C658A404C}"/>
+              </a:ext>
+            </a:extLst>
+          </p:cNvPr>
+          <p:cNvCxnSpPr>
+            <a:cxnSpLocks/>
+            <a:stCxn id="2" idx="3"/>
+            <a:endCxn id="5" idx="1"/>
+          </p:cNvCxnSpPr>
+          <p:nvPr/>
+        </p:nvCxnSpPr>
+        <p:spPr>
+          <a:xfrm>
+            <a:off x="2187517" y="997197"/>
+            <a:ext cx="645735" cy="0"/>
+          </a:xfrm>
+          <a:prstGeom prst="straightConnector1">
+            <a:avLst/>
+          </a:prstGeom>
+          <a:ln>
+            <a:tailEnd type="triangle"/>
+          </a:ln>
+        </p:spPr>
+        <p:style>
+          <a:lnRef idx="2">
+            <a:schemeClr val="dk1"/>
+          </a:lnRef>
+          <a:fillRef idx="0">
+            <a:schemeClr val="dk1"/>
+          </a:fillRef>
+          <a:effectRef idx="1">
+            <a:schemeClr val="dk1"/>
+          </a:effectRef>
+          <a:fontRef idx="minor">
+            <a:schemeClr val="tx1"/>
+          </a:fontRef>
+        </p:style>
+      </p:cxnSp>
+      <mc:AlternateContent xmlns:mc="http://schemas.openxmlformats.org/markup-compatibility/2006">
+        <mc:Choice xmlns:a14="http://schemas.microsoft.com/office/drawing/2010/main" Requires="a14">
+          <p:sp>
+            <p:nvSpPr>
+              <p:cNvPr id="5" name="Flowchart: Process 4">
+                <a:extLst>
+                  <a:ext uri="{FF2B5EF4-FFF2-40B4-BE49-F238E27FC236}">
+                    <a16:creationId xmlns:a16="http://schemas.microsoft.com/office/drawing/2014/main" id="{B5906102-D57E-9466-EC52-10EB4BAF791A}"/>
+                  </a:ext>
+                </a:extLst>
+              </p:cNvPr>
+              <p:cNvSpPr/>
+              <p:nvPr/>
+            </p:nvSpPr>
+            <p:spPr>
+              <a:xfrm>
+                <a:off x="2833252" y="365601"/>
+                <a:ext cx="2460400" cy="1263192"/>
+              </a:xfrm>
+              <a:prstGeom prst="flowChartProcess">
+                <a:avLst/>
+              </a:prstGeom>
+            </p:spPr>
+            <p:style>
+              <a:lnRef idx="2">
+                <a:schemeClr val="dk1"/>
+              </a:lnRef>
+              <a:fillRef idx="1">
+                <a:schemeClr val="lt1"/>
+              </a:fillRef>
+              <a:effectRef idx="0">
+                <a:schemeClr val="dk1"/>
+              </a:effectRef>
+              <a:fontRef idx="minor">
+                <a:schemeClr val="dk1"/>
+              </a:fontRef>
+            </p:style>
+            <p:txBody>
+              <a:bodyPr rtlCol="0" anchor="ctr"/>
+              <a:lstStyle/>
+              <a:p>
+                <a:pPr algn="ctr"/>
+                <a:r>
+                  <a:rPr lang="en-PH" dirty="0"/>
+                  <a:t>Choose a student </a:t>
+                </a:r>
+                <a14:m>
+                  <m:oMath xmlns:m="http://schemas.openxmlformats.org/officeDocument/2006/math">
+                    <m:sSub>
+                      <m:sSubPr>
+                        <m:ctrlPr>
+                          <a:rPr lang="en-PH" b="0" i="1" smtClean="0">
+                            <a:latin typeface="Cambria Math" panose="02040503050406030204" pitchFamily="18" charset="0"/>
+                          </a:rPr>
+                        </m:ctrlPr>
+                      </m:sSubPr>
+                      <m:e>
+                        <m:r>
+                          <a:rPr lang="en-PH" b="0" i="1" smtClean="0">
+                            <a:latin typeface="Cambria Math" panose="02040503050406030204" pitchFamily="18" charset="0"/>
+                          </a:rPr>
+                          <m:t>𝑐</m:t>
+                        </m:r>
+                      </m:e>
+                      <m:sub>
+                        <m:r>
+                          <a:rPr lang="en-PH" b="0" i="1" smtClean="0">
+                            <a:latin typeface="Cambria Math" panose="02040503050406030204" pitchFamily="18" charset="0"/>
+                          </a:rPr>
+                          <m:t>𝑖</m:t>
+                        </m:r>
+                        <m:r>
+                          <a:rPr lang="en-PH" b="0" i="1" smtClean="0">
+                            <a:latin typeface="Cambria Math" panose="02040503050406030204" pitchFamily="18" charset="0"/>
+                          </a:rPr>
+                          <m:t>,</m:t>
+                        </m:r>
+                        <m:r>
+                          <a:rPr lang="en-PH" b="0" i="1" smtClean="0">
+                            <a:latin typeface="Cambria Math" panose="02040503050406030204" pitchFamily="18" charset="0"/>
+                          </a:rPr>
+                          <m:t>𝑗</m:t>
+                        </m:r>
+                      </m:sub>
+                    </m:sSub>
+                  </m:oMath>
+                </a14:m>
+                <a:endParaRPr lang="en-PH" dirty="0"/>
+              </a:p>
+            </p:txBody>
+          </p:sp>
+        </mc:Choice>
+        <mc:Fallback>
+          <p:sp>
+            <p:nvSpPr>
+              <p:cNvPr id="5" name="Flowchart: Process 4">
+                <a:extLst>
+                  <a:ext uri="{FF2B5EF4-FFF2-40B4-BE49-F238E27FC236}">
+                    <a16:creationId xmlns:a16="http://schemas.microsoft.com/office/drawing/2014/main" id="{B5906102-D57E-9466-EC52-10EB4BAF791A}"/>
+                  </a:ext>
+                </a:extLst>
+              </p:cNvPr>
+              <p:cNvSpPr>
+                <a:spLocks noRot="1" noChangeAspect="1" noMove="1" noResize="1" noEditPoints="1" noAdjustHandles="1" noChangeArrowheads="1" noChangeShapeType="1" noTextEdit="1"/>
+              </p:cNvSpPr>
+              <p:nvPr/>
+            </p:nvSpPr>
+            <p:spPr>
+              <a:xfrm>
+                <a:off x="2833252" y="365601"/>
+                <a:ext cx="2460400" cy="1263192"/>
+              </a:xfrm>
+              <a:prstGeom prst="flowChartProcess">
+                <a:avLst/>
+              </a:prstGeom>
+              <a:blipFill>
+                <a:blip r:embed="rId3"/>
+                <a:stretch>
+                  <a:fillRect/>
+                </a:stretch>
+              </a:blipFill>
+            </p:spPr>
+            <p:txBody>
+              <a:bodyPr/>
+              <a:lstStyle/>
+              <a:p>
+                <a:r>
+                  <a:rPr lang="en-PH">
+                    <a:noFill/>
+                  </a:rPr>
+                  <a:t> </a:t>
+                </a:r>
+              </a:p>
+            </p:txBody>
+          </p:sp>
+        </mc:Fallback>
+      </mc:AlternateContent>
+      <mc:AlternateContent xmlns:mc="http://schemas.openxmlformats.org/markup-compatibility/2006">
+        <mc:Choice xmlns:a14="http://schemas.microsoft.com/office/drawing/2010/main" Requires="a14">
+          <p:sp>
+            <p:nvSpPr>
+              <p:cNvPr id="13" name="Flowchart: Process 12">
+                <a:extLst>
+                  <a:ext uri="{FF2B5EF4-FFF2-40B4-BE49-F238E27FC236}">
+                    <a16:creationId xmlns:a16="http://schemas.microsoft.com/office/drawing/2014/main" id="{DF73BBC4-041E-7823-414F-184123D75EB3}"/>
+                  </a:ext>
+                </a:extLst>
+              </p:cNvPr>
+              <p:cNvSpPr/>
+              <p:nvPr/>
+            </p:nvSpPr>
+            <p:spPr>
+              <a:xfrm>
+                <a:off x="8545161" y="365601"/>
+                <a:ext cx="4619134" cy="1263193"/>
+              </a:xfrm>
+              <a:prstGeom prst="flowChartProcess">
+                <a:avLst/>
+              </a:prstGeom>
+            </p:spPr>
+            <p:style>
+              <a:lnRef idx="2">
+                <a:schemeClr val="dk1"/>
+              </a:lnRef>
+              <a:fillRef idx="1">
+                <a:schemeClr val="lt1"/>
+              </a:fillRef>
+              <a:effectRef idx="0">
+                <a:schemeClr val="dk1"/>
+              </a:effectRef>
+              <a:fontRef idx="minor">
+                <a:schemeClr val="dk1"/>
+              </a:fontRef>
+            </p:style>
+            <p:txBody>
+              <a:bodyPr rtlCol="0" anchor="ctr"/>
+              <a:lstStyle/>
+              <a:p>
+                <a:pPr algn="ctr"/>
+                <a:r>
+                  <a:rPr lang="en-PH" dirty="0"/>
+                  <a:t>Set neighborhood as</a:t>
+                </a:r>
+              </a:p>
+              <a:p>
+                <a:pPr algn="ctr"/>
+                <a14:m>
+                  <m:oMathPara xmlns:m="http://schemas.openxmlformats.org/officeDocument/2006/math">
+                    <m:oMathParaPr>
+                      <m:jc m:val="centerGroup"/>
+                    </m:oMathParaPr>
+                    <m:oMath xmlns:m="http://schemas.openxmlformats.org/officeDocument/2006/math">
+                      <m:r>
+                        <m:rPr>
+                          <m:lit/>
+                        </m:rPr>
+                        <a:rPr lang="en-PH" i="1" dirty="0" smtClean="0">
+                          <a:latin typeface="Cambria Math" panose="02040503050406030204" pitchFamily="18" charset="0"/>
+                        </a:rPr>
+                        <m:t>{</m:t>
+                      </m:r>
+                      <m:sSub>
+                        <m:sSubPr>
+                          <m:ctrlPr>
+                            <a:rPr lang="en-PH" b="0" i="1" dirty="0" smtClean="0">
+                              <a:latin typeface="Cambria Math" panose="02040503050406030204" pitchFamily="18" charset="0"/>
+                            </a:rPr>
+                          </m:ctrlPr>
+                        </m:sSubPr>
+                        <m:e>
+                          <m:r>
+                            <a:rPr lang="en-PH" b="0" i="1" dirty="0" smtClean="0">
+                              <a:latin typeface="Cambria Math" panose="02040503050406030204" pitchFamily="18" charset="0"/>
+                            </a:rPr>
+                            <m:t>𝑐</m:t>
+                          </m:r>
+                        </m:e>
+                        <m:sub>
+                          <m:r>
+                            <a:rPr lang="en-PH" b="0" i="1" dirty="0" smtClean="0">
+                              <a:latin typeface="Cambria Math" panose="02040503050406030204" pitchFamily="18" charset="0"/>
+                            </a:rPr>
+                            <m:t>𝑖</m:t>
+                          </m:r>
+                          <m:r>
+                            <a:rPr lang="en-PH" b="0" i="1" dirty="0" smtClean="0">
+                              <a:latin typeface="Cambria Math" panose="02040503050406030204" pitchFamily="18" charset="0"/>
+                            </a:rPr>
+                            <m:t>+</m:t>
+                          </m:r>
+                          <m:r>
+                            <a:rPr lang="en-PH" b="0" i="1" dirty="0" smtClean="0">
+                              <a:latin typeface="Cambria Math" panose="02040503050406030204" pitchFamily="18" charset="0"/>
+                            </a:rPr>
+                            <m:t>𝛿</m:t>
+                          </m:r>
+                          <m:r>
+                            <a:rPr lang="en-PH" b="0" i="1" dirty="0" smtClean="0">
+                              <a:latin typeface="Cambria Math" panose="02040503050406030204" pitchFamily="18" charset="0"/>
+                            </a:rPr>
+                            <m:t>𝑖</m:t>
+                          </m:r>
+                          <m:r>
+                            <a:rPr lang="en-PH" b="0" i="1" dirty="0" smtClean="0">
+                              <a:latin typeface="Cambria Math" panose="02040503050406030204" pitchFamily="18" charset="0"/>
+                            </a:rPr>
+                            <m:t>,</m:t>
+                          </m:r>
+                          <m:r>
+                            <a:rPr lang="en-PH" b="0" i="1" dirty="0" smtClean="0">
+                              <a:latin typeface="Cambria Math" panose="02040503050406030204" pitchFamily="18" charset="0"/>
+                            </a:rPr>
+                            <m:t>𝑗</m:t>
+                          </m:r>
+                          <m:r>
+                            <a:rPr lang="en-PH" b="0" i="1" dirty="0" smtClean="0">
+                              <a:latin typeface="Cambria Math" panose="02040503050406030204" pitchFamily="18" charset="0"/>
+                            </a:rPr>
+                            <m:t>+</m:t>
+                          </m:r>
+                          <m:r>
+                            <a:rPr lang="en-PH" b="0" i="1" dirty="0" smtClean="0">
+                              <a:latin typeface="Cambria Math" panose="02040503050406030204" pitchFamily="18" charset="0"/>
+                            </a:rPr>
+                            <m:t>𝛿</m:t>
+                          </m:r>
+                          <m:r>
+                            <a:rPr lang="en-PH" b="0" i="1" dirty="0" smtClean="0">
+                              <a:latin typeface="Cambria Math" panose="02040503050406030204" pitchFamily="18" charset="0"/>
+                            </a:rPr>
+                            <m:t>𝑗</m:t>
+                          </m:r>
+                        </m:sub>
+                      </m:sSub>
+                      <m:r>
+                        <a:rPr lang="en-PH" b="0" i="1" dirty="0" smtClean="0">
+                          <a:latin typeface="Cambria Math" panose="02040503050406030204" pitchFamily="18" charset="0"/>
+                        </a:rPr>
+                        <m:t> ∀</m:t>
+                      </m:r>
+                      <m:d>
+                        <m:dPr>
+                          <m:ctrlPr>
+                            <a:rPr lang="en-PH" b="0" i="1" dirty="0" smtClean="0">
+                              <a:latin typeface="Cambria Math" panose="02040503050406030204" pitchFamily="18" charset="0"/>
+                            </a:rPr>
+                          </m:ctrlPr>
+                        </m:dPr>
+                        <m:e>
+                          <m:r>
+                            <a:rPr lang="en-PH" b="0" i="1" dirty="0" smtClean="0">
+                              <a:latin typeface="Cambria Math" panose="02040503050406030204" pitchFamily="18" charset="0"/>
+                            </a:rPr>
+                            <m:t>𝛿</m:t>
+                          </m:r>
+                          <m:r>
+                            <a:rPr lang="en-PH" b="0" i="1" dirty="0" smtClean="0">
+                              <a:latin typeface="Cambria Math" panose="02040503050406030204" pitchFamily="18" charset="0"/>
+                            </a:rPr>
+                            <m:t>𝑖</m:t>
+                          </m:r>
+                          <m:r>
+                            <a:rPr lang="en-PH" b="0" i="1" dirty="0" smtClean="0">
+                              <a:latin typeface="Cambria Math" panose="02040503050406030204" pitchFamily="18" charset="0"/>
+                              <a:ea typeface="Cambria Math" panose="02040503050406030204" pitchFamily="18" charset="0"/>
+                            </a:rPr>
+                            <m:t>∧</m:t>
+                          </m:r>
+                          <m:r>
+                            <a:rPr lang="en-PH" b="0" i="1" dirty="0" smtClean="0">
+                              <a:latin typeface="Cambria Math" panose="02040503050406030204" pitchFamily="18" charset="0"/>
+                            </a:rPr>
+                            <m:t>𝛿</m:t>
+                          </m:r>
+                          <m:r>
+                            <a:rPr lang="en-PH" b="0" i="1" dirty="0" smtClean="0">
+                              <a:latin typeface="Cambria Math" panose="02040503050406030204" pitchFamily="18" charset="0"/>
+                            </a:rPr>
+                            <m:t>𝑗</m:t>
+                          </m:r>
+                        </m:e>
+                      </m:d>
+                      <m:r>
+                        <a:rPr lang="en-PH" b="0" i="1" dirty="0" smtClean="0">
+                          <a:latin typeface="Cambria Math" panose="02040503050406030204" pitchFamily="18" charset="0"/>
+                        </a:rPr>
+                        <m:t>, </m:t>
+                      </m:r>
+                      <m:r>
+                        <a:rPr lang="en-PH" b="0" i="1" dirty="0" smtClean="0">
+                          <a:latin typeface="Cambria Math" panose="02040503050406030204" pitchFamily="18" charset="0"/>
+                        </a:rPr>
+                        <m:t>𝛿</m:t>
+                      </m:r>
+                      <m:r>
+                        <a:rPr lang="en-PH" b="0" i="1" dirty="0" smtClean="0">
+                          <a:latin typeface="Cambria Math" panose="02040503050406030204" pitchFamily="18" charset="0"/>
+                        </a:rPr>
+                        <m:t>𝑖</m:t>
+                      </m:r>
+                      <m:r>
+                        <a:rPr lang="en-PH" b="0" i="1" dirty="0" smtClean="0">
+                          <a:latin typeface="Cambria Math" panose="02040503050406030204" pitchFamily="18" charset="0"/>
+                        </a:rPr>
+                        <m:t>, </m:t>
+                      </m:r>
+                      <m:r>
+                        <a:rPr lang="en-PH" b="0" i="1" dirty="0" smtClean="0">
+                          <a:latin typeface="Cambria Math" panose="02040503050406030204" pitchFamily="18" charset="0"/>
+                        </a:rPr>
+                        <m:t>𝛿</m:t>
+                      </m:r>
+                      <m:r>
+                        <a:rPr lang="en-PH" b="0" i="1" dirty="0" smtClean="0">
+                          <a:latin typeface="Cambria Math" panose="02040503050406030204" pitchFamily="18" charset="0"/>
+                        </a:rPr>
+                        <m:t>𝑗</m:t>
+                      </m:r>
+                      <m:r>
+                        <a:rPr lang="en-PH" b="0" i="1" dirty="0" smtClean="0">
+                          <a:latin typeface="Cambria Math" panose="02040503050406030204" pitchFamily="18" charset="0"/>
+                        </a:rPr>
+                        <m:t>∈{−1,0,1}} </m:t>
+                      </m:r>
+                    </m:oMath>
+                  </m:oMathPara>
+                </a14:m>
+                <a:endParaRPr lang="en-PH" dirty="0"/>
+              </a:p>
+            </p:txBody>
+          </p:sp>
+        </mc:Choice>
+        <mc:Fallback>
+          <p:sp>
+            <p:nvSpPr>
+              <p:cNvPr id="13" name="Flowchart: Process 12">
+                <a:extLst>
+                  <a:ext uri="{FF2B5EF4-FFF2-40B4-BE49-F238E27FC236}">
+                    <a16:creationId xmlns:a16="http://schemas.microsoft.com/office/drawing/2014/main" id="{DF73BBC4-041E-7823-414F-184123D75EB3}"/>
+                  </a:ext>
+                </a:extLst>
+              </p:cNvPr>
+              <p:cNvSpPr>
+                <a:spLocks noRot="1" noChangeAspect="1" noMove="1" noResize="1" noEditPoints="1" noAdjustHandles="1" noChangeArrowheads="1" noChangeShapeType="1" noTextEdit="1"/>
+              </p:cNvSpPr>
+              <p:nvPr/>
+            </p:nvSpPr>
+            <p:spPr>
+              <a:xfrm>
+                <a:off x="8545161" y="365601"/>
+                <a:ext cx="4619134" cy="1263193"/>
+              </a:xfrm>
+              <a:prstGeom prst="flowChartProcess">
+                <a:avLst/>
+              </a:prstGeom>
+              <a:blipFill>
+                <a:blip r:embed="rId4"/>
+                <a:stretch>
+                  <a:fillRect/>
+                </a:stretch>
+              </a:blipFill>
+            </p:spPr>
+            <p:txBody>
+              <a:bodyPr/>
+              <a:lstStyle/>
+              <a:p>
+                <a:r>
+                  <a:rPr lang="en-PH">
+                    <a:noFill/>
+                  </a:rPr>
+                  <a:t> </a:t>
+                </a:r>
+              </a:p>
+            </p:txBody>
+          </p:sp>
+        </mc:Fallback>
+      </mc:AlternateContent>
+      <p:cxnSp>
+        <p:nvCxnSpPr>
+          <p:cNvPr id="19" name="Straight Arrow Connector 18">
+            <a:extLst>
+              <a:ext uri="{FF2B5EF4-FFF2-40B4-BE49-F238E27FC236}">
+                <a16:creationId xmlns:a16="http://schemas.microsoft.com/office/drawing/2014/main" id="{DB1A294B-DA86-A728-9DB5-5510AD4AA7B2}"/>
+              </a:ext>
+            </a:extLst>
+          </p:cNvPr>
+          <p:cNvCxnSpPr>
+            <a:cxnSpLocks/>
+            <a:stCxn id="5" idx="3"/>
+            <a:endCxn id="38" idx="1"/>
+          </p:cNvCxnSpPr>
+          <p:nvPr/>
+        </p:nvCxnSpPr>
+        <p:spPr>
+          <a:xfrm>
+            <a:off x="5293652" y="997197"/>
+            <a:ext cx="565719" cy="0"/>
+          </a:xfrm>
+          <a:prstGeom prst="straightConnector1">
+            <a:avLst/>
+          </a:prstGeom>
+          <a:ln>
+            <a:tailEnd type="triangle"/>
+          </a:ln>
+        </p:spPr>
+        <p:style>
+          <a:lnRef idx="2">
+            <a:schemeClr val="dk1"/>
+          </a:lnRef>
+          <a:fillRef idx="0">
+            <a:schemeClr val="dk1"/>
+          </a:fillRef>
+          <a:effectRef idx="1">
+            <a:schemeClr val="dk1"/>
+          </a:effectRef>
+          <a:fontRef idx="minor">
+            <a:schemeClr val="tx1"/>
+          </a:fontRef>
+        </p:style>
+      </p:cxnSp>
+      <mc:AlternateContent xmlns:mc="http://schemas.openxmlformats.org/markup-compatibility/2006">
+        <mc:Choice xmlns:a14="http://schemas.microsoft.com/office/drawing/2010/main" Requires="a14">
+          <p:sp>
+            <p:nvSpPr>
+              <p:cNvPr id="20" name="Flowchart: Process 19">
+                <a:extLst>
+                  <a:ext uri="{FF2B5EF4-FFF2-40B4-BE49-F238E27FC236}">
+                    <a16:creationId xmlns:a16="http://schemas.microsoft.com/office/drawing/2014/main" id="{02C75369-BC7C-B6C1-A2ED-7E239E6245EF}"/>
+                  </a:ext>
+                </a:extLst>
+              </p:cNvPr>
+              <p:cNvSpPr/>
+              <p:nvPr/>
+            </p:nvSpPr>
+            <p:spPr>
+              <a:xfrm>
+                <a:off x="8304777" y="2347583"/>
+                <a:ext cx="5099902" cy="1263193"/>
+              </a:xfrm>
+              <a:prstGeom prst="flowChartProcess">
+                <a:avLst/>
+              </a:prstGeom>
+            </p:spPr>
+            <p:style>
+              <a:lnRef idx="2">
+                <a:schemeClr val="dk1"/>
+              </a:lnRef>
+              <a:fillRef idx="1">
+                <a:schemeClr val="lt1"/>
+              </a:fillRef>
+              <a:effectRef idx="0">
+                <a:schemeClr val="dk1"/>
+              </a:effectRef>
+              <a:fontRef idx="minor">
+                <a:schemeClr val="dk1"/>
+              </a:fontRef>
+            </p:style>
+            <p:txBody>
+              <a:bodyPr rtlCol="0" anchor="ctr"/>
+              <a:lstStyle/>
+              <a:p>
+                <a:pPr algn="ctr"/>
+                <a:r>
+                  <a:rPr lang="en-PH" dirty="0"/>
+                  <a:t>Obtain probability to learn </a:t>
+                </a:r>
+              </a:p>
+              <a:p>
+                <a:pPr algn="ctr"/>
+                <a14:m>
+                  <m:oMathPara xmlns:m="http://schemas.openxmlformats.org/officeDocument/2006/math">
+                    <m:oMathParaPr>
+                      <m:jc m:val="centerGroup"/>
+                    </m:oMathParaPr>
+                    <m:oMath xmlns:m="http://schemas.openxmlformats.org/officeDocument/2006/math">
+                      <m:sSub>
+                        <m:sSubPr>
+                          <m:ctrlPr>
+                            <a:rPr lang="en-PH" b="0" i="1" smtClean="0">
+                              <a:latin typeface="Cambria Math" panose="02040503050406030204" pitchFamily="18" charset="0"/>
+                            </a:rPr>
+                          </m:ctrlPr>
+                        </m:sSubPr>
+                        <m:e>
+                          <m:r>
+                            <a:rPr lang="en-PH" b="0" i="1" smtClean="0">
+                              <a:latin typeface="Cambria Math" panose="02040503050406030204" pitchFamily="18" charset="0"/>
+                            </a:rPr>
+                            <m:t>𝑃</m:t>
+                          </m:r>
+                        </m:e>
+                        <m:sub>
+                          <m:r>
+                            <a:rPr lang="en-PH" b="0" i="1" smtClean="0">
+                              <a:latin typeface="Cambria Math" panose="02040503050406030204" pitchFamily="18" charset="0"/>
+                            </a:rPr>
+                            <m:t>𝑖</m:t>
+                          </m:r>
+                          <m:r>
+                            <a:rPr lang="en-PH" b="0" i="1" smtClean="0">
+                              <a:latin typeface="Cambria Math" panose="02040503050406030204" pitchFamily="18" charset="0"/>
+                            </a:rPr>
+                            <m:t>,</m:t>
+                          </m:r>
+                          <m:r>
+                            <a:rPr lang="en-PH" b="0" i="1" smtClean="0">
+                              <a:latin typeface="Cambria Math" panose="02040503050406030204" pitchFamily="18" charset="0"/>
+                            </a:rPr>
+                            <m:t>𝑗</m:t>
+                          </m:r>
+                        </m:sub>
+                      </m:sSub>
+                      <m:r>
+                        <a:rPr lang="en-PH" b="0" i="1" smtClean="0">
+                          <a:latin typeface="Cambria Math" panose="02040503050406030204" pitchFamily="18" charset="0"/>
+                        </a:rPr>
+                        <m:t>=1 − </m:t>
+                      </m:r>
+                      <m:nary>
+                        <m:naryPr>
+                          <m:chr m:val="∏"/>
+                          <m:supHide m:val="on"/>
+                          <m:ctrlPr>
+                            <a:rPr lang="en-PH" b="0" i="1" smtClean="0">
+                              <a:latin typeface="Cambria Math" panose="02040503050406030204" pitchFamily="18" charset="0"/>
+                            </a:rPr>
+                          </m:ctrlPr>
+                        </m:naryPr>
+                        <m:sub>
+                          <m:r>
+                            <a:rPr lang="en-PH" b="0" i="1" smtClean="0">
+                              <a:latin typeface="Cambria Math" panose="02040503050406030204" pitchFamily="18" charset="0"/>
+                            </a:rPr>
+                            <m:t>∀</m:t>
+                          </m:r>
+                          <m:r>
+                            <a:rPr lang="en-PH" b="0" i="1" smtClean="0">
+                              <a:latin typeface="Cambria Math" panose="02040503050406030204" pitchFamily="18" charset="0"/>
+                            </a:rPr>
+                            <m:t>𝛿</m:t>
+                          </m:r>
+                          <m:r>
+                            <a:rPr lang="en-PH" b="0" i="1" smtClean="0">
+                              <a:latin typeface="Cambria Math" panose="02040503050406030204" pitchFamily="18" charset="0"/>
+                            </a:rPr>
+                            <m:t>𝑖</m:t>
+                          </m:r>
+                          <m:r>
+                            <a:rPr lang="en-PH" b="0" i="1" smtClean="0">
+                              <a:latin typeface="Cambria Math" panose="02040503050406030204" pitchFamily="18" charset="0"/>
+                            </a:rPr>
+                            <m:t>, </m:t>
+                          </m:r>
+                          <m:r>
+                            <a:rPr lang="en-PH" b="0" i="1" smtClean="0">
+                              <a:latin typeface="Cambria Math" panose="02040503050406030204" pitchFamily="18" charset="0"/>
+                            </a:rPr>
+                            <m:t>𝛿</m:t>
+                          </m:r>
+                          <m:r>
+                            <a:rPr lang="en-PH" b="0" i="1" smtClean="0">
+                              <a:latin typeface="Cambria Math" panose="02040503050406030204" pitchFamily="18" charset="0"/>
+                            </a:rPr>
+                            <m:t>𝑗</m:t>
+                          </m:r>
+                        </m:sub>
+                        <m:sup/>
+                        <m:e>
+                          <m:r>
+                            <a:rPr lang="en-PH" b="0" i="1" smtClean="0">
+                              <a:latin typeface="Cambria Math" panose="02040503050406030204" pitchFamily="18" charset="0"/>
+                            </a:rPr>
+                            <m:t>[1−(</m:t>
+                          </m:r>
+                          <m:sSub>
+                            <m:sSubPr>
+                              <m:ctrlPr>
+                                <a:rPr lang="en-PH" b="0" i="1" smtClean="0">
+                                  <a:latin typeface="Cambria Math" panose="02040503050406030204" pitchFamily="18" charset="0"/>
+                                </a:rPr>
+                              </m:ctrlPr>
+                            </m:sSubPr>
+                            <m:e>
+                              <m:r>
+                                <a:rPr lang="en-PH" b="0" i="1" smtClean="0">
+                                  <a:latin typeface="Cambria Math" panose="02040503050406030204" pitchFamily="18" charset="0"/>
+                                </a:rPr>
+                                <m:t>𝜆</m:t>
+                              </m:r>
+                            </m:e>
+                            <m:sub>
+                              <m:r>
+                                <a:rPr lang="en-PH" b="0" i="1" smtClean="0">
+                                  <a:latin typeface="Cambria Math" panose="02040503050406030204" pitchFamily="18" charset="0"/>
+                                </a:rPr>
+                                <m:t>𝑖</m:t>
+                              </m:r>
+                              <m:r>
+                                <a:rPr lang="en-PH" b="0" i="1" smtClean="0">
+                                  <a:latin typeface="Cambria Math" panose="02040503050406030204" pitchFamily="18" charset="0"/>
+                                </a:rPr>
+                                <m:t>,</m:t>
+                              </m:r>
+                              <m:r>
+                                <a:rPr lang="en-PH" b="0" i="1" smtClean="0">
+                                  <a:latin typeface="Cambria Math" panose="02040503050406030204" pitchFamily="18" charset="0"/>
+                                </a:rPr>
+                                <m:t>𝑗</m:t>
+                              </m:r>
+                            </m:sub>
+                          </m:sSub>
+                          <m:r>
+                            <a:rPr lang="en-PH" b="0" i="1" smtClean="0">
+                              <a:latin typeface="Cambria Math" panose="02040503050406030204" pitchFamily="18" charset="0"/>
+                            </a:rPr>
+                            <m:t>)(</m:t>
+                          </m:r>
+                          <m:sSub>
+                            <m:sSubPr>
+                              <m:ctrlPr>
+                                <a:rPr lang="en-PH" b="0" i="1" smtClean="0">
+                                  <a:latin typeface="Cambria Math" panose="02040503050406030204" pitchFamily="18" charset="0"/>
+                                </a:rPr>
+                              </m:ctrlPr>
+                            </m:sSubPr>
+                            <m:e>
+                              <m:r>
+                                <a:rPr lang="en-PH" b="0" i="1" smtClean="0">
+                                  <a:latin typeface="Cambria Math" panose="02040503050406030204" pitchFamily="18" charset="0"/>
+                                </a:rPr>
+                                <m:t>𝜌</m:t>
+                              </m:r>
+                            </m:e>
+                            <m:sub>
+                              <m:r>
+                                <a:rPr lang="en-PH" b="0" i="1" smtClean="0">
+                                  <a:latin typeface="Cambria Math" panose="02040503050406030204" pitchFamily="18" charset="0"/>
+                                </a:rPr>
+                                <m:t>𝑖</m:t>
+                              </m:r>
+                              <m:r>
+                                <a:rPr lang="en-PH" b="0" i="1" smtClean="0">
+                                  <a:latin typeface="Cambria Math" panose="02040503050406030204" pitchFamily="18" charset="0"/>
+                                </a:rPr>
+                                <m:t>+</m:t>
+                              </m:r>
+                              <m:r>
+                                <a:rPr lang="en-PH" b="0" i="1" smtClean="0">
+                                  <a:latin typeface="Cambria Math" panose="02040503050406030204" pitchFamily="18" charset="0"/>
+                                </a:rPr>
+                                <m:t>𝛿</m:t>
+                              </m:r>
+                              <m:r>
+                                <a:rPr lang="en-PH" b="0" i="1" smtClean="0">
+                                  <a:latin typeface="Cambria Math" panose="02040503050406030204" pitchFamily="18" charset="0"/>
+                                </a:rPr>
+                                <m:t>𝑖</m:t>
+                              </m:r>
+                              <m:r>
+                                <a:rPr lang="en-PH" b="0" i="1" smtClean="0">
+                                  <a:latin typeface="Cambria Math" panose="02040503050406030204" pitchFamily="18" charset="0"/>
+                                </a:rPr>
+                                <m:t>, </m:t>
+                              </m:r>
+                              <m:r>
+                                <a:rPr lang="en-PH" b="0" i="1" smtClean="0">
+                                  <a:latin typeface="Cambria Math" panose="02040503050406030204" pitchFamily="18" charset="0"/>
+                                </a:rPr>
+                                <m:t>𝑗</m:t>
+                              </m:r>
+                              <m:r>
+                                <a:rPr lang="en-PH" b="0" i="1" smtClean="0">
+                                  <a:latin typeface="Cambria Math" panose="02040503050406030204" pitchFamily="18" charset="0"/>
+                                </a:rPr>
+                                <m:t>+</m:t>
+                              </m:r>
+                              <m:r>
+                                <a:rPr lang="en-PH" b="0" i="1" smtClean="0">
+                                  <a:latin typeface="Cambria Math" panose="02040503050406030204" pitchFamily="18" charset="0"/>
+                                </a:rPr>
+                                <m:t>𝛿</m:t>
+                              </m:r>
+                              <m:r>
+                                <a:rPr lang="en-PH" b="0" i="1" smtClean="0">
+                                  <a:latin typeface="Cambria Math" panose="02040503050406030204" pitchFamily="18" charset="0"/>
+                                </a:rPr>
+                                <m:t>𝑗</m:t>
+                              </m:r>
+                            </m:sub>
+                          </m:sSub>
+                          <m:r>
+                            <a:rPr lang="en-PH" b="0" i="1" smtClean="0">
+                              <a:latin typeface="Cambria Math" panose="02040503050406030204" pitchFamily="18" charset="0"/>
+                            </a:rPr>
+                            <m:t>)(</m:t>
+                          </m:r>
+                          <m:sSub>
+                            <m:sSubPr>
+                              <m:ctrlPr>
+                                <a:rPr lang="en-PH" b="0" i="1" smtClean="0">
+                                  <a:latin typeface="Cambria Math" panose="02040503050406030204" pitchFamily="18" charset="0"/>
+                                </a:rPr>
+                              </m:ctrlPr>
+                            </m:sSubPr>
+                            <m:e>
+                              <m:r>
+                                <a:rPr lang="en-PH" b="0" i="1" smtClean="0">
+                                  <a:latin typeface="Cambria Math" panose="02040503050406030204" pitchFamily="18" charset="0"/>
+                                </a:rPr>
+                                <m:t>𝑠</m:t>
+                              </m:r>
+                            </m:e>
+                            <m:sub>
+                              <m:r>
+                                <a:rPr lang="en-PH" b="0" i="1" smtClean="0">
+                                  <a:latin typeface="Cambria Math" panose="02040503050406030204" pitchFamily="18" charset="0"/>
+                                </a:rPr>
+                                <m:t>𝑖</m:t>
+                              </m:r>
+                              <m:r>
+                                <a:rPr lang="en-PH" b="0" i="1" smtClean="0">
+                                  <a:latin typeface="Cambria Math" panose="02040503050406030204" pitchFamily="18" charset="0"/>
+                                </a:rPr>
+                                <m:t>+</m:t>
+                              </m:r>
+                              <m:r>
+                                <a:rPr lang="en-PH" b="0" i="1" smtClean="0">
+                                  <a:latin typeface="Cambria Math" panose="02040503050406030204" pitchFamily="18" charset="0"/>
+                                </a:rPr>
+                                <m:t>𝛿</m:t>
+                              </m:r>
+                              <m:r>
+                                <a:rPr lang="en-PH" b="0" i="1" smtClean="0">
+                                  <a:latin typeface="Cambria Math" panose="02040503050406030204" pitchFamily="18" charset="0"/>
+                                </a:rPr>
+                                <m:t>𝑖</m:t>
+                              </m:r>
+                              <m:r>
+                                <a:rPr lang="en-PH" b="0" i="1" smtClean="0">
+                                  <a:latin typeface="Cambria Math" panose="02040503050406030204" pitchFamily="18" charset="0"/>
+                                </a:rPr>
+                                <m:t>, </m:t>
+                              </m:r>
+                              <m:r>
+                                <a:rPr lang="en-PH" b="0" i="1" smtClean="0">
+                                  <a:latin typeface="Cambria Math" panose="02040503050406030204" pitchFamily="18" charset="0"/>
+                                </a:rPr>
+                                <m:t>𝑗</m:t>
+                              </m:r>
+                              <m:r>
+                                <a:rPr lang="en-PH" b="0" i="1" smtClean="0">
+                                  <a:latin typeface="Cambria Math" panose="02040503050406030204" pitchFamily="18" charset="0"/>
+                                </a:rPr>
+                                <m:t>+</m:t>
+                              </m:r>
+                              <m:r>
+                                <a:rPr lang="en-PH" b="0" i="1" smtClean="0">
+                                  <a:latin typeface="Cambria Math" panose="02040503050406030204" pitchFamily="18" charset="0"/>
+                                </a:rPr>
+                                <m:t>𝛿</m:t>
+                              </m:r>
+                              <m:r>
+                                <a:rPr lang="en-PH" b="0" i="1" smtClean="0">
+                                  <a:latin typeface="Cambria Math" panose="02040503050406030204" pitchFamily="18" charset="0"/>
+                                </a:rPr>
+                                <m:t>𝑗</m:t>
+                              </m:r>
+                            </m:sub>
+                          </m:sSub>
+                          <m:r>
+                            <a:rPr lang="en-PH" b="0" i="1" smtClean="0">
+                              <a:latin typeface="Cambria Math" panose="02040503050406030204" pitchFamily="18" charset="0"/>
+                            </a:rPr>
+                            <m:t>)</m:t>
+                          </m:r>
+                        </m:e>
+                      </m:nary>
+                    </m:oMath>
+                  </m:oMathPara>
+                </a14:m>
+                <a:endParaRPr lang="en-PH" dirty="0"/>
+              </a:p>
+            </p:txBody>
+          </p:sp>
+        </mc:Choice>
+        <mc:Fallback>
+          <p:sp>
+            <p:nvSpPr>
+              <p:cNvPr id="20" name="Flowchart: Process 19">
+                <a:extLst>
+                  <a:ext uri="{FF2B5EF4-FFF2-40B4-BE49-F238E27FC236}">
+                    <a16:creationId xmlns:a16="http://schemas.microsoft.com/office/drawing/2014/main" id="{02C75369-BC7C-B6C1-A2ED-7E239E6245EF}"/>
+                  </a:ext>
+                </a:extLst>
+              </p:cNvPr>
+              <p:cNvSpPr>
+                <a:spLocks noRot="1" noChangeAspect="1" noMove="1" noResize="1" noEditPoints="1" noAdjustHandles="1" noChangeArrowheads="1" noChangeShapeType="1" noTextEdit="1"/>
+              </p:cNvSpPr>
+              <p:nvPr/>
+            </p:nvSpPr>
+            <p:spPr>
+              <a:xfrm>
+                <a:off x="8304777" y="2347583"/>
+                <a:ext cx="5099902" cy="1263193"/>
+              </a:xfrm>
+              <a:prstGeom prst="flowChartProcess">
+                <a:avLst/>
+              </a:prstGeom>
+              <a:blipFill>
+                <a:blip r:embed="rId5"/>
+                <a:stretch>
+                  <a:fillRect/>
+                </a:stretch>
+              </a:blipFill>
+            </p:spPr>
+            <p:txBody>
+              <a:bodyPr/>
+              <a:lstStyle/>
+              <a:p>
+                <a:r>
+                  <a:rPr lang="en-PH">
+                    <a:noFill/>
+                  </a:rPr>
+                  <a:t> </a:t>
+                </a:r>
+              </a:p>
+            </p:txBody>
+          </p:sp>
+        </mc:Fallback>
+      </mc:AlternateContent>
+      <p:cxnSp>
+        <p:nvCxnSpPr>
+          <p:cNvPr id="22" name="Straight Arrow Connector 21">
+            <a:extLst>
+              <a:ext uri="{FF2B5EF4-FFF2-40B4-BE49-F238E27FC236}">
+                <a16:creationId xmlns:a16="http://schemas.microsoft.com/office/drawing/2014/main" id="{BDE84267-0681-6162-4F68-1D0A38A2C28D}"/>
+              </a:ext>
+            </a:extLst>
+          </p:cNvPr>
+          <p:cNvCxnSpPr>
+            <a:stCxn id="13" idx="2"/>
+            <a:endCxn id="20" idx="0"/>
+          </p:cNvCxnSpPr>
+          <p:nvPr/>
+        </p:nvCxnSpPr>
+        <p:spPr>
+          <a:xfrm>
+            <a:off x="10854728" y="1628794"/>
+            <a:ext cx="0" cy="718789"/>
+          </a:xfrm>
+          <a:prstGeom prst="straightConnector1">
+            <a:avLst/>
+          </a:prstGeom>
+          <a:ln>
+            <a:tailEnd type="triangle"/>
+          </a:ln>
+        </p:spPr>
+        <p:style>
+          <a:lnRef idx="2">
+            <a:schemeClr val="dk1"/>
+          </a:lnRef>
+          <a:fillRef idx="0">
+            <a:schemeClr val="dk1"/>
+          </a:fillRef>
+          <a:effectRef idx="1">
+            <a:schemeClr val="dk1"/>
+          </a:effectRef>
+          <a:fontRef idx="minor">
+            <a:schemeClr val="tx1"/>
+          </a:fontRef>
+        </p:style>
+      </p:cxnSp>
+      <mc:AlternateContent xmlns:mc="http://schemas.openxmlformats.org/markup-compatibility/2006">
+        <mc:Choice xmlns:a14="http://schemas.microsoft.com/office/drawing/2010/main" Requires="a14">
+          <p:sp>
+            <p:nvSpPr>
+              <p:cNvPr id="24" name="Flowchart: Decision 23">
+                <a:extLst>
+                  <a:ext uri="{FF2B5EF4-FFF2-40B4-BE49-F238E27FC236}">
+                    <a16:creationId xmlns:a16="http://schemas.microsoft.com/office/drawing/2014/main" id="{C5CEF25D-6529-C555-DE67-FDE9F7286C93}"/>
+                  </a:ext>
+                </a:extLst>
+              </p:cNvPr>
+              <p:cNvSpPr/>
+              <p:nvPr/>
+            </p:nvSpPr>
+            <p:spPr>
+              <a:xfrm>
+                <a:off x="9747177" y="3973154"/>
+                <a:ext cx="2215103" cy="2152846"/>
+              </a:xfrm>
+              <a:prstGeom prst="flowChartDecision">
+                <a:avLst/>
+              </a:prstGeom>
+            </p:spPr>
+            <p:style>
+              <a:lnRef idx="2">
+                <a:schemeClr val="dk1"/>
+              </a:lnRef>
+              <a:fillRef idx="1">
+                <a:schemeClr val="lt1"/>
+              </a:fillRef>
+              <a:effectRef idx="0">
+                <a:schemeClr val="dk1"/>
+              </a:effectRef>
+              <a:fontRef idx="minor">
+                <a:schemeClr val="dk1"/>
+              </a:fontRef>
+            </p:style>
+            <p:txBody>
+              <a:bodyPr rtlCol="0" anchor="ctr"/>
+              <a:lstStyle/>
+              <a:p>
+                <a:pPr algn="ctr"/>
+                <a14:m>
+                  <m:oMath xmlns:m="http://schemas.openxmlformats.org/officeDocument/2006/math">
+                    <m:r>
+                      <a:rPr lang="en-PH" b="0" i="1" smtClean="0">
+                        <a:latin typeface="Cambria Math" panose="02040503050406030204" pitchFamily="18" charset="0"/>
+                      </a:rPr>
+                      <m:t>𝜇</m:t>
+                    </m:r>
+                    <m:r>
+                      <a:rPr lang="en-PH" b="0" i="1" smtClean="0">
+                        <a:latin typeface="Cambria Math" panose="02040503050406030204" pitchFamily="18" charset="0"/>
+                      </a:rPr>
+                      <m:t>≤</m:t>
+                    </m:r>
+                    <m:sSub>
+                      <m:sSubPr>
+                        <m:ctrlPr>
+                          <a:rPr lang="en-PH" b="0" i="1" smtClean="0">
+                            <a:latin typeface="Cambria Math" panose="02040503050406030204" pitchFamily="18" charset="0"/>
+                          </a:rPr>
+                        </m:ctrlPr>
+                      </m:sSubPr>
+                      <m:e>
+                        <m:r>
+                          <a:rPr lang="en-PH" b="0" i="1" smtClean="0">
+                            <a:latin typeface="Cambria Math" panose="02040503050406030204" pitchFamily="18" charset="0"/>
+                          </a:rPr>
+                          <m:t>𝑃</m:t>
+                        </m:r>
+                      </m:e>
+                      <m:sub>
+                        <m:r>
+                          <a:rPr lang="en-PH" b="0" i="1" smtClean="0">
+                            <a:latin typeface="Cambria Math" panose="02040503050406030204" pitchFamily="18" charset="0"/>
+                          </a:rPr>
+                          <m:t>𝑖</m:t>
+                        </m:r>
+                        <m:r>
+                          <a:rPr lang="en-PH" b="0" i="1" smtClean="0">
+                            <a:latin typeface="Cambria Math" panose="02040503050406030204" pitchFamily="18" charset="0"/>
+                          </a:rPr>
+                          <m:t>,</m:t>
+                        </m:r>
+                        <m:r>
+                          <a:rPr lang="en-PH" b="0" i="1" smtClean="0">
+                            <a:latin typeface="Cambria Math" panose="02040503050406030204" pitchFamily="18" charset="0"/>
+                          </a:rPr>
+                          <m:t>𝑗</m:t>
+                        </m:r>
+                      </m:sub>
+                    </m:sSub>
+                  </m:oMath>
+                </a14:m>
+                <a:r>
+                  <a:rPr lang="en-PH" dirty="0"/>
+                  <a:t> where </a:t>
+                </a:r>
+                <a14:m>
+                  <m:oMath xmlns:m="http://schemas.openxmlformats.org/officeDocument/2006/math">
+                    <m:r>
+                      <a:rPr lang="en-PH" b="0" i="1" smtClean="0">
+                        <a:latin typeface="Cambria Math" panose="02040503050406030204" pitchFamily="18" charset="0"/>
+                      </a:rPr>
+                      <m:t>𝜇</m:t>
+                    </m:r>
+                  </m:oMath>
+                </a14:m>
+                <a:r>
+                  <a:rPr lang="en-PH" dirty="0"/>
+                  <a:t> is a random number</a:t>
+                </a:r>
+              </a:p>
+            </p:txBody>
+          </p:sp>
+        </mc:Choice>
+        <mc:Fallback>
+          <p:sp>
+            <p:nvSpPr>
+              <p:cNvPr id="24" name="Flowchart: Decision 23">
+                <a:extLst>
+                  <a:ext uri="{FF2B5EF4-FFF2-40B4-BE49-F238E27FC236}">
+                    <a16:creationId xmlns:a16="http://schemas.microsoft.com/office/drawing/2014/main" id="{C5CEF25D-6529-C555-DE67-FDE9F7286C93}"/>
+                  </a:ext>
+                </a:extLst>
+              </p:cNvPr>
+              <p:cNvSpPr>
+                <a:spLocks noRot="1" noChangeAspect="1" noMove="1" noResize="1" noEditPoints="1" noAdjustHandles="1" noChangeArrowheads="1" noChangeShapeType="1" noTextEdit="1"/>
+              </p:cNvSpPr>
+              <p:nvPr/>
+            </p:nvSpPr>
+            <p:spPr>
+              <a:xfrm>
+                <a:off x="9747177" y="3973154"/>
+                <a:ext cx="2215103" cy="2152846"/>
+              </a:xfrm>
+              <a:prstGeom prst="flowChartDecision">
+                <a:avLst/>
+              </a:prstGeom>
+              <a:blipFill>
+                <a:blip r:embed="rId6"/>
+                <a:stretch>
+                  <a:fillRect/>
+                </a:stretch>
+              </a:blipFill>
+            </p:spPr>
+            <p:txBody>
+              <a:bodyPr/>
+              <a:lstStyle/>
+              <a:p>
+                <a:r>
+                  <a:rPr lang="en-PH">
+                    <a:noFill/>
+                  </a:rPr>
+                  <a:t> </a:t>
+                </a:r>
+              </a:p>
+            </p:txBody>
+          </p:sp>
+        </mc:Fallback>
+      </mc:AlternateContent>
+      <mc:AlternateContent xmlns:mc="http://schemas.openxmlformats.org/markup-compatibility/2006">
+        <mc:Choice xmlns:a14="http://schemas.microsoft.com/office/drawing/2010/main" Requires="a14">
+          <p:sp>
+            <p:nvSpPr>
+              <p:cNvPr id="38" name="Flowchart: Decision 37">
+                <a:extLst>
+                  <a:ext uri="{FF2B5EF4-FFF2-40B4-BE49-F238E27FC236}">
+                    <a16:creationId xmlns:a16="http://schemas.microsoft.com/office/drawing/2014/main" id="{649DA733-EE41-431B-3B7D-AC760165A0C0}"/>
+                  </a:ext>
+                </a:extLst>
+              </p:cNvPr>
+              <p:cNvSpPr/>
+              <p:nvPr/>
+            </p:nvSpPr>
+            <p:spPr>
+              <a:xfrm>
+                <a:off x="5859371" y="140109"/>
+                <a:ext cx="1836171" cy="1714176"/>
+              </a:xfrm>
+              <a:prstGeom prst="flowChartDecision">
+                <a:avLst/>
+              </a:prstGeom>
+            </p:spPr>
+            <p:style>
+              <a:lnRef idx="2">
+                <a:schemeClr val="dk1"/>
+              </a:lnRef>
+              <a:fillRef idx="1">
+                <a:schemeClr val="lt1"/>
+              </a:fillRef>
+              <a:effectRef idx="0">
+                <a:schemeClr val="dk1"/>
+              </a:effectRef>
+              <a:fontRef idx="minor">
+                <a:schemeClr val="dk1"/>
+              </a:fontRef>
+            </p:style>
+            <p:txBody>
+              <a:bodyPr rtlCol="0" anchor="ctr"/>
+              <a:lstStyle/>
+              <a:p>
+                <a:pPr algn="ctr"/>
+                <a14:m>
+                  <m:oMathPara xmlns:m="http://schemas.openxmlformats.org/officeDocument/2006/math">
+                    <m:oMathParaPr>
+                      <m:jc m:val="centerGroup"/>
+                    </m:oMathParaPr>
+                    <m:oMath xmlns:m="http://schemas.openxmlformats.org/officeDocument/2006/math">
+                      <m:sSub>
+                        <m:sSubPr>
+                          <m:ctrlPr>
+                            <a:rPr lang="en-PH" b="0" i="1" smtClean="0">
+                              <a:latin typeface="Cambria Math" panose="02040503050406030204" pitchFamily="18" charset="0"/>
+                            </a:rPr>
+                          </m:ctrlPr>
+                        </m:sSubPr>
+                        <m:e>
+                          <m:r>
+                            <a:rPr lang="en-PH" b="0" i="1" smtClean="0">
+                              <a:latin typeface="Cambria Math" panose="02040503050406030204" pitchFamily="18" charset="0"/>
+                            </a:rPr>
+                            <m:t>𝑠</m:t>
+                          </m:r>
+                        </m:e>
+                        <m:sub>
+                          <m:r>
+                            <a:rPr lang="en-PH" b="0" i="1" smtClean="0">
+                              <a:latin typeface="Cambria Math" panose="02040503050406030204" pitchFamily="18" charset="0"/>
+                            </a:rPr>
+                            <m:t>𝑖</m:t>
+                          </m:r>
+                          <m:r>
+                            <a:rPr lang="en-PH" b="0" i="1" smtClean="0">
+                              <a:latin typeface="Cambria Math" panose="02040503050406030204" pitchFamily="18" charset="0"/>
+                            </a:rPr>
+                            <m:t>,</m:t>
+                          </m:r>
+                          <m:r>
+                            <a:rPr lang="en-PH" b="0" i="1" smtClean="0">
+                              <a:latin typeface="Cambria Math" panose="02040503050406030204" pitchFamily="18" charset="0"/>
+                            </a:rPr>
+                            <m:t>𝑗</m:t>
+                          </m:r>
+                        </m:sub>
+                      </m:sSub>
+                      <m:r>
+                        <a:rPr lang="en-PH" b="0" i="1" smtClean="0">
+                          <a:latin typeface="Cambria Math" panose="02040503050406030204" pitchFamily="18" charset="0"/>
+                        </a:rPr>
+                        <m:t>=1</m:t>
+                      </m:r>
+                    </m:oMath>
+                  </m:oMathPara>
+                </a14:m>
+                <a:endParaRPr lang="en-PH" dirty="0"/>
+              </a:p>
+            </p:txBody>
+          </p:sp>
+        </mc:Choice>
+        <mc:Fallback>
+          <p:sp>
+            <p:nvSpPr>
+              <p:cNvPr id="38" name="Flowchart: Decision 37">
+                <a:extLst>
+                  <a:ext uri="{FF2B5EF4-FFF2-40B4-BE49-F238E27FC236}">
+                    <a16:creationId xmlns:a16="http://schemas.microsoft.com/office/drawing/2014/main" id="{649DA733-EE41-431B-3B7D-AC760165A0C0}"/>
+                  </a:ext>
+                </a:extLst>
+              </p:cNvPr>
+              <p:cNvSpPr>
+                <a:spLocks noRot="1" noChangeAspect="1" noMove="1" noResize="1" noEditPoints="1" noAdjustHandles="1" noChangeArrowheads="1" noChangeShapeType="1" noTextEdit="1"/>
+              </p:cNvSpPr>
+              <p:nvPr/>
+            </p:nvSpPr>
+            <p:spPr>
+              <a:xfrm>
+                <a:off x="5859371" y="140109"/>
+                <a:ext cx="1836171" cy="1714176"/>
+              </a:xfrm>
+              <a:prstGeom prst="flowChartDecision">
+                <a:avLst/>
+              </a:prstGeom>
+              <a:blipFill>
+                <a:blip r:embed="rId7"/>
+                <a:stretch>
+                  <a:fillRect/>
+                </a:stretch>
+              </a:blipFill>
+            </p:spPr>
+            <p:txBody>
+              <a:bodyPr/>
+              <a:lstStyle/>
+              <a:p>
+                <a:r>
+                  <a:rPr lang="en-PH">
+                    <a:noFill/>
+                  </a:rPr>
+                  <a:t> </a:t>
+                </a:r>
+              </a:p>
+            </p:txBody>
+          </p:sp>
+        </mc:Fallback>
+      </mc:AlternateContent>
+      <p:cxnSp>
+        <p:nvCxnSpPr>
+          <p:cNvPr id="50" name="Straight Arrow Connector 49">
+            <a:extLst>
+              <a:ext uri="{FF2B5EF4-FFF2-40B4-BE49-F238E27FC236}">
+                <a16:creationId xmlns:a16="http://schemas.microsoft.com/office/drawing/2014/main" id="{414FC256-E789-995B-5BF9-34D774A477B3}"/>
+              </a:ext>
+            </a:extLst>
+          </p:cNvPr>
+          <p:cNvCxnSpPr>
+            <a:cxnSpLocks/>
+            <a:stCxn id="38" idx="3"/>
+            <a:endCxn id="13" idx="1"/>
+          </p:cNvCxnSpPr>
+          <p:nvPr/>
+        </p:nvCxnSpPr>
+        <p:spPr>
+          <a:xfrm>
+            <a:off x="7695542" y="997197"/>
+            <a:ext cx="849619" cy="1"/>
+          </a:xfrm>
+          <a:prstGeom prst="straightConnector1">
+            <a:avLst/>
+          </a:prstGeom>
+          <a:ln>
+            <a:tailEnd type="triangle"/>
+          </a:ln>
+        </p:spPr>
+        <p:style>
+          <a:lnRef idx="2">
+            <a:schemeClr val="dk1"/>
+          </a:lnRef>
+          <a:fillRef idx="0">
+            <a:schemeClr val="dk1"/>
+          </a:fillRef>
+          <a:effectRef idx="1">
+            <a:schemeClr val="dk1"/>
+          </a:effectRef>
+          <a:fontRef idx="minor">
+            <a:schemeClr val="tx1"/>
+          </a:fontRef>
+        </p:style>
+      </p:cxnSp>
+      <mc:AlternateContent xmlns:mc="http://schemas.openxmlformats.org/markup-compatibility/2006">
+        <mc:Choice xmlns:a14="http://schemas.microsoft.com/office/drawing/2010/main" Requires="a14">
+          <p:sp>
+            <p:nvSpPr>
+              <p:cNvPr id="86" name="Flowchart: Process 85">
+                <a:extLst>
+                  <a:ext uri="{FF2B5EF4-FFF2-40B4-BE49-F238E27FC236}">
+                    <a16:creationId xmlns:a16="http://schemas.microsoft.com/office/drawing/2014/main" id="{A5C84D54-EC74-90CE-78D7-0F8929B490A9}"/>
+                  </a:ext>
+                </a:extLst>
+              </p:cNvPr>
+              <p:cNvSpPr/>
+              <p:nvPr/>
+            </p:nvSpPr>
+            <p:spPr>
+              <a:xfrm>
+                <a:off x="5587923" y="4298874"/>
+                <a:ext cx="2379067" cy="1501407"/>
+              </a:xfrm>
+              <a:prstGeom prst="flowChartProcess">
+                <a:avLst/>
+              </a:prstGeom>
+            </p:spPr>
+            <p:style>
+              <a:lnRef idx="2">
+                <a:schemeClr val="dk1"/>
+              </a:lnRef>
+              <a:fillRef idx="1">
+                <a:schemeClr val="lt1"/>
+              </a:fillRef>
+              <a:effectRef idx="0">
+                <a:schemeClr val="dk1"/>
+              </a:effectRef>
+              <a:fontRef idx="minor">
+                <a:schemeClr val="dk1"/>
+              </a:fontRef>
+            </p:style>
+            <p:txBody>
+              <a:bodyPr rtlCol="0" anchor="ctr"/>
+              <a:lstStyle/>
+              <a:p>
+                <a:pPr algn="ctr"/>
+                <a14:m>
+                  <m:oMath xmlns:m="http://schemas.openxmlformats.org/officeDocument/2006/math">
+                    <m:sSubSup>
+                      <m:sSubSupPr>
+                        <m:ctrlPr>
+                          <a:rPr lang="en-PH" b="0" i="1" smtClean="0">
+                            <a:latin typeface="Cambria Math" panose="02040503050406030204" pitchFamily="18" charset="0"/>
+                          </a:rPr>
+                        </m:ctrlPr>
+                      </m:sSubSupPr>
+                      <m:e>
+                        <m:r>
+                          <a:rPr lang="en-PH" b="0" i="1" smtClean="0">
+                            <a:latin typeface="Cambria Math" panose="02040503050406030204" pitchFamily="18" charset="0"/>
+                          </a:rPr>
+                          <m:t>𝑠</m:t>
+                        </m:r>
+                      </m:e>
+                      <m:sub>
+                        <m:r>
+                          <a:rPr lang="en-PH" b="0" i="1" smtClean="0">
+                            <a:latin typeface="Cambria Math" panose="02040503050406030204" pitchFamily="18" charset="0"/>
+                          </a:rPr>
+                          <m:t>𝑖</m:t>
+                        </m:r>
+                        <m:r>
+                          <a:rPr lang="en-PH" b="0" i="1" smtClean="0">
+                            <a:latin typeface="Cambria Math" panose="02040503050406030204" pitchFamily="18" charset="0"/>
+                          </a:rPr>
+                          <m:t>,</m:t>
+                        </m:r>
+                        <m:r>
+                          <a:rPr lang="en-PH" b="0" i="1" smtClean="0">
+                            <a:latin typeface="Cambria Math" panose="02040503050406030204" pitchFamily="18" charset="0"/>
+                          </a:rPr>
+                          <m:t>𝑗</m:t>
+                        </m:r>
+                      </m:sub>
+                      <m:sup>
+                        <m:r>
+                          <a:rPr lang="en-PH" b="0" i="1" smtClean="0">
+                            <a:latin typeface="Cambria Math" panose="02040503050406030204" pitchFamily="18" charset="0"/>
+                          </a:rPr>
+                          <m:t>′</m:t>
+                        </m:r>
+                      </m:sup>
+                    </m:sSubSup>
+                    <m:r>
+                      <a:rPr lang="en-PH" b="0" i="1" smtClean="0">
+                        <a:latin typeface="Cambria Math" panose="02040503050406030204" pitchFamily="18" charset="0"/>
+                      </a:rPr>
+                      <m:t>=1</m:t>
+                    </m:r>
+                  </m:oMath>
+                </a14:m>
+                <a:r>
+                  <a:rPr lang="en-PH" dirty="0"/>
+                  <a:t> where </a:t>
+                </a:r>
+                <a14:m>
+                  <m:oMath xmlns:m="http://schemas.openxmlformats.org/officeDocument/2006/math">
+                    <m:sSubSup>
+                      <m:sSubSupPr>
+                        <m:ctrlPr>
+                          <a:rPr lang="en-PH" b="0" i="1" smtClean="0">
+                            <a:latin typeface="Cambria Math" panose="02040503050406030204" pitchFamily="18" charset="0"/>
+                          </a:rPr>
+                        </m:ctrlPr>
+                      </m:sSubSupPr>
+                      <m:e>
+                        <m:r>
+                          <a:rPr lang="en-PH" b="0" i="1" smtClean="0">
+                            <a:latin typeface="Cambria Math" panose="02040503050406030204" pitchFamily="18" charset="0"/>
+                          </a:rPr>
+                          <m:t>𝑠</m:t>
+                        </m:r>
+                      </m:e>
+                      <m:sub>
+                        <m:r>
+                          <a:rPr lang="en-PH" b="0" i="1" smtClean="0">
+                            <a:latin typeface="Cambria Math" panose="02040503050406030204" pitchFamily="18" charset="0"/>
+                          </a:rPr>
+                          <m:t>𝑖</m:t>
+                        </m:r>
+                        <m:r>
+                          <a:rPr lang="en-PH" b="0" i="1" smtClean="0">
+                            <a:latin typeface="Cambria Math" panose="02040503050406030204" pitchFamily="18" charset="0"/>
+                          </a:rPr>
+                          <m:t>,</m:t>
+                        </m:r>
+                        <m:r>
+                          <a:rPr lang="en-PH" b="0" i="1" smtClean="0">
+                            <a:latin typeface="Cambria Math" panose="02040503050406030204" pitchFamily="18" charset="0"/>
+                          </a:rPr>
+                          <m:t>𝑗</m:t>
+                        </m:r>
+                      </m:sub>
+                      <m:sup>
+                        <m:r>
+                          <a:rPr lang="en-PH" b="0" i="1" smtClean="0">
+                            <a:latin typeface="Cambria Math" panose="02040503050406030204" pitchFamily="18" charset="0"/>
+                          </a:rPr>
+                          <m:t>′</m:t>
+                        </m:r>
+                      </m:sup>
+                    </m:sSubSup>
+                  </m:oMath>
+                </a14:m>
+                <a:r>
+                  <a:rPr lang="en-PH" dirty="0"/>
+                  <a:t> is the state of student </a:t>
+                </a:r>
+                <a14:m>
+                  <m:oMath xmlns:m="http://schemas.openxmlformats.org/officeDocument/2006/math">
+                    <m:sSub>
+                      <m:sSubPr>
+                        <m:ctrlPr>
+                          <a:rPr lang="en-PH" b="0" i="1" smtClean="0">
+                            <a:latin typeface="Cambria Math" panose="02040503050406030204" pitchFamily="18" charset="0"/>
+                          </a:rPr>
+                        </m:ctrlPr>
+                      </m:sSubPr>
+                      <m:e>
+                        <m:r>
+                          <a:rPr lang="en-PH" b="0" i="1" smtClean="0">
+                            <a:latin typeface="Cambria Math" panose="02040503050406030204" pitchFamily="18" charset="0"/>
+                          </a:rPr>
+                          <m:t>𝑐</m:t>
+                        </m:r>
+                      </m:e>
+                      <m:sub>
+                        <m:r>
+                          <a:rPr lang="en-PH" b="0" i="1" smtClean="0">
+                            <a:latin typeface="Cambria Math" panose="02040503050406030204" pitchFamily="18" charset="0"/>
+                          </a:rPr>
+                          <m:t>𝑖</m:t>
+                        </m:r>
+                        <m:r>
+                          <a:rPr lang="en-PH" b="0" i="1" smtClean="0">
+                            <a:latin typeface="Cambria Math" panose="02040503050406030204" pitchFamily="18" charset="0"/>
+                          </a:rPr>
+                          <m:t>,</m:t>
+                        </m:r>
+                        <m:r>
+                          <a:rPr lang="en-PH" b="0" i="1" smtClean="0">
+                            <a:latin typeface="Cambria Math" panose="02040503050406030204" pitchFamily="18" charset="0"/>
+                          </a:rPr>
+                          <m:t>𝑗</m:t>
+                        </m:r>
+                      </m:sub>
+                    </m:sSub>
+                  </m:oMath>
+                </a14:m>
+                <a:r>
+                  <a:rPr lang="en-PH" dirty="0"/>
+                  <a:t> in the next time step</a:t>
+                </a:r>
+              </a:p>
+            </p:txBody>
+          </p:sp>
+        </mc:Choice>
+        <mc:Fallback>
+          <p:sp>
+            <p:nvSpPr>
+              <p:cNvPr id="86" name="Flowchart: Process 85">
+                <a:extLst>
+                  <a:ext uri="{FF2B5EF4-FFF2-40B4-BE49-F238E27FC236}">
+                    <a16:creationId xmlns:a16="http://schemas.microsoft.com/office/drawing/2014/main" id="{A5C84D54-EC74-90CE-78D7-0F8929B490A9}"/>
+                  </a:ext>
+                </a:extLst>
+              </p:cNvPr>
+              <p:cNvSpPr>
+                <a:spLocks noRot="1" noChangeAspect="1" noMove="1" noResize="1" noEditPoints="1" noAdjustHandles="1" noChangeArrowheads="1" noChangeShapeType="1" noTextEdit="1"/>
+              </p:cNvSpPr>
+              <p:nvPr/>
+            </p:nvSpPr>
+            <p:spPr>
+              <a:xfrm>
+                <a:off x="5587923" y="4298874"/>
+                <a:ext cx="2379067" cy="1501407"/>
+              </a:xfrm>
+              <a:prstGeom prst="flowChartProcess">
+                <a:avLst/>
+              </a:prstGeom>
+              <a:blipFill>
+                <a:blip r:embed="rId8"/>
+                <a:stretch>
+                  <a:fillRect/>
+                </a:stretch>
+              </a:blipFill>
+            </p:spPr>
+            <p:txBody>
+              <a:bodyPr/>
+              <a:lstStyle/>
+              <a:p>
+                <a:r>
+                  <a:rPr lang="en-PH">
+                    <a:noFill/>
+                  </a:rPr>
+                  <a:t> </a:t>
+                </a:r>
+              </a:p>
+            </p:txBody>
+          </p:sp>
+        </mc:Fallback>
+      </mc:AlternateContent>
+      <mc:AlternateContent xmlns:mc="http://schemas.openxmlformats.org/markup-compatibility/2006">
+        <mc:Choice xmlns:a14="http://schemas.microsoft.com/office/drawing/2010/main" Requires="a14">
+          <p:sp>
+            <p:nvSpPr>
+              <p:cNvPr id="120" name="Flowchart: Process 119">
+                <a:extLst>
+                  <a:ext uri="{FF2B5EF4-FFF2-40B4-BE49-F238E27FC236}">
+                    <a16:creationId xmlns:a16="http://schemas.microsoft.com/office/drawing/2014/main" id="{1AC1EE8A-EF90-1498-F62D-436FC5A1CE57}"/>
+                  </a:ext>
+                </a:extLst>
+              </p:cNvPr>
+              <p:cNvSpPr/>
+              <p:nvPr/>
+            </p:nvSpPr>
+            <p:spPr>
+              <a:xfrm>
+                <a:off x="1225342" y="4298874"/>
+                <a:ext cx="2379067" cy="1501407"/>
+              </a:xfrm>
+              <a:prstGeom prst="flowChartProcess">
+                <a:avLst/>
+              </a:prstGeom>
+            </p:spPr>
+            <p:style>
+              <a:lnRef idx="2">
+                <a:schemeClr val="dk1"/>
+              </a:lnRef>
+              <a:fillRef idx="1">
+                <a:schemeClr val="lt1"/>
+              </a:fillRef>
+              <a:effectRef idx="0">
+                <a:schemeClr val="dk1"/>
+              </a:effectRef>
+              <a:fontRef idx="minor">
+                <a:schemeClr val="dk1"/>
+              </a:fontRef>
+            </p:style>
+            <p:txBody>
+              <a:bodyPr rtlCol="0" anchor="ctr"/>
+              <a:lstStyle/>
+              <a:p>
+                <a:pPr algn="ctr"/>
+                <a14:m>
+                  <m:oMath xmlns:m="http://schemas.openxmlformats.org/officeDocument/2006/math">
+                    <m:sSubSup>
+                      <m:sSubSupPr>
+                        <m:ctrlPr>
+                          <a:rPr lang="en-PH" b="0" i="1" smtClean="0">
+                            <a:latin typeface="Cambria Math" panose="02040503050406030204" pitchFamily="18" charset="0"/>
+                          </a:rPr>
+                        </m:ctrlPr>
+                      </m:sSubSupPr>
+                      <m:e>
+                        <m:r>
+                          <a:rPr lang="en-PH" b="0" i="1" smtClean="0">
+                            <a:latin typeface="Cambria Math" panose="02040503050406030204" pitchFamily="18" charset="0"/>
+                          </a:rPr>
+                          <m:t>𝑠</m:t>
+                        </m:r>
+                      </m:e>
+                      <m:sub>
+                        <m:r>
+                          <a:rPr lang="en-PH" b="0" i="1" smtClean="0">
+                            <a:latin typeface="Cambria Math" panose="02040503050406030204" pitchFamily="18" charset="0"/>
+                          </a:rPr>
+                          <m:t>𝑖</m:t>
+                        </m:r>
+                        <m:r>
+                          <a:rPr lang="en-PH" b="0" i="1" smtClean="0">
+                            <a:latin typeface="Cambria Math" panose="02040503050406030204" pitchFamily="18" charset="0"/>
+                          </a:rPr>
+                          <m:t>,</m:t>
+                        </m:r>
+                        <m:r>
+                          <a:rPr lang="en-PH" b="0" i="1" smtClean="0">
+                            <a:latin typeface="Cambria Math" panose="02040503050406030204" pitchFamily="18" charset="0"/>
+                          </a:rPr>
+                          <m:t>𝑗</m:t>
+                        </m:r>
+                      </m:sub>
+                      <m:sup>
+                        <m:r>
+                          <a:rPr lang="en-PH" b="0" i="1" smtClean="0">
+                            <a:latin typeface="Cambria Math" panose="02040503050406030204" pitchFamily="18" charset="0"/>
+                          </a:rPr>
+                          <m:t>′</m:t>
+                        </m:r>
+                      </m:sup>
+                    </m:sSubSup>
+                    <m:r>
+                      <a:rPr lang="en-PH" b="0" i="1" smtClean="0">
+                        <a:latin typeface="Cambria Math" panose="02040503050406030204" pitchFamily="18" charset="0"/>
+                      </a:rPr>
+                      <m:t>=0</m:t>
+                    </m:r>
+                  </m:oMath>
+                </a14:m>
+                <a:r>
+                  <a:rPr lang="en-PH" dirty="0"/>
+                  <a:t> where </a:t>
+                </a:r>
+                <a14:m>
+                  <m:oMath xmlns:m="http://schemas.openxmlformats.org/officeDocument/2006/math">
+                    <m:sSubSup>
+                      <m:sSubSupPr>
+                        <m:ctrlPr>
+                          <a:rPr lang="en-PH" b="0" i="1" smtClean="0">
+                            <a:latin typeface="Cambria Math" panose="02040503050406030204" pitchFamily="18" charset="0"/>
+                          </a:rPr>
+                        </m:ctrlPr>
+                      </m:sSubSupPr>
+                      <m:e>
+                        <m:r>
+                          <a:rPr lang="en-PH" b="0" i="1" smtClean="0">
+                            <a:latin typeface="Cambria Math" panose="02040503050406030204" pitchFamily="18" charset="0"/>
+                          </a:rPr>
+                          <m:t>𝑠</m:t>
+                        </m:r>
+                      </m:e>
+                      <m:sub>
+                        <m:r>
+                          <a:rPr lang="en-PH" b="0" i="1" smtClean="0">
+                            <a:latin typeface="Cambria Math" panose="02040503050406030204" pitchFamily="18" charset="0"/>
+                          </a:rPr>
+                          <m:t>𝑖</m:t>
+                        </m:r>
+                        <m:r>
+                          <a:rPr lang="en-PH" b="0" i="1" smtClean="0">
+                            <a:latin typeface="Cambria Math" panose="02040503050406030204" pitchFamily="18" charset="0"/>
+                          </a:rPr>
+                          <m:t>,</m:t>
+                        </m:r>
+                        <m:r>
+                          <a:rPr lang="en-PH" b="0" i="1" smtClean="0">
+                            <a:latin typeface="Cambria Math" panose="02040503050406030204" pitchFamily="18" charset="0"/>
+                          </a:rPr>
+                          <m:t>𝑗</m:t>
+                        </m:r>
+                      </m:sub>
+                      <m:sup>
+                        <m:r>
+                          <a:rPr lang="en-PH" b="0" i="1" smtClean="0">
+                            <a:latin typeface="Cambria Math" panose="02040503050406030204" pitchFamily="18" charset="0"/>
+                          </a:rPr>
+                          <m:t>′</m:t>
+                        </m:r>
+                      </m:sup>
+                    </m:sSubSup>
+                  </m:oMath>
+                </a14:m>
+                <a:r>
+                  <a:rPr lang="en-PH" dirty="0"/>
+                  <a:t> is the state of student </a:t>
+                </a:r>
+                <a14:m>
+                  <m:oMath xmlns:m="http://schemas.openxmlformats.org/officeDocument/2006/math">
+                    <m:sSub>
+                      <m:sSubPr>
+                        <m:ctrlPr>
+                          <a:rPr lang="en-PH" b="0" i="1" smtClean="0">
+                            <a:latin typeface="Cambria Math" panose="02040503050406030204" pitchFamily="18" charset="0"/>
+                          </a:rPr>
+                        </m:ctrlPr>
+                      </m:sSubPr>
+                      <m:e>
+                        <m:r>
+                          <a:rPr lang="en-PH" b="0" i="1" smtClean="0">
+                            <a:latin typeface="Cambria Math" panose="02040503050406030204" pitchFamily="18" charset="0"/>
+                          </a:rPr>
+                          <m:t>𝑐</m:t>
+                        </m:r>
+                      </m:e>
+                      <m:sub>
+                        <m:r>
+                          <a:rPr lang="en-PH" b="0" i="1" smtClean="0">
+                            <a:latin typeface="Cambria Math" panose="02040503050406030204" pitchFamily="18" charset="0"/>
+                          </a:rPr>
+                          <m:t>𝑖</m:t>
+                        </m:r>
+                        <m:r>
+                          <a:rPr lang="en-PH" b="0" i="1" smtClean="0">
+                            <a:latin typeface="Cambria Math" panose="02040503050406030204" pitchFamily="18" charset="0"/>
+                          </a:rPr>
+                          <m:t>,</m:t>
+                        </m:r>
+                        <m:r>
+                          <a:rPr lang="en-PH" b="0" i="1" smtClean="0">
+                            <a:latin typeface="Cambria Math" panose="02040503050406030204" pitchFamily="18" charset="0"/>
+                          </a:rPr>
+                          <m:t>𝑗</m:t>
+                        </m:r>
+                      </m:sub>
+                    </m:sSub>
+                  </m:oMath>
+                </a14:m>
+                <a:r>
+                  <a:rPr lang="en-PH" dirty="0"/>
+                  <a:t> in the next time step</a:t>
+                </a:r>
+              </a:p>
+            </p:txBody>
+          </p:sp>
+        </mc:Choice>
+        <mc:Fallback>
+          <p:sp>
+            <p:nvSpPr>
+              <p:cNvPr id="120" name="Flowchart: Process 119">
+                <a:extLst>
+                  <a:ext uri="{FF2B5EF4-FFF2-40B4-BE49-F238E27FC236}">
+                    <a16:creationId xmlns:a16="http://schemas.microsoft.com/office/drawing/2014/main" id="{1AC1EE8A-EF90-1498-F62D-436FC5A1CE57}"/>
+                  </a:ext>
+                </a:extLst>
+              </p:cNvPr>
+              <p:cNvSpPr>
+                <a:spLocks noRot="1" noChangeAspect="1" noMove="1" noResize="1" noEditPoints="1" noAdjustHandles="1" noChangeArrowheads="1" noChangeShapeType="1" noTextEdit="1"/>
+              </p:cNvSpPr>
+              <p:nvPr/>
+            </p:nvSpPr>
+            <p:spPr>
+              <a:xfrm>
+                <a:off x="1225342" y="4298874"/>
+                <a:ext cx="2379067" cy="1501407"/>
+              </a:xfrm>
+              <a:prstGeom prst="flowChartProcess">
+                <a:avLst/>
+              </a:prstGeom>
+              <a:blipFill>
+                <a:blip r:embed="rId9"/>
+                <a:stretch>
+                  <a:fillRect/>
+                </a:stretch>
+              </a:blipFill>
+            </p:spPr>
+            <p:txBody>
+              <a:bodyPr/>
+              <a:lstStyle/>
+              <a:p>
+                <a:r>
+                  <a:rPr lang="en-PH">
+                    <a:noFill/>
+                  </a:rPr>
+                  <a:t> </a:t>
+                </a:r>
+              </a:p>
+            </p:txBody>
+          </p:sp>
+        </mc:Fallback>
+      </mc:AlternateContent>
+      <p:sp>
+        <p:nvSpPr>
+          <p:cNvPr id="137" name="TextBox 136">
+            <a:extLst>
+              <a:ext uri="{FF2B5EF4-FFF2-40B4-BE49-F238E27FC236}">
+                <a16:creationId xmlns:a16="http://schemas.microsoft.com/office/drawing/2014/main" id="{B680C788-F5F1-1893-E8A5-802427473628}"/>
+              </a:ext>
+            </a:extLst>
+          </p:cNvPr>
+          <p:cNvSpPr txBox="1"/>
+          <p:nvPr/>
+        </p:nvSpPr>
+        <p:spPr>
+          <a:xfrm>
+            <a:off x="7750724" y="648985"/>
+            <a:ext cx="794437" cy="369332"/>
+          </a:xfrm>
+          <a:prstGeom prst="rect">
+            <a:avLst/>
+          </a:prstGeom>
+          <a:noFill/>
+        </p:spPr>
+        <p:txBody>
+          <a:bodyPr wrap="square" rtlCol="0">
+            <a:spAutoFit/>
+          </a:bodyPr>
+          <a:lstStyle/>
+          <a:p>
+            <a:r>
+              <a:rPr lang="en-PH" dirty="0"/>
+              <a:t>False</a:t>
+            </a:r>
+          </a:p>
+        </p:txBody>
+      </p:sp>
+      <p:cxnSp>
+        <p:nvCxnSpPr>
+          <p:cNvPr id="143" name="Straight Arrow Connector 142">
+            <a:extLst>
+              <a:ext uri="{FF2B5EF4-FFF2-40B4-BE49-F238E27FC236}">
+                <a16:creationId xmlns:a16="http://schemas.microsoft.com/office/drawing/2014/main" id="{FE877E91-E42B-87FE-0895-ACF7B21A078A}"/>
+              </a:ext>
+            </a:extLst>
+          </p:cNvPr>
+          <p:cNvCxnSpPr>
+            <a:stCxn id="20" idx="2"/>
+            <a:endCxn id="24" idx="0"/>
+          </p:cNvCxnSpPr>
+          <p:nvPr/>
+        </p:nvCxnSpPr>
+        <p:spPr>
+          <a:xfrm>
+            <a:off x="10854728" y="3610776"/>
+            <a:ext cx="1" cy="362378"/>
+          </a:xfrm>
+          <a:prstGeom prst="straightConnector1">
+            <a:avLst/>
+          </a:prstGeom>
+          <a:ln>
+            <a:tailEnd type="triangle"/>
+          </a:ln>
+        </p:spPr>
+        <p:style>
+          <a:lnRef idx="2">
+            <a:schemeClr val="dk1"/>
+          </a:lnRef>
+          <a:fillRef idx="0">
+            <a:schemeClr val="dk1"/>
+          </a:fillRef>
+          <a:effectRef idx="1">
+            <a:schemeClr val="dk1"/>
+          </a:effectRef>
+          <a:fontRef idx="minor">
+            <a:schemeClr val="tx1"/>
+          </a:fontRef>
+        </p:style>
+      </p:cxnSp>
+      <p:cxnSp>
+        <p:nvCxnSpPr>
+          <p:cNvPr id="159" name="Straight Arrow Connector 158">
+            <a:extLst>
+              <a:ext uri="{FF2B5EF4-FFF2-40B4-BE49-F238E27FC236}">
+                <a16:creationId xmlns:a16="http://schemas.microsoft.com/office/drawing/2014/main" id="{786BF1DB-438C-8507-3655-2DD0631437FE}"/>
+              </a:ext>
+            </a:extLst>
+          </p:cNvPr>
+          <p:cNvCxnSpPr>
+            <a:stCxn id="38" idx="2"/>
+            <a:endCxn id="86" idx="0"/>
+          </p:cNvCxnSpPr>
+          <p:nvPr/>
+        </p:nvCxnSpPr>
+        <p:spPr>
+          <a:xfrm>
+            <a:off x="6777457" y="1854285"/>
+            <a:ext cx="0" cy="2444589"/>
+          </a:xfrm>
+          <a:prstGeom prst="straightConnector1">
+            <a:avLst/>
+          </a:prstGeom>
+          <a:ln>
+            <a:tailEnd type="triangle"/>
+          </a:ln>
+        </p:spPr>
+        <p:style>
+          <a:lnRef idx="2">
+            <a:schemeClr val="dk1"/>
+          </a:lnRef>
+          <a:fillRef idx="0">
+            <a:schemeClr val="dk1"/>
+          </a:fillRef>
+          <a:effectRef idx="1">
+            <a:schemeClr val="dk1"/>
+          </a:effectRef>
+          <a:fontRef idx="minor">
+            <a:schemeClr val="tx1"/>
+          </a:fontRef>
+        </p:style>
+      </p:cxnSp>
+      <p:cxnSp>
+        <p:nvCxnSpPr>
+          <p:cNvPr id="161" name="Straight Arrow Connector 160">
+            <a:extLst>
+              <a:ext uri="{FF2B5EF4-FFF2-40B4-BE49-F238E27FC236}">
+                <a16:creationId xmlns:a16="http://schemas.microsoft.com/office/drawing/2014/main" id="{0C77E89E-29B7-42F8-9DD6-202EC7ED88B8}"/>
+              </a:ext>
+            </a:extLst>
+          </p:cNvPr>
+          <p:cNvCxnSpPr>
+            <a:stCxn id="24" idx="1"/>
+            <a:endCxn id="86" idx="3"/>
+          </p:cNvCxnSpPr>
+          <p:nvPr/>
+        </p:nvCxnSpPr>
+        <p:spPr>
+          <a:xfrm flipH="1">
+            <a:off x="7966990" y="5049577"/>
+            <a:ext cx="1780187" cy="1"/>
+          </a:xfrm>
+          <a:prstGeom prst="straightConnector1">
+            <a:avLst/>
+          </a:prstGeom>
+          <a:ln>
+            <a:tailEnd type="triangle"/>
+          </a:ln>
+        </p:spPr>
+        <p:style>
+          <a:lnRef idx="2">
+            <a:schemeClr val="dk1"/>
+          </a:lnRef>
+          <a:fillRef idx="0">
+            <a:schemeClr val="dk1"/>
+          </a:fillRef>
+          <a:effectRef idx="1">
+            <a:schemeClr val="dk1"/>
+          </a:effectRef>
+          <a:fontRef idx="minor">
+            <a:schemeClr val="tx1"/>
+          </a:fontRef>
+        </p:style>
+      </p:cxnSp>
+      <p:sp>
+        <p:nvSpPr>
+          <p:cNvPr id="162" name="TextBox 161">
+            <a:extLst>
+              <a:ext uri="{FF2B5EF4-FFF2-40B4-BE49-F238E27FC236}">
+                <a16:creationId xmlns:a16="http://schemas.microsoft.com/office/drawing/2014/main" id="{10D0CFEA-9F48-67E5-347D-B3AF55A16958}"/>
+              </a:ext>
+            </a:extLst>
+          </p:cNvPr>
+          <p:cNvSpPr txBox="1"/>
+          <p:nvPr/>
+        </p:nvSpPr>
+        <p:spPr>
+          <a:xfrm>
+            <a:off x="6789531" y="1975890"/>
+            <a:ext cx="632460" cy="369332"/>
+          </a:xfrm>
+          <a:prstGeom prst="rect">
+            <a:avLst/>
+          </a:prstGeom>
+          <a:noFill/>
+        </p:spPr>
+        <p:txBody>
+          <a:bodyPr wrap="square" rtlCol="0">
+            <a:spAutoFit/>
+          </a:bodyPr>
+          <a:lstStyle/>
+          <a:p>
+            <a:r>
+              <a:rPr lang="en-PH" dirty="0"/>
+              <a:t>True</a:t>
+            </a:r>
+          </a:p>
+        </p:txBody>
+      </p:sp>
+      <p:sp>
+        <p:nvSpPr>
+          <p:cNvPr id="163" name="TextBox 162">
+            <a:extLst>
+              <a:ext uri="{FF2B5EF4-FFF2-40B4-BE49-F238E27FC236}">
+                <a16:creationId xmlns:a16="http://schemas.microsoft.com/office/drawing/2014/main" id="{2984A3D8-77A6-5493-0982-55B7E9C1B250}"/>
+              </a:ext>
+            </a:extLst>
+          </p:cNvPr>
+          <p:cNvSpPr txBox="1"/>
+          <p:nvPr/>
+        </p:nvSpPr>
+        <p:spPr>
+          <a:xfrm>
+            <a:off x="8555579" y="4666494"/>
+            <a:ext cx="632460" cy="369332"/>
+          </a:xfrm>
+          <a:prstGeom prst="rect">
+            <a:avLst/>
+          </a:prstGeom>
+          <a:noFill/>
+        </p:spPr>
+        <p:txBody>
+          <a:bodyPr wrap="square" rtlCol="0">
+            <a:spAutoFit/>
+          </a:bodyPr>
+          <a:lstStyle/>
+          <a:p>
+            <a:r>
+              <a:rPr lang="en-PH" dirty="0"/>
+              <a:t>True</a:t>
+            </a:r>
+          </a:p>
+        </p:txBody>
+      </p:sp>
+      <p:cxnSp>
+        <p:nvCxnSpPr>
+          <p:cNvPr id="171" name="Connector: Elbow 170">
+            <a:extLst>
+              <a:ext uri="{FF2B5EF4-FFF2-40B4-BE49-F238E27FC236}">
+                <a16:creationId xmlns:a16="http://schemas.microsoft.com/office/drawing/2014/main" id="{05019E63-0108-8076-04B0-B71690121EF5}"/>
+              </a:ext>
+            </a:extLst>
+          </p:cNvPr>
+          <p:cNvCxnSpPr>
+            <a:stCxn id="24" idx="2"/>
+            <a:endCxn id="120" idx="2"/>
+          </p:cNvCxnSpPr>
+          <p:nvPr/>
+        </p:nvCxnSpPr>
+        <p:spPr>
+          <a:xfrm rot="5400000" flipH="1">
+            <a:off x="6471943" y="1743215"/>
+            <a:ext cx="325719" cy="8439853"/>
+          </a:xfrm>
+          <a:prstGeom prst="bentConnector3">
+            <a:avLst>
+              <a:gd name="adj1" fmla="val -70183"/>
+            </a:avLst>
+          </a:prstGeom>
+          <a:ln>
+            <a:tailEnd type="triangle"/>
+          </a:ln>
+        </p:spPr>
+        <p:style>
+          <a:lnRef idx="2">
+            <a:schemeClr val="dk1"/>
+          </a:lnRef>
+          <a:fillRef idx="0">
+            <a:schemeClr val="dk1"/>
+          </a:fillRef>
+          <a:effectRef idx="1">
+            <a:schemeClr val="dk1"/>
+          </a:effectRef>
+          <a:fontRef idx="minor">
+            <a:schemeClr val="tx1"/>
+          </a:fontRef>
+        </p:style>
+      </p:cxnSp>
+      <p:cxnSp>
+        <p:nvCxnSpPr>
+          <p:cNvPr id="173" name="Connector: Elbow 172">
+            <a:extLst>
+              <a:ext uri="{FF2B5EF4-FFF2-40B4-BE49-F238E27FC236}">
+                <a16:creationId xmlns:a16="http://schemas.microsoft.com/office/drawing/2014/main" id="{7E001484-C3C3-0BB3-FEC5-4A6A5C69B4EF}"/>
+              </a:ext>
+            </a:extLst>
+          </p:cNvPr>
+          <p:cNvCxnSpPr>
+            <a:stCxn id="120" idx="3"/>
+            <a:endCxn id="5" idx="2"/>
+          </p:cNvCxnSpPr>
+          <p:nvPr/>
+        </p:nvCxnSpPr>
+        <p:spPr>
+          <a:xfrm flipV="1">
+            <a:off x="3604409" y="1628793"/>
+            <a:ext cx="459043" cy="3420785"/>
+          </a:xfrm>
+          <a:prstGeom prst="bentConnector2">
+            <a:avLst/>
+          </a:prstGeom>
+          <a:ln>
+            <a:tailEnd type="triangle"/>
+          </a:ln>
+        </p:spPr>
+        <p:style>
+          <a:lnRef idx="2">
+            <a:schemeClr val="dk1"/>
+          </a:lnRef>
+          <a:fillRef idx="0">
+            <a:schemeClr val="dk1"/>
+          </a:fillRef>
+          <a:effectRef idx="1">
+            <a:schemeClr val="dk1"/>
+          </a:effectRef>
+          <a:fontRef idx="minor">
+            <a:schemeClr val="tx1"/>
+          </a:fontRef>
+        </p:style>
+      </p:cxnSp>
+      <p:cxnSp>
+        <p:nvCxnSpPr>
+          <p:cNvPr id="175" name="Connector: Elbow 174">
+            <a:extLst>
+              <a:ext uri="{FF2B5EF4-FFF2-40B4-BE49-F238E27FC236}">
+                <a16:creationId xmlns:a16="http://schemas.microsoft.com/office/drawing/2014/main" id="{5AA42131-6C57-0E02-1E77-A145D6DBE009}"/>
+              </a:ext>
+            </a:extLst>
+          </p:cNvPr>
+          <p:cNvCxnSpPr>
+            <a:stCxn id="86" idx="1"/>
+            <a:endCxn id="5" idx="2"/>
+          </p:cNvCxnSpPr>
+          <p:nvPr/>
+        </p:nvCxnSpPr>
+        <p:spPr>
+          <a:xfrm rot="10800000">
+            <a:off x="4063453" y="1628794"/>
+            <a:ext cx="1524471" cy="3420785"/>
+          </a:xfrm>
+          <a:prstGeom prst="bentConnector2">
+            <a:avLst/>
+          </a:prstGeom>
+          <a:ln>
+            <a:tailEnd type="triangle"/>
+          </a:ln>
+        </p:spPr>
+        <p:style>
+          <a:lnRef idx="2">
+            <a:schemeClr val="dk1"/>
+          </a:lnRef>
+          <a:fillRef idx="0">
+            <a:schemeClr val="dk1"/>
+          </a:fillRef>
+          <a:effectRef idx="1">
+            <a:schemeClr val="dk1"/>
+          </a:effectRef>
+          <a:fontRef idx="minor">
+            <a:schemeClr val="tx1"/>
+          </a:fontRef>
+        </p:style>
+      </p:cxnSp>
+      <p:sp>
+        <p:nvSpPr>
+          <p:cNvPr id="179" name="TextBox 178">
+            <a:extLst>
+              <a:ext uri="{FF2B5EF4-FFF2-40B4-BE49-F238E27FC236}">
+                <a16:creationId xmlns:a16="http://schemas.microsoft.com/office/drawing/2014/main" id="{B2452D41-C96D-9ABF-2B2B-8590DB7B214F}"/>
+              </a:ext>
+            </a:extLst>
+          </p:cNvPr>
+          <p:cNvSpPr txBox="1"/>
+          <p:nvPr/>
+        </p:nvSpPr>
+        <p:spPr>
+          <a:xfrm>
+            <a:off x="8527709" y="5964608"/>
+            <a:ext cx="794437" cy="369332"/>
+          </a:xfrm>
+          <a:prstGeom prst="rect">
+            <a:avLst/>
+          </a:prstGeom>
+          <a:noFill/>
+        </p:spPr>
+        <p:txBody>
+          <a:bodyPr wrap="square" rtlCol="0">
+            <a:spAutoFit/>
+          </a:bodyPr>
+          <a:lstStyle/>
+          <a:p>
+            <a:r>
+              <a:rPr lang="en-PH" dirty="0"/>
+              <a:t>False</a:t>
+            </a:r>
+          </a:p>
+        </p:txBody>
+      </p:sp>
+    </p:spTree>
+    <p:extLst>
+      <p:ext uri="{BB962C8B-B14F-4D97-AF65-F5344CB8AC3E}">
+        <p14:creationId xmlns:p14="http://schemas.microsoft.com/office/powerpoint/2010/main" val="3864873679"/>
+      </p:ext>
+    </p:extLst>
+  </p:cSld>
+  <p:clrMapOvr>
+    <a:masterClrMapping/>
+  </p:clrMapOvr>
+</p:sld>
+</file>
+
 <file path=ppt/theme/theme1.xml><?xml version="1.0" encoding="utf-8"?>
 <a:theme xmlns:a="http://schemas.openxmlformats.org/drawingml/2006/main" name="Office Theme">
   <a:themeElements>

--- a/documents/Figures editing.pptx
+++ b/documents/Figures editing.pptx
@@ -6,9 +6,11 @@
   </p:sldMasterIdLst>
   <p:sldIdLst>
     <p:sldId id="256" r:id="rId2"/>
-    <p:sldId id="257" r:id="rId3"/>
-    <p:sldId id="258" r:id="rId4"/>
-    <p:sldId id="259" r:id="rId5"/>
+    <p:sldId id="261" r:id="rId3"/>
+    <p:sldId id="257" r:id="rId4"/>
+    <p:sldId id="258" r:id="rId5"/>
+    <p:sldId id="259" r:id="rId6"/>
+    <p:sldId id="260" r:id="rId7"/>
   </p:sldIdLst>
   <p:sldSz cx="12192000" cy="6858000"/>
   <p:notesSz cx="6858000" cy="9144000"/>
@@ -264,7 +266,7 @@
           <a:p>
             <a:fld id="{F6E9F5A1-C99C-41F9-B991-61D99245B2FF}" type="datetimeFigureOut">
               <a:rPr lang="en-PH" smtClean="0"/>
-              <a:t>05/17/2024</a:t>
+              <a:t>05/20/2024</a:t>
             </a:fld>
             <a:endParaRPr lang="en-PH"/>
           </a:p>
@@ -464,7 +466,7 @@
           <a:p>
             <a:fld id="{F6E9F5A1-C99C-41F9-B991-61D99245B2FF}" type="datetimeFigureOut">
               <a:rPr lang="en-PH" smtClean="0"/>
-              <a:t>05/17/2024</a:t>
+              <a:t>05/20/2024</a:t>
             </a:fld>
             <a:endParaRPr lang="en-PH"/>
           </a:p>
@@ -674,7 +676,7 @@
           <a:p>
             <a:fld id="{F6E9F5A1-C99C-41F9-B991-61D99245B2FF}" type="datetimeFigureOut">
               <a:rPr lang="en-PH" smtClean="0"/>
-              <a:t>05/17/2024</a:t>
+              <a:t>05/20/2024</a:t>
             </a:fld>
             <a:endParaRPr lang="en-PH"/>
           </a:p>
@@ -874,7 +876,7 @@
           <a:p>
             <a:fld id="{F6E9F5A1-C99C-41F9-B991-61D99245B2FF}" type="datetimeFigureOut">
               <a:rPr lang="en-PH" smtClean="0"/>
-              <a:t>05/17/2024</a:t>
+              <a:t>05/20/2024</a:t>
             </a:fld>
             <a:endParaRPr lang="en-PH"/>
           </a:p>
@@ -1150,7 +1152,7 @@
           <a:p>
             <a:fld id="{F6E9F5A1-C99C-41F9-B991-61D99245B2FF}" type="datetimeFigureOut">
               <a:rPr lang="en-PH" smtClean="0"/>
-              <a:t>05/17/2024</a:t>
+              <a:t>05/20/2024</a:t>
             </a:fld>
             <a:endParaRPr lang="en-PH"/>
           </a:p>
@@ -1418,7 +1420,7 @@
           <a:p>
             <a:fld id="{F6E9F5A1-C99C-41F9-B991-61D99245B2FF}" type="datetimeFigureOut">
               <a:rPr lang="en-PH" smtClean="0"/>
-              <a:t>05/17/2024</a:t>
+              <a:t>05/20/2024</a:t>
             </a:fld>
             <a:endParaRPr lang="en-PH"/>
           </a:p>
@@ -1833,7 +1835,7 @@
           <a:p>
             <a:fld id="{F6E9F5A1-C99C-41F9-B991-61D99245B2FF}" type="datetimeFigureOut">
               <a:rPr lang="en-PH" smtClean="0"/>
-              <a:t>05/17/2024</a:t>
+              <a:t>05/20/2024</a:t>
             </a:fld>
             <a:endParaRPr lang="en-PH"/>
           </a:p>
@@ -1975,7 +1977,7 @@
           <a:p>
             <a:fld id="{F6E9F5A1-C99C-41F9-B991-61D99245B2FF}" type="datetimeFigureOut">
               <a:rPr lang="en-PH" smtClean="0"/>
-              <a:t>05/17/2024</a:t>
+              <a:t>05/20/2024</a:t>
             </a:fld>
             <a:endParaRPr lang="en-PH"/>
           </a:p>
@@ -2088,7 +2090,7 @@
           <a:p>
             <a:fld id="{F6E9F5A1-C99C-41F9-B991-61D99245B2FF}" type="datetimeFigureOut">
               <a:rPr lang="en-PH" smtClean="0"/>
-              <a:t>05/17/2024</a:t>
+              <a:t>05/20/2024</a:t>
             </a:fld>
             <a:endParaRPr lang="en-PH"/>
           </a:p>
@@ -2401,7 +2403,7 @@
           <a:p>
             <a:fld id="{F6E9F5A1-C99C-41F9-B991-61D99245B2FF}" type="datetimeFigureOut">
               <a:rPr lang="en-PH" smtClean="0"/>
-              <a:t>05/17/2024</a:t>
+              <a:t>05/20/2024</a:t>
             </a:fld>
             <a:endParaRPr lang="en-PH"/>
           </a:p>
@@ -2690,7 +2692,7 @@
           <a:p>
             <a:fld id="{F6E9F5A1-C99C-41F9-B991-61D99245B2FF}" type="datetimeFigureOut">
               <a:rPr lang="en-PH" smtClean="0"/>
-              <a:t>05/17/2024</a:t>
+              <a:t>05/20/2024</a:t>
             </a:fld>
             <a:endParaRPr lang="en-PH"/>
           </a:p>
@@ -2933,7 +2935,7 @@
           <a:p>
             <a:fld id="{F6E9F5A1-C99C-41F9-B991-61D99245B2FF}" type="datetimeFigureOut">
               <a:rPr lang="en-PH" smtClean="0"/>
-              <a:t>05/17/2024</a:t>
+              <a:t>05/20/2024</a:t>
             </a:fld>
             <a:endParaRPr lang="en-PH"/>
           </a:p>
@@ -4174,6 +4176,770 @@
           <a:chExt cx="0" cy="0"/>
         </a:xfrm>
       </p:grpSpPr>
+      <p:grpSp>
+        <p:nvGrpSpPr>
+          <p:cNvPr id="13" name="Group 12">
+            <a:extLst>
+              <a:ext uri="{FF2B5EF4-FFF2-40B4-BE49-F238E27FC236}">
+                <a16:creationId xmlns:a16="http://schemas.microsoft.com/office/drawing/2014/main" id="{65D98354-572F-FA04-CDD8-7616604BBC6E}"/>
+              </a:ext>
+            </a:extLst>
+          </p:cNvPr>
+          <p:cNvGrpSpPr/>
+          <p:nvPr/>
+        </p:nvGrpSpPr>
+        <p:grpSpPr>
+          <a:xfrm>
+            <a:off x="2211909" y="659847"/>
+            <a:ext cx="7534372" cy="5272088"/>
+            <a:chOff x="342901" y="792956"/>
+            <a:chExt cx="7534372" cy="5272088"/>
+          </a:xfrm>
+        </p:grpSpPr>
+        <p:pic>
+          <p:nvPicPr>
+            <p:cNvPr id="5" name="Picture 4" descr="A graph of different colored lines&#10;&#10;Description automatically generated">
+              <a:extLst>
+                <a:ext uri="{FF2B5EF4-FFF2-40B4-BE49-F238E27FC236}">
+                  <a16:creationId xmlns:a16="http://schemas.microsoft.com/office/drawing/2014/main" id="{D64AE3DB-ECEF-4724-9A37-044DD8713FE0}"/>
+                </a:ext>
+              </a:extLst>
+            </p:cNvPr>
+            <p:cNvPicPr>
+              <a:picLocks noChangeAspect="1"/>
+            </p:cNvPicPr>
+            <p:nvPr/>
+          </p:nvPicPr>
+          <p:blipFill rotWithShape="1">
+            <a:blip r:embed="rId2">
+              <a:extLst>
+                <a:ext uri="{28A0092B-C50C-407E-A947-70E740481C1C}">
+                  <a14:useLocalDpi xmlns:a14="http://schemas.microsoft.com/office/drawing/2010/main" val="0"/>
+                </a:ext>
+              </a:extLst>
+            </a:blip>
+            <a:srcRect l="1" r="31916"/>
+            <a:stretch/>
+          </p:blipFill>
+          <p:spPr>
+            <a:xfrm>
+              <a:off x="342901" y="792956"/>
+              <a:ext cx="5384077" cy="5272088"/>
+            </a:xfrm>
+            <a:prstGeom prst="rect">
+              <a:avLst/>
+            </a:prstGeom>
+          </p:spPr>
+        </p:pic>
+        <p:sp>
+          <p:nvSpPr>
+            <p:cNvPr id="6" name="TextBox 5">
+              <a:extLst>
+                <a:ext uri="{FF2B5EF4-FFF2-40B4-BE49-F238E27FC236}">
+                  <a16:creationId xmlns:a16="http://schemas.microsoft.com/office/drawing/2014/main" id="{872419A7-F072-6FD0-2023-32ECCC114395}"/>
+                </a:ext>
+              </a:extLst>
+            </p:cNvPr>
+            <p:cNvSpPr txBox="1"/>
+            <p:nvPr/>
+          </p:nvSpPr>
+          <p:spPr>
+            <a:xfrm>
+              <a:off x="1459744" y="1533857"/>
+              <a:ext cx="896987" cy="283924"/>
+            </a:xfrm>
+            <a:prstGeom prst="rect">
+              <a:avLst/>
+            </a:prstGeom>
+            <a:noFill/>
+          </p:spPr>
+          <p:txBody>
+            <a:bodyPr wrap="square" rtlCol="0">
+              <a:spAutoFit/>
+            </a:bodyPr>
+            <a:lstStyle/>
+            <a:p>
+              <a:r>
+                <a:rPr lang="en-PH" dirty="0">
+                  <a:solidFill>
+                    <a:srgbClr val="009BFA"/>
+                  </a:solidFill>
+                </a:rPr>
+                <a:t>T(0.1)</a:t>
+              </a:r>
+            </a:p>
+          </p:txBody>
+        </p:sp>
+        <p:sp>
+          <p:nvSpPr>
+            <p:cNvPr id="7" name="TextBox 6">
+              <a:extLst>
+                <a:ext uri="{FF2B5EF4-FFF2-40B4-BE49-F238E27FC236}">
+                  <a16:creationId xmlns:a16="http://schemas.microsoft.com/office/drawing/2014/main" id="{9AAECC0E-6A56-7F32-884C-DF2E554842BB}"/>
+                </a:ext>
+              </a:extLst>
+            </p:cNvPr>
+            <p:cNvSpPr txBox="1"/>
+            <p:nvPr/>
+          </p:nvSpPr>
+          <p:spPr>
+            <a:xfrm>
+              <a:off x="1617872" y="2558681"/>
+              <a:ext cx="896987" cy="283924"/>
+            </a:xfrm>
+            <a:prstGeom prst="rect">
+              <a:avLst/>
+            </a:prstGeom>
+            <a:noFill/>
+          </p:spPr>
+          <p:txBody>
+            <a:bodyPr wrap="square" rtlCol="0">
+              <a:spAutoFit/>
+            </a:bodyPr>
+            <a:lstStyle/>
+            <a:p>
+              <a:r>
+                <a:rPr lang="en-PH" dirty="0">
+                  <a:solidFill>
+                    <a:srgbClr val="009BFA"/>
+                  </a:solidFill>
+                </a:rPr>
+                <a:t>I(0.1)</a:t>
+              </a:r>
+            </a:p>
+          </p:txBody>
+        </p:sp>
+        <p:sp>
+          <p:nvSpPr>
+            <p:cNvPr id="8" name="TextBox 7">
+              <a:extLst>
+                <a:ext uri="{FF2B5EF4-FFF2-40B4-BE49-F238E27FC236}">
+                  <a16:creationId xmlns:a16="http://schemas.microsoft.com/office/drawing/2014/main" id="{6D88C5E7-D025-335B-0A96-89E083735A1A}"/>
+                </a:ext>
+              </a:extLst>
+            </p:cNvPr>
+            <p:cNvSpPr txBox="1"/>
+            <p:nvPr/>
+          </p:nvSpPr>
+          <p:spPr>
+            <a:xfrm>
+              <a:off x="3223931" y="2770703"/>
+              <a:ext cx="896987" cy="283924"/>
+            </a:xfrm>
+            <a:prstGeom prst="rect">
+              <a:avLst/>
+            </a:prstGeom>
+            <a:noFill/>
+          </p:spPr>
+          <p:txBody>
+            <a:bodyPr wrap="square" rtlCol="0">
+              <a:spAutoFit/>
+            </a:bodyPr>
+            <a:lstStyle/>
+            <a:p>
+              <a:r>
+                <a:rPr lang="en-PH" dirty="0">
+                  <a:solidFill>
+                    <a:srgbClr val="E36F47"/>
+                  </a:solidFill>
+                </a:rPr>
+                <a:t>I(0.5)</a:t>
+              </a:r>
+            </a:p>
+          </p:txBody>
+        </p:sp>
+        <p:sp>
+          <p:nvSpPr>
+            <p:cNvPr id="9" name="TextBox 8">
+              <a:extLst>
+                <a:ext uri="{FF2B5EF4-FFF2-40B4-BE49-F238E27FC236}">
+                  <a16:creationId xmlns:a16="http://schemas.microsoft.com/office/drawing/2014/main" id="{12F31A4E-5EA4-1E11-54C5-ED7D5C8A3B83}"/>
+                </a:ext>
+              </a:extLst>
+            </p:cNvPr>
+            <p:cNvSpPr txBox="1"/>
+            <p:nvPr/>
+          </p:nvSpPr>
+          <p:spPr>
+            <a:xfrm>
+              <a:off x="4992481" y="3813423"/>
+              <a:ext cx="896987" cy="283924"/>
+            </a:xfrm>
+            <a:prstGeom prst="rect">
+              <a:avLst/>
+            </a:prstGeom>
+            <a:noFill/>
+          </p:spPr>
+          <p:txBody>
+            <a:bodyPr wrap="square" rtlCol="0">
+              <a:spAutoFit/>
+            </a:bodyPr>
+            <a:lstStyle/>
+            <a:p>
+              <a:r>
+                <a:rPr lang="en-PH" dirty="0">
+                  <a:solidFill>
+                    <a:srgbClr val="E36F47"/>
+                  </a:solidFill>
+                </a:rPr>
+                <a:t>T(0.5)</a:t>
+              </a:r>
+            </a:p>
+          </p:txBody>
+        </p:sp>
+        <p:sp>
+          <p:nvSpPr>
+            <p:cNvPr id="10" name="TextBox 9">
+              <a:extLst>
+                <a:ext uri="{FF2B5EF4-FFF2-40B4-BE49-F238E27FC236}">
+                  <a16:creationId xmlns:a16="http://schemas.microsoft.com/office/drawing/2014/main" id="{DEB87AC2-B06F-F2FA-C3BE-622CDFB154CA}"/>
+                </a:ext>
+              </a:extLst>
+            </p:cNvPr>
+            <p:cNvSpPr txBox="1"/>
+            <p:nvPr/>
+          </p:nvSpPr>
+          <p:spPr>
+            <a:xfrm>
+              <a:off x="4935486" y="2997598"/>
+              <a:ext cx="896987" cy="283924"/>
+            </a:xfrm>
+            <a:prstGeom prst="rect">
+              <a:avLst/>
+            </a:prstGeom>
+            <a:noFill/>
+          </p:spPr>
+          <p:txBody>
+            <a:bodyPr wrap="square" rtlCol="0">
+              <a:spAutoFit/>
+            </a:bodyPr>
+            <a:lstStyle/>
+            <a:p>
+              <a:r>
+                <a:rPr lang="en-PH" dirty="0">
+                  <a:solidFill>
+                    <a:srgbClr val="3EA44D"/>
+                  </a:solidFill>
+                </a:rPr>
+                <a:t>I(0.9)</a:t>
+              </a:r>
+            </a:p>
+          </p:txBody>
+        </p:sp>
+        <p:sp>
+          <p:nvSpPr>
+            <p:cNvPr id="11" name="TextBox 10">
+              <a:extLst>
+                <a:ext uri="{FF2B5EF4-FFF2-40B4-BE49-F238E27FC236}">
+                  <a16:creationId xmlns:a16="http://schemas.microsoft.com/office/drawing/2014/main" id="{57ABDCFA-730A-1245-48BF-00B4A0A44C99}"/>
+                </a:ext>
+              </a:extLst>
+            </p:cNvPr>
+            <p:cNvSpPr txBox="1"/>
+            <p:nvPr/>
+          </p:nvSpPr>
+          <p:spPr>
+            <a:xfrm>
+              <a:off x="4783830" y="4692400"/>
+              <a:ext cx="896987" cy="283924"/>
+            </a:xfrm>
+            <a:prstGeom prst="rect">
+              <a:avLst/>
+            </a:prstGeom>
+            <a:noFill/>
+          </p:spPr>
+          <p:txBody>
+            <a:bodyPr wrap="square" rtlCol="0">
+              <a:spAutoFit/>
+            </a:bodyPr>
+            <a:lstStyle/>
+            <a:p>
+              <a:r>
+                <a:rPr lang="en-PH" dirty="0">
+                  <a:solidFill>
+                    <a:srgbClr val="3EA44D"/>
+                  </a:solidFill>
+                </a:rPr>
+                <a:t>T(0.9)</a:t>
+              </a:r>
+            </a:p>
+          </p:txBody>
+        </p:sp>
+        <p:grpSp>
+          <p:nvGrpSpPr>
+            <p:cNvPr id="4" name="Group 3">
+              <a:extLst>
+                <a:ext uri="{FF2B5EF4-FFF2-40B4-BE49-F238E27FC236}">
+                  <a16:creationId xmlns:a16="http://schemas.microsoft.com/office/drawing/2014/main" id="{574CDF45-674D-212B-F05B-B77DC96D3A3E}"/>
+                </a:ext>
+              </a:extLst>
+            </p:cNvPr>
+            <p:cNvGrpSpPr/>
+            <p:nvPr/>
+          </p:nvGrpSpPr>
+          <p:grpSpPr>
+            <a:xfrm>
+              <a:off x="6118390" y="1760139"/>
+              <a:ext cx="1758883" cy="1323439"/>
+              <a:chOff x="6136416" y="1452402"/>
+              <a:chExt cx="1758883" cy="1323439"/>
+            </a:xfrm>
+          </p:grpSpPr>
+          <mc:AlternateContent xmlns:mc="http://schemas.openxmlformats.org/markup-compatibility/2006">
+            <mc:Choice xmlns:a14="http://schemas.microsoft.com/office/drawing/2010/main" Requires="a14">
+              <p:sp>
+                <p:nvSpPr>
+                  <p:cNvPr id="15" name="TextBox 14">
+                    <a:extLst>
+                      <a:ext uri="{FF2B5EF4-FFF2-40B4-BE49-F238E27FC236}">
+                        <a16:creationId xmlns:a16="http://schemas.microsoft.com/office/drawing/2014/main" id="{66A5F072-9C27-FB09-31DC-093F1FC3C45B}"/>
+                      </a:ext>
+                    </a:extLst>
+                  </p:cNvPr>
+                  <p:cNvSpPr txBox="1"/>
+                  <p:nvPr/>
+                </p:nvSpPr>
+                <p:spPr>
+                  <a:xfrm>
+                    <a:off x="6136416" y="1452402"/>
+                    <a:ext cx="1758883" cy="1323439"/>
+                  </a:xfrm>
+                  <a:prstGeom prst="rect">
+                    <a:avLst/>
+                  </a:prstGeom>
+                  <a:noFill/>
+                  <a:ln>
+                    <a:solidFill>
+                      <a:schemeClr val="tx1"/>
+                    </a:solidFill>
+                  </a:ln>
+                </p:spPr>
+                <p:txBody>
+                  <a:bodyPr wrap="square" rtlCol="0">
+                    <a:spAutoFit/>
+                  </a:bodyPr>
+                  <a:lstStyle/>
+                  <a:p>
+                    <a:r>
+                      <a:rPr lang="en-PH" sz="1200" dirty="0"/>
+                      <a:t>             </a:t>
+                    </a:r>
+                    <a:r>
+                      <a:rPr lang="en-PH" sz="1600" dirty="0"/>
+                      <a:t>Inner corner</a:t>
+                    </a:r>
+                  </a:p>
+                  <a:p>
+                    <a:r>
+                      <a:rPr lang="en-PH" sz="1600" dirty="0"/>
+                      <a:t>          Traditional</a:t>
+                    </a:r>
+                  </a:p>
+                  <a:p>
+                    <a:r>
+                      <a:rPr lang="en-PH" sz="1600" dirty="0"/>
+                      <a:t>           </a:t>
+                    </a:r>
+                    <a14:m>
+                      <m:oMath xmlns:m="http://schemas.openxmlformats.org/officeDocument/2006/math">
+                        <m:r>
+                          <a:rPr lang="en-PH" sz="1600" b="0" i="1" smtClean="0">
+                            <a:latin typeface="Cambria Math" panose="02040503050406030204" pitchFamily="18" charset="0"/>
+                          </a:rPr>
+                          <m:t>𝜌</m:t>
+                        </m:r>
+                        <m:r>
+                          <a:rPr lang="en-PH" sz="1600" b="0" i="1" smtClean="0">
+                            <a:latin typeface="Cambria Math" panose="02040503050406030204" pitchFamily="18" charset="0"/>
+                          </a:rPr>
+                          <m:t>=0.1</m:t>
+                        </m:r>
+                      </m:oMath>
+                    </a14:m>
+                    <a:endParaRPr lang="en-PH" sz="1600" dirty="0"/>
+                  </a:p>
+                  <a:p>
+                    <a:r>
+                      <a:rPr lang="en-PH" sz="1600" dirty="0"/>
+                      <a:t>           </a:t>
+                    </a:r>
+                    <a14:m>
+                      <m:oMath xmlns:m="http://schemas.openxmlformats.org/officeDocument/2006/math">
+                        <m:r>
+                          <a:rPr lang="en-PH" sz="1600" b="0" i="1" smtClean="0">
+                            <a:latin typeface="Cambria Math" panose="02040503050406030204" pitchFamily="18" charset="0"/>
+                          </a:rPr>
+                          <m:t>𝜌</m:t>
+                        </m:r>
+                        <m:r>
+                          <a:rPr lang="en-PH" sz="1600" b="0" i="1" smtClean="0">
+                            <a:latin typeface="Cambria Math" panose="02040503050406030204" pitchFamily="18" charset="0"/>
+                          </a:rPr>
+                          <m:t>=0.5</m:t>
+                        </m:r>
+                      </m:oMath>
+                    </a14:m>
+                    <a:endParaRPr lang="en-PH" sz="1600" dirty="0"/>
+                  </a:p>
+                  <a:p>
+                    <a:r>
+                      <a:rPr lang="en-PH" sz="1600" dirty="0"/>
+                      <a:t>           </a:t>
+                    </a:r>
+                    <a14:m>
+                      <m:oMath xmlns:m="http://schemas.openxmlformats.org/officeDocument/2006/math">
+                        <m:r>
+                          <a:rPr lang="en-PH" sz="1600" b="0" i="1" smtClean="0">
+                            <a:latin typeface="Cambria Math" panose="02040503050406030204" pitchFamily="18" charset="0"/>
+                          </a:rPr>
+                          <m:t>𝜌</m:t>
+                        </m:r>
+                        <m:r>
+                          <a:rPr lang="en-PH" sz="1600" b="0" i="1" smtClean="0">
+                            <a:latin typeface="Cambria Math" panose="02040503050406030204" pitchFamily="18" charset="0"/>
+                          </a:rPr>
+                          <m:t>=0.9</m:t>
+                        </m:r>
+                      </m:oMath>
+                    </a14:m>
+                    <a:endParaRPr lang="en-PH" sz="1200" dirty="0"/>
+                  </a:p>
+                </p:txBody>
+              </p:sp>
+            </mc:Choice>
+            <mc:Fallback>
+              <p:sp>
+                <p:nvSpPr>
+                  <p:cNvPr id="15" name="TextBox 14">
+                    <a:extLst>
+                      <a:ext uri="{FF2B5EF4-FFF2-40B4-BE49-F238E27FC236}">
+                        <a16:creationId xmlns:a16="http://schemas.microsoft.com/office/drawing/2014/main" id="{66A5F072-9C27-FB09-31DC-093F1FC3C45B}"/>
+                      </a:ext>
+                    </a:extLst>
+                  </p:cNvPr>
+                  <p:cNvSpPr txBox="1">
+                    <a:spLocks noRot="1" noChangeAspect="1" noMove="1" noResize="1" noEditPoints="1" noAdjustHandles="1" noChangeArrowheads="1" noChangeShapeType="1" noTextEdit="1"/>
+                  </p:cNvSpPr>
+                  <p:nvPr/>
+                </p:nvSpPr>
+                <p:spPr>
+                  <a:xfrm>
+                    <a:off x="6136416" y="1452402"/>
+                    <a:ext cx="1758883" cy="1323439"/>
+                  </a:xfrm>
+                  <a:prstGeom prst="rect">
+                    <a:avLst/>
+                  </a:prstGeom>
+                  <a:blipFill>
+                    <a:blip r:embed="rId3"/>
+                    <a:stretch>
+                      <a:fillRect t="-913"/>
+                    </a:stretch>
+                  </a:blipFill>
+                  <a:ln>
+                    <a:solidFill>
+                      <a:schemeClr val="tx1"/>
+                    </a:solidFill>
+                  </a:ln>
+                </p:spPr>
+                <p:txBody>
+                  <a:bodyPr/>
+                  <a:lstStyle/>
+                  <a:p>
+                    <a:r>
+                      <a:rPr lang="en-PH">
+                        <a:noFill/>
+                      </a:rPr>
+                      <a:t> </a:t>
+                    </a:r>
+                  </a:p>
+                </p:txBody>
+              </p:sp>
+            </mc:Fallback>
+          </mc:AlternateContent>
+          <p:sp>
+            <p:nvSpPr>
+              <p:cNvPr id="16" name="Rectangle 15">
+                <a:extLst>
+                  <a:ext uri="{FF2B5EF4-FFF2-40B4-BE49-F238E27FC236}">
+                    <a16:creationId xmlns:a16="http://schemas.microsoft.com/office/drawing/2014/main" id="{580E1F7A-B4D5-A0E9-293A-89CD5CF5AB81}"/>
+                  </a:ext>
+                </a:extLst>
+              </p:cNvPr>
+              <p:cNvSpPr/>
+              <p:nvPr/>
+            </p:nvSpPr>
+            <p:spPr>
+              <a:xfrm>
+                <a:off x="6323889" y="1554727"/>
+                <a:ext cx="144000" cy="144000"/>
+              </a:xfrm>
+              <a:prstGeom prst="rect">
+                <a:avLst/>
+              </a:prstGeom>
+            </p:spPr>
+            <p:style>
+              <a:lnRef idx="2">
+                <a:schemeClr val="dk1">
+                  <a:shade val="15000"/>
+                </a:schemeClr>
+              </a:lnRef>
+              <a:fillRef idx="1">
+                <a:schemeClr val="dk1"/>
+              </a:fillRef>
+              <a:effectRef idx="0">
+                <a:schemeClr val="dk1"/>
+              </a:effectRef>
+              <a:fontRef idx="minor">
+                <a:schemeClr val="lt1"/>
+              </a:fontRef>
+            </p:style>
+            <p:txBody>
+              <a:bodyPr rtlCol="0" anchor="ctr"/>
+              <a:lstStyle/>
+              <a:p>
+                <a:pPr algn="ctr"/>
+                <a:endParaRPr lang="en-PH">
+                  <a:solidFill>
+                    <a:schemeClr val="tx1"/>
+                  </a:solidFill>
+                </a:endParaRPr>
+              </a:p>
+            </p:txBody>
+          </p:sp>
+          <p:sp>
+            <p:nvSpPr>
+              <p:cNvPr id="17" name="Oval 16">
+                <a:extLst>
+                  <a:ext uri="{FF2B5EF4-FFF2-40B4-BE49-F238E27FC236}">
+                    <a16:creationId xmlns:a16="http://schemas.microsoft.com/office/drawing/2014/main" id="{67A05CB2-74E2-345E-1A15-65F87E94B3C2}"/>
+                  </a:ext>
+                </a:extLst>
+              </p:cNvPr>
+              <p:cNvSpPr/>
+              <p:nvPr/>
+            </p:nvSpPr>
+            <p:spPr>
+              <a:xfrm>
+                <a:off x="6323889" y="1784867"/>
+                <a:ext cx="144000" cy="144000"/>
+              </a:xfrm>
+              <a:prstGeom prst="ellipse">
+                <a:avLst/>
+              </a:prstGeom>
+              <a:solidFill>
+                <a:schemeClr val="tx1"/>
+              </a:solidFill>
+              <a:ln>
+                <a:solidFill>
+                  <a:schemeClr val="tx1"/>
+                </a:solidFill>
+              </a:ln>
+            </p:spPr>
+            <p:style>
+              <a:lnRef idx="2">
+                <a:schemeClr val="accent1">
+                  <a:shade val="15000"/>
+                </a:schemeClr>
+              </a:lnRef>
+              <a:fillRef idx="1">
+                <a:schemeClr val="accent1"/>
+              </a:fillRef>
+              <a:effectRef idx="0">
+                <a:schemeClr val="accent1"/>
+              </a:effectRef>
+              <a:fontRef idx="minor">
+                <a:schemeClr val="lt1"/>
+              </a:fontRef>
+            </p:style>
+            <p:txBody>
+              <a:bodyPr rtlCol="0" anchor="ctr"/>
+              <a:lstStyle/>
+              <a:p>
+                <a:pPr algn="ctr"/>
+                <a:endParaRPr lang="en-PH"/>
+              </a:p>
+            </p:txBody>
+          </p:sp>
+          <p:sp>
+            <p:nvSpPr>
+              <p:cNvPr id="18" name="Rectangle 17">
+                <a:extLst>
+                  <a:ext uri="{FF2B5EF4-FFF2-40B4-BE49-F238E27FC236}">
+                    <a16:creationId xmlns:a16="http://schemas.microsoft.com/office/drawing/2014/main" id="{1651E955-3E25-E09B-C68B-4400ED51527E}"/>
+                  </a:ext>
+                </a:extLst>
+              </p:cNvPr>
+              <p:cNvSpPr/>
+              <p:nvPr/>
+            </p:nvSpPr>
+            <p:spPr>
+              <a:xfrm>
+                <a:off x="6290662" y="2040825"/>
+                <a:ext cx="221404" cy="113036"/>
+              </a:xfrm>
+              <a:prstGeom prst="rect">
+                <a:avLst/>
+              </a:prstGeom>
+              <a:solidFill>
+                <a:srgbClr val="009BFA"/>
+              </a:solidFill>
+            </p:spPr>
+            <p:style>
+              <a:lnRef idx="2">
+                <a:schemeClr val="accent1">
+                  <a:shade val="15000"/>
+                </a:schemeClr>
+              </a:lnRef>
+              <a:fillRef idx="1">
+                <a:schemeClr val="accent1"/>
+              </a:fillRef>
+              <a:effectRef idx="0">
+                <a:schemeClr val="accent1"/>
+              </a:effectRef>
+              <a:fontRef idx="minor">
+                <a:schemeClr val="lt1"/>
+              </a:fontRef>
+            </p:style>
+            <p:txBody>
+              <a:bodyPr rtlCol="0" anchor="ctr"/>
+              <a:lstStyle/>
+              <a:p>
+                <a:pPr algn="ctr"/>
+                <a:endParaRPr lang="en-PH"/>
+              </a:p>
+            </p:txBody>
+          </p:sp>
+          <p:sp>
+            <p:nvSpPr>
+              <p:cNvPr id="19" name="Rectangle 18">
+                <a:extLst>
+                  <a:ext uri="{FF2B5EF4-FFF2-40B4-BE49-F238E27FC236}">
+                    <a16:creationId xmlns:a16="http://schemas.microsoft.com/office/drawing/2014/main" id="{E64826E0-8EC4-B6EF-862A-18989A26D343}"/>
+                  </a:ext>
+                </a:extLst>
+              </p:cNvPr>
+              <p:cNvSpPr/>
+              <p:nvPr/>
+            </p:nvSpPr>
+            <p:spPr>
+              <a:xfrm>
+                <a:off x="6290662" y="2286764"/>
+                <a:ext cx="221404" cy="113036"/>
+              </a:xfrm>
+              <a:prstGeom prst="rect">
+                <a:avLst/>
+              </a:prstGeom>
+              <a:solidFill>
+                <a:srgbClr val="E36F47"/>
+              </a:solidFill>
+            </p:spPr>
+            <p:style>
+              <a:lnRef idx="2">
+                <a:schemeClr val="accent1">
+                  <a:shade val="15000"/>
+                </a:schemeClr>
+              </a:lnRef>
+              <a:fillRef idx="1">
+                <a:schemeClr val="accent1"/>
+              </a:fillRef>
+              <a:effectRef idx="0">
+                <a:schemeClr val="accent1"/>
+              </a:effectRef>
+              <a:fontRef idx="minor">
+                <a:schemeClr val="lt1"/>
+              </a:fontRef>
+            </p:style>
+            <p:txBody>
+              <a:bodyPr rtlCol="0" anchor="ctr"/>
+              <a:lstStyle/>
+              <a:p>
+                <a:pPr algn="ctr"/>
+                <a:endParaRPr lang="en-PH"/>
+              </a:p>
+            </p:txBody>
+          </p:sp>
+          <p:sp>
+            <p:nvSpPr>
+              <p:cNvPr id="20" name="Rectangle 19">
+                <a:extLst>
+                  <a:ext uri="{FF2B5EF4-FFF2-40B4-BE49-F238E27FC236}">
+                    <a16:creationId xmlns:a16="http://schemas.microsoft.com/office/drawing/2014/main" id="{F4CB1192-8796-8802-A21E-B8CE9A92B390}"/>
+                  </a:ext>
+                </a:extLst>
+              </p:cNvPr>
+              <p:cNvSpPr/>
+              <p:nvPr/>
+            </p:nvSpPr>
+            <p:spPr>
+              <a:xfrm>
+                <a:off x="6290662" y="2532704"/>
+                <a:ext cx="221404" cy="113036"/>
+              </a:xfrm>
+              <a:prstGeom prst="rect">
+                <a:avLst/>
+              </a:prstGeom>
+              <a:solidFill>
+                <a:srgbClr val="3EA44D"/>
+              </a:solidFill>
+            </p:spPr>
+            <p:style>
+              <a:lnRef idx="2">
+                <a:schemeClr val="accent1">
+                  <a:shade val="15000"/>
+                </a:schemeClr>
+              </a:lnRef>
+              <a:fillRef idx="1">
+                <a:schemeClr val="accent1"/>
+              </a:fillRef>
+              <a:effectRef idx="0">
+                <a:schemeClr val="accent1"/>
+              </a:effectRef>
+              <a:fontRef idx="minor">
+                <a:schemeClr val="lt1"/>
+              </a:fontRef>
+            </p:style>
+            <p:txBody>
+              <a:bodyPr rtlCol="0" anchor="ctr"/>
+              <a:lstStyle/>
+              <a:p>
+                <a:pPr algn="ctr"/>
+                <a:endParaRPr lang="en-PH"/>
+              </a:p>
+            </p:txBody>
+          </p:sp>
+        </p:grpSp>
+      </p:grpSp>
+    </p:spTree>
+    <p:extLst>
+      <p:ext uri="{BB962C8B-B14F-4D97-AF65-F5344CB8AC3E}">
+        <p14:creationId xmlns:p14="http://schemas.microsoft.com/office/powerpoint/2010/main" val="353818282"/>
+      </p:ext>
+    </p:extLst>
+  </p:cSld>
+  <p:clrMapOvr>
+    <a:masterClrMapping/>
+  </p:clrMapOvr>
+</p:sld>
+</file>
+
+<file path=ppt/slides/slide3.xml><?xml version="1.0" encoding="utf-8"?>
+<p:sld xmlns:a="http://schemas.openxmlformats.org/drawingml/2006/main" xmlns:r="http://schemas.openxmlformats.org/officeDocument/2006/relationships" xmlns:p="http://schemas.openxmlformats.org/presentationml/2006/main">
+  <p:cSld>
+    <p:spTree>
+      <p:nvGrpSpPr>
+        <p:cNvPr id="1" name=""/>
+        <p:cNvGrpSpPr/>
+        <p:nvPr/>
+      </p:nvGrpSpPr>
+      <p:grpSpPr>
+        <a:xfrm>
+          <a:off x="0" y="0"/>
+          <a:ext cx="0" cy="0"/>
+          <a:chOff x="0" y="0"/>
+          <a:chExt cx="0" cy="0"/>
+        </a:xfrm>
+      </p:grpSpPr>
       <p:sp>
         <p:nvSpPr>
           <p:cNvPr id="2" name="Rectangle 1">
@@ -5553,7 +6319,7 @@
 </p:sld>
 </file>
 
-<file path=ppt/slides/slide3.xml><?xml version="1.0" encoding="utf-8"?>
+<file path=ppt/slides/slide4.xml><?xml version="1.0" encoding="utf-8"?>
 <p:sld xmlns:a="http://schemas.openxmlformats.org/drawingml/2006/main" xmlns:r="http://schemas.openxmlformats.org/officeDocument/2006/relationships" xmlns:p="http://schemas.openxmlformats.org/presentationml/2006/main">
   <p:cSld>
     <p:spTree>
@@ -6617,7 +7383,7 @@
 </p:sld>
 </file>
 
-<file path=ppt/slides/slide4.xml><?xml version="1.0" encoding="utf-8"?>
+<file path=ppt/slides/slide5.xml><?xml version="1.0" encoding="utf-8"?>
 <p:sld xmlns:a="http://schemas.openxmlformats.org/drawingml/2006/main" xmlns:r="http://schemas.openxmlformats.org/officeDocument/2006/relationships" xmlns:p="http://schemas.openxmlformats.org/presentationml/2006/main">
   <p:cSld>
     <p:spTree>
@@ -6634,8 +7400,8 @@
           <a:chExt cx="0" cy="0"/>
         </a:xfrm>
       </p:grpSpPr>
-      <mc:AlternateContent xmlns:mc="http://schemas.openxmlformats.org/markup-compatibility/2006">
-        <mc:Choice xmlns:a14="http://schemas.microsoft.com/office/drawing/2010/main" Requires="a14">
+      <mc:AlternateContent xmlns:mc="http://schemas.openxmlformats.org/markup-compatibility/2006" xmlns:a14="http://schemas.microsoft.com/office/drawing/2010/main">
+        <mc:Choice Requires="a14">
           <p:sp>
             <p:nvSpPr>
               <p:cNvPr id="2" name="Flowchart: Process 1">
@@ -6723,7 +7489,7 @@
             </p:txBody>
           </p:sp>
         </mc:Choice>
-        <mc:Fallback>
+        <mc:Fallback xmlns="">
           <p:sp>
             <p:nvSpPr>
               <p:cNvPr id="2" name="Flowchart: Process 1">
@@ -6811,8 +7577,8 @@
           </a:fontRef>
         </p:style>
       </p:cxnSp>
-      <mc:AlternateContent xmlns:mc="http://schemas.openxmlformats.org/markup-compatibility/2006">
-        <mc:Choice xmlns:a14="http://schemas.microsoft.com/office/drawing/2010/main" Requires="a14">
+      <mc:AlternateContent xmlns:mc="http://schemas.openxmlformats.org/markup-compatibility/2006" xmlns:a14="http://schemas.microsoft.com/office/drawing/2010/main">
+        <mc:Choice Requires="a14">
           <p:sp>
             <p:nvSpPr>
               <p:cNvPr id="5" name="Flowchart: Process 4">
@@ -6903,7 +7669,7 @@
             </p:txBody>
           </p:sp>
         </mc:Choice>
-        <mc:Fallback>
+        <mc:Fallback xmlns="">
           <p:sp>
             <p:nvSpPr>
               <p:cNvPr id="5" name="Flowchart: Process 4">
@@ -6948,8 +7714,8 @@
           </p:sp>
         </mc:Fallback>
       </mc:AlternateContent>
-      <mc:AlternateContent xmlns:mc="http://schemas.openxmlformats.org/markup-compatibility/2006">
-        <mc:Choice xmlns:a14="http://schemas.microsoft.com/office/drawing/2010/main" Requires="a14">
+      <mc:AlternateContent xmlns:mc="http://schemas.openxmlformats.org/markup-compatibility/2006" xmlns:a14="http://schemas.microsoft.com/office/drawing/2010/main">
+        <mc:Choice Requires="a14">
           <p:sp>
             <p:nvSpPr>
               <p:cNvPr id="13" name="Flowchart: Process 12">
@@ -7183,7 +7949,7 @@
             </p:txBody>
           </p:sp>
         </mc:Choice>
-        <mc:Fallback>
+        <mc:Fallback xmlns="">
           <p:sp>
             <p:nvSpPr>
               <p:cNvPr id="13" name="Flowchart: Process 12">
@@ -7271,8 +8037,8 @@
           </a:fontRef>
         </p:style>
       </p:cxnSp>
-      <mc:AlternateContent xmlns:mc="http://schemas.openxmlformats.org/markup-compatibility/2006">
-        <mc:Choice xmlns:a14="http://schemas.microsoft.com/office/drawing/2010/main" Requires="a14">
+      <mc:AlternateContent xmlns:mc="http://schemas.openxmlformats.org/markup-compatibility/2006" xmlns:a14="http://schemas.microsoft.com/office/drawing/2010/main">
+        <mc:Choice Requires="a14">
           <p:sp>
             <p:nvSpPr>
               <p:cNvPr id="20" name="Flowchart: Process 19">
@@ -7636,7 +8402,7 @@
             </p:txBody>
           </p:sp>
         </mc:Choice>
-        <mc:Fallback>
+        <mc:Fallback xmlns="">
           <p:sp>
             <p:nvSpPr>
               <p:cNvPr id="20" name="Flowchart: Process 19">
@@ -7723,8 +8489,8 @@
           </a:fontRef>
         </p:style>
       </p:cxnSp>
-      <mc:AlternateContent xmlns:mc="http://schemas.openxmlformats.org/markup-compatibility/2006">
-        <mc:Choice xmlns:a14="http://schemas.microsoft.com/office/drawing/2010/main" Requires="a14">
+      <mc:AlternateContent xmlns:mc="http://schemas.openxmlformats.org/markup-compatibility/2006" xmlns:a14="http://schemas.microsoft.com/office/drawing/2010/main">
+        <mc:Choice Requires="a14">
           <p:sp>
             <p:nvSpPr>
               <p:cNvPr id="24" name="Flowchart: Decision 23">
@@ -7840,7 +8606,7 @@
             </p:txBody>
           </p:sp>
         </mc:Choice>
-        <mc:Fallback>
+        <mc:Fallback xmlns="">
           <p:sp>
             <p:nvSpPr>
               <p:cNvPr id="24" name="Flowchart: Decision 23">
@@ -7885,8 +8651,8 @@
           </p:sp>
         </mc:Fallback>
       </mc:AlternateContent>
-      <mc:AlternateContent xmlns:mc="http://schemas.openxmlformats.org/markup-compatibility/2006">
-        <mc:Choice xmlns:a14="http://schemas.microsoft.com/office/drawing/2010/main" Requires="a14">
+      <mc:AlternateContent xmlns:mc="http://schemas.openxmlformats.org/markup-compatibility/2006" xmlns:a14="http://schemas.microsoft.com/office/drawing/2010/main">
+        <mc:Choice Requires="a14">
           <p:sp>
             <p:nvSpPr>
               <p:cNvPr id="38" name="Flowchart: Decision 37">
@@ -7984,7 +8750,7 @@
             </p:txBody>
           </p:sp>
         </mc:Choice>
-        <mc:Fallback>
+        <mc:Fallback xmlns="">
           <p:sp>
             <p:nvSpPr>
               <p:cNvPr id="38" name="Flowchart: Decision 37">
@@ -8072,8 +8838,8 @@
           </a:fontRef>
         </p:style>
       </p:cxnSp>
-      <mc:AlternateContent xmlns:mc="http://schemas.openxmlformats.org/markup-compatibility/2006">
-        <mc:Choice xmlns:a14="http://schemas.microsoft.com/office/drawing/2010/main" Requires="a14">
+      <mc:AlternateContent xmlns:mc="http://schemas.openxmlformats.org/markup-compatibility/2006" xmlns:a14="http://schemas.microsoft.com/office/drawing/2010/main">
+        <mc:Choice Requires="a14">
           <p:sp>
             <p:nvSpPr>
               <p:cNvPr id="86" name="Flowchart: Process 85">
@@ -8275,7 +9041,7 @@
             </p:txBody>
           </p:sp>
         </mc:Choice>
-        <mc:Fallback>
+        <mc:Fallback xmlns="">
           <p:sp>
             <p:nvSpPr>
               <p:cNvPr id="86" name="Flowchart: Process 85">
@@ -8320,8 +9086,8 @@
           </p:sp>
         </mc:Fallback>
       </mc:AlternateContent>
-      <mc:AlternateContent xmlns:mc="http://schemas.openxmlformats.org/markup-compatibility/2006">
-        <mc:Choice xmlns:a14="http://schemas.microsoft.com/office/drawing/2010/main" Requires="a14">
+      <mc:AlternateContent xmlns:mc="http://schemas.openxmlformats.org/markup-compatibility/2006" xmlns:a14="http://schemas.microsoft.com/office/drawing/2010/main">
+        <mc:Choice Requires="a14">
           <p:sp>
             <p:nvSpPr>
               <p:cNvPr id="120" name="Flowchart: Process 119">
@@ -8523,7 +9289,7 @@
             </p:txBody>
           </p:sp>
         </mc:Choice>
-        <mc:Fallback>
+        <mc:Fallback xmlns="">
           <p:sp>
             <p:nvSpPr>
               <p:cNvPr id="120" name="Flowchart: Process 119">
@@ -8966,6 +9732,1864 @@
     <p:extLst>
       <p:ext uri="{BB962C8B-B14F-4D97-AF65-F5344CB8AC3E}">
         <p14:creationId xmlns:p14="http://schemas.microsoft.com/office/powerpoint/2010/main" val="3864873679"/>
+      </p:ext>
+    </p:extLst>
+  </p:cSld>
+  <p:clrMapOvr>
+    <a:masterClrMapping/>
+  </p:clrMapOvr>
+</p:sld>
+</file>
+
+<file path=ppt/slides/slide6.xml><?xml version="1.0" encoding="utf-8"?>
+<p:sld xmlns:a="http://schemas.openxmlformats.org/drawingml/2006/main" xmlns:r="http://schemas.openxmlformats.org/officeDocument/2006/relationships" xmlns:p="http://schemas.openxmlformats.org/presentationml/2006/main">
+  <p:cSld>
+    <p:spTree>
+      <p:nvGrpSpPr>
+        <p:cNvPr id="1" name=""/>
+        <p:cNvGrpSpPr/>
+        <p:nvPr/>
+      </p:nvGrpSpPr>
+      <p:grpSpPr>
+        <a:xfrm>
+          <a:off x="0" y="0"/>
+          <a:ext cx="0" cy="0"/>
+          <a:chOff x="0" y="0"/>
+          <a:chExt cx="0" cy="0"/>
+        </a:xfrm>
+      </p:grpSpPr>
+      <mc:AlternateContent xmlns:mc="http://schemas.openxmlformats.org/markup-compatibility/2006">
+        <mc:Choice xmlns:a14="http://schemas.microsoft.com/office/drawing/2010/main" Requires="a14">
+          <p:sp>
+            <p:nvSpPr>
+              <p:cNvPr id="2" name="Flowchart: Process 1">
+                <a:extLst>
+                  <a:ext uri="{FF2B5EF4-FFF2-40B4-BE49-F238E27FC236}">
+                    <a16:creationId xmlns:a16="http://schemas.microsoft.com/office/drawing/2014/main" id="{C737E86B-3D5D-233B-3A7A-C2A3736A74A0}"/>
+                  </a:ext>
+                </a:extLst>
+              </p:cNvPr>
+              <p:cNvSpPr/>
+              <p:nvPr/>
+            </p:nvSpPr>
+            <p:spPr>
+              <a:xfrm>
+                <a:off x="230790" y="1124015"/>
+                <a:ext cx="1951349" cy="1263192"/>
+              </a:xfrm>
+              <a:prstGeom prst="flowChartProcess">
+                <a:avLst/>
+              </a:prstGeom>
+            </p:spPr>
+            <p:style>
+              <a:lnRef idx="2">
+                <a:schemeClr val="dk1"/>
+              </a:lnRef>
+              <a:fillRef idx="1">
+                <a:schemeClr val="lt1"/>
+              </a:fillRef>
+              <a:effectRef idx="0">
+                <a:schemeClr val="dk1"/>
+              </a:effectRef>
+              <a:fontRef idx="minor">
+                <a:schemeClr val="dk1"/>
+              </a:fontRef>
+            </p:style>
+            <p:txBody>
+              <a:bodyPr rtlCol="0" anchor="ctr"/>
+              <a:lstStyle/>
+              <a:p>
+                <a:pPr algn="ctr"/>
+                <a:r>
+                  <a:rPr lang="en-PH" dirty="0"/>
+                  <a:t>Initialize classroom with </a:t>
+                </a:r>
+                <a14:m>
+                  <m:oMath xmlns:m="http://schemas.openxmlformats.org/officeDocument/2006/math">
+                    <m:sSub>
+                      <m:sSubPr>
+                        <m:ctrlPr>
+                          <a:rPr lang="en-PH" b="0" i="1" smtClean="0">
+                            <a:latin typeface="Cambria Math" panose="02040503050406030204" pitchFamily="18" charset="0"/>
+                          </a:rPr>
+                        </m:ctrlPr>
+                      </m:sSubPr>
+                      <m:e>
+                        <m:r>
+                          <a:rPr lang="en-PH" b="0" i="1" smtClean="0">
+                            <a:latin typeface="Cambria Math" panose="02040503050406030204" pitchFamily="18" charset="0"/>
+                          </a:rPr>
+                          <m:t>𝑛</m:t>
+                        </m:r>
+                      </m:e>
+                      <m:sub>
+                        <m:r>
+                          <a:rPr lang="en-PH" b="0" i="1" smtClean="0">
+                            <a:latin typeface="Cambria Math" panose="02040503050406030204" pitchFamily="18" charset="0"/>
+                          </a:rPr>
+                          <m:t>0</m:t>
+                        </m:r>
+                      </m:sub>
+                    </m:sSub>
+                    <m:r>
+                      <a:rPr lang="en-PH" b="0" i="1" smtClean="0">
+                        <a:latin typeface="Cambria Math" panose="02040503050406030204" pitchFamily="18" charset="0"/>
+                      </a:rPr>
+                      <m:t>=</m:t>
+                    </m:r>
+                    <m:r>
+                      <a:rPr lang="en-PH" b="0" i="1" smtClean="0">
+                        <a:latin typeface="Cambria Math" panose="02040503050406030204" pitchFamily="18" charset="0"/>
+                      </a:rPr>
+                      <m:t>0</m:t>
+                    </m:r>
+                  </m:oMath>
+                </a14:m>
+                <a:r>
+                  <a:rPr lang="en-PH" dirty="0"/>
+                  <a:t> learned students</a:t>
+                </a:r>
+              </a:p>
+            </p:txBody>
+          </p:sp>
+        </mc:Choice>
+        <mc:Fallback>
+          <p:sp>
+            <p:nvSpPr>
+              <p:cNvPr id="2" name="Flowchart: Process 1">
+                <a:extLst>
+                  <a:ext uri="{FF2B5EF4-FFF2-40B4-BE49-F238E27FC236}">
+                    <a16:creationId xmlns:a16="http://schemas.microsoft.com/office/drawing/2014/main" id="{C737E86B-3D5D-233B-3A7A-C2A3736A74A0}"/>
+                  </a:ext>
+                </a:extLst>
+              </p:cNvPr>
+              <p:cNvSpPr>
+                <a:spLocks noRot="1" noChangeAspect="1" noMove="1" noResize="1" noEditPoints="1" noAdjustHandles="1" noChangeArrowheads="1" noChangeShapeType="1" noTextEdit="1"/>
+              </p:cNvSpPr>
+              <p:nvPr/>
+            </p:nvSpPr>
+            <p:spPr>
+              <a:xfrm>
+                <a:off x="230790" y="1124015"/>
+                <a:ext cx="1951349" cy="1263192"/>
+              </a:xfrm>
+              <a:prstGeom prst="flowChartProcess">
+                <a:avLst/>
+              </a:prstGeom>
+              <a:blipFill>
+                <a:blip r:embed="rId2"/>
+                <a:stretch>
+                  <a:fillRect b="-3791"/>
+                </a:stretch>
+              </a:blipFill>
+            </p:spPr>
+            <p:txBody>
+              <a:bodyPr/>
+              <a:lstStyle/>
+              <a:p>
+                <a:r>
+                  <a:rPr lang="en-PH">
+                    <a:noFill/>
+                  </a:rPr>
+                  <a:t> </a:t>
+                </a:r>
+              </a:p>
+            </p:txBody>
+          </p:sp>
+        </mc:Fallback>
+      </mc:AlternateContent>
+      <p:cxnSp>
+        <p:nvCxnSpPr>
+          <p:cNvPr id="3" name="Straight Arrow Connector 2">
+            <a:extLst>
+              <a:ext uri="{FF2B5EF4-FFF2-40B4-BE49-F238E27FC236}">
+                <a16:creationId xmlns:a16="http://schemas.microsoft.com/office/drawing/2014/main" id="{A540EDCD-E6F0-C0A3-0197-A452C3856ACA}"/>
+              </a:ext>
+            </a:extLst>
+          </p:cNvPr>
+          <p:cNvCxnSpPr>
+            <a:cxnSpLocks/>
+            <a:stCxn id="2" idx="3"/>
+            <a:endCxn id="4" idx="1"/>
+          </p:cNvCxnSpPr>
+          <p:nvPr/>
+        </p:nvCxnSpPr>
+        <p:spPr>
+          <a:xfrm>
+            <a:off x="2182139" y="1755611"/>
+            <a:ext cx="645735" cy="0"/>
+          </a:xfrm>
+          <a:prstGeom prst="straightConnector1">
+            <a:avLst/>
+          </a:prstGeom>
+          <a:ln>
+            <a:tailEnd type="triangle"/>
+          </a:ln>
+        </p:spPr>
+        <p:style>
+          <a:lnRef idx="2">
+            <a:schemeClr val="dk1"/>
+          </a:lnRef>
+          <a:fillRef idx="0">
+            <a:schemeClr val="dk1"/>
+          </a:fillRef>
+          <a:effectRef idx="1">
+            <a:schemeClr val="dk1"/>
+          </a:effectRef>
+          <a:fontRef idx="minor">
+            <a:schemeClr val="tx1"/>
+          </a:fontRef>
+        </p:style>
+      </p:cxnSp>
+      <mc:AlternateContent xmlns:mc="http://schemas.openxmlformats.org/markup-compatibility/2006">
+        <mc:Choice xmlns:a14="http://schemas.microsoft.com/office/drawing/2010/main" Requires="a14">
+          <p:sp>
+            <p:nvSpPr>
+              <p:cNvPr id="4" name="Flowchart: Process 3">
+                <a:extLst>
+                  <a:ext uri="{FF2B5EF4-FFF2-40B4-BE49-F238E27FC236}">
+                    <a16:creationId xmlns:a16="http://schemas.microsoft.com/office/drawing/2014/main" id="{D17CD8C8-05CB-C9AE-F312-51E408A468A0}"/>
+                  </a:ext>
+                </a:extLst>
+              </p:cNvPr>
+              <p:cNvSpPr/>
+              <p:nvPr/>
+            </p:nvSpPr>
+            <p:spPr>
+              <a:xfrm>
+                <a:off x="2827874" y="1124015"/>
+                <a:ext cx="2460400" cy="1263192"/>
+              </a:xfrm>
+              <a:prstGeom prst="flowChartProcess">
+                <a:avLst/>
+              </a:prstGeom>
+            </p:spPr>
+            <p:style>
+              <a:lnRef idx="2">
+                <a:schemeClr val="dk1"/>
+              </a:lnRef>
+              <a:fillRef idx="1">
+                <a:schemeClr val="lt1"/>
+              </a:fillRef>
+              <a:effectRef idx="0">
+                <a:schemeClr val="dk1"/>
+              </a:effectRef>
+              <a:fontRef idx="minor">
+                <a:schemeClr val="dk1"/>
+              </a:fontRef>
+            </p:style>
+            <p:txBody>
+              <a:bodyPr rtlCol="0" anchor="ctr"/>
+              <a:lstStyle/>
+              <a:p>
+                <a:pPr algn="ctr"/>
+                <a:r>
+                  <a:rPr lang="en-PH" dirty="0"/>
+                  <a:t>Choose a student </a:t>
+                </a:r>
+                <a14:m>
+                  <m:oMath xmlns:m="http://schemas.openxmlformats.org/officeDocument/2006/math">
+                    <m:sSub>
+                      <m:sSubPr>
+                        <m:ctrlPr>
+                          <a:rPr lang="en-PH" b="0" i="1" smtClean="0">
+                            <a:latin typeface="Cambria Math" panose="02040503050406030204" pitchFamily="18" charset="0"/>
+                          </a:rPr>
+                        </m:ctrlPr>
+                      </m:sSubPr>
+                      <m:e>
+                        <m:r>
+                          <a:rPr lang="en-PH" b="0" i="1" smtClean="0">
+                            <a:latin typeface="Cambria Math" panose="02040503050406030204" pitchFamily="18" charset="0"/>
+                          </a:rPr>
+                          <m:t>𝑐</m:t>
+                        </m:r>
+                      </m:e>
+                      <m:sub>
+                        <m:r>
+                          <a:rPr lang="en-PH" b="0" i="1" smtClean="0">
+                            <a:latin typeface="Cambria Math" panose="02040503050406030204" pitchFamily="18" charset="0"/>
+                          </a:rPr>
+                          <m:t>𝑖</m:t>
+                        </m:r>
+                        <m:r>
+                          <a:rPr lang="en-PH" b="0" i="1" smtClean="0">
+                            <a:latin typeface="Cambria Math" panose="02040503050406030204" pitchFamily="18" charset="0"/>
+                          </a:rPr>
+                          <m:t>,</m:t>
+                        </m:r>
+                        <m:r>
+                          <a:rPr lang="en-PH" b="0" i="1" smtClean="0">
+                            <a:latin typeface="Cambria Math" panose="02040503050406030204" pitchFamily="18" charset="0"/>
+                          </a:rPr>
+                          <m:t>𝑗</m:t>
+                        </m:r>
+                      </m:sub>
+                    </m:sSub>
+                  </m:oMath>
+                </a14:m>
+                <a:endParaRPr lang="en-PH" dirty="0"/>
+              </a:p>
+            </p:txBody>
+          </p:sp>
+        </mc:Choice>
+        <mc:Fallback>
+          <p:sp>
+            <p:nvSpPr>
+              <p:cNvPr id="4" name="Flowchart: Process 3">
+                <a:extLst>
+                  <a:ext uri="{FF2B5EF4-FFF2-40B4-BE49-F238E27FC236}">
+                    <a16:creationId xmlns:a16="http://schemas.microsoft.com/office/drawing/2014/main" id="{D17CD8C8-05CB-C9AE-F312-51E408A468A0}"/>
+                  </a:ext>
+                </a:extLst>
+              </p:cNvPr>
+              <p:cNvSpPr>
+                <a:spLocks noRot="1" noChangeAspect="1" noMove="1" noResize="1" noEditPoints="1" noAdjustHandles="1" noChangeArrowheads="1" noChangeShapeType="1" noTextEdit="1"/>
+              </p:cNvSpPr>
+              <p:nvPr/>
+            </p:nvSpPr>
+            <p:spPr>
+              <a:xfrm>
+                <a:off x="2827874" y="1124015"/>
+                <a:ext cx="2460400" cy="1263192"/>
+              </a:xfrm>
+              <a:prstGeom prst="flowChartProcess">
+                <a:avLst/>
+              </a:prstGeom>
+              <a:blipFill>
+                <a:blip r:embed="rId3"/>
+                <a:stretch>
+                  <a:fillRect/>
+                </a:stretch>
+              </a:blipFill>
+            </p:spPr>
+            <p:txBody>
+              <a:bodyPr/>
+              <a:lstStyle/>
+              <a:p>
+                <a:r>
+                  <a:rPr lang="en-PH">
+                    <a:noFill/>
+                  </a:rPr>
+                  <a:t> </a:t>
+                </a:r>
+              </a:p>
+            </p:txBody>
+          </p:sp>
+        </mc:Fallback>
+      </mc:AlternateContent>
+      <p:cxnSp>
+        <p:nvCxnSpPr>
+          <p:cNvPr id="6" name="Straight Arrow Connector 5">
+            <a:extLst>
+              <a:ext uri="{FF2B5EF4-FFF2-40B4-BE49-F238E27FC236}">
+                <a16:creationId xmlns:a16="http://schemas.microsoft.com/office/drawing/2014/main" id="{3144F061-3228-9844-D117-2FC04FA7C7F3}"/>
+              </a:ext>
+            </a:extLst>
+          </p:cNvPr>
+          <p:cNvCxnSpPr>
+            <a:cxnSpLocks/>
+            <a:stCxn id="4" idx="3"/>
+            <a:endCxn id="10" idx="1"/>
+          </p:cNvCxnSpPr>
+          <p:nvPr/>
+        </p:nvCxnSpPr>
+        <p:spPr>
+          <a:xfrm>
+            <a:off x="5288274" y="1755611"/>
+            <a:ext cx="565719" cy="0"/>
+          </a:xfrm>
+          <a:prstGeom prst="straightConnector1">
+            <a:avLst/>
+          </a:prstGeom>
+          <a:ln>
+            <a:tailEnd type="triangle"/>
+          </a:ln>
+        </p:spPr>
+        <p:style>
+          <a:lnRef idx="2">
+            <a:schemeClr val="dk1"/>
+          </a:lnRef>
+          <a:fillRef idx="0">
+            <a:schemeClr val="dk1"/>
+          </a:fillRef>
+          <a:effectRef idx="1">
+            <a:schemeClr val="dk1"/>
+          </a:effectRef>
+          <a:fontRef idx="minor">
+            <a:schemeClr val="tx1"/>
+          </a:fontRef>
+        </p:style>
+      </p:cxnSp>
+      <mc:AlternateContent xmlns:mc="http://schemas.openxmlformats.org/markup-compatibility/2006">
+        <mc:Choice xmlns:a14="http://schemas.microsoft.com/office/drawing/2010/main" Requires="a14">
+          <p:sp>
+            <p:nvSpPr>
+              <p:cNvPr id="7" name="Flowchart: Process 6">
+                <a:extLst>
+                  <a:ext uri="{FF2B5EF4-FFF2-40B4-BE49-F238E27FC236}">
+                    <a16:creationId xmlns:a16="http://schemas.microsoft.com/office/drawing/2014/main" id="{869A017E-64AB-D2A1-489E-17D4A6CEB124}"/>
+                  </a:ext>
+                </a:extLst>
+              </p:cNvPr>
+              <p:cNvSpPr/>
+              <p:nvPr/>
+            </p:nvSpPr>
+            <p:spPr>
+              <a:xfrm>
+                <a:off x="8743334" y="1124015"/>
+                <a:ext cx="3362455" cy="1263193"/>
+              </a:xfrm>
+              <a:prstGeom prst="flowChartProcess">
+                <a:avLst/>
+              </a:prstGeom>
+            </p:spPr>
+            <p:style>
+              <a:lnRef idx="2">
+                <a:schemeClr val="dk1"/>
+              </a:lnRef>
+              <a:fillRef idx="1">
+                <a:schemeClr val="lt1"/>
+              </a:fillRef>
+              <a:effectRef idx="0">
+                <a:schemeClr val="dk1"/>
+              </a:effectRef>
+              <a:fontRef idx="minor">
+                <a:schemeClr val="dk1"/>
+              </a:fontRef>
+            </p:style>
+            <p:txBody>
+              <a:bodyPr rtlCol="0" anchor="ctr"/>
+              <a:lstStyle/>
+              <a:p>
+                <a:pPr algn="ctr"/>
+                <a:r>
+                  <a:rPr lang="en-PH" dirty="0"/>
+                  <a:t>Obtain probability to learn </a:t>
+                </a:r>
+              </a:p>
+              <a:p>
+                <a:pPr algn="ctr"/>
+                <a14:m>
+                  <m:oMathPara xmlns:m="http://schemas.openxmlformats.org/officeDocument/2006/math">
+                    <m:oMathParaPr>
+                      <m:jc m:val="centerGroup"/>
+                    </m:oMathParaPr>
+                    <m:oMath xmlns:m="http://schemas.openxmlformats.org/officeDocument/2006/math">
+                      <m:sSub>
+                        <m:sSubPr>
+                          <m:ctrlPr>
+                            <a:rPr lang="en-PH" b="0" i="1" smtClean="0">
+                              <a:latin typeface="Cambria Math" panose="02040503050406030204" pitchFamily="18" charset="0"/>
+                            </a:rPr>
+                          </m:ctrlPr>
+                        </m:sSubPr>
+                        <m:e>
+                          <m:r>
+                            <a:rPr lang="en-PH" b="0" i="1" smtClean="0">
+                              <a:latin typeface="Cambria Math" panose="02040503050406030204" pitchFamily="18" charset="0"/>
+                            </a:rPr>
+                            <m:t>𝑃</m:t>
+                          </m:r>
+                        </m:e>
+                        <m:sub>
+                          <m:r>
+                            <a:rPr lang="en-PH" b="0" i="1" smtClean="0">
+                              <a:latin typeface="Cambria Math" panose="02040503050406030204" pitchFamily="18" charset="0"/>
+                            </a:rPr>
+                            <m:t>𝑖</m:t>
+                          </m:r>
+                          <m:r>
+                            <a:rPr lang="en-PH" b="0" i="1" smtClean="0">
+                              <a:latin typeface="Cambria Math" panose="02040503050406030204" pitchFamily="18" charset="0"/>
+                            </a:rPr>
+                            <m:t>,</m:t>
+                          </m:r>
+                          <m:r>
+                            <a:rPr lang="en-PH" b="0" i="1" smtClean="0">
+                              <a:latin typeface="Cambria Math" panose="02040503050406030204" pitchFamily="18" charset="0"/>
+                            </a:rPr>
+                            <m:t>𝑗</m:t>
+                          </m:r>
+                        </m:sub>
+                      </m:sSub>
+                      <m:r>
+                        <a:rPr lang="en-PH" b="0" i="1" smtClean="0">
+                          <a:latin typeface="Cambria Math" panose="02040503050406030204" pitchFamily="18" charset="0"/>
+                        </a:rPr>
+                        <m:t>=</m:t>
+                      </m:r>
+                      <m:sSub>
+                        <m:sSubPr>
+                          <m:ctrlPr>
+                            <a:rPr lang="en-PH" b="0" i="1" smtClean="0">
+                              <a:latin typeface="Cambria Math" panose="02040503050406030204" pitchFamily="18" charset="0"/>
+                            </a:rPr>
+                          </m:ctrlPr>
+                        </m:sSubPr>
+                        <m:e>
+                          <m:r>
+                            <a:rPr lang="en-PH" b="0" i="1" smtClean="0">
+                              <a:latin typeface="Cambria Math" panose="02040503050406030204" pitchFamily="18" charset="0"/>
+                            </a:rPr>
+                            <m:t>𝜌</m:t>
+                          </m:r>
+                        </m:e>
+                        <m:sub>
+                          <m:r>
+                            <a:rPr lang="en-PH" b="0" i="1" smtClean="0">
+                              <a:latin typeface="Cambria Math" panose="02040503050406030204" pitchFamily="18" charset="0"/>
+                            </a:rPr>
+                            <m:t>𝑖</m:t>
+                          </m:r>
+                          <m:r>
+                            <a:rPr lang="en-PH" b="0" i="1" smtClean="0">
+                              <a:latin typeface="Cambria Math" panose="02040503050406030204" pitchFamily="18" charset="0"/>
+                            </a:rPr>
+                            <m:t>,</m:t>
+                          </m:r>
+                          <m:r>
+                            <a:rPr lang="en-PH" b="0" i="1" smtClean="0">
+                              <a:latin typeface="Cambria Math" panose="02040503050406030204" pitchFamily="18" charset="0"/>
+                            </a:rPr>
+                            <m:t>𝑗</m:t>
+                          </m:r>
+                        </m:sub>
+                      </m:sSub>
+                      <m:sSub>
+                        <m:sSubPr>
+                          <m:ctrlPr>
+                            <a:rPr lang="en-PH" b="0" i="1" smtClean="0">
+                              <a:latin typeface="Cambria Math" panose="02040503050406030204" pitchFamily="18" charset="0"/>
+                            </a:rPr>
+                          </m:ctrlPr>
+                        </m:sSubPr>
+                        <m:e>
+                          <m:r>
+                            <a:rPr lang="en-PH" b="0" i="1" smtClean="0">
+                              <a:latin typeface="Cambria Math" panose="02040503050406030204" pitchFamily="18" charset="0"/>
+                            </a:rPr>
+                            <m:t>𝜆</m:t>
+                          </m:r>
+                        </m:e>
+                        <m:sub>
+                          <m:r>
+                            <a:rPr lang="en-PH" b="0" i="1" smtClean="0">
+                              <a:latin typeface="Cambria Math" panose="02040503050406030204" pitchFamily="18" charset="0"/>
+                            </a:rPr>
+                            <m:t>𝑖</m:t>
+                          </m:r>
+                          <m:r>
+                            <a:rPr lang="en-PH" b="0" i="1" smtClean="0">
+                              <a:latin typeface="Cambria Math" panose="02040503050406030204" pitchFamily="18" charset="0"/>
+                            </a:rPr>
+                            <m:t>,</m:t>
+                          </m:r>
+                          <m:r>
+                            <a:rPr lang="en-PH" b="0" i="1" smtClean="0">
+                              <a:latin typeface="Cambria Math" panose="02040503050406030204" pitchFamily="18" charset="0"/>
+                            </a:rPr>
+                            <m:t>𝑗</m:t>
+                          </m:r>
+                        </m:sub>
+                      </m:sSub>
+                    </m:oMath>
+                  </m:oMathPara>
+                </a14:m>
+                <a:endParaRPr lang="en-PH" dirty="0"/>
+              </a:p>
+            </p:txBody>
+          </p:sp>
+        </mc:Choice>
+        <mc:Fallback>
+          <p:sp>
+            <p:nvSpPr>
+              <p:cNvPr id="7" name="Flowchart: Process 6">
+                <a:extLst>
+                  <a:ext uri="{FF2B5EF4-FFF2-40B4-BE49-F238E27FC236}">
+                    <a16:creationId xmlns:a16="http://schemas.microsoft.com/office/drawing/2014/main" id="{869A017E-64AB-D2A1-489E-17D4A6CEB124}"/>
+                  </a:ext>
+                </a:extLst>
+              </p:cNvPr>
+              <p:cNvSpPr>
+                <a:spLocks noRot="1" noChangeAspect="1" noMove="1" noResize="1" noEditPoints="1" noAdjustHandles="1" noChangeArrowheads="1" noChangeShapeType="1" noTextEdit="1"/>
+              </p:cNvSpPr>
+              <p:nvPr/>
+            </p:nvSpPr>
+            <p:spPr>
+              <a:xfrm>
+                <a:off x="8743334" y="1124015"/>
+                <a:ext cx="3362455" cy="1263193"/>
+              </a:xfrm>
+              <a:prstGeom prst="flowChartProcess">
+                <a:avLst/>
+              </a:prstGeom>
+              <a:blipFill>
+                <a:blip r:embed="rId4"/>
+                <a:stretch>
+                  <a:fillRect/>
+                </a:stretch>
+              </a:blipFill>
+            </p:spPr>
+            <p:txBody>
+              <a:bodyPr/>
+              <a:lstStyle/>
+              <a:p>
+                <a:r>
+                  <a:rPr lang="en-PH">
+                    <a:noFill/>
+                  </a:rPr>
+                  <a:t> </a:t>
+                </a:r>
+              </a:p>
+            </p:txBody>
+          </p:sp>
+        </mc:Fallback>
+      </mc:AlternateContent>
+      <mc:AlternateContent xmlns:mc="http://schemas.openxmlformats.org/markup-compatibility/2006">
+        <mc:Choice xmlns:a14="http://schemas.microsoft.com/office/drawing/2010/main" Requires="a14">
+          <p:sp>
+            <p:nvSpPr>
+              <p:cNvPr id="9" name="Flowchart: Decision 8">
+                <a:extLst>
+                  <a:ext uri="{FF2B5EF4-FFF2-40B4-BE49-F238E27FC236}">
+                    <a16:creationId xmlns:a16="http://schemas.microsoft.com/office/drawing/2014/main" id="{CBE74407-846D-F430-6723-74B0A06AEA91}"/>
+                  </a:ext>
+                </a:extLst>
+              </p:cNvPr>
+              <p:cNvSpPr/>
+              <p:nvPr/>
+            </p:nvSpPr>
+            <p:spPr>
+              <a:xfrm>
+                <a:off x="9329084" y="3225241"/>
+                <a:ext cx="2215103" cy="2152846"/>
+              </a:xfrm>
+              <a:prstGeom prst="flowChartDecision">
+                <a:avLst/>
+              </a:prstGeom>
+            </p:spPr>
+            <p:style>
+              <a:lnRef idx="2">
+                <a:schemeClr val="dk1"/>
+              </a:lnRef>
+              <a:fillRef idx="1">
+                <a:schemeClr val="lt1"/>
+              </a:fillRef>
+              <a:effectRef idx="0">
+                <a:schemeClr val="dk1"/>
+              </a:effectRef>
+              <a:fontRef idx="minor">
+                <a:schemeClr val="dk1"/>
+              </a:fontRef>
+            </p:style>
+            <p:txBody>
+              <a:bodyPr rtlCol="0" anchor="ctr"/>
+              <a:lstStyle/>
+              <a:p>
+                <a:pPr algn="ctr"/>
+                <a14:m>
+                  <m:oMath xmlns:m="http://schemas.openxmlformats.org/officeDocument/2006/math">
+                    <m:r>
+                      <a:rPr lang="en-PH" b="0" i="1" smtClean="0">
+                        <a:latin typeface="Cambria Math" panose="02040503050406030204" pitchFamily="18" charset="0"/>
+                      </a:rPr>
+                      <m:t>𝜇</m:t>
+                    </m:r>
+                    <m:r>
+                      <a:rPr lang="en-PH" b="0" i="1" smtClean="0">
+                        <a:latin typeface="Cambria Math" panose="02040503050406030204" pitchFamily="18" charset="0"/>
+                      </a:rPr>
+                      <m:t>≤</m:t>
+                    </m:r>
+                    <m:sSub>
+                      <m:sSubPr>
+                        <m:ctrlPr>
+                          <a:rPr lang="en-PH" b="0" i="1" smtClean="0">
+                            <a:latin typeface="Cambria Math" panose="02040503050406030204" pitchFamily="18" charset="0"/>
+                          </a:rPr>
+                        </m:ctrlPr>
+                      </m:sSubPr>
+                      <m:e>
+                        <m:r>
+                          <a:rPr lang="en-PH" b="0" i="1" smtClean="0">
+                            <a:latin typeface="Cambria Math" panose="02040503050406030204" pitchFamily="18" charset="0"/>
+                          </a:rPr>
+                          <m:t>𝑃</m:t>
+                        </m:r>
+                      </m:e>
+                      <m:sub>
+                        <m:r>
+                          <a:rPr lang="en-PH" b="0" i="1" smtClean="0">
+                            <a:latin typeface="Cambria Math" panose="02040503050406030204" pitchFamily="18" charset="0"/>
+                          </a:rPr>
+                          <m:t>𝑖</m:t>
+                        </m:r>
+                        <m:r>
+                          <a:rPr lang="en-PH" b="0" i="1" smtClean="0">
+                            <a:latin typeface="Cambria Math" panose="02040503050406030204" pitchFamily="18" charset="0"/>
+                          </a:rPr>
+                          <m:t>,</m:t>
+                        </m:r>
+                        <m:r>
+                          <a:rPr lang="en-PH" b="0" i="1" smtClean="0">
+                            <a:latin typeface="Cambria Math" panose="02040503050406030204" pitchFamily="18" charset="0"/>
+                          </a:rPr>
+                          <m:t>𝑗</m:t>
+                        </m:r>
+                      </m:sub>
+                    </m:sSub>
+                  </m:oMath>
+                </a14:m>
+                <a:r>
+                  <a:rPr lang="en-PH" dirty="0"/>
+                  <a:t> where </a:t>
+                </a:r>
+                <a14:m>
+                  <m:oMath xmlns:m="http://schemas.openxmlformats.org/officeDocument/2006/math">
+                    <m:r>
+                      <a:rPr lang="en-PH" b="0" i="1" smtClean="0">
+                        <a:latin typeface="Cambria Math" panose="02040503050406030204" pitchFamily="18" charset="0"/>
+                      </a:rPr>
+                      <m:t>𝜇</m:t>
+                    </m:r>
+                  </m:oMath>
+                </a14:m>
+                <a:r>
+                  <a:rPr lang="en-PH" dirty="0"/>
+                  <a:t> is a random number</a:t>
+                </a:r>
+              </a:p>
+            </p:txBody>
+          </p:sp>
+        </mc:Choice>
+        <mc:Fallback>
+          <p:sp>
+            <p:nvSpPr>
+              <p:cNvPr id="9" name="Flowchart: Decision 8">
+                <a:extLst>
+                  <a:ext uri="{FF2B5EF4-FFF2-40B4-BE49-F238E27FC236}">
+                    <a16:creationId xmlns:a16="http://schemas.microsoft.com/office/drawing/2014/main" id="{CBE74407-846D-F430-6723-74B0A06AEA91}"/>
+                  </a:ext>
+                </a:extLst>
+              </p:cNvPr>
+              <p:cNvSpPr>
+                <a:spLocks noRot="1" noChangeAspect="1" noMove="1" noResize="1" noEditPoints="1" noAdjustHandles="1" noChangeArrowheads="1" noChangeShapeType="1" noTextEdit="1"/>
+              </p:cNvSpPr>
+              <p:nvPr/>
+            </p:nvSpPr>
+            <p:spPr>
+              <a:xfrm>
+                <a:off x="9329084" y="3225241"/>
+                <a:ext cx="2215103" cy="2152846"/>
+              </a:xfrm>
+              <a:prstGeom prst="flowChartDecision">
+                <a:avLst/>
+              </a:prstGeom>
+              <a:blipFill>
+                <a:blip r:embed="rId5"/>
+                <a:stretch>
+                  <a:fillRect/>
+                </a:stretch>
+              </a:blipFill>
+            </p:spPr>
+            <p:txBody>
+              <a:bodyPr/>
+              <a:lstStyle/>
+              <a:p>
+                <a:r>
+                  <a:rPr lang="en-PH">
+                    <a:noFill/>
+                  </a:rPr>
+                  <a:t> </a:t>
+                </a:r>
+              </a:p>
+            </p:txBody>
+          </p:sp>
+        </mc:Fallback>
+      </mc:AlternateContent>
+      <mc:AlternateContent xmlns:mc="http://schemas.openxmlformats.org/markup-compatibility/2006">
+        <mc:Choice xmlns:a14="http://schemas.microsoft.com/office/drawing/2010/main" Requires="a14">
+          <p:sp>
+            <p:nvSpPr>
+              <p:cNvPr id="10" name="Flowchart: Decision 9">
+                <a:extLst>
+                  <a:ext uri="{FF2B5EF4-FFF2-40B4-BE49-F238E27FC236}">
+                    <a16:creationId xmlns:a16="http://schemas.microsoft.com/office/drawing/2014/main" id="{AA42A836-49EA-4E8B-893F-A15BED15C28F}"/>
+                  </a:ext>
+                </a:extLst>
+              </p:cNvPr>
+              <p:cNvSpPr/>
+              <p:nvPr/>
+            </p:nvSpPr>
+            <p:spPr>
+              <a:xfrm>
+                <a:off x="5853993" y="898523"/>
+                <a:ext cx="1836171" cy="1714176"/>
+              </a:xfrm>
+              <a:prstGeom prst="flowChartDecision">
+                <a:avLst/>
+              </a:prstGeom>
+            </p:spPr>
+            <p:style>
+              <a:lnRef idx="2">
+                <a:schemeClr val="dk1"/>
+              </a:lnRef>
+              <a:fillRef idx="1">
+                <a:schemeClr val="lt1"/>
+              </a:fillRef>
+              <a:effectRef idx="0">
+                <a:schemeClr val="dk1"/>
+              </a:effectRef>
+              <a:fontRef idx="minor">
+                <a:schemeClr val="dk1"/>
+              </a:fontRef>
+            </p:style>
+            <p:txBody>
+              <a:bodyPr rtlCol="0" anchor="ctr"/>
+              <a:lstStyle/>
+              <a:p>
+                <a:pPr algn="ctr"/>
+                <a14:m>
+                  <m:oMathPara xmlns:m="http://schemas.openxmlformats.org/officeDocument/2006/math">
+                    <m:oMathParaPr>
+                      <m:jc m:val="centerGroup"/>
+                    </m:oMathParaPr>
+                    <m:oMath xmlns:m="http://schemas.openxmlformats.org/officeDocument/2006/math">
+                      <m:sSub>
+                        <m:sSubPr>
+                          <m:ctrlPr>
+                            <a:rPr lang="en-PH" b="0" i="1" smtClean="0">
+                              <a:latin typeface="Cambria Math" panose="02040503050406030204" pitchFamily="18" charset="0"/>
+                            </a:rPr>
+                          </m:ctrlPr>
+                        </m:sSubPr>
+                        <m:e>
+                          <m:r>
+                            <a:rPr lang="en-PH" b="0" i="1" smtClean="0">
+                              <a:latin typeface="Cambria Math" panose="02040503050406030204" pitchFamily="18" charset="0"/>
+                            </a:rPr>
+                            <m:t>𝑠</m:t>
+                          </m:r>
+                        </m:e>
+                        <m:sub>
+                          <m:r>
+                            <a:rPr lang="en-PH" b="0" i="1" smtClean="0">
+                              <a:latin typeface="Cambria Math" panose="02040503050406030204" pitchFamily="18" charset="0"/>
+                            </a:rPr>
+                            <m:t>𝑖</m:t>
+                          </m:r>
+                          <m:r>
+                            <a:rPr lang="en-PH" b="0" i="1" smtClean="0">
+                              <a:latin typeface="Cambria Math" panose="02040503050406030204" pitchFamily="18" charset="0"/>
+                            </a:rPr>
+                            <m:t>,</m:t>
+                          </m:r>
+                          <m:r>
+                            <a:rPr lang="en-PH" b="0" i="1" smtClean="0">
+                              <a:latin typeface="Cambria Math" panose="02040503050406030204" pitchFamily="18" charset="0"/>
+                            </a:rPr>
+                            <m:t>𝑗</m:t>
+                          </m:r>
+                        </m:sub>
+                      </m:sSub>
+                      <m:r>
+                        <a:rPr lang="en-PH" b="0" i="1" smtClean="0">
+                          <a:latin typeface="Cambria Math" panose="02040503050406030204" pitchFamily="18" charset="0"/>
+                        </a:rPr>
+                        <m:t>=1</m:t>
+                      </m:r>
+                    </m:oMath>
+                  </m:oMathPara>
+                </a14:m>
+                <a:endParaRPr lang="en-PH" dirty="0"/>
+              </a:p>
+            </p:txBody>
+          </p:sp>
+        </mc:Choice>
+        <mc:Fallback>
+          <p:sp>
+            <p:nvSpPr>
+              <p:cNvPr id="10" name="Flowchart: Decision 9">
+                <a:extLst>
+                  <a:ext uri="{FF2B5EF4-FFF2-40B4-BE49-F238E27FC236}">
+                    <a16:creationId xmlns:a16="http://schemas.microsoft.com/office/drawing/2014/main" id="{AA42A836-49EA-4E8B-893F-A15BED15C28F}"/>
+                  </a:ext>
+                </a:extLst>
+              </p:cNvPr>
+              <p:cNvSpPr>
+                <a:spLocks noRot="1" noChangeAspect="1" noMove="1" noResize="1" noEditPoints="1" noAdjustHandles="1" noChangeArrowheads="1" noChangeShapeType="1" noTextEdit="1"/>
+              </p:cNvSpPr>
+              <p:nvPr/>
+            </p:nvSpPr>
+            <p:spPr>
+              <a:xfrm>
+                <a:off x="5853993" y="898523"/>
+                <a:ext cx="1836171" cy="1714176"/>
+              </a:xfrm>
+              <a:prstGeom prst="flowChartDecision">
+                <a:avLst/>
+              </a:prstGeom>
+              <a:blipFill>
+                <a:blip r:embed="rId6"/>
+                <a:stretch>
+                  <a:fillRect/>
+                </a:stretch>
+              </a:blipFill>
+            </p:spPr>
+            <p:txBody>
+              <a:bodyPr/>
+              <a:lstStyle/>
+              <a:p>
+                <a:r>
+                  <a:rPr lang="en-PH">
+                    <a:noFill/>
+                  </a:rPr>
+                  <a:t> </a:t>
+                </a:r>
+              </a:p>
+            </p:txBody>
+          </p:sp>
+        </mc:Fallback>
+      </mc:AlternateContent>
+      <p:cxnSp>
+        <p:nvCxnSpPr>
+          <p:cNvPr id="11" name="Straight Arrow Connector 10">
+            <a:extLst>
+              <a:ext uri="{FF2B5EF4-FFF2-40B4-BE49-F238E27FC236}">
+                <a16:creationId xmlns:a16="http://schemas.microsoft.com/office/drawing/2014/main" id="{26243140-92FA-3CD5-640F-33FFE5419580}"/>
+              </a:ext>
+            </a:extLst>
+          </p:cNvPr>
+          <p:cNvCxnSpPr>
+            <a:cxnSpLocks/>
+            <a:stCxn id="10" idx="3"/>
+            <a:endCxn id="7" idx="1"/>
+          </p:cNvCxnSpPr>
+          <p:nvPr/>
+        </p:nvCxnSpPr>
+        <p:spPr>
+          <a:xfrm>
+            <a:off x="7690164" y="1755611"/>
+            <a:ext cx="1053170" cy="1"/>
+          </a:xfrm>
+          <a:prstGeom prst="straightConnector1">
+            <a:avLst/>
+          </a:prstGeom>
+          <a:ln>
+            <a:tailEnd type="triangle"/>
+          </a:ln>
+        </p:spPr>
+        <p:style>
+          <a:lnRef idx="2">
+            <a:schemeClr val="dk1"/>
+          </a:lnRef>
+          <a:fillRef idx="0">
+            <a:schemeClr val="dk1"/>
+          </a:fillRef>
+          <a:effectRef idx="1">
+            <a:schemeClr val="dk1"/>
+          </a:effectRef>
+          <a:fontRef idx="minor">
+            <a:schemeClr val="tx1"/>
+          </a:fontRef>
+        </p:style>
+      </p:cxnSp>
+      <mc:AlternateContent xmlns:mc="http://schemas.openxmlformats.org/markup-compatibility/2006">
+        <mc:Choice xmlns:a14="http://schemas.microsoft.com/office/drawing/2010/main" Requires="a14">
+          <p:sp>
+            <p:nvSpPr>
+              <p:cNvPr id="12" name="Flowchart: Process 11">
+                <a:extLst>
+                  <a:ext uri="{FF2B5EF4-FFF2-40B4-BE49-F238E27FC236}">
+                    <a16:creationId xmlns:a16="http://schemas.microsoft.com/office/drawing/2014/main" id="{B1A9F152-2136-C18B-4C16-8502873ACB40}"/>
+                  </a:ext>
+                </a:extLst>
+              </p:cNvPr>
+              <p:cNvSpPr/>
+              <p:nvPr/>
+            </p:nvSpPr>
+            <p:spPr>
+              <a:xfrm>
+                <a:off x="5594619" y="3550961"/>
+                <a:ext cx="2379067" cy="1501407"/>
+              </a:xfrm>
+              <a:prstGeom prst="flowChartProcess">
+                <a:avLst/>
+              </a:prstGeom>
+            </p:spPr>
+            <p:style>
+              <a:lnRef idx="2">
+                <a:schemeClr val="dk1"/>
+              </a:lnRef>
+              <a:fillRef idx="1">
+                <a:schemeClr val="lt1"/>
+              </a:fillRef>
+              <a:effectRef idx="0">
+                <a:schemeClr val="dk1"/>
+              </a:effectRef>
+              <a:fontRef idx="minor">
+                <a:schemeClr val="dk1"/>
+              </a:fontRef>
+            </p:style>
+            <p:txBody>
+              <a:bodyPr rtlCol="0" anchor="ctr"/>
+              <a:lstStyle/>
+              <a:p>
+                <a:pPr algn="ctr"/>
+                <a14:m>
+                  <m:oMath xmlns:m="http://schemas.openxmlformats.org/officeDocument/2006/math">
+                    <m:sSubSup>
+                      <m:sSubSupPr>
+                        <m:ctrlPr>
+                          <a:rPr lang="en-PH" b="0" i="1" smtClean="0">
+                            <a:latin typeface="Cambria Math" panose="02040503050406030204" pitchFamily="18" charset="0"/>
+                          </a:rPr>
+                        </m:ctrlPr>
+                      </m:sSubSupPr>
+                      <m:e>
+                        <m:r>
+                          <a:rPr lang="en-PH" b="0" i="1" smtClean="0">
+                            <a:latin typeface="Cambria Math" panose="02040503050406030204" pitchFamily="18" charset="0"/>
+                          </a:rPr>
+                          <m:t>𝑠</m:t>
+                        </m:r>
+                      </m:e>
+                      <m:sub>
+                        <m:r>
+                          <a:rPr lang="en-PH" b="0" i="1" smtClean="0">
+                            <a:latin typeface="Cambria Math" panose="02040503050406030204" pitchFamily="18" charset="0"/>
+                          </a:rPr>
+                          <m:t>𝑖</m:t>
+                        </m:r>
+                        <m:r>
+                          <a:rPr lang="en-PH" b="0" i="1" smtClean="0">
+                            <a:latin typeface="Cambria Math" panose="02040503050406030204" pitchFamily="18" charset="0"/>
+                          </a:rPr>
+                          <m:t>,</m:t>
+                        </m:r>
+                        <m:r>
+                          <a:rPr lang="en-PH" b="0" i="1" smtClean="0">
+                            <a:latin typeface="Cambria Math" panose="02040503050406030204" pitchFamily="18" charset="0"/>
+                          </a:rPr>
+                          <m:t>𝑗</m:t>
+                        </m:r>
+                      </m:sub>
+                      <m:sup>
+                        <m:r>
+                          <a:rPr lang="en-PH" b="0" i="1" smtClean="0">
+                            <a:latin typeface="Cambria Math" panose="02040503050406030204" pitchFamily="18" charset="0"/>
+                          </a:rPr>
+                          <m:t>′</m:t>
+                        </m:r>
+                      </m:sup>
+                    </m:sSubSup>
+                    <m:r>
+                      <a:rPr lang="en-PH" b="0" i="1" smtClean="0">
+                        <a:latin typeface="Cambria Math" panose="02040503050406030204" pitchFamily="18" charset="0"/>
+                      </a:rPr>
+                      <m:t>=1</m:t>
+                    </m:r>
+                  </m:oMath>
+                </a14:m>
+                <a:r>
+                  <a:rPr lang="en-PH" dirty="0"/>
+                  <a:t> where </a:t>
+                </a:r>
+                <a14:m>
+                  <m:oMath xmlns:m="http://schemas.openxmlformats.org/officeDocument/2006/math">
+                    <m:sSubSup>
+                      <m:sSubSupPr>
+                        <m:ctrlPr>
+                          <a:rPr lang="en-PH" b="0" i="1" smtClean="0">
+                            <a:latin typeface="Cambria Math" panose="02040503050406030204" pitchFamily="18" charset="0"/>
+                          </a:rPr>
+                        </m:ctrlPr>
+                      </m:sSubSupPr>
+                      <m:e>
+                        <m:r>
+                          <a:rPr lang="en-PH" b="0" i="1" smtClean="0">
+                            <a:latin typeface="Cambria Math" panose="02040503050406030204" pitchFamily="18" charset="0"/>
+                          </a:rPr>
+                          <m:t>𝑠</m:t>
+                        </m:r>
+                      </m:e>
+                      <m:sub>
+                        <m:r>
+                          <a:rPr lang="en-PH" b="0" i="1" smtClean="0">
+                            <a:latin typeface="Cambria Math" panose="02040503050406030204" pitchFamily="18" charset="0"/>
+                          </a:rPr>
+                          <m:t>𝑖</m:t>
+                        </m:r>
+                        <m:r>
+                          <a:rPr lang="en-PH" b="0" i="1" smtClean="0">
+                            <a:latin typeface="Cambria Math" panose="02040503050406030204" pitchFamily="18" charset="0"/>
+                          </a:rPr>
+                          <m:t>,</m:t>
+                        </m:r>
+                        <m:r>
+                          <a:rPr lang="en-PH" b="0" i="1" smtClean="0">
+                            <a:latin typeface="Cambria Math" panose="02040503050406030204" pitchFamily="18" charset="0"/>
+                          </a:rPr>
+                          <m:t>𝑗</m:t>
+                        </m:r>
+                      </m:sub>
+                      <m:sup>
+                        <m:r>
+                          <a:rPr lang="en-PH" b="0" i="1" smtClean="0">
+                            <a:latin typeface="Cambria Math" panose="02040503050406030204" pitchFamily="18" charset="0"/>
+                          </a:rPr>
+                          <m:t>′</m:t>
+                        </m:r>
+                      </m:sup>
+                    </m:sSubSup>
+                  </m:oMath>
+                </a14:m>
+                <a:r>
+                  <a:rPr lang="en-PH" dirty="0"/>
+                  <a:t> is the state of student </a:t>
+                </a:r>
+                <a14:m>
+                  <m:oMath xmlns:m="http://schemas.openxmlformats.org/officeDocument/2006/math">
+                    <m:sSub>
+                      <m:sSubPr>
+                        <m:ctrlPr>
+                          <a:rPr lang="en-PH" b="0" i="1" smtClean="0">
+                            <a:latin typeface="Cambria Math" panose="02040503050406030204" pitchFamily="18" charset="0"/>
+                          </a:rPr>
+                        </m:ctrlPr>
+                      </m:sSubPr>
+                      <m:e>
+                        <m:r>
+                          <a:rPr lang="en-PH" b="0" i="1" smtClean="0">
+                            <a:latin typeface="Cambria Math" panose="02040503050406030204" pitchFamily="18" charset="0"/>
+                          </a:rPr>
+                          <m:t>𝑐</m:t>
+                        </m:r>
+                      </m:e>
+                      <m:sub>
+                        <m:r>
+                          <a:rPr lang="en-PH" b="0" i="1" smtClean="0">
+                            <a:latin typeface="Cambria Math" panose="02040503050406030204" pitchFamily="18" charset="0"/>
+                          </a:rPr>
+                          <m:t>𝑖</m:t>
+                        </m:r>
+                        <m:r>
+                          <a:rPr lang="en-PH" b="0" i="1" smtClean="0">
+                            <a:latin typeface="Cambria Math" panose="02040503050406030204" pitchFamily="18" charset="0"/>
+                          </a:rPr>
+                          <m:t>,</m:t>
+                        </m:r>
+                        <m:r>
+                          <a:rPr lang="en-PH" b="0" i="1" smtClean="0">
+                            <a:latin typeface="Cambria Math" panose="02040503050406030204" pitchFamily="18" charset="0"/>
+                          </a:rPr>
+                          <m:t>𝑗</m:t>
+                        </m:r>
+                      </m:sub>
+                    </m:sSub>
+                  </m:oMath>
+                </a14:m>
+                <a:r>
+                  <a:rPr lang="en-PH" dirty="0"/>
+                  <a:t> in the next time step</a:t>
+                </a:r>
+              </a:p>
+            </p:txBody>
+          </p:sp>
+        </mc:Choice>
+        <mc:Fallback>
+          <p:sp>
+            <p:nvSpPr>
+              <p:cNvPr id="12" name="Flowchart: Process 11">
+                <a:extLst>
+                  <a:ext uri="{FF2B5EF4-FFF2-40B4-BE49-F238E27FC236}">
+                    <a16:creationId xmlns:a16="http://schemas.microsoft.com/office/drawing/2014/main" id="{B1A9F152-2136-C18B-4C16-8502873ACB40}"/>
+                  </a:ext>
+                </a:extLst>
+              </p:cNvPr>
+              <p:cNvSpPr>
+                <a:spLocks noRot="1" noChangeAspect="1" noMove="1" noResize="1" noEditPoints="1" noAdjustHandles="1" noChangeArrowheads="1" noChangeShapeType="1" noTextEdit="1"/>
+              </p:cNvSpPr>
+              <p:nvPr/>
+            </p:nvSpPr>
+            <p:spPr>
+              <a:xfrm>
+                <a:off x="5594619" y="3550961"/>
+                <a:ext cx="2379067" cy="1501407"/>
+              </a:xfrm>
+              <a:prstGeom prst="flowChartProcess">
+                <a:avLst/>
+              </a:prstGeom>
+              <a:blipFill>
+                <a:blip r:embed="rId7"/>
+                <a:stretch>
+                  <a:fillRect/>
+                </a:stretch>
+              </a:blipFill>
+            </p:spPr>
+            <p:txBody>
+              <a:bodyPr/>
+              <a:lstStyle/>
+              <a:p>
+                <a:r>
+                  <a:rPr lang="en-PH">
+                    <a:noFill/>
+                  </a:rPr>
+                  <a:t> </a:t>
+                </a:r>
+              </a:p>
+            </p:txBody>
+          </p:sp>
+        </mc:Fallback>
+      </mc:AlternateContent>
+      <mc:AlternateContent xmlns:mc="http://schemas.openxmlformats.org/markup-compatibility/2006">
+        <mc:Choice xmlns:a14="http://schemas.microsoft.com/office/drawing/2010/main" Requires="a14">
+          <p:sp>
+            <p:nvSpPr>
+              <p:cNvPr id="13" name="Flowchart: Process 12">
+                <a:extLst>
+                  <a:ext uri="{FF2B5EF4-FFF2-40B4-BE49-F238E27FC236}">
+                    <a16:creationId xmlns:a16="http://schemas.microsoft.com/office/drawing/2014/main" id="{E606DC71-7D74-936D-C707-F89D87844391}"/>
+                  </a:ext>
+                </a:extLst>
+              </p:cNvPr>
+              <p:cNvSpPr/>
+              <p:nvPr/>
+            </p:nvSpPr>
+            <p:spPr>
+              <a:xfrm>
+                <a:off x="1232038" y="3550961"/>
+                <a:ext cx="2379067" cy="1501407"/>
+              </a:xfrm>
+              <a:prstGeom prst="flowChartProcess">
+                <a:avLst/>
+              </a:prstGeom>
+            </p:spPr>
+            <p:style>
+              <a:lnRef idx="2">
+                <a:schemeClr val="dk1"/>
+              </a:lnRef>
+              <a:fillRef idx="1">
+                <a:schemeClr val="lt1"/>
+              </a:fillRef>
+              <a:effectRef idx="0">
+                <a:schemeClr val="dk1"/>
+              </a:effectRef>
+              <a:fontRef idx="minor">
+                <a:schemeClr val="dk1"/>
+              </a:fontRef>
+            </p:style>
+            <p:txBody>
+              <a:bodyPr rtlCol="0" anchor="ctr"/>
+              <a:lstStyle/>
+              <a:p>
+                <a:pPr algn="ctr"/>
+                <a14:m>
+                  <m:oMath xmlns:m="http://schemas.openxmlformats.org/officeDocument/2006/math">
+                    <m:sSubSup>
+                      <m:sSubSupPr>
+                        <m:ctrlPr>
+                          <a:rPr lang="en-PH" b="0" i="1" smtClean="0">
+                            <a:latin typeface="Cambria Math" panose="02040503050406030204" pitchFamily="18" charset="0"/>
+                          </a:rPr>
+                        </m:ctrlPr>
+                      </m:sSubSupPr>
+                      <m:e>
+                        <m:r>
+                          <a:rPr lang="en-PH" b="0" i="1" smtClean="0">
+                            <a:latin typeface="Cambria Math" panose="02040503050406030204" pitchFamily="18" charset="0"/>
+                          </a:rPr>
+                          <m:t>𝑠</m:t>
+                        </m:r>
+                      </m:e>
+                      <m:sub>
+                        <m:r>
+                          <a:rPr lang="en-PH" b="0" i="1" smtClean="0">
+                            <a:latin typeface="Cambria Math" panose="02040503050406030204" pitchFamily="18" charset="0"/>
+                          </a:rPr>
+                          <m:t>𝑖</m:t>
+                        </m:r>
+                        <m:r>
+                          <a:rPr lang="en-PH" b="0" i="1" smtClean="0">
+                            <a:latin typeface="Cambria Math" panose="02040503050406030204" pitchFamily="18" charset="0"/>
+                          </a:rPr>
+                          <m:t>,</m:t>
+                        </m:r>
+                        <m:r>
+                          <a:rPr lang="en-PH" b="0" i="1" smtClean="0">
+                            <a:latin typeface="Cambria Math" panose="02040503050406030204" pitchFamily="18" charset="0"/>
+                          </a:rPr>
+                          <m:t>𝑗</m:t>
+                        </m:r>
+                      </m:sub>
+                      <m:sup>
+                        <m:r>
+                          <a:rPr lang="en-PH" b="0" i="1" smtClean="0">
+                            <a:latin typeface="Cambria Math" panose="02040503050406030204" pitchFamily="18" charset="0"/>
+                          </a:rPr>
+                          <m:t>′</m:t>
+                        </m:r>
+                      </m:sup>
+                    </m:sSubSup>
+                    <m:r>
+                      <a:rPr lang="en-PH" b="0" i="1" smtClean="0">
+                        <a:latin typeface="Cambria Math" panose="02040503050406030204" pitchFamily="18" charset="0"/>
+                      </a:rPr>
+                      <m:t>=0</m:t>
+                    </m:r>
+                  </m:oMath>
+                </a14:m>
+                <a:r>
+                  <a:rPr lang="en-PH" dirty="0"/>
+                  <a:t> where </a:t>
+                </a:r>
+                <a14:m>
+                  <m:oMath xmlns:m="http://schemas.openxmlformats.org/officeDocument/2006/math">
+                    <m:sSubSup>
+                      <m:sSubSupPr>
+                        <m:ctrlPr>
+                          <a:rPr lang="en-PH" b="0" i="1" smtClean="0">
+                            <a:latin typeface="Cambria Math" panose="02040503050406030204" pitchFamily="18" charset="0"/>
+                          </a:rPr>
+                        </m:ctrlPr>
+                      </m:sSubSupPr>
+                      <m:e>
+                        <m:r>
+                          <a:rPr lang="en-PH" b="0" i="1" smtClean="0">
+                            <a:latin typeface="Cambria Math" panose="02040503050406030204" pitchFamily="18" charset="0"/>
+                          </a:rPr>
+                          <m:t>𝑠</m:t>
+                        </m:r>
+                      </m:e>
+                      <m:sub>
+                        <m:r>
+                          <a:rPr lang="en-PH" b="0" i="1" smtClean="0">
+                            <a:latin typeface="Cambria Math" panose="02040503050406030204" pitchFamily="18" charset="0"/>
+                          </a:rPr>
+                          <m:t>𝑖</m:t>
+                        </m:r>
+                        <m:r>
+                          <a:rPr lang="en-PH" b="0" i="1" smtClean="0">
+                            <a:latin typeface="Cambria Math" panose="02040503050406030204" pitchFamily="18" charset="0"/>
+                          </a:rPr>
+                          <m:t>,</m:t>
+                        </m:r>
+                        <m:r>
+                          <a:rPr lang="en-PH" b="0" i="1" smtClean="0">
+                            <a:latin typeface="Cambria Math" panose="02040503050406030204" pitchFamily="18" charset="0"/>
+                          </a:rPr>
+                          <m:t>𝑗</m:t>
+                        </m:r>
+                      </m:sub>
+                      <m:sup>
+                        <m:r>
+                          <a:rPr lang="en-PH" b="0" i="1" smtClean="0">
+                            <a:latin typeface="Cambria Math" panose="02040503050406030204" pitchFamily="18" charset="0"/>
+                          </a:rPr>
+                          <m:t>′</m:t>
+                        </m:r>
+                      </m:sup>
+                    </m:sSubSup>
+                  </m:oMath>
+                </a14:m>
+                <a:r>
+                  <a:rPr lang="en-PH" dirty="0"/>
+                  <a:t> is the state of student </a:t>
+                </a:r>
+                <a14:m>
+                  <m:oMath xmlns:m="http://schemas.openxmlformats.org/officeDocument/2006/math">
+                    <m:sSub>
+                      <m:sSubPr>
+                        <m:ctrlPr>
+                          <a:rPr lang="en-PH" b="0" i="1" smtClean="0">
+                            <a:latin typeface="Cambria Math" panose="02040503050406030204" pitchFamily="18" charset="0"/>
+                          </a:rPr>
+                        </m:ctrlPr>
+                      </m:sSubPr>
+                      <m:e>
+                        <m:r>
+                          <a:rPr lang="en-PH" b="0" i="1" smtClean="0">
+                            <a:latin typeface="Cambria Math" panose="02040503050406030204" pitchFamily="18" charset="0"/>
+                          </a:rPr>
+                          <m:t>𝑐</m:t>
+                        </m:r>
+                      </m:e>
+                      <m:sub>
+                        <m:r>
+                          <a:rPr lang="en-PH" b="0" i="1" smtClean="0">
+                            <a:latin typeface="Cambria Math" panose="02040503050406030204" pitchFamily="18" charset="0"/>
+                          </a:rPr>
+                          <m:t>𝑖</m:t>
+                        </m:r>
+                        <m:r>
+                          <a:rPr lang="en-PH" b="0" i="1" smtClean="0">
+                            <a:latin typeface="Cambria Math" panose="02040503050406030204" pitchFamily="18" charset="0"/>
+                          </a:rPr>
+                          <m:t>,</m:t>
+                        </m:r>
+                        <m:r>
+                          <a:rPr lang="en-PH" b="0" i="1" smtClean="0">
+                            <a:latin typeface="Cambria Math" panose="02040503050406030204" pitchFamily="18" charset="0"/>
+                          </a:rPr>
+                          <m:t>𝑗</m:t>
+                        </m:r>
+                      </m:sub>
+                    </m:sSub>
+                  </m:oMath>
+                </a14:m>
+                <a:r>
+                  <a:rPr lang="en-PH" dirty="0"/>
+                  <a:t> in the next time step</a:t>
+                </a:r>
+              </a:p>
+            </p:txBody>
+          </p:sp>
+        </mc:Choice>
+        <mc:Fallback>
+          <p:sp>
+            <p:nvSpPr>
+              <p:cNvPr id="13" name="Flowchart: Process 12">
+                <a:extLst>
+                  <a:ext uri="{FF2B5EF4-FFF2-40B4-BE49-F238E27FC236}">
+                    <a16:creationId xmlns:a16="http://schemas.microsoft.com/office/drawing/2014/main" id="{E606DC71-7D74-936D-C707-F89D87844391}"/>
+                  </a:ext>
+                </a:extLst>
+              </p:cNvPr>
+              <p:cNvSpPr>
+                <a:spLocks noRot="1" noChangeAspect="1" noMove="1" noResize="1" noEditPoints="1" noAdjustHandles="1" noChangeArrowheads="1" noChangeShapeType="1" noTextEdit="1"/>
+              </p:cNvSpPr>
+              <p:nvPr/>
+            </p:nvSpPr>
+            <p:spPr>
+              <a:xfrm>
+                <a:off x="1232038" y="3550961"/>
+                <a:ext cx="2379067" cy="1501407"/>
+              </a:xfrm>
+              <a:prstGeom prst="flowChartProcess">
+                <a:avLst/>
+              </a:prstGeom>
+              <a:blipFill>
+                <a:blip r:embed="rId8"/>
+                <a:stretch>
+                  <a:fillRect/>
+                </a:stretch>
+              </a:blipFill>
+            </p:spPr>
+            <p:txBody>
+              <a:bodyPr/>
+              <a:lstStyle/>
+              <a:p>
+                <a:r>
+                  <a:rPr lang="en-PH">
+                    <a:noFill/>
+                  </a:rPr>
+                  <a:t> </a:t>
+                </a:r>
+              </a:p>
+            </p:txBody>
+          </p:sp>
+        </mc:Fallback>
+      </mc:AlternateContent>
+      <p:sp>
+        <p:nvSpPr>
+          <p:cNvPr id="14" name="TextBox 13">
+            <a:extLst>
+              <a:ext uri="{FF2B5EF4-FFF2-40B4-BE49-F238E27FC236}">
+                <a16:creationId xmlns:a16="http://schemas.microsoft.com/office/drawing/2014/main" id="{975EE101-9C75-12B8-1339-8DE27673242A}"/>
+              </a:ext>
+            </a:extLst>
+          </p:cNvPr>
+          <p:cNvSpPr txBox="1"/>
+          <p:nvPr/>
+        </p:nvSpPr>
+        <p:spPr>
+          <a:xfrm>
+            <a:off x="7727894" y="1297864"/>
+            <a:ext cx="794437" cy="369332"/>
+          </a:xfrm>
+          <a:prstGeom prst="rect">
+            <a:avLst/>
+          </a:prstGeom>
+          <a:noFill/>
+        </p:spPr>
+        <p:txBody>
+          <a:bodyPr wrap="square" rtlCol="0">
+            <a:spAutoFit/>
+          </a:bodyPr>
+          <a:lstStyle/>
+          <a:p>
+            <a:r>
+              <a:rPr lang="en-PH" dirty="0"/>
+              <a:t>False</a:t>
+            </a:r>
+          </a:p>
+        </p:txBody>
+      </p:sp>
+      <p:cxnSp>
+        <p:nvCxnSpPr>
+          <p:cNvPr id="15" name="Straight Arrow Connector 14">
+            <a:extLst>
+              <a:ext uri="{FF2B5EF4-FFF2-40B4-BE49-F238E27FC236}">
+                <a16:creationId xmlns:a16="http://schemas.microsoft.com/office/drawing/2014/main" id="{5CECA156-415D-A5C3-8A4B-61B6E8AACCB7}"/>
+              </a:ext>
+            </a:extLst>
+          </p:cNvPr>
+          <p:cNvCxnSpPr>
+            <a:cxnSpLocks/>
+            <a:stCxn id="7" idx="2"/>
+            <a:endCxn id="9" idx="0"/>
+          </p:cNvCxnSpPr>
+          <p:nvPr/>
+        </p:nvCxnSpPr>
+        <p:spPr>
+          <a:xfrm>
+            <a:off x="10424562" y="2387208"/>
+            <a:ext cx="12074" cy="838033"/>
+          </a:xfrm>
+          <a:prstGeom prst="straightConnector1">
+            <a:avLst/>
+          </a:prstGeom>
+          <a:ln>
+            <a:tailEnd type="triangle"/>
+          </a:ln>
+        </p:spPr>
+        <p:style>
+          <a:lnRef idx="2">
+            <a:schemeClr val="dk1"/>
+          </a:lnRef>
+          <a:fillRef idx="0">
+            <a:schemeClr val="dk1"/>
+          </a:fillRef>
+          <a:effectRef idx="1">
+            <a:schemeClr val="dk1"/>
+          </a:effectRef>
+          <a:fontRef idx="minor">
+            <a:schemeClr val="tx1"/>
+          </a:fontRef>
+        </p:style>
+      </p:cxnSp>
+      <p:cxnSp>
+        <p:nvCxnSpPr>
+          <p:cNvPr id="16" name="Straight Arrow Connector 15">
+            <a:extLst>
+              <a:ext uri="{FF2B5EF4-FFF2-40B4-BE49-F238E27FC236}">
+                <a16:creationId xmlns:a16="http://schemas.microsoft.com/office/drawing/2014/main" id="{7E7F5A12-D96A-46A1-0F23-F3499D8BBDB2}"/>
+              </a:ext>
+            </a:extLst>
+          </p:cNvPr>
+          <p:cNvCxnSpPr>
+            <a:stCxn id="10" idx="2"/>
+            <a:endCxn id="12" idx="0"/>
+          </p:cNvCxnSpPr>
+          <p:nvPr/>
+        </p:nvCxnSpPr>
+        <p:spPr>
+          <a:xfrm>
+            <a:off x="6772079" y="2612699"/>
+            <a:ext cx="12074" cy="938262"/>
+          </a:xfrm>
+          <a:prstGeom prst="straightConnector1">
+            <a:avLst/>
+          </a:prstGeom>
+          <a:ln>
+            <a:tailEnd type="triangle"/>
+          </a:ln>
+        </p:spPr>
+        <p:style>
+          <a:lnRef idx="2">
+            <a:schemeClr val="dk1"/>
+          </a:lnRef>
+          <a:fillRef idx="0">
+            <a:schemeClr val="dk1"/>
+          </a:fillRef>
+          <a:effectRef idx="1">
+            <a:schemeClr val="dk1"/>
+          </a:effectRef>
+          <a:fontRef idx="minor">
+            <a:schemeClr val="tx1"/>
+          </a:fontRef>
+        </p:style>
+      </p:cxnSp>
+      <p:cxnSp>
+        <p:nvCxnSpPr>
+          <p:cNvPr id="17" name="Straight Arrow Connector 16">
+            <a:extLst>
+              <a:ext uri="{FF2B5EF4-FFF2-40B4-BE49-F238E27FC236}">
+                <a16:creationId xmlns:a16="http://schemas.microsoft.com/office/drawing/2014/main" id="{9ECA151C-3C0A-E0E5-E4DE-BCE52EBB87AB}"/>
+              </a:ext>
+            </a:extLst>
+          </p:cNvPr>
+          <p:cNvCxnSpPr>
+            <a:stCxn id="9" idx="1"/>
+            <a:endCxn id="12" idx="3"/>
+          </p:cNvCxnSpPr>
+          <p:nvPr/>
+        </p:nvCxnSpPr>
+        <p:spPr>
+          <a:xfrm flipH="1">
+            <a:off x="7973686" y="4301664"/>
+            <a:ext cx="1355398" cy="1"/>
+          </a:xfrm>
+          <a:prstGeom prst="straightConnector1">
+            <a:avLst/>
+          </a:prstGeom>
+          <a:ln>
+            <a:tailEnd type="triangle"/>
+          </a:ln>
+        </p:spPr>
+        <p:style>
+          <a:lnRef idx="2">
+            <a:schemeClr val="dk1"/>
+          </a:lnRef>
+          <a:fillRef idx="0">
+            <a:schemeClr val="dk1"/>
+          </a:fillRef>
+          <a:effectRef idx="1">
+            <a:schemeClr val="dk1"/>
+          </a:effectRef>
+          <a:fontRef idx="minor">
+            <a:schemeClr val="tx1"/>
+          </a:fontRef>
+        </p:style>
+      </p:cxnSp>
+      <p:sp>
+        <p:nvSpPr>
+          <p:cNvPr id="18" name="TextBox 17">
+            <a:extLst>
+              <a:ext uri="{FF2B5EF4-FFF2-40B4-BE49-F238E27FC236}">
+                <a16:creationId xmlns:a16="http://schemas.microsoft.com/office/drawing/2014/main" id="{CACD6515-C4FF-9602-388B-620CC48AB848}"/>
+              </a:ext>
+            </a:extLst>
+          </p:cNvPr>
+          <p:cNvSpPr txBox="1"/>
+          <p:nvPr/>
+        </p:nvSpPr>
+        <p:spPr>
+          <a:xfrm>
+            <a:off x="6784153" y="2734304"/>
+            <a:ext cx="632460" cy="369332"/>
+          </a:xfrm>
+          <a:prstGeom prst="rect">
+            <a:avLst/>
+          </a:prstGeom>
+          <a:noFill/>
+        </p:spPr>
+        <p:txBody>
+          <a:bodyPr wrap="square" rtlCol="0">
+            <a:spAutoFit/>
+          </a:bodyPr>
+          <a:lstStyle/>
+          <a:p>
+            <a:r>
+              <a:rPr lang="en-PH" dirty="0"/>
+              <a:t>True</a:t>
+            </a:r>
+          </a:p>
+        </p:txBody>
+      </p:sp>
+      <p:sp>
+        <p:nvSpPr>
+          <p:cNvPr id="19" name="TextBox 18">
+            <a:extLst>
+              <a:ext uri="{FF2B5EF4-FFF2-40B4-BE49-F238E27FC236}">
+                <a16:creationId xmlns:a16="http://schemas.microsoft.com/office/drawing/2014/main" id="{426BCD61-65D8-36FE-DFA4-CAC4EB3C78FA}"/>
+              </a:ext>
+            </a:extLst>
+          </p:cNvPr>
+          <p:cNvSpPr txBox="1"/>
+          <p:nvPr/>
+        </p:nvSpPr>
+        <p:spPr>
+          <a:xfrm>
+            <a:off x="8562275" y="3918581"/>
+            <a:ext cx="632460" cy="369332"/>
+          </a:xfrm>
+          <a:prstGeom prst="rect">
+            <a:avLst/>
+          </a:prstGeom>
+          <a:noFill/>
+        </p:spPr>
+        <p:txBody>
+          <a:bodyPr wrap="square" rtlCol="0">
+            <a:spAutoFit/>
+          </a:bodyPr>
+          <a:lstStyle/>
+          <a:p>
+            <a:r>
+              <a:rPr lang="en-PH" dirty="0"/>
+              <a:t>True</a:t>
+            </a:r>
+          </a:p>
+        </p:txBody>
+      </p:sp>
+      <p:cxnSp>
+        <p:nvCxnSpPr>
+          <p:cNvPr id="20" name="Connector: Elbow 19">
+            <a:extLst>
+              <a:ext uri="{FF2B5EF4-FFF2-40B4-BE49-F238E27FC236}">
+                <a16:creationId xmlns:a16="http://schemas.microsoft.com/office/drawing/2014/main" id="{EB7F4C2E-40B3-2D6A-CEA7-8967EDAABBB4}"/>
+              </a:ext>
+            </a:extLst>
+          </p:cNvPr>
+          <p:cNvCxnSpPr>
+            <a:stCxn id="9" idx="2"/>
+            <a:endCxn id="13" idx="2"/>
+          </p:cNvCxnSpPr>
+          <p:nvPr/>
+        </p:nvCxnSpPr>
+        <p:spPr>
+          <a:xfrm rot="5400000" flipH="1">
+            <a:off x="6266244" y="1207696"/>
+            <a:ext cx="325719" cy="8015064"/>
+          </a:xfrm>
+          <a:prstGeom prst="bentConnector3">
+            <a:avLst>
+              <a:gd name="adj1" fmla="val -70183"/>
+            </a:avLst>
+          </a:prstGeom>
+          <a:ln>
+            <a:tailEnd type="triangle"/>
+          </a:ln>
+        </p:spPr>
+        <p:style>
+          <a:lnRef idx="2">
+            <a:schemeClr val="dk1"/>
+          </a:lnRef>
+          <a:fillRef idx="0">
+            <a:schemeClr val="dk1"/>
+          </a:fillRef>
+          <a:effectRef idx="1">
+            <a:schemeClr val="dk1"/>
+          </a:effectRef>
+          <a:fontRef idx="minor">
+            <a:schemeClr val="tx1"/>
+          </a:fontRef>
+        </p:style>
+      </p:cxnSp>
+      <p:cxnSp>
+        <p:nvCxnSpPr>
+          <p:cNvPr id="21" name="Connector: Elbow 20">
+            <a:extLst>
+              <a:ext uri="{FF2B5EF4-FFF2-40B4-BE49-F238E27FC236}">
+                <a16:creationId xmlns:a16="http://schemas.microsoft.com/office/drawing/2014/main" id="{4920E5E4-27F9-2FA8-0A97-7B355D0E9491}"/>
+              </a:ext>
+            </a:extLst>
+          </p:cNvPr>
+          <p:cNvCxnSpPr>
+            <a:stCxn id="13" idx="3"/>
+            <a:endCxn id="4" idx="2"/>
+          </p:cNvCxnSpPr>
+          <p:nvPr/>
+        </p:nvCxnSpPr>
+        <p:spPr>
+          <a:xfrm flipV="1">
+            <a:off x="3611105" y="2387207"/>
+            <a:ext cx="446969" cy="1914458"/>
+          </a:xfrm>
+          <a:prstGeom prst="bentConnector2">
+            <a:avLst/>
+          </a:prstGeom>
+          <a:ln>
+            <a:tailEnd type="triangle"/>
+          </a:ln>
+        </p:spPr>
+        <p:style>
+          <a:lnRef idx="2">
+            <a:schemeClr val="dk1"/>
+          </a:lnRef>
+          <a:fillRef idx="0">
+            <a:schemeClr val="dk1"/>
+          </a:fillRef>
+          <a:effectRef idx="1">
+            <a:schemeClr val="dk1"/>
+          </a:effectRef>
+          <a:fontRef idx="minor">
+            <a:schemeClr val="tx1"/>
+          </a:fontRef>
+        </p:style>
+      </p:cxnSp>
+      <p:cxnSp>
+        <p:nvCxnSpPr>
+          <p:cNvPr id="22" name="Connector: Elbow 21">
+            <a:extLst>
+              <a:ext uri="{FF2B5EF4-FFF2-40B4-BE49-F238E27FC236}">
+                <a16:creationId xmlns:a16="http://schemas.microsoft.com/office/drawing/2014/main" id="{8BBFEDD9-E832-6040-DA7B-7BB80EC2400B}"/>
+              </a:ext>
+            </a:extLst>
+          </p:cNvPr>
+          <p:cNvCxnSpPr>
+            <a:stCxn id="12" idx="1"/>
+            <a:endCxn id="4" idx="2"/>
+          </p:cNvCxnSpPr>
+          <p:nvPr/>
+        </p:nvCxnSpPr>
+        <p:spPr>
+          <a:xfrm rot="10800000">
+            <a:off x="4058075" y="2387207"/>
+            <a:ext cx="1536545" cy="1914458"/>
+          </a:xfrm>
+          <a:prstGeom prst="bentConnector2">
+            <a:avLst/>
+          </a:prstGeom>
+          <a:ln>
+            <a:tailEnd type="triangle"/>
+          </a:ln>
+        </p:spPr>
+        <p:style>
+          <a:lnRef idx="2">
+            <a:schemeClr val="dk1"/>
+          </a:lnRef>
+          <a:fillRef idx="0">
+            <a:schemeClr val="dk1"/>
+          </a:fillRef>
+          <a:effectRef idx="1">
+            <a:schemeClr val="dk1"/>
+          </a:effectRef>
+          <a:fontRef idx="minor">
+            <a:schemeClr val="tx1"/>
+          </a:fontRef>
+        </p:style>
+      </p:cxnSp>
+      <p:sp>
+        <p:nvSpPr>
+          <p:cNvPr id="23" name="TextBox 22">
+            <a:extLst>
+              <a:ext uri="{FF2B5EF4-FFF2-40B4-BE49-F238E27FC236}">
+                <a16:creationId xmlns:a16="http://schemas.microsoft.com/office/drawing/2014/main" id="{FE1B7AC5-EAE6-34D0-3EC2-6CC771628140}"/>
+              </a:ext>
+            </a:extLst>
+          </p:cNvPr>
+          <p:cNvSpPr txBox="1"/>
+          <p:nvPr/>
+        </p:nvSpPr>
+        <p:spPr>
+          <a:xfrm>
+            <a:off x="8534405" y="5216695"/>
+            <a:ext cx="794437" cy="369332"/>
+          </a:xfrm>
+          <a:prstGeom prst="rect">
+            <a:avLst/>
+          </a:prstGeom>
+          <a:noFill/>
+        </p:spPr>
+        <p:txBody>
+          <a:bodyPr wrap="square" rtlCol="0">
+            <a:spAutoFit/>
+          </a:bodyPr>
+          <a:lstStyle/>
+          <a:p>
+            <a:r>
+              <a:rPr lang="en-PH" dirty="0"/>
+              <a:t>False</a:t>
+            </a:r>
+          </a:p>
+        </p:txBody>
+      </p:sp>
+    </p:spTree>
+    <p:extLst>
+      <p:ext uri="{BB962C8B-B14F-4D97-AF65-F5344CB8AC3E}">
+        <p14:creationId xmlns:p14="http://schemas.microsoft.com/office/powerpoint/2010/main" val="3168013614"/>
       </p:ext>
     </p:extLst>
   </p:cSld>

--- a/documents/Figures editing.pptx
+++ b/documents/Figures editing.pptx
@@ -266,7 +266,7 @@
           <a:p>
             <a:fld id="{F6E9F5A1-C99C-41F9-B991-61D99245B2FF}" type="datetimeFigureOut">
               <a:rPr lang="en-PH" smtClean="0"/>
-              <a:t>05/20/2024</a:t>
+              <a:t>05/22/2024</a:t>
             </a:fld>
             <a:endParaRPr lang="en-PH"/>
           </a:p>
@@ -466,7 +466,7 @@
           <a:p>
             <a:fld id="{F6E9F5A1-C99C-41F9-B991-61D99245B2FF}" type="datetimeFigureOut">
               <a:rPr lang="en-PH" smtClean="0"/>
-              <a:t>05/20/2024</a:t>
+              <a:t>05/22/2024</a:t>
             </a:fld>
             <a:endParaRPr lang="en-PH"/>
           </a:p>
@@ -676,7 +676,7 @@
           <a:p>
             <a:fld id="{F6E9F5A1-C99C-41F9-B991-61D99245B2FF}" type="datetimeFigureOut">
               <a:rPr lang="en-PH" smtClean="0"/>
-              <a:t>05/20/2024</a:t>
+              <a:t>05/22/2024</a:t>
             </a:fld>
             <a:endParaRPr lang="en-PH"/>
           </a:p>
@@ -876,7 +876,7 @@
           <a:p>
             <a:fld id="{F6E9F5A1-C99C-41F9-B991-61D99245B2FF}" type="datetimeFigureOut">
               <a:rPr lang="en-PH" smtClean="0"/>
-              <a:t>05/20/2024</a:t>
+              <a:t>05/22/2024</a:t>
             </a:fld>
             <a:endParaRPr lang="en-PH"/>
           </a:p>
@@ -1152,7 +1152,7 @@
           <a:p>
             <a:fld id="{F6E9F5A1-C99C-41F9-B991-61D99245B2FF}" type="datetimeFigureOut">
               <a:rPr lang="en-PH" smtClean="0"/>
-              <a:t>05/20/2024</a:t>
+              <a:t>05/22/2024</a:t>
             </a:fld>
             <a:endParaRPr lang="en-PH"/>
           </a:p>
@@ -1420,7 +1420,7 @@
           <a:p>
             <a:fld id="{F6E9F5A1-C99C-41F9-B991-61D99245B2FF}" type="datetimeFigureOut">
               <a:rPr lang="en-PH" smtClean="0"/>
-              <a:t>05/20/2024</a:t>
+              <a:t>05/22/2024</a:t>
             </a:fld>
             <a:endParaRPr lang="en-PH"/>
           </a:p>
@@ -1835,7 +1835,7 @@
           <a:p>
             <a:fld id="{F6E9F5A1-C99C-41F9-B991-61D99245B2FF}" type="datetimeFigureOut">
               <a:rPr lang="en-PH" smtClean="0"/>
-              <a:t>05/20/2024</a:t>
+              <a:t>05/22/2024</a:t>
             </a:fld>
             <a:endParaRPr lang="en-PH"/>
           </a:p>
@@ -1977,7 +1977,7 @@
           <a:p>
             <a:fld id="{F6E9F5A1-C99C-41F9-B991-61D99245B2FF}" type="datetimeFigureOut">
               <a:rPr lang="en-PH" smtClean="0"/>
-              <a:t>05/20/2024</a:t>
+              <a:t>05/22/2024</a:t>
             </a:fld>
             <a:endParaRPr lang="en-PH"/>
           </a:p>
@@ -2090,7 +2090,7 @@
           <a:p>
             <a:fld id="{F6E9F5A1-C99C-41F9-B991-61D99245B2FF}" type="datetimeFigureOut">
               <a:rPr lang="en-PH" smtClean="0"/>
-              <a:t>05/20/2024</a:t>
+              <a:t>05/22/2024</a:t>
             </a:fld>
             <a:endParaRPr lang="en-PH"/>
           </a:p>
@@ -2403,7 +2403,7 @@
           <a:p>
             <a:fld id="{F6E9F5A1-C99C-41F9-B991-61D99245B2FF}" type="datetimeFigureOut">
               <a:rPr lang="en-PH" smtClean="0"/>
-              <a:t>05/20/2024</a:t>
+              <a:t>05/22/2024</a:t>
             </a:fld>
             <a:endParaRPr lang="en-PH"/>
           </a:p>
@@ -2692,7 +2692,7 @@
           <a:p>
             <a:fld id="{F6E9F5A1-C99C-41F9-B991-61D99245B2FF}" type="datetimeFigureOut">
               <a:rPr lang="en-PH" smtClean="0"/>
-              <a:t>05/20/2024</a:t>
+              <a:t>05/22/2024</a:t>
             </a:fld>
             <a:endParaRPr lang="en-PH"/>
           </a:p>
@@ -2935,7 +2935,7 @@
           <a:p>
             <a:fld id="{F6E9F5A1-C99C-41F9-B991-61D99245B2FF}" type="datetimeFigureOut">
               <a:rPr lang="en-PH" smtClean="0"/>
-              <a:t>05/20/2024</a:t>
+              <a:t>05/22/2024</a:t>
             </a:fld>
             <a:endParaRPr lang="en-PH"/>
           </a:p>
@@ -4485,8 +4485,8 @@
               <a:chExt cx="1758883" cy="1323439"/>
             </a:xfrm>
           </p:grpSpPr>
-          <mc:AlternateContent xmlns:mc="http://schemas.openxmlformats.org/markup-compatibility/2006">
-            <mc:Choice xmlns:a14="http://schemas.microsoft.com/office/drawing/2010/main" Requires="a14">
+          <mc:AlternateContent xmlns:mc="http://schemas.openxmlformats.org/markup-compatibility/2006" xmlns:a14="http://schemas.microsoft.com/office/drawing/2010/main">
+            <mc:Choice Requires="a14">
               <p:sp>
                 <p:nvSpPr>
                   <p:cNvPr id="15" name="TextBox 14">
@@ -4607,7 +4607,7 @@
                 </p:txBody>
               </p:sp>
             </mc:Choice>
-            <mc:Fallback>
+            <mc:Fallback xmlns="">
               <p:sp>
                 <p:nvSpPr>
                   <p:cNvPr id="15" name="TextBox 14">
@@ -6306,6 +6306,498 @@
           </a:p>
         </p:txBody>
       </p:sp>
+      <mc:AlternateContent xmlns:mc="http://schemas.openxmlformats.org/markup-compatibility/2006">
+        <mc:Choice xmlns:a14="http://schemas.microsoft.com/office/drawing/2010/main" Requires="a14">
+          <p:sp>
+            <p:nvSpPr>
+              <p:cNvPr id="18" name="TextBox 17">
+                <a:extLst>
+                  <a:ext uri="{FF2B5EF4-FFF2-40B4-BE49-F238E27FC236}">
+                    <a16:creationId xmlns:a16="http://schemas.microsoft.com/office/drawing/2014/main" id="{1CA6CE1E-1D23-5015-60CD-663DE051A7E6}"/>
+                  </a:ext>
+                </a:extLst>
+              </p:cNvPr>
+              <p:cNvSpPr txBox="1"/>
+              <p:nvPr/>
+            </p:nvSpPr>
+            <p:spPr>
+              <a:xfrm>
+                <a:off x="5544201" y="2397291"/>
+                <a:ext cx="1265218" cy="581826"/>
+              </a:xfrm>
+              <a:prstGeom prst="rect">
+                <a:avLst/>
+              </a:prstGeom>
+              <a:noFill/>
+            </p:spPr>
+            <p:txBody>
+              <a:bodyPr wrap="none" lIns="0" tIns="0" rIns="0" bIns="0" rtlCol="0">
+                <a:spAutoFit/>
+              </a:bodyPr>
+              <a:lstStyle/>
+              <a:p>
+                <a14:m>
+                  <m:oMathPara xmlns:m="http://schemas.openxmlformats.org/officeDocument/2006/math">
+                    <m:oMathParaPr>
+                      <m:jc m:val="centerGroup"/>
+                    </m:oMathParaPr>
+                    <m:oMath xmlns:m="http://schemas.openxmlformats.org/officeDocument/2006/math">
+                      <m:sSub>
+                        <m:sSubPr>
+                          <m:ctrlPr>
+                            <a:rPr lang="en-PH" b="0" i="1" smtClean="0">
+                              <a:latin typeface="Cambria Math" panose="02040503050406030204" pitchFamily="18" charset="0"/>
+                            </a:rPr>
+                          </m:ctrlPr>
+                        </m:sSubPr>
+                        <m:e>
+                          <m:r>
+                            <a:rPr lang="en-PH" b="0" i="1" smtClean="0">
+                              <a:latin typeface="Cambria Math" panose="02040503050406030204" pitchFamily="18" charset="0"/>
+                            </a:rPr>
+                            <m:t>𝑑</m:t>
+                          </m:r>
+                        </m:e>
+                        <m:sub>
+                          <m:r>
+                            <a:rPr lang="en-PH" b="0" i="1" smtClean="0">
+                              <a:latin typeface="Cambria Math" panose="02040503050406030204" pitchFamily="18" charset="0"/>
+                            </a:rPr>
+                            <m:t>𝑚𝑎𝑥</m:t>
+                          </m:r>
+                        </m:sub>
+                      </m:sSub>
+                      <m:r>
+                        <a:rPr lang="en-PH" b="0" i="1" smtClean="0">
+                          <a:latin typeface="Cambria Math" panose="02040503050406030204" pitchFamily="18" charset="0"/>
+                        </a:rPr>
+                        <m:t>=</m:t>
+                      </m:r>
+                      <m:f>
+                        <m:fPr>
+                          <m:ctrlPr>
+                            <a:rPr lang="en-PH" b="0" i="1" smtClean="0">
+                              <a:latin typeface="Cambria Math" panose="02040503050406030204" pitchFamily="18" charset="0"/>
+                            </a:rPr>
+                          </m:ctrlPr>
+                        </m:fPr>
+                        <m:num>
+                          <m:r>
+                            <a:rPr lang="en-PH" b="0" i="1" smtClean="0">
+                              <a:latin typeface="Cambria Math" panose="02040503050406030204" pitchFamily="18" charset="0"/>
+                            </a:rPr>
+                            <m:t>𝐿</m:t>
+                          </m:r>
+                          <m:rad>
+                            <m:radPr>
+                              <m:degHide m:val="on"/>
+                              <m:ctrlPr>
+                                <a:rPr lang="en-PH" b="0" i="1" smtClean="0">
+                                  <a:latin typeface="Cambria Math" panose="02040503050406030204" pitchFamily="18" charset="0"/>
+                                </a:rPr>
+                              </m:ctrlPr>
+                            </m:radPr>
+                            <m:deg/>
+                            <m:e>
+                              <m:r>
+                                <a:rPr lang="en-PH" b="0" i="1" smtClean="0">
+                                  <a:latin typeface="Cambria Math" panose="02040503050406030204" pitchFamily="18" charset="0"/>
+                                </a:rPr>
+                                <m:t>2</m:t>
+                              </m:r>
+                            </m:e>
+                          </m:rad>
+                        </m:num>
+                        <m:den>
+                          <m:r>
+                            <a:rPr lang="en-PH" b="0" i="1" smtClean="0">
+                              <a:latin typeface="Cambria Math" panose="02040503050406030204" pitchFamily="18" charset="0"/>
+                            </a:rPr>
+                            <m:t>2</m:t>
+                          </m:r>
+                        </m:den>
+                      </m:f>
+                    </m:oMath>
+                  </m:oMathPara>
+                </a14:m>
+                <a:endParaRPr lang="en-PH" dirty="0"/>
+              </a:p>
+            </p:txBody>
+          </p:sp>
+        </mc:Choice>
+        <mc:Fallback>
+          <p:sp>
+            <p:nvSpPr>
+              <p:cNvPr id="18" name="TextBox 17">
+                <a:extLst>
+                  <a:ext uri="{FF2B5EF4-FFF2-40B4-BE49-F238E27FC236}">
+                    <a16:creationId xmlns:a16="http://schemas.microsoft.com/office/drawing/2014/main" id="{1CA6CE1E-1D23-5015-60CD-663DE051A7E6}"/>
+                  </a:ext>
+                </a:extLst>
+              </p:cNvPr>
+              <p:cNvSpPr txBox="1">
+                <a:spLocks noRot="1" noChangeAspect="1" noMove="1" noResize="1" noEditPoints="1" noAdjustHandles="1" noChangeArrowheads="1" noChangeShapeType="1" noTextEdit="1"/>
+              </p:cNvSpPr>
+              <p:nvPr/>
+            </p:nvSpPr>
+            <p:spPr>
+              <a:xfrm>
+                <a:off x="5544201" y="2397291"/>
+                <a:ext cx="1265218" cy="581826"/>
+              </a:xfrm>
+              <a:prstGeom prst="rect">
+                <a:avLst/>
+              </a:prstGeom>
+              <a:blipFill>
+                <a:blip r:embed="rId2"/>
+                <a:stretch>
+                  <a:fillRect/>
+                </a:stretch>
+              </a:blipFill>
+            </p:spPr>
+            <p:txBody>
+              <a:bodyPr/>
+              <a:lstStyle/>
+              <a:p>
+                <a:r>
+                  <a:rPr lang="en-PH">
+                    <a:noFill/>
+                  </a:rPr>
+                  <a:t> </a:t>
+                </a:r>
+              </a:p>
+            </p:txBody>
+          </p:sp>
+        </mc:Fallback>
+      </mc:AlternateContent>
+      <mc:AlternateContent xmlns:mc="http://schemas.openxmlformats.org/markup-compatibility/2006">
+        <mc:Choice xmlns:a14="http://schemas.microsoft.com/office/drawing/2010/main" Requires="a14">
+          <p:sp>
+            <p:nvSpPr>
+              <p:cNvPr id="24" name="TextBox 23">
+                <a:extLst>
+                  <a:ext uri="{FF2B5EF4-FFF2-40B4-BE49-F238E27FC236}">
+                    <a16:creationId xmlns:a16="http://schemas.microsoft.com/office/drawing/2014/main" id="{80F12B26-BAF7-FA36-88A9-38D041463695}"/>
+                  </a:ext>
+                </a:extLst>
+              </p:cNvPr>
+              <p:cNvSpPr txBox="1"/>
+              <p:nvPr/>
+            </p:nvSpPr>
+            <p:spPr>
+              <a:xfrm>
+                <a:off x="9345279" y="2397291"/>
+                <a:ext cx="1265218" cy="581826"/>
+              </a:xfrm>
+              <a:prstGeom prst="rect">
+                <a:avLst/>
+              </a:prstGeom>
+              <a:noFill/>
+            </p:spPr>
+            <p:txBody>
+              <a:bodyPr wrap="none" lIns="0" tIns="0" rIns="0" bIns="0" rtlCol="0">
+                <a:spAutoFit/>
+              </a:bodyPr>
+              <a:lstStyle/>
+              <a:p>
+                <a14:m>
+                  <m:oMathPara xmlns:m="http://schemas.openxmlformats.org/officeDocument/2006/math">
+                    <m:oMathParaPr>
+                      <m:jc m:val="centerGroup"/>
+                    </m:oMathParaPr>
+                    <m:oMath xmlns:m="http://schemas.openxmlformats.org/officeDocument/2006/math">
+                      <m:sSub>
+                        <m:sSubPr>
+                          <m:ctrlPr>
+                            <a:rPr lang="en-PH" b="0" i="1" smtClean="0">
+                              <a:latin typeface="Cambria Math" panose="02040503050406030204" pitchFamily="18" charset="0"/>
+                            </a:rPr>
+                          </m:ctrlPr>
+                        </m:sSubPr>
+                        <m:e>
+                          <m:r>
+                            <a:rPr lang="en-PH" b="0" i="1" smtClean="0">
+                              <a:latin typeface="Cambria Math" panose="02040503050406030204" pitchFamily="18" charset="0"/>
+                            </a:rPr>
+                            <m:t>𝑑</m:t>
+                          </m:r>
+                        </m:e>
+                        <m:sub>
+                          <m:r>
+                            <a:rPr lang="en-PH" b="0" i="1" smtClean="0">
+                              <a:latin typeface="Cambria Math" panose="02040503050406030204" pitchFamily="18" charset="0"/>
+                            </a:rPr>
+                            <m:t>𝑚𝑎𝑥</m:t>
+                          </m:r>
+                        </m:sub>
+                      </m:sSub>
+                      <m:r>
+                        <a:rPr lang="en-PH" b="0" i="1" smtClean="0">
+                          <a:latin typeface="Cambria Math" panose="02040503050406030204" pitchFamily="18" charset="0"/>
+                        </a:rPr>
+                        <m:t>=</m:t>
+                      </m:r>
+                      <m:f>
+                        <m:fPr>
+                          <m:ctrlPr>
+                            <a:rPr lang="en-PH" b="0" i="1" smtClean="0">
+                              <a:latin typeface="Cambria Math" panose="02040503050406030204" pitchFamily="18" charset="0"/>
+                            </a:rPr>
+                          </m:ctrlPr>
+                        </m:fPr>
+                        <m:num>
+                          <m:r>
+                            <a:rPr lang="en-PH" b="0" i="1" smtClean="0">
+                              <a:latin typeface="Cambria Math" panose="02040503050406030204" pitchFamily="18" charset="0"/>
+                            </a:rPr>
+                            <m:t>𝐿</m:t>
+                          </m:r>
+                          <m:rad>
+                            <m:radPr>
+                              <m:degHide m:val="on"/>
+                              <m:ctrlPr>
+                                <a:rPr lang="en-PH" b="0" i="1" smtClean="0">
+                                  <a:latin typeface="Cambria Math" panose="02040503050406030204" pitchFamily="18" charset="0"/>
+                                </a:rPr>
+                              </m:ctrlPr>
+                            </m:radPr>
+                            <m:deg/>
+                            <m:e>
+                              <m:r>
+                                <a:rPr lang="en-PH" b="0" i="1" smtClean="0">
+                                  <a:latin typeface="Cambria Math" panose="02040503050406030204" pitchFamily="18" charset="0"/>
+                                </a:rPr>
+                                <m:t>2</m:t>
+                              </m:r>
+                            </m:e>
+                          </m:rad>
+                        </m:num>
+                        <m:den>
+                          <m:r>
+                            <a:rPr lang="en-PH" b="0" i="1" smtClean="0">
+                              <a:latin typeface="Cambria Math" panose="02040503050406030204" pitchFamily="18" charset="0"/>
+                            </a:rPr>
+                            <m:t>2</m:t>
+                          </m:r>
+                        </m:den>
+                      </m:f>
+                    </m:oMath>
+                  </m:oMathPara>
+                </a14:m>
+                <a:endParaRPr lang="en-PH" dirty="0"/>
+              </a:p>
+            </p:txBody>
+          </p:sp>
+        </mc:Choice>
+        <mc:Fallback>
+          <p:sp>
+            <p:nvSpPr>
+              <p:cNvPr id="24" name="TextBox 23">
+                <a:extLst>
+                  <a:ext uri="{FF2B5EF4-FFF2-40B4-BE49-F238E27FC236}">
+                    <a16:creationId xmlns:a16="http://schemas.microsoft.com/office/drawing/2014/main" id="{80F12B26-BAF7-FA36-88A9-38D041463695}"/>
+                  </a:ext>
+                </a:extLst>
+              </p:cNvPr>
+              <p:cNvSpPr txBox="1">
+                <a:spLocks noRot="1" noChangeAspect="1" noMove="1" noResize="1" noEditPoints="1" noAdjustHandles="1" noChangeArrowheads="1" noChangeShapeType="1" noTextEdit="1"/>
+              </p:cNvSpPr>
+              <p:nvPr/>
+            </p:nvSpPr>
+            <p:spPr>
+              <a:xfrm>
+                <a:off x="9345279" y="2397291"/>
+                <a:ext cx="1265218" cy="581826"/>
+              </a:xfrm>
+              <a:prstGeom prst="rect">
+                <a:avLst/>
+              </a:prstGeom>
+              <a:blipFill>
+                <a:blip r:embed="rId3"/>
+                <a:stretch>
+                  <a:fillRect/>
+                </a:stretch>
+              </a:blipFill>
+            </p:spPr>
+            <p:txBody>
+              <a:bodyPr/>
+              <a:lstStyle/>
+              <a:p>
+                <a:r>
+                  <a:rPr lang="en-PH">
+                    <a:noFill/>
+                  </a:rPr>
+                  <a:t> </a:t>
+                </a:r>
+              </a:p>
+            </p:txBody>
+          </p:sp>
+        </mc:Fallback>
+      </mc:AlternateContent>
+      <mc:AlternateContent xmlns:mc="http://schemas.openxmlformats.org/markup-compatibility/2006">
+        <mc:Choice xmlns:a14="http://schemas.microsoft.com/office/drawing/2010/main" Requires="a14">
+          <p:sp>
+            <p:nvSpPr>
+              <p:cNvPr id="36" name="TextBox 35">
+                <a:extLst>
+                  <a:ext uri="{FF2B5EF4-FFF2-40B4-BE49-F238E27FC236}">
+                    <a16:creationId xmlns:a16="http://schemas.microsoft.com/office/drawing/2014/main" id="{E1145CDE-3A4D-791A-549A-EEA152603431}"/>
+                  </a:ext>
+                </a:extLst>
+              </p:cNvPr>
+              <p:cNvSpPr txBox="1"/>
+              <p:nvPr/>
+            </p:nvSpPr>
+            <p:spPr>
+              <a:xfrm>
+                <a:off x="1743124" y="2397291"/>
+                <a:ext cx="1265218" cy="581826"/>
+              </a:xfrm>
+              <a:prstGeom prst="rect">
+                <a:avLst/>
+              </a:prstGeom>
+              <a:noFill/>
+            </p:spPr>
+            <p:txBody>
+              <a:bodyPr wrap="none" lIns="0" tIns="0" rIns="0" bIns="0" rtlCol="0">
+                <a:spAutoFit/>
+              </a:bodyPr>
+              <a:lstStyle/>
+              <a:p>
+                <a14:m>
+                  <m:oMathPara xmlns:m="http://schemas.openxmlformats.org/officeDocument/2006/math">
+                    <m:oMathParaPr>
+                      <m:jc m:val="centerGroup"/>
+                    </m:oMathParaPr>
+                    <m:oMath xmlns:m="http://schemas.openxmlformats.org/officeDocument/2006/math">
+                      <m:sSub>
+                        <m:sSubPr>
+                          <m:ctrlPr>
+                            <a:rPr lang="en-PH" b="0" i="1" smtClean="0">
+                              <a:latin typeface="Cambria Math" panose="02040503050406030204" pitchFamily="18" charset="0"/>
+                            </a:rPr>
+                          </m:ctrlPr>
+                        </m:sSubPr>
+                        <m:e>
+                          <m:r>
+                            <a:rPr lang="en-PH" b="0" i="1" smtClean="0">
+                              <a:latin typeface="Cambria Math" panose="02040503050406030204" pitchFamily="18" charset="0"/>
+                            </a:rPr>
+                            <m:t>𝑑</m:t>
+                          </m:r>
+                        </m:e>
+                        <m:sub>
+                          <m:r>
+                            <a:rPr lang="en-PH" b="0" i="1" smtClean="0">
+                              <a:latin typeface="Cambria Math" panose="02040503050406030204" pitchFamily="18" charset="0"/>
+                            </a:rPr>
+                            <m:t>𝑚𝑎𝑥</m:t>
+                          </m:r>
+                        </m:sub>
+                      </m:sSub>
+                      <m:r>
+                        <a:rPr lang="en-PH" b="0" i="1" smtClean="0">
+                          <a:latin typeface="Cambria Math" panose="02040503050406030204" pitchFamily="18" charset="0"/>
+                        </a:rPr>
+                        <m:t>=</m:t>
+                      </m:r>
+                      <m:f>
+                        <m:fPr>
+                          <m:ctrlPr>
+                            <a:rPr lang="en-PH" b="0" i="1" smtClean="0">
+                              <a:latin typeface="Cambria Math" panose="02040503050406030204" pitchFamily="18" charset="0"/>
+                            </a:rPr>
+                          </m:ctrlPr>
+                        </m:fPr>
+                        <m:num>
+                          <m:r>
+                            <a:rPr lang="en-PH" b="0" i="1" smtClean="0">
+                              <a:latin typeface="Cambria Math" panose="02040503050406030204" pitchFamily="18" charset="0"/>
+                            </a:rPr>
+                            <m:t>𝐿</m:t>
+                          </m:r>
+                          <m:rad>
+                            <m:radPr>
+                              <m:degHide m:val="on"/>
+                              <m:ctrlPr>
+                                <a:rPr lang="en-PH" b="0" i="1" smtClean="0">
+                                  <a:latin typeface="Cambria Math" panose="02040503050406030204" pitchFamily="18" charset="0"/>
+                                </a:rPr>
+                              </m:ctrlPr>
+                            </m:radPr>
+                            <m:deg/>
+                            <m:e>
+                              <m:r>
+                                <a:rPr lang="en-PH" b="0" i="1" smtClean="0">
+                                  <a:latin typeface="Cambria Math" panose="02040503050406030204" pitchFamily="18" charset="0"/>
+                                </a:rPr>
+                                <m:t>2</m:t>
+                              </m:r>
+                            </m:e>
+                          </m:rad>
+                        </m:num>
+                        <m:den>
+                          <m:r>
+                            <a:rPr lang="en-PH" b="0" i="1" smtClean="0">
+                              <a:latin typeface="Cambria Math" panose="02040503050406030204" pitchFamily="18" charset="0"/>
+                            </a:rPr>
+                            <m:t>4</m:t>
+                          </m:r>
+                        </m:den>
+                      </m:f>
+                    </m:oMath>
+                  </m:oMathPara>
+                </a14:m>
+                <a:endParaRPr lang="en-PH" dirty="0"/>
+              </a:p>
+            </p:txBody>
+          </p:sp>
+        </mc:Choice>
+        <mc:Fallback>
+          <p:sp>
+            <p:nvSpPr>
+              <p:cNvPr id="36" name="TextBox 35">
+                <a:extLst>
+                  <a:ext uri="{FF2B5EF4-FFF2-40B4-BE49-F238E27FC236}">
+                    <a16:creationId xmlns:a16="http://schemas.microsoft.com/office/drawing/2014/main" id="{E1145CDE-3A4D-791A-549A-EEA152603431}"/>
+                  </a:ext>
+                </a:extLst>
+              </p:cNvPr>
+              <p:cNvSpPr txBox="1">
+                <a:spLocks noRot="1" noChangeAspect="1" noMove="1" noResize="1" noEditPoints="1" noAdjustHandles="1" noChangeArrowheads="1" noChangeShapeType="1" noTextEdit="1"/>
+              </p:cNvSpPr>
+              <p:nvPr/>
+            </p:nvSpPr>
+            <p:spPr>
+              <a:xfrm>
+                <a:off x="1743124" y="2397291"/>
+                <a:ext cx="1265218" cy="581826"/>
+              </a:xfrm>
+              <a:prstGeom prst="rect">
+                <a:avLst/>
+              </a:prstGeom>
+              <a:blipFill>
+                <a:blip r:embed="rId4"/>
+                <a:stretch>
+                  <a:fillRect/>
+                </a:stretch>
+              </a:blipFill>
+            </p:spPr>
+            <p:txBody>
+              <a:bodyPr/>
+              <a:lstStyle/>
+              <a:p>
+                <a:r>
+                  <a:rPr lang="en-PH">
+                    <a:noFill/>
+                  </a:rPr>
+                  <a:t> </a:t>
+                </a:r>
+              </a:p>
+            </p:txBody>
+          </p:sp>
+        </mc:Fallback>
+      </mc:AlternateContent>
     </p:spTree>
     <p:extLst>
       <p:ext uri="{BB962C8B-B14F-4D97-AF65-F5344CB8AC3E}">
@@ -9758,8 +10250,8 @@
           <a:chExt cx="0" cy="0"/>
         </a:xfrm>
       </p:grpSpPr>
-      <mc:AlternateContent xmlns:mc="http://schemas.openxmlformats.org/markup-compatibility/2006">
-        <mc:Choice xmlns:a14="http://schemas.microsoft.com/office/drawing/2010/main" Requires="a14">
+      <mc:AlternateContent xmlns:mc="http://schemas.openxmlformats.org/markup-compatibility/2006" xmlns:a14="http://schemas.microsoft.com/office/drawing/2010/main">
+        <mc:Choice Requires="a14">
           <p:sp>
             <p:nvSpPr>
               <p:cNvPr id="2" name="Flowchart: Process 1">
@@ -9835,13 +10327,7 @@
                       <a:rPr lang="en-PH" b="0" i="1" smtClean="0">
                         <a:latin typeface="Cambria Math" panose="02040503050406030204" pitchFamily="18" charset="0"/>
                       </a:rPr>
-                      <m:t>=</m:t>
-                    </m:r>
-                    <m:r>
-                      <a:rPr lang="en-PH" b="0" i="1" smtClean="0">
-                        <a:latin typeface="Cambria Math" panose="02040503050406030204" pitchFamily="18" charset="0"/>
-                      </a:rPr>
-                      <m:t>0</m:t>
+                      <m:t>=0</m:t>
                     </m:r>
                   </m:oMath>
                 </a14:m>
@@ -9853,7 +10339,7 @@
             </p:txBody>
           </p:sp>
         </mc:Choice>
-        <mc:Fallback>
+        <mc:Fallback xmlns="">
           <p:sp>
             <p:nvSpPr>
               <p:cNvPr id="2" name="Flowchart: Process 1">
@@ -9941,8 +10427,8 @@
           </a:fontRef>
         </p:style>
       </p:cxnSp>
-      <mc:AlternateContent xmlns:mc="http://schemas.openxmlformats.org/markup-compatibility/2006">
-        <mc:Choice xmlns:a14="http://schemas.microsoft.com/office/drawing/2010/main" Requires="a14">
+      <mc:AlternateContent xmlns:mc="http://schemas.openxmlformats.org/markup-compatibility/2006" xmlns:a14="http://schemas.microsoft.com/office/drawing/2010/main">
+        <mc:Choice Requires="a14">
           <p:sp>
             <p:nvSpPr>
               <p:cNvPr id="4" name="Flowchart: Process 3">
@@ -10033,7 +10519,7 @@
             </p:txBody>
           </p:sp>
         </mc:Choice>
-        <mc:Fallback>
+        <mc:Fallback xmlns="">
           <p:sp>
             <p:nvSpPr>
               <p:cNvPr id="4" name="Flowchart: Process 3">
@@ -10121,8 +10607,8 @@
           </a:fontRef>
         </p:style>
       </p:cxnSp>
-      <mc:AlternateContent xmlns:mc="http://schemas.openxmlformats.org/markup-compatibility/2006">
-        <mc:Choice xmlns:a14="http://schemas.microsoft.com/office/drawing/2010/main" Requires="a14">
+      <mc:AlternateContent xmlns:mc="http://schemas.openxmlformats.org/markup-compatibility/2006" xmlns:a14="http://schemas.microsoft.com/office/drawing/2010/main">
+        <mc:Choice Requires="a14">
           <p:sp>
             <p:nvSpPr>
               <p:cNvPr id="7" name="Flowchart: Process 6">
@@ -10301,7 +10787,7 @@
             </p:txBody>
           </p:sp>
         </mc:Choice>
-        <mc:Fallback>
+        <mc:Fallback xmlns="">
           <p:sp>
             <p:nvSpPr>
               <p:cNvPr id="7" name="Flowchart: Process 6">
@@ -10346,8 +10832,8 @@
           </p:sp>
         </mc:Fallback>
       </mc:AlternateContent>
-      <mc:AlternateContent xmlns:mc="http://schemas.openxmlformats.org/markup-compatibility/2006">
-        <mc:Choice xmlns:a14="http://schemas.microsoft.com/office/drawing/2010/main" Requires="a14">
+      <mc:AlternateContent xmlns:mc="http://schemas.openxmlformats.org/markup-compatibility/2006" xmlns:a14="http://schemas.microsoft.com/office/drawing/2010/main">
+        <mc:Choice Requires="a14">
           <p:sp>
             <p:nvSpPr>
               <p:cNvPr id="9" name="Flowchart: Decision 8">
@@ -10463,7 +10949,7 @@
             </p:txBody>
           </p:sp>
         </mc:Choice>
-        <mc:Fallback>
+        <mc:Fallback xmlns="">
           <p:sp>
             <p:nvSpPr>
               <p:cNvPr id="9" name="Flowchart: Decision 8">
@@ -10508,8 +10994,8 @@
           </p:sp>
         </mc:Fallback>
       </mc:AlternateContent>
-      <mc:AlternateContent xmlns:mc="http://schemas.openxmlformats.org/markup-compatibility/2006">
-        <mc:Choice xmlns:a14="http://schemas.microsoft.com/office/drawing/2010/main" Requires="a14">
+      <mc:AlternateContent xmlns:mc="http://schemas.openxmlformats.org/markup-compatibility/2006" xmlns:a14="http://schemas.microsoft.com/office/drawing/2010/main">
+        <mc:Choice Requires="a14">
           <p:sp>
             <p:nvSpPr>
               <p:cNvPr id="10" name="Flowchart: Decision 9">
@@ -10607,7 +11093,7 @@
             </p:txBody>
           </p:sp>
         </mc:Choice>
-        <mc:Fallback>
+        <mc:Fallback xmlns="">
           <p:sp>
             <p:nvSpPr>
               <p:cNvPr id="10" name="Flowchart: Decision 9">
@@ -10695,8 +11181,8 @@
           </a:fontRef>
         </p:style>
       </p:cxnSp>
-      <mc:AlternateContent xmlns:mc="http://schemas.openxmlformats.org/markup-compatibility/2006">
-        <mc:Choice xmlns:a14="http://schemas.microsoft.com/office/drawing/2010/main" Requires="a14">
+      <mc:AlternateContent xmlns:mc="http://schemas.openxmlformats.org/markup-compatibility/2006" xmlns:a14="http://schemas.microsoft.com/office/drawing/2010/main">
+        <mc:Choice Requires="a14">
           <p:sp>
             <p:nvSpPr>
               <p:cNvPr id="12" name="Flowchart: Process 11">
@@ -10898,7 +11384,7 @@
             </p:txBody>
           </p:sp>
         </mc:Choice>
-        <mc:Fallback>
+        <mc:Fallback xmlns="">
           <p:sp>
             <p:nvSpPr>
               <p:cNvPr id="12" name="Flowchart: Process 11">
@@ -10943,8 +11429,8 @@
           </p:sp>
         </mc:Fallback>
       </mc:AlternateContent>
-      <mc:AlternateContent xmlns:mc="http://schemas.openxmlformats.org/markup-compatibility/2006">
-        <mc:Choice xmlns:a14="http://schemas.microsoft.com/office/drawing/2010/main" Requires="a14">
+      <mc:AlternateContent xmlns:mc="http://schemas.openxmlformats.org/markup-compatibility/2006" xmlns:a14="http://schemas.microsoft.com/office/drawing/2010/main">
+        <mc:Choice Requires="a14">
           <p:sp>
             <p:nvSpPr>
               <p:cNvPr id="13" name="Flowchart: Process 12">
@@ -11146,7 +11632,7 @@
             </p:txBody>
           </p:sp>
         </mc:Choice>
-        <mc:Fallback>
+        <mc:Fallback xmlns="">
           <p:sp>
             <p:nvSpPr>
               <p:cNvPr id="13" name="Flowchart: Process 12">

--- a/documents/Figures editing.pptx
+++ b/documents/Figures editing.pptx
@@ -11,6 +11,7 @@
     <p:sldId id="258" r:id="rId5"/>
     <p:sldId id="259" r:id="rId6"/>
     <p:sldId id="260" r:id="rId7"/>
+    <p:sldId id="262" r:id="rId8"/>
   </p:sldIdLst>
   <p:sldSz cx="12192000" cy="6858000"/>
   <p:notesSz cx="6858000" cy="9144000"/>
@@ -266,7 +267,7 @@
           <a:p>
             <a:fld id="{F6E9F5A1-C99C-41F9-B991-61D99245B2FF}" type="datetimeFigureOut">
               <a:rPr lang="en-PH" smtClean="0"/>
-              <a:t>05/22/2024</a:t>
+              <a:t>01/04/2025</a:t>
             </a:fld>
             <a:endParaRPr lang="en-PH"/>
           </a:p>
@@ -466,7 +467,7 @@
           <a:p>
             <a:fld id="{F6E9F5A1-C99C-41F9-B991-61D99245B2FF}" type="datetimeFigureOut">
               <a:rPr lang="en-PH" smtClean="0"/>
-              <a:t>05/22/2024</a:t>
+              <a:t>01/04/2025</a:t>
             </a:fld>
             <a:endParaRPr lang="en-PH"/>
           </a:p>
@@ -676,7 +677,7 @@
           <a:p>
             <a:fld id="{F6E9F5A1-C99C-41F9-B991-61D99245B2FF}" type="datetimeFigureOut">
               <a:rPr lang="en-PH" smtClean="0"/>
-              <a:t>05/22/2024</a:t>
+              <a:t>01/04/2025</a:t>
             </a:fld>
             <a:endParaRPr lang="en-PH"/>
           </a:p>
@@ -876,7 +877,7 @@
           <a:p>
             <a:fld id="{F6E9F5A1-C99C-41F9-B991-61D99245B2FF}" type="datetimeFigureOut">
               <a:rPr lang="en-PH" smtClean="0"/>
-              <a:t>05/22/2024</a:t>
+              <a:t>01/04/2025</a:t>
             </a:fld>
             <a:endParaRPr lang="en-PH"/>
           </a:p>
@@ -1152,7 +1153,7 @@
           <a:p>
             <a:fld id="{F6E9F5A1-C99C-41F9-B991-61D99245B2FF}" type="datetimeFigureOut">
               <a:rPr lang="en-PH" smtClean="0"/>
-              <a:t>05/22/2024</a:t>
+              <a:t>01/04/2025</a:t>
             </a:fld>
             <a:endParaRPr lang="en-PH"/>
           </a:p>
@@ -1420,7 +1421,7 @@
           <a:p>
             <a:fld id="{F6E9F5A1-C99C-41F9-B991-61D99245B2FF}" type="datetimeFigureOut">
               <a:rPr lang="en-PH" smtClean="0"/>
-              <a:t>05/22/2024</a:t>
+              <a:t>01/04/2025</a:t>
             </a:fld>
             <a:endParaRPr lang="en-PH"/>
           </a:p>
@@ -1835,7 +1836,7 @@
           <a:p>
             <a:fld id="{F6E9F5A1-C99C-41F9-B991-61D99245B2FF}" type="datetimeFigureOut">
               <a:rPr lang="en-PH" smtClean="0"/>
-              <a:t>05/22/2024</a:t>
+              <a:t>01/04/2025</a:t>
             </a:fld>
             <a:endParaRPr lang="en-PH"/>
           </a:p>
@@ -1977,7 +1978,7 @@
           <a:p>
             <a:fld id="{F6E9F5A1-C99C-41F9-B991-61D99245B2FF}" type="datetimeFigureOut">
               <a:rPr lang="en-PH" smtClean="0"/>
-              <a:t>05/22/2024</a:t>
+              <a:t>01/04/2025</a:t>
             </a:fld>
             <a:endParaRPr lang="en-PH"/>
           </a:p>
@@ -2090,7 +2091,7 @@
           <a:p>
             <a:fld id="{F6E9F5A1-C99C-41F9-B991-61D99245B2FF}" type="datetimeFigureOut">
               <a:rPr lang="en-PH" smtClean="0"/>
-              <a:t>05/22/2024</a:t>
+              <a:t>01/04/2025</a:t>
             </a:fld>
             <a:endParaRPr lang="en-PH"/>
           </a:p>
@@ -2403,7 +2404,7 @@
           <a:p>
             <a:fld id="{F6E9F5A1-C99C-41F9-B991-61D99245B2FF}" type="datetimeFigureOut">
               <a:rPr lang="en-PH" smtClean="0"/>
-              <a:t>05/22/2024</a:t>
+              <a:t>01/04/2025</a:t>
             </a:fld>
             <a:endParaRPr lang="en-PH"/>
           </a:p>
@@ -2692,7 +2693,7 @@
           <a:p>
             <a:fld id="{F6E9F5A1-C99C-41F9-B991-61D99245B2FF}" type="datetimeFigureOut">
               <a:rPr lang="en-PH" smtClean="0"/>
-              <a:t>05/22/2024</a:t>
+              <a:t>01/04/2025</a:t>
             </a:fld>
             <a:endParaRPr lang="en-PH"/>
           </a:p>
@@ -2935,7 +2936,7 @@
           <a:p>
             <a:fld id="{F6E9F5A1-C99C-41F9-B991-61D99245B2FF}" type="datetimeFigureOut">
               <a:rPr lang="en-PH" smtClean="0"/>
-              <a:t>05/22/2024</a:t>
+              <a:t>01/04/2025</a:t>
             </a:fld>
             <a:endParaRPr lang="en-PH"/>
           </a:p>
@@ -4178,10 +4179,10 @@
       </p:grpSpPr>
       <p:grpSp>
         <p:nvGrpSpPr>
-          <p:cNvPr id="13" name="Group 12">
+          <p:cNvPr id="23" name="Group 22">
             <a:extLst>
               <a:ext uri="{FF2B5EF4-FFF2-40B4-BE49-F238E27FC236}">
-                <a16:creationId xmlns:a16="http://schemas.microsoft.com/office/drawing/2014/main" id="{65D98354-572F-FA04-CDD8-7616604BBC6E}"/>
+                <a16:creationId xmlns:a16="http://schemas.microsoft.com/office/drawing/2014/main" id="{58F1AD7B-BE9D-07D9-7C73-C0B674476283}"/>
               </a:ext>
             </a:extLst>
           </p:cNvPr>
@@ -4192,285 +4193,16 @@
           <a:xfrm>
             <a:off x="2211909" y="659847"/>
             <a:ext cx="7534372" cy="5272088"/>
-            <a:chOff x="342901" y="792956"/>
+            <a:chOff x="2211909" y="659847"/>
             <a:chExt cx="7534372" cy="5272088"/>
           </a:xfrm>
         </p:grpSpPr>
-        <p:pic>
-          <p:nvPicPr>
-            <p:cNvPr id="5" name="Picture 4" descr="A graph of different colored lines&#10;&#10;Description automatically generated">
+        <p:grpSp>
+          <p:nvGrpSpPr>
+            <p:cNvPr id="13" name="Group 12">
               <a:extLst>
                 <a:ext uri="{FF2B5EF4-FFF2-40B4-BE49-F238E27FC236}">
-                  <a16:creationId xmlns:a16="http://schemas.microsoft.com/office/drawing/2014/main" id="{D64AE3DB-ECEF-4724-9A37-044DD8713FE0}"/>
-                </a:ext>
-              </a:extLst>
-            </p:cNvPr>
-            <p:cNvPicPr>
-              <a:picLocks noChangeAspect="1"/>
-            </p:cNvPicPr>
-            <p:nvPr/>
-          </p:nvPicPr>
-          <p:blipFill rotWithShape="1">
-            <a:blip r:embed="rId2">
-              <a:extLst>
-                <a:ext uri="{28A0092B-C50C-407E-A947-70E740481C1C}">
-                  <a14:useLocalDpi xmlns:a14="http://schemas.microsoft.com/office/drawing/2010/main" val="0"/>
-                </a:ext>
-              </a:extLst>
-            </a:blip>
-            <a:srcRect l="1" r="31916"/>
-            <a:stretch/>
-          </p:blipFill>
-          <p:spPr>
-            <a:xfrm>
-              <a:off x="342901" y="792956"/>
-              <a:ext cx="5384077" cy="5272088"/>
-            </a:xfrm>
-            <a:prstGeom prst="rect">
-              <a:avLst/>
-            </a:prstGeom>
-          </p:spPr>
-        </p:pic>
-        <p:sp>
-          <p:nvSpPr>
-            <p:cNvPr id="6" name="TextBox 5">
-              <a:extLst>
-                <a:ext uri="{FF2B5EF4-FFF2-40B4-BE49-F238E27FC236}">
-                  <a16:creationId xmlns:a16="http://schemas.microsoft.com/office/drawing/2014/main" id="{872419A7-F072-6FD0-2023-32ECCC114395}"/>
-                </a:ext>
-              </a:extLst>
-            </p:cNvPr>
-            <p:cNvSpPr txBox="1"/>
-            <p:nvPr/>
-          </p:nvSpPr>
-          <p:spPr>
-            <a:xfrm>
-              <a:off x="1459744" y="1533857"/>
-              <a:ext cx="896987" cy="283924"/>
-            </a:xfrm>
-            <a:prstGeom prst="rect">
-              <a:avLst/>
-            </a:prstGeom>
-            <a:noFill/>
-          </p:spPr>
-          <p:txBody>
-            <a:bodyPr wrap="square" rtlCol="0">
-              <a:spAutoFit/>
-            </a:bodyPr>
-            <a:lstStyle/>
-            <a:p>
-              <a:r>
-                <a:rPr lang="en-PH" dirty="0">
-                  <a:solidFill>
-                    <a:srgbClr val="009BFA"/>
-                  </a:solidFill>
-                </a:rPr>
-                <a:t>T(0.1)</a:t>
-              </a:r>
-            </a:p>
-          </p:txBody>
-        </p:sp>
-        <p:sp>
-          <p:nvSpPr>
-            <p:cNvPr id="7" name="TextBox 6">
-              <a:extLst>
-                <a:ext uri="{FF2B5EF4-FFF2-40B4-BE49-F238E27FC236}">
-                  <a16:creationId xmlns:a16="http://schemas.microsoft.com/office/drawing/2014/main" id="{9AAECC0E-6A56-7F32-884C-DF2E554842BB}"/>
-                </a:ext>
-              </a:extLst>
-            </p:cNvPr>
-            <p:cNvSpPr txBox="1"/>
-            <p:nvPr/>
-          </p:nvSpPr>
-          <p:spPr>
-            <a:xfrm>
-              <a:off x="1617872" y="2558681"/>
-              <a:ext cx="896987" cy="283924"/>
-            </a:xfrm>
-            <a:prstGeom prst="rect">
-              <a:avLst/>
-            </a:prstGeom>
-            <a:noFill/>
-          </p:spPr>
-          <p:txBody>
-            <a:bodyPr wrap="square" rtlCol="0">
-              <a:spAutoFit/>
-            </a:bodyPr>
-            <a:lstStyle/>
-            <a:p>
-              <a:r>
-                <a:rPr lang="en-PH" dirty="0">
-                  <a:solidFill>
-                    <a:srgbClr val="009BFA"/>
-                  </a:solidFill>
-                </a:rPr>
-                <a:t>I(0.1)</a:t>
-              </a:r>
-            </a:p>
-          </p:txBody>
-        </p:sp>
-        <p:sp>
-          <p:nvSpPr>
-            <p:cNvPr id="8" name="TextBox 7">
-              <a:extLst>
-                <a:ext uri="{FF2B5EF4-FFF2-40B4-BE49-F238E27FC236}">
-                  <a16:creationId xmlns:a16="http://schemas.microsoft.com/office/drawing/2014/main" id="{6D88C5E7-D025-335B-0A96-89E083735A1A}"/>
-                </a:ext>
-              </a:extLst>
-            </p:cNvPr>
-            <p:cNvSpPr txBox="1"/>
-            <p:nvPr/>
-          </p:nvSpPr>
-          <p:spPr>
-            <a:xfrm>
-              <a:off x="3223931" y="2770703"/>
-              <a:ext cx="896987" cy="283924"/>
-            </a:xfrm>
-            <a:prstGeom prst="rect">
-              <a:avLst/>
-            </a:prstGeom>
-            <a:noFill/>
-          </p:spPr>
-          <p:txBody>
-            <a:bodyPr wrap="square" rtlCol="0">
-              <a:spAutoFit/>
-            </a:bodyPr>
-            <a:lstStyle/>
-            <a:p>
-              <a:r>
-                <a:rPr lang="en-PH" dirty="0">
-                  <a:solidFill>
-                    <a:srgbClr val="E36F47"/>
-                  </a:solidFill>
-                </a:rPr>
-                <a:t>I(0.5)</a:t>
-              </a:r>
-            </a:p>
-          </p:txBody>
-        </p:sp>
-        <p:sp>
-          <p:nvSpPr>
-            <p:cNvPr id="9" name="TextBox 8">
-              <a:extLst>
-                <a:ext uri="{FF2B5EF4-FFF2-40B4-BE49-F238E27FC236}">
-                  <a16:creationId xmlns:a16="http://schemas.microsoft.com/office/drawing/2014/main" id="{12F31A4E-5EA4-1E11-54C5-ED7D5C8A3B83}"/>
-                </a:ext>
-              </a:extLst>
-            </p:cNvPr>
-            <p:cNvSpPr txBox="1"/>
-            <p:nvPr/>
-          </p:nvSpPr>
-          <p:spPr>
-            <a:xfrm>
-              <a:off x="4992481" y="3813423"/>
-              <a:ext cx="896987" cy="283924"/>
-            </a:xfrm>
-            <a:prstGeom prst="rect">
-              <a:avLst/>
-            </a:prstGeom>
-            <a:noFill/>
-          </p:spPr>
-          <p:txBody>
-            <a:bodyPr wrap="square" rtlCol="0">
-              <a:spAutoFit/>
-            </a:bodyPr>
-            <a:lstStyle/>
-            <a:p>
-              <a:r>
-                <a:rPr lang="en-PH" dirty="0">
-                  <a:solidFill>
-                    <a:srgbClr val="E36F47"/>
-                  </a:solidFill>
-                </a:rPr>
-                <a:t>T(0.5)</a:t>
-              </a:r>
-            </a:p>
-          </p:txBody>
-        </p:sp>
-        <p:sp>
-          <p:nvSpPr>
-            <p:cNvPr id="10" name="TextBox 9">
-              <a:extLst>
-                <a:ext uri="{FF2B5EF4-FFF2-40B4-BE49-F238E27FC236}">
-                  <a16:creationId xmlns:a16="http://schemas.microsoft.com/office/drawing/2014/main" id="{DEB87AC2-B06F-F2FA-C3BE-622CDFB154CA}"/>
-                </a:ext>
-              </a:extLst>
-            </p:cNvPr>
-            <p:cNvSpPr txBox="1"/>
-            <p:nvPr/>
-          </p:nvSpPr>
-          <p:spPr>
-            <a:xfrm>
-              <a:off x="4935486" y="2997598"/>
-              <a:ext cx="896987" cy="283924"/>
-            </a:xfrm>
-            <a:prstGeom prst="rect">
-              <a:avLst/>
-            </a:prstGeom>
-            <a:noFill/>
-          </p:spPr>
-          <p:txBody>
-            <a:bodyPr wrap="square" rtlCol="0">
-              <a:spAutoFit/>
-            </a:bodyPr>
-            <a:lstStyle/>
-            <a:p>
-              <a:r>
-                <a:rPr lang="en-PH" dirty="0">
-                  <a:solidFill>
-                    <a:srgbClr val="3EA44D"/>
-                  </a:solidFill>
-                </a:rPr>
-                <a:t>I(0.9)</a:t>
-              </a:r>
-            </a:p>
-          </p:txBody>
-        </p:sp>
-        <p:sp>
-          <p:nvSpPr>
-            <p:cNvPr id="11" name="TextBox 10">
-              <a:extLst>
-                <a:ext uri="{FF2B5EF4-FFF2-40B4-BE49-F238E27FC236}">
-                  <a16:creationId xmlns:a16="http://schemas.microsoft.com/office/drawing/2014/main" id="{57ABDCFA-730A-1245-48BF-00B4A0A44C99}"/>
-                </a:ext>
-              </a:extLst>
-            </p:cNvPr>
-            <p:cNvSpPr txBox="1"/>
-            <p:nvPr/>
-          </p:nvSpPr>
-          <p:spPr>
-            <a:xfrm>
-              <a:off x="4783830" y="4692400"/>
-              <a:ext cx="896987" cy="283924"/>
-            </a:xfrm>
-            <a:prstGeom prst="rect">
-              <a:avLst/>
-            </a:prstGeom>
-            <a:noFill/>
-          </p:spPr>
-          <p:txBody>
-            <a:bodyPr wrap="square" rtlCol="0">
-              <a:spAutoFit/>
-            </a:bodyPr>
-            <a:lstStyle/>
-            <a:p>
-              <a:r>
-                <a:rPr lang="en-PH" dirty="0">
-                  <a:solidFill>
-                    <a:srgbClr val="3EA44D"/>
-                  </a:solidFill>
-                </a:rPr>
-                <a:t>T(0.9)</a:t>
-              </a:r>
-            </a:p>
-          </p:txBody>
-        </p:sp>
-        <p:grpSp>
-          <p:nvGrpSpPr>
-            <p:cNvPr id="4" name="Group 3">
-              <a:extLst>
-                <a:ext uri="{FF2B5EF4-FFF2-40B4-BE49-F238E27FC236}">
-                  <a16:creationId xmlns:a16="http://schemas.microsoft.com/office/drawing/2014/main" id="{574CDF45-674D-212B-F05B-B77DC96D3A3E}"/>
+                  <a16:creationId xmlns:a16="http://schemas.microsoft.com/office/drawing/2014/main" id="{65D98354-572F-FA04-CDD8-7616604BBC6E}"/>
                 </a:ext>
               </a:extLst>
             </p:cNvPr>
@@ -4479,436 +4211,1452 @@
           </p:nvGrpSpPr>
           <p:grpSpPr>
             <a:xfrm>
-              <a:off x="6118390" y="1760139"/>
-              <a:ext cx="1758883" cy="1323439"/>
-              <a:chOff x="6136416" y="1452402"/>
-              <a:chExt cx="1758883" cy="1323439"/>
+              <a:off x="2211909" y="659847"/>
+              <a:ext cx="7534372" cy="5272088"/>
+              <a:chOff x="342901" y="792956"/>
+              <a:chExt cx="7534372" cy="5272088"/>
             </a:xfrm>
           </p:grpSpPr>
-          <mc:AlternateContent xmlns:mc="http://schemas.openxmlformats.org/markup-compatibility/2006" xmlns:a14="http://schemas.microsoft.com/office/drawing/2010/main">
-            <mc:Choice Requires="a14">
-              <p:sp>
-                <p:nvSpPr>
-                  <p:cNvPr id="15" name="TextBox 14">
-                    <a:extLst>
-                      <a:ext uri="{FF2B5EF4-FFF2-40B4-BE49-F238E27FC236}">
-                        <a16:creationId xmlns:a16="http://schemas.microsoft.com/office/drawing/2014/main" id="{66A5F072-9C27-FB09-31DC-093F1FC3C45B}"/>
-                      </a:ext>
-                    </a:extLst>
-                  </p:cNvPr>
-                  <p:cNvSpPr txBox="1"/>
-                  <p:nvPr/>
-                </p:nvSpPr>
-                <p:spPr>
-                  <a:xfrm>
-                    <a:off x="6136416" y="1452402"/>
-                    <a:ext cx="1758883" cy="1323439"/>
-                  </a:xfrm>
-                  <a:prstGeom prst="rect">
-                    <a:avLst/>
-                  </a:prstGeom>
-                  <a:noFill/>
-                  <a:ln>
-                    <a:solidFill>
-                      <a:schemeClr val="tx1"/>
-                    </a:solidFill>
-                  </a:ln>
-                </p:spPr>
-                <p:txBody>
-                  <a:bodyPr wrap="square" rtlCol="0">
-                    <a:spAutoFit/>
-                  </a:bodyPr>
-                  <a:lstStyle/>
-                  <a:p>
-                    <a:r>
-                      <a:rPr lang="en-PH" sz="1200" dirty="0"/>
-                      <a:t>             </a:t>
-                    </a:r>
-                    <a:r>
-                      <a:rPr lang="en-PH" sz="1600" dirty="0"/>
-                      <a:t>Inner corner</a:t>
-                    </a:r>
-                  </a:p>
-                  <a:p>
-                    <a:r>
-                      <a:rPr lang="en-PH" sz="1600" dirty="0"/>
-                      <a:t>          Traditional</a:t>
-                    </a:r>
-                  </a:p>
-                  <a:p>
-                    <a:r>
-                      <a:rPr lang="en-PH" sz="1600" dirty="0"/>
-                      <a:t>           </a:t>
-                    </a:r>
-                    <a14:m>
-                      <m:oMath xmlns:m="http://schemas.openxmlformats.org/officeDocument/2006/math">
-                        <m:r>
-                          <a:rPr lang="en-PH" sz="1600" b="0" i="1" smtClean="0">
-                            <a:latin typeface="Cambria Math" panose="02040503050406030204" pitchFamily="18" charset="0"/>
-                          </a:rPr>
-                          <m:t>𝜌</m:t>
-                        </m:r>
-                        <m:r>
-                          <a:rPr lang="en-PH" sz="1600" b="0" i="1" smtClean="0">
-                            <a:latin typeface="Cambria Math" panose="02040503050406030204" pitchFamily="18" charset="0"/>
-                          </a:rPr>
-                          <m:t>=0.1</m:t>
-                        </m:r>
-                      </m:oMath>
-                    </a14:m>
-                    <a:endParaRPr lang="en-PH" sz="1600" dirty="0"/>
-                  </a:p>
-                  <a:p>
-                    <a:r>
-                      <a:rPr lang="en-PH" sz="1600" dirty="0"/>
-                      <a:t>           </a:t>
-                    </a:r>
-                    <a14:m>
-                      <m:oMath xmlns:m="http://schemas.openxmlformats.org/officeDocument/2006/math">
-                        <m:r>
-                          <a:rPr lang="en-PH" sz="1600" b="0" i="1" smtClean="0">
-                            <a:latin typeface="Cambria Math" panose="02040503050406030204" pitchFamily="18" charset="0"/>
-                          </a:rPr>
-                          <m:t>𝜌</m:t>
-                        </m:r>
-                        <m:r>
-                          <a:rPr lang="en-PH" sz="1600" b="0" i="1" smtClean="0">
-                            <a:latin typeface="Cambria Math" panose="02040503050406030204" pitchFamily="18" charset="0"/>
-                          </a:rPr>
-                          <m:t>=0.5</m:t>
-                        </m:r>
-                      </m:oMath>
-                    </a14:m>
-                    <a:endParaRPr lang="en-PH" sz="1600" dirty="0"/>
-                  </a:p>
-                  <a:p>
-                    <a:r>
-                      <a:rPr lang="en-PH" sz="1600" dirty="0"/>
-                      <a:t>           </a:t>
-                    </a:r>
-                    <a14:m>
-                      <m:oMath xmlns:m="http://schemas.openxmlformats.org/officeDocument/2006/math">
-                        <m:r>
-                          <a:rPr lang="en-PH" sz="1600" b="0" i="1" smtClean="0">
-                            <a:latin typeface="Cambria Math" panose="02040503050406030204" pitchFamily="18" charset="0"/>
-                          </a:rPr>
-                          <m:t>𝜌</m:t>
-                        </m:r>
-                        <m:r>
-                          <a:rPr lang="en-PH" sz="1600" b="0" i="1" smtClean="0">
-                            <a:latin typeface="Cambria Math" panose="02040503050406030204" pitchFamily="18" charset="0"/>
-                          </a:rPr>
-                          <m:t>=0.9</m:t>
-                        </m:r>
-                      </m:oMath>
-                    </a14:m>
-                    <a:endParaRPr lang="en-PH" sz="1200" dirty="0"/>
-                  </a:p>
-                </p:txBody>
-              </p:sp>
-            </mc:Choice>
-            <mc:Fallback xmlns="">
-              <p:sp>
-                <p:nvSpPr>
-                  <p:cNvPr id="15" name="TextBox 14">
-                    <a:extLst>
-                      <a:ext uri="{FF2B5EF4-FFF2-40B4-BE49-F238E27FC236}">
-                        <a16:creationId xmlns:a16="http://schemas.microsoft.com/office/drawing/2014/main" id="{66A5F072-9C27-FB09-31DC-093F1FC3C45B}"/>
-                      </a:ext>
-                    </a:extLst>
-                  </p:cNvPr>
-                  <p:cNvSpPr txBox="1">
-                    <a:spLocks noRot="1" noChangeAspect="1" noMove="1" noResize="1" noEditPoints="1" noAdjustHandles="1" noChangeArrowheads="1" noChangeShapeType="1" noTextEdit="1"/>
-                  </p:cNvSpPr>
-                  <p:nvPr/>
-                </p:nvSpPr>
-                <p:spPr>
-                  <a:xfrm>
-                    <a:off x="6136416" y="1452402"/>
-                    <a:ext cx="1758883" cy="1323439"/>
-                  </a:xfrm>
-                  <a:prstGeom prst="rect">
-                    <a:avLst/>
-                  </a:prstGeom>
-                  <a:blipFill>
-                    <a:blip r:embed="rId3"/>
-                    <a:stretch>
-                      <a:fillRect t="-913"/>
-                    </a:stretch>
-                  </a:blipFill>
-                  <a:ln>
-                    <a:solidFill>
-                      <a:schemeClr val="tx1"/>
-                    </a:solidFill>
-                  </a:ln>
-                </p:spPr>
-                <p:txBody>
-                  <a:bodyPr/>
-                  <a:lstStyle/>
-                  <a:p>
-                    <a:r>
-                      <a:rPr lang="en-PH">
-                        <a:noFill/>
-                      </a:rPr>
-                      <a:t> </a:t>
-                    </a:r>
-                  </a:p>
-                </p:txBody>
-              </p:sp>
-            </mc:Fallback>
-          </mc:AlternateContent>
-          <p:sp>
-            <p:nvSpPr>
-              <p:cNvPr id="16" name="Rectangle 15">
+          <p:pic>
+            <p:nvPicPr>
+              <p:cNvPr id="5" name="Picture 4">
                 <a:extLst>
                   <a:ext uri="{FF2B5EF4-FFF2-40B4-BE49-F238E27FC236}">
-                    <a16:creationId xmlns:a16="http://schemas.microsoft.com/office/drawing/2014/main" id="{580E1F7A-B4D5-A0E9-293A-89CD5CF5AB81}"/>
+                    <a16:creationId xmlns:a16="http://schemas.microsoft.com/office/drawing/2014/main" id="{D64AE3DB-ECEF-4724-9A37-044DD8713FE0}"/>
                   </a:ext>
                 </a:extLst>
               </p:cNvPr>
-              <p:cNvSpPr/>
+              <p:cNvPicPr>
+                <a:picLocks noChangeAspect="1"/>
+              </p:cNvPicPr>
               <p:nvPr/>
-            </p:nvSpPr>
+            </p:nvPicPr>
+            <p:blipFill>
+              <a:blip r:embed="rId2">
+                <a:extLst>
+                  <a:ext uri="{28A0092B-C50C-407E-A947-70E740481C1C}">
+                    <a14:useLocalDpi xmlns:a14="http://schemas.microsoft.com/office/drawing/2010/main" val="0"/>
+                  </a:ext>
+                </a:extLst>
+              </a:blip>
+              <a:srcRect l="38" t="-76" r="31189" b="76"/>
+              <a:stretch/>
+            </p:blipFill>
             <p:spPr>
               <a:xfrm>
-                <a:off x="6323889" y="1554727"/>
-                <a:ext cx="144000" cy="144000"/>
+                <a:off x="342901" y="792956"/>
+                <a:ext cx="5438724" cy="5272088"/>
               </a:xfrm>
               <a:prstGeom prst="rect">
                 <a:avLst/>
               </a:prstGeom>
             </p:spPr>
-            <p:style>
-              <a:lnRef idx="2">
-                <a:schemeClr val="dk1">
-                  <a:shade val="15000"/>
-                </a:schemeClr>
-              </a:lnRef>
-              <a:fillRef idx="1">
-                <a:schemeClr val="dk1"/>
-              </a:fillRef>
-              <a:effectRef idx="0">
-                <a:schemeClr val="dk1"/>
-              </a:effectRef>
-              <a:fontRef idx="minor">
-                <a:schemeClr val="lt1"/>
-              </a:fontRef>
-            </p:style>
-            <p:txBody>
-              <a:bodyPr rtlCol="0" anchor="ctr"/>
-              <a:lstStyle/>
-              <a:p>
-                <a:pPr algn="ctr"/>
-                <a:endParaRPr lang="en-PH">
+          </p:pic>
+          <p:grpSp>
+            <p:nvGrpSpPr>
+              <p:cNvPr id="4" name="Group 3">
+                <a:extLst>
+                  <a:ext uri="{FF2B5EF4-FFF2-40B4-BE49-F238E27FC236}">
+                    <a16:creationId xmlns:a16="http://schemas.microsoft.com/office/drawing/2014/main" id="{574CDF45-674D-212B-F05B-B77DC96D3A3E}"/>
+                  </a:ext>
+                </a:extLst>
+              </p:cNvPr>
+              <p:cNvGrpSpPr/>
+              <p:nvPr/>
+            </p:nvGrpSpPr>
+            <p:grpSpPr>
+              <a:xfrm>
+                <a:off x="6118390" y="1760139"/>
+                <a:ext cx="1758883" cy="1323439"/>
+                <a:chOff x="6136416" y="1452402"/>
+                <a:chExt cx="1758883" cy="1323439"/>
+              </a:xfrm>
+            </p:grpSpPr>
+            <mc:AlternateContent xmlns:mc="http://schemas.openxmlformats.org/markup-compatibility/2006" xmlns:a14="http://schemas.microsoft.com/office/drawing/2010/main">
+              <mc:Choice Requires="a14">
+                <p:sp>
+                  <p:nvSpPr>
+                    <p:cNvPr id="15" name="TextBox 14">
+                      <a:extLst>
+                        <a:ext uri="{FF2B5EF4-FFF2-40B4-BE49-F238E27FC236}">
+                          <a16:creationId xmlns:a16="http://schemas.microsoft.com/office/drawing/2014/main" id="{66A5F072-9C27-FB09-31DC-093F1FC3C45B}"/>
+                        </a:ext>
+                      </a:extLst>
+                    </p:cNvPr>
+                    <p:cNvSpPr txBox="1"/>
+                    <p:nvPr/>
+                  </p:nvSpPr>
+                  <p:spPr>
+                    <a:xfrm>
+                      <a:off x="6136416" y="1452402"/>
+                      <a:ext cx="1758883" cy="1323439"/>
+                    </a:xfrm>
+                    <a:prstGeom prst="rect">
+                      <a:avLst/>
+                    </a:prstGeom>
+                    <a:noFill/>
+                    <a:ln>
+                      <a:solidFill>
+                        <a:schemeClr val="tx1"/>
+                      </a:solidFill>
+                    </a:ln>
+                  </p:spPr>
+                  <p:txBody>
+                    <a:bodyPr wrap="square" rtlCol="0">
+                      <a:spAutoFit/>
+                    </a:bodyPr>
+                    <a:lstStyle/>
+                    <a:p>
+                      <a:r>
+                        <a:rPr lang="en-PH" sz="1200" dirty="0"/>
+                        <a:t>             </a:t>
+                      </a:r>
+                      <a:r>
+                        <a:rPr lang="en-PH" sz="1600" dirty="0"/>
+                        <a:t>Traditional</a:t>
+                      </a:r>
+                    </a:p>
+                    <a:p>
+                      <a:r>
+                        <a:rPr lang="en-PH" sz="1600" dirty="0"/>
+                        <a:t>          Peer (IC)</a:t>
+                      </a:r>
+                    </a:p>
+                    <a:p>
+                      <a:r>
+                        <a:rPr lang="en-PH" sz="1600" dirty="0"/>
+                        <a:t>           </a:t>
+                      </a:r>
+                      <a14:m>
+                        <m:oMath xmlns:m="http://schemas.openxmlformats.org/officeDocument/2006/math">
+                          <m:r>
+                            <a:rPr lang="en-PH" sz="1600" b="0" i="1" smtClean="0">
+                              <a:latin typeface="Cambria Math" panose="02040503050406030204" pitchFamily="18" charset="0"/>
+                            </a:rPr>
+                            <m:t>𝜌</m:t>
+                          </m:r>
+                          <m:r>
+                            <a:rPr lang="en-PH" sz="1600" b="0" i="1" smtClean="0">
+                              <a:latin typeface="Cambria Math" panose="02040503050406030204" pitchFamily="18" charset="0"/>
+                            </a:rPr>
+                            <m:t>=0.1</m:t>
+                          </m:r>
+                        </m:oMath>
+                      </a14:m>
+                      <a:endParaRPr lang="en-PH" sz="1600" dirty="0"/>
+                    </a:p>
+                    <a:p>
+                      <a:r>
+                        <a:rPr lang="en-PH" sz="1600" dirty="0"/>
+                        <a:t>           </a:t>
+                      </a:r>
+                      <a14:m>
+                        <m:oMath xmlns:m="http://schemas.openxmlformats.org/officeDocument/2006/math">
+                          <m:r>
+                            <a:rPr lang="en-PH" sz="1600" b="0" i="1" smtClean="0">
+                              <a:latin typeface="Cambria Math" panose="02040503050406030204" pitchFamily="18" charset="0"/>
+                            </a:rPr>
+                            <m:t>𝜌</m:t>
+                          </m:r>
+                          <m:r>
+                            <a:rPr lang="en-PH" sz="1600" b="0" i="1" smtClean="0">
+                              <a:latin typeface="Cambria Math" panose="02040503050406030204" pitchFamily="18" charset="0"/>
+                            </a:rPr>
+                            <m:t>=0.5</m:t>
+                          </m:r>
+                        </m:oMath>
+                      </a14:m>
+                      <a:endParaRPr lang="en-PH" sz="1600" dirty="0"/>
+                    </a:p>
+                    <a:p>
+                      <a:r>
+                        <a:rPr lang="en-PH" sz="1600" dirty="0"/>
+                        <a:t>           </a:t>
+                      </a:r>
+                      <a14:m>
+                        <m:oMath xmlns:m="http://schemas.openxmlformats.org/officeDocument/2006/math">
+                          <m:r>
+                            <a:rPr lang="en-PH" sz="1600" b="0" i="1" smtClean="0">
+                              <a:latin typeface="Cambria Math" panose="02040503050406030204" pitchFamily="18" charset="0"/>
+                            </a:rPr>
+                            <m:t>𝜌</m:t>
+                          </m:r>
+                          <m:r>
+                            <a:rPr lang="en-PH" sz="1600" b="0" i="1" smtClean="0">
+                              <a:latin typeface="Cambria Math" panose="02040503050406030204" pitchFamily="18" charset="0"/>
+                            </a:rPr>
+                            <m:t>=0.9</m:t>
+                          </m:r>
+                        </m:oMath>
+                      </a14:m>
+                      <a:endParaRPr lang="en-PH" sz="1200" dirty="0"/>
+                    </a:p>
+                  </p:txBody>
+                </p:sp>
+              </mc:Choice>
+              <mc:Fallback xmlns="">
+                <p:sp>
+                  <p:nvSpPr>
+                    <p:cNvPr id="15" name="TextBox 14">
+                      <a:extLst>
+                        <a:ext uri="{FF2B5EF4-FFF2-40B4-BE49-F238E27FC236}">
+                          <a16:creationId xmlns:a16="http://schemas.microsoft.com/office/drawing/2014/main" id="{66A5F072-9C27-FB09-31DC-093F1FC3C45B}"/>
+                        </a:ext>
+                      </a:extLst>
+                    </p:cNvPr>
+                    <p:cNvSpPr txBox="1">
+                      <a:spLocks noRot="1" noChangeAspect="1" noMove="1" noResize="1" noEditPoints="1" noAdjustHandles="1" noChangeArrowheads="1" noChangeShapeType="1" noTextEdit="1"/>
+                    </p:cNvSpPr>
+                    <p:nvPr/>
+                  </p:nvSpPr>
+                  <p:spPr>
+                    <a:xfrm>
+                      <a:off x="6136416" y="1452402"/>
+                      <a:ext cx="1758883" cy="1323439"/>
+                    </a:xfrm>
+                    <a:prstGeom prst="rect">
+                      <a:avLst/>
+                    </a:prstGeom>
+                    <a:blipFill>
+                      <a:blip r:embed="rId3"/>
+                      <a:stretch>
+                        <a:fillRect t="-913"/>
+                      </a:stretch>
+                    </a:blipFill>
+                    <a:ln>
+                      <a:solidFill>
+                        <a:schemeClr val="tx1"/>
+                      </a:solidFill>
+                    </a:ln>
+                  </p:spPr>
+                  <p:txBody>
+                    <a:bodyPr/>
+                    <a:lstStyle/>
+                    <a:p>
+                      <a:r>
+                        <a:rPr lang="en-PH">
+                          <a:noFill/>
+                        </a:rPr>
+                        <a:t> </a:t>
+                      </a:r>
+                    </a:p>
+                  </p:txBody>
+                </p:sp>
+              </mc:Fallback>
+            </mc:AlternateContent>
+            <p:sp>
+              <p:nvSpPr>
+                <p:cNvPr id="16" name="Rectangle 15">
+                  <a:extLst>
+                    <a:ext uri="{FF2B5EF4-FFF2-40B4-BE49-F238E27FC236}">
+                      <a16:creationId xmlns:a16="http://schemas.microsoft.com/office/drawing/2014/main" id="{580E1F7A-B4D5-A0E9-293A-89CD5CF5AB81}"/>
+                    </a:ext>
+                  </a:extLst>
+                </p:cNvPr>
+                <p:cNvSpPr/>
+                <p:nvPr/>
+              </p:nvSpPr>
+              <p:spPr>
+                <a:xfrm>
+                  <a:off x="6323889" y="1554727"/>
+                  <a:ext cx="144000" cy="144000"/>
+                </a:xfrm>
+                <a:prstGeom prst="rect">
+                  <a:avLst/>
+                </a:prstGeom>
+              </p:spPr>
+              <p:style>
+                <a:lnRef idx="2">
+                  <a:schemeClr val="dk1">
+                    <a:shade val="15000"/>
+                  </a:schemeClr>
+                </a:lnRef>
+                <a:fillRef idx="1">
+                  <a:schemeClr val="dk1"/>
+                </a:fillRef>
+                <a:effectRef idx="0">
+                  <a:schemeClr val="dk1"/>
+                </a:effectRef>
+                <a:fontRef idx="minor">
+                  <a:schemeClr val="lt1"/>
+                </a:fontRef>
+              </p:style>
+              <p:txBody>
+                <a:bodyPr rtlCol="0" anchor="ctr"/>
+                <a:lstStyle/>
+                <a:p>
+                  <a:pPr algn="ctr"/>
+                  <a:endParaRPr lang="en-PH">
+                    <a:solidFill>
+                      <a:schemeClr val="tx1"/>
+                    </a:solidFill>
+                  </a:endParaRPr>
+                </a:p>
+              </p:txBody>
+            </p:sp>
+            <p:sp>
+              <p:nvSpPr>
+                <p:cNvPr id="17" name="Oval 16">
+                  <a:extLst>
+                    <a:ext uri="{FF2B5EF4-FFF2-40B4-BE49-F238E27FC236}">
+                      <a16:creationId xmlns:a16="http://schemas.microsoft.com/office/drawing/2014/main" id="{67A05CB2-74E2-345E-1A15-65F87E94B3C2}"/>
+                    </a:ext>
+                  </a:extLst>
+                </p:cNvPr>
+                <p:cNvSpPr/>
+                <p:nvPr/>
+              </p:nvSpPr>
+              <p:spPr>
+                <a:xfrm>
+                  <a:off x="6323889" y="1784867"/>
+                  <a:ext cx="144000" cy="144000"/>
+                </a:xfrm>
+                <a:prstGeom prst="ellipse">
+                  <a:avLst/>
+                </a:prstGeom>
+                <a:solidFill>
+                  <a:schemeClr val="tx1"/>
+                </a:solidFill>
+                <a:ln>
                   <a:solidFill>
                     <a:schemeClr val="tx1"/>
                   </a:solidFill>
-                </a:endParaRPr>
-              </a:p>
-            </p:txBody>
-          </p:sp>
-          <p:sp>
-            <p:nvSpPr>
-              <p:cNvPr id="17" name="Oval 16">
-                <a:extLst>
-                  <a:ext uri="{FF2B5EF4-FFF2-40B4-BE49-F238E27FC236}">
-                    <a16:creationId xmlns:a16="http://schemas.microsoft.com/office/drawing/2014/main" id="{67A05CB2-74E2-345E-1A15-65F87E94B3C2}"/>
-                  </a:ext>
-                </a:extLst>
-              </p:cNvPr>
-              <p:cNvSpPr/>
-              <p:nvPr/>
-            </p:nvSpPr>
-            <p:spPr>
-              <a:xfrm>
-                <a:off x="6323889" y="1784867"/>
-                <a:ext cx="144000" cy="144000"/>
-              </a:xfrm>
-              <a:prstGeom prst="ellipse">
-                <a:avLst/>
-              </a:prstGeom>
-              <a:solidFill>
-                <a:schemeClr val="tx1"/>
-              </a:solidFill>
-              <a:ln>
+                </a:ln>
+              </p:spPr>
+              <p:style>
+                <a:lnRef idx="2">
+                  <a:schemeClr val="accent1">
+                    <a:shade val="15000"/>
+                  </a:schemeClr>
+                </a:lnRef>
+                <a:fillRef idx="1">
+                  <a:schemeClr val="accent1"/>
+                </a:fillRef>
+                <a:effectRef idx="0">
+                  <a:schemeClr val="accent1"/>
+                </a:effectRef>
+                <a:fontRef idx="minor">
+                  <a:schemeClr val="lt1"/>
+                </a:fontRef>
+              </p:style>
+              <p:txBody>
+                <a:bodyPr rtlCol="0" anchor="ctr"/>
+                <a:lstStyle/>
+                <a:p>
+                  <a:pPr algn="ctr"/>
+                  <a:endParaRPr lang="en-PH"/>
+                </a:p>
+              </p:txBody>
+            </p:sp>
+            <p:sp>
+              <p:nvSpPr>
+                <p:cNvPr id="18" name="Rectangle 17">
+                  <a:extLst>
+                    <a:ext uri="{FF2B5EF4-FFF2-40B4-BE49-F238E27FC236}">
+                      <a16:creationId xmlns:a16="http://schemas.microsoft.com/office/drawing/2014/main" id="{1651E955-3E25-E09B-C68B-4400ED51527E}"/>
+                    </a:ext>
+                  </a:extLst>
+                </p:cNvPr>
+                <p:cNvSpPr/>
+                <p:nvPr/>
+              </p:nvSpPr>
+              <p:spPr>
+                <a:xfrm>
+                  <a:off x="6290662" y="2040825"/>
+                  <a:ext cx="221404" cy="113036"/>
+                </a:xfrm>
+                <a:prstGeom prst="rect">
+                  <a:avLst/>
+                </a:prstGeom>
                 <a:solidFill>
-                  <a:schemeClr val="tx1"/>
+                  <a:srgbClr val="009BFA"/>
                 </a:solidFill>
-              </a:ln>
-            </p:spPr>
-            <p:style>
-              <a:lnRef idx="2">
-                <a:schemeClr val="accent1">
-                  <a:shade val="15000"/>
-                </a:schemeClr>
-              </a:lnRef>
-              <a:fillRef idx="1">
-                <a:schemeClr val="accent1"/>
-              </a:fillRef>
-              <a:effectRef idx="0">
-                <a:schemeClr val="accent1"/>
-              </a:effectRef>
-              <a:fontRef idx="minor">
-                <a:schemeClr val="lt1"/>
-              </a:fontRef>
-            </p:style>
-            <p:txBody>
-              <a:bodyPr rtlCol="0" anchor="ctr"/>
-              <a:lstStyle/>
-              <a:p>
-                <a:pPr algn="ctr"/>
-                <a:endParaRPr lang="en-PH"/>
-              </a:p>
-            </p:txBody>
-          </p:sp>
-          <p:sp>
-            <p:nvSpPr>
-              <p:cNvPr id="18" name="Rectangle 17">
-                <a:extLst>
-                  <a:ext uri="{FF2B5EF4-FFF2-40B4-BE49-F238E27FC236}">
-                    <a16:creationId xmlns:a16="http://schemas.microsoft.com/office/drawing/2014/main" id="{1651E955-3E25-E09B-C68B-4400ED51527E}"/>
-                  </a:ext>
-                </a:extLst>
-              </p:cNvPr>
-              <p:cNvSpPr/>
-              <p:nvPr/>
-            </p:nvSpPr>
-            <p:spPr>
-              <a:xfrm>
-                <a:off x="6290662" y="2040825"/>
-                <a:ext cx="221404" cy="113036"/>
-              </a:xfrm>
-              <a:prstGeom prst="rect">
-                <a:avLst/>
-              </a:prstGeom>
-              <a:solidFill>
-                <a:srgbClr val="009BFA"/>
-              </a:solidFill>
-            </p:spPr>
-            <p:style>
-              <a:lnRef idx="2">
-                <a:schemeClr val="accent1">
-                  <a:shade val="15000"/>
-                </a:schemeClr>
-              </a:lnRef>
-              <a:fillRef idx="1">
-                <a:schemeClr val="accent1"/>
-              </a:fillRef>
-              <a:effectRef idx="0">
-                <a:schemeClr val="accent1"/>
-              </a:effectRef>
-              <a:fontRef idx="minor">
-                <a:schemeClr val="lt1"/>
-              </a:fontRef>
-            </p:style>
-            <p:txBody>
-              <a:bodyPr rtlCol="0" anchor="ctr"/>
-              <a:lstStyle/>
-              <a:p>
-                <a:pPr algn="ctr"/>
-                <a:endParaRPr lang="en-PH"/>
-              </a:p>
-            </p:txBody>
-          </p:sp>
-          <p:sp>
-            <p:nvSpPr>
-              <p:cNvPr id="19" name="Rectangle 18">
-                <a:extLst>
-                  <a:ext uri="{FF2B5EF4-FFF2-40B4-BE49-F238E27FC236}">
-                    <a16:creationId xmlns:a16="http://schemas.microsoft.com/office/drawing/2014/main" id="{E64826E0-8EC4-B6EF-862A-18989A26D343}"/>
-                  </a:ext>
-                </a:extLst>
-              </p:cNvPr>
-              <p:cNvSpPr/>
-              <p:nvPr/>
-            </p:nvSpPr>
-            <p:spPr>
-              <a:xfrm>
-                <a:off x="6290662" y="2286764"/>
-                <a:ext cx="221404" cy="113036"/>
-              </a:xfrm>
-              <a:prstGeom prst="rect">
-                <a:avLst/>
-              </a:prstGeom>
-              <a:solidFill>
-                <a:srgbClr val="E36F47"/>
-              </a:solidFill>
-            </p:spPr>
-            <p:style>
-              <a:lnRef idx="2">
-                <a:schemeClr val="accent1">
-                  <a:shade val="15000"/>
-                </a:schemeClr>
-              </a:lnRef>
-              <a:fillRef idx="1">
-                <a:schemeClr val="accent1"/>
-              </a:fillRef>
-              <a:effectRef idx="0">
-                <a:schemeClr val="accent1"/>
-              </a:effectRef>
-              <a:fontRef idx="minor">
-                <a:schemeClr val="lt1"/>
-              </a:fontRef>
-            </p:style>
-            <p:txBody>
-              <a:bodyPr rtlCol="0" anchor="ctr"/>
-              <a:lstStyle/>
-              <a:p>
-                <a:pPr algn="ctr"/>
-                <a:endParaRPr lang="en-PH"/>
-              </a:p>
-            </p:txBody>
-          </p:sp>
-          <p:sp>
-            <p:nvSpPr>
-              <p:cNvPr id="20" name="Rectangle 19">
-                <a:extLst>
-                  <a:ext uri="{FF2B5EF4-FFF2-40B4-BE49-F238E27FC236}">
-                    <a16:creationId xmlns:a16="http://schemas.microsoft.com/office/drawing/2014/main" id="{F4CB1192-8796-8802-A21E-B8CE9A92B390}"/>
-                  </a:ext>
-                </a:extLst>
-              </p:cNvPr>
-              <p:cNvSpPr/>
-              <p:nvPr/>
-            </p:nvSpPr>
-            <p:spPr>
-              <a:xfrm>
-                <a:off x="6290662" y="2532704"/>
-                <a:ext cx="221404" cy="113036"/>
-              </a:xfrm>
-              <a:prstGeom prst="rect">
-                <a:avLst/>
-              </a:prstGeom>
-              <a:solidFill>
-                <a:srgbClr val="3EA44D"/>
-              </a:solidFill>
-            </p:spPr>
-            <p:style>
-              <a:lnRef idx="2">
-                <a:schemeClr val="accent1">
-                  <a:shade val="15000"/>
-                </a:schemeClr>
-              </a:lnRef>
-              <a:fillRef idx="1">
-                <a:schemeClr val="accent1"/>
-              </a:fillRef>
-              <a:effectRef idx="0">
-                <a:schemeClr val="accent1"/>
-              </a:effectRef>
-              <a:fontRef idx="minor">
-                <a:schemeClr val="lt1"/>
-              </a:fontRef>
-            </p:style>
-            <p:txBody>
-              <a:bodyPr rtlCol="0" anchor="ctr"/>
-              <a:lstStyle/>
-              <a:p>
-                <a:pPr algn="ctr"/>
-                <a:endParaRPr lang="en-PH"/>
-              </a:p>
-            </p:txBody>
-          </p:sp>
+              </p:spPr>
+              <p:style>
+                <a:lnRef idx="2">
+                  <a:schemeClr val="accent1">
+                    <a:shade val="15000"/>
+                  </a:schemeClr>
+                </a:lnRef>
+                <a:fillRef idx="1">
+                  <a:schemeClr val="accent1"/>
+                </a:fillRef>
+                <a:effectRef idx="0">
+                  <a:schemeClr val="accent1"/>
+                </a:effectRef>
+                <a:fontRef idx="minor">
+                  <a:schemeClr val="lt1"/>
+                </a:fontRef>
+              </p:style>
+              <p:txBody>
+                <a:bodyPr rtlCol="0" anchor="ctr"/>
+                <a:lstStyle/>
+                <a:p>
+                  <a:pPr algn="ctr"/>
+                  <a:endParaRPr lang="en-PH"/>
+                </a:p>
+              </p:txBody>
+            </p:sp>
+            <p:sp>
+              <p:nvSpPr>
+                <p:cNvPr id="19" name="Rectangle 18">
+                  <a:extLst>
+                    <a:ext uri="{FF2B5EF4-FFF2-40B4-BE49-F238E27FC236}">
+                      <a16:creationId xmlns:a16="http://schemas.microsoft.com/office/drawing/2014/main" id="{E64826E0-8EC4-B6EF-862A-18989A26D343}"/>
+                    </a:ext>
+                  </a:extLst>
+                </p:cNvPr>
+                <p:cNvSpPr/>
+                <p:nvPr/>
+              </p:nvSpPr>
+              <p:spPr>
+                <a:xfrm>
+                  <a:off x="6290662" y="2286764"/>
+                  <a:ext cx="221404" cy="113036"/>
+                </a:xfrm>
+                <a:prstGeom prst="rect">
+                  <a:avLst/>
+                </a:prstGeom>
+                <a:solidFill>
+                  <a:srgbClr val="E36F47"/>
+                </a:solidFill>
+              </p:spPr>
+              <p:style>
+                <a:lnRef idx="2">
+                  <a:schemeClr val="accent1">
+                    <a:shade val="15000"/>
+                  </a:schemeClr>
+                </a:lnRef>
+                <a:fillRef idx="1">
+                  <a:schemeClr val="accent1"/>
+                </a:fillRef>
+                <a:effectRef idx="0">
+                  <a:schemeClr val="accent1"/>
+                </a:effectRef>
+                <a:fontRef idx="minor">
+                  <a:schemeClr val="lt1"/>
+                </a:fontRef>
+              </p:style>
+              <p:txBody>
+                <a:bodyPr rtlCol="0" anchor="ctr"/>
+                <a:lstStyle/>
+                <a:p>
+                  <a:pPr algn="ctr"/>
+                  <a:endParaRPr lang="en-PH"/>
+                </a:p>
+              </p:txBody>
+            </p:sp>
+            <p:sp>
+              <p:nvSpPr>
+                <p:cNvPr id="20" name="Rectangle 19">
+                  <a:extLst>
+                    <a:ext uri="{FF2B5EF4-FFF2-40B4-BE49-F238E27FC236}">
+                      <a16:creationId xmlns:a16="http://schemas.microsoft.com/office/drawing/2014/main" id="{F4CB1192-8796-8802-A21E-B8CE9A92B390}"/>
+                    </a:ext>
+                  </a:extLst>
+                </p:cNvPr>
+                <p:cNvSpPr/>
+                <p:nvPr/>
+              </p:nvSpPr>
+              <p:spPr>
+                <a:xfrm>
+                  <a:off x="6290662" y="2532704"/>
+                  <a:ext cx="221404" cy="113036"/>
+                </a:xfrm>
+                <a:prstGeom prst="rect">
+                  <a:avLst/>
+                </a:prstGeom>
+                <a:solidFill>
+                  <a:srgbClr val="3EA44D"/>
+                </a:solidFill>
+              </p:spPr>
+              <p:style>
+                <a:lnRef idx="2">
+                  <a:schemeClr val="accent1">
+                    <a:shade val="15000"/>
+                  </a:schemeClr>
+                </a:lnRef>
+                <a:fillRef idx="1">
+                  <a:schemeClr val="accent1"/>
+                </a:fillRef>
+                <a:effectRef idx="0">
+                  <a:schemeClr val="accent1"/>
+                </a:effectRef>
+                <a:fontRef idx="minor">
+                  <a:schemeClr val="lt1"/>
+                </a:fontRef>
+              </p:style>
+              <p:txBody>
+                <a:bodyPr rtlCol="0" anchor="ctr"/>
+                <a:lstStyle/>
+                <a:p>
+                  <a:pPr algn="ctr"/>
+                  <a:endParaRPr lang="en-PH"/>
+                </a:p>
+              </p:txBody>
+            </p:sp>
+          </p:grpSp>
         </p:grpSp>
+        <mc:AlternateContent xmlns:mc="http://schemas.openxmlformats.org/markup-compatibility/2006">
+          <mc:Choice xmlns:a14="http://schemas.microsoft.com/office/drawing/2010/main" Requires="a14">
+            <p:sp>
+              <p:nvSpPr>
+                <p:cNvPr id="2" name="TextBox 1">
+                  <a:extLst>
+                    <a:ext uri="{FF2B5EF4-FFF2-40B4-BE49-F238E27FC236}">
+                      <a16:creationId xmlns:a16="http://schemas.microsoft.com/office/drawing/2014/main" id="{AEB41825-1E64-ACD0-D79C-6984A85D5A8D}"/>
+                    </a:ext>
+                  </a:extLst>
+                </p:cNvPr>
+                <p:cNvSpPr txBox="1"/>
+                <p:nvPr/>
+              </p:nvSpPr>
+              <p:spPr>
+                <a:xfrm>
+                  <a:off x="3273497" y="1319166"/>
+                  <a:ext cx="1707614" cy="276999"/>
+                </a:xfrm>
+                <a:prstGeom prst="rect">
+                  <a:avLst/>
+                </a:prstGeom>
+                <a:noFill/>
+              </p:spPr>
+              <p:txBody>
+                <a:bodyPr wrap="square" rtlCol="0">
+                  <a:spAutoFit/>
+                </a:bodyPr>
+                <a:lstStyle/>
+                <a:p>
+                  <a:r>
+                    <a:rPr lang="en-PH" sz="1200" dirty="0">
+                      <a:solidFill>
+                        <a:srgbClr val="009BFA"/>
+                      </a:solidFill>
+                    </a:rPr>
+                    <a:t>Traditional </a:t>
+                  </a:r>
+                  <a14:m>
+                    <m:oMath xmlns:m="http://schemas.openxmlformats.org/officeDocument/2006/math">
+                      <m:r>
+                        <a:rPr lang="en-PH" sz="1200" b="0" i="1">
+                          <a:solidFill>
+                            <a:srgbClr val="009BFA"/>
+                          </a:solidFill>
+                          <a:latin typeface="Cambria Math" panose="02040503050406030204" pitchFamily="18" charset="0"/>
+                        </a:rPr>
+                        <m:t>(</m:t>
+                      </m:r>
+                      <m:sSub>
+                        <m:sSubPr>
+                          <m:ctrlPr>
+                            <a:rPr lang="en-PH" sz="1200" i="1">
+                              <a:solidFill>
+                                <a:srgbClr val="009BFA"/>
+                              </a:solidFill>
+                              <a:latin typeface="Cambria Math" panose="02040503050406030204" pitchFamily="18" charset="0"/>
+                            </a:rPr>
+                          </m:ctrlPr>
+                        </m:sSubPr>
+                        <m:e>
+                          <m:r>
+                            <a:rPr lang="en-PH" sz="1200" b="0" i="1">
+                              <a:solidFill>
+                                <a:srgbClr val="009BFA"/>
+                              </a:solidFill>
+                              <a:latin typeface="Cambria Math" panose="02040503050406030204" pitchFamily="18" charset="0"/>
+                            </a:rPr>
+                            <m:t>𝜌</m:t>
+                          </m:r>
+                        </m:e>
+                        <m:sub>
+                          <m:r>
+                            <a:rPr lang="en-PH" sz="1200" b="0" i="1">
+                              <a:solidFill>
+                                <a:srgbClr val="009BFA"/>
+                              </a:solidFill>
+                              <a:latin typeface="Cambria Math" panose="02040503050406030204" pitchFamily="18" charset="0"/>
+                            </a:rPr>
+                            <m:t>0</m:t>
+                          </m:r>
+                        </m:sub>
+                      </m:sSub>
+                      <m:r>
+                        <a:rPr lang="en-PH" sz="1200" b="0" i="1">
+                          <a:solidFill>
+                            <a:srgbClr val="009BFA"/>
+                          </a:solidFill>
+                          <a:latin typeface="Cambria Math" panose="02040503050406030204" pitchFamily="18" charset="0"/>
+                        </a:rPr>
+                        <m:t>=0.1)</m:t>
+                      </m:r>
+                    </m:oMath>
+                  </a14:m>
+                  <a:endParaRPr lang="en-PH" sz="1200" dirty="0">
+                    <a:solidFill>
+                      <a:srgbClr val="009BFA"/>
+                    </a:solidFill>
+                  </a:endParaRPr>
+                </a:p>
+              </p:txBody>
+            </p:sp>
+          </mc:Choice>
+          <mc:Fallback>
+            <p:sp>
+              <p:nvSpPr>
+                <p:cNvPr id="2" name="TextBox 1">
+                  <a:extLst>
+                    <a:ext uri="{FF2B5EF4-FFF2-40B4-BE49-F238E27FC236}">
+                      <a16:creationId xmlns:a16="http://schemas.microsoft.com/office/drawing/2014/main" id="{AEB41825-1E64-ACD0-D79C-6984A85D5A8D}"/>
+                    </a:ext>
+                  </a:extLst>
+                </p:cNvPr>
+                <p:cNvSpPr txBox="1">
+                  <a:spLocks noRot="1" noChangeAspect="1" noMove="1" noResize="1" noEditPoints="1" noAdjustHandles="1" noChangeArrowheads="1" noChangeShapeType="1" noTextEdit="1"/>
+                </p:cNvSpPr>
+                <p:nvPr/>
+              </p:nvSpPr>
+              <p:spPr>
+                <a:xfrm>
+                  <a:off x="3273497" y="1319166"/>
+                  <a:ext cx="1707614" cy="276999"/>
+                </a:xfrm>
+                <a:prstGeom prst="rect">
+                  <a:avLst/>
+                </a:prstGeom>
+                <a:blipFill>
+                  <a:blip r:embed="rId4"/>
+                  <a:stretch>
+                    <a:fillRect l="-357" b="-15217"/>
+                  </a:stretch>
+                </a:blipFill>
+              </p:spPr>
+              <p:txBody>
+                <a:bodyPr/>
+                <a:lstStyle/>
+                <a:p>
+                  <a:r>
+                    <a:rPr lang="en-PH">
+                      <a:noFill/>
+                    </a:rPr>
+                    <a:t> </a:t>
+                  </a:r>
+                </a:p>
+              </p:txBody>
+            </p:sp>
+          </mc:Fallback>
+        </mc:AlternateContent>
+        <mc:AlternateContent xmlns:mc="http://schemas.openxmlformats.org/markup-compatibility/2006">
+          <mc:Choice xmlns:a14="http://schemas.microsoft.com/office/drawing/2010/main" Requires="a14">
+            <p:sp>
+              <p:nvSpPr>
+                <p:cNvPr id="3" name="TextBox 2">
+                  <a:extLst>
+                    <a:ext uri="{FF2B5EF4-FFF2-40B4-BE49-F238E27FC236}">
+                      <a16:creationId xmlns:a16="http://schemas.microsoft.com/office/drawing/2014/main" id="{7F38430B-E3B0-E124-5216-854901F2D14F}"/>
+                    </a:ext>
+                  </a:extLst>
+                </p:cNvPr>
+                <p:cNvSpPr txBox="1"/>
+                <p:nvPr/>
+              </p:nvSpPr>
+              <p:spPr>
+                <a:xfrm>
+                  <a:off x="4019386" y="2240911"/>
+                  <a:ext cx="1307000" cy="276999"/>
+                </a:xfrm>
+                <a:prstGeom prst="rect">
+                  <a:avLst/>
+                </a:prstGeom>
+                <a:noFill/>
+              </p:spPr>
+              <p:txBody>
+                <a:bodyPr wrap="square" rtlCol="0">
+                  <a:spAutoFit/>
+                </a:bodyPr>
+                <a:lstStyle/>
+                <a:p>
+                  <a:r>
+                    <a:rPr lang="en-PH" sz="1200" dirty="0">
+                      <a:solidFill>
+                        <a:srgbClr val="009BFA"/>
+                      </a:solidFill>
+                    </a:rPr>
+                    <a:t>Peer </a:t>
+                  </a:r>
+                  <a14:m>
+                    <m:oMath xmlns:m="http://schemas.openxmlformats.org/officeDocument/2006/math">
+                      <m:r>
+                        <a:rPr lang="en-PH" sz="1200" b="0" i="1">
+                          <a:solidFill>
+                            <a:srgbClr val="009BFA"/>
+                          </a:solidFill>
+                          <a:latin typeface="Cambria Math" panose="02040503050406030204" pitchFamily="18" charset="0"/>
+                        </a:rPr>
+                        <m:t>(</m:t>
+                      </m:r>
+                      <m:sSub>
+                        <m:sSubPr>
+                          <m:ctrlPr>
+                            <a:rPr lang="en-PH" sz="1200" i="1">
+                              <a:solidFill>
+                                <a:srgbClr val="009BFA"/>
+                              </a:solidFill>
+                              <a:latin typeface="Cambria Math" panose="02040503050406030204" pitchFamily="18" charset="0"/>
+                            </a:rPr>
+                          </m:ctrlPr>
+                        </m:sSubPr>
+                        <m:e>
+                          <m:r>
+                            <a:rPr lang="en-PH" sz="1200" b="0" i="1">
+                              <a:solidFill>
+                                <a:srgbClr val="009BFA"/>
+                              </a:solidFill>
+                              <a:latin typeface="Cambria Math" panose="02040503050406030204" pitchFamily="18" charset="0"/>
+                            </a:rPr>
+                            <m:t>𝜌</m:t>
+                          </m:r>
+                        </m:e>
+                        <m:sub>
+                          <m:r>
+                            <a:rPr lang="en-PH" sz="1200" b="0" i="1">
+                              <a:solidFill>
+                                <a:srgbClr val="009BFA"/>
+                              </a:solidFill>
+                              <a:latin typeface="Cambria Math" panose="02040503050406030204" pitchFamily="18" charset="0"/>
+                            </a:rPr>
+                            <m:t>0</m:t>
+                          </m:r>
+                        </m:sub>
+                      </m:sSub>
+                      <m:r>
+                        <a:rPr lang="en-PH" sz="1200" b="0" i="1">
+                          <a:solidFill>
+                            <a:srgbClr val="009BFA"/>
+                          </a:solidFill>
+                          <a:latin typeface="Cambria Math" panose="02040503050406030204" pitchFamily="18" charset="0"/>
+                        </a:rPr>
+                        <m:t>=0.1)</m:t>
+                      </m:r>
+                    </m:oMath>
+                  </a14:m>
+                  <a:endParaRPr lang="en-PH" sz="1200" dirty="0">
+                    <a:solidFill>
+                      <a:srgbClr val="009BFA"/>
+                    </a:solidFill>
+                  </a:endParaRPr>
+                </a:p>
+              </p:txBody>
+            </p:sp>
+          </mc:Choice>
+          <mc:Fallback>
+            <p:sp>
+              <p:nvSpPr>
+                <p:cNvPr id="3" name="TextBox 2">
+                  <a:extLst>
+                    <a:ext uri="{FF2B5EF4-FFF2-40B4-BE49-F238E27FC236}">
+                      <a16:creationId xmlns:a16="http://schemas.microsoft.com/office/drawing/2014/main" id="{7F38430B-E3B0-E124-5216-854901F2D14F}"/>
+                    </a:ext>
+                  </a:extLst>
+                </p:cNvPr>
+                <p:cNvSpPr txBox="1">
+                  <a:spLocks noRot="1" noChangeAspect="1" noMove="1" noResize="1" noEditPoints="1" noAdjustHandles="1" noChangeArrowheads="1" noChangeShapeType="1" noTextEdit="1"/>
+                </p:cNvSpPr>
+                <p:nvPr/>
+              </p:nvSpPr>
+              <p:spPr>
+                <a:xfrm>
+                  <a:off x="4019386" y="2240911"/>
+                  <a:ext cx="1307000" cy="276999"/>
+                </a:xfrm>
+                <a:prstGeom prst="rect">
+                  <a:avLst/>
+                </a:prstGeom>
+                <a:blipFill>
+                  <a:blip r:embed="rId5"/>
+                  <a:stretch>
+                    <a:fillRect t="-2222" b="-17778"/>
+                  </a:stretch>
+                </a:blipFill>
+              </p:spPr>
+              <p:txBody>
+                <a:bodyPr/>
+                <a:lstStyle/>
+                <a:p>
+                  <a:r>
+                    <a:rPr lang="en-PH">
+                      <a:noFill/>
+                    </a:rPr>
+                    <a:t> </a:t>
+                  </a:r>
+                </a:p>
+              </p:txBody>
+            </p:sp>
+          </mc:Fallback>
+        </mc:AlternateContent>
+        <mc:AlternateContent xmlns:mc="http://schemas.openxmlformats.org/markup-compatibility/2006">
+          <mc:Choice xmlns:a14="http://schemas.microsoft.com/office/drawing/2010/main" Requires="a14">
+            <p:sp>
+              <p:nvSpPr>
+                <p:cNvPr id="12" name="TextBox 11">
+                  <a:extLst>
+                    <a:ext uri="{FF2B5EF4-FFF2-40B4-BE49-F238E27FC236}">
+                      <a16:creationId xmlns:a16="http://schemas.microsoft.com/office/drawing/2014/main" id="{117BF005-4031-913A-7CB5-BDD1C0D326F7}"/>
+                    </a:ext>
+                  </a:extLst>
+                </p:cNvPr>
+                <p:cNvSpPr txBox="1"/>
+                <p:nvPr/>
+              </p:nvSpPr>
+              <p:spPr>
+                <a:xfrm>
+                  <a:off x="3119772" y="4528842"/>
+                  <a:ext cx="1707614" cy="276999"/>
+                </a:xfrm>
+                <a:prstGeom prst="rect">
+                  <a:avLst/>
+                </a:prstGeom>
+                <a:noFill/>
+              </p:spPr>
+              <p:txBody>
+                <a:bodyPr wrap="square" rtlCol="0">
+                  <a:spAutoFit/>
+                </a:bodyPr>
+                <a:lstStyle/>
+                <a:p>
+                  <a:r>
+                    <a:rPr lang="en-PH" sz="1200" dirty="0">
+                      <a:solidFill>
+                        <a:srgbClr val="3EA44D"/>
+                      </a:solidFill>
+                    </a:rPr>
+                    <a:t>Traditional </a:t>
+                  </a:r>
+                  <a14:m>
+                    <m:oMath xmlns:m="http://schemas.openxmlformats.org/officeDocument/2006/math">
+                      <m:r>
+                        <a:rPr lang="en-PH" sz="1200" b="0" i="1">
+                          <a:solidFill>
+                            <a:srgbClr val="3EA44D"/>
+                          </a:solidFill>
+                          <a:latin typeface="Cambria Math" panose="02040503050406030204" pitchFamily="18" charset="0"/>
+                        </a:rPr>
+                        <m:t>(</m:t>
+                      </m:r>
+                      <m:sSub>
+                        <m:sSubPr>
+                          <m:ctrlPr>
+                            <a:rPr lang="en-PH" sz="1200" i="1">
+                              <a:solidFill>
+                                <a:srgbClr val="3EA44D"/>
+                              </a:solidFill>
+                              <a:latin typeface="Cambria Math" panose="02040503050406030204" pitchFamily="18" charset="0"/>
+                            </a:rPr>
+                          </m:ctrlPr>
+                        </m:sSubPr>
+                        <m:e>
+                          <m:r>
+                            <a:rPr lang="en-PH" sz="1200" b="0" i="1">
+                              <a:solidFill>
+                                <a:srgbClr val="3EA44D"/>
+                              </a:solidFill>
+                              <a:latin typeface="Cambria Math" panose="02040503050406030204" pitchFamily="18" charset="0"/>
+                            </a:rPr>
+                            <m:t>𝜌</m:t>
+                          </m:r>
+                        </m:e>
+                        <m:sub>
+                          <m:r>
+                            <a:rPr lang="en-PH" sz="1200" b="0" i="1">
+                              <a:solidFill>
+                                <a:srgbClr val="3EA44D"/>
+                              </a:solidFill>
+                              <a:latin typeface="Cambria Math" panose="02040503050406030204" pitchFamily="18" charset="0"/>
+                            </a:rPr>
+                            <m:t>0</m:t>
+                          </m:r>
+                        </m:sub>
+                      </m:sSub>
+                      <m:r>
+                        <a:rPr lang="en-PH" sz="1200" b="0" i="1">
+                          <a:solidFill>
+                            <a:srgbClr val="3EA44D"/>
+                          </a:solidFill>
+                          <a:latin typeface="Cambria Math" panose="02040503050406030204" pitchFamily="18" charset="0"/>
+                        </a:rPr>
+                        <m:t>=0.</m:t>
+                      </m:r>
+                      <m:r>
+                        <a:rPr lang="en-PH" sz="1200" b="0" i="1" smtClean="0">
+                          <a:solidFill>
+                            <a:srgbClr val="3EA44D"/>
+                          </a:solidFill>
+                          <a:latin typeface="Cambria Math" panose="02040503050406030204" pitchFamily="18" charset="0"/>
+                        </a:rPr>
+                        <m:t>9</m:t>
+                      </m:r>
+                      <m:r>
+                        <a:rPr lang="en-PH" sz="1200" b="0" i="1">
+                          <a:solidFill>
+                            <a:srgbClr val="3EA44D"/>
+                          </a:solidFill>
+                          <a:latin typeface="Cambria Math" panose="02040503050406030204" pitchFamily="18" charset="0"/>
+                        </a:rPr>
+                        <m:t>)</m:t>
+                      </m:r>
+                    </m:oMath>
+                  </a14:m>
+                  <a:endParaRPr lang="en-PH" sz="1200" dirty="0">
+                    <a:solidFill>
+                      <a:srgbClr val="3EA44D"/>
+                    </a:solidFill>
+                  </a:endParaRPr>
+                </a:p>
+              </p:txBody>
+            </p:sp>
+          </mc:Choice>
+          <mc:Fallback>
+            <p:sp>
+              <p:nvSpPr>
+                <p:cNvPr id="12" name="TextBox 11">
+                  <a:extLst>
+                    <a:ext uri="{FF2B5EF4-FFF2-40B4-BE49-F238E27FC236}">
+                      <a16:creationId xmlns:a16="http://schemas.microsoft.com/office/drawing/2014/main" id="{117BF005-4031-913A-7CB5-BDD1C0D326F7}"/>
+                    </a:ext>
+                  </a:extLst>
+                </p:cNvPr>
+                <p:cNvSpPr txBox="1">
+                  <a:spLocks noRot="1" noChangeAspect="1" noMove="1" noResize="1" noEditPoints="1" noAdjustHandles="1" noChangeArrowheads="1" noChangeShapeType="1" noTextEdit="1"/>
+                </p:cNvSpPr>
+                <p:nvPr/>
+              </p:nvSpPr>
+              <p:spPr>
+                <a:xfrm>
+                  <a:off x="3119772" y="4528842"/>
+                  <a:ext cx="1707614" cy="276999"/>
+                </a:xfrm>
+                <a:prstGeom prst="rect">
+                  <a:avLst/>
+                </a:prstGeom>
+                <a:blipFill>
+                  <a:blip r:embed="rId6"/>
+                  <a:stretch>
+                    <a:fillRect l="-357" t="-2222" b="-17778"/>
+                  </a:stretch>
+                </a:blipFill>
+              </p:spPr>
+              <p:txBody>
+                <a:bodyPr/>
+                <a:lstStyle/>
+                <a:p>
+                  <a:r>
+                    <a:rPr lang="en-PH">
+                      <a:noFill/>
+                    </a:rPr>
+                    <a:t> </a:t>
+                  </a:r>
+                </a:p>
+              </p:txBody>
+            </p:sp>
+          </mc:Fallback>
+        </mc:AlternateContent>
+        <mc:AlternateContent xmlns:mc="http://schemas.openxmlformats.org/markup-compatibility/2006">
+          <mc:Choice xmlns:a14="http://schemas.microsoft.com/office/drawing/2010/main" Requires="a14">
+            <p:sp>
+              <p:nvSpPr>
+                <p:cNvPr id="14" name="TextBox 13">
+                  <a:extLst>
+                    <a:ext uri="{FF2B5EF4-FFF2-40B4-BE49-F238E27FC236}">
+                      <a16:creationId xmlns:a16="http://schemas.microsoft.com/office/drawing/2014/main" id="{FA964B9E-EFD2-AB02-D13A-BF825C30289D}"/>
+                    </a:ext>
+                  </a:extLst>
+                </p:cNvPr>
+                <p:cNvSpPr txBox="1"/>
+                <p:nvPr/>
+              </p:nvSpPr>
+              <p:spPr>
+                <a:xfrm>
+                  <a:off x="6227197" y="3022923"/>
+                  <a:ext cx="1307000" cy="276999"/>
+                </a:xfrm>
+                <a:prstGeom prst="rect">
+                  <a:avLst/>
+                </a:prstGeom>
+                <a:noFill/>
+              </p:spPr>
+              <p:txBody>
+                <a:bodyPr wrap="square" rtlCol="0">
+                  <a:spAutoFit/>
+                </a:bodyPr>
+                <a:lstStyle/>
+                <a:p>
+                  <a:r>
+                    <a:rPr lang="en-PH" sz="1200" dirty="0">
+                      <a:solidFill>
+                        <a:srgbClr val="3EA44D"/>
+                      </a:solidFill>
+                    </a:rPr>
+                    <a:t>Peer </a:t>
+                  </a:r>
+                  <a14:m>
+                    <m:oMath xmlns:m="http://schemas.openxmlformats.org/officeDocument/2006/math">
+                      <m:r>
+                        <a:rPr lang="en-PH" sz="1200" b="0" i="1">
+                          <a:solidFill>
+                            <a:srgbClr val="3EA44D"/>
+                          </a:solidFill>
+                          <a:latin typeface="Cambria Math" panose="02040503050406030204" pitchFamily="18" charset="0"/>
+                        </a:rPr>
+                        <m:t>(</m:t>
+                      </m:r>
+                      <m:sSub>
+                        <m:sSubPr>
+                          <m:ctrlPr>
+                            <a:rPr lang="en-PH" sz="1200" i="1">
+                              <a:solidFill>
+                                <a:srgbClr val="3EA44D"/>
+                              </a:solidFill>
+                              <a:latin typeface="Cambria Math" panose="02040503050406030204" pitchFamily="18" charset="0"/>
+                            </a:rPr>
+                          </m:ctrlPr>
+                        </m:sSubPr>
+                        <m:e>
+                          <m:r>
+                            <a:rPr lang="en-PH" sz="1200" b="0" i="1">
+                              <a:solidFill>
+                                <a:srgbClr val="3EA44D"/>
+                              </a:solidFill>
+                              <a:latin typeface="Cambria Math" panose="02040503050406030204" pitchFamily="18" charset="0"/>
+                            </a:rPr>
+                            <m:t>𝜌</m:t>
+                          </m:r>
+                        </m:e>
+                        <m:sub>
+                          <m:r>
+                            <a:rPr lang="en-PH" sz="1200" b="0" i="1">
+                              <a:solidFill>
+                                <a:srgbClr val="3EA44D"/>
+                              </a:solidFill>
+                              <a:latin typeface="Cambria Math" panose="02040503050406030204" pitchFamily="18" charset="0"/>
+                            </a:rPr>
+                            <m:t>0</m:t>
+                          </m:r>
+                        </m:sub>
+                      </m:sSub>
+                      <m:r>
+                        <a:rPr lang="en-PH" sz="1200" b="0" i="1">
+                          <a:solidFill>
+                            <a:srgbClr val="3EA44D"/>
+                          </a:solidFill>
+                          <a:latin typeface="Cambria Math" panose="02040503050406030204" pitchFamily="18" charset="0"/>
+                        </a:rPr>
+                        <m:t>=0.</m:t>
+                      </m:r>
+                      <m:r>
+                        <a:rPr lang="en-PH" sz="1200" b="0" i="1" smtClean="0">
+                          <a:solidFill>
+                            <a:srgbClr val="3EA44D"/>
+                          </a:solidFill>
+                          <a:latin typeface="Cambria Math" panose="02040503050406030204" pitchFamily="18" charset="0"/>
+                        </a:rPr>
+                        <m:t>9</m:t>
+                      </m:r>
+                      <m:r>
+                        <a:rPr lang="en-PH" sz="1200" b="0" i="1">
+                          <a:solidFill>
+                            <a:srgbClr val="3EA44D"/>
+                          </a:solidFill>
+                          <a:latin typeface="Cambria Math" panose="02040503050406030204" pitchFamily="18" charset="0"/>
+                        </a:rPr>
+                        <m:t>)</m:t>
+                      </m:r>
+                    </m:oMath>
+                  </a14:m>
+                  <a:endParaRPr lang="en-PH" sz="1200" dirty="0">
+                    <a:solidFill>
+                      <a:srgbClr val="3EA44D"/>
+                    </a:solidFill>
+                  </a:endParaRPr>
+                </a:p>
+              </p:txBody>
+            </p:sp>
+          </mc:Choice>
+          <mc:Fallback>
+            <p:sp>
+              <p:nvSpPr>
+                <p:cNvPr id="14" name="TextBox 13">
+                  <a:extLst>
+                    <a:ext uri="{FF2B5EF4-FFF2-40B4-BE49-F238E27FC236}">
+                      <a16:creationId xmlns:a16="http://schemas.microsoft.com/office/drawing/2014/main" id="{FA964B9E-EFD2-AB02-D13A-BF825C30289D}"/>
+                    </a:ext>
+                  </a:extLst>
+                </p:cNvPr>
+                <p:cNvSpPr txBox="1">
+                  <a:spLocks noRot="1" noChangeAspect="1" noMove="1" noResize="1" noEditPoints="1" noAdjustHandles="1" noChangeArrowheads="1" noChangeShapeType="1" noTextEdit="1"/>
+                </p:cNvSpPr>
+                <p:nvPr/>
+              </p:nvSpPr>
+              <p:spPr>
+                <a:xfrm>
+                  <a:off x="6227197" y="3022923"/>
+                  <a:ext cx="1307000" cy="276999"/>
+                </a:xfrm>
+                <a:prstGeom prst="rect">
+                  <a:avLst/>
+                </a:prstGeom>
+                <a:blipFill>
+                  <a:blip r:embed="rId7"/>
+                  <a:stretch>
+                    <a:fillRect l="-467" t="-2222" b="-17778"/>
+                  </a:stretch>
+                </a:blipFill>
+              </p:spPr>
+              <p:txBody>
+                <a:bodyPr/>
+                <a:lstStyle/>
+                <a:p>
+                  <a:r>
+                    <a:rPr lang="en-PH">
+                      <a:noFill/>
+                    </a:rPr>
+                    <a:t> </a:t>
+                  </a:r>
+                </a:p>
+              </p:txBody>
+            </p:sp>
+          </mc:Fallback>
+        </mc:AlternateContent>
+        <mc:AlternateContent xmlns:mc="http://schemas.openxmlformats.org/markup-compatibility/2006">
+          <mc:Choice xmlns:a14="http://schemas.microsoft.com/office/drawing/2010/main" Requires="a14">
+            <p:sp>
+              <p:nvSpPr>
+                <p:cNvPr id="21" name="TextBox 20">
+                  <a:extLst>
+                    <a:ext uri="{FF2B5EF4-FFF2-40B4-BE49-F238E27FC236}">
+                      <a16:creationId xmlns:a16="http://schemas.microsoft.com/office/drawing/2014/main" id="{9D5E5224-9A9A-EDDD-DFBF-8A3DC4FC83B3}"/>
+                    </a:ext>
+                  </a:extLst>
+                </p:cNvPr>
+                <p:cNvSpPr txBox="1"/>
+                <p:nvPr/>
+              </p:nvSpPr>
+              <p:spPr>
+                <a:xfrm>
+                  <a:off x="5144704" y="3774793"/>
+                  <a:ext cx="1707614" cy="276999"/>
+                </a:xfrm>
+                <a:prstGeom prst="rect">
+                  <a:avLst/>
+                </a:prstGeom>
+                <a:noFill/>
+              </p:spPr>
+              <p:txBody>
+                <a:bodyPr wrap="square" rtlCol="0">
+                  <a:spAutoFit/>
+                </a:bodyPr>
+                <a:lstStyle/>
+                <a:p>
+                  <a:r>
+                    <a:rPr lang="en-PH" sz="1200" dirty="0">
+                      <a:solidFill>
+                        <a:srgbClr val="E36F47"/>
+                      </a:solidFill>
+                    </a:rPr>
+                    <a:t>Traditional </a:t>
+                  </a:r>
+                  <a14:m>
+                    <m:oMath xmlns:m="http://schemas.openxmlformats.org/officeDocument/2006/math">
+                      <m:r>
+                        <a:rPr lang="en-PH" sz="1200" b="0" i="1">
+                          <a:solidFill>
+                            <a:srgbClr val="E36F47"/>
+                          </a:solidFill>
+                          <a:latin typeface="Cambria Math" panose="02040503050406030204" pitchFamily="18" charset="0"/>
+                        </a:rPr>
+                        <m:t>(</m:t>
+                      </m:r>
+                      <m:sSub>
+                        <m:sSubPr>
+                          <m:ctrlPr>
+                            <a:rPr lang="en-PH" sz="1200" i="1">
+                              <a:solidFill>
+                                <a:srgbClr val="E36F47"/>
+                              </a:solidFill>
+                              <a:latin typeface="Cambria Math" panose="02040503050406030204" pitchFamily="18" charset="0"/>
+                            </a:rPr>
+                          </m:ctrlPr>
+                        </m:sSubPr>
+                        <m:e>
+                          <m:r>
+                            <a:rPr lang="en-PH" sz="1200" b="0" i="1">
+                              <a:solidFill>
+                                <a:srgbClr val="E36F47"/>
+                              </a:solidFill>
+                              <a:latin typeface="Cambria Math" panose="02040503050406030204" pitchFamily="18" charset="0"/>
+                            </a:rPr>
+                            <m:t>𝜌</m:t>
+                          </m:r>
+                        </m:e>
+                        <m:sub>
+                          <m:r>
+                            <a:rPr lang="en-PH" sz="1200" b="0" i="1">
+                              <a:solidFill>
+                                <a:srgbClr val="E36F47"/>
+                              </a:solidFill>
+                              <a:latin typeface="Cambria Math" panose="02040503050406030204" pitchFamily="18" charset="0"/>
+                            </a:rPr>
+                            <m:t>0</m:t>
+                          </m:r>
+                        </m:sub>
+                      </m:sSub>
+                      <m:r>
+                        <a:rPr lang="en-PH" sz="1200" b="0" i="1">
+                          <a:solidFill>
+                            <a:srgbClr val="E36F47"/>
+                          </a:solidFill>
+                          <a:latin typeface="Cambria Math" panose="02040503050406030204" pitchFamily="18" charset="0"/>
+                        </a:rPr>
+                        <m:t>=0.</m:t>
+                      </m:r>
+                      <m:r>
+                        <a:rPr lang="en-PH" sz="1200" b="0" i="1" smtClean="0">
+                          <a:solidFill>
+                            <a:srgbClr val="E36F47"/>
+                          </a:solidFill>
+                          <a:latin typeface="Cambria Math" panose="02040503050406030204" pitchFamily="18" charset="0"/>
+                        </a:rPr>
+                        <m:t>5</m:t>
+                      </m:r>
+                      <m:r>
+                        <a:rPr lang="en-PH" sz="1200" b="0" i="1">
+                          <a:solidFill>
+                            <a:srgbClr val="E36F47"/>
+                          </a:solidFill>
+                          <a:latin typeface="Cambria Math" panose="02040503050406030204" pitchFamily="18" charset="0"/>
+                        </a:rPr>
+                        <m:t>)</m:t>
+                      </m:r>
+                    </m:oMath>
+                  </a14:m>
+                  <a:endParaRPr lang="en-PH" sz="1200" dirty="0">
+                    <a:solidFill>
+                      <a:srgbClr val="E36F47"/>
+                    </a:solidFill>
+                  </a:endParaRPr>
+                </a:p>
+              </p:txBody>
+            </p:sp>
+          </mc:Choice>
+          <mc:Fallback>
+            <p:sp>
+              <p:nvSpPr>
+                <p:cNvPr id="21" name="TextBox 20">
+                  <a:extLst>
+                    <a:ext uri="{FF2B5EF4-FFF2-40B4-BE49-F238E27FC236}">
+                      <a16:creationId xmlns:a16="http://schemas.microsoft.com/office/drawing/2014/main" id="{9D5E5224-9A9A-EDDD-DFBF-8A3DC4FC83B3}"/>
+                    </a:ext>
+                  </a:extLst>
+                </p:cNvPr>
+                <p:cNvSpPr txBox="1">
+                  <a:spLocks noRot="1" noChangeAspect="1" noMove="1" noResize="1" noEditPoints="1" noAdjustHandles="1" noChangeArrowheads="1" noChangeShapeType="1" noTextEdit="1"/>
+                </p:cNvSpPr>
+                <p:nvPr/>
+              </p:nvSpPr>
+              <p:spPr>
+                <a:xfrm>
+                  <a:off x="5144704" y="3774793"/>
+                  <a:ext cx="1707614" cy="276999"/>
+                </a:xfrm>
+                <a:prstGeom prst="rect">
+                  <a:avLst/>
+                </a:prstGeom>
+                <a:blipFill>
+                  <a:blip r:embed="rId8"/>
+                  <a:stretch>
+                    <a:fillRect l="-357" b="-15217"/>
+                  </a:stretch>
+                </a:blipFill>
+              </p:spPr>
+              <p:txBody>
+                <a:bodyPr/>
+                <a:lstStyle/>
+                <a:p>
+                  <a:r>
+                    <a:rPr lang="en-PH">
+                      <a:noFill/>
+                    </a:rPr>
+                    <a:t> </a:t>
+                  </a:r>
+                </a:p>
+              </p:txBody>
+            </p:sp>
+          </mc:Fallback>
+        </mc:AlternateContent>
+        <mc:AlternateContent xmlns:mc="http://schemas.openxmlformats.org/markup-compatibility/2006">
+          <mc:Choice xmlns:a14="http://schemas.microsoft.com/office/drawing/2010/main" Requires="a14">
+            <p:sp>
+              <p:nvSpPr>
+                <p:cNvPr id="22" name="TextBox 21">
+                  <a:extLst>
+                    <a:ext uri="{FF2B5EF4-FFF2-40B4-BE49-F238E27FC236}">
+                      <a16:creationId xmlns:a16="http://schemas.microsoft.com/office/drawing/2014/main" id="{FD1F3F05-E7F4-8DB4-685F-B26E51EA604B}"/>
+                    </a:ext>
+                  </a:extLst>
+                </p:cNvPr>
+                <p:cNvSpPr txBox="1"/>
+                <p:nvPr/>
+              </p:nvSpPr>
+              <p:spPr>
+                <a:xfrm>
+                  <a:off x="4542846" y="2755162"/>
+                  <a:ext cx="1307000" cy="276999"/>
+                </a:xfrm>
+                <a:prstGeom prst="rect">
+                  <a:avLst/>
+                </a:prstGeom>
+                <a:noFill/>
+              </p:spPr>
+              <p:txBody>
+                <a:bodyPr wrap="square" rtlCol="0">
+                  <a:spAutoFit/>
+                </a:bodyPr>
+                <a:lstStyle/>
+                <a:p>
+                  <a:r>
+                    <a:rPr lang="en-PH" sz="1200" dirty="0">
+                      <a:solidFill>
+                        <a:srgbClr val="E36F47"/>
+                      </a:solidFill>
+                    </a:rPr>
+                    <a:t>Peer </a:t>
+                  </a:r>
+                  <a14:m>
+                    <m:oMath xmlns:m="http://schemas.openxmlformats.org/officeDocument/2006/math">
+                      <m:r>
+                        <a:rPr lang="en-PH" sz="1200" b="0" i="1">
+                          <a:solidFill>
+                            <a:srgbClr val="E36F47"/>
+                          </a:solidFill>
+                          <a:latin typeface="Cambria Math" panose="02040503050406030204" pitchFamily="18" charset="0"/>
+                        </a:rPr>
+                        <m:t>(</m:t>
+                      </m:r>
+                      <m:sSub>
+                        <m:sSubPr>
+                          <m:ctrlPr>
+                            <a:rPr lang="en-PH" sz="1200" i="1">
+                              <a:solidFill>
+                                <a:srgbClr val="E36F47"/>
+                              </a:solidFill>
+                              <a:latin typeface="Cambria Math" panose="02040503050406030204" pitchFamily="18" charset="0"/>
+                            </a:rPr>
+                          </m:ctrlPr>
+                        </m:sSubPr>
+                        <m:e>
+                          <m:r>
+                            <a:rPr lang="en-PH" sz="1200" b="0" i="1">
+                              <a:solidFill>
+                                <a:srgbClr val="E36F47"/>
+                              </a:solidFill>
+                              <a:latin typeface="Cambria Math" panose="02040503050406030204" pitchFamily="18" charset="0"/>
+                            </a:rPr>
+                            <m:t>𝜌</m:t>
+                          </m:r>
+                        </m:e>
+                        <m:sub>
+                          <m:r>
+                            <a:rPr lang="en-PH" sz="1200" b="0" i="1">
+                              <a:solidFill>
+                                <a:srgbClr val="E36F47"/>
+                              </a:solidFill>
+                              <a:latin typeface="Cambria Math" panose="02040503050406030204" pitchFamily="18" charset="0"/>
+                            </a:rPr>
+                            <m:t>0</m:t>
+                          </m:r>
+                        </m:sub>
+                      </m:sSub>
+                      <m:r>
+                        <a:rPr lang="en-PH" sz="1200" b="0" i="1">
+                          <a:solidFill>
+                            <a:srgbClr val="E36F47"/>
+                          </a:solidFill>
+                          <a:latin typeface="Cambria Math" panose="02040503050406030204" pitchFamily="18" charset="0"/>
+                        </a:rPr>
+                        <m:t>=0.</m:t>
+                      </m:r>
+                      <m:r>
+                        <a:rPr lang="en-PH" sz="1200" b="0" i="1" smtClean="0">
+                          <a:solidFill>
+                            <a:srgbClr val="E36F47"/>
+                          </a:solidFill>
+                          <a:latin typeface="Cambria Math" panose="02040503050406030204" pitchFamily="18" charset="0"/>
+                        </a:rPr>
+                        <m:t>5</m:t>
+                      </m:r>
+                      <m:r>
+                        <a:rPr lang="en-PH" sz="1200" b="0" i="1">
+                          <a:solidFill>
+                            <a:srgbClr val="E36F47"/>
+                          </a:solidFill>
+                          <a:latin typeface="Cambria Math" panose="02040503050406030204" pitchFamily="18" charset="0"/>
+                        </a:rPr>
+                        <m:t>)</m:t>
+                      </m:r>
+                    </m:oMath>
+                  </a14:m>
+                  <a:endParaRPr lang="en-PH" sz="1200" dirty="0">
+                    <a:solidFill>
+                      <a:srgbClr val="E36F47"/>
+                    </a:solidFill>
+                  </a:endParaRPr>
+                </a:p>
+              </p:txBody>
+            </p:sp>
+          </mc:Choice>
+          <mc:Fallback>
+            <p:sp>
+              <p:nvSpPr>
+                <p:cNvPr id="22" name="TextBox 21">
+                  <a:extLst>
+                    <a:ext uri="{FF2B5EF4-FFF2-40B4-BE49-F238E27FC236}">
+                      <a16:creationId xmlns:a16="http://schemas.microsoft.com/office/drawing/2014/main" id="{FD1F3F05-E7F4-8DB4-685F-B26E51EA604B}"/>
+                    </a:ext>
+                  </a:extLst>
+                </p:cNvPr>
+                <p:cNvSpPr txBox="1">
+                  <a:spLocks noRot="1" noChangeAspect="1" noMove="1" noResize="1" noEditPoints="1" noAdjustHandles="1" noChangeArrowheads="1" noChangeShapeType="1" noTextEdit="1"/>
+                </p:cNvSpPr>
+                <p:nvPr/>
+              </p:nvSpPr>
+              <p:spPr>
+                <a:xfrm>
+                  <a:off x="4542846" y="2755162"/>
+                  <a:ext cx="1307000" cy="276999"/>
+                </a:xfrm>
+                <a:prstGeom prst="rect">
+                  <a:avLst/>
+                </a:prstGeom>
+                <a:blipFill>
+                  <a:blip r:embed="rId9"/>
+                  <a:stretch>
+                    <a:fillRect t="-2222" b="-17778"/>
+                  </a:stretch>
+                </a:blipFill>
+              </p:spPr>
+              <p:txBody>
+                <a:bodyPr/>
+                <a:lstStyle/>
+                <a:p>
+                  <a:r>
+                    <a:rPr lang="en-PH">
+                      <a:noFill/>
+                    </a:rPr>
+                    <a:t> </a:t>
+                  </a:r>
+                </a:p>
+              </p:txBody>
+            </p:sp>
+          </mc:Fallback>
+        </mc:AlternateContent>
       </p:grpSp>
     </p:spTree>
     <p:extLst>
@@ -6306,8 +7054,8 @@
           </a:p>
         </p:txBody>
       </p:sp>
-      <mc:AlternateContent xmlns:mc="http://schemas.openxmlformats.org/markup-compatibility/2006">
-        <mc:Choice xmlns:a14="http://schemas.microsoft.com/office/drawing/2010/main" Requires="a14">
+      <mc:AlternateContent xmlns:mc="http://schemas.openxmlformats.org/markup-compatibility/2006" xmlns:a14="http://schemas.microsoft.com/office/drawing/2010/main">
+        <mc:Choice Requires="a14">
           <p:sp>
             <p:nvSpPr>
               <p:cNvPr id="18" name="TextBox 17">
@@ -6336,6 +7084,7 @@
               </a:bodyPr>
               <a:lstStyle/>
               <a:p>
+                <a:pPr/>
                 <a14:m>
                   <m:oMathPara xmlns:m="http://schemas.openxmlformats.org/officeDocument/2006/math">
                     <m:oMathParaPr>
@@ -6425,7 +7174,7 @@
             </p:txBody>
           </p:sp>
         </mc:Choice>
-        <mc:Fallback>
+        <mc:Fallback xmlns="">
           <p:sp>
             <p:nvSpPr>
               <p:cNvPr id="18" name="TextBox 17">
@@ -6470,8 +7219,8 @@
           </p:sp>
         </mc:Fallback>
       </mc:AlternateContent>
-      <mc:AlternateContent xmlns:mc="http://schemas.openxmlformats.org/markup-compatibility/2006">
-        <mc:Choice xmlns:a14="http://schemas.microsoft.com/office/drawing/2010/main" Requires="a14">
+      <mc:AlternateContent xmlns:mc="http://schemas.openxmlformats.org/markup-compatibility/2006" xmlns:a14="http://schemas.microsoft.com/office/drawing/2010/main">
+        <mc:Choice Requires="a14">
           <p:sp>
             <p:nvSpPr>
               <p:cNvPr id="24" name="TextBox 23">
@@ -6500,6 +7249,7 @@
               </a:bodyPr>
               <a:lstStyle/>
               <a:p>
+                <a:pPr/>
                 <a14:m>
                   <m:oMathPara xmlns:m="http://schemas.openxmlformats.org/officeDocument/2006/math">
                     <m:oMathParaPr>
@@ -6589,7 +7339,7 @@
             </p:txBody>
           </p:sp>
         </mc:Choice>
-        <mc:Fallback>
+        <mc:Fallback xmlns="">
           <p:sp>
             <p:nvSpPr>
               <p:cNvPr id="24" name="TextBox 23">
@@ -6634,8 +7384,8 @@
           </p:sp>
         </mc:Fallback>
       </mc:AlternateContent>
-      <mc:AlternateContent xmlns:mc="http://schemas.openxmlformats.org/markup-compatibility/2006">
-        <mc:Choice xmlns:a14="http://schemas.microsoft.com/office/drawing/2010/main" Requires="a14">
+      <mc:AlternateContent xmlns:mc="http://schemas.openxmlformats.org/markup-compatibility/2006" xmlns:a14="http://schemas.microsoft.com/office/drawing/2010/main">
+        <mc:Choice Requires="a14">
           <p:sp>
             <p:nvSpPr>
               <p:cNvPr id="36" name="TextBox 35">
@@ -6664,6 +7414,7 @@
               </a:bodyPr>
               <a:lstStyle/>
               <a:p>
+                <a:pPr/>
                 <a14:m>
                   <m:oMathPara xmlns:m="http://schemas.openxmlformats.org/officeDocument/2006/math">
                     <m:oMathParaPr>
@@ -6753,7 +7504,7 @@
             </p:txBody>
           </p:sp>
         </mc:Choice>
-        <mc:Fallback>
+        <mc:Fallback xmlns="">
           <p:sp>
             <p:nvSpPr>
               <p:cNvPr id="36" name="TextBox 35">
@@ -10250,6 +11001,57 @@
           <a:chExt cx="0" cy="0"/>
         </a:xfrm>
       </p:grpSpPr>
+      <p:sp>
+        <p:nvSpPr>
+          <p:cNvPr id="37" name="Rectangle 36">
+            <a:extLst>
+              <a:ext uri="{FF2B5EF4-FFF2-40B4-BE49-F238E27FC236}">
+                <a16:creationId xmlns:a16="http://schemas.microsoft.com/office/drawing/2014/main" id="{D83043C7-BE43-0268-E40F-710BEC7D937C}"/>
+              </a:ext>
+            </a:extLst>
+          </p:cNvPr>
+          <p:cNvSpPr/>
+          <p:nvPr/>
+        </p:nvSpPr>
+        <p:spPr>
+          <a:xfrm>
+            <a:off x="647813" y="-335601"/>
+            <a:ext cx="11848290" cy="7529202"/>
+          </a:xfrm>
+          <a:prstGeom prst="rect">
+            <a:avLst/>
+          </a:prstGeom>
+          <a:solidFill>
+            <a:srgbClr val="0173B2">
+              <a:alpha val="10196"/>
+            </a:srgbClr>
+          </a:solidFill>
+        </p:spPr>
+        <p:style>
+          <a:lnRef idx="2">
+            <a:schemeClr val="accent1">
+              <a:shade val="15000"/>
+            </a:schemeClr>
+          </a:lnRef>
+          <a:fillRef idx="1">
+            <a:schemeClr val="accent1"/>
+          </a:fillRef>
+          <a:effectRef idx="0">
+            <a:schemeClr val="accent1"/>
+          </a:effectRef>
+          <a:fontRef idx="minor">
+            <a:schemeClr val="lt1"/>
+          </a:fontRef>
+        </p:style>
+        <p:txBody>
+          <a:bodyPr rtlCol="0" anchor="ctr"/>
+          <a:lstStyle/>
+          <a:p>
+            <a:pPr algn="ctr"/>
+            <a:endParaRPr lang="en-PH"/>
+          </a:p>
+        </p:txBody>
+      </p:sp>
       <mc:AlternateContent xmlns:mc="http://schemas.openxmlformats.org/markup-compatibility/2006" xmlns:a14="http://schemas.microsoft.com/office/drawing/2010/main">
         <mc:Choice Requires="a14">
           <p:sp>
@@ -10266,7 +11068,7 @@
             </p:nvSpPr>
             <p:spPr>
               <a:xfrm>
-                <a:off x="230790" y="1124015"/>
+                <a:off x="-3139707" y="381656"/>
                 <a:ext cx="1951349" cy="1263192"/>
               </a:xfrm>
               <a:prstGeom prst="flowChartProcess">
@@ -10356,7 +11158,7 @@
             </p:nvSpPr>
             <p:spPr>
               <a:xfrm>
-                <a:off x="230790" y="1124015"/>
+                <a:off x="-3139707" y="381656"/>
                 <a:ext cx="1951349" cy="1263192"/>
               </a:xfrm>
               <a:prstGeom prst="flowChartProcess">
@@ -10365,7 +11167,7 @@
               <a:blipFill>
                 <a:blip r:embed="rId2"/>
                 <a:stretch>
-                  <a:fillRect b="-3791"/>
+                  <a:fillRect b="-4286"/>
                 </a:stretch>
               </a:blipFill>
             </p:spPr>
@@ -10402,8 +11204,8 @@
         </p:nvCxnSpPr>
         <p:spPr>
           <a:xfrm>
-            <a:off x="2182139" y="1755611"/>
-            <a:ext cx="645735" cy="0"/>
+            <a:off x="-1188358" y="1013252"/>
+            <a:ext cx="4028306" cy="1"/>
           </a:xfrm>
           <a:prstGeom prst="straightConnector1">
             <a:avLst/>
@@ -10443,7 +11245,7 @@
             </p:nvSpPr>
             <p:spPr>
               <a:xfrm>
-                <a:off x="2827874" y="1124015"/>
+                <a:off x="2839948" y="381657"/>
                 <a:ext cx="2460400" cy="1263192"/>
               </a:xfrm>
               <a:prstGeom prst="flowChartProcess">
@@ -10536,7 +11338,7 @@
             </p:nvSpPr>
             <p:spPr>
               <a:xfrm>
-                <a:off x="2827874" y="1124015"/>
+                <a:off x="2839948" y="381657"/>
                 <a:ext cx="2460400" cy="1263192"/>
               </a:xfrm>
               <a:prstGeom prst="flowChartProcess">
@@ -10582,7 +11384,7 @@
         </p:nvCxnSpPr>
         <p:spPr>
           <a:xfrm>
-            <a:off x="5288274" y="1755611"/>
+            <a:off x="5300348" y="1013253"/>
             <a:ext cx="565719" cy="0"/>
           </a:xfrm>
           <a:prstGeom prst="straightConnector1">
@@ -10623,7 +11425,7 @@
             </p:nvSpPr>
             <p:spPr>
               <a:xfrm>
-                <a:off x="8743334" y="1124015"/>
+                <a:off x="8755408" y="381657"/>
                 <a:ext cx="3362455" cy="1263193"/>
               </a:xfrm>
               <a:prstGeom prst="flowChartProcess">
@@ -10804,7 +11606,7 @@
             </p:nvSpPr>
             <p:spPr>
               <a:xfrm>
-                <a:off x="8743334" y="1124015"/>
+                <a:off x="8755408" y="381657"/>
                 <a:ext cx="3362455" cy="1263193"/>
               </a:xfrm>
               <a:prstGeom prst="flowChartProcess">
@@ -10848,7 +11650,7 @@
             </p:nvSpPr>
             <p:spPr>
               <a:xfrm>
-                <a:off x="9329084" y="3225241"/>
+                <a:off x="9329084" y="4017619"/>
                 <a:ext cx="2215103" cy="2152846"/>
               </a:xfrm>
               <a:prstGeom prst="flowChartDecision">
@@ -10966,7 +11768,7 @@
             </p:nvSpPr>
             <p:spPr>
               <a:xfrm>
-                <a:off x="9329084" y="3225241"/>
+                <a:off x="9329084" y="4017619"/>
                 <a:ext cx="2215103" cy="2152846"/>
               </a:xfrm>
               <a:prstGeom prst="flowChartDecision">
@@ -11010,7 +11812,7 @@
             </p:nvSpPr>
             <p:spPr>
               <a:xfrm>
-                <a:off x="5853993" y="898523"/>
+                <a:off x="5866067" y="156165"/>
                 <a:ext cx="1836171" cy="1714176"/>
               </a:xfrm>
               <a:prstGeom prst="flowChartDecision">
@@ -11110,7 +11912,7 @@
             </p:nvSpPr>
             <p:spPr>
               <a:xfrm>
-                <a:off x="5853993" y="898523"/>
+                <a:off x="5866067" y="156165"/>
                 <a:ext cx="1836171" cy="1714176"/>
               </a:xfrm>
               <a:prstGeom prst="flowChartDecision">
@@ -11156,7 +11958,7 @@
         </p:nvCxnSpPr>
         <p:spPr>
           <a:xfrm>
-            <a:off x="7690164" y="1755611"/>
+            <a:off x="7702238" y="1013253"/>
             <a:ext cx="1053170" cy="1"/>
           </a:xfrm>
           <a:prstGeom prst="straightConnector1">
@@ -11197,7 +11999,7 @@
             </p:nvSpPr>
             <p:spPr>
               <a:xfrm>
-                <a:off x="5594619" y="3550961"/>
+                <a:off x="5594619" y="4343339"/>
                 <a:ext cx="2379067" cy="1501407"/>
               </a:xfrm>
               <a:prstGeom prst="flowChartProcess">
@@ -11401,7 +12203,7 @@
             </p:nvSpPr>
             <p:spPr>
               <a:xfrm>
-                <a:off x="5594619" y="3550961"/>
+                <a:off x="5594619" y="4343339"/>
                 <a:ext cx="2379067" cy="1501407"/>
               </a:xfrm>
               <a:prstGeom prst="flowChartProcess">
@@ -11445,7 +12247,7 @@
             </p:nvSpPr>
             <p:spPr>
               <a:xfrm>
-                <a:off x="1232038" y="3550961"/>
+                <a:off x="1232038" y="4343339"/>
                 <a:ext cx="2379067" cy="1501407"/>
               </a:xfrm>
               <a:prstGeom prst="flowChartProcess">
@@ -11649,7 +12451,7 @@
             </p:nvSpPr>
             <p:spPr>
               <a:xfrm>
-                <a:off x="1232038" y="3550961"/>
+                <a:off x="1232038" y="4343339"/>
                 <a:ext cx="2379067" cy="1501407"/>
               </a:xfrm>
               <a:prstGeom prst="flowChartProcess">
@@ -11691,7 +12493,7 @@
         </p:nvSpPr>
         <p:spPr>
           <a:xfrm>
-            <a:off x="7727894" y="1297864"/>
+            <a:off x="7739968" y="555506"/>
             <a:ext cx="794437" cy="369332"/>
           </a:xfrm>
           <a:prstGeom prst="rect">
@@ -11730,8 +12532,8 @@
         </p:nvCxnSpPr>
         <p:spPr>
           <a:xfrm>
-            <a:off x="10424562" y="2387208"/>
-            <a:ext cx="12074" cy="838033"/>
+            <a:off x="10436636" y="1644850"/>
+            <a:ext cx="0" cy="2372769"/>
           </a:xfrm>
           <a:prstGeom prst="straightConnector1">
             <a:avLst/>
@@ -11772,8 +12574,8 @@
         </p:nvCxnSpPr>
         <p:spPr>
           <a:xfrm>
-            <a:off x="6772079" y="2612699"/>
-            <a:ext cx="12074" cy="938262"/>
+            <a:off x="6784153" y="1870341"/>
+            <a:ext cx="0" cy="2472998"/>
           </a:xfrm>
           <a:prstGeom prst="straightConnector1">
             <a:avLst/>
@@ -11814,7 +12616,7 @@
         </p:nvCxnSpPr>
         <p:spPr>
           <a:xfrm flipH="1">
-            <a:off x="7973686" y="4301664"/>
+            <a:off x="7973686" y="5094042"/>
             <a:ext cx="1355398" cy="1"/>
           </a:xfrm>
           <a:prstGeom prst="straightConnector1">
@@ -11888,7 +12690,7 @@
         </p:nvSpPr>
         <p:spPr>
           <a:xfrm>
-            <a:off x="8562275" y="3918581"/>
+            <a:off x="8562275" y="4710959"/>
             <a:ext cx="632460" cy="369332"/>
           </a:xfrm>
           <a:prstGeom prst="rect">
@@ -11926,7 +12728,7 @@
         </p:nvCxnSpPr>
         <p:spPr>
           <a:xfrm rot="5400000" flipH="1">
-            <a:off x="6266244" y="1207696"/>
+            <a:off x="6266244" y="2000074"/>
             <a:ext cx="325719" cy="8015064"/>
           </a:xfrm>
           <a:prstGeom prst="bentConnector3">
@@ -11963,15 +12765,15 @@
             </a:extLst>
           </p:cNvPr>
           <p:cNvCxnSpPr>
+            <a:cxnSpLocks/>
             <a:stCxn id="13" idx="3"/>
-            <a:endCxn id="4" idx="2"/>
           </p:cNvCxnSpPr>
           <p:nvPr/>
         </p:nvCxnSpPr>
         <p:spPr>
           <a:xfrm flipV="1">
-            <a:off x="3611105" y="2387207"/>
-            <a:ext cx="446969" cy="1914458"/>
+            <a:off x="3611105" y="4072844"/>
+            <a:ext cx="521143" cy="1021199"/>
           </a:xfrm>
           <a:prstGeom prst="bentConnector2">
             <a:avLst/>
@@ -12005,15 +12807,16 @@
             </a:extLst>
           </p:cNvPr>
           <p:cNvCxnSpPr>
+            <a:cxnSpLocks/>
             <a:stCxn id="12" idx="1"/>
-            <a:endCxn id="4" idx="2"/>
+            <a:endCxn id="34" idx="2"/>
           </p:cNvCxnSpPr>
           <p:nvPr/>
         </p:nvCxnSpPr>
         <p:spPr>
           <a:xfrm rot="10800000">
-            <a:off x="4058075" y="2387207"/>
-            <a:ext cx="1536545" cy="1914458"/>
+            <a:off x="4132249" y="4072845"/>
+            <a:ext cx="1462371" cy="1021199"/>
           </a:xfrm>
           <a:prstGeom prst="bentConnector2">
             <a:avLst/>
@@ -12051,7 +12854,7 @@
         </p:nvSpPr>
         <p:spPr>
           <a:xfrm>
-            <a:off x="8534405" y="5216695"/>
+            <a:off x="8534405" y="6009073"/>
             <a:ext cx="794437" cy="369332"/>
           </a:xfrm>
           <a:prstGeom prst="rect">
@@ -12072,10 +12875,3749 @@
           </a:p>
         </p:txBody>
       </p:sp>
+      <mc:AlternateContent xmlns:mc="http://schemas.openxmlformats.org/markup-compatibility/2006" xmlns:a14="http://schemas.microsoft.com/office/drawing/2010/main">
+        <mc:Choice Requires="a14">
+          <p:sp>
+            <p:nvSpPr>
+              <p:cNvPr id="34" name="Flowchart: Decision 33">
+                <a:extLst>
+                  <a:ext uri="{FF2B5EF4-FFF2-40B4-BE49-F238E27FC236}">
+                    <a16:creationId xmlns:a16="http://schemas.microsoft.com/office/drawing/2014/main" id="{66F7A1E8-41D0-4B8E-CC29-8E359D47E04F}"/>
+                  </a:ext>
+                </a:extLst>
+              </p:cNvPr>
+              <p:cNvSpPr/>
+              <p:nvPr/>
+            </p:nvSpPr>
+            <p:spPr>
+              <a:xfrm>
+                <a:off x="3214162" y="2358668"/>
+                <a:ext cx="1836171" cy="1714176"/>
+              </a:xfrm>
+              <a:prstGeom prst="flowChartDecision">
+                <a:avLst/>
+              </a:prstGeom>
+            </p:spPr>
+            <p:style>
+              <a:lnRef idx="2">
+                <a:schemeClr val="dk1"/>
+              </a:lnRef>
+              <a:fillRef idx="1">
+                <a:schemeClr val="lt1"/>
+              </a:fillRef>
+              <a:effectRef idx="0">
+                <a:schemeClr val="dk1"/>
+              </a:effectRef>
+              <a:fontRef idx="minor">
+                <a:schemeClr val="dk1"/>
+              </a:fontRef>
+            </p:style>
+            <p:txBody>
+              <a:bodyPr rtlCol="0" anchor="ctr"/>
+              <a:lstStyle/>
+              <a:p>
+                <a:pPr algn="ctr"/>
+                <a:r>
+                  <a:rPr lang="en-PH" dirty="0"/>
+                  <a:t>Done for all </a:t>
+                </a:r>
+                <a14:m>
+                  <m:oMath xmlns:m="http://schemas.openxmlformats.org/officeDocument/2006/math">
+                    <m:r>
+                      <a:rPr lang="en-PH" b="0" i="1" smtClean="0">
+                        <a:latin typeface="Cambria Math" panose="02040503050406030204" pitchFamily="18" charset="0"/>
+                      </a:rPr>
+                      <m:t>𝑖</m:t>
+                    </m:r>
+                    <m:r>
+                      <a:rPr lang="en-PH" b="0" i="1" smtClean="0">
+                        <a:latin typeface="Cambria Math" panose="02040503050406030204" pitchFamily="18" charset="0"/>
+                      </a:rPr>
+                      <m:t>,</m:t>
+                    </m:r>
+                    <m:r>
+                      <a:rPr lang="en-PH" b="0" i="1" smtClean="0">
+                        <a:latin typeface="Cambria Math" panose="02040503050406030204" pitchFamily="18" charset="0"/>
+                      </a:rPr>
+                      <m:t>𝑗</m:t>
+                    </m:r>
+                  </m:oMath>
+                </a14:m>
+                <a:endParaRPr lang="en-PH" dirty="0"/>
+              </a:p>
+            </p:txBody>
+          </p:sp>
+        </mc:Choice>
+        <mc:Fallback xmlns="">
+          <p:sp>
+            <p:nvSpPr>
+              <p:cNvPr id="34" name="Flowchart: Decision 33">
+                <a:extLst>
+                  <a:ext uri="{FF2B5EF4-FFF2-40B4-BE49-F238E27FC236}">
+                    <a16:creationId xmlns:a16="http://schemas.microsoft.com/office/drawing/2014/main" id="{66F7A1E8-41D0-4B8E-CC29-8E359D47E04F}"/>
+                  </a:ext>
+                </a:extLst>
+              </p:cNvPr>
+              <p:cNvSpPr>
+                <a:spLocks noRot="1" noChangeAspect="1" noMove="1" noResize="1" noEditPoints="1" noAdjustHandles="1" noChangeArrowheads="1" noChangeShapeType="1" noTextEdit="1"/>
+              </p:cNvSpPr>
+              <p:nvPr/>
+            </p:nvSpPr>
+            <p:spPr>
+              <a:xfrm>
+                <a:off x="3214162" y="2358668"/>
+                <a:ext cx="1836171" cy="1714176"/>
+              </a:xfrm>
+              <a:prstGeom prst="flowChartDecision">
+                <a:avLst/>
+              </a:prstGeom>
+              <a:blipFill>
+                <a:blip r:embed="rId9"/>
+                <a:stretch>
+                  <a:fillRect/>
+                </a:stretch>
+              </a:blipFill>
+            </p:spPr>
+            <p:txBody>
+              <a:bodyPr/>
+              <a:lstStyle/>
+              <a:p>
+                <a:r>
+                  <a:rPr lang="en-PH">
+                    <a:noFill/>
+                  </a:rPr>
+                  <a:t> </a:t>
+                </a:r>
+              </a:p>
+            </p:txBody>
+          </p:sp>
+        </mc:Fallback>
+      </mc:AlternateContent>
+      <p:sp>
+        <p:nvSpPr>
+          <p:cNvPr id="35" name="Oval 34">
+            <a:extLst>
+              <a:ext uri="{FF2B5EF4-FFF2-40B4-BE49-F238E27FC236}">
+                <a16:creationId xmlns:a16="http://schemas.microsoft.com/office/drawing/2014/main" id="{7E66C917-1E73-50BB-281D-F295D590FE8B}"/>
+              </a:ext>
+            </a:extLst>
+          </p:cNvPr>
+          <p:cNvSpPr/>
+          <p:nvPr/>
+        </p:nvSpPr>
+        <p:spPr>
+          <a:xfrm>
+            <a:off x="-5348884" y="319882"/>
+            <a:ext cx="1767010" cy="1386739"/>
+          </a:xfrm>
+          <a:prstGeom prst="ellipse">
+            <a:avLst/>
+          </a:prstGeom>
+          <a:solidFill>
+            <a:schemeClr val="bg1"/>
+          </a:solidFill>
+          <a:ln>
+            <a:solidFill>
+              <a:schemeClr val="tx1"/>
+            </a:solidFill>
+          </a:ln>
+        </p:spPr>
+        <p:style>
+          <a:lnRef idx="2">
+            <a:schemeClr val="accent6"/>
+          </a:lnRef>
+          <a:fillRef idx="1">
+            <a:schemeClr val="lt1"/>
+          </a:fillRef>
+          <a:effectRef idx="0">
+            <a:schemeClr val="accent6"/>
+          </a:effectRef>
+          <a:fontRef idx="minor">
+            <a:schemeClr val="dk1"/>
+          </a:fontRef>
+        </p:style>
+        <p:txBody>
+          <a:bodyPr rtlCol="0" anchor="ctr"/>
+          <a:lstStyle/>
+          <a:p>
+            <a:pPr algn="ctr"/>
+            <a:r>
+              <a:rPr lang="en-PH" dirty="0"/>
+              <a:t>Begin</a:t>
+            </a:r>
+          </a:p>
+        </p:txBody>
+      </p:sp>
+      <p:cxnSp>
+        <p:nvCxnSpPr>
+          <p:cNvPr id="44" name="Straight Arrow Connector 43">
+            <a:extLst>
+              <a:ext uri="{FF2B5EF4-FFF2-40B4-BE49-F238E27FC236}">
+                <a16:creationId xmlns:a16="http://schemas.microsoft.com/office/drawing/2014/main" id="{DA9767CF-49D3-38FC-A975-8268E4C51343}"/>
+              </a:ext>
+            </a:extLst>
+          </p:cNvPr>
+          <p:cNvCxnSpPr>
+            <a:stCxn id="34" idx="0"/>
+            <a:endCxn id="4" idx="2"/>
+          </p:cNvCxnSpPr>
+          <p:nvPr/>
+        </p:nvCxnSpPr>
+        <p:spPr>
+          <a:xfrm flipV="1">
+            <a:off x="4132248" y="1644849"/>
+            <a:ext cx="0" cy="713819"/>
+          </a:xfrm>
+          <a:prstGeom prst="straightConnector1">
+            <a:avLst/>
+          </a:prstGeom>
+          <a:ln>
+            <a:solidFill>
+              <a:schemeClr val="tx1"/>
+            </a:solidFill>
+            <a:tailEnd type="triangle"/>
+          </a:ln>
+        </p:spPr>
+        <p:style>
+          <a:lnRef idx="2">
+            <a:schemeClr val="accent1"/>
+          </a:lnRef>
+          <a:fillRef idx="0">
+            <a:schemeClr val="accent1"/>
+          </a:fillRef>
+          <a:effectRef idx="1">
+            <a:schemeClr val="accent1"/>
+          </a:effectRef>
+          <a:fontRef idx="minor">
+            <a:schemeClr val="tx1"/>
+          </a:fontRef>
+        </p:style>
+      </p:cxnSp>
+      <p:sp>
+        <p:nvSpPr>
+          <p:cNvPr id="45" name="TextBox 44">
+            <a:extLst>
+              <a:ext uri="{FF2B5EF4-FFF2-40B4-BE49-F238E27FC236}">
+                <a16:creationId xmlns:a16="http://schemas.microsoft.com/office/drawing/2014/main" id="{8A59D2A8-682E-1295-3FA4-CAE6F2796ACA}"/>
+              </a:ext>
+            </a:extLst>
+          </p:cNvPr>
+          <p:cNvSpPr txBox="1"/>
+          <p:nvPr/>
+        </p:nvSpPr>
+        <p:spPr>
+          <a:xfrm>
+            <a:off x="4082486" y="1903507"/>
+            <a:ext cx="794437" cy="369332"/>
+          </a:xfrm>
+          <a:prstGeom prst="rect">
+            <a:avLst/>
+          </a:prstGeom>
+          <a:noFill/>
+        </p:spPr>
+        <p:txBody>
+          <a:bodyPr wrap="square" rtlCol="0">
+            <a:spAutoFit/>
+          </a:bodyPr>
+          <a:lstStyle/>
+          <a:p>
+            <a:r>
+              <a:rPr lang="en-PH" dirty="0"/>
+              <a:t>False</a:t>
+            </a:r>
+          </a:p>
+        </p:txBody>
+      </p:sp>
+      <p:sp>
+        <p:nvSpPr>
+          <p:cNvPr id="49" name="TextBox 48">
+            <a:extLst>
+              <a:ext uri="{FF2B5EF4-FFF2-40B4-BE49-F238E27FC236}">
+                <a16:creationId xmlns:a16="http://schemas.microsoft.com/office/drawing/2014/main" id="{70764614-C806-E62C-BDB4-8C5C01E3EF6C}"/>
+              </a:ext>
+            </a:extLst>
+          </p:cNvPr>
+          <p:cNvSpPr txBox="1"/>
+          <p:nvPr/>
+        </p:nvSpPr>
+        <p:spPr>
+          <a:xfrm>
+            <a:off x="1311857" y="2846424"/>
+            <a:ext cx="632460" cy="369332"/>
+          </a:xfrm>
+          <a:prstGeom prst="rect">
+            <a:avLst/>
+          </a:prstGeom>
+          <a:noFill/>
+        </p:spPr>
+        <p:txBody>
+          <a:bodyPr wrap="square" rtlCol="0">
+            <a:spAutoFit/>
+          </a:bodyPr>
+          <a:lstStyle/>
+          <a:p>
+            <a:r>
+              <a:rPr lang="en-PH" dirty="0"/>
+              <a:t>True</a:t>
+            </a:r>
+          </a:p>
+        </p:txBody>
+      </p:sp>
+      <p:sp>
+        <p:nvSpPr>
+          <p:cNvPr id="53" name="Flowchart: Decision 52">
+            <a:extLst>
+              <a:ext uri="{FF2B5EF4-FFF2-40B4-BE49-F238E27FC236}">
+                <a16:creationId xmlns:a16="http://schemas.microsoft.com/office/drawing/2014/main" id="{51BF7976-E1E1-3B27-CAC8-5B0C7DF079DA}"/>
+              </a:ext>
+            </a:extLst>
+          </p:cNvPr>
+          <p:cNvSpPr/>
+          <p:nvPr/>
+        </p:nvSpPr>
+        <p:spPr>
+          <a:xfrm>
+            <a:off x="-1596225" y="2358668"/>
+            <a:ext cx="1836171" cy="1714176"/>
+          </a:xfrm>
+          <a:prstGeom prst="flowChartDecision">
+            <a:avLst/>
+          </a:prstGeom>
+        </p:spPr>
+        <p:style>
+          <a:lnRef idx="2">
+            <a:schemeClr val="dk1"/>
+          </a:lnRef>
+          <a:fillRef idx="1">
+            <a:schemeClr val="lt1"/>
+          </a:fillRef>
+          <a:effectRef idx="0">
+            <a:schemeClr val="dk1"/>
+          </a:effectRef>
+          <a:fontRef idx="minor">
+            <a:schemeClr val="dk1"/>
+          </a:fontRef>
+        </p:style>
+        <p:txBody>
+          <a:bodyPr rtlCol="0" anchor="ctr"/>
+          <a:lstStyle/>
+          <a:p>
+            <a:pPr algn="ctr"/>
+            <a:r>
+              <a:rPr lang="en-PH" sz="1400" dirty="0"/>
+              <a:t>Steady state achieved</a:t>
+            </a:r>
+          </a:p>
+        </p:txBody>
+      </p:sp>
+      <p:cxnSp>
+        <p:nvCxnSpPr>
+          <p:cNvPr id="55" name="Straight Arrow Connector 54">
+            <a:extLst>
+              <a:ext uri="{FF2B5EF4-FFF2-40B4-BE49-F238E27FC236}">
+                <a16:creationId xmlns:a16="http://schemas.microsoft.com/office/drawing/2014/main" id="{F0CD7154-804E-19DF-1EDA-D0C679529EE7}"/>
+              </a:ext>
+            </a:extLst>
+          </p:cNvPr>
+          <p:cNvCxnSpPr>
+            <a:stCxn id="34" idx="1"/>
+            <a:endCxn id="53" idx="3"/>
+          </p:cNvCxnSpPr>
+          <p:nvPr/>
+        </p:nvCxnSpPr>
+        <p:spPr>
+          <a:xfrm flipH="1">
+            <a:off x="239946" y="3215756"/>
+            <a:ext cx="2974216" cy="0"/>
+          </a:xfrm>
+          <a:prstGeom prst="straightConnector1">
+            <a:avLst/>
+          </a:prstGeom>
+          <a:ln>
+            <a:solidFill>
+              <a:schemeClr val="tx1"/>
+            </a:solidFill>
+            <a:tailEnd type="triangle"/>
+          </a:ln>
+        </p:spPr>
+        <p:style>
+          <a:lnRef idx="2">
+            <a:schemeClr val="accent1"/>
+          </a:lnRef>
+          <a:fillRef idx="0">
+            <a:schemeClr val="accent1"/>
+          </a:fillRef>
+          <a:effectRef idx="1">
+            <a:schemeClr val="accent1"/>
+          </a:effectRef>
+          <a:fontRef idx="minor">
+            <a:schemeClr val="tx1"/>
+          </a:fontRef>
+        </p:style>
+      </p:cxnSp>
+      <p:cxnSp>
+        <p:nvCxnSpPr>
+          <p:cNvPr id="58" name="Straight Arrow Connector 57">
+            <a:extLst>
+              <a:ext uri="{FF2B5EF4-FFF2-40B4-BE49-F238E27FC236}">
+                <a16:creationId xmlns:a16="http://schemas.microsoft.com/office/drawing/2014/main" id="{5D033670-A059-6561-B635-2588B7C358BE}"/>
+              </a:ext>
+            </a:extLst>
+          </p:cNvPr>
+          <p:cNvCxnSpPr>
+            <a:cxnSpLocks/>
+            <a:stCxn id="53" idx="0"/>
+          </p:cNvCxnSpPr>
+          <p:nvPr/>
+        </p:nvCxnSpPr>
+        <p:spPr>
+          <a:xfrm flipH="1" flipV="1">
+            <a:off x="-678140" y="1013251"/>
+            <a:ext cx="1" cy="1345417"/>
+          </a:xfrm>
+          <a:prstGeom prst="straightConnector1">
+            <a:avLst/>
+          </a:prstGeom>
+          <a:ln>
+            <a:tailEnd type="triangle"/>
+          </a:ln>
+        </p:spPr>
+        <p:style>
+          <a:lnRef idx="2">
+            <a:schemeClr val="dk1"/>
+          </a:lnRef>
+          <a:fillRef idx="0">
+            <a:schemeClr val="dk1"/>
+          </a:fillRef>
+          <a:effectRef idx="1">
+            <a:schemeClr val="dk1"/>
+          </a:effectRef>
+          <a:fontRef idx="minor">
+            <a:schemeClr val="tx1"/>
+          </a:fontRef>
+        </p:style>
+      </p:cxnSp>
+      <p:sp>
+        <p:nvSpPr>
+          <p:cNvPr id="60" name="TextBox 59">
+            <a:extLst>
+              <a:ext uri="{FF2B5EF4-FFF2-40B4-BE49-F238E27FC236}">
+                <a16:creationId xmlns:a16="http://schemas.microsoft.com/office/drawing/2014/main" id="{9A49EAA1-2E22-2FC8-EF9F-53B446343826}"/>
+              </a:ext>
+            </a:extLst>
+          </p:cNvPr>
+          <p:cNvSpPr txBox="1"/>
+          <p:nvPr/>
+        </p:nvSpPr>
+        <p:spPr>
+          <a:xfrm>
+            <a:off x="-690495" y="1560506"/>
+            <a:ext cx="794437" cy="369332"/>
+          </a:xfrm>
+          <a:prstGeom prst="rect">
+            <a:avLst/>
+          </a:prstGeom>
+          <a:noFill/>
+        </p:spPr>
+        <p:txBody>
+          <a:bodyPr wrap="square" rtlCol="0">
+            <a:spAutoFit/>
+          </a:bodyPr>
+          <a:lstStyle/>
+          <a:p>
+            <a:r>
+              <a:rPr lang="en-PH" dirty="0"/>
+              <a:t>False</a:t>
+            </a:r>
+          </a:p>
+        </p:txBody>
+      </p:sp>
+      <p:sp>
+        <p:nvSpPr>
+          <p:cNvPr id="61" name="TextBox 60">
+            <a:extLst>
+              <a:ext uri="{FF2B5EF4-FFF2-40B4-BE49-F238E27FC236}">
+                <a16:creationId xmlns:a16="http://schemas.microsoft.com/office/drawing/2014/main" id="{BAEFDA8B-27A2-0B74-0784-1C0A3F504A2A}"/>
+              </a:ext>
+            </a:extLst>
+          </p:cNvPr>
+          <p:cNvSpPr txBox="1"/>
+          <p:nvPr/>
+        </p:nvSpPr>
+        <p:spPr>
+          <a:xfrm>
+            <a:off x="-2861144" y="2905388"/>
+            <a:ext cx="632460" cy="369332"/>
+          </a:xfrm>
+          <a:prstGeom prst="rect">
+            <a:avLst/>
+          </a:prstGeom>
+          <a:noFill/>
+        </p:spPr>
+        <p:txBody>
+          <a:bodyPr wrap="square" rtlCol="0">
+            <a:spAutoFit/>
+          </a:bodyPr>
+          <a:lstStyle/>
+          <a:p>
+            <a:r>
+              <a:rPr lang="en-PH" dirty="0"/>
+              <a:t>True</a:t>
+            </a:r>
+          </a:p>
+        </p:txBody>
+      </p:sp>
+      <p:sp>
+        <p:nvSpPr>
+          <p:cNvPr id="62" name="Oval 61">
+            <a:extLst>
+              <a:ext uri="{FF2B5EF4-FFF2-40B4-BE49-F238E27FC236}">
+                <a16:creationId xmlns:a16="http://schemas.microsoft.com/office/drawing/2014/main" id="{BE51C939-6BEC-5EEF-AE08-FCB0FDC23457}"/>
+              </a:ext>
+            </a:extLst>
+          </p:cNvPr>
+          <p:cNvSpPr/>
+          <p:nvPr/>
+        </p:nvSpPr>
+        <p:spPr>
+          <a:xfrm>
+            <a:off x="-5348884" y="2522386"/>
+            <a:ext cx="1767010" cy="1386739"/>
+          </a:xfrm>
+          <a:prstGeom prst="ellipse">
+            <a:avLst/>
+          </a:prstGeom>
+          <a:solidFill>
+            <a:schemeClr val="bg1"/>
+          </a:solidFill>
+          <a:ln>
+            <a:solidFill>
+              <a:schemeClr val="tx1"/>
+            </a:solidFill>
+          </a:ln>
+        </p:spPr>
+        <p:style>
+          <a:lnRef idx="2">
+            <a:schemeClr val="accent6"/>
+          </a:lnRef>
+          <a:fillRef idx="1">
+            <a:schemeClr val="lt1"/>
+          </a:fillRef>
+          <a:effectRef idx="0">
+            <a:schemeClr val="accent6"/>
+          </a:effectRef>
+          <a:fontRef idx="minor">
+            <a:schemeClr val="dk1"/>
+          </a:fontRef>
+        </p:style>
+        <p:txBody>
+          <a:bodyPr rtlCol="0" anchor="ctr"/>
+          <a:lstStyle/>
+          <a:p>
+            <a:pPr algn="ctr"/>
+            <a:r>
+              <a:rPr lang="en-PH" dirty="0"/>
+              <a:t>End</a:t>
+            </a:r>
+          </a:p>
+        </p:txBody>
+      </p:sp>
+      <p:cxnSp>
+        <p:nvCxnSpPr>
+          <p:cNvPr id="64" name="Straight Arrow Connector 63">
+            <a:extLst>
+              <a:ext uri="{FF2B5EF4-FFF2-40B4-BE49-F238E27FC236}">
+                <a16:creationId xmlns:a16="http://schemas.microsoft.com/office/drawing/2014/main" id="{BE379C69-A9A3-F2D1-5F3B-626F8E617CBD}"/>
+              </a:ext>
+            </a:extLst>
+          </p:cNvPr>
+          <p:cNvCxnSpPr>
+            <a:stCxn id="53" idx="1"/>
+            <a:endCxn id="62" idx="6"/>
+          </p:cNvCxnSpPr>
+          <p:nvPr/>
+        </p:nvCxnSpPr>
+        <p:spPr>
+          <a:xfrm flipH="1">
+            <a:off x="-3581874" y="3215756"/>
+            <a:ext cx="1985649" cy="0"/>
+          </a:xfrm>
+          <a:prstGeom prst="straightConnector1">
+            <a:avLst/>
+          </a:prstGeom>
+          <a:ln>
+            <a:solidFill>
+              <a:schemeClr val="tx1"/>
+            </a:solidFill>
+            <a:tailEnd type="triangle"/>
+          </a:ln>
+        </p:spPr>
+        <p:style>
+          <a:lnRef idx="2">
+            <a:schemeClr val="accent1"/>
+          </a:lnRef>
+          <a:fillRef idx="0">
+            <a:schemeClr val="accent1"/>
+          </a:fillRef>
+          <a:effectRef idx="1">
+            <a:schemeClr val="accent1"/>
+          </a:effectRef>
+          <a:fontRef idx="minor">
+            <a:schemeClr val="tx1"/>
+          </a:fontRef>
+        </p:style>
+      </p:cxnSp>
+      <p:cxnSp>
+        <p:nvCxnSpPr>
+          <p:cNvPr id="66" name="Straight Arrow Connector 65">
+            <a:extLst>
+              <a:ext uri="{FF2B5EF4-FFF2-40B4-BE49-F238E27FC236}">
+                <a16:creationId xmlns:a16="http://schemas.microsoft.com/office/drawing/2014/main" id="{3231E2F8-7407-A512-561B-FC92A702B733}"/>
+              </a:ext>
+            </a:extLst>
+          </p:cNvPr>
+          <p:cNvCxnSpPr>
+            <a:stCxn id="35" idx="6"/>
+            <a:endCxn id="2" idx="1"/>
+          </p:cNvCxnSpPr>
+          <p:nvPr/>
+        </p:nvCxnSpPr>
+        <p:spPr>
+          <a:xfrm>
+            <a:off x="-3581874" y="1013252"/>
+            <a:ext cx="442167" cy="0"/>
+          </a:xfrm>
+          <a:prstGeom prst="straightConnector1">
+            <a:avLst/>
+          </a:prstGeom>
+          <a:ln>
+            <a:tailEnd type="triangle"/>
+          </a:ln>
+        </p:spPr>
+        <p:style>
+          <a:lnRef idx="2">
+            <a:schemeClr val="dk1"/>
+          </a:lnRef>
+          <a:fillRef idx="0">
+            <a:schemeClr val="dk1"/>
+          </a:fillRef>
+          <a:effectRef idx="1">
+            <a:schemeClr val="dk1"/>
+          </a:effectRef>
+          <a:fontRef idx="minor">
+            <a:schemeClr val="tx1"/>
+          </a:fontRef>
+        </p:style>
+      </p:cxnSp>
+      <p:sp>
+        <p:nvSpPr>
+          <p:cNvPr id="67" name="TextBox 66">
+            <a:extLst>
+              <a:ext uri="{FF2B5EF4-FFF2-40B4-BE49-F238E27FC236}">
+                <a16:creationId xmlns:a16="http://schemas.microsoft.com/office/drawing/2014/main" id="{F5085BC6-8284-0F14-B242-AAB4B4F2F6D1}"/>
+              </a:ext>
+            </a:extLst>
+          </p:cNvPr>
+          <p:cNvSpPr txBox="1"/>
+          <p:nvPr/>
+        </p:nvSpPr>
+        <p:spPr>
+          <a:xfrm>
+            <a:off x="647813" y="6802463"/>
+            <a:ext cx="1666532" cy="369332"/>
+          </a:xfrm>
+          <a:prstGeom prst="rect">
+            <a:avLst/>
+          </a:prstGeom>
+          <a:noFill/>
+        </p:spPr>
+        <p:txBody>
+          <a:bodyPr wrap="square" rtlCol="0">
+            <a:spAutoFit/>
+          </a:bodyPr>
+          <a:lstStyle/>
+          <a:p>
+            <a:pPr algn="ctr"/>
+            <a:r>
+              <a:rPr lang="en-PH" dirty="0"/>
+              <a:t>One time step</a:t>
+            </a:r>
+          </a:p>
+        </p:txBody>
+      </p:sp>
     </p:spTree>
     <p:extLst>
       <p:ext uri="{BB962C8B-B14F-4D97-AF65-F5344CB8AC3E}">
         <p14:creationId xmlns:p14="http://schemas.microsoft.com/office/powerpoint/2010/main" val="3168013614"/>
+      </p:ext>
+    </p:extLst>
+  </p:cSld>
+  <p:clrMapOvr>
+    <a:masterClrMapping/>
+  </p:clrMapOvr>
+</p:sld>
+</file>
+
+<file path=ppt/slides/slide7.xml><?xml version="1.0" encoding="utf-8"?>
+<p:sld xmlns:a="http://schemas.openxmlformats.org/drawingml/2006/main" xmlns:r="http://schemas.openxmlformats.org/officeDocument/2006/relationships" xmlns:p="http://schemas.openxmlformats.org/presentationml/2006/main">
+  <p:cSld>
+    <p:spTree>
+      <p:nvGrpSpPr>
+        <p:cNvPr id="1" name="">
+          <a:extLst>
+            <a:ext uri="{FF2B5EF4-FFF2-40B4-BE49-F238E27FC236}">
+              <a16:creationId xmlns:a16="http://schemas.microsoft.com/office/drawing/2014/main" id="{02432322-544A-50F3-7F79-5360E446656F}"/>
+            </a:ext>
+          </a:extLst>
+        </p:cNvPr>
+        <p:cNvGrpSpPr/>
+        <p:nvPr/>
+      </p:nvGrpSpPr>
+      <p:grpSpPr>
+        <a:xfrm>
+          <a:off x="0" y="0"/>
+          <a:ext cx="0" cy="0"/>
+          <a:chOff x="0" y="0"/>
+          <a:chExt cx="0" cy="0"/>
+        </a:xfrm>
+      </p:grpSpPr>
+      <p:sp>
+        <p:nvSpPr>
+          <p:cNvPr id="37" name="Rectangle 36">
+            <a:extLst>
+              <a:ext uri="{FF2B5EF4-FFF2-40B4-BE49-F238E27FC236}">
+                <a16:creationId xmlns:a16="http://schemas.microsoft.com/office/drawing/2014/main" id="{C3E69841-B849-EDB8-75C6-69E6CA429E7E}"/>
+              </a:ext>
+            </a:extLst>
+          </p:cNvPr>
+          <p:cNvSpPr/>
+          <p:nvPr/>
+        </p:nvSpPr>
+        <p:spPr>
+          <a:xfrm>
+            <a:off x="662696" y="-335601"/>
+            <a:ext cx="13285316" cy="7529202"/>
+          </a:xfrm>
+          <a:prstGeom prst="rect">
+            <a:avLst/>
+          </a:prstGeom>
+          <a:solidFill>
+            <a:srgbClr val="0173B2">
+              <a:alpha val="10196"/>
+            </a:srgbClr>
+          </a:solidFill>
+        </p:spPr>
+        <p:style>
+          <a:lnRef idx="2">
+            <a:schemeClr val="accent1">
+              <a:shade val="15000"/>
+            </a:schemeClr>
+          </a:lnRef>
+          <a:fillRef idx="1">
+            <a:schemeClr val="accent1"/>
+          </a:fillRef>
+          <a:effectRef idx="0">
+            <a:schemeClr val="accent1"/>
+          </a:effectRef>
+          <a:fontRef idx="minor">
+            <a:schemeClr val="lt1"/>
+          </a:fontRef>
+        </p:style>
+        <p:txBody>
+          <a:bodyPr rtlCol="0" anchor="ctr"/>
+          <a:lstStyle/>
+          <a:p>
+            <a:pPr algn="ctr"/>
+            <a:endParaRPr lang="en-PH"/>
+          </a:p>
+        </p:txBody>
+      </p:sp>
+      <mc:AlternateContent xmlns:mc="http://schemas.openxmlformats.org/markup-compatibility/2006" xmlns:a14="http://schemas.microsoft.com/office/drawing/2010/main">
+        <mc:Choice Requires="a14">
+          <p:sp>
+            <p:nvSpPr>
+              <p:cNvPr id="2" name="Flowchart: Process 1">
+                <a:extLst>
+                  <a:ext uri="{FF2B5EF4-FFF2-40B4-BE49-F238E27FC236}">
+                    <a16:creationId xmlns:a16="http://schemas.microsoft.com/office/drawing/2014/main" id="{4AF4CD63-4D77-2CBC-35F6-811FC3C84C87}"/>
+                  </a:ext>
+                </a:extLst>
+              </p:cNvPr>
+              <p:cNvSpPr/>
+              <p:nvPr/>
+            </p:nvSpPr>
+            <p:spPr>
+              <a:xfrm>
+                <a:off x="-3139707" y="381656"/>
+                <a:ext cx="1951349" cy="1263192"/>
+              </a:xfrm>
+              <a:prstGeom prst="flowChartProcess">
+                <a:avLst/>
+              </a:prstGeom>
+            </p:spPr>
+            <p:style>
+              <a:lnRef idx="2">
+                <a:schemeClr val="dk1"/>
+              </a:lnRef>
+              <a:fillRef idx="1">
+                <a:schemeClr val="lt1"/>
+              </a:fillRef>
+              <a:effectRef idx="0">
+                <a:schemeClr val="dk1"/>
+              </a:effectRef>
+              <a:fontRef idx="minor">
+                <a:schemeClr val="dk1"/>
+              </a:fontRef>
+            </p:style>
+            <p:txBody>
+              <a:bodyPr rtlCol="0" anchor="ctr"/>
+              <a:lstStyle/>
+              <a:p>
+                <a:pPr algn="ctr"/>
+                <a:r>
+                  <a:rPr lang="en-PH" dirty="0"/>
+                  <a:t>Initialize classroom with </a:t>
+                </a:r>
+                <a14:m>
+                  <m:oMath xmlns:m="http://schemas.openxmlformats.org/officeDocument/2006/math">
+                    <m:sSub>
+                      <m:sSubPr>
+                        <m:ctrlPr>
+                          <a:rPr lang="en-PH" b="0" i="1" smtClean="0">
+                            <a:latin typeface="Cambria Math" panose="02040503050406030204" pitchFamily="18" charset="0"/>
+                          </a:rPr>
+                        </m:ctrlPr>
+                      </m:sSubPr>
+                      <m:e>
+                        <m:r>
+                          <a:rPr lang="en-PH" b="0" i="1" smtClean="0">
+                            <a:latin typeface="Cambria Math" panose="02040503050406030204" pitchFamily="18" charset="0"/>
+                          </a:rPr>
+                          <m:t>𝑛</m:t>
+                        </m:r>
+                      </m:e>
+                      <m:sub>
+                        <m:r>
+                          <a:rPr lang="en-PH" b="0" i="1" smtClean="0">
+                            <a:latin typeface="Cambria Math" panose="02040503050406030204" pitchFamily="18" charset="0"/>
+                          </a:rPr>
+                          <m:t>0</m:t>
+                        </m:r>
+                      </m:sub>
+                    </m:sSub>
+                    <m:r>
+                      <a:rPr lang="en-PH" b="0" i="1" smtClean="0">
+                        <a:latin typeface="Cambria Math" panose="02040503050406030204" pitchFamily="18" charset="0"/>
+                      </a:rPr>
+                      <m:t>=0</m:t>
+                    </m:r>
+                  </m:oMath>
+                </a14:m>
+                <a:r>
+                  <a:rPr lang="en-PH" dirty="0"/>
+                  <a:t> learned students</a:t>
+                </a:r>
+              </a:p>
+            </p:txBody>
+          </p:sp>
+        </mc:Choice>
+        <mc:Fallback xmlns="">
+          <p:sp>
+            <p:nvSpPr>
+              <p:cNvPr id="2" name="Flowchart: Process 1">
+                <a:extLst>
+                  <a:ext uri="{FF2B5EF4-FFF2-40B4-BE49-F238E27FC236}">
+                    <a16:creationId xmlns:a16="http://schemas.microsoft.com/office/drawing/2014/main" id="{4AF4CD63-4D77-2CBC-35F6-811FC3C84C87}"/>
+                  </a:ext>
+                </a:extLst>
+              </p:cNvPr>
+              <p:cNvSpPr>
+                <a:spLocks noRot="1" noChangeAspect="1" noMove="1" noResize="1" noEditPoints="1" noAdjustHandles="1" noChangeArrowheads="1" noChangeShapeType="1" noTextEdit="1"/>
+              </p:cNvSpPr>
+              <p:nvPr/>
+            </p:nvSpPr>
+            <p:spPr>
+              <a:xfrm>
+                <a:off x="-3139707" y="381656"/>
+                <a:ext cx="1951349" cy="1263192"/>
+              </a:xfrm>
+              <a:prstGeom prst="flowChartProcess">
+                <a:avLst/>
+              </a:prstGeom>
+              <a:blipFill>
+                <a:blip r:embed="rId2"/>
+                <a:stretch>
+                  <a:fillRect b="-4286"/>
+                </a:stretch>
+              </a:blipFill>
+            </p:spPr>
+            <p:txBody>
+              <a:bodyPr/>
+              <a:lstStyle/>
+              <a:p>
+                <a:r>
+                  <a:rPr lang="en-PH">
+                    <a:noFill/>
+                  </a:rPr>
+                  <a:t> </a:t>
+                </a:r>
+              </a:p>
+            </p:txBody>
+          </p:sp>
+        </mc:Fallback>
+      </mc:AlternateContent>
+      <p:cxnSp>
+        <p:nvCxnSpPr>
+          <p:cNvPr id="3" name="Straight Arrow Connector 2">
+            <a:extLst>
+              <a:ext uri="{FF2B5EF4-FFF2-40B4-BE49-F238E27FC236}">
+                <a16:creationId xmlns:a16="http://schemas.microsoft.com/office/drawing/2014/main" id="{6D3A25CB-E9C3-0D5E-831C-8F9A55C91084}"/>
+              </a:ext>
+            </a:extLst>
+          </p:cNvPr>
+          <p:cNvCxnSpPr>
+            <a:cxnSpLocks/>
+            <a:stCxn id="2" idx="3"/>
+            <a:endCxn id="4" idx="1"/>
+          </p:cNvCxnSpPr>
+          <p:nvPr/>
+        </p:nvCxnSpPr>
+        <p:spPr>
+          <a:xfrm>
+            <a:off x="-1188358" y="1013252"/>
+            <a:ext cx="4028306" cy="1"/>
+          </a:xfrm>
+          <a:prstGeom prst="straightConnector1">
+            <a:avLst/>
+          </a:prstGeom>
+          <a:ln>
+            <a:tailEnd type="triangle"/>
+          </a:ln>
+        </p:spPr>
+        <p:style>
+          <a:lnRef idx="2">
+            <a:schemeClr val="dk1"/>
+          </a:lnRef>
+          <a:fillRef idx="0">
+            <a:schemeClr val="dk1"/>
+          </a:fillRef>
+          <a:effectRef idx="1">
+            <a:schemeClr val="dk1"/>
+          </a:effectRef>
+          <a:fontRef idx="minor">
+            <a:schemeClr val="tx1"/>
+          </a:fontRef>
+        </p:style>
+      </p:cxnSp>
+      <mc:AlternateContent xmlns:mc="http://schemas.openxmlformats.org/markup-compatibility/2006" xmlns:a14="http://schemas.microsoft.com/office/drawing/2010/main">
+        <mc:Choice Requires="a14">
+          <p:sp>
+            <p:nvSpPr>
+              <p:cNvPr id="4" name="Flowchart: Process 3">
+                <a:extLst>
+                  <a:ext uri="{FF2B5EF4-FFF2-40B4-BE49-F238E27FC236}">
+                    <a16:creationId xmlns:a16="http://schemas.microsoft.com/office/drawing/2014/main" id="{701CAFC1-D644-2EA7-F48B-166EBC058C9A}"/>
+                  </a:ext>
+                </a:extLst>
+              </p:cNvPr>
+              <p:cNvSpPr/>
+              <p:nvPr/>
+            </p:nvSpPr>
+            <p:spPr>
+              <a:xfrm>
+                <a:off x="2839948" y="381657"/>
+                <a:ext cx="2460400" cy="1263192"/>
+              </a:xfrm>
+              <a:prstGeom prst="flowChartProcess">
+                <a:avLst/>
+              </a:prstGeom>
+            </p:spPr>
+            <p:style>
+              <a:lnRef idx="2">
+                <a:schemeClr val="dk1"/>
+              </a:lnRef>
+              <a:fillRef idx="1">
+                <a:schemeClr val="lt1"/>
+              </a:fillRef>
+              <a:effectRef idx="0">
+                <a:schemeClr val="dk1"/>
+              </a:effectRef>
+              <a:fontRef idx="minor">
+                <a:schemeClr val="dk1"/>
+              </a:fontRef>
+            </p:style>
+            <p:txBody>
+              <a:bodyPr rtlCol="0" anchor="ctr"/>
+              <a:lstStyle/>
+              <a:p>
+                <a:pPr algn="ctr"/>
+                <a:r>
+                  <a:rPr lang="en-PH" dirty="0"/>
+                  <a:t>Choose a student </a:t>
+                </a:r>
+                <a14:m>
+                  <m:oMath xmlns:m="http://schemas.openxmlformats.org/officeDocument/2006/math">
+                    <m:sSub>
+                      <m:sSubPr>
+                        <m:ctrlPr>
+                          <a:rPr lang="en-PH" b="0" i="1" smtClean="0">
+                            <a:latin typeface="Cambria Math" panose="02040503050406030204" pitchFamily="18" charset="0"/>
+                          </a:rPr>
+                        </m:ctrlPr>
+                      </m:sSubPr>
+                      <m:e>
+                        <m:r>
+                          <a:rPr lang="en-PH" b="0" i="1" smtClean="0">
+                            <a:latin typeface="Cambria Math" panose="02040503050406030204" pitchFamily="18" charset="0"/>
+                          </a:rPr>
+                          <m:t>𝑐</m:t>
+                        </m:r>
+                      </m:e>
+                      <m:sub>
+                        <m:r>
+                          <a:rPr lang="en-PH" b="0" i="1" smtClean="0">
+                            <a:latin typeface="Cambria Math" panose="02040503050406030204" pitchFamily="18" charset="0"/>
+                          </a:rPr>
+                          <m:t>𝑖</m:t>
+                        </m:r>
+                        <m:r>
+                          <a:rPr lang="en-PH" b="0" i="1" smtClean="0">
+                            <a:latin typeface="Cambria Math" panose="02040503050406030204" pitchFamily="18" charset="0"/>
+                          </a:rPr>
+                          <m:t>,</m:t>
+                        </m:r>
+                        <m:r>
+                          <a:rPr lang="en-PH" b="0" i="1" smtClean="0">
+                            <a:latin typeface="Cambria Math" panose="02040503050406030204" pitchFamily="18" charset="0"/>
+                          </a:rPr>
+                          <m:t>𝑗</m:t>
+                        </m:r>
+                      </m:sub>
+                    </m:sSub>
+                  </m:oMath>
+                </a14:m>
+                <a:endParaRPr lang="en-PH" dirty="0"/>
+              </a:p>
+            </p:txBody>
+          </p:sp>
+        </mc:Choice>
+        <mc:Fallback xmlns="">
+          <p:sp>
+            <p:nvSpPr>
+              <p:cNvPr id="4" name="Flowchart: Process 3">
+                <a:extLst>
+                  <a:ext uri="{FF2B5EF4-FFF2-40B4-BE49-F238E27FC236}">
+                    <a16:creationId xmlns:a16="http://schemas.microsoft.com/office/drawing/2014/main" id="{701CAFC1-D644-2EA7-F48B-166EBC058C9A}"/>
+                  </a:ext>
+                </a:extLst>
+              </p:cNvPr>
+              <p:cNvSpPr>
+                <a:spLocks noRot="1" noChangeAspect="1" noMove="1" noResize="1" noEditPoints="1" noAdjustHandles="1" noChangeArrowheads="1" noChangeShapeType="1" noTextEdit="1"/>
+              </p:cNvSpPr>
+              <p:nvPr/>
+            </p:nvSpPr>
+            <p:spPr>
+              <a:xfrm>
+                <a:off x="2839948" y="381657"/>
+                <a:ext cx="2460400" cy="1263192"/>
+              </a:xfrm>
+              <a:prstGeom prst="flowChartProcess">
+                <a:avLst/>
+              </a:prstGeom>
+              <a:blipFill>
+                <a:blip r:embed="rId3"/>
+                <a:stretch>
+                  <a:fillRect/>
+                </a:stretch>
+              </a:blipFill>
+            </p:spPr>
+            <p:txBody>
+              <a:bodyPr/>
+              <a:lstStyle/>
+              <a:p>
+                <a:r>
+                  <a:rPr lang="en-PH">
+                    <a:noFill/>
+                  </a:rPr>
+                  <a:t> </a:t>
+                </a:r>
+              </a:p>
+            </p:txBody>
+          </p:sp>
+        </mc:Fallback>
+      </mc:AlternateContent>
+      <p:cxnSp>
+        <p:nvCxnSpPr>
+          <p:cNvPr id="6" name="Straight Arrow Connector 5">
+            <a:extLst>
+              <a:ext uri="{FF2B5EF4-FFF2-40B4-BE49-F238E27FC236}">
+                <a16:creationId xmlns:a16="http://schemas.microsoft.com/office/drawing/2014/main" id="{869E3BCD-664E-453A-7592-F9EBF3EBB04B}"/>
+              </a:ext>
+            </a:extLst>
+          </p:cNvPr>
+          <p:cNvCxnSpPr>
+            <a:cxnSpLocks/>
+            <a:stCxn id="4" idx="3"/>
+            <a:endCxn id="10" idx="1"/>
+          </p:cNvCxnSpPr>
+          <p:nvPr/>
+        </p:nvCxnSpPr>
+        <p:spPr>
+          <a:xfrm>
+            <a:off x="5300348" y="1013253"/>
+            <a:ext cx="565719" cy="0"/>
+          </a:xfrm>
+          <a:prstGeom prst="straightConnector1">
+            <a:avLst/>
+          </a:prstGeom>
+          <a:ln>
+            <a:tailEnd type="triangle"/>
+          </a:ln>
+        </p:spPr>
+        <p:style>
+          <a:lnRef idx="2">
+            <a:schemeClr val="dk1"/>
+          </a:lnRef>
+          <a:fillRef idx="0">
+            <a:schemeClr val="dk1"/>
+          </a:fillRef>
+          <a:effectRef idx="1">
+            <a:schemeClr val="dk1"/>
+          </a:effectRef>
+          <a:fontRef idx="minor">
+            <a:schemeClr val="tx1"/>
+          </a:fontRef>
+        </p:style>
+      </p:cxnSp>
+      <mc:AlternateContent xmlns:mc="http://schemas.openxmlformats.org/markup-compatibility/2006" xmlns:a14="http://schemas.microsoft.com/office/drawing/2010/main">
+        <mc:Choice Requires="a14">
+          <p:sp>
+            <p:nvSpPr>
+              <p:cNvPr id="9" name="Flowchart: Decision 8">
+                <a:extLst>
+                  <a:ext uri="{FF2B5EF4-FFF2-40B4-BE49-F238E27FC236}">
+                    <a16:creationId xmlns:a16="http://schemas.microsoft.com/office/drawing/2014/main" id="{E624728D-7831-CD5B-F7FF-F75C9FE033E9}"/>
+                  </a:ext>
+                </a:extLst>
+              </p:cNvPr>
+              <p:cNvSpPr/>
+              <p:nvPr/>
+            </p:nvSpPr>
+            <p:spPr>
+              <a:xfrm>
+                <a:off x="9984681" y="4040893"/>
+                <a:ext cx="2215103" cy="2152846"/>
+              </a:xfrm>
+              <a:prstGeom prst="flowChartDecision">
+                <a:avLst/>
+              </a:prstGeom>
+            </p:spPr>
+            <p:style>
+              <a:lnRef idx="2">
+                <a:schemeClr val="dk1"/>
+              </a:lnRef>
+              <a:fillRef idx="1">
+                <a:schemeClr val="lt1"/>
+              </a:fillRef>
+              <a:effectRef idx="0">
+                <a:schemeClr val="dk1"/>
+              </a:effectRef>
+              <a:fontRef idx="minor">
+                <a:schemeClr val="dk1"/>
+              </a:fontRef>
+            </p:style>
+            <p:txBody>
+              <a:bodyPr rtlCol="0" anchor="ctr"/>
+              <a:lstStyle/>
+              <a:p>
+                <a:pPr algn="ctr"/>
+                <a14:m>
+                  <m:oMath xmlns:m="http://schemas.openxmlformats.org/officeDocument/2006/math">
+                    <m:r>
+                      <a:rPr lang="en-PH" b="0" i="1" smtClean="0">
+                        <a:latin typeface="Cambria Math" panose="02040503050406030204" pitchFamily="18" charset="0"/>
+                      </a:rPr>
+                      <m:t>𝜇</m:t>
+                    </m:r>
+                    <m:r>
+                      <a:rPr lang="en-PH" b="0" i="1" smtClean="0">
+                        <a:latin typeface="Cambria Math" panose="02040503050406030204" pitchFamily="18" charset="0"/>
+                      </a:rPr>
+                      <m:t>≤</m:t>
+                    </m:r>
+                    <m:sSub>
+                      <m:sSubPr>
+                        <m:ctrlPr>
+                          <a:rPr lang="en-PH" b="0" i="1" smtClean="0">
+                            <a:latin typeface="Cambria Math" panose="02040503050406030204" pitchFamily="18" charset="0"/>
+                          </a:rPr>
+                        </m:ctrlPr>
+                      </m:sSubPr>
+                      <m:e>
+                        <m:r>
+                          <a:rPr lang="en-PH" b="0" i="1" smtClean="0">
+                            <a:latin typeface="Cambria Math" panose="02040503050406030204" pitchFamily="18" charset="0"/>
+                          </a:rPr>
+                          <m:t>𝑃</m:t>
+                        </m:r>
+                      </m:e>
+                      <m:sub>
+                        <m:r>
+                          <a:rPr lang="en-PH" b="0" i="1" smtClean="0">
+                            <a:latin typeface="Cambria Math" panose="02040503050406030204" pitchFamily="18" charset="0"/>
+                          </a:rPr>
+                          <m:t>𝑖</m:t>
+                        </m:r>
+                        <m:r>
+                          <a:rPr lang="en-PH" b="0" i="1" smtClean="0">
+                            <a:latin typeface="Cambria Math" panose="02040503050406030204" pitchFamily="18" charset="0"/>
+                          </a:rPr>
+                          <m:t>,</m:t>
+                        </m:r>
+                        <m:r>
+                          <a:rPr lang="en-PH" b="0" i="1" smtClean="0">
+                            <a:latin typeface="Cambria Math" panose="02040503050406030204" pitchFamily="18" charset="0"/>
+                          </a:rPr>
+                          <m:t>𝑗</m:t>
+                        </m:r>
+                      </m:sub>
+                    </m:sSub>
+                  </m:oMath>
+                </a14:m>
+                <a:r>
+                  <a:rPr lang="en-PH" dirty="0"/>
+                  <a:t> where </a:t>
+                </a:r>
+                <a14:m>
+                  <m:oMath xmlns:m="http://schemas.openxmlformats.org/officeDocument/2006/math">
+                    <m:r>
+                      <a:rPr lang="en-PH" b="0" i="1" smtClean="0">
+                        <a:latin typeface="Cambria Math" panose="02040503050406030204" pitchFamily="18" charset="0"/>
+                      </a:rPr>
+                      <m:t>𝜇</m:t>
+                    </m:r>
+                  </m:oMath>
+                </a14:m>
+                <a:r>
+                  <a:rPr lang="en-PH" dirty="0"/>
+                  <a:t> is a random number</a:t>
+                </a:r>
+              </a:p>
+            </p:txBody>
+          </p:sp>
+        </mc:Choice>
+        <mc:Fallback xmlns="">
+          <p:sp>
+            <p:nvSpPr>
+              <p:cNvPr id="9" name="Flowchart: Decision 8">
+                <a:extLst>
+                  <a:ext uri="{FF2B5EF4-FFF2-40B4-BE49-F238E27FC236}">
+                    <a16:creationId xmlns:a16="http://schemas.microsoft.com/office/drawing/2014/main" id="{E624728D-7831-CD5B-F7FF-F75C9FE033E9}"/>
+                  </a:ext>
+                </a:extLst>
+              </p:cNvPr>
+              <p:cNvSpPr>
+                <a:spLocks noRot="1" noChangeAspect="1" noMove="1" noResize="1" noEditPoints="1" noAdjustHandles="1" noChangeArrowheads="1" noChangeShapeType="1" noTextEdit="1"/>
+              </p:cNvSpPr>
+              <p:nvPr/>
+            </p:nvSpPr>
+            <p:spPr>
+              <a:xfrm>
+                <a:off x="9984681" y="4040893"/>
+                <a:ext cx="2215103" cy="2152846"/>
+              </a:xfrm>
+              <a:prstGeom prst="flowChartDecision">
+                <a:avLst/>
+              </a:prstGeom>
+              <a:blipFill>
+                <a:blip r:embed="rId4"/>
+                <a:stretch>
+                  <a:fillRect/>
+                </a:stretch>
+              </a:blipFill>
+            </p:spPr>
+            <p:txBody>
+              <a:bodyPr/>
+              <a:lstStyle/>
+              <a:p>
+                <a:r>
+                  <a:rPr lang="en-PH">
+                    <a:noFill/>
+                  </a:rPr>
+                  <a:t> </a:t>
+                </a:r>
+              </a:p>
+            </p:txBody>
+          </p:sp>
+        </mc:Fallback>
+      </mc:AlternateContent>
+      <mc:AlternateContent xmlns:mc="http://schemas.openxmlformats.org/markup-compatibility/2006" xmlns:a14="http://schemas.microsoft.com/office/drawing/2010/main">
+        <mc:Choice Requires="a14">
+          <p:sp>
+            <p:nvSpPr>
+              <p:cNvPr id="10" name="Flowchart: Decision 9">
+                <a:extLst>
+                  <a:ext uri="{FF2B5EF4-FFF2-40B4-BE49-F238E27FC236}">
+                    <a16:creationId xmlns:a16="http://schemas.microsoft.com/office/drawing/2014/main" id="{F66ED44B-AF33-4A8E-EAB1-07AA1678F039}"/>
+                  </a:ext>
+                </a:extLst>
+              </p:cNvPr>
+              <p:cNvSpPr/>
+              <p:nvPr/>
+            </p:nvSpPr>
+            <p:spPr>
+              <a:xfrm>
+                <a:off x="5866067" y="156165"/>
+                <a:ext cx="1836171" cy="1714176"/>
+              </a:xfrm>
+              <a:prstGeom prst="flowChartDecision">
+                <a:avLst/>
+              </a:prstGeom>
+            </p:spPr>
+            <p:style>
+              <a:lnRef idx="2">
+                <a:schemeClr val="dk1"/>
+              </a:lnRef>
+              <a:fillRef idx="1">
+                <a:schemeClr val="lt1"/>
+              </a:fillRef>
+              <a:effectRef idx="0">
+                <a:schemeClr val="dk1"/>
+              </a:effectRef>
+              <a:fontRef idx="minor">
+                <a:schemeClr val="dk1"/>
+              </a:fontRef>
+            </p:style>
+            <p:txBody>
+              <a:bodyPr rtlCol="0" anchor="ctr"/>
+              <a:lstStyle/>
+              <a:p>
+                <a:pPr algn="ctr"/>
+                <a14:m>
+                  <m:oMathPara xmlns:m="http://schemas.openxmlformats.org/officeDocument/2006/math">
+                    <m:oMathParaPr>
+                      <m:jc m:val="centerGroup"/>
+                    </m:oMathParaPr>
+                    <m:oMath xmlns:m="http://schemas.openxmlformats.org/officeDocument/2006/math">
+                      <m:sSub>
+                        <m:sSubPr>
+                          <m:ctrlPr>
+                            <a:rPr lang="en-PH" b="0" i="1" smtClean="0">
+                              <a:latin typeface="Cambria Math" panose="02040503050406030204" pitchFamily="18" charset="0"/>
+                            </a:rPr>
+                          </m:ctrlPr>
+                        </m:sSubPr>
+                        <m:e>
+                          <m:r>
+                            <a:rPr lang="en-PH" b="0" i="1" smtClean="0">
+                              <a:latin typeface="Cambria Math" panose="02040503050406030204" pitchFamily="18" charset="0"/>
+                            </a:rPr>
+                            <m:t>𝑠</m:t>
+                          </m:r>
+                        </m:e>
+                        <m:sub>
+                          <m:r>
+                            <a:rPr lang="en-PH" b="0" i="1" smtClean="0">
+                              <a:latin typeface="Cambria Math" panose="02040503050406030204" pitchFamily="18" charset="0"/>
+                            </a:rPr>
+                            <m:t>𝑖</m:t>
+                          </m:r>
+                          <m:r>
+                            <a:rPr lang="en-PH" b="0" i="1" smtClean="0">
+                              <a:latin typeface="Cambria Math" panose="02040503050406030204" pitchFamily="18" charset="0"/>
+                            </a:rPr>
+                            <m:t>,</m:t>
+                          </m:r>
+                          <m:r>
+                            <a:rPr lang="en-PH" b="0" i="1" smtClean="0">
+                              <a:latin typeface="Cambria Math" panose="02040503050406030204" pitchFamily="18" charset="0"/>
+                            </a:rPr>
+                            <m:t>𝑗</m:t>
+                          </m:r>
+                        </m:sub>
+                      </m:sSub>
+                      <m:r>
+                        <a:rPr lang="en-PH" b="0" i="1" smtClean="0">
+                          <a:latin typeface="Cambria Math" panose="02040503050406030204" pitchFamily="18" charset="0"/>
+                        </a:rPr>
+                        <m:t>=1</m:t>
+                      </m:r>
+                    </m:oMath>
+                  </m:oMathPara>
+                </a14:m>
+                <a:endParaRPr lang="en-PH" dirty="0"/>
+              </a:p>
+            </p:txBody>
+          </p:sp>
+        </mc:Choice>
+        <mc:Fallback xmlns="">
+          <p:sp>
+            <p:nvSpPr>
+              <p:cNvPr id="10" name="Flowchart: Decision 9">
+                <a:extLst>
+                  <a:ext uri="{FF2B5EF4-FFF2-40B4-BE49-F238E27FC236}">
+                    <a16:creationId xmlns:a16="http://schemas.microsoft.com/office/drawing/2014/main" id="{F66ED44B-AF33-4A8E-EAB1-07AA1678F039}"/>
+                  </a:ext>
+                </a:extLst>
+              </p:cNvPr>
+              <p:cNvSpPr>
+                <a:spLocks noRot="1" noChangeAspect="1" noMove="1" noResize="1" noEditPoints="1" noAdjustHandles="1" noChangeArrowheads="1" noChangeShapeType="1" noTextEdit="1"/>
+              </p:cNvSpPr>
+              <p:nvPr/>
+            </p:nvSpPr>
+            <p:spPr>
+              <a:xfrm>
+                <a:off x="5866067" y="156165"/>
+                <a:ext cx="1836171" cy="1714176"/>
+              </a:xfrm>
+              <a:prstGeom prst="flowChartDecision">
+                <a:avLst/>
+              </a:prstGeom>
+              <a:blipFill>
+                <a:blip r:embed="rId5"/>
+                <a:stretch>
+                  <a:fillRect/>
+                </a:stretch>
+              </a:blipFill>
+            </p:spPr>
+            <p:txBody>
+              <a:bodyPr/>
+              <a:lstStyle/>
+              <a:p>
+                <a:r>
+                  <a:rPr lang="en-PH">
+                    <a:noFill/>
+                  </a:rPr>
+                  <a:t> </a:t>
+                </a:r>
+              </a:p>
+            </p:txBody>
+          </p:sp>
+        </mc:Fallback>
+      </mc:AlternateContent>
+      <p:cxnSp>
+        <p:nvCxnSpPr>
+          <p:cNvPr id="11" name="Straight Arrow Connector 10">
+            <a:extLst>
+              <a:ext uri="{FF2B5EF4-FFF2-40B4-BE49-F238E27FC236}">
+                <a16:creationId xmlns:a16="http://schemas.microsoft.com/office/drawing/2014/main" id="{D8DCF605-747F-B1AB-D665-2DD53B559D37}"/>
+              </a:ext>
+            </a:extLst>
+          </p:cNvPr>
+          <p:cNvCxnSpPr>
+            <a:cxnSpLocks/>
+            <a:stCxn id="10" idx="3"/>
+            <a:endCxn id="28" idx="1"/>
+          </p:cNvCxnSpPr>
+          <p:nvPr/>
+        </p:nvCxnSpPr>
+        <p:spPr>
+          <a:xfrm flipV="1">
+            <a:off x="7702238" y="1012732"/>
+            <a:ext cx="1072516" cy="521"/>
+          </a:xfrm>
+          <a:prstGeom prst="straightConnector1">
+            <a:avLst/>
+          </a:prstGeom>
+          <a:ln>
+            <a:tailEnd type="triangle"/>
+          </a:ln>
+        </p:spPr>
+        <p:style>
+          <a:lnRef idx="2">
+            <a:schemeClr val="dk1"/>
+          </a:lnRef>
+          <a:fillRef idx="0">
+            <a:schemeClr val="dk1"/>
+          </a:fillRef>
+          <a:effectRef idx="1">
+            <a:schemeClr val="dk1"/>
+          </a:effectRef>
+          <a:fontRef idx="minor">
+            <a:schemeClr val="tx1"/>
+          </a:fontRef>
+        </p:style>
+      </p:cxnSp>
+      <mc:AlternateContent xmlns:mc="http://schemas.openxmlformats.org/markup-compatibility/2006" xmlns:a14="http://schemas.microsoft.com/office/drawing/2010/main">
+        <mc:Choice Requires="a14">
+          <p:sp>
+            <p:nvSpPr>
+              <p:cNvPr id="12" name="Flowchart: Process 11">
+                <a:extLst>
+                  <a:ext uri="{FF2B5EF4-FFF2-40B4-BE49-F238E27FC236}">
+                    <a16:creationId xmlns:a16="http://schemas.microsoft.com/office/drawing/2014/main" id="{7DFAA745-12D3-6040-733F-5D3FE42A7C69}"/>
+                  </a:ext>
+                </a:extLst>
+              </p:cNvPr>
+              <p:cNvSpPr/>
+              <p:nvPr/>
+            </p:nvSpPr>
+            <p:spPr>
+              <a:xfrm>
+                <a:off x="5594619" y="4343339"/>
+                <a:ext cx="2379067" cy="1501407"/>
+              </a:xfrm>
+              <a:prstGeom prst="flowChartProcess">
+                <a:avLst/>
+              </a:prstGeom>
+            </p:spPr>
+            <p:style>
+              <a:lnRef idx="2">
+                <a:schemeClr val="dk1"/>
+              </a:lnRef>
+              <a:fillRef idx="1">
+                <a:schemeClr val="lt1"/>
+              </a:fillRef>
+              <a:effectRef idx="0">
+                <a:schemeClr val="dk1"/>
+              </a:effectRef>
+              <a:fontRef idx="minor">
+                <a:schemeClr val="dk1"/>
+              </a:fontRef>
+            </p:style>
+            <p:txBody>
+              <a:bodyPr rtlCol="0" anchor="ctr"/>
+              <a:lstStyle/>
+              <a:p>
+                <a:pPr algn="ctr"/>
+                <a14:m>
+                  <m:oMath xmlns:m="http://schemas.openxmlformats.org/officeDocument/2006/math">
+                    <m:sSubSup>
+                      <m:sSubSupPr>
+                        <m:ctrlPr>
+                          <a:rPr lang="en-PH" b="0" i="1" smtClean="0">
+                            <a:latin typeface="Cambria Math" panose="02040503050406030204" pitchFamily="18" charset="0"/>
+                          </a:rPr>
+                        </m:ctrlPr>
+                      </m:sSubSupPr>
+                      <m:e>
+                        <m:r>
+                          <a:rPr lang="en-PH" b="0" i="1" smtClean="0">
+                            <a:latin typeface="Cambria Math" panose="02040503050406030204" pitchFamily="18" charset="0"/>
+                          </a:rPr>
+                          <m:t>𝑠</m:t>
+                        </m:r>
+                      </m:e>
+                      <m:sub>
+                        <m:r>
+                          <a:rPr lang="en-PH" b="0" i="1" smtClean="0">
+                            <a:latin typeface="Cambria Math" panose="02040503050406030204" pitchFamily="18" charset="0"/>
+                          </a:rPr>
+                          <m:t>𝑖</m:t>
+                        </m:r>
+                        <m:r>
+                          <a:rPr lang="en-PH" b="0" i="1" smtClean="0">
+                            <a:latin typeface="Cambria Math" panose="02040503050406030204" pitchFamily="18" charset="0"/>
+                          </a:rPr>
+                          <m:t>,</m:t>
+                        </m:r>
+                        <m:r>
+                          <a:rPr lang="en-PH" b="0" i="1" smtClean="0">
+                            <a:latin typeface="Cambria Math" panose="02040503050406030204" pitchFamily="18" charset="0"/>
+                          </a:rPr>
+                          <m:t>𝑗</m:t>
+                        </m:r>
+                      </m:sub>
+                      <m:sup>
+                        <m:r>
+                          <a:rPr lang="en-PH" b="0" i="1" smtClean="0">
+                            <a:latin typeface="Cambria Math" panose="02040503050406030204" pitchFamily="18" charset="0"/>
+                          </a:rPr>
+                          <m:t>′</m:t>
+                        </m:r>
+                      </m:sup>
+                    </m:sSubSup>
+                    <m:r>
+                      <a:rPr lang="en-PH" b="0" i="1" smtClean="0">
+                        <a:latin typeface="Cambria Math" panose="02040503050406030204" pitchFamily="18" charset="0"/>
+                      </a:rPr>
+                      <m:t>=1</m:t>
+                    </m:r>
+                  </m:oMath>
+                </a14:m>
+                <a:r>
+                  <a:rPr lang="en-PH" dirty="0"/>
+                  <a:t> where </a:t>
+                </a:r>
+                <a14:m>
+                  <m:oMath xmlns:m="http://schemas.openxmlformats.org/officeDocument/2006/math">
+                    <m:sSubSup>
+                      <m:sSubSupPr>
+                        <m:ctrlPr>
+                          <a:rPr lang="en-PH" b="0" i="1" smtClean="0">
+                            <a:latin typeface="Cambria Math" panose="02040503050406030204" pitchFamily="18" charset="0"/>
+                          </a:rPr>
+                        </m:ctrlPr>
+                      </m:sSubSupPr>
+                      <m:e>
+                        <m:r>
+                          <a:rPr lang="en-PH" b="0" i="1" smtClean="0">
+                            <a:latin typeface="Cambria Math" panose="02040503050406030204" pitchFamily="18" charset="0"/>
+                          </a:rPr>
+                          <m:t>𝑠</m:t>
+                        </m:r>
+                      </m:e>
+                      <m:sub>
+                        <m:r>
+                          <a:rPr lang="en-PH" b="0" i="1" smtClean="0">
+                            <a:latin typeface="Cambria Math" panose="02040503050406030204" pitchFamily="18" charset="0"/>
+                          </a:rPr>
+                          <m:t>𝑖</m:t>
+                        </m:r>
+                        <m:r>
+                          <a:rPr lang="en-PH" b="0" i="1" smtClean="0">
+                            <a:latin typeface="Cambria Math" panose="02040503050406030204" pitchFamily="18" charset="0"/>
+                          </a:rPr>
+                          <m:t>,</m:t>
+                        </m:r>
+                        <m:r>
+                          <a:rPr lang="en-PH" b="0" i="1" smtClean="0">
+                            <a:latin typeface="Cambria Math" panose="02040503050406030204" pitchFamily="18" charset="0"/>
+                          </a:rPr>
+                          <m:t>𝑗</m:t>
+                        </m:r>
+                      </m:sub>
+                      <m:sup>
+                        <m:r>
+                          <a:rPr lang="en-PH" b="0" i="1" smtClean="0">
+                            <a:latin typeface="Cambria Math" panose="02040503050406030204" pitchFamily="18" charset="0"/>
+                          </a:rPr>
+                          <m:t>′</m:t>
+                        </m:r>
+                      </m:sup>
+                    </m:sSubSup>
+                  </m:oMath>
+                </a14:m>
+                <a:r>
+                  <a:rPr lang="en-PH" dirty="0"/>
+                  <a:t> is the state of student </a:t>
+                </a:r>
+                <a14:m>
+                  <m:oMath xmlns:m="http://schemas.openxmlformats.org/officeDocument/2006/math">
+                    <m:sSub>
+                      <m:sSubPr>
+                        <m:ctrlPr>
+                          <a:rPr lang="en-PH" b="0" i="1" smtClean="0">
+                            <a:latin typeface="Cambria Math" panose="02040503050406030204" pitchFamily="18" charset="0"/>
+                          </a:rPr>
+                        </m:ctrlPr>
+                      </m:sSubPr>
+                      <m:e>
+                        <m:r>
+                          <a:rPr lang="en-PH" b="0" i="1" smtClean="0">
+                            <a:latin typeface="Cambria Math" panose="02040503050406030204" pitchFamily="18" charset="0"/>
+                          </a:rPr>
+                          <m:t>𝑐</m:t>
+                        </m:r>
+                      </m:e>
+                      <m:sub>
+                        <m:r>
+                          <a:rPr lang="en-PH" b="0" i="1" smtClean="0">
+                            <a:latin typeface="Cambria Math" panose="02040503050406030204" pitchFamily="18" charset="0"/>
+                          </a:rPr>
+                          <m:t>𝑖</m:t>
+                        </m:r>
+                        <m:r>
+                          <a:rPr lang="en-PH" b="0" i="1" smtClean="0">
+                            <a:latin typeface="Cambria Math" panose="02040503050406030204" pitchFamily="18" charset="0"/>
+                          </a:rPr>
+                          <m:t>,</m:t>
+                        </m:r>
+                        <m:r>
+                          <a:rPr lang="en-PH" b="0" i="1" smtClean="0">
+                            <a:latin typeface="Cambria Math" panose="02040503050406030204" pitchFamily="18" charset="0"/>
+                          </a:rPr>
+                          <m:t>𝑗</m:t>
+                        </m:r>
+                      </m:sub>
+                    </m:sSub>
+                  </m:oMath>
+                </a14:m>
+                <a:r>
+                  <a:rPr lang="en-PH" dirty="0"/>
+                  <a:t> in the next time step</a:t>
+                </a:r>
+              </a:p>
+            </p:txBody>
+          </p:sp>
+        </mc:Choice>
+        <mc:Fallback xmlns="">
+          <p:sp>
+            <p:nvSpPr>
+              <p:cNvPr id="12" name="Flowchart: Process 11">
+                <a:extLst>
+                  <a:ext uri="{FF2B5EF4-FFF2-40B4-BE49-F238E27FC236}">
+                    <a16:creationId xmlns:a16="http://schemas.microsoft.com/office/drawing/2014/main" id="{7DFAA745-12D3-6040-733F-5D3FE42A7C69}"/>
+                  </a:ext>
+                </a:extLst>
+              </p:cNvPr>
+              <p:cNvSpPr>
+                <a:spLocks noRot="1" noChangeAspect="1" noMove="1" noResize="1" noEditPoints="1" noAdjustHandles="1" noChangeArrowheads="1" noChangeShapeType="1" noTextEdit="1"/>
+              </p:cNvSpPr>
+              <p:nvPr/>
+            </p:nvSpPr>
+            <p:spPr>
+              <a:xfrm>
+                <a:off x="5594619" y="4343339"/>
+                <a:ext cx="2379067" cy="1501407"/>
+              </a:xfrm>
+              <a:prstGeom prst="flowChartProcess">
+                <a:avLst/>
+              </a:prstGeom>
+              <a:blipFill>
+                <a:blip r:embed="rId6"/>
+                <a:stretch>
+                  <a:fillRect/>
+                </a:stretch>
+              </a:blipFill>
+            </p:spPr>
+            <p:txBody>
+              <a:bodyPr/>
+              <a:lstStyle/>
+              <a:p>
+                <a:r>
+                  <a:rPr lang="en-PH">
+                    <a:noFill/>
+                  </a:rPr>
+                  <a:t> </a:t>
+                </a:r>
+              </a:p>
+            </p:txBody>
+          </p:sp>
+        </mc:Fallback>
+      </mc:AlternateContent>
+      <mc:AlternateContent xmlns:mc="http://schemas.openxmlformats.org/markup-compatibility/2006" xmlns:a14="http://schemas.microsoft.com/office/drawing/2010/main">
+        <mc:Choice Requires="a14">
+          <p:sp>
+            <p:nvSpPr>
+              <p:cNvPr id="13" name="Flowchart: Process 12">
+                <a:extLst>
+                  <a:ext uri="{FF2B5EF4-FFF2-40B4-BE49-F238E27FC236}">
+                    <a16:creationId xmlns:a16="http://schemas.microsoft.com/office/drawing/2014/main" id="{7A2C7A99-5B7B-435B-72F0-B00E937DF52C}"/>
+                  </a:ext>
+                </a:extLst>
+              </p:cNvPr>
+              <p:cNvSpPr/>
+              <p:nvPr/>
+            </p:nvSpPr>
+            <p:spPr>
+              <a:xfrm>
+                <a:off x="1232038" y="4343339"/>
+                <a:ext cx="2379067" cy="1501407"/>
+              </a:xfrm>
+              <a:prstGeom prst="flowChartProcess">
+                <a:avLst/>
+              </a:prstGeom>
+            </p:spPr>
+            <p:style>
+              <a:lnRef idx="2">
+                <a:schemeClr val="dk1"/>
+              </a:lnRef>
+              <a:fillRef idx="1">
+                <a:schemeClr val="lt1"/>
+              </a:fillRef>
+              <a:effectRef idx="0">
+                <a:schemeClr val="dk1"/>
+              </a:effectRef>
+              <a:fontRef idx="minor">
+                <a:schemeClr val="dk1"/>
+              </a:fontRef>
+            </p:style>
+            <p:txBody>
+              <a:bodyPr rtlCol="0" anchor="ctr"/>
+              <a:lstStyle/>
+              <a:p>
+                <a:pPr algn="ctr"/>
+                <a14:m>
+                  <m:oMath xmlns:m="http://schemas.openxmlformats.org/officeDocument/2006/math">
+                    <m:sSubSup>
+                      <m:sSubSupPr>
+                        <m:ctrlPr>
+                          <a:rPr lang="en-PH" b="0" i="1" smtClean="0">
+                            <a:latin typeface="Cambria Math" panose="02040503050406030204" pitchFamily="18" charset="0"/>
+                          </a:rPr>
+                        </m:ctrlPr>
+                      </m:sSubSupPr>
+                      <m:e>
+                        <m:r>
+                          <a:rPr lang="en-PH" b="0" i="1" smtClean="0">
+                            <a:latin typeface="Cambria Math" panose="02040503050406030204" pitchFamily="18" charset="0"/>
+                          </a:rPr>
+                          <m:t>𝑠</m:t>
+                        </m:r>
+                      </m:e>
+                      <m:sub>
+                        <m:r>
+                          <a:rPr lang="en-PH" b="0" i="1" smtClean="0">
+                            <a:latin typeface="Cambria Math" panose="02040503050406030204" pitchFamily="18" charset="0"/>
+                          </a:rPr>
+                          <m:t>𝑖</m:t>
+                        </m:r>
+                        <m:r>
+                          <a:rPr lang="en-PH" b="0" i="1" smtClean="0">
+                            <a:latin typeface="Cambria Math" panose="02040503050406030204" pitchFamily="18" charset="0"/>
+                          </a:rPr>
+                          <m:t>,</m:t>
+                        </m:r>
+                        <m:r>
+                          <a:rPr lang="en-PH" b="0" i="1" smtClean="0">
+                            <a:latin typeface="Cambria Math" panose="02040503050406030204" pitchFamily="18" charset="0"/>
+                          </a:rPr>
+                          <m:t>𝑗</m:t>
+                        </m:r>
+                      </m:sub>
+                      <m:sup>
+                        <m:r>
+                          <a:rPr lang="en-PH" b="0" i="1" smtClean="0">
+                            <a:latin typeface="Cambria Math" panose="02040503050406030204" pitchFamily="18" charset="0"/>
+                          </a:rPr>
+                          <m:t>′</m:t>
+                        </m:r>
+                      </m:sup>
+                    </m:sSubSup>
+                    <m:r>
+                      <a:rPr lang="en-PH" b="0" i="1" smtClean="0">
+                        <a:latin typeface="Cambria Math" panose="02040503050406030204" pitchFamily="18" charset="0"/>
+                      </a:rPr>
+                      <m:t>=0</m:t>
+                    </m:r>
+                  </m:oMath>
+                </a14:m>
+                <a:r>
+                  <a:rPr lang="en-PH" dirty="0"/>
+                  <a:t> where </a:t>
+                </a:r>
+                <a14:m>
+                  <m:oMath xmlns:m="http://schemas.openxmlformats.org/officeDocument/2006/math">
+                    <m:sSubSup>
+                      <m:sSubSupPr>
+                        <m:ctrlPr>
+                          <a:rPr lang="en-PH" b="0" i="1" smtClean="0">
+                            <a:latin typeface="Cambria Math" panose="02040503050406030204" pitchFamily="18" charset="0"/>
+                          </a:rPr>
+                        </m:ctrlPr>
+                      </m:sSubSupPr>
+                      <m:e>
+                        <m:r>
+                          <a:rPr lang="en-PH" b="0" i="1" smtClean="0">
+                            <a:latin typeface="Cambria Math" panose="02040503050406030204" pitchFamily="18" charset="0"/>
+                          </a:rPr>
+                          <m:t>𝑠</m:t>
+                        </m:r>
+                      </m:e>
+                      <m:sub>
+                        <m:r>
+                          <a:rPr lang="en-PH" b="0" i="1" smtClean="0">
+                            <a:latin typeface="Cambria Math" panose="02040503050406030204" pitchFamily="18" charset="0"/>
+                          </a:rPr>
+                          <m:t>𝑖</m:t>
+                        </m:r>
+                        <m:r>
+                          <a:rPr lang="en-PH" b="0" i="1" smtClean="0">
+                            <a:latin typeface="Cambria Math" panose="02040503050406030204" pitchFamily="18" charset="0"/>
+                          </a:rPr>
+                          <m:t>,</m:t>
+                        </m:r>
+                        <m:r>
+                          <a:rPr lang="en-PH" b="0" i="1" smtClean="0">
+                            <a:latin typeface="Cambria Math" panose="02040503050406030204" pitchFamily="18" charset="0"/>
+                          </a:rPr>
+                          <m:t>𝑗</m:t>
+                        </m:r>
+                      </m:sub>
+                      <m:sup>
+                        <m:r>
+                          <a:rPr lang="en-PH" b="0" i="1" smtClean="0">
+                            <a:latin typeface="Cambria Math" panose="02040503050406030204" pitchFamily="18" charset="0"/>
+                          </a:rPr>
+                          <m:t>′</m:t>
+                        </m:r>
+                      </m:sup>
+                    </m:sSubSup>
+                  </m:oMath>
+                </a14:m>
+                <a:r>
+                  <a:rPr lang="en-PH" dirty="0"/>
+                  <a:t> is the state of student </a:t>
+                </a:r>
+                <a14:m>
+                  <m:oMath xmlns:m="http://schemas.openxmlformats.org/officeDocument/2006/math">
+                    <m:sSub>
+                      <m:sSubPr>
+                        <m:ctrlPr>
+                          <a:rPr lang="en-PH" b="0" i="1" smtClean="0">
+                            <a:latin typeface="Cambria Math" panose="02040503050406030204" pitchFamily="18" charset="0"/>
+                          </a:rPr>
+                        </m:ctrlPr>
+                      </m:sSubPr>
+                      <m:e>
+                        <m:r>
+                          <a:rPr lang="en-PH" b="0" i="1" smtClean="0">
+                            <a:latin typeface="Cambria Math" panose="02040503050406030204" pitchFamily="18" charset="0"/>
+                          </a:rPr>
+                          <m:t>𝑐</m:t>
+                        </m:r>
+                      </m:e>
+                      <m:sub>
+                        <m:r>
+                          <a:rPr lang="en-PH" b="0" i="1" smtClean="0">
+                            <a:latin typeface="Cambria Math" panose="02040503050406030204" pitchFamily="18" charset="0"/>
+                          </a:rPr>
+                          <m:t>𝑖</m:t>
+                        </m:r>
+                        <m:r>
+                          <a:rPr lang="en-PH" b="0" i="1" smtClean="0">
+                            <a:latin typeface="Cambria Math" panose="02040503050406030204" pitchFamily="18" charset="0"/>
+                          </a:rPr>
+                          <m:t>,</m:t>
+                        </m:r>
+                        <m:r>
+                          <a:rPr lang="en-PH" b="0" i="1" smtClean="0">
+                            <a:latin typeface="Cambria Math" panose="02040503050406030204" pitchFamily="18" charset="0"/>
+                          </a:rPr>
+                          <m:t>𝑗</m:t>
+                        </m:r>
+                      </m:sub>
+                    </m:sSub>
+                  </m:oMath>
+                </a14:m>
+                <a:r>
+                  <a:rPr lang="en-PH" dirty="0"/>
+                  <a:t> in the next time step</a:t>
+                </a:r>
+              </a:p>
+            </p:txBody>
+          </p:sp>
+        </mc:Choice>
+        <mc:Fallback xmlns="">
+          <p:sp>
+            <p:nvSpPr>
+              <p:cNvPr id="13" name="Flowchart: Process 12">
+                <a:extLst>
+                  <a:ext uri="{FF2B5EF4-FFF2-40B4-BE49-F238E27FC236}">
+                    <a16:creationId xmlns:a16="http://schemas.microsoft.com/office/drawing/2014/main" id="{7A2C7A99-5B7B-435B-72F0-B00E937DF52C}"/>
+                  </a:ext>
+                </a:extLst>
+              </p:cNvPr>
+              <p:cNvSpPr>
+                <a:spLocks noRot="1" noChangeAspect="1" noMove="1" noResize="1" noEditPoints="1" noAdjustHandles="1" noChangeArrowheads="1" noChangeShapeType="1" noTextEdit="1"/>
+              </p:cNvSpPr>
+              <p:nvPr/>
+            </p:nvSpPr>
+            <p:spPr>
+              <a:xfrm>
+                <a:off x="1232038" y="4343339"/>
+                <a:ext cx="2379067" cy="1501407"/>
+              </a:xfrm>
+              <a:prstGeom prst="flowChartProcess">
+                <a:avLst/>
+              </a:prstGeom>
+              <a:blipFill>
+                <a:blip r:embed="rId7"/>
+                <a:stretch>
+                  <a:fillRect/>
+                </a:stretch>
+              </a:blipFill>
+            </p:spPr>
+            <p:txBody>
+              <a:bodyPr/>
+              <a:lstStyle/>
+              <a:p>
+                <a:r>
+                  <a:rPr lang="en-PH">
+                    <a:noFill/>
+                  </a:rPr>
+                  <a:t> </a:t>
+                </a:r>
+              </a:p>
+            </p:txBody>
+          </p:sp>
+        </mc:Fallback>
+      </mc:AlternateContent>
+      <p:sp>
+        <p:nvSpPr>
+          <p:cNvPr id="14" name="TextBox 13">
+            <a:extLst>
+              <a:ext uri="{FF2B5EF4-FFF2-40B4-BE49-F238E27FC236}">
+                <a16:creationId xmlns:a16="http://schemas.microsoft.com/office/drawing/2014/main" id="{4361B3AF-534C-B239-2BB2-D818BB446CDD}"/>
+              </a:ext>
+            </a:extLst>
+          </p:cNvPr>
+          <p:cNvSpPr txBox="1"/>
+          <p:nvPr/>
+        </p:nvSpPr>
+        <p:spPr>
+          <a:xfrm>
+            <a:off x="7739968" y="555506"/>
+            <a:ext cx="794437" cy="369332"/>
+          </a:xfrm>
+          <a:prstGeom prst="rect">
+            <a:avLst/>
+          </a:prstGeom>
+          <a:noFill/>
+        </p:spPr>
+        <p:txBody>
+          <a:bodyPr wrap="square" rtlCol="0">
+            <a:spAutoFit/>
+          </a:bodyPr>
+          <a:lstStyle/>
+          <a:p>
+            <a:r>
+              <a:rPr lang="en-PH" dirty="0"/>
+              <a:t>False</a:t>
+            </a:r>
+          </a:p>
+        </p:txBody>
+      </p:sp>
+      <p:cxnSp>
+        <p:nvCxnSpPr>
+          <p:cNvPr id="16" name="Straight Arrow Connector 15">
+            <a:extLst>
+              <a:ext uri="{FF2B5EF4-FFF2-40B4-BE49-F238E27FC236}">
+                <a16:creationId xmlns:a16="http://schemas.microsoft.com/office/drawing/2014/main" id="{9BC4404E-3D28-E133-5B1C-8B94D59E6EF3}"/>
+              </a:ext>
+            </a:extLst>
+          </p:cNvPr>
+          <p:cNvCxnSpPr>
+            <a:stCxn id="10" idx="2"/>
+            <a:endCxn id="12" idx="0"/>
+          </p:cNvCxnSpPr>
+          <p:nvPr/>
+        </p:nvCxnSpPr>
+        <p:spPr>
+          <a:xfrm>
+            <a:off x="6784153" y="1870341"/>
+            <a:ext cx="0" cy="2472998"/>
+          </a:xfrm>
+          <a:prstGeom prst="straightConnector1">
+            <a:avLst/>
+          </a:prstGeom>
+          <a:ln>
+            <a:tailEnd type="triangle"/>
+          </a:ln>
+        </p:spPr>
+        <p:style>
+          <a:lnRef idx="2">
+            <a:schemeClr val="dk1"/>
+          </a:lnRef>
+          <a:fillRef idx="0">
+            <a:schemeClr val="dk1"/>
+          </a:fillRef>
+          <a:effectRef idx="1">
+            <a:schemeClr val="dk1"/>
+          </a:effectRef>
+          <a:fontRef idx="minor">
+            <a:schemeClr val="tx1"/>
+          </a:fontRef>
+        </p:style>
+      </p:cxnSp>
+      <p:cxnSp>
+        <p:nvCxnSpPr>
+          <p:cNvPr id="17" name="Straight Arrow Connector 16">
+            <a:extLst>
+              <a:ext uri="{FF2B5EF4-FFF2-40B4-BE49-F238E27FC236}">
+                <a16:creationId xmlns:a16="http://schemas.microsoft.com/office/drawing/2014/main" id="{57CAC367-4A3B-2667-CB76-96E949C7FB91}"/>
+              </a:ext>
+            </a:extLst>
+          </p:cNvPr>
+          <p:cNvCxnSpPr>
+            <a:stCxn id="9" idx="1"/>
+            <a:endCxn id="12" idx="3"/>
+          </p:cNvCxnSpPr>
+          <p:nvPr/>
+        </p:nvCxnSpPr>
+        <p:spPr>
+          <a:xfrm flipH="1" flipV="1">
+            <a:off x="7973686" y="5094043"/>
+            <a:ext cx="2010995" cy="23273"/>
+          </a:xfrm>
+          <a:prstGeom prst="straightConnector1">
+            <a:avLst/>
+          </a:prstGeom>
+          <a:ln>
+            <a:tailEnd type="triangle"/>
+          </a:ln>
+        </p:spPr>
+        <p:style>
+          <a:lnRef idx="2">
+            <a:schemeClr val="dk1"/>
+          </a:lnRef>
+          <a:fillRef idx="0">
+            <a:schemeClr val="dk1"/>
+          </a:fillRef>
+          <a:effectRef idx="1">
+            <a:schemeClr val="dk1"/>
+          </a:effectRef>
+          <a:fontRef idx="minor">
+            <a:schemeClr val="tx1"/>
+          </a:fontRef>
+        </p:style>
+      </p:cxnSp>
+      <p:sp>
+        <p:nvSpPr>
+          <p:cNvPr id="18" name="TextBox 17">
+            <a:extLst>
+              <a:ext uri="{FF2B5EF4-FFF2-40B4-BE49-F238E27FC236}">
+                <a16:creationId xmlns:a16="http://schemas.microsoft.com/office/drawing/2014/main" id="{FA18CCF3-87D0-66CE-E125-E3EE070EDAE3}"/>
+              </a:ext>
+            </a:extLst>
+          </p:cNvPr>
+          <p:cNvSpPr txBox="1"/>
+          <p:nvPr/>
+        </p:nvSpPr>
+        <p:spPr>
+          <a:xfrm>
+            <a:off x="6784153" y="2734304"/>
+            <a:ext cx="632460" cy="369332"/>
+          </a:xfrm>
+          <a:prstGeom prst="rect">
+            <a:avLst/>
+          </a:prstGeom>
+          <a:noFill/>
+        </p:spPr>
+        <p:txBody>
+          <a:bodyPr wrap="square" rtlCol="0">
+            <a:spAutoFit/>
+          </a:bodyPr>
+          <a:lstStyle/>
+          <a:p>
+            <a:r>
+              <a:rPr lang="en-PH" dirty="0"/>
+              <a:t>True</a:t>
+            </a:r>
+          </a:p>
+        </p:txBody>
+      </p:sp>
+      <p:sp>
+        <p:nvSpPr>
+          <p:cNvPr id="19" name="TextBox 18">
+            <a:extLst>
+              <a:ext uri="{FF2B5EF4-FFF2-40B4-BE49-F238E27FC236}">
+                <a16:creationId xmlns:a16="http://schemas.microsoft.com/office/drawing/2014/main" id="{5E5C024E-FF83-8373-C5FD-BCDA4D8B55A1}"/>
+              </a:ext>
+            </a:extLst>
+          </p:cNvPr>
+          <p:cNvSpPr txBox="1"/>
+          <p:nvPr/>
+        </p:nvSpPr>
+        <p:spPr>
+          <a:xfrm>
+            <a:off x="8562275" y="4710959"/>
+            <a:ext cx="632460" cy="369332"/>
+          </a:xfrm>
+          <a:prstGeom prst="rect">
+            <a:avLst/>
+          </a:prstGeom>
+          <a:noFill/>
+        </p:spPr>
+        <p:txBody>
+          <a:bodyPr wrap="square" rtlCol="0">
+            <a:spAutoFit/>
+          </a:bodyPr>
+          <a:lstStyle/>
+          <a:p>
+            <a:r>
+              <a:rPr lang="en-PH" dirty="0"/>
+              <a:t>True</a:t>
+            </a:r>
+          </a:p>
+        </p:txBody>
+      </p:sp>
+      <p:cxnSp>
+        <p:nvCxnSpPr>
+          <p:cNvPr id="20" name="Connector: Elbow 19">
+            <a:extLst>
+              <a:ext uri="{FF2B5EF4-FFF2-40B4-BE49-F238E27FC236}">
+                <a16:creationId xmlns:a16="http://schemas.microsoft.com/office/drawing/2014/main" id="{048DD2CB-69BF-0C75-2473-FB59B72740FB}"/>
+              </a:ext>
+            </a:extLst>
+          </p:cNvPr>
+          <p:cNvCxnSpPr>
+            <a:stCxn id="9" idx="2"/>
+            <a:endCxn id="13" idx="2"/>
+          </p:cNvCxnSpPr>
+          <p:nvPr/>
+        </p:nvCxnSpPr>
+        <p:spPr>
+          <a:xfrm rot="5400000" flipH="1">
+            <a:off x="6582406" y="1683913"/>
+            <a:ext cx="348993" cy="8670661"/>
+          </a:xfrm>
+          <a:prstGeom prst="bentConnector3">
+            <a:avLst>
+              <a:gd name="adj1" fmla="val -65503"/>
+            </a:avLst>
+          </a:prstGeom>
+          <a:ln>
+            <a:tailEnd type="triangle"/>
+          </a:ln>
+        </p:spPr>
+        <p:style>
+          <a:lnRef idx="2">
+            <a:schemeClr val="dk1"/>
+          </a:lnRef>
+          <a:fillRef idx="0">
+            <a:schemeClr val="dk1"/>
+          </a:fillRef>
+          <a:effectRef idx="1">
+            <a:schemeClr val="dk1"/>
+          </a:effectRef>
+          <a:fontRef idx="minor">
+            <a:schemeClr val="tx1"/>
+          </a:fontRef>
+        </p:style>
+      </p:cxnSp>
+      <p:cxnSp>
+        <p:nvCxnSpPr>
+          <p:cNvPr id="21" name="Connector: Elbow 20">
+            <a:extLst>
+              <a:ext uri="{FF2B5EF4-FFF2-40B4-BE49-F238E27FC236}">
+                <a16:creationId xmlns:a16="http://schemas.microsoft.com/office/drawing/2014/main" id="{3FAD7CCF-BF16-D11B-1612-731712B1F3D6}"/>
+              </a:ext>
+            </a:extLst>
+          </p:cNvPr>
+          <p:cNvCxnSpPr>
+            <a:cxnSpLocks/>
+            <a:stCxn id="13" idx="3"/>
+          </p:cNvCxnSpPr>
+          <p:nvPr/>
+        </p:nvCxnSpPr>
+        <p:spPr>
+          <a:xfrm flipV="1">
+            <a:off x="3611105" y="4072844"/>
+            <a:ext cx="521143" cy="1021199"/>
+          </a:xfrm>
+          <a:prstGeom prst="bentConnector2">
+            <a:avLst/>
+          </a:prstGeom>
+          <a:ln>
+            <a:tailEnd type="triangle"/>
+          </a:ln>
+        </p:spPr>
+        <p:style>
+          <a:lnRef idx="2">
+            <a:schemeClr val="dk1"/>
+          </a:lnRef>
+          <a:fillRef idx="0">
+            <a:schemeClr val="dk1"/>
+          </a:fillRef>
+          <a:effectRef idx="1">
+            <a:schemeClr val="dk1"/>
+          </a:effectRef>
+          <a:fontRef idx="minor">
+            <a:schemeClr val="tx1"/>
+          </a:fontRef>
+        </p:style>
+      </p:cxnSp>
+      <p:cxnSp>
+        <p:nvCxnSpPr>
+          <p:cNvPr id="22" name="Connector: Elbow 21">
+            <a:extLst>
+              <a:ext uri="{FF2B5EF4-FFF2-40B4-BE49-F238E27FC236}">
+                <a16:creationId xmlns:a16="http://schemas.microsoft.com/office/drawing/2014/main" id="{085F728F-D606-2FAD-E545-00C8506F2216}"/>
+              </a:ext>
+            </a:extLst>
+          </p:cNvPr>
+          <p:cNvCxnSpPr>
+            <a:cxnSpLocks/>
+            <a:stCxn id="12" idx="1"/>
+            <a:endCxn id="34" idx="2"/>
+          </p:cNvCxnSpPr>
+          <p:nvPr/>
+        </p:nvCxnSpPr>
+        <p:spPr>
+          <a:xfrm rot="10800000">
+            <a:off x="4132249" y="4072845"/>
+            <a:ext cx="1462371" cy="1021199"/>
+          </a:xfrm>
+          <a:prstGeom prst="bentConnector2">
+            <a:avLst/>
+          </a:prstGeom>
+          <a:ln>
+            <a:tailEnd type="triangle"/>
+          </a:ln>
+        </p:spPr>
+        <p:style>
+          <a:lnRef idx="2">
+            <a:schemeClr val="dk1"/>
+          </a:lnRef>
+          <a:fillRef idx="0">
+            <a:schemeClr val="dk1"/>
+          </a:fillRef>
+          <a:effectRef idx="1">
+            <a:schemeClr val="dk1"/>
+          </a:effectRef>
+          <a:fontRef idx="minor">
+            <a:schemeClr val="tx1"/>
+          </a:fontRef>
+        </p:style>
+      </p:cxnSp>
+      <p:sp>
+        <p:nvSpPr>
+          <p:cNvPr id="23" name="TextBox 22">
+            <a:extLst>
+              <a:ext uri="{FF2B5EF4-FFF2-40B4-BE49-F238E27FC236}">
+                <a16:creationId xmlns:a16="http://schemas.microsoft.com/office/drawing/2014/main" id="{AA782788-EF1E-554C-6F6A-F3B30C24C1BF}"/>
+              </a:ext>
+            </a:extLst>
+          </p:cNvPr>
+          <p:cNvSpPr txBox="1"/>
+          <p:nvPr/>
+        </p:nvSpPr>
+        <p:spPr>
+          <a:xfrm>
+            <a:off x="8534405" y="6009073"/>
+            <a:ext cx="794437" cy="369332"/>
+          </a:xfrm>
+          <a:prstGeom prst="rect">
+            <a:avLst/>
+          </a:prstGeom>
+          <a:noFill/>
+        </p:spPr>
+        <p:txBody>
+          <a:bodyPr wrap="square" rtlCol="0">
+            <a:spAutoFit/>
+          </a:bodyPr>
+          <a:lstStyle/>
+          <a:p>
+            <a:r>
+              <a:rPr lang="en-PH" dirty="0"/>
+              <a:t>False</a:t>
+            </a:r>
+          </a:p>
+        </p:txBody>
+      </p:sp>
+      <mc:AlternateContent xmlns:mc="http://schemas.openxmlformats.org/markup-compatibility/2006" xmlns:a14="http://schemas.microsoft.com/office/drawing/2010/main">
+        <mc:Choice Requires="a14">
+          <p:sp>
+            <p:nvSpPr>
+              <p:cNvPr id="34" name="Flowchart: Decision 33">
+                <a:extLst>
+                  <a:ext uri="{FF2B5EF4-FFF2-40B4-BE49-F238E27FC236}">
+                    <a16:creationId xmlns:a16="http://schemas.microsoft.com/office/drawing/2014/main" id="{8E9336F1-F630-931B-96BE-4820E27F640B}"/>
+                  </a:ext>
+                </a:extLst>
+              </p:cNvPr>
+              <p:cNvSpPr/>
+              <p:nvPr/>
+            </p:nvSpPr>
+            <p:spPr>
+              <a:xfrm>
+                <a:off x="3214162" y="2358668"/>
+                <a:ext cx="1836171" cy="1714176"/>
+              </a:xfrm>
+              <a:prstGeom prst="flowChartDecision">
+                <a:avLst/>
+              </a:prstGeom>
+            </p:spPr>
+            <p:style>
+              <a:lnRef idx="2">
+                <a:schemeClr val="dk1"/>
+              </a:lnRef>
+              <a:fillRef idx="1">
+                <a:schemeClr val="lt1"/>
+              </a:fillRef>
+              <a:effectRef idx="0">
+                <a:schemeClr val="dk1"/>
+              </a:effectRef>
+              <a:fontRef idx="minor">
+                <a:schemeClr val="dk1"/>
+              </a:fontRef>
+            </p:style>
+            <p:txBody>
+              <a:bodyPr rtlCol="0" anchor="ctr"/>
+              <a:lstStyle/>
+              <a:p>
+                <a:pPr algn="ctr"/>
+                <a:r>
+                  <a:rPr lang="en-PH" dirty="0"/>
+                  <a:t>Done for all </a:t>
+                </a:r>
+                <a14:m>
+                  <m:oMath xmlns:m="http://schemas.openxmlformats.org/officeDocument/2006/math">
+                    <m:r>
+                      <a:rPr lang="en-PH" b="0" i="1" smtClean="0">
+                        <a:latin typeface="Cambria Math" panose="02040503050406030204" pitchFamily="18" charset="0"/>
+                      </a:rPr>
+                      <m:t>𝑖</m:t>
+                    </m:r>
+                    <m:r>
+                      <a:rPr lang="en-PH" b="0" i="1" smtClean="0">
+                        <a:latin typeface="Cambria Math" panose="02040503050406030204" pitchFamily="18" charset="0"/>
+                      </a:rPr>
+                      <m:t>,</m:t>
+                    </m:r>
+                    <m:r>
+                      <a:rPr lang="en-PH" b="0" i="1" smtClean="0">
+                        <a:latin typeface="Cambria Math" panose="02040503050406030204" pitchFamily="18" charset="0"/>
+                      </a:rPr>
+                      <m:t>𝑗</m:t>
+                    </m:r>
+                  </m:oMath>
+                </a14:m>
+                <a:endParaRPr lang="en-PH" dirty="0"/>
+              </a:p>
+            </p:txBody>
+          </p:sp>
+        </mc:Choice>
+        <mc:Fallback xmlns="">
+          <p:sp>
+            <p:nvSpPr>
+              <p:cNvPr id="34" name="Flowchart: Decision 33">
+                <a:extLst>
+                  <a:ext uri="{FF2B5EF4-FFF2-40B4-BE49-F238E27FC236}">
+                    <a16:creationId xmlns:a16="http://schemas.microsoft.com/office/drawing/2014/main" id="{8E9336F1-F630-931B-96BE-4820E27F640B}"/>
+                  </a:ext>
+                </a:extLst>
+              </p:cNvPr>
+              <p:cNvSpPr>
+                <a:spLocks noRot="1" noChangeAspect="1" noMove="1" noResize="1" noEditPoints="1" noAdjustHandles="1" noChangeArrowheads="1" noChangeShapeType="1" noTextEdit="1"/>
+              </p:cNvSpPr>
+              <p:nvPr/>
+            </p:nvSpPr>
+            <p:spPr>
+              <a:xfrm>
+                <a:off x="3214162" y="2358668"/>
+                <a:ext cx="1836171" cy="1714176"/>
+              </a:xfrm>
+              <a:prstGeom prst="flowChartDecision">
+                <a:avLst/>
+              </a:prstGeom>
+              <a:blipFill>
+                <a:blip r:embed="rId8"/>
+                <a:stretch>
+                  <a:fillRect/>
+                </a:stretch>
+              </a:blipFill>
+            </p:spPr>
+            <p:txBody>
+              <a:bodyPr/>
+              <a:lstStyle/>
+              <a:p>
+                <a:r>
+                  <a:rPr lang="en-PH">
+                    <a:noFill/>
+                  </a:rPr>
+                  <a:t> </a:t>
+                </a:r>
+              </a:p>
+            </p:txBody>
+          </p:sp>
+        </mc:Fallback>
+      </mc:AlternateContent>
+      <p:sp>
+        <p:nvSpPr>
+          <p:cNvPr id="35" name="Oval 34">
+            <a:extLst>
+              <a:ext uri="{FF2B5EF4-FFF2-40B4-BE49-F238E27FC236}">
+                <a16:creationId xmlns:a16="http://schemas.microsoft.com/office/drawing/2014/main" id="{A6F2134A-6D54-8AF3-6FCC-8639D5F8C9D7}"/>
+              </a:ext>
+            </a:extLst>
+          </p:cNvPr>
+          <p:cNvSpPr/>
+          <p:nvPr/>
+        </p:nvSpPr>
+        <p:spPr>
+          <a:xfrm>
+            <a:off x="-5348884" y="319882"/>
+            <a:ext cx="1767010" cy="1386739"/>
+          </a:xfrm>
+          <a:prstGeom prst="ellipse">
+            <a:avLst/>
+          </a:prstGeom>
+          <a:solidFill>
+            <a:schemeClr val="bg1"/>
+          </a:solidFill>
+          <a:ln>
+            <a:solidFill>
+              <a:schemeClr val="tx1"/>
+            </a:solidFill>
+          </a:ln>
+        </p:spPr>
+        <p:style>
+          <a:lnRef idx="2">
+            <a:schemeClr val="accent6"/>
+          </a:lnRef>
+          <a:fillRef idx="1">
+            <a:schemeClr val="lt1"/>
+          </a:fillRef>
+          <a:effectRef idx="0">
+            <a:schemeClr val="accent6"/>
+          </a:effectRef>
+          <a:fontRef idx="minor">
+            <a:schemeClr val="dk1"/>
+          </a:fontRef>
+        </p:style>
+        <p:txBody>
+          <a:bodyPr rtlCol="0" anchor="ctr"/>
+          <a:lstStyle/>
+          <a:p>
+            <a:pPr algn="ctr"/>
+            <a:r>
+              <a:rPr lang="en-PH" dirty="0"/>
+              <a:t>Begin</a:t>
+            </a:r>
+          </a:p>
+        </p:txBody>
+      </p:sp>
+      <p:cxnSp>
+        <p:nvCxnSpPr>
+          <p:cNvPr id="44" name="Straight Arrow Connector 43">
+            <a:extLst>
+              <a:ext uri="{FF2B5EF4-FFF2-40B4-BE49-F238E27FC236}">
+                <a16:creationId xmlns:a16="http://schemas.microsoft.com/office/drawing/2014/main" id="{BAAE4BA6-C317-5968-21F7-419586D08CD7}"/>
+              </a:ext>
+            </a:extLst>
+          </p:cNvPr>
+          <p:cNvCxnSpPr>
+            <a:stCxn id="34" idx="0"/>
+            <a:endCxn id="4" idx="2"/>
+          </p:cNvCxnSpPr>
+          <p:nvPr/>
+        </p:nvCxnSpPr>
+        <p:spPr>
+          <a:xfrm flipV="1">
+            <a:off x="4132248" y="1644849"/>
+            <a:ext cx="0" cy="713819"/>
+          </a:xfrm>
+          <a:prstGeom prst="straightConnector1">
+            <a:avLst/>
+          </a:prstGeom>
+          <a:ln>
+            <a:solidFill>
+              <a:schemeClr val="tx1"/>
+            </a:solidFill>
+            <a:tailEnd type="triangle"/>
+          </a:ln>
+        </p:spPr>
+        <p:style>
+          <a:lnRef idx="2">
+            <a:schemeClr val="accent1"/>
+          </a:lnRef>
+          <a:fillRef idx="0">
+            <a:schemeClr val="accent1"/>
+          </a:fillRef>
+          <a:effectRef idx="1">
+            <a:schemeClr val="accent1"/>
+          </a:effectRef>
+          <a:fontRef idx="minor">
+            <a:schemeClr val="tx1"/>
+          </a:fontRef>
+        </p:style>
+      </p:cxnSp>
+      <p:sp>
+        <p:nvSpPr>
+          <p:cNvPr id="45" name="TextBox 44">
+            <a:extLst>
+              <a:ext uri="{FF2B5EF4-FFF2-40B4-BE49-F238E27FC236}">
+                <a16:creationId xmlns:a16="http://schemas.microsoft.com/office/drawing/2014/main" id="{6E3BEDEE-A4DB-EC6B-9840-5515D4AA507F}"/>
+              </a:ext>
+            </a:extLst>
+          </p:cNvPr>
+          <p:cNvSpPr txBox="1"/>
+          <p:nvPr/>
+        </p:nvSpPr>
+        <p:spPr>
+          <a:xfrm>
+            <a:off x="4082486" y="1903507"/>
+            <a:ext cx="794437" cy="369332"/>
+          </a:xfrm>
+          <a:prstGeom prst="rect">
+            <a:avLst/>
+          </a:prstGeom>
+          <a:noFill/>
+        </p:spPr>
+        <p:txBody>
+          <a:bodyPr wrap="square" rtlCol="0">
+            <a:spAutoFit/>
+          </a:bodyPr>
+          <a:lstStyle/>
+          <a:p>
+            <a:r>
+              <a:rPr lang="en-PH" dirty="0"/>
+              <a:t>False</a:t>
+            </a:r>
+          </a:p>
+        </p:txBody>
+      </p:sp>
+      <p:sp>
+        <p:nvSpPr>
+          <p:cNvPr id="49" name="TextBox 48">
+            <a:extLst>
+              <a:ext uri="{FF2B5EF4-FFF2-40B4-BE49-F238E27FC236}">
+                <a16:creationId xmlns:a16="http://schemas.microsoft.com/office/drawing/2014/main" id="{118542CC-5EE4-02F8-548C-1CB8EDF92766}"/>
+              </a:ext>
+            </a:extLst>
+          </p:cNvPr>
+          <p:cNvSpPr txBox="1"/>
+          <p:nvPr/>
+        </p:nvSpPr>
+        <p:spPr>
+          <a:xfrm>
+            <a:off x="1311857" y="2846424"/>
+            <a:ext cx="632460" cy="369332"/>
+          </a:xfrm>
+          <a:prstGeom prst="rect">
+            <a:avLst/>
+          </a:prstGeom>
+          <a:noFill/>
+        </p:spPr>
+        <p:txBody>
+          <a:bodyPr wrap="square" rtlCol="0">
+            <a:spAutoFit/>
+          </a:bodyPr>
+          <a:lstStyle/>
+          <a:p>
+            <a:r>
+              <a:rPr lang="en-PH" dirty="0"/>
+              <a:t>True</a:t>
+            </a:r>
+          </a:p>
+        </p:txBody>
+      </p:sp>
+      <p:sp>
+        <p:nvSpPr>
+          <p:cNvPr id="53" name="Flowchart: Decision 52">
+            <a:extLst>
+              <a:ext uri="{FF2B5EF4-FFF2-40B4-BE49-F238E27FC236}">
+                <a16:creationId xmlns:a16="http://schemas.microsoft.com/office/drawing/2014/main" id="{7EB3DDE5-8D21-600D-7112-2F71F7064AFA}"/>
+              </a:ext>
+            </a:extLst>
+          </p:cNvPr>
+          <p:cNvSpPr/>
+          <p:nvPr/>
+        </p:nvSpPr>
+        <p:spPr>
+          <a:xfrm>
+            <a:off x="-1596225" y="2358668"/>
+            <a:ext cx="1836171" cy="1714176"/>
+          </a:xfrm>
+          <a:prstGeom prst="flowChartDecision">
+            <a:avLst/>
+          </a:prstGeom>
+        </p:spPr>
+        <p:style>
+          <a:lnRef idx="2">
+            <a:schemeClr val="dk1"/>
+          </a:lnRef>
+          <a:fillRef idx="1">
+            <a:schemeClr val="lt1"/>
+          </a:fillRef>
+          <a:effectRef idx="0">
+            <a:schemeClr val="dk1"/>
+          </a:effectRef>
+          <a:fontRef idx="minor">
+            <a:schemeClr val="dk1"/>
+          </a:fontRef>
+        </p:style>
+        <p:txBody>
+          <a:bodyPr rtlCol="0" anchor="ctr"/>
+          <a:lstStyle/>
+          <a:p>
+            <a:pPr algn="ctr"/>
+            <a:r>
+              <a:rPr lang="en-PH" sz="1400" dirty="0"/>
+              <a:t>Steady state achieved</a:t>
+            </a:r>
+          </a:p>
+        </p:txBody>
+      </p:sp>
+      <p:cxnSp>
+        <p:nvCxnSpPr>
+          <p:cNvPr id="55" name="Straight Arrow Connector 54">
+            <a:extLst>
+              <a:ext uri="{FF2B5EF4-FFF2-40B4-BE49-F238E27FC236}">
+                <a16:creationId xmlns:a16="http://schemas.microsoft.com/office/drawing/2014/main" id="{1F4900F8-997C-B56E-4163-4C0576BB5792}"/>
+              </a:ext>
+            </a:extLst>
+          </p:cNvPr>
+          <p:cNvCxnSpPr>
+            <a:stCxn id="34" idx="1"/>
+            <a:endCxn id="53" idx="3"/>
+          </p:cNvCxnSpPr>
+          <p:nvPr/>
+        </p:nvCxnSpPr>
+        <p:spPr>
+          <a:xfrm flipH="1">
+            <a:off x="239946" y="3215756"/>
+            <a:ext cx="2974216" cy="0"/>
+          </a:xfrm>
+          <a:prstGeom prst="straightConnector1">
+            <a:avLst/>
+          </a:prstGeom>
+          <a:ln>
+            <a:solidFill>
+              <a:schemeClr val="tx1"/>
+            </a:solidFill>
+            <a:tailEnd type="triangle"/>
+          </a:ln>
+        </p:spPr>
+        <p:style>
+          <a:lnRef idx="2">
+            <a:schemeClr val="accent1"/>
+          </a:lnRef>
+          <a:fillRef idx="0">
+            <a:schemeClr val="accent1"/>
+          </a:fillRef>
+          <a:effectRef idx="1">
+            <a:schemeClr val="accent1"/>
+          </a:effectRef>
+          <a:fontRef idx="minor">
+            <a:schemeClr val="tx1"/>
+          </a:fontRef>
+        </p:style>
+      </p:cxnSp>
+      <p:cxnSp>
+        <p:nvCxnSpPr>
+          <p:cNvPr id="58" name="Straight Arrow Connector 57">
+            <a:extLst>
+              <a:ext uri="{FF2B5EF4-FFF2-40B4-BE49-F238E27FC236}">
+                <a16:creationId xmlns:a16="http://schemas.microsoft.com/office/drawing/2014/main" id="{B34A9CB5-8A1A-CE89-FE73-D986019F7E84}"/>
+              </a:ext>
+            </a:extLst>
+          </p:cNvPr>
+          <p:cNvCxnSpPr>
+            <a:cxnSpLocks/>
+            <a:stCxn id="53" idx="0"/>
+          </p:cNvCxnSpPr>
+          <p:nvPr/>
+        </p:nvCxnSpPr>
+        <p:spPr>
+          <a:xfrm flipH="1" flipV="1">
+            <a:off x="-678140" y="1013251"/>
+            <a:ext cx="1" cy="1345417"/>
+          </a:xfrm>
+          <a:prstGeom prst="straightConnector1">
+            <a:avLst/>
+          </a:prstGeom>
+          <a:ln>
+            <a:tailEnd type="triangle"/>
+          </a:ln>
+        </p:spPr>
+        <p:style>
+          <a:lnRef idx="2">
+            <a:schemeClr val="dk1"/>
+          </a:lnRef>
+          <a:fillRef idx="0">
+            <a:schemeClr val="dk1"/>
+          </a:fillRef>
+          <a:effectRef idx="1">
+            <a:schemeClr val="dk1"/>
+          </a:effectRef>
+          <a:fontRef idx="minor">
+            <a:schemeClr val="tx1"/>
+          </a:fontRef>
+        </p:style>
+      </p:cxnSp>
+      <p:sp>
+        <p:nvSpPr>
+          <p:cNvPr id="60" name="TextBox 59">
+            <a:extLst>
+              <a:ext uri="{FF2B5EF4-FFF2-40B4-BE49-F238E27FC236}">
+                <a16:creationId xmlns:a16="http://schemas.microsoft.com/office/drawing/2014/main" id="{8F5C4E2C-043C-D73A-6DE3-75660177559E}"/>
+              </a:ext>
+            </a:extLst>
+          </p:cNvPr>
+          <p:cNvSpPr txBox="1"/>
+          <p:nvPr/>
+        </p:nvSpPr>
+        <p:spPr>
+          <a:xfrm>
+            <a:off x="-690495" y="1560506"/>
+            <a:ext cx="794437" cy="369332"/>
+          </a:xfrm>
+          <a:prstGeom prst="rect">
+            <a:avLst/>
+          </a:prstGeom>
+          <a:noFill/>
+        </p:spPr>
+        <p:txBody>
+          <a:bodyPr wrap="square" rtlCol="0">
+            <a:spAutoFit/>
+          </a:bodyPr>
+          <a:lstStyle/>
+          <a:p>
+            <a:r>
+              <a:rPr lang="en-PH" dirty="0"/>
+              <a:t>False</a:t>
+            </a:r>
+          </a:p>
+        </p:txBody>
+      </p:sp>
+      <p:sp>
+        <p:nvSpPr>
+          <p:cNvPr id="61" name="TextBox 60">
+            <a:extLst>
+              <a:ext uri="{FF2B5EF4-FFF2-40B4-BE49-F238E27FC236}">
+                <a16:creationId xmlns:a16="http://schemas.microsoft.com/office/drawing/2014/main" id="{8FDC2B01-1D29-14CF-3E20-8A8788B92529}"/>
+              </a:ext>
+            </a:extLst>
+          </p:cNvPr>
+          <p:cNvSpPr txBox="1"/>
+          <p:nvPr/>
+        </p:nvSpPr>
+        <p:spPr>
+          <a:xfrm>
+            <a:off x="-2861144" y="2905388"/>
+            <a:ext cx="632460" cy="369332"/>
+          </a:xfrm>
+          <a:prstGeom prst="rect">
+            <a:avLst/>
+          </a:prstGeom>
+          <a:noFill/>
+        </p:spPr>
+        <p:txBody>
+          <a:bodyPr wrap="square" rtlCol="0">
+            <a:spAutoFit/>
+          </a:bodyPr>
+          <a:lstStyle/>
+          <a:p>
+            <a:r>
+              <a:rPr lang="en-PH" dirty="0"/>
+              <a:t>True</a:t>
+            </a:r>
+          </a:p>
+        </p:txBody>
+      </p:sp>
+      <p:sp>
+        <p:nvSpPr>
+          <p:cNvPr id="62" name="Oval 61">
+            <a:extLst>
+              <a:ext uri="{FF2B5EF4-FFF2-40B4-BE49-F238E27FC236}">
+                <a16:creationId xmlns:a16="http://schemas.microsoft.com/office/drawing/2014/main" id="{8252422C-7E3E-62C5-A506-B7F3662B2B7B}"/>
+              </a:ext>
+            </a:extLst>
+          </p:cNvPr>
+          <p:cNvSpPr/>
+          <p:nvPr/>
+        </p:nvSpPr>
+        <p:spPr>
+          <a:xfrm>
+            <a:off x="-5348884" y="2522386"/>
+            <a:ext cx="1767010" cy="1386739"/>
+          </a:xfrm>
+          <a:prstGeom prst="ellipse">
+            <a:avLst/>
+          </a:prstGeom>
+          <a:solidFill>
+            <a:schemeClr val="bg1"/>
+          </a:solidFill>
+          <a:ln>
+            <a:solidFill>
+              <a:schemeClr val="tx1"/>
+            </a:solidFill>
+          </a:ln>
+        </p:spPr>
+        <p:style>
+          <a:lnRef idx="2">
+            <a:schemeClr val="accent6"/>
+          </a:lnRef>
+          <a:fillRef idx="1">
+            <a:schemeClr val="lt1"/>
+          </a:fillRef>
+          <a:effectRef idx="0">
+            <a:schemeClr val="accent6"/>
+          </a:effectRef>
+          <a:fontRef idx="minor">
+            <a:schemeClr val="dk1"/>
+          </a:fontRef>
+        </p:style>
+        <p:txBody>
+          <a:bodyPr rtlCol="0" anchor="ctr"/>
+          <a:lstStyle/>
+          <a:p>
+            <a:pPr algn="ctr"/>
+            <a:r>
+              <a:rPr lang="en-PH" dirty="0"/>
+              <a:t>End</a:t>
+            </a:r>
+          </a:p>
+        </p:txBody>
+      </p:sp>
+      <p:cxnSp>
+        <p:nvCxnSpPr>
+          <p:cNvPr id="64" name="Straight Arrow Connector 63">
+            <a:extLst>
+              <a:ext uri="{FF2B5EF4-FFF2-40B4-BE49-F238E27FC236}">
+                <a16:creationId xmlns:a16="http://schemas.microsoft.com/office/drawing/2014/main" id="{B9611411-6B97-DC6D-9975-2A83385EBB42}"/>
+              </a:ext>
+            </a:extLst>
+          </p:cNvPr>
+          <p:cNvCxnSpPr>
+            <a:stCxn id="53" idx="1"/>
+            <a:endCxn id="62" idx="6"/>
+          </p:cNvCxnSpPr>
+          <p:nvPr/>
+        </p:nvCxnSpPr>
+        <p:spPr>
+          <a:xfrm flipH="1">
+            <a:off x="-3581874" y="3215756"/>
+            <a:ext cx="1985649" cy="0"/>
+          </a:xfrm>
+          <a:prstGeom prst="straightConnector1">
+            <a:avLst/>
+          </a:prstGeom>
+          <a:ln>
+            <a:solidFill>
+              <a:schemeClr val="tx1"/>
+            </a:solidFill>
+            <a:tailEnd type="triangle"/>
+          </a:ln>
+        </p:spPr>
+        <p:style>
+          <a:lnRef idx="2">
+            <a:schemeClr val="accent1"/>
+          </a:lnRef>
+          <a:fillRef idx="0">
+            <a:schemeClr val="accent1"/>
+          </a:fillRef>
+          <a:effectRef idx="1">
+            <a:schemeClr val="accent1"/>
+          </a:effectRef>
+          <a:fontRef idx="minor">
+            <a:schemeClr val="tx1"/>
+          </a:fontRef>
+        </p:style>
+      </p:cxnSp>
+      <p:cxnSp>
+        <p:nvCxnSpPr>
+          <p:cNvPr id="66" name="Straight Arrow Connector 65">
+            <a:extLst>
+              <a:ext uri="{FF2B5EF4-FFF2-40B4-BE49-F238E27FC236}">
+                <a16:creationId xmlns:a16="http://schemas.microsoft.com/office/drawing/2014/main" id="{90942DD6-DD74-03F0-5AB9-A12B978CEE97}"/>
+              </a:ext>
+            </a:extLst>
+          </p:cNvPr>
+          <p:cNvCxnSpPr>
+            <a:stCxn id="35" idx="6"/>
+            <a:endCxn id="2" idx="1"/>
+          </p:cNvCxnSpPr>
+          <p:nvPr/>
+        </p:nvCxnSpPr>
+        <p:spPr>
+          <a:xfrm>
+            <a:off x="-3581874" y="1013252"/>
+            <a:ext cx="442167" cy="0"/>
+          </a:xfrm>
+          <a:prstGeom prst="straightConnector1">
+            <a:avLst/>
+          </a:prstGeom>
+          <a:ln>
+            <a:tailEnd type="triangle"/>
+          </a:ln>
+        </p:spPr>
+        <p:style>
+          <a:lnRef idx="2">
+            <a:schemeClr val="dk1"/>
+          </a:lnRef>
+          <a:fillRef idx="0">
+            <a:schemeClr val="dk1"/>
+          </a:fillRef>
+          <a:effectRef idx="1">
+            <a:schemeClr val="dk1"/>
+          </a:effectRef>
+          <a:fontRef idx="minor">
+            <a:schemeClr val="tx1"/>
+          </a:fontRef>
+        </p:style>
+      </p:cxnSp>
+      <p:sp>
+        <p:nvSpPr>
+          <p:cNvPr id="67" name="TextBox 66">
+            <a:extLst>
+              <a:ext uri="{FF2B5EF4-FFF2-40B4-BE49-F238E27FC236}">
+                <a16:creationId xmlns:a16="http://schemas.microsoft.com/office/drawing/2014/main" id="{0DDDFBD0-04CC-D494-B240-79EF07F4935E}"/>
+              </a:ext>
+            </a:extLst>
+          </p:cNvPr>
+          <p:cNvSpPr txBox="1"/>
+          <p:nvPr/>
+        </p:nvSpPr>
+        <p:spPr>
+          <a:xfrm>
+            <a:off x="662696" y="6824269"/>
+            <a:ext cx="1666532" cy="369332"/>
+          </a:xfrm>
+          <a:prstGeom prst="rect">
+            <a:avLst/>
+          </a:prstGeom>
+          <a:noFill/>
+        </p:spPr>
+        <p:txBody>
+          <a:bodyPr wrap="square" rtlCol="0">
+            <a:spAutoFit/>
+          </a:bodyPr>
+          <a:lstStyle/>
+          <a:p>
+            <a:pPr algn="ctr"/>
+            <a:r>
+              <a:rPr lang="en-PH" dirty="0"/>
+              <a:t>One time step</a:t>
+            </a:r>
+          </a:p>
+        </p:txBody>
+      </p:sp>
+      <mc:AlternateContent xmlns:mc="http://schemas.openxmlformats.org/markup-compatibility/2006" xmlns:a14="http://schemas.microsoft.com/office/drawing/2010/main">
+        <mc:Choice Requires="a14">
+          <p:sp>
+            <p:nvSpPr>
+              <p:cNvPr id="28" name="Flowchart: Process 27">
+                <a:extLst>
+                  <a:ext uri="{FF2B5EF4-FFF2-40B4-BE49-F238E27FC236}">
+                    <a16:creationId xmlns:a16="http://schemas.microsoft.com/office/drawing/2014/main" id="{A25DA695-A5DB-0DEC-E55F-AAD4B7D5ED84}"/>
+                  </a:ext>
+                </a:extLst>
+              </p:cNvPr>
+              <p:cNvSpPr/>
+              <p:nvPr/>
+            </p:nvSpPr>
+            <p:spPr>
+              <a:xfrm>
+                <a:off x="8774754" y="381135"/>
+                <a:ext cx="4619134" cy="1263193"/>
+              </a:xfrm>
+              <a:prstGeom prst="flowChartProcess">
+                <a:avLst/>
+              </a:prstGeom>
+              <a:solidFill>
+                <a:schemeClr val="bg1"/>
+              </a:solidFill>
+            </p:spPr>
+            <p:style>
+              <a:lnRef idx="2">
+                <a:schemeClr val="dk1"/>
+              </a:lnRef>
+              <a:fillRef idx="1">
+                <a:schemeClr val="lt1"/>
+              </a:fillRef>
+              <a:effectRef idx="0">
+                <a:schemeClr val="dk1"/>
+              </a:effectRef>
+              <a:fontRef idx="minor">
+                <a:schemeClr val="dk1"/>
+              </a:fontRef>
+            </p:style>
+            <p:txBody>
+              <a:bodyPr rtlCol="0" anchor="ctr"/>
+              <a:lstStyle/>
+              <a:p>
+                <a:pPr algn="ctr"/>
+                <a:r>
+                  <a:rPr lang="en-PH" dirty="0"/>
+                  <a:t>Set neighborhood as</a:t>
+                </a:r>
+              </a:p>
+              <a:p>
+                <a:pPr algn="ctr"/>
+                <a14:m>
+                  <m:oMathPara xmlns:m="http://schemas.openxmlformats.org/officeDocument/2006/math">
+                    <m:oMathParaPr>
+                      <m:jc m:val="centerGroup"/>
+                    </m:oMathParaPr>
+                    <m:oMath xmlns:m="http://schemas.openxmlformats.org/officeDocument/2006/math">
+                      <m:r>
+                        <m:rPr>
+                          <m:lit/>
+                        </m:rPr>
+                        <a:rPr lang="en-PH" i="1" dirty="0" smtClean="0">
+                          <a:latin typeface="Cambria Math" panose="02040503050406030204" pitchFamily="18" charset="0"/>
+                        </a:rPr>
+                        <m:t>{</m:t>
+                      </m:r>
+                      <m:sSub>
+                        <m:sSubPr>
+                          <m:ctrlPr>
+                            <a:rPr lang="en-PH" b="0" i="1" dirty="0" smtClean="0">
+                              <a:latin typeface="Cambria Math" panose="02040503050406030204" pitchFamily="18" charset="0"/>
+                            </a:rPr>
+                          </m:ctrlPr>
+                        </m:sSubPr>
+                        <m:e>
+                          <m:r>
+                            <a:rPr lang="en-PH" b="0" i="1" dirty="0" smtClean="0">
+                              <a:latin typeface="Cambria Math" panose="02040503050406030204" pitchFamily="18" charset="0"/>
+                            </a:rPr>
+                            <m:t>𝑐</m:t>
+                          </m:r>
+                        </m:e>
+                        <m:sub>
+                          <m:r>
+                            <a:rPr lang="en-PH" b="0" i="1" dirty="0" smtClean="0">
+                              <a:latin typeface="Cambria Math" panose="02040503050406030204" pitchFamily="18" charset="0"/>
+                            </a:rPr>
+                            <m:t>𝑖</m:t>
+                          </m:r>
+                          <m:r>
+                            <a:rPr lang="en-PH" b="0" i="1" dirty="0" smtClean="0">
+                              <a:latin typeface="Cambria Math" panose="02040503050406030204" pitchFamily="18" charset="0"/>
+                            </a:rPr>
+                            <m:t>+</m:t>
+                          </m:r>
+                          <m:r>
+                            <a:rPr lang="en-PH" b="0" i="1" dirty="0" smtClean="0">
+                              <a:latin typeface="Cambria Math" panose="02040503050406030204" pitchFamily="18" charset="0"/>
+                            </a:rPr>
+                            <m:t>𝛿</m:t>
+                          </m:r>
+                          <m:r>
+                            <a:rPr lang="en-PH" b="0" i="1" dirty="0" smtClean="0">
+                              <a:latin typeface="Cambria Math" panose="02040503050406030204" pitchFamily="18" charset="0"/>
+                            </a:rPr>
+                            <m:t>𝑖</m:t>
+                          </m:r>
+                          <m:r>
+                            <a:rPr lang="en-PH" b="0" i="1" dirty="0" smtClean="0">
+                              <a:latin typeface="Cambria Math" panose="02040503050406030204" pitchFamily="18" charset="0"/>
+                            </a:rPr>
+                            <m:t>,</m:t>
+                          </m:r>
+                          <m:r>
+                            <a:rPr lang="en-PH" b="0" i="1" dirty="0" smtClean="0">
+                              <a:latin typeface="Cambria Math" panose="02040503050406030204" pitchFamily="18" charset="0"/>
+                            </a:rPr>
+                            <m:t>𝑗</m:t>
+                          </m:r>
+                          <m:r>
+                            <a:rPr lang="en-PH" b="0" i="1" dirty="0" smtClean="0">
+                              <a:latin typeface="Cambria Math" panose="02040503050406030204" pitchFamily="18" charset="0"/>
+                            </a:rPr>
+                            <m:t>+</m:t>
+                          </m:r>
+                          <m:r>
+                            <a:rPr lang="en-PH" b="0" i="1" dirty="0" smtClean="0">
+                              <a:latin typeface="Cambria Math" panose="02040503050406030204" pitchFamily="18" charset="0"/>
+                            </a:rPr>
+                            <m:t>𝛿</m:t>
+                          </m:r>
+                          <m:r>
+                            <a:rPr lang="en-PH" b="0" i="1" dirty="0" smtClean="0">
+                              <a:latin typeface="Cambria Math" panose="02040503050406030204" pitchFamily="18" charset="0"/>
+                            </a:rPr>
+                            <m:t>𝑗</m:t>
+                          </m:r>
+                        </m:sub>
+                      </m:sSub>
+                      <m:r>
+                        <a:rPr lang="en-PH" b="0" i="1" dirty="0" smtClean="0">
+                          <a:latin typeface="Cambria Math" panose="02040503050406030204" pitchFamily="18" charset="0"/>
+                        </a:rPr>
+                        <m:t> ∀</m:t>
+                      </m:r>
+                      <m:d>
+                        <m:dPr>
+                          <m:ctrlPr>
+                            <a:rPr lang="en-PH" b="0" i="1" dirty="0" smtClean="0">
+                              <a:latin typeface="Cambria Math" panose="02040503050406030204" pitchFamily="18" charset="0"/>
+                            </a:rPr>
+                          </m:ctrlPr>
+                        </m:dPr>
+                        <m:e>
+                          <m:r>
+                            <a:rPr lang="en-PH" b="0" i="1" dirty="0" smtClean="0">
+                              <a:latin typeface="Cambria Math" panose="02040503050406030204" pitchFamily="18" charset="0"/>
+                            </a:rPr>
+                            <m:t>𝛿</m:t>
+                          </m:r>
+                          <m:r>
+                            <a:rPr lang="en-PH" b="0" i="1" dirty="0" smtClean="0">
+                              <a:latin typeface="Cambria Math" panose="02040503050406030204" pitchFamily="18" charset="0"/>
+                            </a:rPr>
+                            <m:t>𝑖</m:t>
+                          </m:r>
+                          <m:r>
+                            <a:rPr lang="en-PH" b="0" i="1" dirty="0" smtClean="0">
+                              <a:latin typeface="Cambria Math" panose="02040503050406030204" pitchFamily="18" charset="0"/>
+                              <a:ea typeface="Cambria Math" panose="02040503050406030204" pitchFamily="18" charset="0"/>
+                            </a:rPr>
+                            <m:t>∧</m:t>
+                          </m:r>
+                          <m:r>
+                            <a:rPr lang="en-PH" b="0" i="1" dirty="0" smtClean="0">
+                              <a:latin typeface="Cambria Math" panose="02040503050406030204" pitchFamily="18" charset="0"/>
+                            </a:rPr>
+                            <m:t>𝛿</m:t>
+                          </m:r>
+                          <m:r>
+                            <a:rPr lang="en-PH" b="0" i="1" dirty="0" smtClean="0">
+                              <a:latin typeface="Cambria Math" panose="02040503050406030204" pitchFamily="18" charset="0"/>
+                            </a:rPr>
+                            <m:t>𝑗</m:t>
+                          </m:r>
+                        </m:e>
+                      </m:d>
+                      <m:r>
+                        <a:rPr lang="en-PH" b="0" i="1" dirty="0" smtClean="0">
+                          <a:latin typeface="Cambria Math" panose="02040503050406030204" pitchFamily="18" charset="0"/>
+                        </a:rPr>
+                        <m:t>, </m:t>
+                      </m:r>
+                      <m:r>
+                        <a:rPr lang="en-PH" b="0" i="1" dirty="0" smtClean="0">
+                          <a:latin typeface="Cambria Math" panose="02040503050406030204" pitchFamily="18" charset="0"/>
+                        </a:rPr>
+                        <m:t>𝛿</m:t>
+                      </m:r>
+                      <m:r>
+                        <a:rPr lang="en-PH" b="0" i="1" dirty="0" smtClean="0">
+                          <a:latin typeface="Cambria Math" panose="02040503050406030204" pitchFamily="18" charset="0"/>
+                        </a:rPr>
+                        <m:t>𝑖</m:t>
+                      </m:r>
+                      <m:r>
+                        <a:rPr lang="en-PH" b="0" i="1" dirty="0" smtClean="0">
+                          <a:latin typeface="Cambria Math" panose="02040503050406030204" pitchFamily="18" charset="0"/>
+                        </a:rPr>
+                        <m:t>, </m:t>
+                      </m:r>
+                      <m:r>
+                        <a:rPr lang="en-PH" b="0" i="1" dirty="0" smtClean="0">
+                          <a:latin typeface="Cambria Math" panose="02040503050406030204" pitchFamily="18" charset="0"/>
+                        </a:rPr>
+                        <m:t>𝛿</m:t>
+                      </m:r>
+                      <m:r>
+                        <a:rPr lang="en-PH" b="0" i="1" dirty="0" smtClean="0">
+                          <a:latin typeface="Cambria Math" panose="02040503050406030204" pitchFamily="18" charset="0"/>
+                        </a:rPr>
+                        <m:t>𝑗</m:t>
+                      </m:r>
+                      <m:r>
+                        <a:rPr lang="en-PH" b="0" i="1" dirty="0" smtClean="0">
+                          <a:latin typeface="Cambria Math" panose="02040503050406030204" pitchFamily="18" charset="0"/>
+                        </a:rPr>
+                        <m:t>∈{−1,0,1}} </m:t>
+                      </m:r>
+                    </m:oMath>
+                  </m:oMathPara>
+                </a14:m>
+                <a:endParaRPr lang="en-PH" dirty="0"/>
+              </a:p>
+            </p:txBody>
+          </p:sp>
+        </mc:Choice>
+        <mc:Fallback xmlns="">
+          <p:sp>
+            <p:nvSpPr>
+              <p:cNvPr id="28" name="Flowchart: Process 27">
+                <a:extLst>
+                  <a:ext uri="{FF2B5EF4-FFF2-40B4-BE49-F238E27FC236}">
+                    <a16:creationId xmlns:a16="http://schemas.microsoft.com/office/drawing/2014/main" id="{A25DA695-A5DB-0DEC-E55F-AAD4B7D5ED84}"/>
+                  </a:ext>
+                </a:extLst>
+              </p:cNvPr>
+              <p:cNvSpPr>
+                <a:spLocks noRot="1" noChangeAspect="1" noMove="1" noResize="1" noEditPoints="1" noAdjustHandles="1" noChangeArrowheads="1" noChangeShapeType="1" noTextEdit="1"/>
+              </p:cNvSpPr>
+              <p:nvPr/>
+            </p:nvSpPr>
+            <p:spPr>
+              <a:xfrm>
+                <a:off x="8774754" y="381135"/>
+                <a:ext cx="4619134" cy="1263193"/>
+              </a:xfrm>
+              <a:prstGeom prst="flowChartProcess">
+                <a:avLst/>
+              </a:prstGeom>
+              <a:blipFill>
+                <a:blip r:embed="rId9"/>
+                <a:stretch>
+                  <a:fillRect/>
+                </a:stretch>
+              </a:blipFill>
+            </p:spPr>
+            <p:txBody>
+              <a:bodyPr/>
+              <a:lstStyle/>
+              <a:p>
+                <a:r>
+                  <a:rPr lang="en-PH">
+                    <a:noFill/>
+                  </a:rPr>
+                  <a:t> </a:t>
+                </a:r>
+              </a:p>
+            </p:txBody>
+          </p:sp>
+        </mc:Fallback>
+      </mc:AlternateContent>
+      <mc:AlternateContent xmlns:mc="http://schemas.openxmlformats.org/markup-compatibility/2006" xmlns:a14="http://schemas.microsoft.com/office/drawing/2010/main">
+        <mc:Choice Requires="a14">
+          <p:sp>
+            <p:nvSpPr>
+              <p:cNvPr id="29" name="Flowchart: Process 28">
+                <a:extLst>
+                  <a:ext uri="{FF2B5EF4-FFF2-40B4-BE49-F238E27FC236}">
+                    <a16:creationId xmlns:a16="http://schemas.microsoft.com/office/drawing/2014/main" id="{BB59EBF3-871A-0A95-2879-EDB7A6FC4DBE}"/>
+                  </a:ext>
+                </a:extLst>
+              </p:cNvPr>
+              <p:cNvSpPr/>
+              <p:nvPr/>
+            </p:nvSpPr>
+            <p:spPr>
+              <a:xfrm>
+                <a:off x="8534370" y="2363117"/>
+                <a:ext cx="5099902" cy="1263193"/>
+              </a:xfrm>
+              <a:prstGeom prst="flowChartProcess">
+                <a:avLst/>
+              </a:prstGeom>
+              <a:solidFill>
+                <a:schemeClr val="bg1"/>
+              </a:solidFill>
+            </p:spPr>
+            <p:style>
+              <a:lnRef idx="2">
+                <a:schemeClr val="dk1"/>
+              </a:lnRef>
+              <a:fillRef idx="1">
+                <a:schemeClr val="lt1"/>
+              </a:fillRef>
+              <a:effectRef idx="0">
+                <a:schemeClr val="dk1"/>
+              </a:effectRef>
+              <a:fontRef idx="minor">
+                <a:schemeClr val="dk1"/>
+              </a:fontRef>
+            </p:style>
+            <p:txBody>
+              <a:bodyPr rtlCol="0" anchor="ctr"/>
+              <a:lstStyle/>
+              <a:p>
+                <a:pPr algn="ctr"/>
+                <a:r>
+                  <a:rPr lang="en-PH" dirty="0"/>
+                  <a:t>Obtain probability to learn </a:t>
+                </a:r>
+              </a:p>
+              <a:p>
+                <a:pPr algn="ctr"/>
+                <a14:m>
+                  <m:oMathPara xmlns:m="http://schemas.openxmlformats.org/officeDocument/2006/math">
+                    <m:oMathParaPr>
+                      <m:jc m:val="centerGroup"/>
+                    </m:oMathParaPr>
+                    <m:oMath xmlns:m="http://schemas.openxmlformats.org/officeDocument/2006/math">
+                      <m:sSub>
+                        <m:sSubPr>
+                          <m:ctrlPr>
+                            <a:rPr lang="en-PH" b="0" i="1" smtClean="0">
+                              <a:latin typeface="Cambria Math" panose="02040503050406030204" pitchFamily="18" charset="0"/>
+                            </a:rPr>
+                          </m:ctrlPr>
+                        </m:sSubPr>
+                        <m:e>
+                          <m:r>
+                            <a:rPr lang="en-PH" b="0" i="1" smtClean="0">
+                              <a:latin typeface="Cambria Math" panose="02040503050406030204" pitchFamily="18" charset="0"/>
+                            </a:rPr>
+                            <m:t>𝑃</m:t>
+                          </m:r>
+                        </m:e>
+                        <m:sub>
+                          <m:r>
+                            <a:rPr lang="en-PH" b="0" i="1" smtClean="0">
+                              <a:latin typeface="Cambria Math" panose="02040503050406030204" pitchFamily="18" charset="0"/>
+                            </a:rPr>
+                            <m:t>𝑖</m:t>
+                          </m:r>
+                          <m:r>
+                            <a:rPr lang="en-PH" b="0" i="1" smtClean="0">
+                              <a:latin typeface="Cambria Math" panose="02040503050406030204" pitchFamily="18" charset="0"/>
+                            </a:rPr>
+                            <m:t>,</m:t>
+                          </m:r>
+                          <m:r>
+                            <a:rPr lang="en-PH" b="0" i="1" smtClean="0">
+                              <a:latin typeface="Cambria Math" panose="02040503050406030204" pitchFamily="18" charset="0"/>
+                            </a:rPr>
+                            <m:t>𝑗</m:t>
+                          </m:r>
+                        </m:sub>
+                      </m:sSub>
+                      <m:r>
+                        <a:rPr lang="en-PH" b="0" i="1" smtClean="0">
+                          <a:latin typeface="Cambria Math" panose="02040503050406030204" pitchFamily="18" charset="0"/>
+                        </a:rPr>
+                        <m:t>=1 − </m:t>
+                      </m:r>
+                      <m:nary>
+                        <m:naryPr>
+                          <m:chr m:val="∏"/>
+                          <m:supHide m:val="on"/>
+                          <m:ctrlPr>
+                            <a:rPr lang="en-PH" b="0" i="1" smtClean="0">
+                              <a:latin typeface="Cambria Math" panose="02040503050406030204" pitchFamily="18" charset="0"/>
+                            </a:rPr>
+                          </m:ctrlPr>
+                        </m:naryPr>
+                        <m:sub>
+                          <m:r>
+                            <a:rPr lang="en-PH" b="0" i="1" smtClean="0">
+                              <a:latin typeface="Cambria Math" panose="02040503050406030204" pitchFamily="18" charset="0"/>
+                            </a:rPr>
+                            <m:t>∀</m:t>
+                          </m:r>
+                          <m:r>
+                            <a:rPr lang="en-PH" b="0" i="1" smtClean="0">
+                              <a:latin typeface="Cambria Math" panose="02040503050406030204" pitchFamily="18" charset="0"/>
+                            </a:rPr>
+                            <m:t>𝛿</m:t>
+                          </m:r>
+                          <m:r>
+                            <a:rPr lang="en-PH" b="0" i="1" smtClean="0">
+                              <a:latin typeface="Cambria Math" panose="02040503050406030204" pitchFamily="18" charset="0"/>
+                            </a:rPr>
+                            <m:t>𝑖</m:t>
+                          </m:r>
+                          <m:r>
+                            <a:rPr lang="en-PH" b="0" i="1" smtClean="0">
+                              <a:latin typeface="Cambria Math" panose="02040503050406030204" pitchFamily="18" charset="0"/>
+                            </a:rPr>
+                            <m:t>, </m:t>
+                          </m:r>
+                          <m:r>
+                            <a:rPr lang="en-PH" b="0" i="1" smtClean="0">
+                              <a:latin typeface="Cambria Math" panose="02040503050406030204" pitchFamily="18" charset="0"/>
+                            </a:rPr>
+                            <m:t>𝛿</m:t>
+                          </m:r>
+                          <m:r>
+                            <a:rPr lang="en-PH" b="0" i="1" smtClean="0">
+                              <a:latin typeface="Cambria Math" panose="02040503050406030204" pitchFamily="18" charset="0"/>
+                            </a:rPr>
+                            <m:t>𝑗</m:t>
+                          </m:r>
+                        </m:sub>
+                        <m:sup/>
+                        <m:e>
+                          <m:r>
+                            <a:rPr lang="en-PH" b="0" i="1" smtClean="0">
+                              <a:latin typeface="Cambria Math" panose="02040503050406030204" pitchFamily="18" charset="0"/>
+                            </a:rPr>
+                            <m:t>[1−(</m:t>
+                          </m:r>
+                          <m:sSub>
+                            <m:sSubPr>
+                              <m:ctrlPr>
+                                <a:rPr lang="en-PH" b="0" i="1" smtClean="0">
+                                  <a:latin typeface="Cambria Math" panose="02040503050406030204" pitchFamily="18" charset="0"/>
+                                </a:rPr>
+                              </m:ctrlPr>
+                            </m:sSubPr>
+                            <m:e>
+                              <m:r>
+                                <a:rPr lang="en-PH" b="0" i="1" smtClean="0">
+                                  <a:latin typeface="Cambria Math" panose="02040503050406030204" pitchFamily="18" charset="0"/>
+                                </a:rPr>
+                                <m:t>𝜆</m:t>
+                              </m:r>
+                            </m:e>
+                            <m:sub>
+                              <m:r>
+                                <a:rPr lang="en-PH" b="0" i="1" smtClean="0">
+                                  <a:latin typeface="Cambria Math" panose="02040503050406030204" pitchFamily="18" charset="0"/>
+                                </a:rPr>
+                                <m:t>𝑖</m:t>
+                              </m:r>
+                              <m:r>
+                                <a:rPr lang="en-PH" b="0" i="1" smtClean="0">
+                                  <a:latin typeface="Cambria Math" panose="02040503050406030204" pitchFamily="18" charset="0"/>
+                                </a:rPr>
+                                <m:t>,</m:t>
+                              </m:r>
+                              <m:r>
+                                <a:rPr lang="en-PH" b="0" i="1" smtClean="0">
+                                  <a:latin typeface="Cambria Math" panose="02040503050406030204" pitchFamily="18" charset="0"/>
+                                </a:rPr>
+                                <m:t>𝑗</m:t>
+                              </m:r>
+                            </m:sub>
+                          </m:sSub>
+                          <m:r>
+                            <a:rPr lang="en-PH" b="0" i="1" smtClean="0">
+                              <a:latin typeface="Cambria Math" panose="02040503050406030204" pitchFamily="18" charset="0"/>
+                            </a:rPr>
+                            <m:t>)(</m:t>
+                          </m:r>
+                          <m:sSub>
+                            <m:sSubPr>
+                              <m:ctrlPr>
+                                <a:rPr lang="en-PH" b="0" i="1" smtClean="0">
+                                  <a:latin typeface="Cambria Math" panose="02040503050406030204" pitchFamily="18" charset="0"/>
+                                </a:rPr>
+                              </m:ctrlPr>
+                            </m:sSubPr>
+                            <m:e>
+                              <m:r>
+                                <a:rPr lang="en-PH" b="0" i="1" smtClean="0">
+                                  <a:latin typeface="Cambria Math" panose="02040503050406030204" pitchFamily="18" charset="0"/>
+                                </a:rPr>
+                                <m:t>𝜌</m:t>
+                              </m:r>
+                            </m:e>
+                            <m:sub>
+                              <m:r>
+                                <a:rPr lang="en-PH" b="0" i="1" smtClean="0">
+                                  <a:latin typeface="Cambria Math" panose="02040503050406030204" pitchFamily="18" charset="0"/>
+                                </a:rPr>
+                                <m:t>𝛿</m:t>
+                              </m:r>
+                              <m:r>
+                                <a:rPr lang="en-PH" b="0" i="1" smtClean="0">
+                                  <a:latin typeface="Cambria Math" panose="02040503050406030204" pitchFamily="18" charset="0"/>
+                                </a:rPr>
+                                <m:t>𝑖</m:t>
+                              </m:r>
+                              <m:r>
+                                <a:rPr lang="en-PH" b="0" i="1" smtClean="0">
+                                  <a:latin typeface="Cambria Math" panose="02040503050406030204" pitchFamily="18" charset="0"/>
+                                </a:rPr>
+                                <m:t>, </m:t>
+                              </m:r>
+                              <m:r>
+                                <a:rPr lang="en-PH" b="0" i="1" smtClean="0">
+                                  <a:latin typeface="Cambria Math" panose="02040503050406030204" pitchFamily="18" charset="0"/>
+                                </a:rPr>
+                                <m:t>𝛿</m:t>
+                              </m:r>
+                              <m:r>
+                                <a:rPr lang="en-PH" b="0" i="1" smtClean="0">
+                                  <a:latin typeface="Cambria Math" panose="02040503050406030204" pitchFamily="18" charset="0"/>
+                                </a:rPr>
+                                <m:t>𝑗</m:t>
+                              </m:r>
+                            </m:sub>
+                          </m:sSub>
+                          <m:r>
+                            <a:rPr lang="en-PH" b="0" i="1" smtClean="0">
+                              <a:latin typeface="Cambria Math" panose="02040503050406030204" pitchFamily="18" charset="0"/>
+                            </a:rPr>
+                            <m:t>)(</m:t>
+                          </m:r>
+                          <m:sSub>
+                            <m:sSubPr>
+                              <m:ctrlPr>
+                                <a:rPr lang="en-PH" b="0" i="1" smtClean="0">
+                                  <a:latin typeface="Cambria Math" panose="02040503050406030204" pitchFamily="18" charset="0"/>
+                                </a:rPr>
+                              </m:ctrlPr>
+                            </m:sSubPr>
+                            <m:e>
+                              <m:r>
+                                <a:rPr lang="en-PH" b="0" i="1" smtClean="0">
+                                  <a:latin typeface="Cambria Math" panose="02040503050406030204" pitchFamily="18" charset="0"/>
+                                </a:rPr>
+                                <m:t>𝑠</m:t>
+                              </m:r>
+                            </m:e>
+                            <m:sub>
+                              <m:r>
+                                <a:rPr lang="en-PH" b="0" i="1" smtClean="0">
+                                  <a:latin typeface="Cambria Math" panose="02040503050406030204" pitchFamily="18" charset="0"/>
+                                </a:rPr>
+                                <m:t>𝑖</m:t>
+                              </m:r>
+                              <m:r>
+                                <a:rPr lang="en-PH" b="0" i="1" smtClean="0">
+                                  <a:latin typeface="Cambria Math" panose="02040503050406030204" pitchFamily="18" charset="0"/>
+                                </a:rPr>
+                                <m:t>+</m:t>
+                              </m:r>
+                              <m:r>
+                                <a:rPr lang="en-PH" b="0" i="1" smtClean="0">
+                                  <a:latin typeface="Cambria Math" panose="02040503050406030204" pitchFamily="18" charset="0"/>
+                                </a:rPr>
+                                <m:t>𝛿</m:t>
+                              </m:r>
+                              <m:r>
+                                <a:rPr lang="en-PH" b="0" i="1" smtClean="0">
+                                  <a:latin typeface="Cambria Math" panose="02040503050406030204" pitchFamily="18" charset="0"/>
+                                </a:rPr>
+                                <m:t>𝑖</m:t>
+                              </m:r>
+                              <m:r>
+                                <a:rPr lang="en-PH" b="0" i="1" smtClean="0">
+                                  <a:latin typeface="Cambria Math" panose="02040503050406030204" pitchFamily="18" charset="0"/>
+                                </a:rPr>
+                                <m:t>, </m:t>
+                              </m:r>
+                              <m:r>
+                                <a:rPr lang="en-PH" b="0" i="1" smtClean="0">
+                                  <a:latin typeface="Cambria Math" panose="02040503050406030204" pitchFamily="18" charset="0"/>
+                                </a:rPr>
+                                <m:t>𝑗</m:t>
+                              </m:r>
+                              <m:r>
+                                <a:rPr lang="en-PH" b="0" i="1" smtClean="0">
+                                  <a:latin typeface="Cambria Math" panose="02040503050406030204" pitchFamily="18" charset="0"/>
+                                </a:rPr>
+                                <m:t>+</m:t>
+                              </m:r>
+                              <m:r>
+                                <a:rPr lang="en-PH" b="0" i="1" smtClean="0">
+                                  <a:latin typeface="Cambria Math" panose="02040503050406030204" pitchFamily="18" charset="0"/>
+                                </a:rPr>
+                                <m:t>𝛿</m:t>
+                              </m:r>
+                              <m:r>
+                                <a:rPr lang="en-PH" b="0" i="1" smtClean="0">
+                                  <a:latin typeface="Cambria Math" panose="02040503050406030204" pitchFamily="18" charset="0"/>
+                                </a:rPr>
+                                <m:t>𝑗</m:t>
+                              </m:r>
+                            </m:sub>
+                          </m:sSub>
+                          <m:r>
+                            <a:rPr lang="en-PH" b="0" i="1" smtClean="0">
+                              <a:latin typeface="Cambria Math" panose="02040503050406030204" pitchFamily="18" charset="0"/>
+                            </a:rPr>
+                            <m:t>)</m:t>
+                          </m:r>
+                        </m:e>
+                      </m:nary>
+                    </m:oMath>
+                  </m:oMathPara>
+                </a14:m>
+                <a:endParaRPr lang="en-PH" dirty="0"/>
+              </a:p>
+            </p:txBody>
+          </p:sp>
+        </mc:Choice>
+        <mc:Fallback xmlns="">
+          <p:sp>
+            <p:nvSpPr>
+              <p:cNvPr id="29" name="Flowchart: Process 28">
+                <a:extLst>
+                  <a:ext uri="{FF2B5EF4-FFF2-40B4-BE49-F238E27FC236}">
+                    <a16:creationId xmlns:a16="http://schemas.microsoft.com/office/drawing/2014/main" id="{BB59EBF3-871A-0A95-2879-EDB7A6FC4DBE}"/>
+                  </a:ext>
+                </a:extLst>
+              </p:cNvPr>
+              <p:cNvSpPr>
+                <a:spLocks noRot="1" noChangeAspect="1" noMove="1" noResize="1" noEditPoints="1" noAdjustHandles="1" noChangeArrowheads="1" noChangeShapeType="1" noTextEdit="1"/>
+              </p:cNvSpPr>
+              <p:nvPr/>
+            </p:nvSpPr>
+            <p:spPr>
+              <a:xfrm>
+                <a:off x="8534370" y="2363117"/>
+                <a:ext cx="5099902" cy="1263193"/>
+              </a:xfrm>
+              <a:prstGeom prst="flowChartProcess">
+                <a:avLst/>
+              </a:prstGeom>
+              <a:blipFill>
+                <a:blip r:embed="rId10"/>
+                <a:stretch>
+                  <a:fillRect/>
+                </a:stretch>
+              </a:blipFill>
+            </p:spPr>
+            <p:txBody>
+              <a:bodyPr/>
+              <a:lstStyle/>
+              <a:p>
+                <a:r>
+                  <a:rPr lang="en-PH">
+                    <a:noFill/>
+                  </a:rPr>
+                  <a:t> </a:t>
+                </a:r>
+              </a:p>
+            </p:txBody>
+          </p:sp>
+        </mc:Fallback>
+      </mc:AlternateContent>
+      <p:cxnSp>
+        <p:nvCxnSpPr>
+          <p:cNvPr id="30" name="Straight Arrow Connector 29">
+            <a:extLst>
+              <a:ext uri="{FF2B5EF4-FFF2-40B4-BE49-F238E27FC236}">
+                <a16:creationId xmlns:a16="http://schemas.microsoft.com/office/drawing/2014/main" id="{18619733-DE9F-4C85-23B8-49D35D7C63FD}"/>
+              </a:ext>
+            </a:extLst>
+          </p:cNvPr>
+          <p:cNvCxnSpPr>
+            <a:stCxn id="28" idx="2"/>
+            <a:endCxn id="29" idx="0"/>
+          </p:cNvCxnSpPr>
+          <p:nvPr/>
+        </p:nvCxnSpPr>
+        <p:spPr>
+          <a:xfrm>
+            <a:off x="11084321" y="1644328"/>
+            <a:ext cx="0" cy="718789"/>
+          </a:xfrm>
+          <a:prstGeom prst="straightConnector1">
+            <a:avLst/>
+          </a:prstGeom>
+          <a:ln>
+            <a:tailEnd type="triangle"/>
+          </a:ln>
+        </p:spPr>
+        <p:style>
+          <a:lnRef idx="2">
+            <a:schemeClr val="dk1"/>
+          </a:lnRef>
+          <a:fillRef idx="0">
+            <a:schemeClr val="dk1"/>
+          </a:fillRef>
+          <a:effectRef idx="1">
+            <a:schemeClr val="dk1"/>
+          </a:effectRef>
+          <a:fontRef idx="minor">
+            <a:schemeClr val="tx1"/>
+          </a:fontRef>
+        </p:style>
+      </p:cxnSp>
+      <p:cxnSp>
+        <p:nvCxnSpPr>
+          <p:cNvPr id="42" name="Straight Arrow Connector 41">
+            <a:extLst>
+              <a:ext uri="{FF2B5EF4-FFF2-40B4-BE49-F238E27FC236}">
+                <a16:creationId xmlns:a16="http://schemas.microsoft.com/office/drawing/2014/main" id="{83516D99-99AC-73B4-D8DB-609B4CA00959}"/>
+              </a:ext>
+            </a:extLst>
+          </p:cNvPr>
+          <p:cNvCxnSpPr>
+            <a:cxnSpLocks/>
+            <a:stCxn id="29" idx="2"/>
+            <a:endCxn id="9" idx="0"/>
+          </p:cNvCxnSpPr>
+          <p:nvPr/>
+        </p:nvCxnSpPr>
+        <p:spPr>
+          <a:xfrm>
+            <a:off x="11084321" y="3626310"/>
+            <a:ext cx="7912" cy="414583"/>
+          </a:xfrm>
+          <a:prstGeom prst="straightConnector1">
+            <a:avLst/>
+          </a:prstGeom>
+          <a:ln>
+            <a:tailEnd type="triangle"/>
+          </a:ln>
+        </p:spPr>
+        <p:style>
+          <a:lnRef idx="2">
+            <a:schemeClr val="dk1"/>
+          </a:lnRef>
+          <a:fillRef idx="0">
+            <a:schemeClr val="dk1"/>
+          </a:fillRef>
+          <a:effectRef idx="1">
+            <a:schemeClr val="dk1"/>
+          </a:effectRef>
+          <a:fontRef idx="minor">
+            <a:schemeClr val="tx1"/>
+          </a:fontRef>
+        </p:style>
+      </p:cxnSp>
+    </p:spTree>
+    <p:extLst>
+      <p:ext uri="{BB962C8B-B14F-4D97-AF65-F5344CB8AC3E}">
+        <p14:creationId xmlns:p14="http://schemas.microsoft.com/office/powerpoint/2010/main" val="1266565384"/>
       </p:ext>
     </p:extLst>
   </p:cSld>

--- a/documents/Figures editing.pptx
+++ b/documents/Figures editing.pptx
@@ -267,7 +267,7 @@
           <a:p>
             <a:fld id="{F6E9F5A1-C99C-41F9-B991-61D99245B2FF}" type="datetimeFigureOut">
               <a:rPr lang="en-PH" smtClean="0"/>
-              <a:t>01/04/2025</a:t>
+              <a:t>03/20/2025</a:t>
             </a:fld>
             <a:endParaRPr lang="en-PH"/>
           </a:p>
@@ -467,7 +467,7 @@
           <a:p>
             <a:fld id="{F6E9F5A1-C99C-41F9-B991-61D99245B2FF}" type="datetimeFigureOut">
               <a:rPr lang="en-PH" smtClean="0"/>
-              <a:t>01/04/2025</a:t>
+              <a:t>03/20/2025</a:t>
             </a:fld>
             <a:endParaRPr lang="en-PH"/>
           </a:p>
@@ -677,7 +677,7 @@
           <a:p>
             <a:fld id="{F6E9F5A1-C99C-41F9-B991-61D99245B2FF}" type="datetimeFigureOut">
               <a:rPr lang="en-PH" smtClean="0"/>
-              <a:t>01/04/2025</a:t>
+              <a:t>03/20/2025</a:t>
             </a:fld>
             <a:endParaRPr lang="en-PH"/>
           </a:p>
@@ -877,7 +877,7 @@
           <a:p>
             <a:fld id="{F6E9F5A1-C99C-41F9-B991-61D99245B2FF}" type="datetimeFigureOut">
               <a:rPr lang="en-PH" smtClean="0"/>
-              <a:t>01/04/2025</a:t>
+              <a:t>03/20/2025</a:t>
             </a:fld>
             <a:endParaRPr lang="en-PH"/>
           </a:p>
@@ -1153,7 +1153,7 @@
           <a:p>
             <a:fld id="{F6E9F5A1-C99C-41F9-B991-61D99245B2FF}" type="datetimeFigureOut">
               <a:rPr lang="en-PH" smtClean="0"/>
-              <a:t>01/04/2025</a:t>
+              <a:t>03/20/2025</a:t>
             </a:fld>
             <a:endParaRPr lang="en-PH"/>
           </a:p>
@@ -1421,7 +1421,7 @@
           <a:p>
             <a:fld id="{F6E9F5A1-C99C-41F9-B991-61D99245B2FF}" type="datetimeFigureOut">
               <a:rPr lang="en-PH" smtClean="0"/>
-              <a:t>01/04/2025</a:t>
+              <a:t>03/20/2025</a:t>
             </a:fld>
             <a:endParaRPr lang="en-PH"/>
           </a:p>
@@ -1836,7 +1836,7 @@
           <a:p>
             <a:fld id="{F6E9F5A1-C99C-41F9-B991-61D99245B2FF}" type="datetimeFigureOut">
               <a:rPr lang="en-PH" smtClean="0"/>
-              <a:t>01/04/2025</a:t>
+              <a:t>03/20/2025</a:t>
             </a:fld>
             <a:endParaRPr lang="en-PH"/>
           </a:p>
@@ -1978,7 +1978,7 @@
           <a:p>
             <a:fld id="{F6E9F5A1-C99C-41F9-B991-61D99245B2FF}" type="datetimeFigureOut">
               <a:rPr lang="en-PH" smtClean="0"/>
-              <a:t>01/04/2025</a:t>
+              <a:t>03/20/2025</a:t>
             </a:fld>
             <a:endParaRPr lang="en-PH"/>
           </a:p>
@@ -2091,7 +2091,7 @@
           <a:p>
             <a:fld id="{F6E9F5A1-C99C-41F9-B991-61D99245B2FF}" type="datetimeFigureOut">
               <a:rPr lang="en-PH" smtClean="0"/>
-              <a:t>01/04/2025</a:t>
+              <a:t>03/20/2025</a:t>
             </a:fld>
             <a:endParaRPr lang="en-PH"/>
           </a:p>
@@ -2404,7 +2404,7 @@
           <a:p>
             <a:fld id="{F6E9F5A1-C99C-41F9-B991-61D99245B2FF}" type="datetimeFigureOut">
               <a:rPr lang="en-PH" smtClean="0"/>
-              <a:t>01/04/2025</a:t>
+              <a:t>03/20/2025</a:t>
             </a:fld>
             <a:endParaRPr lang="en-PH"/>
           </a:p>
@@ -2693,7 +2693,7 @@
           <a:p>
             <a:fld id="{F6E9F5A1-C99C-41F9-B991-61D99245B2FF}" type="datetimeFigureOut">
               <a:rPr lang="en-PH" smtClean="0"/>
-              <a:t>01/04/2025</a:t>
+              <a:t>03/20/2025</a:t>
             </a:fld>
             <a:endParaRPr lang="en-PH"/>
           </a:p>
@@ -2936,7 +2936,7 @@
           <a:p>
             <a:fld id="{F6E9F5A1-C99C-41F9-B991-61D99245B2FF}" type="datetimeFigureOut">
               <a:rPr lang="en-PH" smtClean="0"/>
-              <a:t>01/04/2025</a:t>
+              <a:t>03/20/2025</a:t>
             </a:fld>
             <a:endParaRPr lang="en-PH"/>
           </a:p>
@@ -4697,8 +4697,8 @@
             </p:sp>
           </p:grpSp>
         </p:grpSp>
-        <mc:AlternateContent xmlns:mc="http://schemas.openxmlformats.org/markup-compatibility/2006">
-          <mc:Choice xmlns:a14="http://schemas.microsoft.com/office/drawing/2010/main" Requires="a14">
+        <mc:AlternateContent xmlns:mc="http://schemas.openxmlformats.org/markup-compatibility/2006" xmlns:a14="http://schemas.microsoft.com/office/drawing/2010/main">
+          <mc:Choice Requires="a14">
             <p:sp>
               <p:nvSpPr>
                 <p:cNvPr id="2" name="TextBox 1">
@@ -4800,7 +4800,7 @@
               </p:txBody>
             </p:sp>
           </mc:Choice>
-          <mc:Fallback>
+          <mc:Fallback xmlns="">
             <p:sp>
               <p:nvSpPr>
                 <p:cNvPr id="2" name="TextBox 1">
@@ -4845,8 +4845,8 @@
             </p:sp>
           </mc:Fallback>
         </mc:AlternateContent>
-        <mc:AlternateContent xmlns:mc="http://schemas.openxmlformats.org/markup-compatibility/2006">
-          <mc:Choice xmlns:a14="http://schemas.microsoft.com/office/drawing/2010/main" Requires="a14">
+        <mc:AlternateContent xmlns:mc="http://schemas.openxmlformats.org/markup-compatibility/2006" xmlns:a14="http://schemas.microsoft.com/office/drawing/2010/main">
+          <mc:Choice Requires="a14">
             <p:sp>
               <p:nvSpPr>
                 <p:cNvPr id="3" name="TextBox 2">
@@ -4948,7 +4948,7 @@
               </p:txBody>
             </p:sp>
           </mc:Choice>
-          <mc:Fallback>
+          <mc:Fallback xmlns="">
             <p:sp>
               <p:nvSpPr>
                 <p:cNvPr id="3" name="TextBox 2">
@@ -4993,8 +4993,8 @@
             </p:sp>
           </mc:Fallback>
         </mc:AlternateContent>
-        <mc:AlternateContent xmlns:mc="http://schemas.openxmlformats.org/markup-compatibility/2006">
-          <mc:Choice xmlns:a14="http://schemas.microsoft.com/office/drawing/2010/main" Requires="a14">
+        <mc:AlternateContent xmlns:mc="http://schemas.openxmlformats.org/markup-compatibility/2006" xmlns:a14="http://schemas.microsoft.com/office/drawing/2010/main">
+          <mc:Choice Requires="a14">
             <p:sp>
               <p:nvSpPr>
                 <p:cNvPr id="12" name="TextBox 11">
@@ -5114,7 +5114,7 @@
               </p:txBody>
             </p:sp>
           </mc:Choice>
-          <mc:Fallback>
+          <mc:Fallback xmlns="">
             <p:sp>
               <p:nvSpPr>
                 <p:cNvPr id="12" name="TextBox 11">
@@ -5159,8 +5159,8 @@
             </p:sp>
           </mc:Fallback>
         </mc:AlternateContent>
-        <mc:AlternateContent xmlns:mc="http://schemas.openxmlformats.org/markup-compatibility/2006">
-          <mc:Choice xmlns:a14="http://schemas.microsoft.com/office/drawing/2010/main" Requires="a14">
+        <mc:AlternateContent xmlns:mc="http://schemas.openxmlformats.org/markup-compatibility/2006" xmlns:a14="http://schemas.microsoft.com/office/drawing/2010/main">
+          <mc:Choice Requires="a14">
             <p:sp>
               <p:nvSpPr>
                 <p:cNvPr id="14" name="TextBox 13">
@@ -5280,7 +5280,7 @@
               </p:txBody>
             </p:sp>
           </mc:Choice>
-          <mc:Fallback>
+          <mc:Fallback xmlns="">
             <p:sp>
               <p:nvSpPr>
                 <p:cNvPr id="14" name="TextBox 13">
@@ -5325,8 +5325,8 @@
             </p:sp>
           </mc:Fallback>
         </mc:AlternateContent>
-        <mc:AlternateContent xmlns:mc="http://schemas.openxmlformats.org/markup-compatibility/2006">
-          <mc:Choice xmlns:a14="http://schemas.microsoft.com/office/drawing/2010/main" Requires="a14">
+        <mc:AlternateContent xmlns:mc="http://schemas.openxmlformats.org/markup-compatibility/2006" xmlns:a14="http://schemas.microsoft.com/office/drawing/2010/main">
+          <mc:Choice Requires="a14">
             <p:sp>
               <p:nvSpPr>
                 <p:cNvPr id="21" name="TextBox 20">
@@ -5446,7 +5446,7 @@
               </p:txBody>
             </p:sp>
           </mc:Choice>
-          <mc:Fallback>
+          <mc:Fallback xmlns="">
             <p:sp>
               <p:nvSpPr>
                 <p:cNvPr id="21" name="TextBox 20">
@@ -5491,8 +5491,8 @@
             </p:sp>
           </mc:Fallback>
         </mc:AlternateContent>
-        <mc:AlternateContent xmlns:mc="http://schemas.openxmlformats.org/markup-compatibility/2006">
-          <mc:Choice xmlns:a14="http://schemas.microsoft.com/office/drawing/2010/main" Requires="a14">
+        <mc:AlternateContent xmlns:mc="http://schemas.openxmlformats.org/markup-compatibility/2006" xmlns:a14="http://schemas.microsoft.com/office/drawing/2010/main">
+          <mc:Choice Requires="a14">
             <p:sp>
               <p:nvSpPr>
                 <p:cNvPr id="22" name="TextBox 21">
@@ -5612,7 +5612,7 @@
               </p:txBody>
             </p:sp>
           </mc:Choice>
-          <mc:Fallback>
+          <mc:Fallback xmlns="">
             <p:sp>
               <p:nvSpPr>
                 <p:cNvPr id="22" name="TextBox 21">
@@ -11015,8 +11015,8 @@
         </p:nvSpPr>
         <p:spPr>
           <a:xfrm>
-            <a:off x="647813" y="-335601"/>
-            <a:ext cx="11848290" cy="7529202"/>
+            <a:off x="607448" y="-793258"/>
+            <a:ext cx="11888655" cy="8444516"/>
           </a:xfrm>
           <a:prstGeom prst="rect">
             <a:avLst/>
@@ -11026,6 +11026,7 @@
               <a:alpha val="10196"/>
             </a:srgbClr>
           </a:solidFill>
+          <a:ln w="57150"/>
         </p:spPr>
         <p:style>
           <a:lnRef idx="2">
@@ -11052,8 +11053,8 @@
           </a:p>
         </p:txBody>
       </p:sp>
-      <mc:AlternateContent xmlns:mc="http://schemas.openxmlformats.org/markup-compatibility/2006" xmlns:a14="http://schemas.microsoft.com/office/drawing/2010/main">
-        <mc:Choice Requires="a14">
+      <mc:AlternateContent xmlns:mc="http://schemas.openxmlformats.org/markup-compatibility/2006">
+        <mc:Choice xmlns:a14="http://schemas.microsoft.com/office/drawing/2010/main" Requires="a14">
           <p:sp>
             <p:nvSpPr>
               <p:cNvPr id="2" name="Flowchart: Process 1">
@@ -11068,12 +11069,13 @@
             </p:nvSpPr>
             <p:spPr>
               <a:xfrm>
-                <a:off x="-3139707" y="381656"/>
-                <a:ext cx="1951349" cy="1263192"/>
+                <a:off x="-4547382" y="48182"/>
+                <a:ext cx="2577415" cy="1930140"/>
               </a:xfrm>
               <a:prstGeom prst="flowChartProcess">
                 <a:avLst/>
               </a:prstGeom>
+              <a:ln w="57150"/>
             </p:spPr>
             <p:style>
               <a:lnRef idx="2">
@@ -11095,7 +11097,7 @@
               <a:p>
                 <a:pPr algn="ctr"/>
                 <a:r>
-                  <a:rPr lang="en-PH" dirty="0"/>
+                  <a:rPr lang="en-PH" sz="2800" dirty="0"/>
                   <a:t>Initialize classroom with </a:t>
                 </a:r>
                 <a14:m>
@@ -11103,14 +11105,14 @@
                     <m:sSub>
                       <m:sSubPr>
                         <m:ctrlPr>
-                          <a:rPr lang="en-PH" b="0" i="1" smtClean="0">
+                          <a:rPr lang="en-PH" sz="2800" b="0" i="1" smtClean="0">
                             <a:latin typeface="Cambria Math" panose="02040503050406030204" pitchFamily="18" charset="0"/>
                           </a:rPr>
                         </m:ctrlPr>
                       </m:sSubPr>
                       <m:e>
                         <m:r>
-                          <a:rPr lang="en-PH" b="0" i="1" smtClean="0">
+                          <a:rPr lang="en-PH" sz="2800" b="0" i="1" smtClean="0">
                             <a:latin typeface="Cambria Math" panose="02040503050406030204" pitchFamily="18" charset="0"/>
                           </a:rPr>
                           <m:t>𝑛</m:t>
@@ -11118,7 +11120,7 @@
                       </m:e>
                       <m:sub>
                         <m:r>
-                          <a:rPr lang="en-PH" b="0" i="1" smtClean="0">
+                          <a:rPr lang="en-PH" sz="2800" b="0" i="1" smtClean="0">
                             <a:latin typeface="Cambria Math" panose="02040503050406030204" pitchFamily="18" charset="0"/>
                           </a:rPr>
                           <m:t>0</m:t>
@@ -11126,7 +11128,7 @@
                       </m:sub>
                     </m:sSub>
                     <m:r>
-                      <a:rPr lang="en-PH" b="0" i="1" smtClean="0">
+                      <a:rPr lang="en-PH" sz="2800" b="0" i="1" smtClean="0">
                         <a:latin typeface="Cambria Math" panose="02040503050406030204" pitchFamily="18" charset="0"/>
                       </a:rPr>
                       <m:t>=0</m:t>
@@ -11134,14 +11136,14 @@
                   </m:oMath>
                 </a14:m>
                 <a:r>
-                  <a:rPr lang="en-PH" dirty="0"/>
+                  <a:rPr lang="en-PH" sz="2800" dirty="0"/>
                   <a:t> learned students</a:t>
                 </a:r>
               </a:p>
             </p:txBody>
           </p:sp>
         </mc:Choice>
-        <mc:Fallback xmlns="">
+        <mc:Fallback>
           <p:sp>
             <p:nvSpPr>
               <p:cNvPr id="2" name="Flowchart: Process 1">
@@ -11158,8 +11160,8 @@
             </p:nvSpPr>
             <p:spPr>
               <a:xfrm>
-                <a:off x="-3139707" y="381656"/>
-                <a:ext cx="1951349" cy="1263192"/>
+                <a:off x="-4547382" y="48182"/>
+                <a:ext cx="2577415" cy="1930140"/>
               </a:xfrm>
               <a:prstGeom prst="flowChartProcess">
                 <a:avLst/>
@@ -11167,9 +11169,10 @@
               <a:blipFill>
                 <a:blip r:embed="rId2"/>
                 <a:stretch>
-                  <a:fillRect b="-4286"/>
+                  <a:fillRect l="-3009" r="-5324" b="-3681"/>
                 </a:stretch>
               </a:blipFill>
+              <a:ln w="57150"/>
             </p:spPr>
             <p:txBody>
               <a:bodyPr/>
@@ -11204,13 +11207,13 @@
         </p:nvCxnSpPr>
         <p:spPr>
           <a:xfrm>
-            <a:off x="-1188358" y="1013252"/>
-            <a:ext cx="4028306" cy="1"/>
+            <a:off x="-1969967" y="1013252"/>
+            <a:ext cx="4809915" cy="1"/>
           </a:xfrm>
           <a:prstGeom prst="straightConnector1">
             <a:avLst/>
           </a:prstGeom>
-          <a:ln>
+          <a:ln w="57150">
             <a:tailEnd type="triangle"/>
           </a:ln>
         </p:spPr>
@@ -11229,8 +11232,8 @@
           </a:fontRef>
         </p:style>
       </p:cxnSp>
-      <mc:AlternateContent xmlns:mc="http://schemas.openxmlformats.org/markup-compatibility/2006" xmlns:a14="http://schemas.microsoft.com/office/drawing/2010/main">
-        <mc:Choice Requires="a14">
+      <mc:AlternateContent xmlns:mc="http://schemas.openxmlformats.org/markup-compatibility/2006">
+        <mc:Choice xmlns:a14="http://schemas.microsoft.com/office/drawing/2010/main" Requires="a14">
           <p:sp>
             <p:nvSpPr>
               <p:cNvPr id="4" name="Flowchart: Process 3">
@@ -11251,6 +11254,7 @@
               <a:prstGeom prst="flowChartProcess">
                 <a:avLst/>
               </a:prstGeom>
+              <a:ln w="57150"/>
             </p:spPr>
             <p:style>
               <a:lnRef idx="2">
@@ -11272,7 +11276,7 @@
               <a:p>
                 <a:pPr algn="ctr"/>
                 <a:r>
-                  <a:rPr lang="en-PH" dirty="0"/>
+                  <a:rPr lang="en-PH" sz="2800" dirty="0"/>
                   <a:t>Choose a student </a:t>
                 </a:r>
                 <a14:m>
@@ -11280,14 +11284,14 @@
                     <m:sSub>
                       <m:sSubPr>
                         <m:ctrlPr>
-                          <a:rPr lang="en-PH" b="0" i="1" smtClean="0">
+                          <a:rPr lang="en-PH" sz="2800" b="0" i="1" smtClean="0">
                             <a:latin typeface="Cambria Math" panose="02040503050406030204" pitchFamily="18" charset="0"/>
                           </a:rPr>
                         </m:ctrlPr>
                       </m:sSubPr>
                       <m:e>
                         <m:r>
-                          <a:rPr lang="en-PH" b="0" i="1" smtClean="0">
+                          <a:rPr lang="en-PH" sz="2800" b="0" i="1" smtClean="0">
                             <a:latin typeface="Cambria Math" panose="02040503050406030204" pitchFamily="18" charset="0"/>
                           </a:rPr>
                           <m:t>𝑐</m:t>
@@ -11295,19 +11299,19 @@
                       </m:e>
                       <m:sub>
                         <m:r>
-                          <a:rPr lang="en-PH" b="0" i="1" smtClean="0">
+                          <a:rPr lang="en-PH" sz="2800" b="0" i="1" smtClean="0">
                             <a:latin typeface="Cambria Math" panose="02040503050406030204" pitchFamily="18" charset="0"/>
                           </a:rPr>
                           <m:t>𝑖</m:t>
                         </m:r>
                         <m:r>
-                          <a:rPr lang="en-PH" b="0" i="1" smtClean="0">
+                          <a:rPr lang="en-PH" sz="2800" b="0" i="1" smtClean="0">
                             <a:latin typeface="Cambria Math" panose="02040503050406030204" pitchFamily="18" charset="0"/>
                           </a:rPr>
                           <m:t>,</m:t>
                         </m:r>
                         <m:r>
-                          <a:rPr lang="en-PH" b="0" i="1" smtClean="0">
+                          <a:rPr lang="en-PH" sz="2800" b="0" i="1" smtClean="0">
                             <a:latin typeface="Cambria Math" panose="02040503050406030204" pitchFamily="18" charset="0"/>
                           </a:rPr>
                           <m:t>𝑗</m:t>
@@ -11316,12 +11320,12 @@
                     </m:sSub>
                   </m:oMath>
                 </a14:m>
-                <a:endParaRPr lang="en-PH" dirty="0"/>
+                <a:endParaRPr lang="en-PH" sz="2800" dirty="0"/>
               </a:p>
             </p:txBody>
           </p:sp>
         </mc:Choice>
-        <mc:Fallback xmlns="">
+        <mc:Fallback>
           <p:sp>
             <p:nvSpPr>
               <p:cNvPr id="4" name="Flowchart: Process 3">
@@ -11350,6 +11354,7 @@
                   <a:fillRect/>
                 </a:stretch>
               </a:blipFill>
+              <a:ln w="57150"/>
             </p:spPr>
             <p:txBody>
               <a:bodyPr/>
@@ -11390,7 +11395,7 @@
           <a:prstGeom prst="straightConnector1">
             <a:avLst/>
           </a:prstGeom>
-          <a:ln>
+          <a:ln w="57150">
             <a:tailEnd type="triangle"/>
           </a:ln>
         </p:spPr>
@@ -11409,8 +11414,8 @@
           </a:fontRef>
         </p:style>
       </p:cxnSp>
-      <mc:AlternateContent xmlns:mc="http://schemas.openxmlformats.org/markup-compatibility/2006" xmlns:a14="http://schemas.microsoft.com/office/drawing/2010/main">
-        <mc:Choice Requires="a14">
+      <mc:AlternateContent xmlns:mc="http://schemas.openxmlformats.org/markup-compatibility/2006">
+        <mc:Choice xmlns:a14="http://schemas.microsoft.com/office/drawing/2010/main" Requires="a14">
           <p:sp>
             <p:nvSpPr>
               <p:cNvPr id="7" name="Flowchart: Process 6">
@@ -11425,12 +11430,13 @@
             </p:nvSpPr>
             <p:spPr>
               <a:xfrm>
-                <a:off x="8755408" y="381657"/>
-                <a:ext cx="3362455" cy="1263193"/>
+                <a:off x="8755408" y="156166"/>
+                <a:ext cx="3362455" cy="1714176"/>
               </a:xfrm>
               <a:prstGeom prst="flowChartProcess">
                 <a:avLst/>
               </a:prstGeom>
+              <a:ln w="57150"/>
             </p:spPr>
             <p:style>
               <a:lnRef idx="2">
@@ -11452,7 +11458,7 @@
               <a:p>
                 <a:pPr algn="ctr"/>
                 <a:r>
-                  <a:rPr lang="en-PH" dirty="0"/>
+                  <a:rPr lang="en-PH" sz="3200" dirty="0"/>
                   <a:t>Obtain probability to learn </a:t>
                 </a:r>
               </a:p>
@@ -11467,14 +11473,14 @@
                       <m:sSub>
                         <m:sSubPr>
                           <m:ctrlPr>
-                            <a:rPr lang="en-PH" b="0" i="1" smtClean="0">
+                            <a:rPr lang="en-PH" sz="3200" b="0" i="1" smtClean="0">
                               <a:latin typeface="Cambria Math" panose="02040503050406030204" pitchFamily="18" charset="0"/>
                             </a:rPr>
                           </m:ctrlPr>
                         </m:sSubPr>
                         <m:e>
                           <m:r>
-                            <a:rPr lang="en-PH" b="0" i="1" smtClean="0">
+                            <a:rPr lang="en-PH" sz="3200" b="0" i="1" smtClean="0">
                               <a:latin typeface="Cambria Math" panose="02040503050406030204" pitchFamily="18" charset="0"/>
                             </a:rPr>
                             <m:t>𝑃</m:t>
@@ -11482,19 +11488,19 @@
                         </m:e>
                         <m:sub>
                           <m:r>
-                            <a:rPr lang="en-PH" b="0" i="1" smtClean="0">
+                            <a:rPr lang="en-PH" sz="3200" b="0" i="1" smtClean="0">
                               <a:latin typeface="Cambria Math" panose="02040503050406030204" pitchFamily="18" charset="0"/>
                             </a:rPr>
                             <m:t>𝑖</m:t>
                           </m:r>
                           <m:r>
-                            <a:rPr lang="en-PH" b="0" i="1" smtClean="0">
+                            <a:rPr lang="en-PH" sz="3200" b="0" i="1" smtClean="0">
                               <a:latin typeface="Cambria Math" panose="02040503050406030204" pitchFamily="18" charset="0"/>
                             </a:rPr>
                             <m:t>,</m:t>
                           </m:r>
                           <m:r>
-                            <a:rPr lang="en-PH" b="0" i="1" smtClean="0">
+                            <a:rPr lang="en-PH" sz="3200" b="0" i="1" smtClean="0">
                               <a:latin typeface="Cambria Math" panose="02040503050406030204" pitchFamily="18" charset="0"/>
                             </a:rPr>
                             <m:t>𝑗</m:t>
@@ -11502,7 +11508,7 @@
                         </m:sub>
                       </m:sSub>
                       <m:r>
-                        <a:rPr lang="en-PH" b="0" i="1" smtClean="0">
+                        <a:rPr lang="en-PH" sz="3200" b="0" i="1" smtClean="0">
                           <a:latin typeface="Cambria Math" panose="02040503050406030204" pitchFamily="18" charset="0"/>
                         </a:rPr>
                         <m:t>=</m:t>
@@ -11510,14 +11516,14 @@
                       <m:sSub>
                         <m:sSubPr>
                           <m:ctrlPr>
-                            <a:rPr lang="en-PH" b="0" i="1" smtClean="0">
+                            <a:rPr lang="en-PH" sz="3200" b="0" i="1" smtClean="0">
                               <a:latin typeface="Cambria Math" panose="02040503050406030204" pitchFamily="18" charset="0"/>
                             </a:rPr>
                           </m:ctrlPr>
                         </m:sSubPr>
                         <m:e>
                           <m:r>
-                            <a:rPr lang="en-PH" b="0" i="1" smtClean="0">
+                            <a:rPr lang="en-PH" sz="3200" b="0" i="1" smtClean="0">
                               <a:latin typeface="Cambria Math" panose="02040503050406030204" pitchFamily="18" charset="0"/>
                             </a:rPr>
                             <m:t>𝜌</m:t>
@@ -11525,19 +11531,19 @@
                         </m:e>
                         <m:sub>
                           <m:r>
-                            <a:rPr lang="en-PH" b="0" i="1" smtClean="0">
+                            <a:rPr lang="en-PH" sz="3200" b="0" i="1" smtClean="0">
                               <a:latin typeface="Cambria Math" panose="02040503050406030204" pitchFamily="18" charset="0"/>
                             </a:rPr>
                             <m:t>𝑖</m:t>
                           </m:r>
                           <m:r>
-                            <a:rPr lang="en-PH" b="0" i="1" smtClean="0">
+                            <a:rPr lang="en-PH" sz="3200" b="0" i="1" smtClean="0">
                               <a:latin typeface="Cambria Math" panose="02040503050406030204" pitchFamily="18" charset="0"/>
                             </a:rPr>
                             <m:t>,</m:t>
                           </m:r>
                           <m:r>
-                            <a:rPr lang="en-PH" b="0" i="1" smtClean="0">
+                            <a:rPr lang="en-PH" sz="3200" b="0" i="1" smtClean="0">
                               <a:latin typeface="Cambria Math" panose="02040503050406030204" pitchFamily="18" charset="0"/>
                             </a:rPr>
                             <m:t>𝑗</m:t>
@@ -11547,14 +11553,14 @@
                       <m:sSub>
                         <m:sSubPr>
                           <m:ctrlPr>
-                            <a:rPr lang="en-PH" b="0" i="1" smtClean="0">
+                            <a:rPr lang="en-PH" sz="3200" b="0" i="1" smtClean="0">
                               <a:latin typeface="Cambria Math" panose="02040503050406030204" pitchFamily="18" charset="0"/>
                             </a:rPr>
                           </m:ctrlPr>
                         </m:sSubPr>
                         <m:e>
                           <m:r>
-                            <a:rPr lang="en-PH" b="0" i="1" smtClean="0">
+                            <a:rPr lang="en-PH" sz="3200" b="0" i="1" smtClean="0">
                               <a:latin typeface="Cambria Math" panose="02040503050406030204" pitchFamily="18" charset="0"/>
                             </a:rPr>
                             <m:t>𝜆</m:t>
@@ -11562,19 +11568,19 @@
                         </m:e>
                         <m:sub>
                           <m:r>
-                            <a:rPr lang="en-PH" b="0" i="1" smtClean="0">
+                            <a:rPr lang="en-PH" sz="3200" b="0" i="1" smtClean="0">
                               <a:latin typeface="Cambria Math" panose="02040503050406030204" pitchFamily="18" charset="0"/>
                             </a:rPr>
                             <m:t>𝑖</m:t>
                           </m:r>
                           <m:r>
-                            <a:rPr lang="en-PH" b="0" i="1" smtClean="0">
+                            <a:rPr lang="en-PH" sz="3200" b="0" i="1" smtClean="0">
                               <a:latin typeface="Cambria Math" panose="02040503050406030204" pitchFamily="18" charset="0"/>
                             </a:rPr>
                             <m:t>,</m:t>
                           </m:r>
                           <m:r>
-                            <a:rPr lang="en-PH" b="0" i="1" smtClean="0">
+                            <a:rPr lang="en-PH" sz="3200" b="0" i="1" smtClean="0">
                               <a:latin typeface="Cambria Math" panose="02040503050406030204" pitchFamily="18" charset="0"/>
                             </a:rPr>
                             <m:t>𝑗</m:t>
@@ -11584,12 +11590,12 @@
                     </m:oMath>
                   </m:oMathPara>
                 </a14:m>
-                <a:endParaRPr lang="en-PH" dirty="0"/>
+                <a:endParaRPr lang="en-PH" sz="3200" dirty="0"/>
               </a:p>
             </p:txBody>
           </p:sp>
         </mc:Choice>
-        <mc:Fallback xmlns="">
+        <mc:Fallback>
           <p:sp>
             <p:nvSpPr>
               <p:cNvPr id="7" name="Flowchart: Process 6">
@@ -11606,8 +11612,8 @@
             </p:nvSpPr>
             <p:spPr>
               <a:xfrm>
-                <a:off x="8755408" y="381657"/>
-                <a:ext cx="3362455" cy="1263193"/>
+                <a:off x="8755408" y="156166"/>
+                <a:ext cx="3362455" cy="1714176"/>
               </a:xfrm>
               <a:prstGeom prst="flowChartProcess">
                 <a:avLst/>
@@ -11615,9 +11621,10 @@
               <a:blipFill>
                 <a:blip r:embed="rId4"/>
                 <a:stretch>
-                  <a:fillRect/>
+                  <a:fillRect l="-3565" r="-5348"/>
                 </a:stretch>
               </a:blipFill>
+              <a:ln w="57150"/>
             </p:spPr>
             <p:txBody>
               <a:bodyPr/>
@@ -11634,8 +11641,8 @@
           </p:sp>
         </mc:Fallback>
       </mc:AlternateContent>
-      <mc:AlternateContent xmlns:mc="http://schemas.openxmlformats.org/markup-compatibility/2006" xmlns:a14="http://schemas.microsoft.com/office/drawing/2010/main">
-        <mc:Choice Requires="a14">
+      <mc:AlternateContent xmlns:mc="http://schemas.openxmlformats.org/markup-compatibility/2006">
+        <mc:Choice xmlns:a14="http://schemas.microsoft.com/office/drawing/2010/main" Requires="a14">
           <p:sp>
             <p:nvSpPr>
               <p:cNvPr id="9" name="Flowchart: Decision 8">
@@ -11650,12 +11657,13 @@
             </p:nvSpPr>
             <p:spPr>
               <a:xfrm>
-                <a:off x="9329084" y="4017619"/>
-                <a:ext cx="2215103" cy="2152846"/>
+                <a:off x="8691384" y="2846424"/>
+                <a:ext cx="3420167" cy="3324041"/>
               </a:xfrm>
               <a:prstGeom prst="flowChartDecision">
                 <a:avLst/>
               </a:prstGeom>
+              <a:ln w="57150"/>
             </p:spPr>
             <p:style>
               <a:lnRef idx="2">
@@ -11679,13 +11687,13 @@
                 <a14:m>
                   <m:oMath xmlns:m="http://schemas.openxmlformats.org/officeDocument/2006/math">
                     <m:r>
-                      <a:rPr lang="en-PH" b="0" i="1" smtClean="0">
+                      <a:rPr lang="en-PH" sz="2800" b="0" i="1" smtClean="0">
                         <a:latin typeface="Cambria Math" panose="02040503050406030204" pitchFamily="18" charset="0"/>
                       </a:rPr>
                       <m:t>𝜇</m:t>
                     </m:r>
                     <m:r>
-                      <a:rPr lang="en-PH" b="0" i="1" smtClean="0">
+                      <a:rPr lang="en-PH" sz="2800" b="0" i="1" smtClean="0">
                         <a:latin typeface="Cambria Math" panose="02040503050406030204" pitchFamily="18" charset="0"/>
                       </a:rPr>
                       <m:t>≤</m:t>
@@ -11693,14 +11701,14 @@
                     <m:sSub>
                       <m:sSubPr>
                         <m:ctrlPr>
-                          <a:rPr lang="en-PH" b="0" i="1" smtClean="0">
+                          <a:rPr lang="en-PH" sz="2800" b="0" i="1" smtClean="0">
                             <a:latin typeface="Cambria Math" panose="02040503050406030204" pitchFamily="18" charset="0"/>
                           </a:rPr>
                         </m:ctrlPr>
                       </m:sSubPr>
                       <m:e>
                         <m:r>
-                          <a:rPr lang="en-PH" b="0" i="1" smtClean="0">
+                          <a:rPr lang="en-PH" sz="2800" b="0" i="1" smtClean="0">
                             <a:latin typeface="Cambria Math" panose="02040503050406030204" pitchFamily="18" charset="0"/>
                           </a:rPr>
                           <m:t>𝑃</m:t>
@@ -11708,19 +11716,19 @@
                       </m:e>
                       <m:sub>
                         <m:r>
-                          <a:rPr lang="en-PH" b="0" i="1" smtClean="0">
+                          <a:rPr lang="en-PH" sz="2800" b="0" i="1" smtClean="0">
                             <a:latin typeface="Cambria Math" panose="02040503050406030204" pitchFamily="18" charset="0"/>
                           </a:rPr>
                           <m:t>𝑖</m:t>
                         </m:r>
                         <m:r>
-                          <a:rPr lang="en-PH" b="0" i="1" smtClean="0">
+                          <a:rPr lang="en-PH" sz="2800" b="0" i="1" smtClean="0">
                             <a:latin typeface="Cambria Math" panose="02040503050406030204" pitchFamily="18" charset="0"/>
                           </a:rPr>
                           <m:t>,</m:t>
                         </m:r>
                         <m:r>
-                          <a:rPr lang="en-PH" b="0" i="1" smtClean="0">
+                          <a:rPr lang="en-PH" sz="2800" b="0" i="1" smtClean="0">
                             <a:latin typeface="Cambria Math" panose="02040503050406030204" pitchFamily="18" charset="0"/>
                           </a:rPr>
                           <m:t>𝑗</m:t>
@@ -11730,13 +11738,13 @@
                   </m:oMath>
                 </a14:m>
                 <a:r>
-                  <a:rPr lang="en-PH" dirty="0"/>
+                  <a:rPr lang="en-PH" sz="2800" dirty="0"/>
                   <a:t> where </a:t>
                 </a:r>
                 <a14:m>
                   <m:oMath xmlns:m="http://schemas.openxmlformats.org/officeDocument/2006/math">
                     <m:r>
-                      <a:rPr lang="en-PH" b="0" i="1" smtClean="0">
+                      <a:rPr lang="en-PH" sz="2800" b="0" i="1" smtClean="0">
                         <a:latin typeface="Cambria Math" panose="02040503050406030204" pitchFamily="18" charset="0"/>
                       </a:rPr>
                       <m:t>𝜇</m:t>
@@ -11744,14 +11752,14 @@
                   </m:oMath>
                 </a14:m>
                 <a:r>
-                  <a:rPr lang="en-PH" dirty="0"/>
+                  <a:rPr lang="en-PH" sz="2800" dirty="0"/>
                   <a:t> is a random number</a:t>
                 </a:r>
               </a:p>
             </p:txBody>
           </p:sp>
         </mc:Choice>
-        <mc:Fallback xmlns="">
+        <mc:Fallback>
           <p:sp>
             <p:nvSpPr>
               <p:cNvPr id="9" name="Flowchart: Decision 8">
@@ -11768,8 +11776,8 @@
             </p:nvSpPr>
             <p:spPr>
               <a:xfrm>
-                <a:off x="9329084" y="4017619"/>
-                <a:ext cx="2215103" cy="2152846"/>
+                <a:off x="8691384" y="2846424"/>
+                <a:ext cx="3420167" cy="3324041"/>
               </a:xfrm>
               <a:prstGeom prst="flowChartDecision">
                 <a:avLst/>
@@ -11780,6 +11788,7 @@
                   <a:fillRect/>
                 </a:stretch>
               </a:blipFill>
+              <a:ln w="57150"/>
             </p:spPr>
             <p:txBody>
               <a:bodyPr/>
@@ -11796,8 +11805,8 @@
           </p:sp>
         </mc:Fallback>
       </mc:AlternateContent>
-      <mc:AlternateContent xmlns:mc="http://schemas.openxmlformats.org/markup-compatibility/2006" xmlns:a14="http://schemas.microsoft.com/office/drawing/2010/main">
-        <mc:Choice Requires="a14">
+      <mc:AlternateContent xmlns:mc="http://schemas.openxmlformats.org/markup-compatibility/2006">
+        <mc:Choice xmlns:a14="http://schemas.microsoft.com/office/drawing/2010/main" Requires="a14">
           <p:sp>
             <p:nvSpPr>
               <p:cNvPr id="10" name="Flowchart: Decision 9">
@@ -11818,6 +11827,7 @@
               <a:prstGeom prst="flowChartDecision">
                 <a:avLst/>
               </a:prstGeom>
+              <a:ln w="57150"/>
             </p:spPr>
             <p:style>
               <a:lnRef idx="2">
@@ -11847,14 +11857,14 @@
                       <m:sSub>
                         <m:sSubPr>
                           <m:ctrlPr>
-                            <a:rPr lang="en-PH" b="0" i="1" smtClean="0">
+                            <a:rPr lang="en-PH" sz="3200" b="0" i="1" smtClean="0">
                               <a:latin typeface="Cambria Math" panose="02040503050406030204" pitchFamily="18" charset="0"/>
                             </a:rPr>
                           </m:ctrlPr>
                         </m:sSubPr>
                         <m:e>
                           <m:r>
-                            <a:rPr lang="en-PH" b="0" i="1" smtClean="0">
+                            <a:rPr lang="en-PH" sz="3200" b="0" i="1" smtClean="0">
                               <a:latin typeface="Cambria Math" panose="02040503050406030204" pitchFamily="18" charset="0"/>
                             </a:rPr>
                             <m:t>𝑠</m:t>
@@ -11862,19 +11872,19 @@
                         </m:e>
                         <m:sub>
                           <m:r>
-                            <a:rPr lang="en-PH" b="0" i="1" smtClean="0">
+                            <a:rPr lang="en-PH" sz="3200" b="0" i="1" smtClean="0">
                               <a:latin typeface="Cambria Math" panose="02040503050406030204" pitchFamily="18" charset="0"/>
                             </a:rPr>
                             <m:t>𝑖</m:t>
                           </m:r>
                           <m:r>
-                            <a:rPr lang="en-PH" b="0" i="1" smtClean="0">
+                            <a:rPr lang="en-PH" sz="3200" b="0" i="1" smtClean="0">
                               <a:latin typeface="Cambria Math" panose="02040503050406030204" pitchFamily="18" charset="0"/>
                             </a:rPr>
                             <m:t>,</m:t>
                           </m:r>
                           <m:r>
-                            <a:rPr lang="en-PH" b="0" i="1" smtClean="0">
+                            <a:rPr lang="en-PH" sz="3200" b="0" i="1" smtClean="0">
                               <a:latin typeface="Cambria Math" panose="02040503050406030204" pitchFamily="18" charset="0"/>
                             </a:rPr>
                             <m:t>𝑗</m:t>
@@ -11882,7 +11892,7 @@
                         </m:sub>
                       </m:sSub>
                       <m:r>
-                        <a:rPr lang="en-PH" b="0" i="1" smtClean="0">
+                        <a:rPr lang="en-PH" sz="3200" b="0" i="1" smtClean="0">
                           <a:latin typeface="Cambria Math" panose="02040503050406030204" pitchFamily="18" charset="0"/>
                         </a:rPr>
                         <m:t>=1</m:t>
@@ -11890,12 +11900,12 @@
                     </m:oMath>
                   </m:oMathPara>
                 </a14:m>
-                <a:endParaRPr lang="en-PH" dirty="0"/>
+                <a:endParaRPr lang="en-PH" sz="3200" dirty="0"/>
               </a:p>
             </p:txBody>
           </p:sp>
         </mc:Choice>
-        <mc:Fallback xmlns="">
+        <mc:Fallback>
           <p:sp>
             <p:nvSpPr>
               <p:cNvPr id="10" name="Flowchart: Decision 9">
@@ -11924,6 +11934,7 @@
                   <a:fillRect/>
                 </a:stretch>
               </a:blipFill>
+              <a:ln w="57150"/>
             </p:spPr>
             <p:txBody>
               <a:bodyPr/>
@@ -11964,7 +11975,7 @@
           <a:prstGeom prst="straightConnector1">
             <a:avLst/>
           </a:prstGeom>
-          <a:ln>
+          <a:ln w="57150">
             <a:tailEnd type="triangle"/>
           </a:ln>
         </p:spPr>
@@ -11983,8 +11994,8 @@
           </a:fontRef>
         </p:style>
       </p:cxnSp>
-      <mc:AlternateContent xmlns:mc="http://schemas.openxmlformats.org/markup-compatibility/2006" xmlns:a14="http://schemas.microsoft.com/office/drawing/2010/main">
-        <mc:Choice Requires="a14">
+      <mc:AlternateContent xmlns:mc="http://schemas.openxmlformats.org/markup-compatibility/2006">
+        <mc:Choice xmlns:a14="http://schemas.microsoft.com/office/drawing/2010/main" Requires="a14">
           <p:sp>
             <p:nvSpPr>
               <p:cNvPr id="12" name="Flowchart: Process 11">
@@ -11999,12 +12010,13 @@
             </p:nvSpPr>
             <p:spPr>
               <a:xfrm>
-                <a:off x="5594619" y="4343339"/>
-                <a:ext cx="2379067" cy="1501407"/>
+                <a:off x="5594619" y="3101842"/>
+                <a:ext cx="2379067" cy="2838730"/>
               </a:xfrm>
               <a:prstGeom prst="flowChartProcess">
                 <a:avLst/>
               </a:prstGeom>
+              <a:ln w="57150"/>
             </p:spPr>
             <p:style>
               <a:lnRef idx="2">
@@ -12030,14 +12042,14 @@
                     <m:sSubSup>
                       <m:sSubSupPr>
                         <m:ctrlPr>
-                          <a:rPr lang="en-PH" b="0" i="1" smtClean="0">
+                          <a:rPr lang="en-PH" sz="2800" b="0" i="1" smtClean="0">
                             <a:latin typeface="Cambria Math" panose="02040503050406030204" pitchFamily="18" charset="0"/>
                           </a:rPr>
                         </m:ctrlPr>
                       </m:sSubSupPr>
                       <m:e>
                         <m:r>
-                          <a:rPr lang="en-PH" b="0" i="1" smtClean="0">
+                          <a:rPr lang="en-PH" sz="2800" b="0" i="1" smtClean="0">
                             <a:latin typeface="Cambria Math" panose="02040503050406030204" pitchFamily="18" charset="0"/>
                           </a:rPr>
                           <m:t>𝑠</m:t>
@@ -12045,19 +12057,19 @@
                       </m:e>
                       <m:sub>
                         <m:r>
-                          <a:rPr lang="en-PH" b="0" i="1" smtClean="0">
+                          <a:rPr lang="en-PH" sz="2800" b="0" i="1" smtClean="0">
                             <a:latin typeface="Cambria Math" panose="02040503050406030204" pitchFamily="18" charset="0"/>
                           </a:rPr>
                           <m:t>𝑖</m:t>
                         </m:r>
                         <m:r>
-                          <a:rPr lang="en-PH" b="0" i="1" smtClean="0">
+                          <a:rPr lang="en-PH" sz="2800" b="0" i="1" smtClean="0">
                             <a:latin typeface="Cambria Math" panose="02040503050406030204" pitchFamily="18" charset="0"/>
                           </a:rPr>
                           <m:t>,</m:t>
                         </m:r>
                         <m:r>
-                          <a:rPr lang="en-PH" b="0" i="1" smtClean="0">
+                          <a:rPr lang="en-PH" sz="2800" b="0" i="1" smtClean="0">
                             <a:latin typeface="Cambria Math" panose="02040503050406030204" pitchFamily="18" charset="0"/>
                           </a:rPr>
                           <m:t>𝑗</m:t>
@@ -12065,7 +12077,7 @@
                       </m:sub>
                       <m:sup>
                         <m:r>
-                          <a:rPr lang="en-PH" b="0" i="1" smtClean="0">
+                          <a:rPr lang="en-PH" sz="2800" b="0" i="1" smtClean="0">
                             <a:latin typeface="Cambria Math" panose="02040503050406030204" pitchFamily="18" charset="0"/>
                           </a:rPr>
                           <m:t>′</m:t>
@@ -12073,7 +12085,7 @@
                       </m:sup>
                     </m:sSubSup>
                     <m:r>
-                      <a:rPr lang="en-PH" b="0" i="1" smtClean="0">
+                      <a:rPr lang="en-PH" sz="2800" b="0" i="1" smtClean="0">
                         <a:latin typeface="Cambria Math" panose="02040503050406030204" pitchFamily="18" charset="0"/>
                       </a:rPr>
                       <m:t>=1</m:t>
@@ -12081,7 +12093,7 @@
                   </m:oMath>
                 </a14:m>
                 <a:r>
-                  <a:rPr lang="en-PH" dirty="0"/>
+                  <a:rPr lang="en-PH" sz="2800" dirty="0"/>
                   <a:t> where </a:t>
                 </a:r>
                 <a14:m>
@@ -12089,14 +12101,14 @@
                     <m:sSubSup>
                       <m:sSubSupPr>
                         <m:ctrlPr>
-                          <a:rPr lang="en-PH" b="0" i="1" smtClean="0">
+                          <a:rPr lang="en-PH" sz="2800" b="0" i="1" smtClean="0">
                             <a:latin typeface="Cambria Math" panose="02040503050406030204" pitchFamily="18" charset="0"/>
                           </a:rPr>
                         </m:ctrlPr>
                       </m:sSubSupPr>
                       <m:e>
                         <m:r>
-                          <a:rPr lang="en-PH" b="0" i="1" smtClean="0">
+                          <a:rPr lang="en-PH" sz="2800" b="0" i="1" smtClean="0">
                             <a:latin typeface="Cambria Math" panose="02040503050406030204" pitchFamily="18" charset="0"/>
                           </a:rPr>
                           <m:t>𝑠</m:t>
@@ -12104,19 +12116,19 @@
                       </m:e>
                       <m:sub>
                         <m:r>
-                          <a:rPr lang="en-PH" b="0" i="1" smtClean="0">
+                          <a:rPr lang="en-PH" sz="2800" b="0" i="1" smtClean="0">
                             <a:latin typeface="Cambria Math" panose="02040503050406030204" pitchFamily="18" charset="0"/>
                           </a:rPr>
                           <m:t>𝑖</m:t>
                         </m:r>
                         <m:r>
-                          <a:rPr lang="en-PH" b="0" i="1" smtClean="0">
+                          <a:rPr lang="en-PH" sz="2800" b="0" i="1" smtClean="0">
                             <a:latin typeface="Cambria Math" panose="02040503050406030204" pitchFamily="18" charset="0"/>
                           </a:rPr>
                           <m:t>,</m:t>
                         </m:r>
                         <m:r>
-                          <a:rPr lang="en-PH" b="0" i="1" smtClean="0">
+                          <a:rPr lang="en-PH" sz="2800" b="0" i="1" smtClean="0">
                             <a:latin typeface="Cambria Math" panose="02040503050406030204" pitchFamily="18" charset="0"/>
                           </a:rPr>
                           <m:t>𝑗</m:t>
@@ -12124,7 +12136,7 @@
                       </m:sub>
                       <m:sup>
                         <m:r>
-                          <a:rPr lang="en-PH" b="0" i="1" smtClean="0">
+                          <a:rPr lang="en-PH" sz="2800" b="0" i="1" smtClean="0">
                             <a:latin typeface="Cambria Math" panose="02040503050406030204" pitchFamily="18" charset="0"/>
                           </a:rPr>
                           <m:t>′</m:t>
@@ -12134,7 +12146,7 @@
                   </m:oMath>
                 </a14:m>
                 <a:r>
-                  <a:rPr lang="en-PH" dirty="0"/>
+                  <a:rPr lang="en-PH" sz="2800" dirty="0"/>
                   <a:t> is the state of student </a:t>
                 </a:r>
                 <a14:m>
@@ -12142,14 +12154,14 @@
                     <m:sSub>
                       <m:sSubPr>
                         <m:ctrlPr>
-                          <a:rPr lang="en-PH" b="0" i="1" smtClean="0">
+                          <a:rPr lang="en-PH" sz="2800" b="0" i="1" smtClean="0">
                             <a:latin typeface="Cambria Math" panose="02040503050406030204" pitchFamily="18" charset="0"/>
                           </a:rPr>
                         </m:ctrlPr>
                       </m:sSubPr>
                       <m:e>
                         <m:r>
-                          <a:rPr lang="en-PH" b="0" i="1" smtClean="0">
+                          <a:rPr lang="en-PH" sz="2800" b="0" i="1" smtClean="0">
                             <a:latin typeface="Cambria Math" panose="02040503050406030204" pitchFamily="18" charset="0"/>
                           </a:rPr>
                           <m:t>𝑐</m:t>
@@ -12157,19 +12169,19 @@
                       </m:e>
                       <m:sub>
                         <m:r>
-                          <a:rPr lang="en-PH" b="0" i="1" smtClean="0">
+                          <a:rPr lang="en-PH" sz="2800" b="0" i="1" smtClean="0">
                             <a:latin typeface="Cambria Math" panose="02040503050406030204" pitchFamily="18" charset="0"/>
                           </a:rPr>
                           <m:t>𝑖</m:t>
                         </m:r>
                         <m:r>
-                          <a:rPr lang="en-PH" b="0" i="1" smtClean="0">
+                          <a:rPr lang="en-PH" sz="2800" b="0" i="1" smtClean="0">
                             <a:latin typeface="Cambria Math" panose="02040503050406030204" pitchFamily="18" charset="0"/>
                           </a:rPr>
                           <m:t>,</m:t>
                         </m:r>
                         <m:r>
-                          <a:rPr lang="en-PH" b="0" i="1" smtClean="0">
+                          <a:rPr lang="en-PH" sz="2800" b="0" i="1" smtClean="0">
                             <a:latin typeface="Cambria Math" panose="02040503050406030204" pitchFamily="18" charset="0"/>
                           </a:rPr>
                           <m:t>𝑗</m:t>
@@ -12179,14 +12191,14 @@
                   </m:oMath>
                 </a14:m>
                 <a:r>
-                  <a:rPr lang="en-PH" dirty="0"/>
+                  <a:rPr lang="en-PH" sz="2800" dirty="0"/>
                   <a:t> in the next time step</a:t>
                 </a:r>
               </a:p>
             </p:txBody>
           </p:sp>
         </mc:Choice>
-        <mc:Fallback xmlns="">
+        <mc:Fallback>
           <p:sp>
             <p:nvSpPr>
               <p:cNvPr id="12" name="Flowchart: Process 11">
@@ -12203,8 +12215,8 @@
             </p:nvSpPr>
             <p:spPr>
               <a:xfrm>
-                <a:off x="5594619" y="4343339"/>
-                <a:ext cx="2379067" cy="1501407"/>
+                <a:off x="5594619" y="3101842"/>
+                <a:ext cx="2379067" cy="2838730"/>
               </a:xfrm>
               <a:prstGeom prst="flowChartProcess">
                 <a:avLst/>
@@ -12212,9 +12224,10 @@
               <a:blipFill>
                 <a:blip r:embed="rId7"/>
                 <a:stretch>
-                  <a:fillRect/>
+                  <a:fillRect l="-1504" t="-211" r="-5263" b="-3579"/>
                 </a:stretch>
               </a:blipFill>
+              <a:ln w="57150"/>
             </p:spPr>
             <p:txBody>
               <a:bodyPr/>
@@ -12231,8 +12244,8 @@
           </p:sp>
         </mc:Fallback>
       </mc:AlternateContent>
-      <mc:AlternateContent xmlns:mc="http://schemas.openxmlformats.org/markup-compatibility/2006" xmlns:a14="http://schemas.microsoft.com/office/drawing/2010/main">
-        <mc:Choice Requires="a14">
+      <mc:AlternateContent xmlns:mc="http://schemas.openxmlformats.org/markup-compatibility/2006">
+        <mc:Choice xmlns:a14="http://schemas.microsoft.com/office/drawing/2010/main" Requires="a14">
           <p:sp>
             <p:nvSpPr>
               <p:cNvPr id="13" name="Flowchart: Process 12">
@@ -12247,12 +12260,13 @@
             </p:nvSpPr>
             <p:spPr>
               <a:xfrm>
-                <a:off x="1232038" y="4343339"/>
-                <a:ext cx="2379067" cy="1501407"/>
+                <a:off x="794746" y="4196739"/>
+                <a:ext cx="2379067" cy="2086004"/>
               </a:xfrm>
               <a:prstGeom prst="flowChartProcess">
                 <a:avLst/>
               </a:prstGeom>
+              <a:ln w="57150"/>
             </p:spPr>
             <p:style>
               <a:lnRef idx="2">
@@ -12278,14 +12292,14 @@
                     <m:sSubSup>
                       <m:sSubSupPr>
                         <m:ctrlPr>
-                          <a:rPr lang="en-PH" b="0" i="1" smtClean="0">
+                          <a:rPr lang="en-PH" sz="2400" b="0" i="1" smtClean="0">
                             <a:latin typeface="Cambria Math" panose="02040503050406030204" pitchFamily="18" charset="0"/>
                           </a:rPr>
                         </m:ctrlPr>
                       </m:sSubSupPr>
                       <m:e>
                         <m:r>
-                          <a:rPr lang="en-PH" b="0" i="1" smtClean="0">
+                          <a:rPr lang="en-PH" sz="2400" b="0" i="1" smtClean="0">
                             <a:latin typeface="Cambria Math" panose="02040503050406030204" pitchFamily="18" charset="0"/>
                           </a:rPr>
                           <m:t>𝑠</m:t>
@@ -12293,19 +12307,19 @@
                       </m:e>
                       <m:sub>
                         <m:r>
-                          <a:rPr lang="en-PH" b="0" i="1" smtClean="0">
+                          <a:rPr lang="en-PH" sz="2400" b="0" i="1" smtClean="0">
                             <a:latin typeface="Cambria Math" panose="02040503050406030204" pitchFamily="18" charset="0"/>
                           </a:rPr>
                           <m:t>𝑖</m:t>
                         </m:r>
                         <m:r>
-                          <a:rPr lang="en-PH" b="0" i="1" smtClean="0">
+                          <a:rPr lang="en-PH" sz="2400" b="0" i="1" smtClean="0">
                             <a:latin typeface="Cambria Math" panose="02040503050406030204" pitchFamily="18" charset="0"/>
                           </a:rPr>
                           <m:t>,</m:t>
                         </m:r>
                         <m:r>
-                          <a:rPr lang="en-PH" b="0" i="1" smtClean="0">
+                          <a:rPr lang="en-PH" sz="2400" b="0" i="1" smtClean="0">
                             <a:latin typeface="Cambria Math" panose="02040503050406030204" pitchFamily="18" charset="0"/>
                           </a:rPr>
                           <m:t>𝑗</m:t>
@@ -12313,7 +12327,7 @@
                       </m:sub>
                       <m:sup>
                         <m:r>
-                          <a:rPr lang="en-PH" b="0" i="1" smtClean="0">
+                          <a:rPr lang="en-PH" sz="2400" b="0" i="1" smtClean="0">
                             <a:latin typeface="Cambria Math" panose="02040503050406030204" pitchFamily="18" charset="0"/>
                           </a:rPr>
                           <m:t>′</m:t>
@@ -12321,7 +12335,7 @@
                       </m:sup>
                     </m:sSubSup>
                     <m:r>
-                      <a:rPr lang="en-PH" b="0" i="1" smtClean="0">
+                      <a:rPr lang="en-PH" sz="2400" b="0" i="1" smtClean="0">
                         <a:latin typeface="Cambria Math" panose="02040503050406030204" pitchFamily="18" charset="0"/>
                       </a:rPr>
                       <m:t>=0</m:t>
@@ -12329,7 +12343,7 @@
                   </m:oMath>
                 </a14:m>
                 <a:r>
-                  <a:rPr lang="en-PH" dirty="0"/>
+                  <a:rPr lang="en-PH" sz="2400" dirty="0"/>
                   <a:t> where </a:t>
                 </a:r>
                 <a14:m>
@@ -12337,14 +12351,14 @@
                     <m:sSubSup>
                       <m:sSubSupPr>
                         <m:ctrlPr>
-                          <a:rPr lang="en-PH" b="0" i="1" smtClean="0">
+                          <a:rPr lang="en-PH" sz="2400" b="0" i="1" smtClean="0">
                             <a:latin typeface="Cambria Math" panose="02040503050406030204" pitchFamily="18" charset="0"/>
                           </a:rPr>
                         </m:ctrlPr>
                       </m:sSubSupPr>
                       <m:e>
                         <m:r>
-                          <a:rPr lang="en-PH" b="0" i="1" smtClean="0">
+                          <a:rPr lang="en-PH" sz="2400" b="0" i="1" smtClean="0">
                             <a:latin typeface="Cambria Math" panose="02040503050406030204" pitchFamily="18" charset="0"/>
                           </a:rPr>
                           <m:t>𝑠</m:t>
@@ -12352,19 +12366,19 @@
                       </m:e>
                       <m:sub>
                         <m:r>
-                          <a:rPr lang="en-PH" b="0" i="1" smtClean="0">
+                          <a:rPr lang="en-PH" sz="2400" b="0" i="1" smtClean="0">
                             <a:latin typeface="Cambria Math" panose="02040503050406030204" pitchFamily="18" charset="0"/>
                           </a:rPr>
                           <m:t>𝑖</m:t>
                         </m:r>
                         <m:r>
-                          <a:rPr lang="en-PH" b="0" i="1" smtClean="0">
+                          <a:rPr lang="en-PH" sz="2400" b="0" i="1" smtClean="0">
                             <a:latin typeface="Cambria Math" panose="02040503050406030204" pitchFamily="18" charset="0"/>
                           </a:rPr>
                           <m:t>,</m:t>
                         </m:r>
                         <m:r>
-                          <a:rPr lang="en-PH" b="0" i="1" smtClean="0">
+                          <a:rPr lang="en-PH" sz="2400" b="0" i="1" smtClean="0">
                             <a:latin typeface="Cambria Math" panose="02040503050406030204" pitchFamily="18" charset="0"/>
                           </a:rPr>
                           <m:t>𝑗</m:t>
@@ -12372,7 +12386,7 @@
                       </m:sub>
                       <m:sup>
                         <m:r>
-                          <a:rPr lang="en-PH" b="0" i="1" smtClean="0">
+                          <a:rPr lang="en-PH" sz="2400" b="0" i="1" smtClean="0">
                             <a:latin typeface="Cambria Math" panose="02040503050406030204" pitchFamily="18" charset="0"/>
                           </a:rPr>
                           <m:t>′</m:t>
@@ -12382,7 +12396,7 @@
                   </m:oMath>
                 </a14:m>
                 <a:r>
-                  <a:rPr lang="en-PH" dirty="0"/>
+                  <a:rPr lang="en-PH" sz="2400" dirty="0"/>
                   <a:t> is the state of student </a:t>
                 </a:r>
                 <a14:m>
@@ -12390,14 +12404,14 @@
                     <m:sSub>
                       <m:sSubPr>
                         <m:ctrlPr>
-                          <a:rPr lang="en-PH" b="0" i="1" smtClean="0">
+                          <a:rPr lang="en-PH" sz="2400" b="0" i="1" smtClean="0">
                             <a:latin typeface="Cambria Math" panose="02040503050406030204" pitchFamily="18" charset="0"/>
                           </a:rPr>
                         </m:ctrlPr>
                       </m:sSubPr>
                       <m:e>
                         <m:r>
-                          <a:rPr lang="en-PH" b="0" i="1" smtClean="0">
+                          <a:rPr lang="en-PH" sz="2400" b="0" i="1" smtClean="0">
                             <a:latin typeface="Cambria Math" panose="02040503050406030204" pitchFamily="18" charset="0"/>
                           </a:rPr>
                           <m:t>𝑐</m:t>
@@ -12405,19 +12419,19 @@
                       </m:e>
                       <m:sub>
                         <m:r>
-                          <a:rPr lang="en-PH" b="0" i="1" smtClean="0">
+                          <a:rPr lang="en-PH" sz="2400" b="0" i="1" smtClean="0">
                             <a:latin typeface="Cambria Math" panose="02040503050406030204" pitchFamily="18" charset="0"/>
                           </a:rPr>
                           <m:t>𝑖</m:t>
                         </m:r>
                         <m:r>
-                          <a:rPr lang="en-PH" b="0" i="1" smtClean="0">
+                          <a:rPr lang="en-PH" sz="2400" b="0" i="1" smtClean="0">
                             <a:latin typeface="Cambria Math" panose="02040503050406030204" pitchFamily="18" charset="0"/>
                           </a:rPr>
                           <m:t>,</m:t>
                         </m:r>
                         <m:r>
-                          <a:rPr lang="en-PH" b="0" i="1" smtClean="0">
+                          <a:rPr lang="en-PH" sz="2400" b="0" i="1" smtClean="0">
                             <a:latin typeface="Cambria Math" panose="02040503050406030204" pitchFamily="18" charset="0"/>
                           </a:rPr>
                           <m:t>𝑗</m:t>
@@ -12427,14 +12441,14 @@
                   </m:oMath>
                 </a14:m>
                 <a:r>
-                  <a:rPr lang="en-PH" dirty="0"/>
+                  <a:rPr lang="en-PH" sz="2400" dirty="0"/>
                   <a:t> in the next time step</a:t>
                 </a:r>
               </a:p>
             </p:txBody>
           </p:sp>
         </mc:Choice>
-        <mc:Fallback xmlns="">
+        <mc:Fallback>
           <p:sp>
             <p:nvSpPr>
               <p:cNvPr id="13" name="Flowchart: Process 12">
@@ -12451,8 +12465,8 @@
             </p:nvSpPr>
             <p:spPr>
               <a:xfrm>
-                <a:off x="1232038" y="4343339"/>
-                <a:ext cx="2379067" cy="1501407"/>
+                <a:off x="794746" y="4196739"/>
+                <a:ext cx="2379067" cy="2086004"/>
               </a:xfrm>
               <a:prstGeom prst="flowChartProcess">
                 <a:avLst/>
@@ -12460,9 +12474,10 @@
               <a:blipFill>
                 <a:blip r:embed="rId8"/>
                 <a:stretch>
-                  <a:fillRect/>
+                  <a:fillRect l="-750" r="-2750" b="-3977"/>
                 </a:stretch>
               </a:blipFill>
+              <a:ln w="57150"/>
             </p:spPr>
             <p:txBody>
               <a:bodyPr/>
@@ -12493,8 +12508,8 @@
         </p:nvSpPr>
         <p:spPr>
           <a:xfrm>
-            <a:off x="7739968" y="555506"/>
-            <a:ext cx="794437" cy="369332"/>
+            <a:off x="7657158" y="1013251"/>
+            <a:ext cx="1143329" cy="523220"/>
           </a:xfrm>
           <a:prstGeom prst="rect">
             <a:avLst/>
@@ -12508,7 +12523,7 @@
           <a:lstStyle/>
           <a:p>
             <a:r>
-              <a:rPr lang="en-PH" dirty="0"/>
+              <a:rPr lang="en-PH" sz="2800" dirty="0"/>
               <a:t>False</a:t>
             </a:r>
           </a:p>
@@ -12531,14 +12546,14 @@
           <p:nvPr/>
         </p:nvCxnSpPr>
         <p:spPr>
-          <a:xfrm>
-            <a:off x="10436636" y="1644850"/>
-            <a:ext cx="0" cy="2372769"/>
+          <a:xfrm flipH="1">
+            <a:off x="10401468" y="1870342"/>
+            <a:ext cx="35168" cy="976082"/>
           </a:xfrm>
           <a:prstGeom prst="straightConnector1">
             <a:avLst/>
           </a:prstGeom>
-          <a:ln>
+          <a:ln w="57150">
             <a:tailEnd type="triangle"/>
           </a:ln>
         </p:spPr>
@@ -12567,6 +12582,7 @@
             </a:extLst>
           </p:cNvPr>
           <p:cNvCxnSpPr>
+            <a:cxnSpLocks/>
             <a:stCxn id="10" idx="2"/>
             <a:endCxn id="12" idx="0"/>
           </p:cNvCxnSpPr>
@@ -12575,12 +12591,12 @@
         <p:spPr>
           <a:xfrm>
             <a:off x="6784153" y="1870341"/>
-            <a:ext cx="0" cy="2472998"/>
+            <a:ext cx="0" cy="1231501"/>
           </a:xfrm>
           <a:prstGeom prst="straightConnector1">
             <a:avLst/>
           </a:prstGeom>
-          <a:ln>
+          <a:ln w="57150">
             <a:tailEnd type="triangle"/>
           </a:ln>
         </p:spPr>
@@ -12609,6 +12625,7 @@
             </a:extLst>
           </p:cNvPr>
           <p:cNvCxnSpPr>
+            <a:cxnSpLocks/>
             <a:stCxn id="9" idx="1"/>
             <a:endCxn id="12" idx="3"/>
           </p:cNvCxnSpPr>
@@ -12616,13 +12633,13 @@
         </p:nvCxnSpPr>
         <p:spPr>
           <a:xfrm flipH="1">
-            <a:off x="7973686" y="5094042"/>
-            <a:ext cx="1355398" cy="1"/>
+            <a:off x="7973686" y="4508445"/>
+            <a:ext cx="717698" cy="12762"/>
           </a:xfrm>
           <a:prstGeom prst="straightConnector1">
             <a:avLst/>
           </a:prstGeom>
-          <a:ln>
+          <a:ln w="57150">
             <a:tailEnd type="triangle"/>
           </a:ln>
         </p:spPr>
@@ -12655,8 +12672,8 @@
         </p:nvSpPr>
         <p:spPr>
           <a:xfrm>
-            <a:off x="6784153" y="2734304"/>
-            <a:ext cx="632460" cy="369332"/>
+            <a:off x="6797422" y="2434960"/>
+            <a:ext cx="910217" cy="523220"/>
           </a:xfrm>
           <a:prstGeom prst="rect">
             <a:avLst/>
@@ -12670,7 +12687,7 @@
           <a:lstStyle/>
           <a:p>
             <a:r>
-              <a:rPr lang="en-PH" dirty="0"/>
+              <a:rPr lang="en-PH" sz="2800" dirty="0"/>
               <a:t>True</a:t>
             </a:r>
           </a:p>
@@ -12690,8 +12707,8 @@
         </p:nvSpPr>
         <p:spPr>
           <a:xfrm>
-            <a:off x="8562275" y="4710959"/>
-            <a:ext cx="632460" cy="369332"/>
+            <a:off x="8137185" y="4546687"/>
+            <a:ext cx="910217" cy="523220"/>
           </a:xfrm>
           <a:prstGeom prst="rect">
             <a:avLst/>
@@ -12705,7 +12722,7 @@
           <a:lstStyle/>
           <a:p>
             <a:r>
-              <a:rPr lang="en-PH" dirty="0"/>
+              <a:rPr lang="en-PH" sz="2800" dirty="0"/>
               <a:t>True</a:t>
             </a:r>
           </a:p>
@@ -12721,22 +12738,23 @@
             </a:extLst>
           </p:cNvPr>
           <p:cNvCxnSpPr>
+            <a:cxnSpLocks/>
             <a:stCxn id="9" idx="2"/>
             <a:endCxn id="13" idx="2"/>
           </p:cNvCxnSpPr>
           <p:nvPr/>
         </p:nvCxnSpPr>
         <p:spPr>
-          <a:xfrm rot="5400000" flipH="1">
-            <a:off x="6266244" y="2000074"/>
-            <a:ext cx="325719" cy="8015064"/>
+          <a:xfrm rot="5400000">
+            <a:off x="6136735" y="2018010"/>
+            <a:ext cx="112278" cy="8417188"/>
           </a:xfrm>
           <a:prstGeom prst="bentConnector3">
             <a:avLst>
-              <a:gd name="adj1" fmla="val -70183"/>
+              <a:gd name="adj1" fmla="val 478118"/>
             </a:avLst>
           </a:prstGeom>
-          <a:ln>
+          <a:ln w="57150">
             <a:tailEnd type="triangle"/>
           </a:ln>
         </p:spPr>
@@ -12767,18 +12785,19 @@
           <p:cNvCxnSpPr>
             <a:cxnSpLocks/>
             <a:stCxn id="13" idx="3"/>
+            <a:endCxn id="34" idx="2"/>
           </p:cNvCxnSpPr>
           <p:nvPr/>
         </p:nvCxnSpPr>
         <p:spPr>
           <a:xfrm flipV="1">
-            <a:off x="3611105" y="4072844"/>
-            <a:ext cx="521143" cy="1021199"/>
+            <a:off x="3173813" y="4070644"/>
+            <a:ext cx="896335" cy="1169097"/>
           </a:xfrm>
           <a:prstGeom prst="bentConnector2">
             <a:avLst/>
           </a:prstGeom>
-          <a:ln>
+          <a:ln w="57150">
             <a:tailEnd type="triangle"/>
           </a:ln>
         </p:spPr>
@@ -12815,13 +12834,13 @@
         </p:nvCxnSpPr>
         <p:spPr>
           <a:xfrm rot="10800000">
-            <a:off x="4132249" y="4072845"/>
-            <a:ext cx="1462371" cy="1021199"/>
+            <a:off x="4070149" y="4070645"/>
+            <a:ext cx="1524471" cy="450563"/>
           </a:xfrm>
           <a:prstGeom prst="bentConnector2">
             <a:avLst/>
           </a:prstGeom>
-          <a:ln>
+          <a:ln w="57150">
             <a:tailEnd type="triangle"/>
           </a:ln>
         </p:spPr>
@@ -12854,8 +12873,8 @@
         </p:nvSpPr>
         <p:spPr>
           <a:xfrm>
-            <a:off x="8534405" y="6009073"/>
-            <a:ext cx="794437" cy="369332"/>
+            <a:off x="9258138" y="6185059"/>
+            <a:ext cx="1143329" cy="523220"/>
           </a:xfrm>
           <a:prstGeom prst="rect">
             <a:avLst/>
@@ -12869,14 +12888,14 @@
           <a:lstStyle/>
           <a:p>
             <a:r>
-              <a:rPr lang="en-PH" dirty="0"/>
+              <a:rPr lang="en-PH" sz="2800" dirty="0"/>
               <a:t>False</a:t>
             </a:r>
           </a:p>
         </p:txBody>
       </p:sp>
-      <mc:AlternateContent xmlns:mc="http://schemas.openxmlformats.org/markup-compatibility/2006" xmlns:a14="http://schemas.microsoft.com/office/drawing/2010/main">
-        <mc:Choice Requires="a14">
+      <mc:AlternateContent xmlns:mc="http://schemas.openxmlformats.org/markup-compatibility/2006">
+        <mc:Choice xmlns:a14="http://schemas.microsoft.com/office/drawing/2010/main" Requires="a14">
           <p:sp>
             <p:nvSpPr>
               <p:cNvPr id="34" name="Flowchart: Decision 33">
@@ -12891,12 +12910,13 @@
             </p:nvSpPr>
             <p:spPr>
               <a:xfrm>
-                <a:off x="3214162" y="2358668"/>
-                <a:ext cx="1836171" cy="1714176"/>
+                <a:off x="2988933" y="2051887"/>
+                <a:ext cx="2162429" cy="2018757"/>
               </a:xfrm>
               <a:prstGeom prst="flowChartDecision">
                 <a:avLst/>
               </a:prstGeom>
+              <a:ln w="57150"/>
             </p:spPr>
             <p:style>
               <a:lnRef idx="2">
@@ -12918,37 +12938,37 @@
               <a:p>
                 <a:pPr algn="ctr"/>
                 <a:r>
-                  <a:rPr lang="en-PH" dirty="0"/>
+                  <a:rPr lang="en-PH" sz="2800" dirty="0"/>
                   <a:t>Done for all </a:t>
                 </a:r>
                 <a14:m>
                   <m:oMath xmlns:m="http://schemas.openxmlformats.org/officeDocument/2006/math">
                     <m:r>
-                      <a:rPr lang="en-PH" b="0" i="1" smtClean="0">
+                      <a:rPr lang="en-PH" sz="2800" b="0" i="1" smtClean="0">
                         <a:latin typeface="Cambria Math" panose="02040503050406030204" pitchFamily="18" charset="0"/>
                       </a:rPr>
                       <m:t>𝑖</m:t>
                     </m:r>
                     <m:r>
-                      <a:rPr lang="en-PH" b="0" i="1" smtClean="0">
+                      <a:rPr lang="en-PH" sz="2800" b="0" i="1" smtClean="0">
                         <a:latin typeface="Cambria Math" panose="02040503050406030204" pitchFamily="18" charset="0"/>
                       </a:rPr>
                       <m:t>,</m:t>
                     </m:r>
                     <m:r>
-                      <a:rPr lang="en-PH" b="0" i="1" smtClean="0">
+                      <a:rPr lang="en-PH" sz="2800" b="0" i="1" smtClean="0">
                         <a:latin typeface="Cambria Math" panose="02040503050406030204" pitchFamily="18" charset="0"/>
                       </a:rPr>
                       <m:t>𝑗</m:t>
                     </m:r>
                   </m:oMath>
                 </a14:m>
-                <a:endParaRPr lang="en-PH" dirty="0"/>
+                <a:endParaRPr lang="en-PH" sz="2800" dirty="0"/>
               </a:p>
             </p:txBody>
           </p:sp>
         </mc:Choice>
-        <mc:Fallback xmlns="">
+        <mc:Fallback>
           <p:sp>
             <p:nvSpPr>
               <p:cNvPr id="34" name="Flowchart: Decision 33">
@@ -12965,8 +12985,8 @@
             </p:nvSpPr>
             <p:spPr>
               <a:xfrm>
-                <a:off x="3214162" y="2358668"/>
-                <a:ext cx="1836171" cy="1714176"/>
+                <a:off x="2988933" y="2051887"/>
+                <a:ext cx="2162429" cy="2018757"/>
               </a:xfrm>
               <a:prstGeom prst="flowChartDecision">
                 <a:avLst/>
@@ -12977,6 +12997,7 @@
                   <a:fillRect/>
                 </a:stretch>
               </a:blipFill>
+              <a:ln w="57150"/>
             </p:spPr>
             <p:txBody>
               <a:bodyPr/>
@@ -13007,7 +13028,7 @@
         </p:nvSpPr>
         <p:spPr>
           <a:xfrm>
-            <a:off x="-5348884" y="319882"/>
+            <a:off x="-6798086" y="319882"/>
             <a:ext cx="1767010" cy="1386739"/>
           </a:xfrm>
           <a:prstGeom prst="ellipse">
@@ -13016,7 +13037,7 @@
           <a:solidFill>
             <a:schemeClr val="bg1"/>
           </a:solidFill>
-          <a:ln>
+          <a:ln w="57150">
             <a:solidFill>
               <a:schemeClr val="tx1"/>
             </a:solidFill>
@@ -13042,7 +13063,7 @@
           <a:p>
             <a:pPr algn="ctr"/>
             <a:r>
-              <a:rPr lang="en-PH" dirty="0"/>
+              <a:rPr lang="en-PH" sz="2800" dirty="0"/>
               <a:t>Begin</a:t>
             </a:r>
           </a:p>
@@ -13058,6 +13079,7 @@
             </a:extLst>
           </p:cNvPr>
           <p:cNvCxnSpPr>
+            <a:cxnSpLocks/>
             <a:stCxn id="34" idx="0"/>
             <a:endCxn id="4" idx="2"/>
           </p:cNvCxnSpPr>
@@ -13065,13 +13087,13 @@
         </p:nvCxnSpPr>
         <p:spPr>
           <a:xfrm flipV="1">
-            <a:off x="4132248" y="1644849"/>
-            <a:ext cx="0" cy="713819"/>
+            <a:off x="4070148" y="1644849"/>
+            <a:ext cx="0" cy="407038"/>
           </a:xfrm>
           <a:prstGeom prst="straightConnector1">
             <a:avLst/>
           </a:prstGeom>
-          <a:ln>
+          <a:ln w="57150">
             <a:solidFill>
               <a:schemeClr val="tx1"/>
             </a:solidFill>
@@ -13107,8 +13129,8 @@
         </p:nvSpPr>
         <p:spPr>
           <a:xfrm>
-            <a:off x="4082486" y="1903507"/>
-            <a:ext cx="794437" cy="369332"/>
+            <a:off x="4083533" y="1674552"/>
+            <a:ext cx="1143329" cy="523220"/>
           </a:xfrm>
           <a:prstGeom prst="rect">
             <a:avLst/>
@@ -13122,7 +13144,7 @@
           <a:lstStyle/>
           <a:p>
             <a:r>
-              <a:rPr lang="en-PH" dirty="0"/>
+              <a:rPr lang="en-PH" sz="2800" dirty="0"/>
               <a:t>False</a:t>
             </a:r>
           </a:p>
@@ -13142,8 +13164,8 @@
         </p:nvSpPr>
         <p:spPr>
           <a:xfrm>
-            <a:off x="1311857" y="2846424"/>
-            <a:ext cx="632460" cy="369332"/>
+            <a:off x="2038396" y="2547954"/>
+            <a:ext cx="910217" cy="523220"/>
           </a:xfrm>
           <a:prstGeom prst="rect">
             <a:avLst/>
@@ -13157,7 +13179,7 @@
           <a:lstStyle/>
           <a:p>
             <a:r>
-              <a:rPr lang="en-PH" dirty="0"/>
+              <a:rPr lang="en-PH" sz="2800" dirty="0"/>
               <a:t>True</a:t>
             </a:r>
           </a:p>
@@ -13177,12 +13199,13 @@
         </p:nvSpPr>
         <p:spPr>
           <a:xfrm>
-            <a:off x="-1596225" y="2358668"/>
-            <a:ext cx="1836171" cy="1714176"/>
+            <a:off x="-3027675" y="2016029"/>
+            <a:ext cx="3376406" cy="2171625"/>
           </a:xfrm>
           <a:prstGeom prst="flowChartDecision">
             <a:avLst/>
           </a:prstGeom>
+          <a:ln w="57150"/>
         </p:spPr>
         <p:style>
           <a:lnRef idx="2">
@@ -13204,7 +13227,7 @@
           <a:p>
             <a:pPr algn="ctr"/>
             <a:r>
-              <a:rPr lang="en-PH" sz="1400" dirty="0"/>
+              <a:rPr lang="en-PH" sz="2800" dirty="0"/>
               <a:t>Steady state achieved</a:t>
             </a:r>
           </a:p>
@@ -13220,6 +13243,7 @@
             </a:extLst>
           </p:cNvPr>
           <p:cNvCxnSpPr>
+            <a:cxnSpLocks/>
             <a:stCxn id="34" idx="1"/>
             <a:endCxn id="53" idx="3"/>
           </p:cNvCxnSpPr>
@@ -13227,13 +13251,13 @@
         </p:nvCxnSpPr>
         <p:spPr>
           <a:xfrm flipH="1">
-            <a:off x="239946" y="3215756"/>
-            <a:ext cx="2974216" cy="0"/>
+            <a:off x="348731" y="3061266"/>
+            <a:ext cx="2640202" cy="40576"/>
           </a:xfrm>
           <a:prstGeom prst="straightConnector1">
             <a:avLst/>
           </a:prstGeom>
-          <a:ln>
+          <a:ln w="57150">
             <a:solidFill>
               <a:schemeClr val="tx1"/>
             </a:solidFill>
@@ -13271,14 +13295,14 @@
           <p:nvPr/>
         </p:nvCxnSpPr>
         <p:spPr>
-          <a:xfrm flipH="1" flipV="1">
-            <a:off x="-678140" y="1013251"/>
-            <a:ext cx="1" cy="1345417"/>
+          <a:xfrm flipV="1">
+            <a:off x="-1339472" y="1013252"/>
+            <a:ext cx="16031" cy="1002777"/>
           </a:xfrm>
           <a:prstGeom prst="straightConnector1">
             <a:avLst/>
           </a:prstGeom>
-          <a:ln>
+          <a:ln w="57150">
             <a:tailEnd type="triangle"/>
           </a:ln>
         </p:spPr>
@@ -13311,8 +13335,8 @@
         </p:nvSpPr>
         <p:spPr>
           <a:xfrm>
-            <a:off x="-690495" y="1560506"/>
-            <a:ext cx="794437" cy="369332"/>
+            <a:off x="-1311432" y="1439863"/>
+            <a:ext cx="1143329" cy="523220"/>
           </a:xfrm>
           <a:prstGeom prst="rect">
             <a:avLst/>
@@ -13326,7 +13350,7 @@
           <a:lstStyle/>
           <a:p>
             <a:r>
-              <a:rPr lang="en-PH" dirty="0"/>
+              <a:rPr lang="en-PH" sz="2800" dirty="0"/>
               <a:t>False</a:t>
             </a:r>
           </a:p>
@@ -13346,8 +13370,8 @@
         </p:nvSpPr>
         <p:spPr>
           <a:xfrm>
-            <a:off x="-2861144" y="2905388"/>
-            <a:ext cx="632460" cy="369332"/>
+            <a:off x="-4024690" y="2593268"/>
+            <a:ext cx="910217" cy="523220"/>
           </a:xfrm>
           <a:prstGeom prst="rect">
             <a:avLst/>
@@ -13361,7 +13385,7 @@
           <a:lstStyle/>
           <a:p>
             <a:r>
-              <a:rPr lang="en-PH" dirty="0"/>
+              <a:rPr lang="en-PH" sz="2800" dirty="0"/>
               <a:t>True</a:t>
             </a:r>
           </a:p>
@@ -13381,7 +13405,7 @@
         </p:nvSpPr>
         <p:spPr>
           <a:xfrm>
-            <a:off x="-5348884" y="2522386"/>
+            <a:off x="-6842619" y="2388184"/>
             <a:ext cx="1767010" cy="1386739"/>
           </a:xfrm>
           <a:prstGeom prst="ellipse">
@@ -13390,7 +13414,7 @@
           <a:solidFill>
             <a:schemeClr val="bg1"/>
           </a:solidFill>
-          <a:ln>
+          <a:ln w="57150">
             <a:solidFill>
               <a:schemeClr val="tx1"/>
             </a:solidFill>
@@ -13416,7 +13440,7 @@
           <a:p>
             <a:pPr algn="ctr"/>
             <a:r>
-              <a:rPr lang="en-PH" dirty="0"/>
+              <a:rPr lang="en-PH" sz="2800" dirty="0"/>
               <a:t>End</a:t>
             </a:r>
           </a:p>
@@ -13432,20 +13456,21 @@
             </a:extLst>
           </p:cNvPr>
           <p:cNvCxnSpPr>
+            <a:cxnSpLocks/>
             <a:stCxn id="53" idx="1"/>
             <a:endCxn id="62" idx="6"/>
           </p:cNvCxnSpPr>
           <p:nvPr/>
         </p:nvCxnSpPr>
         <p:spPr>
-          <a:xfrm flipH="1">
-            <a:off x="-3581874" y="3215756"/>
-            <a:ext cx="1985649" cy="0"/>
+          <a:xfrm flipH="1" flipV="1">
+            <a:off x="-5075609" y="3081554"/>
+            <a:ext cx="2047934" cy="20288"/>
           </a:xfrm>
           <a:prstGeom prst="straightConnector1">
             <a:avLst/>
           </a:prstGeom>
-          <a:ln>
+          <a:ln w="57150">
             <a:solidFill>
               <a:schemeClr val="tx1"/>
             </a:solidFill>
@@ -13477,6 +13502,7 @@
             </a:extLst>
           </p:cNvPr>
           <p:cNvCxnSpPr>
+            <a:cxnSpLocks/>
             <a:stCxn id="35" idx="6"/>
             <a:endCxn id="2" idx="1"/>
           </p:cNvCxnSpPr>
@@ -13484,13 +13510,13 @@
         </p:nvCxnSpPr>
         <p:spPr>
           <a:xfrm>
-            <a:off x="-3581874" y="1013252"/>
-            <a:ext cx="442167" cy="0"/>
+            <a:off x="-5031076" y="1013252"/>
+            <a:ext cx="483694" cy="0"/>
           </a:xfrm>
           <a:prstGeom prst="straightConnector1">
             <a:avLst/>
           </a:prstGeom>
-          <a:ln>
+          <a:ln w="57150">
             <a:tailEnd type="triangle"/>
           </a:ln>
         </p:spPr>
@@ -13523,8 +13549,8 @@
         </p:nvSpPr>
         <p:spPr>
           <a:xfrm>
-            <a:off x="647813" y="6802463"/>
-            <a:ext cx="1666532" cy="369332"/>
+            <a:off x="721279" y="6958860"/>
+            <a:ext cx="2526001" cy="523220"/>
           </a:xfrm>
           <a:prstGeom prst="rect">
             <a:avLst/>
@@ -13539,7 +13565,7 @@
           <a:p>
             <a:pPr algn="ctr"/>
             <a:r>
-              <a:rPr lang="en-PH" dirty="0"/>
+              <a:rPr lang="en-PH" sz="2800" dirty="0"/>
               <a:t>One time step</a:t>
             </a:r>
           </a:p>
@@ -13595,8 +13621,8 @@
         </p:nvSpPr>
         <p:spPr>
           <a:xfrm>
-            <a:off x="662696" y="-335601"/>
-            <a:ext cx="13285316" cy="7529202"/>
+            <a:off x="662696" y="-335602"/>
+            <a:ext cx="13285316" cy="7778547"/>
           </a:xfrm>
           <a:prstGeom prst="rect">
             <a:avLst/>
@@ -13606,6 +13632,7 @@
               <a:alpha val="10196"/>
             </a:srgbClr>
           </a:solidFill>
+          <a:ln w="38100"/>
         </p:spPr>
         <p:style>
           <a:lnRef idx="2">
@@ -13632,8 +13659,8 @@
           </a:p>
         </p:txBody>
       </p:sp>
-      <mc:AlternateContent xmlns:mc="http://schemas.openxmlformats.org/markup-compatibility/2006" xmlns:a14="http://schemas.microsoft.com/office/drawing/2010/main">
-        <mc:Choice Requires="a14">
+      <mc:AlternateContent xmlns:mc="http://schemas.openxmlformats.org/markup-compatibility/2006">
+        <mc:Choice xmlns:a14="http://schemas.microsoft.com/office/drawing/2010/main" Requires="a14">
           <p:sp>
             <p:nvSpPr>
               <p:cNvPr id="2" name="Flowchart: Process 1">
@@ -13648,12 +13675,13 @@
             </p:nvSpPr>
             <p:spPr>
               <a:xfrm>
-                <a:off x="-3139707" y="381656"/>
-                <a:ext cx="1951349" cy="1263192"/>
+                <a:off x="-5385709" y="-21797"/>
+                <a:ext cx="3093733" cy="2070098"/>
               </a:xfrm>
               <a:prstGeom prst="flowChartProcess">
                 <a:avLst/>
               </a:prstGeom>
+              <a:ln w="38100"/>
             </p:spPr>
             <p:style>
               <a:lnRef idx="2">
@@ -13675,7 +13703,7 @@
               <a:p>
                 <a:pPr algn="ctr"/>
                 <a:r>
-                  <a:rPr lang="en-PH" dirty="0"/>
+                  <a:rPr lang="en-PH" sz="2800" dirty="0"/>
                   <a:t>Initialize classroom with </a:t>
                 </a:r>
                 <a14:m>
@@ -13683,14 +13711,14 @@
                     <m:sSub>
                       <m:sSubPr>
                         <m:ctrlPr>
-                          <a:rPr lang="en-PH" b="0" i="1" smtClean="0">
+                          <a:rPr lang="en-PH" sz="2800" b="0" i="1" smtClean="0">
                             <a:latin typeface="Cambria Math" panose="02040503050406030204" pitchFamily="18" charset="0"/>
                           </a:rPr>
                         </m:ctrlPr>
                       </m:sSubPr>
                       <m:e>
                         <m:r>
-                          <a:rPr lang="en-PH" b="0" i="1" smtClean="0">
+                          <a:rPr lang="en-PH" sz="2800" b="0" i="1" smtClean="0">
                             <a:latin typeface="Cambria Math" panose="02040503050406030204" pitchFamily="18" charset="0"/>
                           </a:rPr>
                           <m:t>𝑛</m:t>
@@ -13698,7 +13726,7 @@
                       </m:e>
                       <m:sub>
                         <m:r>
-                          <a:rPr lang="en-PH" b="0" i="1" smtClean="0">
+                          <a:rPr lang="en-PH" sz="2800" b="0" i="1" smtClean="0">
                             <a:latin typeface="Cambria Math" panose="02040503050406030204" pitchFamily="18" charset="0"/>
                           </a:rPr>
                           <m:t>0</m:t>
@@ -13706,7 +13734,7 @@
                       </m:sub>
                     </m:sSub>
                     <m:r>
-                      <a:rPr lang="en-PH" b="0" i="1" smtClean="0">
+                      <a:rPr lang="en-PH" sz="2800" b="0" i="1" smtClean="0">
                         <a:latin typeface="Cambria Math" panose="02040503050406030204" pitchFamily="18" charset="0"/>
                       </a:rPr>
                       <m:t>=0</m:t>
@@ -13714,14 +13742,14 @@
                   </m:oMath>
                 </a14:m>
                 <a:r>
-                  <a:rPr lang="en-PH" dirty="0"/>
+                  <a:rPr lang="en-PH" sz="2800" dirty="0"/>
                   <a:t> learned students</a:t>
                 </a:r>
               </a:p>
             </p:txBody>
           </p:sp>
         </mc:Choice>
-        <mc:Fallback xmlns="">
+        <mc:Fallback>
           <p:sp>
             <p:nvSpPr>
               <p:cNvPr id="2" name="Flowchart: Process 1">
@@ -13738,8 +13766,8 @@
             </p:nvSpPr>
             <p:spPr>
               <a:xfrm>
-                <a:off x="-3139707" y="381656"/>
-                <a:ext cx="1951349" cy="1263192"/>
+                <a:off x="-5385709" y="-21797"/>
+                <a:ext cx="3093733" cy="2070098"/>
               </a:xfrm>
               <a:prstGeom prst="flowChartProcess">
                 <a:avLst/>
@@ -13747,9 +13775,10 @@
               <a:blipFill>
                 <a:blip r:embed="rId2"/>
                 <a:stretch>
-                  <a:fillRect b="-4286"/>
+                  <a:fillRect b="-867"/>
                 </a:stretch>
               </a:blipFill>
+              <a:ln w="38100"/>
             </p:spPr>
             <p:txBody>
               <a:bodyPr/>
@@ -13784,13 +13813,13 @@
         </p:nvCxnSpPr>
         <p:spPr>
           <a:xfrm>
-            <a:off x="-1188358" y="1013252"/>
-            <a:ext cx="4028306" cy="1"/>
+            <a:off x="-2291976" y="1013252"/>
+            <a:ext cx="5131924" cy="1"/>
           </a:xfrm>
           <a:prstGeom prst="straightConnector1">
             <a:avLst/>
           </a:prstGeom>
-          <a:ln>
+          <a:ln w="38100">
             <a:tailEnd type="triangle"/>
           </a:ln>
         </p:spPr>
@@ -13809,8 +13838,8 @@
           </a:fontRef>
         </p:style>
       </p:cxnSp>
-      <mc:AlternateContent xmlns:mc="http://schemas.openxmlformats.org/markup-compatibility/2006" xmlns:a14="http://schemas.microsoft.com/office/drawing/2010/main">
-        <mc:Choice Requires="a14">
+      <mc:AlternateContent xmlns:mc="http://schemas.openxmlformats.org/markup-compatibility/2006">
+        <mc:Choice xmlns:a14="http://schemas.microsoft.com/office/drawing/2010/main" Requires="a14">
           <p:sp>
             <p:nvSpPr>
               <p:cNvPr id="4" name="Flowchart: Process 3">
@@ -13831,6 +13860,7 @@
               <a:prstGeom prst="flowChartProcess">
                 <a:avLst/>
               </a:prstGeom>
+              <a:ln w="38100"/>
             </p:spPr>
             <p:style>
               <a:lnRef idx="2">
@@ -13852,7 +13882,7 @@
               <a:p>
                 <a:pPr algn="ctr"/>
                 <a:r>
-                  <a:rPr lang="en-PH" dirty="0"/>
+                  <a:rPr lang="en-PH" sz="2800" dirty="0"/>
                   <a:t>Choose a student </a:t>
                 </a:r>
                 <a14:m>
@@ -13860,14 +13890,14 @@
                     <m:sSub>
                       <m:sSubPr>
                         <m:ctrlPr>
-                          <a:rPr lang="en-PH" b="0" i="1" smtClean="0">
+                          <a:rPr lang="en-PH" sz="2800" b="0" i="1" smtClean="0">
                             <a:latin typeface="Cambria Math" panose="02040503050406030204" pitchFamily="18" charset="0"/>
                           </a:rPr>
                         </m:ctrlPr>
                       </m:sSubPr>
                       <m:e>
                         <m:r>
-                          <a:rPr lang="en-PH" b="0" i="1" smtClean="0">
+                          <a:rPr lang="en-PH" sz="2800" b="0" i="1" smtClean="0">
                             <a:latin typeface="Cambria Math" panose="02040503050406030204" pitchFamily="18" charset="0"/>
                           </a:rPr>
                           <m:t>𝑐</m:t>
@@ -13875,19 +13905,19 @@
                       </m:e>
                       <m:sub>
                         <m:r>
-                          <a:rPr lang="en-PH" b="0" i="1" smtClean="0">
+                          <a:rPr lang="en-PH" sz="2800" b="0" i="1" smtClean="0">
                             <a:latin typeface="Cambria Math" panose="02040503050406030204" pitchFamily="18" charset="0"/>
                           </a:rPr>
                           <m:t>𝑖</m:t>
                         </m:r>
                         <m:r>
-                          <a:rPr lang="en-PH" b="0" i="1" smtClean="0">
+                          <a:rPr lang="en-PH" sz="2800" b="0" i="1" smtClean="0">
                             <a:latin typeface="Cambria Math" panose="02040503050406030204" pitchFamily="18" charset="0"/>
                           </a:rPr>
                           <m:t>,</m:t>
                         </m:r>
                         <m:r>
-                          <a:rPr lang="en-PH" b="0" i="1" smtClean="0">
+                          <a:rPr lang="en-PH" sz="2800" b="0" i="1" smtClean="0">
                             <a:latin typeface="Cambria Math" panose="02040503050406030204" pitchFamily="18" charset="0"/>
                           </a:rPr>
                           <m:t>𝑗</m:t>
@@ -13896,12 +13926,12 @@
                     </m:sSub>
                   </m:oMath>
                 </a14:m>
-                <a:endParaRPr lang="en-PH" dirty="0"/>
+                <a:endParaRPr lang="en-PH" sz="2800" dirty="0"/>
               </a:p>
             </p:txBody>
           </p:sp>
         </mc:Choice>
-        <mc:Fallback xmlns="">
+        <mc:Fallback>
           <p:sp>
             <p:nvSpPr>
               <p:cNvPr id="4" name="Flowchart: Process 3">
@@ -13930,6 +13960,7 @@
                   <a:fillRect/>
                 </a:stretch>
               </a:blipFill>
+              <a:ln w="38100"/>
             </p:spPr>
             <p:txBody>
               <a:bodyPr/>
@@ -13970,7 +14001,7 @@
           <a:prstGeom prst="straightConnector1">
             <a:avLst/>
           </a:prstGeom>
-          <a:ln>
+          <a:ln w="38100">
             <a:tailEnd type="triangle"/>
           </a:ln>
         </p:spPr>
@@ -13989,8 +14020,8 @@
           </a:fontRef>
         </p:style>
       </p:cxnSp>
-      <mc:AlternateContent xmlns:mc="http://schemas.openxmlformats.org/markup-compatibility/2006" xmlns:a14="http://schemas.microsoft.com/office/drawing/2010/main">
-        <mc:Choice Requires="a14">
+      <mc:AlternateContent xmlns:mc="http://schemas.openxmlformats.org/markup-compatibility/2006">
+        <mc:Choice xmlns:a14="http://schemas.microsoft.com/office/drawing/2010/main" Requires="a14">
           <p:sp>
             <p:nvSpPr>
               <p:cNvPr id="9" name="Flowchart: Decision 8">
@@ -14005,12 +14036,13 @@
             </p:nvSpPr>
             <p:spPr>
               <a:xfrm>
-                <a:off x="9984681" y="4040893"/>
-                <a:ext cx="2215103" cy="2152846"/>
+                <a:off x="9629861" y="3696045"/>
+                <a:ext cx="2924744" cy="2842542"/>
               </a:xfrm>
               <a:prstGeom prst="flowChartDecision">
                 <a:avLst/>
               </a:prstGeom>
+              <a:ln w="38100"/>
             </p:spPr>
             <p:style>
               <a:lnRef idx="2">
@@ -14034,13 +14066,13 @@
                 <a14:m>
                   <m:oMath xmlns:m="http://schemas.openxmlformats.org/officeDocument/2006/math">
                     <m:r>
-                      <a:rPr lang="en-PH" b="0" i="1" smtClean="0">
+                      <a:rPr lang="en-PH" sz="2400" b="0" i="1" smtClean="0">
                         <a:latin typeface="Cambria Math" panose="02040503050406030204" pitchFamily="18" charset="0"/>
                       </a:rPr>
                       <m:t>𝜇</m:t>
                     </m:r>
                     <m:r>
-                      <a:rPr lang="en-PH" b="0" i="1" smtClean="0">
+                      <a:rPr lang="en-PH" sz="2400" b="0" i="1" smtClean="0">
                         <a:latin typeface="Cambria Math" panose="02040503050406030204" pitchFamily="18" charset="0"/>
                       </a:rPr>
                       <m:t>≤</m:t>
@@ -14048,14 +14080,14 @@
                     <m:sSub>
                       <m:sSubPr>
                         <m:ctrlPr>
-                          <a:rPr lang="en-PH" b="0" i="1" smtClean="0">
+                          <a:rPr lang="en-PH" sz="2400" b="0" i="1" smtClean="0">
                             <a:latin typeface="Cambria Math" panose="02040503050406030204" pitchFamily="18" charset="0"/>
                           </a:rPr>
                         </m:ctrlPr>
                       </m:sSubPr>
                       <m:e>
                         <m:r>
-                          <a:rPr lang="en-PH" b="0" i="1" smtClean="0">
+                          <a:rPr lang="en-PH" sz="2400" b="0" i="1" smtClean="0">
                             <a:latin typeface="Cambria Math" panose="02040503050406030204" pitchFamily="18" charset="0"/>
                           </a:rPr>
                           <m:t>𝑃</m:t>
@@ -14063,19 +14095,19 @@
                       </m:e>
                       <m:sub>
                         <m:r>
-                          <a:rPr lang="en-PH" b="0" i="1" smtClean="0">
+                          <a:rPr lang="en-PH" sz="2400" b="0" i="1" smtClean="0">
                             <a:latin typeface="Cambria Math" panose="02040503050406030204" pitchFamily="18" charset="0"/>
                           </a:rPr>
                           <m:t>𝑖</m:t>
                         </m:r>
                         <m:r>
-                          <a:rPr lang="en-PH" b="0" i="1" smtClean="0">
+                          <a:rPr lang="en-PH" sz="2400" b="0" i="1" smtClean="0">
                             <a:latin typeface="Cambria Math" panose="02040503050406030204" pitchFamily="18" charset="0"/>
                           </a:rPr>
                           <m:t>,</m:t>
                         </m:r>
                         <m:r>
-                          <a:rPr lang="en-PH" b="0" i="1" smtClean="0">
+                          <a:rPr lang="en-PH" sz="2400" b="0" i="1" smtClean="0">
                             <a:latin typeface="Cambria Math" panose="02040503050406030204" pitchFamily="18" charset="0"/>
                           </a:rPr>
                           <m:t>𝑗</m:t>
@@ -14085,13 +14117,13 @@
                   </m:oMath>
                 </a14:m>
                 <a:r>
-                  <a:rPr lang="en-PH" dirty="0"/>
+                  <a:rPr lang="en-PH" sz="2400" dirty="0"/>
                   <a:t> where </a:t>
                 </a:r>
                 <a14:m>
                   <m:oMath xmlns:m="http://schemas.openxmlformats.org/officeDocument/2006/math">
                     <m:r>
-                      <a:rPr lang="en-PH" b="0" i="1" smtClean="0">
+                      <a:rPr lang="en-PH" sz="2400" b="0" i="1" smtClean="0">
                         <a:latin typeface="Cambria Math" panose="02040503050406030204" pitchFamily="18" charset="0"/>
                       </a:rPr>
                       <m:t>𝜇</m:t>
@@ -14099,14 +14131,14 @@
                   </m:oMath>
                 </a14:m>
                 <a:r>
-                  <a:rPr lang="en-PH" dirty="0"/>
+                  <a:rPr lang="en-PH" sz="2400" dirty="0"/>
                   <a:t> is a random number</a:t>
                 </a:r>
               </a:p>
             </p:txBody>
           </p:sp>
         </mc:Choice>
-        <mc:Fallback xmlns="">
+        <mc:Fallback>
           <p:sp>
             <p:nvSpPr>
               <p:cNvPr id="9" name="Flowchart: Decision 8">
@@ -14123,8 +14155,8 @@
             </p:nvSpPr>
             <p:spPr>
               <a:xfrm>
-                <a:off x="9984681" y="4040893"/>
-                <a:ext cx="2215103" cy="2152846"/>
+                <a:off x="9629861" y="3696045"/>
+                <a:ext cx="2924744" cy="2842542"/>
               </a:xfrm>
               <a:prstGeom prst="flowChartDecision">
                 <a:avLst/>
@@ -14135,6 +14167,7 @@
                   <a:fillRect/>
                 </a:stretch>
               </a:blipFill>
+              <a:ln w="38100"/>
             </p:spPr>
             <p:txBody>
               <a:bodyPr/>
@@ -14151,8 +14184,8 @@
           </p:sp>
         </mc:Fallback>
       </mc:AlternateContent>
-      <mc:AlternateContent xmlns:mc="http://schemas.openxmlformats.org/markup-compatibility/2006" xmlns:a14="http://schemas.microsoft.com/office/drawing/2010/main">
-        <mc:Choice Requires="a14">
+      <mc:AlternateContent xmlns:mc="http://schemas.openxmlformats.org/markup-compatibility/2006">
+        <mc:Choice xmlns:a14="http://schemas.microsoft.com/office/drawing/2010/main" Requires="a14">
           <p:sp>
             <p:nvSpPr>
               <p:cNvPr id="10" name="Flowchart: Decision 9">
@@ -14173,6 +14206,7 @@
               <a:prstGeom prst="flowChartDecision">
                 <a:avLst/>
               </a:prstGeom>
+              <a:ln w="38100"/>
             </p:spPr>
             <p:style>
               <a:lnRef idx="2">
@@ -14202,14 +14236,14 @@
                       <m:sSub>
                         <m:sSubPr>
                           <m:ctrlPr>
-                            <a:rPr lang="en-PH" b="0" i="1" smtClean="0">
+                            <a:rPr lang="en-PH" sz="2800" b="0" i="1" smtClean="0">
                               <a:latin typeface="Cambria Math" panose="02040503050406030204" pitchFamily="18" charset="0"/>
                             </a:rPr>
                           </m:ctrlPr>
                         </m:sSubPr>
                         <m:e>
                           <m:r>
-                            <a:rPr lang="en-PH" b="0" i="1" smtClean="0">
+                            <a:rPr lang="en-PH" sz="2800" b="0" i="1" smtClean="0">
                               <a:latin typeface="Cambria Math" panose="02040503050406030204" pitchFamily="18" charset="0"/>
                             </a:rPr>
                             <m:t>𝑠</m:t>
@@ -14217,19 +14251,19 @@
                         </m:e>
                         <m:sub>
                           <m:r>
-                            <a:rPr lang="en-PH" b="0" i="1" smtClean="0">
+                            <a:rPr lang="en-PH" sz="2800" b="0" i="1" smtClean="0">
                               <a:latin typeface="Cambria Math" panose="02040503050406030204" pitchFamily="18" charset="0"/>
                             </a:rPr>
                             <m:t>𝑖</m:t>
                           </m:r>
                           <m:r>
-                            <a:rPr lang="en-PH" b="0" i="1" smtClean="0">
+                            <a:rPr lang="en-PH" sz="2800" b="0" i="1" smtClean="0">
                               <a:latin typeface="Cambria Math" panose="02040503050406030204" pitchFamily="18" charset="0"/>
                             </a:rPr>
                             <m:t>,</m:t>
                           </m:r>
                           <m:r>
-                            <a:rPr lang="en-PH" b="0" i="1" smtClean="0">
+                            <a:rPr lang="en-PH" sz="2800" b="0" i="1" smtClean="0">
                               <a:latin typeface="Cambria Math" panose="02040503050406030204" pitchFamily="18" charset="0"/>
                             </a:rPr>
                             <m:t>𝑗</m:t>
@@ -14237,7 +14271,7 @@
                         </m:sub>
                       </m:sSub>
                       <m:r>
-                        <a:rPr lang="en-PH" b="0" i="1" smtClean="0">
+                        <a:rPr lang="en-PH" sz="2800" b="0" i="1" smtClean="0">
                           <a:latin typeface="Cambria Math" panose="02040503050406030204" pitchFamily="18" charset="0"/>
                         </a:rPr>
                         <m:t>=1</m:t>
@@ -14245,12 +14279,12 @@
                     </m:oMath>
                   </m:oMathPara>
                 </a14:m>
-                <a:endParaRPr lang="en-PH" dirty="0"/>
+                <a:endParaRPr lang="en-PH" sz="2800" dirty="0"/>
               </a:p>
             </p:txBody>
           </p:sp>
         </mc:Choice>
-        <mc:Fallback xmlns="">
+        <mc:Fallback>
           <p:sp>
             <p:nvSpPr>
               <p:cNvPr id="10" name="Flowchart: Decision 9">
@@ -14279,6 +14313,7 @@
                   <a:fillRect/>
                 </a:stretch>
               </a:blipFill>
+              <a:ln w="38100"/>
             </p:spPr>
             <p:txBody>
               <a:bodyPr/>
@@ -14319,7 +14354,7 @@
           <a:prstGeom prst="straightConnector1">
             <a:avLst/>
           </a:prstGeom>
-          <a:ln>
+          <a:ln w="38100">
             <a:tailEnd type="triangle"/>
           </a:ln>
         </p:spPr>
@@ -14338,8 +14373,8 @@
           </a:fontRef>
         </p:style>
       </p:cxnSp>
-      <mc:AlternateContent xmlns:mc="http://schemas.openxmlformats.org/markup-compatibility/2006" xmlns:a14="http://schemas.microsoft.com/office/drawing/2010/main">
-        <mc:Choice Requires="a14">
+      <mc:AlternateContent xmlns:mc="http://schemas.openxmlformats.org/markup-compatibility/2006">
+        <mc:Choice xmlns:a14="http://schemas.microsoft.com/office/drawing/2010/main" Requires="a14">
           <p:sp>
             <p:nvSpPr>
               <p:cNvPr id="12" name="Flowchart: Process 11">
@@ -14354,12 +14389,13 @@
             </p:nvSpPr>
             <p:spPr>
               <a:xfrm>
-                <a:off x="5594619" y="4343339"/>
-                <a:ext cx="2379067" cy="1501407"/>
+                <a:off x="5594619" y="3754366"/>
+                <a:ext cx="2379067" cy="2679354"/>
               </a:xfrm>
               <a:prstGeom prst="flowChartProcess">
                 <a:avLst/>
               </a:prstGeom>
+              <a:ln w="38100"/>
             </p:spPr>
             <p:style>
               <a:lnRef idx="2">
@@ -14385,14 +14421,14 @@
                     <m:sSubSup>
                       <m:sSubSupPr>
                         <m:ctrlPr>
-                          <a:rPr lang="en-PH" b="0" i="1" smtClean="0">
+                          <a:rPr lang="en-PH" sz="2800" b="0" i="1" smtClean="0">
                             <a:latin typeface="Cambria Math" panose="02040503050406030204" pitchFamily="18" charset="0"/>
                           </a:rPr>
                         </m:ctrlPr>
                       </m:sSubSupPr>
                       <m:e>
                         <m:r>
-                          <a:rPr lang="en-PH" b="0" i="1" smtClean="0">
+                          <a:rPr lang="en-PH" sz="2800" b="0" i="1" smtClean="0">
                             <a:latin typeface="Cambria Math" panose="02040503050406030204" pitchFamily="18" charset="0"/>
                           </a:rPr>
                           <m:t>𝑠</m:t>
@@ -14400,19 +14436,19 @@
                       </m:e>
                       <m:sub>
                         <m:r>
-                          <a:rPr lang="en-PH" b="0" i="1" smtClean="0">
+                          <a:rPr lang="en-PH" sz="2800" b="0" i="1" smtClean="0">
                             <a:latin typeface="Cambria Math" panose="02040503050406030204" pitchFamily="18" charset="0"/>
                           </a:rPr>
                           <m:t>𝑖</m:t>
                         </m:r>
                         <m:r>
-                          <a:rPr lang="en-PH" b="0" i="1" smtClean="0">
+                          <a:rPr lang="en-PH" sz="2800" b="0" i="1" smtClean="0">
                             <a:latin typeface="Cambria Math" panose="02040503050406030204" pitchFamily="18" charset="0"/>
                           </a:rPr>
                           <m:t>,</m:t>
                         </m:r>
                         <m:r>
-                          <a:rPr lang="en-PH" b="0" i="1" smtClean="0">
+                          <a:rPr lang="en-PH" sz="2800" b="0" i="1" smtClean="0">
                             <a:latin typeface="Cambria Math" panose="02040503050406030204" pitchFamily="18" charset="0"/>
                           </a:rPr>
                           <m:t>𝑗</m:t>
@@ -14420,7 +14456,7 @@
                       </m:sub>
                       <m:sup>
                         <m:r>
-                          <a:rPr lang="en-PH" b="0" i="1" smtClean="0">
+                          <a:rPr lang="en-PH" sz="2800" b="0" i="1" smtClean="0">
                             <a:latin typeface="Cambria Math" panose="02040503050406030204" pitchFamily="18" charset="0"/>
                           </a:rPr>
                           <m:t>′</m:t>
@@ -14428,7 +14464,7 @@
                       </m:sup>
                     </m:sSubSup>
                     <m:r>
-                      <a:rPr lang="en-PH" b="0" i="1" smtClean="0">
+                      <a:rPr lang="en-PH" sz="2800" b="0" i="1" smtClean="0">
                         <a:latin typeface="Cambria Math" panose="02040503050406030204" pitchFamily="18" charset="0"/>
                       </a:rPr>
                       <m:t>=1</m:t>
@@ -14436,7 +14472,7 @@
                   </m:oMath>
                 </a14:m>
                 <a:r>
-                  <a:rPr lang="en-PH" dirty="0"/>
+                  <a:rPr lang="en-PH" sz="2800" dirty="0"/>
                   <a:t> where </a:t>
                 </a:r>
                 <a14:m>
@@ -14444,14 +14480,14 @@
                     <m:sSubSup>
                       <m:sSubSupPr>
                         <m:ctrlPr>
-                          <a:rPr lang="en-PH" b="0" i="1" smtClean="0">
+                          <a:rPr lang="en-PH" sz="2800" b="0" i="1" smtClean="0">
                             <a:latin typeface="Cambria Math" panose="02040503050406030204" pitchFamily="18" charset="0"/>
                           </a:rPr>
                         </m:ctrlPr>
                       </m:sSubSupPr>
                       <m:e>
                         <m:r>
-                          <a:rPr lang="en-PH" b="0" i="1" smtClean="0">
+                          <a:rPr lang="en-PH" sz="2800" b="0" i="1" smtClean="0">
                             <a:latin typeface="Cambria Math" panose="02040503050406030204" pitchFamily="18" charset="0"/>
                           </a:rPr>
                           <m:t>𝑠</m:t>
@@ -14459,19 +14495,19 @@
                       </m:e>
                       <m:sub>
                         <m:r>
-                          <a:rPr lang="en-PH" b="0" i="1" smtClean="0">
+                          <a:rPr lang="en-PH" sz="2800" b="0" i="1" smtClean="0">
                             <a:latin typeface="Cambria Math" panose="02040503050406030204" pitchFamily="18" charset="0"/>
                           </a:rPr>
                           <m:t>𝑖</m:t>
                         </m:r>
                         <m:r>
-                          <a:rPr lang="en-PH" b="0" i="1" smtClean="0">
+                          <a:rPr lang="en-PH" sz="2800" b="0" i="1" smtClean="0">
                             <a:latin typeface="Cambria Math" panose="02040503050406030204" pitchFamily="18" charset="0"/>
                           </a:rPr>
                           <m:t>,</m:t>
                         </m:r>
                         <m:r>
-                          <a:rPr lang="en-PH" b="0" i="1" smtClean="0">
+                          <a:rPr lang="en-PH" sz="2800" b="0" i="1" smtClean="0">
                             <a:latin typeface="Cambria Math" panose="02040503050406030204" pitchFamily="18" charset="0"/>
                           </a:rPr>
                           <m:t>𝑗</m:t>
@@ -14479,7 +14515,7 @@
                       </m:sub>
                       <m:sup>
                         <m:r>
-                          <a:rPr lang="en-PH" b="0" i="1" smtClean="0">
+                          <a:rPr lang="en-PH" sz="2800" b="0" i="1" smtClean="0">
                             <a:latin typeface="Cambria Math" panose="02040503050406030204" pitchFamily="18" charset="0"/>
                           </a:rPr>
                           <m:t>′</m:t>
@@ -14489,7 +14525,7 @@
                   </m:oMath>
                 </a14:m>
                 <a:r>
-                  <a:rPr lang="en-PH" dirty="0"/>
+                  <a:rPr lang="en-PH" sz="2800" dirty="0"/>
                   <a:t> is the state of student </a:t>
                 </a:r>
                 <a14:m>
@@ -14497,14 +14533,14 @@
                     <m:sSub>
                       <m:sSubPr>
                         <m:ctrlPr>
-                          <a:rPr lang="en-PH" b="0" i="1" smtClean="0">
+                          <a:rPr lang="en-PH" sz="2800" b="0" i="1" smtClean="0">
                             <a:latin typeface="Cambria Math" panose="02040503050406030204" pitchFamily="18" charset="0"/>
                           </a:rPr>
                         </m:ctrlPr>
                       </m:sSubPr>
                       <m:e>
                         <m:r>
-                          <a:rPr lang="en-PH" b="0" i="1" smtClean="0">
+                          <a:rPr lang="en-PH" sz="2800" b="0" i="1" smtClean="0">
                             <a:latin typeface="Cambria Math" panose="02040503050406030204" pitchFamily="18" charset="0"/>
                           </a:rPr>
                           <m:t>𝑐</m:t>
@@ -14512,19 +14548,19 @@
                       </m:e>
                       <m:sub>
                         <m:r>
-                          <a:rPr lang="en-PH" b="0" i="1" smtClean="0">
+                          <a:rPr lang="en-PH" sz="2800" b="0" i="1" smtClean="0">
                             <a:latin typeface="Cambria Math" panose="02040503050406030204" pitchFamily="18" charset="0"/>
                           </a:rPr>
                           <m:t>𝑖</m:t>
                         </m:r>
                         <m:r>
-                          <a:rPr lang="en-PH" b="0" i="1" smtClean="0">
+                          <a:rPr lang="en-PH" sz="2800" b="0" i="1" smtClean="0">
                             <a:latin typeface="Cambria Math" panose="02040503050406030204" pitchFamily="18" charset="0"/>
                           </a:rPr>
                           <m:t>,</m:t>
                         </m:r>
                         <m:r>
-                          <a:rPr lang="en-PH" b="0" i="1" smtClean="0">
+                          <a:rPr lang="en-PH" sz="2800" b="0" i="1" smtClean="0">
                             <a:latin typeface="Cambria Math" panose="02040503050406030204" pitchFamily="18" charset="0"/>
                           </a:rPr>
                           <m:t>𝑗</m:t>
@@ -14534,14 +14570,14 @@
                   </m:oMath>
                 </a14:m>
                 <a:r>
-                  <a:rPr lang="en-PH" dirty="0"/>
+                  <a:rPr lang="en-PH" sz="2800" dirty="0"/>
                   <a:t> in the next time step</a:t>
                 </a:r>
               </a:p>
             </p:txBody>
           </p:sp>
         </mc:Choice>
-        <mc:Fallback xmlns="">
+        <mc:Fallback>
           <p:sp>
             <p:nvSpPr>
               <p:cNvPr id="12" name="Flowchart: Process 11">
@@ -14558,8 +14594,8 @@
             </p:nvSpPr>
             <p:spPr>
               <a:xfrm>
-                <a:off x="5594619" y="4343339"/>
-                <a:ext cx="2379067" cy="1501407"/>
+                <a:off x="5594619" y="3754366"/>
+                <a:ext cx="2379067" cy="2679354"/>
               </a:xfrm>
               <a:prstGeom prst="flowChartProcess">
                 <a:avLst/>
@@ -14567,9 +14603,10 @@
               <a:blipFill>
                 <a:blip r:embed="rId6"/>
                 <a:stretch>
-                  <a:fillRect/>
+                  <a:fillRect l="-1768" t="-3371" r="-5808" b="-7416"/>
                 </a:stretch>
               </a:blipFill>
+              <a:ln w="38100"/>
             </p:spPr>
             <p:txBody>
               <a:bodyPr/>
@@ -14586,8 +14623,8 @@
           </p:sp>
         </mc:Fallback>
       </mc:AlternateContent>
-      <mc:AlternateContent xmlns:mc="http://schemas.openxmlformats.org/markup-compatibility/2006" xmlns:a14="http://schemas.microsoft.com/office/drawing/2010/main">
-        <mc:Choice Requires="a14">
+      <mc:AlternateContent xmlns:mc="http://schemas.openxmlformats.org/markup-compatibility/2006">
+        <mc:Choice xmlns:a14="http://schemas.microsoft.com/office/drawing/2010/main" Requires="a14">
           <p:sp>
             <p:nvSpPr>
               <p:cNvPr id="13" name="Flowchart: Process 12">
@@ -14602,12 +14639,13 @@
             </p:nvSpPr>
             <p:spPr>
               <a:xfrm>
-                <a:off x="1232038" y="4343339"/>
-                <a:ext cx="2379067" cy="1501407"/>
+                <a:off x="1232038" y="3754367"/>
+                <a:ext cx="2379067" cy="2679352"/>
               </a:xfrm>
               <a:prstGeom prst="flowChartProcess">
                 <a:avLst/>
               </a:prstGeom>
+              <a:ln w="38100"/>
             </p:spPr>
             <p:style>
               <a:lnRef idx="2">
@@ -14633,14 +14671,14 @@
                     <m:sSubSup>
                       <m:sSubSupPr>
                         <m:ctrlPr>
-                          <a:rPr lang="en-PH" b="0" i="1" smtClean="0">
+                          <a:rPr lang="en-PH" sz="2800" b="0" i="1" smtClean="0">
                             <a:latin typeface="Cambria Math" panose="02040503050406030204" pitchFamily="18" charset="0"/>
                           </a:rPr>
                         </m:ctrlPr>
                       </m:sSubSupPr>
                       <m:e>
                         <m:r>
-                          <a:rPr lang="en-PH" b="0" i="1" smtClean="0">
+                          <a:rPr lang="en-PH" sz="2800" b="0" i="1" smtClean="0">
                             <a:latin typeface="Cambria Math" panose="02040503050406030204" pitchFamily="18" charset="0"/>
                           </a:rPr>
                           <m:t>𝑠</m:t>
@@ -14648,19 +14686,19 @@
                       </m:e>
                       <m:sub>
                         <m:r>
-                          <a:rPr lang="en-PH" b="0" i="1" smtClean="0">
+                          <a:rPr lang="en-PH" sz="2800" b="0" i="1" smtClean="0">
                             <a:latin typeface="Cambria Math" panose="02040503050406030204" pitchFamily="18" charset="0"/>
                           </a:rPr>
                           <m:t>𝑖</m:t>
                         </m:r>
                         <m:r>
-                          <a:rPr lang="en-PH" b="0" i="1" smtClean="0">
+                          <a:rPr lang="en-PH" sz="2800" b="0" i="1" smtClean="0">
                             <a:latin typeface="Cambria Math" panose="02040503050406030204" pitchFamily="18" charset="0"/>
                           </a:rPr>
                           <m:t>,</m:t>
                         </m:r>
                         <m:r>
-                          <a:rPr lang="en-PH" b="0" i="1" smtClean="0">
+                          <a:rPr lang="en-PH" sz="2800" b="0" i="1" smtClean="0">
                             <a:latin typeface="Cambria Math" panose="02040503050406030204" pitchFamily="18" charset="0"/>
                           </a:rPr>
                           <m:t>𝑗</m:t>
@@ -14668,7 +14706,7 @@
                       </m:sub>
                       <m:sup>
                         <m:r>
-                          <a:rPr lang="en-PH" b="0" i="1" smtClean="0">
+                          <a:rPr lang="en-PH" sz="2800" b="0" i="1" smtClean="0">
                             <a:latin typeface="Cambria Math" panose="02040503050406030204" pitchFamily="18" charset="0"/>
                           </a:rPr>
                           <m:t>′</m:t>
@@ -14676,7 +14714,7 @@
                       </m:sup>
                     </m:sSubSup>
                     <m:r>
-                      <a:rPr lang="en-PH" b="0" i="1" smtClean="0">
+                      <a:rPr lang="en-PH" sz="2800" b="0" i="1" smtClean="0">
                         <a:latin typeface="Cambria Math" panose="02040503050406030204" pitchFamily="18" charset="0"/>
                       </a:rPr>
                       <m:t>=0</m:t>
@@ -14684,7 +14722,7 @@
                   </m:oMath>
                 </a14:m>
                 <a:r>
-                  <a:rPr lang="en-PH" dirty="0"/>
+                  <a:rPr lang="en-PH" sz="2800" dirty="0"/>
                   <a:t> where </a:t>
                 </a:r>
                 <a14:m>
@@ -14692,14 +14730,14 @@
                     <m:sSubSup>
                       <m:sSubSupPr>
                         <m:ctrlPr>
-                          <a:rPr lang="en-PH" b="0" i="1" smtClean="0">
+                          <a:rPr lang="en-PH" sz="2800" b="0" i="1" smtClean="0">
                             <a:latin typeface="Cambria Math" panose="02040503050406030204" pitchFamily="18" charset="0"/>
                           </a:rPr>
                         </m:ctrlPr>
                       </m:sSubSupPr>
                       <m:e>
                         <m:r>
-                          <a:rPr lang="en-PH" b="0" i="1" smtClean="0">
+                          <a:rPr lang="en-PH" sz="2800" b="0" i="1" smtClean="0">
                             <a:latin typeface="Cambria Math" panose="02040503050406030204" pitchFamily="18" charset="0"/>
                           </a:rPr>
                           <m:t>𝑠</m:t>
@@ -14707,19 +14745,19 @@
                       </m:e>
                       <m:sub>
                         <m:r>
-                          <a:rPr lang="en-PH" b="0" i="1" smtClean="0">
+                          <a:rPr lang="en-PH" sz="2800" b="0" i="1" smtClean="0">
                             <a:latin typeface="Cambria Math" panose="02040503050406030204" pitchFamily="18" charset="0"/>
                           </a:rPr>
                           <m:t>𝑖</m:t>
                         </m:r>
                         <m:r>
-                          <a:rPr lang="en-PH" b="0" i="1" smtClean="0">
+                          <a:rPr lang="en-PH" sz="2800" b="0" i="1" smtClean="0">
                             <a:latin typeface="Cambria Math" panose="02040503050406030204" pitchFamily="18" charset="0"/>
                           </a:rPr>
                           <m:t>,</m:t>
                         </m:r>
                         <m:r>
-                          <a:rPr lang="en-PH" b="0" i="1" smtClean="0">
+                          <a:rPr lang="en-PH" sz="2800" b="0" i="1" smtClean="0">
                             <a:latin typeface="Cambria Math" panose="02040503050406030204" pitchFamily="18" charset="0"/>
                           </a:rPr>
                           <m:t>𝑗</m:t>
@@ -14727,7 +14765,7 @@
                       </m:sub>
                       <m:sup>
                         <m:r>
-                          <a:rPr lang="en-PH" b="0" i="1" smtClean="0">
+                          <a:rPr lang="en-PH" sz="2800" b="0" i="1" smtClean="0">
                             <a:latin typeface="Cambria Math" panose="02040503050406030204" pitchFamily="18" charset="0"/>
                           </a:rPr>
                           <m:t>′</m:t>
@@ -14737,7 +14775,7 @@
                   </m:oMath>
                 </a14:m>
                 <a:r>
-                  <a:rPr lang="en-PH" dirty="0"/>
+                  <a:rPr lang="en-PH" sz="2800" dirty="0"/>
                   <a:t> is the state of student </a:t>
                 </a:r>
                 <a14:m>
@@ -14745,14 +14783,14 @@
                     <m:sSub>
                       <m:sSubPr>
                         <m:ctrlPr>
-                          <a:rPr lang="en-PH" b="0" i="1" smtClean="0">
+                          <a:rPr lang="en-PH" sz="2800" b="0" i="1" smtClean="0">
                             <a:latin typeface="Cambria Math" panose="02040503050406030204" pitchFamily="18" charset="0"/>
                           </a:rPr>
                         </m:ctrlPr>
                       </m:sSubPr>
                       <m:e>
                         <m:r>
-                          <a:rPr lang="en-PH" b="0" i="1" smtClean="0">
+                          <a:rPr lang="en-PH" sz="2800" b="0" i="1" smtClean="0">
                             <a:latin typeface="Cambria Math" panose="02040503050406030204" pitchFamily="18" charset="0"/>
                           </a:rPr>
                           <m:t>𝑐</m:t>
@@ -14760,19 +14798,19 @@
                       </m:e>
                       <m:sub>
                         <m:r>
-                          <a:rPr lang="en-PH" b="0" i="1" smtClean="0">
+                          <a:rPr lang="en-PH" sz="2800" b="0" i="1" smtClean="0">
                             <a:latin typeface="Cambria Math" panose="02040503050406030204" pitchFamily="18" charset="0"/>
                           </a:rPr>
                           <m:t>𝑖</m:t>
                         </m:r>
                         <m:r>
-                          <a:rPr lang="en-PH" b="0" i="1" smtClean="0">
+                          <a:rPr lang="en-PH" sz="2800" b="0" i="1" smtClean="0">
                             <a:latin typeface="Cambria Math" panose="02040503050406030204" pitchFamily="18" charset="0"/>
                           </a:rPr>
                           <m:t>,</m:t>
                         </m:r>
                         <m:r>
-                          <a:rPr lang="en-PH" b="0" i="1" smtClean="0">
+                          <a:rPr lang="en-PH" sz="2800" b="0" i="1" smtClean="0">
                             <a:latin typeface="Cambria Math" panose="02040503050406030204" pitchFamily="18" charset="0"/>
                           </a:rPr>
                           <m:t>𝑗</m:t>
@@ -14782,14 +14820,14 @@
                   </m:oMath>
                 </a14:m>
                 <a:r>
-                  <a:rPr lang="en-PH" dirty="0"/>
+                  <a:rPr lang="en-PH" sz="2800" dirty="0"/>
                   <a:t> in the next time step</a:t>
                 </a:r>
               </a:p>
             </p:txBody>
           </p:sp>
         </mc:Choice>
-        <mc:Fallback xmlns="">
+        <mc:Fallback>
           <p:sp>
             <p:nvSpPr>
               <p:cNvPr id="13" name="Flowchart: Process 12">
@@ -14806,8 +14844,8 @@
             </p:nvSpPr>
             <p:spPr>
               <a:xfrm>
-                <a:off x="1232038" y="4343339"/>
-                <a:ext cx="2379067" cy="1501407"/>
+                <a:off x="1232038" y="3754367"/>
+                <a:ext cx="2379067" cy="2679352"/>
               </a:xfrm>
               <a:prstGeom prst="flowChartProcess">
                 <a:avLst/>
@@ -14815,9 +14853,10 @@
               <a:blipFill>
                 <a:blip r:embed="rId7"/>
                 <a:stretch>
-                  <a:fillRect/>
+                  <a:fillRect l="-1515" t="-3371" r="-6061" b="-7416"/>
                 </a:stretch>
               </a:blipFill>
+              <a:ln w="38100"/>
             </p:spPr>
             <p:txBody>
               <a:bodyPr/>
@@ -14848,13 +14887,16 @@
         </p:nvSpPr>
         <p:spPr>
           <a:xfrm>
-            <a:off x="7739968" y="555506"/>
-            <a:ext cx="794437" cy="369332"/>
+            <a:off x="7702238" y="578918"/>
+            <a:ext cx="1248094" cy="523220"/>
           </a:xfrm>
           <a:prstGeom prst="rect">
             <a:avLst/>
           </a:prstGeom>
           <a:noFill/>
+          <a:ln w="38100">
+            <a:noFill/>
+          </a:ln>
         </p:spPr>
         <p:txBody>
           <a:bodyPr wrap="square" rtlCol="0">
@@ -14863,7 +14905,7 @@
           <a:lstStyle/>
           <a:p>
             <a:r>
-              <a:rPr lang="en-PH" dirty="0"/>
+              <a:rPr lang="en-PH" sz="2800" dirty="0"/>
               <a:t>False</a:t>
             </a:r>
           </a:p>
@@ -14879,6 +14921,7 @@
             </a:extLst>
           </p:cNvPr>
           <p:cNvCxnSpPr>
+            <a:cxnSpLocks/>
             <a:stCxn id="10" idx="2"/>
             <a:endCxn id="12" idx="0"/>
           </p:cNvCxnSpPr>
@@ -14887,12 +14930,12 @@
         <p:spPr>
           <a:xfrm>
             <a:off x="6784153" y="1870341"/>
-            <a:ext cx="0" cy="2472998"/>
+            <a:ext cx="0" cy="1884025"/>
           </a:xfrm>
           <a:prstGeom prst="straightConnector1">
             <a:avLst/>
           </a:prstGeom>
-          <a:ln>
+          <a:ln w="38100">
             <a:tailEnd type="triangle"/>
           </a:ln>
         </p:spPr>
@@ -14921,6 +14964,7 @@
             </a:extLst>
           </p:cNvPr>
           <p:cNvCxnSpPr>
+            <a:cxnSpLocks/>
             <a:stCxn id="9" idx="1"/>
             <a:endCxn id="12" idx="3"/>
           </p:cNvCxnSpPr>
@@ -14929,12 +14973,12 @@
         <p:spPr>
           <a:xfrm flipH="1" flipV="1">
             <a:off x="7973686" y="5094043"/>
-            <a:ext cx="2010995" cy="23273"/>
+            <a:ext cx="1656175" cy="23273"/>
           </a:xfrm>
           <a:prstGeom prst="straightConnector1">
             <a:avLst/>
           </a:prstGeom>
-          <a:ln>
+          <a:ln w="38100">
             <a:tailEnd type="triangle"/>
           </a:ln>
         </p:spPr>
@@ -14967,13 +15011,16 @@
         </p:nvSpPr>
         <p:spPr>
           <a:xfrm>
-            <a:off x="6784153" y="2734304"/>
-            <a:ext cx="632460" cy="369332"/>
+            <a:off x="6784152" y="2734304"/>
+            <a:ext cx="993621" cy="523220"/>
           </a:xfrm>
           <a:prstGeom prst="rect">
             <a:avLst/>
           </a:prstGeom>
           <a:noFill/>
+          <a:ln w="38100">
+            <a:noFill/>
+          </a:ln>
         </p:spPr>
         <p:txBody>
           <a:bodyPr wrap="square" rtlCol="0">
@@ -14982,7 +15029,7 @@
           <a:lstStyle/>
           <a:p>
             <a:r>
-              <a:rPr lang="en-PH" dirty="0"/>
+              <a:rPr lang="en-PH" sz="2800" dirty="0"/>
               <a:t>True</a:t>
             </a:r>
           </a:p>
@@ -15002,13 +15049,16 @@
         </p:nvSpPr>
         <p:spPr>
           <a:xfrm>
-            <a:off x="8562275" y="4710959"/>
-            <a:ext cx="632460" cy="369332"/>
+            <a:off x="8514740" y="4658525"/>
+            <a:ext cx="993621" cy="523220"/>
           </a:xfrm>
           <a:prstGeom prst="rect">
             <a:avLst/>
           </a:prstGeom>
           <a:noFill/>
+          <a:ln w="38100">
+            <a:noFill/>
+          </a:ln>
         </p:spPr>
         <p:txBody>
           <a:bodyPr wrap="square" rtlCol="0">
@@ -15017,7 +15067,7 @@
           <a:lstStyle/>
           <a:p>
             <a:r>
-              <a:rPr lang="en-PH" dirty="0"/>
+              <a:rPr lang="en-PH" sz="2800" dirty="0"/>
               <a:t>True</a:t>
             </a:r>
           </a:p>
@@ -15033,6 +15083,7 @@
             </a:extLst>
           </p:cNvPr>
           <p:cNvCxnSpPr>
+            <a:cxnSpLocks/>
             <a:stCxn id="9" idx="2"/>
             <a:endCxn id="13" idx="2"/>
           </p:cNvCxnSpPr>
@@ -15040,15 +15091,15 @@
         </p:nvCxnSpPr>
         <p:spPr>
           <a:xfrm rot="5400000" flipH="1">
-            <a:off x="6582406" y="1683913"/>
-            <a:ext cx="348993" cy="8670661"/>
+            <a:off x="6704469" y="2150823"/>
+            <a:ext cx="104868" cy="8670661"/>
           </a:xfrm>
           <a:prstGeom prst="bentConnector3">
             <a:avLst>
-              <a:gd name="adj1" fmla="val -65503"/>
+              <a:gd name="adj1" fmla="val -217988"/>
             </a:avLst>
           </a:prstGeom>
-          <a:ln>
+          <a:ln w="38100">
             <a:tailEnd type="triangle"/>
           </a:ln>
         </p:spPr>
@@ -15079,18 +15130,19 @@
           <p:cNvCxnSpPr>
             <a:cxnSpLocks/>
             <a:stCxn id="13" idx="3"/>
+            <a:endCxn id="34" idx="2"/>
           </p:cNvCxnSpPr>
           <p:nvPr/>
         </p:nvCxnSpPr>
         <p:spPr>
           <a:xfrm flipV="1">
-            <a:off x="3611105" y="4072844"/>
-            <a:ext cx="521143" cy="1021199"/>
+            <a:off x="3611105" y="4043109"/>
+            <a:ext cx="455000" cy="1050934"/>
           </a:xfrm>
           <a:prstGeom prst="bentConnector2">
             <a:avLst/>
           </a:prstGeom>
-          <a:ln>
+          <a:ln w="38100">
             <a:tailEnd type="triangle"/>
           </a:ln>
         </p:spPr>
@@ -15127,13 +15179,13 @@
         </p:nvCxnSpPr>
         <p:spPr>
           <a:xfrm rot="10800000">
-            <a:off x="4132249" y="4072845"/>
-            <a:ext cx="1462371" cy="1021199"/>
+            <a:off x="4066105" y="4043109"/>
+            <a:ext cx="1528514" cy="1050934"/>
           </a:xfrm>
           <a:prstGeom prst="bentConnector2">
             <a:avLst/>
           </a:prstGeom>
-          <a:ln>
+          <a:ln w="38100">
             <a:tailEnd type="triangle"/>
           </a:ln>
         </p:spPr>
@@ -15166,13 +15218,16 @@
         </p:nvSpPr>
         <p:spPr>
           <a:xfrm>
-            <a:off x="8534405" y="6009073"/>
-            <a:ext cx="794437" cy="369332"/>
+            <a:off x="9502200" y="6353922"/>
+            <a:ext cx="1248094" cy="523220"/>
           </a:xfrm>
           <a:prstGeom prst="rect">
             <a:avLst/>
           </a:prstGeom>
           <a:noFill/>
+          <a:ln w="38100">
+            <a:noFill/>
+          </a:ln>
         </p:spPr>
         <p:txBody>
           <a:bodyPr wrap="square" rtlCol="0">
@@ -15181,14 +15236,14 @@
           <a:lstStyle/>
           <a:p>
             <a:r>
-              <a:rPr lang="en-PH" dirty="0"/>
+              <a:rPr lang="en-PH" sz="2800" dirty="0"/>
               <a:t>False</a:t>
             </a:r>
           </a:p>
         </p:txBody>
       </p:sp>
-      <mc:AlternateContent xmlns:mc="http://schemas.openxmlformats.org/markup-compatibility/2006" xmlns:a14="http://schemas.microsoft.com/office/drawing/2010/main">
-        <mc:Choice Requires="a14">
+      <mc:AlternateContent xmlns:mc="http://schemas.openxmlformats.org/markup-compatibility/2006">
+        <mc:Choice xmlns:a14="http://schemas.microsoft.com/office/drawing/2010/main" Requires="a14">
           <p:sp>
             <p:nvSpPr>
               <p:cNvPr id="34" name="Flowchart: Decision 33">
@@ -15203,12 +15258,13 @@
             </p:nvSpPr>
             <p:spPr>
               <a:xfrm>
-                <a:off x="3214162" y="2358668"/>
-                <a:ext cx="1836171" cy="1714176"/>
+                <a:off x="2960341" y="1978515"/>
+                <a:ext cx="2211528" cy="2064594"/>
               </a:xfrm>
               <a:prstGeom prst="flowChartDecision">
                 <a:avLst/>
               </a:prstGeom>
+              <a:ln w="38100"/>
             </p:spPr>
             <p:style>
               <a:lnRef idx="2">
@@ -15230,37 +15286,37 @@
               <a:p>
                 <a:pPr algn="ctr"/>
                 <a:r>
-                  <a:rPr lang="en-PH" dirty="0"/>
+                  <a:rPr lang="en-PH" sz="2800" dirty="0"/>
                   <a:t>Done for all </a:t>
                 </a:r>
                 <a14:m>
                   <m:oMath xmlns:m="http://schemas.openxmlformats.org/officeDocument/2006/math">
                     <m:r>
-                      <a:rPr lang="en-PH" b="0" i="1" smtClean="0">
+                      <a:rPr lang="en-PH" sz="2800" b="0" i="1" smtClean="0">
                         <a:latin typeface="Cambria Math" panose="02040503050406030204" pitchFamily="18" charset="0"/>
                       </a:rPr>
                       <m:t>𝑖</m:t>
                     </m:r>
                     <m:r>
-                      <a:rPr lang="en-PH" b="0" i="1" smtClean="0">
+                      <a:rPr lang="en-PH" sz="2800" b="0" i="1" smtClean="0">
                         <a:latin typeface="Cambria Math" panose="02040503050406030204" pitchFamily="18" charset="0"/>
                       </a:rPr>
                       <m:t>,</m:t>
                     </m:r>
                     <m:r>
-                      <a:rPr lang="en-PH" b="0" i="1" smtClean="0">
+                      <a:rPr lang="en-PH" sz="2800" b="0" i="1" smtClean="0">
                         <a:latin typeface="Cambria Math" panose="02040503050406030204" pitchFamily="18" charset="0"/>
                       </a:rPr>
                       <m:t>𝑗</m:t>
                     </m:r>
                   </m:oMath>
                 </a14:m>
-                <a:endParaRPr lang="en-PH" dirty="0"/>
+                <a:endParaRPr lang="en-PH" sz="2800" dirty="0"/>
               </a:p>
             </p:txBody>
           </p:sp>
         </mc:Choice>
-        <mc:Fallback xmlns="">
+        <mc:Fallback>
           <p:sp>
             <p:nvSpPr>
               <p:cNvPr id="34" name="Flowchart: Decision 33">
@@ -15277,8 +15333,8 @@
             </p:nvSpPr>
             <p:spPr>
               <a:xfrm>
-                <a:off x="3214162" y="2358668"/>
-                <a:ext cx="1836171" cy="1714176"/>
+                <a:off x="2960341" y="1978515"/>
+                <a:ext cx="2211528" cy="2064594"/>
               </a:xfrm>
               <a:prstGeom prst="flowChartDecision">
                 <a:avLst/>
@@ -15289,6 +15345,7 @@
                   <a:fillRect/>
                 </a:stretch>
               </a:blipFill>
+              <a:ln w="38100"/>
             </p:spPr>
             <p:txBody>
               <a:bodyPr/>
@@ -15319,7 +15376,7 @@
         </p:nvSpPr>
         <p:spPr>
           <a:xfrm>
-            <a:off x="-5348884" y="319882"/>
+            <a:off x="-7594886" y="319882"/>
             <a:ext cx="1767010" cy="1386739"/>
           </a:xfrm>
           <a:prstGeom prst="ellipse">
@@ -15328,7 +15385,7 @@
           <a:solidFill>
             <a:schemeClr val="bg1"/>
           </a:solidFill>
-          <a:ln>
+          <a:ln w="38100">
             <a:solidFill>
               <a:schemeClr val="tx1"/>
             </a:solidFill>
@@ -15354,7 +15411,7 @@
           <a:p>
             <a:pPr algn="ctr"/>
             <a:r>
-              <a:rPr lang="en-PH" dirty="0"/>
+              <a:rPr lang="en-PH" sz="2800" dirty="0"/>
               <a:t>Begin</a:t>
             </a:r>
           </a:p>
@@ -15370,6 +15427,7 @@
             </a:extLst>
           </p:cNvPr>
           <p:cNvCxnSpPr>
+            <a:cxnSpLocks/>
             <a:stCxn id="34" idx="0"/>
             <a:endCxn id="4" idx="2"/>
           </p:cNvCxnSpPr>
@@ -15377,13 +15435,13 @@
         </p:nvCxnSpPr>
         <p:spPr>
           <a:xfrm flipV="1">
-            <a:off x="4132248" y="1644849"/>
-            <a:ext cx="0" cy="713819"/>
+            <a:off x="4066105" y="1644849"/>
+            <a:ext cx="4043" cy="333666"/>
           </a:xfrm>
           <a:prstGeom prst="straightConnector1">
             <a:avLst/>
           </a:prstGeom>
-          <a:ln>
+          <a:ln w="38100">
             <a:solidFill>
               <a:schemeClr val="tx1"/>
             </a:solidFill>
@@ -15419,13 +15477,16 @@
         </p:nvSpPr>
         <p:spPr>
           <a:xfrm>
-            <a:off x="4082486" y="1903507"/>
-            <a:ext cx="794437" cy="369332"/>
+            <a:off x="4076919" y="1608731"/>
+            <a:ext cx="1248094" cy="523220"/>
           </a:xfrm>
           <a:prstGeom prst="rect">
             <a:avLst/>
           </a:prstGeom>
           <a:noFill/>
+          <a:ln w="38100">
+            <a:noFill/>
+          </a:ln>
         </p:spPr>
         <p:txBody>
           <a:bodyPr wrap="square" rtlCol="0">
@@ -15434,7 +15495,7 @@
           <a:lstStyle/>
           <a:p>
             <a:r>
-              <a:rPr lang="en-PH" dirty="0"/>
+              <a:rPr lang="en-PH" sz="2800" dirty="0"/>
               <a:t>False</a:t>
             </a:r>
           </a:p>
@@ -15454,13 +15515,16 @@
         </p:nvSpPr>
         <p:spPr>
           <a:xfrm>
-            <a:off x="1311857" y="2846424"/>
-            <a:ext cx="632460" cy="369332"/>
+            <a:off x="1317246" y="2580413"/>
+            <a:ext cx="993621" cy="523220"/>
           </a:xfrm>
           <a:prstGeom prst="rect">
             <a:avLst/>
           </a:prstGeom>
           <a:noFill/>
+          <a:ln w="38100">
+            <a:noFill/>
+          </a:ln>
         </p:spPr>
         <p:txBody>
           <a:bodyPr wrap="square" rtlCol="0">
@@ -15469,7 +15533,7 @@
           <a:lstStyle/>
           <a:p>
             <a:r>
-              <a:rPr lang="en-PH" dirty="0"/>
+              <a:rPr lang="en-PH" sz="2800" dirty="0"/>
               <a:t>True</a:t>
             </a:r>
           </a:p>
@@ -15489,12 +15553,13 @@
         </p:nvSpPr>
         <p:spPr>
           <a:xfrm>
-            <a:off x="-1596225" y="2358668"/>
-            <a:ext cx="1836171" cy="1714176"/>
+            <a:off x="-2732913" y="1929838"/>
+            <a:ext cx="3199379" cy="2161948"/>
           </a:xfrm>
           <a:prstGeom prst="flowChartDecision">
             <a:avLst/>
           </a:prstGeom>
+          <a:ln w="38100"/>
         </p:spPr>
         <p:style>
           <a:lnRef idx="2">
@@ -15516,7 +15581,7 @@
           <a:p>
             <a:pPr algn="ctr"/>
             <a:r>
-              <a:rPr lang="en-PH" sz="1400" dirty="0"/>
+              <a:rPr lang="en-PH" sz="2800" dirty="0"/>
               <a:t>Steady state achieved</a:t>
             </a:r>
           </a:p>
@@ -15532,6 +15597,7 @@
             </a:extLst>
           </p:cNvPr>
           <p:cNvCxnSpPr>
+            <a:cxnSpLocks/>
             <a:stCxn id="34" idx="1"/>
             <a:endCxn id="53" idx="3"/>
           </p:cNvCxnSpPr>
@@ -15539,13 +15605,13 @@
         </p:nvCxnSpPr>
         <p:spPr>
           <a:xfrm flipH="1">
-            <a:off x="239946" y="3215756"/>
-            <a:ext cx="2974216" cy="0"/>
+            <a:off x="466466" y="3010812"/>
+            <a:ext cx="2493875" cy="0"/>
           </a:xfrm>
           <a:prstGeom prst="straightConnector1">
             <a:avLst/>
           </a:prstGeom>
-          <a:ln>
+          <a:ln w="38100">
             <a:solidFill>
               <a:schemeClr val="tx1"/>
             </a:solidFill>
@@ -15583,14 +15649,14 @@
           <p:nvPr/>
         </p:nvCxnSpPr>
         <p:spPr>
-          <a:xfrm flipH="1" flipV="1">
-            <a:off x="-678140" y="1013251"/>
-            <a:ext cx="1" cy="1345417"/>
+          <a:xfrm flipV="1">
+            <a:off x="-1133223" y="1012731"/>
+            <a:ext cx="0" cy="917107"/>
           </a:xfrm>
           <a:prstGeom prst="straightConnector1">
             <a:avLst/>
           </a:prstGeom>
-          <a:ln>
+          <a:ln w="38100">
             <a:tailEnd type="triangle"/>
           </a:ln>
         </p:spPr>
@@ -15623,13 +15689,16 @@
         </p:nvSpPr>
         <p:spPr>
           <a:xfrm>
-            <a:off x="-690495" y="1560506"/>
-            <a:ext cx="794437" cy="369332"/>
+            <a:off x="-1126452" y="1337289"/>
+            <a:ext cx="1248094" cy="523220"/>
           </a:xfrm>
           <a:prstGeom prst="rect">
             <a:avLst/>
           </a:prstGeom>
           <a:noFill/>
+          <a:ln w="38100">
+            <a:noFill/>
+          </a:ln>
         </p:spPr>
         <p:txBody>
           <a:bodyPr wrap="square" rtlCol="0">
@@ -15638,7 +15707,7 @@
           <a:lstStyle/>
           <a:p>
             <a:r>
-              <a:rPr lang="en-PH" dirty="0"/>
+              <a:rPr lang="en-PH" sz="2800" dirty="0"/>
               <a:t>False</a:t>
             </a:r>
           </a:p>
@@ -15658,13 +15727,16 @@
         </p:nvSpPr>
         <p:spPr>
           <a:xfrm>
-            <a:off x="-2861144" y="2905388"/>
-            <a:ext cx="632460" cy="369332"/>
+            <a:off x="-3845046" y="2498758"/>
+            <a:ext cx="993621" cy="523220"/>
           </a:xfrm>
           <a:prstGeom prst="rect">
             <a:avLst/>
           </a:prstGeom>
           <a:noFill/>
+          <a:ln w="38100">
+            <a:noFill/>
+          </a:ln>
         </p:spPr>
         <p:txBody>
           <a:bodyPr wrap="square" rtlCol="0">
@@ -15673,7 +15745,7 @@
           <a:lstStyle/>
           <a:p>
             <a:r>
-              <a:rPr lang="en-PH" dirty="0"/>
+              <a:rPr lang="en-PH" sz="2800" dirty="0"/>
               <a:t>True</a:t>
             </a:r>
           </a:p>
@@ -15693,7 +15765,7 @@
         </p:nvSpPr>
         <p:spPr>
           <a:xfrm>
-            <a:off x="-5348884" y="2522386"/>
+            <a:off x="-6024104" y="2317443"/>
             <a:ext cx="1767010" cy="1386739"/>
           </a:xfrm>
           <a:prstGeom prst="ellipse">
@@ -15702,7 +15774,7 @@
           <a:solidFill>
             <a:schemeClr val="bg1"/>
           </a:solidFill>
-          <a:ln>
+          <a:ln w="38100">
             <a:solidFill>
               <a:schemeClr val="tx1"/>
             </a:solidFill>
@@ -15728,7 +15800,7 @@
           <a:p>
             <a:pPr algn="ctr"/>
             <a:r>
-              <a:rPr lang="en-PH" dirty="0"/>
+              <a:rPr lang="en-PH" sz="2800" dirty="0"/>
               <a:t>End</a:t>
             </a:r>
           </a:p>
@@ -15744,6 +15816,7 @@
             </a:extLst>
           </p:cNvPr>
           <p:cNvCxnSpPr>
+            <a:cxnSpLocks/>
             <a:stCxn id="53" idx="1"/>
             <a:endCxn id="62" idx="6"/>
           </p:cNvCxnSpPr>
@@ -15751,13 +15824,13 @@
         </p:nvCxnSpPr>
         <p:spPr>
           <a:xfrm flipH="1">
-            <a:off x="-3581874" y="3215756"/>
-            <a:ext cx="1985649" cy="0"/>
+            <a:off x="-4257094" y="3010812"/>
+            <a:ext cx="1524181" cy="1"/>
           </a:xfrm>
           <a:prstGeom prst="straightConnector1">
             <a:avLst/>
           </a:prstGeom>
-          <a:ln>
+          <a:ln w="38100">
             <a:solidFill>
               <a:schemeClr val="tx1"/>
             </a:solidFill>
@@ -15789,6 +15862,7 @@
             </a:extLst>
           </p:cNvPr>
           <p:cNvCxnSpPr>
+            <a:cxnSpLocks/>
             <a:stCxn id="35" idx="6"/>
             <a:endCxn id="2" idx="1"/>
           </p:cNvCxnSpPr>
@@ -15796,13 +15870,13 @@
         </p:nvCxnSpPr>
         <p:spPr>
           <a:xfrm>
-            <a:off x="-3581874" y="1013252"/>
+            <a:off x="-5827876" y="1013252"/>
             <a:ext cx="442167" cy="0"/>
           </a:xfrm>
           <a:prstGeom prst="straightConnector1">
             <a:avLst/>
           </a:prstGeom>
-          <a:ln>
+          <a:ln w="38100">
             <a:tailEnd type="triangle"/>
           </a:ln>
         </p:spPr>
@@ -15835,13 +15909,16 @@
         </p:nvSpPr>
         <p:spPr>
           <a:xfrm>
-            <a:off x="662696" y="6824269"/>
-            <a:ext cx="1666532" cy="369332"/>
+            <a:off x="662696" y="6877281"/>
+            <a:ext cx="2379067" cy="523220"/>
           </a:xfrm>
           <a:prstGeom prst="rect">
             <a:avLst/>
           </a:prstGeom>
           <a:noFill/>
+          <a:ln w="38100">
+            <a:noFill/>
+          </a:ln>
         </p:spPr>
         <p:txBody>
           <a:bodyPr wrap="square" rtlCol="0">
@@ -15851,14 +15928,14 @@
           <a:p>
             <a:pPr algn="ctr"/>
             <a:r>
-              <a:rPr lang="en-PH" dirty="0"/>
+              <a:rPr lang="en-PH" sz="2800" dirty="0"/>
               <a:t>One time step</a:t>
             </a:r>
           </a:p>
         </p:txBody>
       </p:sp>
-      <mc:AlternateContent xmlns:mc="http://schemas.openxmlformats.org/markup-compatibility/2006" xmlns:a14="http://schemas.microsoft.com/office/drawing/2010/main">
-        <mc:Choice Requires="a14">
+      <mc:AlternateContent xmlns:mc="http://schemas.openxmlformats.org/markup-compatibility/2006">
+        <mc:Choice xmlns:a14="http://schemas.microsoft.com/office/drawing/2010/main" Requires="a14">
           <p:sp>
             <p:nvSpPr>
               <p:cNvPr id="28" name="Flowchart: Process 27">
@@ -15882,6 +15959,7 @@
               <a:solidFill>
                 <a:schemeClr val="bg1"/>
               </a:solidFill>
+              <a:ln w="38100"/>
             </p:spPr>
             <p:style>
               <a:lnRef idx="2">
@@ -15903,7 +15981,7 @@
               <a:p>
                 <a:pPr algn="ctr"/>
                 <a:r>
-                  <a:rPr lang="en-PH" dirty="0"/>
+                  <a:rPr lang="en-PH" sz="2800" dirty="0"/>
                   <a:t>Set neighborhood as</a:t>
                 </a:r>
               </a:p>
@@ -15919,7 +15997,7 @@
                         <m:rPr>
                           <m:lit/>
                         </m:rPr>
-                        <a:rPr lang="en-PH" i="1" dirty="0" smtClean="0">
+                        <a:rPr lang="en-PH" sz="2000" i="1" dirty="0" smtClean="0">
                           <a:latin typeface="Cambria Math" panose="02040503050406030204" pitchFamily="18" charset="0"/>
                         </a:rPr>
                         <m:t>{</m:t>
@@ -15927,14 +16005,14 @@
                       <m:sSub>
                         <m:sSubPr>
                           <m:ctrlPr>
-                            <a:rPr lang="en-PH" b="0" i="1" dirty="0" smtClean="0">
+                            <a:rPr lang="en-PH" sz="2000" b="0" i="1" dirty="0" smtClean="0">
                               <a:latin typeface="Cambria Math" panose="02040503050406030204" pitchFamily="18" charset="0"/>
                             </a:rPr>
                           </m:ctrlPr>
                         </m:sSubPr>
                         <m:e>
                           <m:r>
-                            <a:rPr lang="en-PH" b="0" i="1" dirty="0" smtClean="0">
+                            <a:rPr lang="en-PH" sz="2000" b="0" i="1" dirty="0" smtClean="0">
                               <a:latin typeface="Cambria Math" panose="02040503050406030204" pitchFamily="18" charset="0"/>
                             </a:rPr>
                             <m:t>𝑐</m:t>
@@ -15942,55 +16020,55 @@
                         </m:e>
                         <m:sub>
                           <m:r>
-                            <a:rPr lang="en-PH" b="0" i="1" dirty="0" smtClean="0">
+                            <a:rPr lang="en-PH" sz="2000" b="0" i="1" dirty="0" smtClean="0">
                               <a:latin typeface="Cambria Math" panose="02040503050406030204" pitchFamily="18" charset="0"/>
                             </a:rPr>
                             <m:t>𝑖</m:t>
                           </m:r>
                           <m:r>
-                            <a:rPr lang="en-PH" b="0" i="1" dirty="0" smtClean="0">
+                            <a:rPr lang="en-PH" sz="2000" b="0" i="1" dirty="0" smtClean="0">
                               <a:latin typeface="Cambria Math" panose="02040503050406030204" pitchFamily="18" charset="0"/>
                             </a:rPr>
                             <m:t>+</m:t>
                           </m:r>
                           <m:r>
-                            <a:rPr lang="en-PH" b="0" i="1" dirty="0" smtClean="0">
+                            <a:rPr lang="en-PH" sz="2000" b="0" i="1" dirty="0" smtClean="0">
                               <a:latin typeface="Cambria Math" panose="02040503050406030204" pitchFamily="18" charset="0"/>
                             </a:rPr>
                             <m:t>𝛿</m:t>
                           </m:r>
                           <m:r>
-                            <a:rPr lang="en-PH" b="0" i="1" dirty="0" smtClean="0">
+                            <a:rPr lang="en-PH" sz="2000" b="0" i="1" dirty="0" smtClean="0">
                               <a:latin typeface="Cambria Math" panose="02040503050406030204" pitchFamily="18" charset="0"/>
                             </a:rPr>
                             <m:t>𝑖</m:t>
                           </m:r>
                           <m:r>
-                            <a:rPr lang="en-PH" b="0" i="1" dirty="0" smtClean="0">
+                            <a:rPr lang="en-PH" sz="2000" b="0" i="1" dirty="0" smtClean="0">
                               <a:latin typeface="Cambria Math" panose="02040503050406030204" pitchFamily="18" charset="0"/>
                             </a:rPr>
                             <m:t>,</m:t>
                           </m:r>
                           <m:r>
-                            <a:rPr lang="en-PH" b="0" i="1" dirty="0" smtClean="0">
+                            <a:rPr lang="en-PH" sz="2000" b="0" i="1" dirty="0" smtClean="0">
                               <a:latin typeface="Cambria Math" panose="02040503050406030204" pitchFamily="18" charset="0"/>
                             </a:rPr>
                             <m:t>𝑗</m:t>
                           </m:r>
                           <m:r>
-                            <a:rPr lang="en-PH" b="0" i="1" dirty="0" smtClean="0">
+                            <a:rPr lang="en-PH" sz="2000" b="0" i="1" dirty="0" smtClean="0">
                               <a:latin typeface="Cambria Math" panose="02040503050406030204" pitchFamily="18" charset="0"/>
                             </a:rPr>
                             <m:t>+</m:t>
                           </m:r>
                           <m:r>
-                            <a:rPr lang="en-PH" b="0" i="1" dirty="0" smtClean="0">
+                            <a:rPr lang="en-PH" sz="2000" b="0" i="1" dirty="0" smtClean="0">
                               <a:latin typeface="Cambria Math" panose="02040503050406030204" pitchFamily="18" charset="0"/>
                             </a:rPr>
                             <m:t>𝛿</m:t>
                           </m:r>
                           <m:r>
-                            <a:rPr lang="en-PH" b="0" i="1" dirty="0" smtClean="0">
+                            <a:rPr lang="en-PH" sz="2000" b="0" i="1" dirty="0" smtClean="0">
                               <a:latin typeface="Cambria Math" panose="02040503050406030204" pitchFamily="18" charset="0"/>
                             </a:rPr>
                             <m:t>𝑗</m:t>
@@ -15998,7 +16076,7 @@
                         </m:sub>
                       </m:sSub>
                       <m:r>
-                        <a:rPr lang="en-PH" b="0" i="1" dirty="0" smtClean="0">
+                        <a:rPr lang="en-PH" sz="2000" b="0" i="1" dirty="0" smtClean="0">
                           <a:latin typeface="Cambria Math" panose="02040503050406030204" pitchFamily="18" charset="0"/>
                         </a:rPr>
                         <m:t> ∀</m:t>
@@ -16006,39 +16084,39 @@
                       <m:d>
                         <m:dPr>
                           <m:ctrlPr>
-                            <a:rPr lang="en-PH" b="0" i="1" dirty="0" smtClean="0">
+                            <a:rPr lang="en-PH" sz="2000" b="0" i="1" dirty="0" smtClean="0">
                               <a:latin typeface="Cambria Math" panose="02040503050406030204" pitchFamily="18" charset="0"/>
                             </a:rPr>
                           </m:ctrlPr>
                         </m:dPr>
                         <m:e>
                           <m:r>
-                            <a:rPr lang="en-PH" b="0" i="1" dirty="0" smtClean="0">
+                            <a:rPr lang="en-PH" sz="2000" b="0" i="1" dirty="0" smtClean="0">
                               <a:latin typeface="Cambria Math" panose="02040503050406030204" pitchFamily="18" charset="0"/>
                             </a:rPr>
                             <m:t>𝛿</m:t>
                           </m:r>
                           <m:r>
-                            <a:rPr lang="en-PH" b="0" i="1" dirty="0" smtClean="0">
+                            <a:rPr lang="en-PH" sz="2000" b="0" i="1" dirty="0" smtClean="0">
                               <a:latin typeface="Cambria Math" panose="02040503050406030204" pitchFamily="18" charset="0"/>
                             </a:rPr>
                             <m:t>𝑖</m:t>
                           </m:r>
                           <m:r>
-                            <a:rPr lang="en-PH" b="0" i="1" dirty="0" smtClean="0">
+                            <a:rPr lang="en-PH" sz="2000" b="0" i="1" dirty="0" smtClean="0">
                               <a:latin typeface="Cambria Math" panose="02040503050406030204" pitchFamily="18" charset="0"/>
                               <a:ea typeface="Cambria Math" panose="02040503050406030204" pitchFamily="18" charset="0"/>
                             </a:rPr>
                             <m:t>∧</m:t>
                           </m:r>
                           <m:r>
-                            <a:rPr lang="en-PH" b="0" i="1" dirty="0" smtClean="0">
+                            <a:rPr lang="en-PH" sz="2000" b="0" i="1" dirty="0" smtClean="0">
                               <a:latin typeface="Cambria Math" panose="02040503050406030204" pitchFamily="18" charset="0"/>
                             </a:rPr>
                             <m:t>𝛿</m:t>
                           </m:r>
                           <m:r>
-                            <a:rPr lang="en-PH" b="0" i="1" dirty="0" smtClean="0">
+                            <a:rPr lang="en-PH" sz="2000" b="0" i="1" dirty="0" smtClean="0">
                               <a:latin typeface="Cambria Math" panose="02040503050406030204" pitchFamily="18" charset="0"/>
                             </a:rPr>
                             <m:t>𝑗</m:t>
@@ -16046,43 +16124,43 @@
                         </m:e>
                       </m:d>
                       <m:r>
-                        <a:rPr lang="en-PH" b="0" i="1" dirty="0" smtClean="0">
+                        <a:rPr lang="en-PH" sz="2000" b="0" i="1" dirty="0" smtClean="0">
                           <a:latin typeface="Cambria Math" panose="02040503050406030204" pitchFamily="18" charset="0"/>
                         </a:rPr>
                         <m:t>, </m:t>
                       </m:r>
                       <m:r>
-                        <a:rPr lang="en-PH" b="0" i="1" dirty="0" smtClean="0">
+                        <a:rPr lang="en-PH" sz="2000" b="0" i="1" dirty="0" smtClean="0">
                           <a:latin typeface="Cambria Math" panose="02040503050406030204" pitchFamily="18" charset="0"/>
                         </a:rPr>
                         <m:t>𝛿</m:t>
                       </m:r>
                       <m:r>
-                        <a:rPr lang="en-PH" b="0" i="1" dirty="0" smtClean="0">
+                        <a:rPr lang="en-PH" sz="2000" b="0" i="1" dirty="0" smtClean="0">
                           <a:latin typeface="Cambria Math" panose="02040503050406030204" pitchFamily="18" charset="0"/>
                         </a:rPr>
                         <m:t>𝑖</m:t>
                       </m:r>
                       <m:r>
-                        <a:rPr lang="en-PH" b="0" i="1" dirty="0" smtClean="0">
+                        <a:rPr lang="en-PH" sz="2000" b="0" i="1" dirty="0" smtClean="0">
                           <a:latin typeface="Cambria Math" panose="02040503050406030204" pitchFamily="18" charset="0"/>
                         </a:rPr>
                         <m:t>, </m:t>
                       </m:r>
                       <m:r>
-                        <a:rPr lang="en-PH" b="0" i="1" dirty="0" smtClean="0">
+                        <a:rPr lang="en-PH" sz="2000" b="0" i="1" dirty="0" smtClean="0">
                           <a:latin typeface="Cambria Math" panose="02040503050406030204" pitchFamily="18" charset="0"/>
                         </a:rPr>
                         <m:t>𝛿</m:t>
                       </m:r>
                       <m:r>
-                        <a:rPr lang="en-PH" b="0" i="1" dirty="0" smtClean="0">
+                        <a:rPr lang="en-PH" sz="2000" b="0" i="1" dirty="0" smtClean="0">
                           <a:latin typeface="Cambria Math" panose="02040503050406030204" pitchFamily="18" charset="0"/>
                         </a:rPr>
                         <m:t>𝑗</m:t>
                       </m:r>
                       <m:r>
-                        <a:rPr lang="en-PH" b="0" i="1" dirty="0" smtClean="0">
+                        <a:rPr lang="en-PH" sz="2000" b="0" i="1" dirty="0" smtClean="0">
                           <a:latin typeface="Cambria Math" panose="02040503050406030204" pitchFamily="18" charset="0"/>
                         </a:rPr>
                         <m:t>∈{−1,0,1}} </m:t>
@@ -16090,12 +16168,12 @@
                     </m:oMath>
                   </m:oMathPara>
                 </a14:m>
-                <a:endParaRPr lang="en-PH" dirty="0"/>
+                <a:endParaRPr lang="en-PH" sz="2000" dirty="0"/>
               </a:p>
             </p:txBody>
           </p:sp>
         </mc:Choice>
-        <mc:Fallback xmlns="">
+        <mc:Fallback>
           <p:sp>
             <p:nvSpPr>
               <p:cNvPr id="28" name="Flowchart: Process 27">
@@ -16124,6 +16202,7 @@
                   <a:fillRect/>
                 </a:stretch>
               </a:blipFill>
+              <a:ln w="38100"/>
             </p:spPr>
             <p:txBody>
               <a:bodyPr/>
@@ -16140,8 +16219,8 @@
           </p:sp>
         </mc:Fallback>
       </mc:AlternateContent>
-      <mc:AlternateContent xmlns:mc="http://schemas.openxmlformats.org/markup-compatibility/2006" xmlns:a14="http://schemas.microsoft.com/office/drawing/2010/main">
-        <mc:Choice Requires="a14">
+      <mc:AlternateContent xmlns:mc="http://schemas.openxmlformats.org/markup-compatibility/2006">
+        <mc:Choice xmlns:a14="http://schemas.microsoft.com/office/drawing/2010/main" Requires="a14">
           <p:sp>
             <p:nvSpPr>
               <p:cNvPr id="29" name="Flowchart: Process 28">
@@ -16156,7 +16235,7 @@
             </p:nvSpPr>
             <p:spPr>
               <a:xfrm>
-                <a:off x="8534370" y="2363117"/>
+                <a:off x="8534370" y="2078929"/>
                 <a:ext cx="5099902" cy="1263193"/>
               </a:xfrm>
               <a:prstGeom prst="flowChartProcess">
@@ -16165,6 +16244,7 @@
               <a:solidFill>
                 <a:schemeClr val="bg1"/>
               </a:solidFill>
+              <a:ln w="38100"/>
             </p:spPr>
             <p:style>
               <a:lnRef idx="2">
@@ -16186,7 +16266,7 @@
               <a:p>
                 <a:pPr algn="ctr"/>
                 <a:r>
-                  <a:rPr lang="en-PH" dirty="0"/>
+                  <a:rPr lang="en-PH" sz="2800" dirty="0"/>
                   <a:t>Obtain probability to learn </a:t>
                 </a:r>
               </a:p>
@@ -16201,14 +16281,14 @@
                       <m:sSub>
                         <m:sSubPr>
                           <m:ctrlPr>
-                            <a:rPr lang="en-PH" b="0" i="1" smtClean="0">
+                            <a:rPr lang="en-PH" sz="2000" b="0" i="1" smtClean="0">
                               <a:latin typeface="Cambria Math" panose="02040503050406030204" pitchFamily="18" charset="0"/>
                             </a:rPr>
                           </m:ctrlPr>
                         </m:sSubPr>
                         <m:e>
                           <m:r>
-                            <a:rPr lang="en-PH" b="0" i="1" smtClean="0">
+                            <a:rPr lang="en-PH" sz="2000" b="0" i="1" smtClean="0">
                               <a:latin typeface="Cambria Math" panose="02040503050406030204" pitchFamily="18" charset="0"/>
                             </a:rPr>
                             <m:t>𝑃</m:t>
@@ -16216,19 +16296,19 @@
                         </m:e>
                         <m:sub>
                           <m:r>
-                            <a:rPr lang="en-PH" b="0" i="1" smtClean="0">
+                            <a:rPr lang="en-PH" sz="2000" b="0" i="1" smtClean="0">
                               <a:latin typeface="Cambria Math" panose="02040503050406030204" pitchFamily="18" charset="0"/>
                             </a:rPr>
                             <m:t>𝑖</m:t>
                           </m:r>
                           <m:r>
-                            <a:rPr lang="en-PH" b="0" i="1" smtClean="0">
+                            <a:rPr lang="en-PH" sz="2000" b="0" i="1" smtClean="0">
                               <a:latin typeface="Cambria Math" panose="02040503050406030204" pitchFamily="18" charset="0"/>
                             </a:rPr>
                             <m:t>,</m:t>
                           </m:r>
                           <m:r>
-                            <a:rPr lang="en-PH" b="0" i="1" smtClean="0">
+                            <a:rPr lang="en-PH" sz="2000" b="0" i="1" smtClean="0">
                               <a:latin typeface="Cambria Math" panose="02040503050406030204" pitchFamily="18" charset="0"/>
                             </a:rPr>
                             <m:t>𝑗</m:t>
@@ -16236,7 +16316,7 @@
                         </m:sub>
                       </m:sSub>
                       <m:r>
-                        <a:rPr lang="en-PH" b="0" i="1" smtClean="0">
+                        <a:rPr lang="en-PH" sz="2000" b="0" i="1" smtClean="0">
                           <a:latin typeface="Cambria Math" panose="02040503050406030204" pitchFamily="18" charset="0"/>
                         </a:rPr>
                         <m:t>=1 − </m:t>
@@ -16246,44 +16326,44 @@
                           <m:chr m:val="∏"/>
                           <m:supHide m:val="on"/>
                           <m:ctrlPr>
-                            <a:rPr lang="en-PH" b="0" i="1" smtClean="0">
+                            <a:rPr lang="en-PH" sz="2000" b="0" i="1" smtClean="0">
                               <a:latin typeface="Cambria Math" panose="02040503050406030204" pitchFamily="18" charset="0"/>
                             </a:rPr>
                           </m:ctrlPr>
                         </m:naryPr>
                         <m:sub>
                           <m:r>
-                            <a:rPr lang="en-PH" b="0" i="1" smtClean="0">
+                            <a:rPr lang="en-PH" sz="2000" b="0" i="1" smtClean="0">
                               <a:latin typeface="Cambria Math" panose="02040503050406030204" pitchFamily="18" charset="0"/>
                             </a:rPr>
                             <m:t>∀</m:t>
                           </m:r>
                           <m:r>
-                            <a:rPr lang="en-PH" b="0" i="1" smtClean="0">
+                            <a:rPr lang="en-PH" sz="2000" b="0" i="1" smtClean="0">
                               <a:latin typeface="Cambria Math" panose="02040503050406030204" pitchFamily="18" charset="0"/>
                             </a:rPr>
                             <m:t>𝛿</m:t>
                           </m:r>
                           <m:r>
-                            <a:rPr lang="en-PH" b="0" i="1" smtClean="0">
+                            <a:rPr lang="en-PH" sz="2000" b="0" i="1" smtClean="0">
                               <a:latin typeface="Cambria Math" panose="02040503050406030204" pitchFamily="18" charset="0"/>
                             </a:rPr>
                             <m:t>𝑖</m:t>
                           </m:r>
                           <m:r>
-                            <a:rPr lang="en-PH" b="0" i="1" smtClean="0">
+                            <a:rPr lang="en-PH" sz="2000" b="0" i="1" smtClean="0">
                               <a:latin typeface="Cambria Math" panose="02040503050406030204" pitchFamily="18" charset="0"/>
                             </a:rPr>
                             <m:t>, </m:t>
                           </m:r>
                           <m:r>
-                            <a:rPr lang="en-PH" b="0" i="1" smtClean="0">
+                            <a:rPr lang="en-PH" sz="2000" b="0" i="1" smtClean="0">
                               <a:latin typeface="Cambria Math" panose="02040503050406030204" pitchFamily="18" charset="0"/>
                             </a:rPr>
                             <m:t>𝛿</m:t>
                           </m:r>
                           <m:r>
-                            <a:rPr lang="en-PH" b="0" i="1" smtClean="0">
+                            <a:rPr lang="en-PH" sz="2000" b="0" i="1" smtClean="0">
                               <a:latin typeface="Cambria Math" panose="02040503050406030204" pitchFamily="18" charset="0"/>
                             </a:rPr>
                             <m:t>𝑗</m:t>
@@ -16292,7 +16372,7 @@
                         <m:sup/>
                         <m:e>
                           <m:r>
-                            <a:rPr lang="en-PH" b="0" i="1" smtClean="0">
+                            <a:rPr lang="en-PH" sz="2000" b="0" i="1" smtClean="0">
                               <a:latin typeface="Cambria Math" panose="02040503050406030204" pitchFamily="18" charset="0"/>
                             </a:rPr>
                             <m:t>[1−(</m:t>
@@ -16300,14 +16380,14 @@
                           <m:sSub>
                             <m:sSubPr>
                               <m:ctrlPr>
-                                <a:rPr lang="en-PH" b="0" i="1" smtClean="0">
+                                <a:rPr lang="en-PH" sz="2000" b="0" i="1" smtClean="0">
                                   <a:latin typeface="Cambria Math" panose="02040503050406030204" pitchFamily="18" charset="0"/>
                                 </a:rPr>
                               </m:ctrlPr>
                             </m:sSubPr>
                             <m:e>
                               <m:r>
-                                <a:rPr lang="en-PH" b="0" i="1" smtClean="0">
+                                <a:rPr lang="en-PH" sz="2000" b="0" i="1" smtClean="0">
                                   <a:latin typeface="Cambria Math" panose="02040503050406030204" pitchFamily="18" charset="0"/>
                                 </a:rPr>
                                 <m:t>𝜆</m:t>
@@ -16315,19 +16395,19 @@
                             </m:e>
                             <m:sub>
                               <m:r>
-                                <a:rPr lang="en-PH" b="0" i="1" smtClean="0">
+                                <a:rPr lang="en-PH" sz="2000" b="0" i="1" smtClean="0">
                                   <a:latin typeface="Cambria Math" panose="02040503050406030204" pitchFamily="18" charset="0"/>
                                 </a:rPr>
                                 <m:t>𝑖</m:t>
                               </m:r>
                               <m:r>
-                                <a:rPr lang="en-PH" b="0" i="1" smtClean="0">
+                                <a:rPr lang="en-PH" sz="2000" b="0" i="1" smtClean="0">
                                   <a:latin typeface="Cambria Math" panose="02040503050406030204" pitchFamily="18" charset="0"/>
                                 </a:rPr>
                                 <m:t>,</m:t>
                               </m:r>
                               <m:r>
-                                <a:rPr lang="en-PH" b="0" i="1" smtClean="0">
+                                <a:rPr lang="en-PH" sz="2000" b="0" i="1" smtClean="0">
                                   <a:latin typeface="Cambria Math" panose="02040503050406030204" pitchFamily="18" charset="0"/>
                                 </a:rPr>
                                 <m:t>𝑗</m:t>
@@ -16335,7 +16415,7 @@
                             </m:sub>
                           </m:sSub>
                           <m:r>
-                            <a:rPr lang="en-PH" b="0" i="1" smtClean="0">
+                            <a:rPr lang="en-PH" sz="2000" b="0" i="1" smtClean="0">
                               <a:latin typeface="Cambria Math" panose="02040503050406030204" pitchFamily="18" charset="0"/>
                             </a:rPr>
                             <m:t>)(</m:t>
@@ -16343,14 +16423,14 @@
                           <m:sSub>
                             <m:sSubPr>
                               <m:ctrlPr>
-                                <a:rPr lang="en-PH" b="0" i="1" smtClean="0">
+                                <a:rPr lang="en-PH" sz="2000" b="0" i="1" smtClean="0">
                                   <a:latin typeface="Cambria Math" panose="02040503050406030204" pitchFamily="18" charset="0"/>
                                 </a:rPr>
                               </m:ctrlPr>
                             </m:sSubPr>
                             <m:e>
                               <m:r>
-                                <a:rPr lang="en-PH" b="0" i="1" smtClean="0">
+                                <a:rPr lang="en-PH" sz="2000" b="0" i="1" smtClean="0">
                                   <a:latin typeface="Cambria Math" panose="02040503050406030204" pitchFamily="18" charset="0"/>
                                 </a:rPr>
                                 <m:t>𝜌</m:t>
@@ -16358,31 +16438,31 @@
                             </m:e>
                             <m:sub>
                               <m:r>
-                                <a:rPr lang="en-PH" b="0" i="1" smtClean="0">
+                                <a:rPr lang="en-PH" sz="2000" b="0" i="1" smtClean="0">
                                   <a:latin typeface="Cambria Math" panose="02040503050406030204" pitchFamily="18" charset="0"/>
                                 </a:rPr>
                                 <m:t>𝛿</m:t>
                               </m:r>
                               <m:r>
-                                <a:rPr lang="en-PH" b="0" i="1" smtClean="0">
+                                <a:rPr lang="en-PH" sz="2000" b="0" i="1" smtClean="0">
                                   <a:latin typeface="Cambria Math" panose="02040503050406030204" pitchFamily="18" charset="0"/>
                                 </a:rPr>
                                 <m:t>𝑖</m:t>
                               </m:r>
                               <m:r>
-                                <a:rPr lang="en-PH" b="0" i="1" smtClean="0">
+                                <a:rPr lang="en-PH" sz="2000" b="0" i="1" smtClean="0">
                                   <a:latin typeface="Cambria Math" panose="02040503050406030204" pitchFamily="18" charset="0"/>
                                 </a:rPr>
                                 <m:t>, </m:t>
                               </m:r>
                               <m:r>
-                                <a:rPr lang="en-PH" b="0" i="1" smtClean="0">
+                                <a:rPr lang="en-PH" sz="2000" b="0" i="1" smtClean="0">
                                   <a:latin typeface="Cambria Math" panose="02040503050406030204" pitchFamily="18" charset="0"/>
                                 </a:rPr>
                                 <m:t>𝛿</m:t>
                               </m:r>
                               <m:r>
-                                <a:rPr lang="en-PH" b="0" i="1" smtClean="0">
+                                <a:rPr lang="en-PH" sz="2000" b="0" i="1" smtClean="0">
                                   <a:latin typeface="Cambria Math" panose="02040503050406030204" pitchFamily="18" charset="0"/>
                                 </a:rPr>
                                 <m:t>𝑗</m:t>
@@ -16390,7 +16470,7 @@
                             </m:sub>
                           </m:sSub>
                           <m:r>
-                            <a:rPr lang="en-PH" b="0" i="1" smtClean="0">
+                            <a:rPr lang="en-PH" sz="2000" b="0" i="1" smtClean="0">
                               <a:latin typeface="Cambria Math" panose="02040503050406030204" pitchFamily="18" charset="0"/>
                             </a:rPr>
                             <m:t>)(</m:t>
@@ -16398,14 +16478,14 @@
                           <m:sSub>
                             <m:sSubPr>
                               <m:ctrlPr>
-                                <a:rPr lang="en-PH" b="0" i="1" smtClean="0">
+                                <a:rPr lang="en-PH" sz="2000" b="0" i="1" smtClean="0">
                                   <a:latin typeface="Cambria Math" panose="02040503050406030204" pitchFamily="18" charset="0"/>
                                 </a:rPr>
                               </m:ctrlPr>
                             </m:sSubPr>
                             <m:e>
                               <m:r>
-                                <a:rPr lang="en-PH" b="0" i="1" smtClean="0">
+                                <a:rPr lang="en-PH" sz="2000" b="0" i="1" smtClean="0">
                                   <a:latin typeface="Cambria Math" panose="02040503050406030204" pitchFamily="18" charset="0"/>
                                 </a:rPr>
                                 <m:t>𝑠</m:t>
@@ -16413,55 +16493,55 @@
                             </m:e>
                             <m:sub>
                               <m:r>
-                                <a:rPr lang="en-PH" b="0" i="1" smtClean="0">
+                                <a:rPr lang="en-PH" sz="2000" b="0" i="1" smtClean="0">
                                   <a:latin typeface="Cambria Math" panose="02040503050406030204" pitchFamily="18" charset="0"/>
                                 </a:rPr>
                                 <m:t>𝑖</m:t>
                               </m:r>
                               <m:r>
-                                <a:rPr lang="en-PH" b="0" i="1" smtClean="0">
+                                <a:rPr lang="en-PH" sz="2000" b="0" i="1" smtClean="0">
                                   <a:latin typeface="Cambria Math" panose="02040503050406030204" pitchFamily="18" charset="0"/>
                                 </a:rPr>
                                 <m:t>+</m:t>
                               </m:r>
                               <m:r>
-                                <a:rPr lang="en-PH" b="0" i="1" smtClean="0">
+                                <a:rPr lang="en-PH" sz="2000" b="0" i="1" smtClean="0">
                                   <a:latin typeface="Cambria Math" panose="02040503050406030204" pitchFamily="18" charset="0"/>
                                 </a:rPr>
                                 <m:t>𝛿</m:t>
                               </m:r>
                               <m:r>
-                                <a:rPr lang="en-PH" b="0" i="1" smtClean="0">
+                                <a:rPr lang="en-PH" sz="2000" b="0" i="1" smtClean="0">
                                   <a:latin typeface="Cambria Math" panose="02040503050406030204" pitchFamily="18" charset="0"/>
                                 </a:rPr>
                                 <m:t>𝑖</m:t>
                               </m:r>
                               <m:r>
-                                <a:rPr lang="en-PH" b="0" i="1" smtClean="0">
+                                <a:rPr lang="en-PH" sz="2000" b="0" i="1" smtClean="0">
                                   <a:latin typeface="Cambria Math" panose="02040503050406030204" pitchFamily="18" charset="0"/>
                                 </a:rPr>
                                 <m:t>, </m:t>
                               </m:r>
                               <m:r>
-                                <a:rPr lang="en-PH" b="0" i="1" smtClean="0">
+                                <a:rPr lang="en-PH" sz="2000" b="0" i="1" smtClean="0">
                                   <a:latin typeface="Cambria Math" panose="02040503050406030204" pitchFamily="18" charset="0"/>
                                 </a:rPr>
                                 <m:t>𝑗</m:t>
                               </m:r>
                               <m:r>
-                                <a:rPr lang="en-PH" b="0" i="1" smtClean="0">
+                                <a:rPr lang="en-PH" sz="2000" b="0" i="1" smtClean="0">
                                   <a:latin typeface="Cambria Math" panose="02040503050406030204" pitchFamily="18" charset="0"/>
                                 </a:rPr>
                                 <m:t>+</m:t>
                               </m:r>
                               <m:r>
-                                <a:rPr lang="en-PH" b="0" i="1" smtClean="0">
+                                <a:rPr lang="en-PH" sz="2000" b="0" i="1" smtClean="0">
                                   <a:latin typeface="Cambria Math" panose="02040503050406030204" pitchFamily="18" charset="0"/>
                                 </a:rPr>
                                 <m:t>𝛿</m:t>
                               </m:r>
                               <m:r>
-                                <a:rPr lang="en-PH" b="0" i="1" smtClean="0">
+                                <a:rPr lang="en-PH" sz="2000" b="0" i="1" smtClean="0">
                                   <a:latin typeface="Cambria Math" panose="02040503050406030204" pitchFamily="18" charset="0"/>
                                 </a:rPr>
                                 <m:t>𝑗</m:t>
@@ -16469,7 +16549,7 @@
                             </m:sub>
                           </m:sSub>
                           <m:r>
-                            <a:rPr lang="en-PH" b="0" i="1" smtClean="0">
+                            <a:rPr lang="en-PH" sz="2000" b="0" i="1" smtClean="0">
                               <a:latin typeface="Cambria Math" panose="02040503050406030204" pitchFamily="18" charset="0"/>
                             </a:rPr>
                             <m:t>)</m:t>
@@ -16484,7 +16564,7 @@
             </p:txBody>
           </p:sp>
         </mc:Choice>
-        <mc:Fallback xmlns="">
+        <mc:Fallback>
           <p:sp>
             <p:nvSpPr>
               <p:cNvPr id="29" name="Flowchart: Process 28">
@@ -16501,7 +16581,7 @@
             </p:nvSpPr>
             <p:spPr>
               <a:xfrm>
-                <a:off x="8534370" y="2363117"/>
+                <a:off x="8534370" y="2078929"/>
                 <a:ext cx="5099902" cy="1263193"/>
               </a:xfrm>
               <a:prstGeom prst="flowChartProcess">
@@ -16510,9 +16590,10 @@
               <a:blipFill>
                 <a:blip r:embed="rId10"/>
                 <a:stretch>
-                  <a:fillRect/>
+                  <a:fillRect t="-4695"/>
                 </a:stretch>
               </a:blipFill>
+              <a:ln w="38100"/>
             </p:spPr>
             <p:txBody>
               <a:bodyPr/>
@@ -16539,6 +16620,7 @@
             </a:extLst>
           </p:cNvPr>
           <p:cNvCxnSpPr>
+            <a:cxnSpLocks/>
             <a:stCxn id="28" idx="2"/>
             <a:endCxn id="29" idx="0"/>
           </p:cNvCxnSpPr>
@@ -16547,12 +16629,12 @@
         <p:spPr>
           <a:xfrm>
             <a:off x="11084321" y="1644328"/>
-            <a:ext cx="0" cy="718789"/>
+            <a:ext cx="0" cy="434601"/>
           </a:xfrm>
           <a:prstGeom prst="straightConnector1">
             <a:avLst/>
           </a:prstGeom>
-          <a:ln>
+          <a:ln w="38100">
             <a:tailEnd type="triangle"/>
           </a:ln>
         </p:spPr>
@@ -16589,13 +16671,13 @@
         </p:nvCxnSpPr>
         <p:spPr>
           <a:xfrm>
-            <a:off x="11084321" y="3626310"/>
-            <a:ext cx="7912" cy="414583"/>
+            <a:off x="11084321" y="3342122"/>
+            <a:ext cx="7912" cy="353923"/>
           </a:xfrm>
           <a:prstGeom prst="straightConnector1">
             <a:avLst/>
           </a:prstGeom>
-          <a:ln>
+          <a:ln w="38100">
             <a:tailEnd type="triangle"/>
           </a:ln>
         </p:spPr>

--- a/documents/Figures editing.pptx
+++ b/documents/Figures editing.pptx
@@ -11,7 +11,8 @@
     <p:sldId id="258" r:id="rId5"/>
     <p:sldId id="259" r:id="rId6"/>
     <p:sldId id="260" r:id="rId7"/>
-    <p:sldId id="262" r:id="rId8"/>
+    <p:sldId id="263" r:id="rId8"/>
+    <p:sldId id="262" r:id="rId9"/>
   </p:sldIdLst>
   <p:sldSz cx="12192000" cy="6858000"/>
   <p:notesSz cx="6858000" cy="9144000"/>
@@ -267,7 +268,7 @@
           <a:p>
             <a:fld id="{F6E9F5A1-C99C-41F9-B991-61D99245B2FF}" type="datetimeFigureOut">
               <a:rPr lang="en-PH" smtClean="0"/>
-              <a:t>03/20/2025</a:t>
+              <a:t>04/04/2025</a:t>
             </a:fld>
             <a:endParaRPr lang="en-PH"/>
           </a:p>
@@ -467,7 +468,7 @@
           <a:p>
             <a:fld id="{F6E9F5A1-C99C-41F9-B991-61D99245B2FF}" type="datetimeFigureOut">
               <a:rPr lang="en-PH" smtClean="0"/>
-              <a:t>03/20/2025</a:t>
+              <a:t>04/04/2025</a:t>
             </a:fld>
             <a:endParaRPr lang="en-PH"/>
           </a:p>
@@ -677,7 +678,7 @@
           <a:p>
             <a:fld id="{F6E9F5A1-C99C-41F9-B991-61D99245B2FF}" type="datetimeFigureOut">
               <a:rPr lang="en-PH" smtClean="0"/>
-              <a:t>03/20/2025</a:t>
+              <a:t>04/04/2025</a:t>
             </a:fld>
             <a:endParaRPr lang="en-PH"/>
           </a:p>
@@ -877,7 +878,7 @@
           <a:p>
             <a:fld id="{F6E9F5A1-C99C-41F9-B991-61D99245B2FF}" type="datetimeFigureOut">
               <a:rPr lang="en-PH" smtClean="0"/>
-              <a:t>03/20/2025</a:t>
+              <a:t>04/04/2025</a:t>
             </a:fld>
             <a:endParaRPr lang="en-PH"/>
           </a:p>
@@ -1153,7 +1154,7 @@
           <a:p>
             <a:fld id="{F6E9F5A1-C99C-41F9-B991-61D99245B2FF}" type="datetimeFigureOut">
               <a:rPr lang="en-PH" smtClean="0"/>
-              <a:t>03/20/2025</a:t>
+              <a:t>04/04/2025</a:t>
             </a:fld>
             <a:endParaRPr lang="en-PH"/>
           </a:p>
@@ -1421,7 +1422,7 @@
           <a:p>
             <a:fld id="{F6E9F5A1-C99C-41F9-B991-61D99245B2FF}" type="datetimeFigureOut">
               <a:rPr lang="en-PH" smtClean="0"/>
-              <a:t>03/20/2025</a:t>
+              <a:t>04/04/2025</a:t>
             </a:fld>
             <a:endParaRPr lang="en-PH"/>
           </a:p>
@@ -1836,7 +1837,7 @@
           <a:p>
             <a:fld id="{F6E9F5A1-C99C-41F9-B991-61D99245B2FF}" type="datetimeFigureOut">
               <a:rPr lang="en-PH" smtClean="0"/>
-              <a:t>03/20/2025</a:t>
+              <a:t>04/04/2025</a:t>
             </a:fld>
             <a:endParaRPr lang="en-PH"/>
           </a:p>
@@ -1978,7 +1979,7 @@
           <a:p>
             <a:fld id="{F6E9F5A1-C99C-41F9-B991-61D99245B2FF}" type="datetimeFigureOut">
               <a:rPr lang="en-PH" smtClean="0"/>
-              <a:t>03/20/2025</a:t>
+              <a:t>04/04/2025</a:t>
             </a:fld>
             <a:endParaRPr lang="en-PH"/>
           </a:p>
@@ -2091,7 +2092,7 @@
           <a:p>
             <a:fld id="{F6E9F5A1-C99C-41F9-B991-61D99245B2FF}" type="datetimeFigureOut">
               <a:rPr lang="en-PH" smtClean="0"/>
-              <a:t>03/20/2025</a:t>
+              <a:t>04/04/2025</a:t>
             </a:fld>
             <a:endParaRPr lang="en-PH"/>
           </a:p>
@@ -2404,7 +2405,7 @@
           <a:p>
             <a:fld id="{F6E9F5A1-C99C-41F9-B991-61D99245B2FF}" type="datetimeFigureOut">
               <a:rPr lang="en-PH" smtClean="0"/>
-              <a:t>03/20/2025</a:t>
+              <a:t>04/04/2025</a:t>
             </a:fld>
             <a:endParaRPr lang="en-PH"/>
           </a:p>
@@ -2693,7 +2694,7 @@
           <a:p>
             <a:fld id="{F6E9F5A1-C99C-41F9-B991-61D99245B2FF}" type="datetimeFigureOut">
               <a:rPr lang="en-PH" smtClean="0"/>
-              <a:t>03/20/2025</a:t>
+              <a:t>04/04/2025</a:t>
             </a:fld>
             <a:endParaRPr lang="en-PH"/>
           </a:p>
@@ -2936,7 +2937,7 @@
           <a:p>
             <a:fld id="{F6E9F5A1-C99C-41F9-B991-61D99245B2FF}" type="datetimeFigureOut">
               <a:rPr lang="en-PH" smtClean="0"/>
-              <a:t>03/20/2025</a:t>
+              <a:t>04/04/2025</a:t>
             </a:fld>
             <a:endParaRPr lang="en-PH"/>
           </a:p>
@@ -11053,8 +11054,8 @@
           </a:p>
         </p:txBody>
       </p:sp>
-      <mc:AlternateContent xmlns:mc="http://schemas.openxmlformats.org/markup-compatibility/2006">
-        <mc:Choice xmlns:a14="http://schemas.microsoft.com/office/drawing/2010/main" Requires="a14">
+      <mc:AlternateContent xmlns:mc="http://schemas.openxmlformats.org/markup-compatibility/2006" xmlns:a14="http://schemas.microsoft.com/office/drawing/2010/main">
+        <mc:Choice Requires="a14">
           <p:sp>
             <p:nvSpPr>
               <p:cNvPr id="2" name="Flowchart: Process 1">
@@ -11143,7 +11144,7 @@
             </p:txBody>
           </p:sp>
         </mc:Choice>
-        <mc:Fallback>
+        <mc:Fallback xmlns="">
           <p:sp>
             <p:nvSpPr>
               <p:cNvPr id="2" name="Flowchart: Process 1">
@@ -11232,8 +11233,8 @@
           </a:fontRef>
         </p:style>
       </p:cxnSp>
-      <mc:AlternateContent xmlns:mc="http://schemas.openxmlformats.org/markup-compatibility/2006">
-        <mc:Choice xmlns:a14="http://schemas.microsoft.com/office/drawing/2010/main" Requires="a14">
+      <mc:AlternateContent xmlns:mc="http://schemas.openxmlformats.org/markup-compatibility/2006" xmlns:a14="http://schemas.microsoft.com/office/drawing/2010/main">
+        <mc:Choice Requires="a14">
           <p:sp>
             <p:nvSpPr>
               <p:cNvPr id="4" name="Flowchart: Process 3">
@@ -11325,7 +11326,7 @@
             </p:txBody>
           </p:sp>
         </mc:Choice>
-        <mc:Fallback>
+        <mc:Fallback xmlns="">
           <p:sp>
             <p:nvSpPr>
               <p:cNvPr id="4" name="Flowchart: Process 3">
@@ -11414,8 +11415,8 @@
           </a:fontRef>
         </p:style>
       </p:cxnSp>
-      <mc:AlternateContent xmlns:mc="http://schemas.openxmlformats.org/markup-compatibility/2006">
-        <mc:Choice xmlns:a14="http://schemas.microsoft.com/office/drawing/2010/main" Requires="a14">
+      <mc:AlternateContent xmlns:mc="http://schemas.openxmlformats.org/markup-compatibility/2006" xmlns:a14="http://schemas.microsoft.com/office/drawing/2010/main">
+        <mc:Choice Requires="a14">
           <p:sp>
             <p:nvSpPr>
               <p:cNvPr id="7" name="Flowchart: Process 6">
@@ -11595,7 +11596,7 @@
             </p:txBody>
           </p:sp>
         </mc:Choice>
-        <mc:Fallback>
+        <mc:Fallback xmlns="">
           <p:sp>
             <p:nvSpPr>
               <p:cNvPr id="7" name="Flowchart: Process 6">
@@ -11641,8 +11642,8 @@
           </p:sp>
         </mc:Fallback>
       </mc:AlternateContent>
-      <mc:AlternateContent xmlns:mc="http://schemas.openxmlformats.org/markup-compatibility/2006">
-        <mc:Choice xmlns:a14="http://schemas.microsoft.com/office/drawing/2010/main" Requires="a14">
+      <mc:AlternateContent xmlns:mc="http://schemas.openxmlformats.org/markup-compatibility/2006" xmlns:a14="http://schemas.microsoft.com/office/drawing/2010/main">
+        <mc:Choice Requires="a14">
           <p:sp>
             <p:nvSpPr>
               <p:cNvPr id="9" name="Flowchart: Decision 8">
@@ -11759,7 +11760,7 @@
             </p:txBody>
           </p:sp>
         </mc:Choice>
-        <mc:Fallback>
+        <mc:Fallback xmlns="">
           <p:sp>
             <p:nvSpPr>
               <p:cNvPr id="9" name="Flowchart: Decision 8">
@@ -11805,8 +11806,8 @@
           </p:sp>
         </mc:Fallback>
       </mc:AlternateContent>
-      <mc:AlternateContent xmlns:mc="http://schemas.openxmlformats.org/markup-compatibility/2006">
-        <mc:Choice xmlns:a14="http://schemas.microsoft.com/office/drawing/2010/main" Requires="a14">
+      <mc:AlternateContent xmlns:mc="http://schemas.openxmlformats.org/markup-compatibility/2006" xmlns:a14="http://schemas.microsoft.com/office/drawing/2010/main">
+        <mc:Choice Requires="a14">
           <p:sp>
             <p:nvSpPr>
               <p:cNvPr id="10" name="Flowchart: Decision 9">
@@ -11905,7 +11906,7 @@
             </p:txBody>
           </p:sp>
         </mc:Choice>
-        <mc:Fallback>
+        <mc:Fallback xmlns="">
           <p:sp>
             <p:nvSpPr>
               <p:cNvPr id="10" name="Flowchart: Decision 9">
@@ -11994,8 +11995,8 @@
           </a:fontRef>
         </p:style>
       </p:cxnSp>
-      <mc:AlternateContent xmlns:mc="http://schemas.openxmlformats.org/markup-compatibility/2006">
-        <mc:Choice xmlns:a14="http://schemas.microsoft.com/office/drawing/2010/main" Requires="a14">
+      <mc:AlternateContent xmlns:mc="http://schemas.openxmlformats.org/markup-compatibility/2006" xmlns:a14="http://schemas.microsoft.com/office/drawing/2010/main">
+        <mc:Choice Requires="a14">
           <p:sp>
             <p:nvSpPr>
               <p:cNvPr id="12" name="Flowchart: Process 11">
@@ -12198,7 +12199,7 @@
             </p:txBody>
           </p:sp>
         </mc:Choice>
-        <mc:Fallback>
+        <mc:Fallback xmlns="">
           <p:sp>
             <p:nvSpPr>
               <p:cNvPr id="12" name="Flowchart: Process 11">
@@ -12244,8 +12245,8 @@
           </p:sp>
         </mc:Fallback>
       </mc:AlternateContent>
-      <mc:AlternateContent xmlns:mc="http://schemas.openxmlformats.org/markup-compatibility/2006">
-        <mc:Choice xmlns:a14="http://schemas.microsoft.com/office/drawing/2010/main" Requires="a14">
+      <mc:AlternateContent xmlns:mc="http://schemas.openxmlformats.org/markup-compatibility/2006" xmlns:a14="http://schemas.microsoft.com/office/drawing/2010/main">
+        <mc:Choice Requires="a14">
           <p:sp>
             <p:nvSpPr>
               <p:cNvPr id="13" name="Flowchart: Process 12">
@@ -12448,7 +12449,7 @@
             </p:txBody>
           </p:sp>
         </mc:Choice>
-        <mc:Fallback>
+        <mc:Fallback xmlns="">
           <p:sp>
             <p:nvSpPr>
               <p:cNvPr id="13" name="Flowchart: Process 12">
@@ -12894,8 +12895,8 @@
           </a:p>
         </p:txBody>
       </p:sp>
-      <mc:AlternateContent xmlns:mc="http://schemas.openxmlformats.org/markup-compatibility/2006">
-        <mc:Choice xmlns:a14="http://schemas.microsoft.com/office/drawing/2010/main" Requires="a14">
+      <mc:AlternateContent xmlns:mc="http://schemas.openxmlformats.org/markup-compatibility/2006" xmlns:a14="http://schemas.microsoft.com/office/drawing/2010/main">
+        <mc:Choice Requires="a14">
           <p:sp>
             <p:nvSpPr>
               <p:cNvPr id="34" name="Flowchart: Decision 33">
@@ -12968,7 +12969,7 @@
             </p:txBody>
           </p:sp>
         </mc:Choice>
-        <mc:Fallback>
+        <mc:Fallback xmlns="">
           <p:sp>
             <p:nvSpPr>
               <p:cNvPr id="34" name="Flowchart: Decision 33">
@@ -13592,6 +13593,2524 @@
         <p:cNvPr id="1" name="">
           <a:extLst>
             <a:ext uri="{FF2B5EF4-FFF2-40B4-BE49-F238E27FC236}">
+              <a16:creationId xmlns:a16="http://schemas.microsoft.com/office/drawing/2014/main" id="{B53EF081-6018-AEFD-51B9-0FFE33542042}"/>
+            </a:ext>
+          </a:extLst>
+        </p:cNvPr>
+        <p:cNvGrpSpPr/>
+        <p:nvPr/>
+      </p:nvGrpSpPr>
+      <p:grpSpPr>
+        <a:xfrm>
+          <a:off x="0" y="0"/>
+          <a:ext cx="0" cy="0"/>
+          <a:chOff x="0" y="0"/>
+          <a:chExt cx="0" cy="0"/>
+        </a:xfrm>
+      </p:grpSpPr>
+      <p:sp>
+        <p:nvSpPr>
+          <p:cNvPr id="37" name="Rectangle 36">
+            <a:extLst>
+              <a:ext uri="{FF2B5EF4-FFF2-40B4-BE49-F238E27FC236}">
+                <a16:creationId xmlns:a16="http://schemas.microsoft.com/office/drawing/2014/main" id="{6764DFD1-9A17-0D72-CE16-83DBC8F2FB78}"/>
+              </a:ext>
+            </a:extLst>
+          </p:cNvPr>
+          <p:cNvSpPr/>
+          <p:nvPr/>
+        </p:nvSpPr>
+        <p:spPr>
+          <a:xfrm>
+            <a:off x="607448" y="-793258"/>
+            <a:ext cx="11888655" cy="8444516"/>
+          </a:xfrm>
+          <a:prstGeom prst="rect">
+            <a:avLst/>
+          </a:prstGeom>
+          <a:solidFill>
+            <a:srgbClr val="0173B2">
+              <a:alpha val="10196"/>
+            </a:srgbClr>
+          </a:solidFill>
+          <a:ln w="57150"/>
+        </p:spPr>
+        <p:style>
+          <a:lnRef idx="2">
+            <a:schemeClr val="accent1">
+              <a:shade val="15000"/>
+            </a:schemeClr>
+          </a:lnRef>
+          <a:fillRef idx="1">
+            <a:schemeClr val="accent1"/>
+          </a:fillRef>
+          <a:effectRef idx="0">
+            <a:schemeClr val="accent1"/>
+          </a:effectRef>
+          <a:fontRef idx="minor">
+            <a:schemeClr val="lt1"/>
+          </a:fontRef>
+        </p:style>
+        <p:txBody>
+          <a:bodyPr rtlCol="0" anchor="ctr"/>
+          <a:lstStyle/>
+          <a:p>
+            <a:pPr algn="ctr"/>
+            <a:endParaRPr lang="en-PH"/>
+          </a:p>
+        </p:txBody>
+      </p:sp>
+      <mc:AlternateContent xmlns:mc="http://schemas.openxmlformats.org/markup-compatibility/2006">
+        <mc:Choice xmlns:a14="http://schemas.microsoft.com/office/drawing/2010/main" Requires="a14">
+          <p:sp>
+            <p:nvSpPr>
+              <p:cNvPr id="2" name="Flowchart: Process 1">
+                <a:extLst>
+                  <a:ext uri="{FF2B5EF4-FFF2-40B4-BE49-F238E27FC236}">
+                    <a16:creationId xmlns:a16="http://schemas.microsoft.com/office/drawing/2014/main" id="{7169FEF7-492C-826F-2190-1112FFDDCFD7}"/>
+                  </a:ext>
+                </a:extLst>
+              </p:cNvPr>
+              <p:cNvSpPr/>
+              <p:nvPr/>
+            </p:nvSpPr>
+            <p:spPr>
+              <a:xfrm>
+                <a:off x="-4547382" y="48182"/>
+                <a:ext cx="2577415" cy="1930140"/>
+              </a:xfrm>
+              <a:prstGeom prst="flowChartProcess">
+                <a:avLst/>
+              </a:prstGeom>
+              <a:ln w="57150"/>
+            </p:spPr>
+            <p:style>
+              <a:lnRef idx="2">
+                <a:schemeClr val="dk1"/>
+              </a:lnRef>
+              <a:fillRef idx="1">
+                <a:schemeClr val="lt1"/>
+              </a:fillRef>
+              <a:effectRef idx="0">
+                <a:schemeClr val="dk1"/>
+              </a:effectRef>
+              <a:fontRef idx="minor">
+                <a:schemeClr val="dk1"/>
+              </a:fontRef>
+            </p:style>
+            <p:txBody>
+              <a:bodyPr rtlCol="0" anchor="ctr"/>
+              <a:lstStyle/>
+              <a:p>
+                <a:pPr algn="ctr"/>
+                <a:r>
+                  <a:rPr lang="en-PH" sz="2800" dirty="0"/>
+                  <a:t>Initialize classroom with </a:t>
+                </a:r>
+                <a14:m>
+                  <m:oMath xmlns:m="http://schemas.openxmlformats.org/officeDocument/2006/math">
+                    <m:sSub>
+                      <m:sSubPr>
+                        <m:ctrlPr>
+                          <a:rPr lang="en-PH" sz="2800" b="0" i="1" smtClean="0">
+                            <a:latin typeface="Cambria Math" panose="02040503050406030204" pitchFamily="18" charset="0"/>
+                          </a:rPr>
+                        </m:ctrlPr>
+                      </m:sSubPr>
+                      <m:e>
+                        <m:r>
+                          <a:rPr lang="en-PH" sz="2800" b="0" i="1" smtClean="0">
+                            <a:latin typeface="Cambria Math" panose="02040503050406030204" pitchFamily="18" charset="0"/>
+                          </a:rPr>
+                          <m:t>𝑛</m:t>
+                        </m:r>
+                      </m:e>
+                      <m:sub>
+                        <m:r>
+                          <a:rPr lang="en-PH" sz="2800" b="0" i="1" smtClean="0">
+                            <a:latin typeface="Cambria Math" panose="02040503050406030204" pitchFamily="18" charset="0"/>
+                          </a:rPr>
+                          <m:t>0</m:t>
+                        </m:r>
+                      </m:sub>
+                    </m:sSub>
+                    <m:r>
+                      <a:rPr lang="en-PH" sz="2800" b="0" i="1" smtClean="0">
+                        <a:latin typeface="Cambria Math" panose="02040503050406030204" pitchFamily="18" charset="0"/>
+                      </a:rPr>
+                      <m:t>=0</m:t>
+                    </m:r>
+                  </m:oMath>
+                </a14:m>
+                <a:r>
+                  <a:rPr lang="en-PH" sz="2800" dirty="0"/>
+                  <a:t> learned students</a:t>
+                </a:r>
+              </a:p>
+            </p:txBody>
+          </p:sp>
+        </mc:Choice>
+        <mc:Fallback>
+          <p:sp>
+            <p:nvSpPr>
+              <p:cNvPr id="2" name="Flowchart: Process 1">
+                <a:extLst>
+                  <a:ext uri="{FF2B5EF4-FFF2-40B4-BE49-F238E27FC236}">
+                    <a16:creationId xmlns:a16="http://schemas.microsoft.com/office/drawing/2014/main" id="{7169FEF7-492C-826F-2190-1112FFDDCFD7}"/>
+                  </a:ext>
+                </a:extLst>
+              </p:cNvPr>
+              <p:cNvSpPr>
+                <a:spLocks noRot="1" noChangeAspect="1" noMove="1" noResize="1" noEditPoints="1" noAdjustHandles="1" noChangeArrowheads="1" noChangeShapeType="1" noTextEdit="1"/>
+              </p:cNvSpPr>
+              <p:nvPr/>
+            </p:nvSpPr>
+            <p:spPr>
+              <a:xfrm>
+                <a:off x="-4547382" y="48182"/>
+                <a:ext cx="2577415" cy="1930140"/>
+              </a:xfrm>
+              <a:prstGeom prst="flowChartProcess">
+                <a:avLst/>
+              </a:prstGeom>
+              <a:blipFill>
+                <a:blip r:embed="rId2"/>
+                <a:stretch>
+                  <a:fillRect l="-3009" r="-5324" b="-3681"/>
+                </a:stretch>
+              </a:blipFill>
+              <a:ln w="57150"/>
+            </p:spPr>
+            <p:txBody>
+              <a:bodyPr/>
+              <a:lstStyle/>
+              <a:p>
+                <a:r>
+                  <a:rPr lang="en-PH">
+                    <a:noFill/>
+                  </a:rPr>
+                  <a:t> </a:t>
+                </a:r>
+              </a:p>
+            </p:txBody>
+          </p:sp>
+        </mc:Fallback>
+      </mc:AlternateContent>
+      <p:cxnSp>
+        <p:nvCxnSpPr>
+          <p:cNvPr id="3" name="Straight Arrow Connector 2">
+            <a:extLst>
+              <a:ext uri="{FF2B5EF4-FFF2-40B4-BE49-F238E27FC236}">
+                <a16:creationId xmlns:a16="http://schemas.microsoft.com/office/drawing/2014/main" id="{A8E88806-40EC-4812-ECD4-4F4B33232091}"/>
+              </a:ext>
+            </a:extLst>
+          </p:cNvPr>
+          <p:cNvCxnSpPr>
+            <a:cxnSpLocks/>
+            <a:stCxn id="2" idx="3"/>
+            <a:endCxn id="4" idx="1"/>
+          </p:cNvCxnSpPr>
+          <p:nvPr/>
+        </p:nvCxnSpPr>
+        <p:spPr>
+          <a:xfrm>
+            <a:off x="-1969967" y="1013252"/>
+            <a:ext cx="4809915" cy="1"/>
+          </a:xfrm>
+          <a:prstGeom prst="straightConnector1">
+            <a:avLst/>
+          </a:prstGeom>
+          <a:ln w="57150">
+            <a:tailEnd type="triangle"/>
+          </a:ln>
+        </p:spPr>
+        <p:style>
+          <a:lnRef idx="2">
+            <a:schemeClr val="dk1"/>
+          </a:lnRef>
+          <a:fillRef idx="0">
+            <a:schemeClr val="dk1"/>
+          </a:fillRef>
+          <a:effectRef idx="1">
+            <a:schemeClr val="dk1"/>
+          </a:effectRef>
+          <a:fontRef idx="minor">
+            <a:schemeClr val="tx1"/>
+          </a:fontRef>
+        </p:style>
+      </p:cxnSp>
+      <mc:AlternateContent xmlns:mc="http://schemas.openxmlformats.org/markup-compatibility/2006">
+        <mc:Choice xmlns:a14="http://schemas.microsoft.com/office/drawing/2010/main" Requires="a14">
+          <p:sp>
+            <p:nvSpPr>
+              <p:cNvPr id="4" name="Flowchart: Process 3">
+                <a:extLst>
+                  <a:ext uri="{FF2B5EF4-FFF2-40B4-BE49-F238E27FC236}">
+                    <a16:creationId xmlns:a16="http://schemas.microsoft.com/office/drawing/2014/main" id="{F32E1849-9067-FA10-A9A4-5878C9B78905}"/>
+                  </a:ext>
+                </a:extLst>
+              </p:cNvPr>
+              <p:cNvSpPr/>
+              <p:nvPr/>
+            </p:nvSpPr>
+            <p:spPr>
+              <a:xfrm>
+                <a:off x="2839948" y="381657"/>
+                <a:ext cx="2460400" cy="1263192"/>
+              </a:xfrm>
+              <a:prstGeom prst="flowChartProcess">
+                <a:avLst/>
+              </a:prstGeom>
+              <a:ln w="57150"/>
+            </p:spPr>
+            <p:style>
+              <a:lnRef idx="2">
+                <a:schemeClr val="dk1"/>
+              </a:lnRef>
+              <a:fillRef idx="1">
+                <a:schemeClr val="lt1"/>
+              </a:fillRef>
+              <a:effectRef idx="0">
+                <a:schemeClr val="dk1"/>
+              </a:effectRef>
+              <a:fontRef idx="minor">
+                <a:schemeClr val="dk1"/>
+              </a:fontRef>
+            </p:style>
+            <p:txBody>
+              <a:bodyPr rtlCol="0" anchor="ctr"/>
+              <a:lstStyle/>
+              <a:p>
+                <a:pPr algn="ctr"/>
+                <a:r>
+                  <a:rPr lang="en-PH" sz="2800" dirty="0"/>
+                  <a:t>Choose a student </a:t>
+                </a:r>
+                <a14:m>
+                  <m:oMath xmlns:m="http://schemas.openxmlformats.org/officeDocument/2006/math">
+                    <m:sSub>
+                      <m:sSubPr>
+                        <m:ctrlPr>
+                          <a:rPr lang="en-PH" sz="2800" b="0" i="1" smtClean="0">
+                            <a:latin typeface="Cambria Math" panose="02040503050406030204" pitchFamily="18" charset="0"/>
+                          </a:rPr>
+                        </m:ctrlPr>
+                      </m:sSubPr>
+                      <m:e>
+                        <m:r>
+                          <a:rPr lang="en-PH" sz="2800" b="0" i="1" smtClean="0">
+                            <a:latin typeface="Cambria Math" panose="02040503050406030204" pitchFamily="18" charset="0"/>
+                          </a:rPr>
+                          <m:t>𝑐</m:t>
+                        </m:r>
+                      </m:e>
+                      <m:sub>
+                        <m:r>
+                          <a:rPr lang="en-PH" sz="2800" b="0" i="1" smtClean="0">
+                            <a:latin typeface="Cambria Math" panose="02040503050406030204" pitchFamily="18" charset="0"/>
+                          </a:rPr>
+                          <m:t>𝑖</m:t>
+                        </m:r>
+                        <m:r>
+                          <a:rPr lang="en-PH" sz="2800" b="0" i="1" smtClean="0">
+                            <a:latin typeface="Cambria Math" panose="02040503050406030204" pitchFamily="18" charset="0"/>
+                          </a:rPr>
+                          <m:t>,</m:t>
+                        </m:r>
+                        <m:r>
+                          <a:rPr lang="en-PH" sz="2800" b="0" i="1" smtClean="0">
+                            <a:latin typeface="Cambria Math" panose="02040503050406030204" pitchFamily="18" charset="0"/>
+                          </a:rPr>
+                          <m:t>𝑗</m:t>
+                        </m:r>
+                      </m:sub>
+                    </m:sSub>
+                  </m:oMath>
+                </a14:m>
+                <a:endParaRPr lang="en-PH" sz="2800" dirty="0"/>
+              </a:p>
+            </p:txBody>
+          </p:sp>
+        </mc:Choice>
+        <mc:Fallback>
+          <p:sp>
+            <p:nvSpPr>
+              <p:cNvPr id="4" name="Flowchart: Process 3">
+                <a:extLst>
+                  <a:ext uri="{FF2B5EF4-FFF2-40B4-BE49-F238E27FC236}">
+                    <a16:creationId xmlns:a16="http://schemas.microsoft.com/office/drawing/2014/main" id="{F32E1849-9067-FA10-A9A4-5878C9B78905}"/>
+                  </a:ext>
+                </a:extLst>
+              </p:cNvPr>
+              <p:cNvSpPr>
+                <a:spLocks noRot="1" noChangeAspect="1" noMove="1" noResize="1" noEditPoints="1" noAdjustHandles="1" noChangeArrowheads="1" noChangeShapeType="1" noTextEdit="1"/>
+              </p:cNvSpPr>
+              <p:nvPr/>
+            </p:nvSpPr>
+            <p:spPr>
+              <a:xfrm>
+                <a:off x="2839948" y="381657"/>
+                <a:ext cx="2460400" cy="1263192"/>
+              </a:xfrm>
+              <a:prstGeom prst="flowChartProcess">
+                <a:avLst/>
+              </a:prstGeom>
+              <a:blipFill>
+                <a:blip r:embed="rId3"/>
+                <a:stretch>
+                  <a:fillRect/>
+                </a:stretch>
+              </a:blipFill>
+              <a:ln w="57150"/>
+            </p:spPr>
+            <p:txBody>
+              <a:bodyPr/>
+              <a:lstStyle/>
+              <a:p>
+                <a:r>
+                  <a:rPr lang="en-PH">
+                    <a:noFill/>
+                  </a:rPr>
+                  <a:t> </a:t>
+                </a:r>
+              </a:p>
+            </p:txBody>
+          </p:sp>
+        </mc:Fallback>
+      </mc:AlternateContent>
+      <p:cxnSp>
+        <p:nvCxnSpPr>
+          <p:cNvPr id="6" name="Straight Arrow Connector 5">
+            <a:extLst>
+              <a:ext uri="{FF2B5EF4-FFF2-40B4-BE49-F238E27FC236}">
+                <a16:creationId xmlns:a16="http://schemas.microsoft.com/office/drawing/2014/main" id="{E81D886A-2418-C11C-C792-B023F264C683}"/>
+              </a:ext>
+            </a:extLst>
+          </p:cNvPr>
+          <p:cNvCxnSpPr>
+            <a:cxnSpLocks/>
+            <a:stCxn id="4" idx="3"/>
+            <a:endCxn id="10" idx="1"/>
+          </p:cNvCxnSpPr>
+          <p:nvPr/>
+        </p:nvCxnSpPr>
+        <p:spPr>
+          <a:xfrm>
+            <a:off x="5300348" y="1013253"/>
+            <a:ext cx="565719" cy="0"/>
+          </a:xfrm>
+          <a:prstGeom prst="straightConnector1">
+            <a:avLst/>
+          </a:prstGeom>
+          <a:ln w="57150">
+            <a:tailEnd type="triangle"/>
+          </a:ln>
+        </p:spPr>
+        <p:style>
+          <a:lnRef idx="2">
+            <a:schemeClr val="dk1"/>
+          </a:lnRef>
+          <a:fillRef idx="0">
+            <a:schemeClr val="dk1"/>
+          </a:fillRef>
+          <a:effectRef idx="1">
+            <a:schemeClr val="dk1"/>
+          </a:effectRef>
+          <a:fontRef idx="minor">
+            <a:schemeClr val="tx1"/>
+          </a:fontRef>
+        </p:style>
+      </p:cxnSp>
+      <mc:AlternateContent xmlns:mc="http://schemas.openxmlformats.org/markup-compatibility/2006">
+        <mc:Choice xmlns:a14="http://schemas.microsoft.com/office/drawing/2010/main" Requires="a14">
+          <p:sp>
+            <p:nvSpPr>
+              <p:cNvPr id="7" name="Flowchart: Process 6">
+                <a:extLst>
+                  <a:ext uri="{FF2B5EF4-FFF2-40B4-BE49-F238E27FC236}">
+                    <a16:creationId xmlns:a16="http://schemas.microsoft.com/office/drawing/2014/main" id="{5F9C0427-75FF-E794-132E-A78D54AB1001}"/>
+                  </a:ext>
+                </a:extLst>
+              </p:cNvPr>
+              <p:cNvSpPr/>
+              <p:nvPr/>
+            </p:nvSpPr>
+            <p:spPr>
+              <a:xfrm>
+                <a:off x="8755408" y="156166"/>
+                <a:ext cx="3362455" cy="1714176"/>
+              </a:xfrm>
+              <a:prstGeom prst="flowChartProcess">
+                <a:avLst/>
+              </a:prstGeom>
+              <a:ln w="57150"/>
+            </p:spPr>
+            <p:style>
+              <a:lnRef idx="2">
+                <a:schemeClr val="dk1"/>
+              </a:lnRef>
+              <a:fillRef idx="1">
+                <a:schemeClr val="lt1"/>
+              </a:fillRef>
+              <a:effectRef idx="0">
+                <a:schemeClr val="dk1"/>
+              </a:effectRef>
+              <a:fontRef idx="minor">
+                <a:schemeClr val="dk1"/>
+              </a:fontRef>
+            </p:style>
+            <p:txBody>
+              <a:bodyPr rtlCol="0" anchor="ctr"/>
+              <a:lstStyle/>
+              <a:p>
+                <a:pPr algn="ctr"/>
+                <a:r>
+                  <a:rPr lang="en-PH" sz="3200" dirty="0"/>
+                  <a:t>Obtain probability to learn </a:t>
+                </a:r>
+                <a14:m>
+                  <m:oMath xmlns:m="http://schemas.openxmlformats.org/officeDocument/2006/math">
+                    <m:sSub>
+                      <m:sSubPr>
+                        <m:ctrlPr>
+                          <a:rPr lang="en-PH" sz="3200" b="0" i="1" smtClean="0">
+                            <a:latin typeface="Cambria Math" panose="02040503050406030204" pitchFamily="18" charset="0"/>
+                          </a:rPr>
+                        </m:ctrlPr>
+                      </m:sSubPr>
+                      <m:e>
+                        <m:r>
+                          <a:rPr lang="en-PH" sz="3200" b="0" i="1" smtClean="0">
+                            <a:latin typeface="Cambria Math" panose="02040503050406030204" pitchFamily="18" charset="0"/>
+                          </a:rPr>
+                          <m:t>𝑃</m:t>
+                        </m:r>
+                      </m:e>
+                      <m:sub>
+                        <m:r>
+                          <a:rPr lang="en-PH" sz="3200" b="0" i="1" smtClean="0">
+                            <a:latin typeface="Cambria Math" panose="02040503050406030204" pitchFamily="18" charset="0"/>
+                          </a:rPr>
+                          <m:t>𝑖</m:t>
+                        </m:r>
+                        <m:r>
+                          <a:rPr lang="en-PH" sz="3200" b="0" i="1" smtClean="0">
+                            <a:latin typeface="Cambria Math" panose="02040503050406030204" pitchFamily="18" charset="0"/>
+                          </a:rPr>
+                          <m:t>,</m:t>
+                        </m:r>
+                        <m:r>
+                          <a:rPr lang="en-PH" sz="3200" b="0" i="1" smtClean="0">
+                            <a:latin typeface="Cambria Math" panose="02040503050406030204" pitchFamily="18" charset="0"/>
+                          </a:rPr>
+                          <m:t>𝑗</m:t>
+                        </m:r>
+                      </m:sub>
+                    </m:sSub>
+                  </m:oMath>
+                </a14:m>
+                <a:endParaRPr lang="en-PH" sz="3200" dirty="0"/>
+              </a:p>
+            </p:txBody>
+          </p:sp>
+        </mc:Choice>
+        <mc:Fallback>
+          <p:sp>
+            <p:nvSpPr>
+              <p:cNvPr id="7" name="Flowchart: Process 6">
+                <a:extLst>
+                  <a:ext uri="{FF2B5EF4-FFF2-40B4-BE49-F238E27FC236}">
+                    <a16:creationId xmlns:a16="http://schemas.microsoft.com/office/drawing/2014/main" id="{5F9C0427-75FF-E794-132E-A78D54AB1001}"/>
+                  </a:ext>
+                </a:extLst>
+              </p:cNvPr>
+              <p:cNvSpPr>
+                <a:spLocks noRot="1" noChangeAspect="1" noMove="1" noResize="1" noEditPoints="1" noAdjustHandles="1" noChangeArrowheads="1" noChangeShapeType="1" noTextEdit="1"/>
+              </p:cNvSpPr>
+              <p:nvPr/>
+            </p:nvSpPr>
+            <p:spPr>
+              <a:xfrm>
+                <a:off x="8755408" y="156166"/>
+                <a:ext cx="3362455" cy="1714176"/>
+              </a:xfrm>
+              <a:prstGeom prst="flowChartProcess">
+                <a:avLst/>
+              </a:prstGeom>
+              <a:blipFill>
+                <a:blip r:embed="rId4"/>
+                <a:stretch>
+                  <a:fillRect l="-3565" r="-5348"/>
+                </a:stretch>
+              </a:blipFill>
+              <a:ln w="57150"/>
+            </p:spPr>
+            <p:txBody>
+              <a:bodyPr/>
+              <a:lstStyle/>
+              <a:p>
+                <a:r>
+                  <a:rPr lang="en-PH">
+                    <a:noFill/>
+                  </a:rPr>
+                  <a:t> </a:t>
+                </a:r>
+              </a:p>
+            </p:txBody>
+          </p:sp>
+        </mc:Fallback>
+      </mc:AlternateContent>
+      <mc:AlternateContent xmlns:mc="http://schemas.openxmlformats.org/markup-compatibility/2006">
+        <mc:Choice xmlns:a14="http://schemas.microsoft.com/office/drawing/2010/main" Requires="a14">
+          <p:sp>
+            <p:nvSpPr>
+              <p:cNvPr id="9" name="Flowchart: Decision 8">
+                <a:extLst>
+                  <a:ext uri="{FF2B5EF4-FFF2-40B4-BE49-F238E27FC236}">
+                    <a16:creationId xmlns:a16="http://schemas.microsoft.com/office/drawing/2014/main" id="{CE0E4263-3667-A2F3-ED84-35EBC2024EC5}"/>
+                  </a:ext>
+                </a:extLst>
+              </p:cNvPr>
+              <p:cNvSpPr/>
+              <p:nvPr/>
+            </p:nvSpPr>
+            <p:spPr>
+              <a:xfrm>
+                <a:off x="8691384" y="2846424"/>
+                <a:ext cx="3420167" cy="3324041"/>
+              </a:xfrm>
+              <a:prstGeom prst="flowChartDecision">
+                <a:avLst/>
+              </a:prstGeom>
+              <a:ln w="57150"/>
+            </p:spPr>
+            <p:style>
+              <a:lnRef idx="2">
+                <a:schemeClr val="dk1"/>
+              </a:lnRef>
+              <a:fillRef idx="1">
+                <a:schemeClr val="lt1"/>
+              </a:fillRef>
+              <a:effectRef idx="0">
+                <a:schemeClr val="dk1"/>
+              </a:effectRef>
+              <a:fontRef idx="minor">
+                <a:schemeClr val="dk1"/>
+              </a:fontRef>
+            </p:style>
+            <p:txBody>
+              <a:bodyPr rtlCol="0" anchor="ctr"/>
+              <a:lstStyle/>
+              <a:p>
+                <a:pPr algn="ctr"/>
+                <a14:m>
+                  <m:oMath xmlns:m="http://schemas.openxmlformats.org/officeDocument/2006/math">
+                    <m:r>
+                      <a:rPr lang="en-PH" sz="2800" b="0" i="1" smtClean="0">
+                        <a:latin typeface="Cambria Math" panose="02040503050406030204" pitchFamily="18" charset="0"/>
+                      </a:rPr>
+                      <m:t>𝜇</m:t>
+                    </m:r>
+                    <m:r>
+                      <a:rPr lang="en-PH" sz="2800" b="0" i="1" smtClean="0">
+                        <a:latin typeface="Cambria Math" panose="02040503050406030204" pitchFamily="18" charset="0"/>
+                      </a:rPr>
+                      <m:t>≤</m:t>
+                    </m:r>
+                    <m:sSub>
+                      <m:sSubPr>
+                        <m:ctrlPr>
+                          <a:rPr lang="en-PH" sz="2800" b="0" i="1" smtClean="0">
+                            <a:latin typeface="Cambria Math" panose="02040503050406030204" pitchFamily="18" charset="0"/>
+                          </a:rPr>
+                        </m:ctrlPr>
+                      </m:sSubPr>
+                      <m:e>
+                        <m:r>
+                          <a:rPr lang="en-PH" sz="2800" b="0" i="1" smtClean="0">
+                            <a:latin typeface="Cambria Math" panose="02040503050406030204" pitchFamily="18" charset="0"/>
+                          </a:rPr>
+                          <m:t>𝑃</m:t>
+                        </m:r>
+                      </m:e>
+                      <m:sub>
+                        <m:r>
+                          <a:rPr lang="en-PH" sz="2800" b="0" i="1" smtClean="0">
+                            <a:latin typeface="Cambria Math" panose="02040503050406030204" pitchFamily="18" charset="0"/>
+                          </a:rPr>
+                          <m:t>𝑖</m:t>
+                        </m:r>
+                        <m:r>
+                          <a:rPr lang="en-PH" sz="2800" b="0" i="1" smtClean="0">
+                            <a:latin typeface="Cambria Math" panose="02040503050406030204" pitchFamily="18" charset="0"/>
+                          </a:rPr>
+                          <m:t>,</m:t>
+                        </m:r>
+                        <m:r>
+                          <a:rPr lang="en-PH" sz="2800" b="0" i="1" smtClean="0">
+                            <a:latin typeface="Cambria Math" panose="02040503050406030204" pitchFamily="18" charset="0"/>
+                          </a:rPr>
+                          <m:t>𝑗</m:t>
+                        </m:r>
+                      </m:sub>
+                    </m:sSub>
+                  </m:oMath>
+                </a14:m>
+                <a:r>
+                  <a:rPr lang="en-PH" sz="2800" dirty="0"/>
+                  <a:t> where </a:t>
+                </a:r>
+                <a14:m>
+                  <m:oMath xmlns:m="http://schemas.openxmlformats.org/officeDocument/2006/math">
+                    <m:r>
+                      <a:rPr lang="en-PH" sz="2800" b="0" i="1" smtClean="0">
+                        <a:latin typeface="Cambria Math" panose="02040503050406030204" pitchFamily="18" charset="0"/>
+                      </a:rPr>
+                      <m:t>𝜇</m:t>
+                    </m:r>
+                  </m:oMath>
+                </a14:m>
+                <a:r>
+                  <a:rPr lang="en-PH" sz="2800" dirty="0"/>
+                  <a:t> is a random number</a:t>
+                </a:r>
+              </a:p>
+            </p:txBody>
+          </p:sp>
+        </mc:Choice>
+        <mc:Fallback>
+          <p:sp>
+            <p:nvSpPr>
+              <p:cNvPr id="9" name="Flowchart: Decision 8">
+                <a:extLst>
+                  <a:ext uri="{FF2B5EF4-FFF2-40B4-BE49-F238E27FC236}">
+                    <a16:creationId xmlns:a16="http://schemas.microsoft.com/office/drawing/2014/main" id="{CE0E4263-3667-A2F3-ED84-35EBC2024EC5}"/>
+                  </a:ext>
+                </a:extLst>
+              </p:cNvPr>
+              <p:cNvSpPr>
+                <a:spLocks noRot="1" noChangeAspect="1" noMove="1" noResize="1" noEditPoints="1" noAdjustHandles="1" noChangeArrowheads="1" noChangeShapeType="1" noTextEdit="1"/>
+              </p:cNvSpPr>
+              <p:nvPr/>
+            </p:nvSpPr>
+            <p:spPr>
+              <a:xfrm>
+                <a:off x="8691384" y="2846424"/>
+                <a:ext cx="3420167" cy="3324041"/>
+              </a:xfrm>
+              <a:prstGeom prst="flowChartDecision">
+                <a:avLst/>
+              </a:prstGeom>
+              <a:blipFill>
+                <a:blip r:embed="rId5"/>
+                <a:stretch>
+                  <a:fillRect/>
+                </a:stretch>
+              </a:blipFill>
+              <a:ln w="57150"/>
+            </p:spPr>
+            <p:txBody>
+              <a:bodyPr/>
+              <a:lstStyle/>
+              <a:p>
+                <a:r>
+                  <a:rPr lang="en-PH">
+                    <a:noFill/>
+                  </a:rPr>
+                  <a:t> </a:t>
+                </a:r>
+              </a:p>
+            </p:txBody>
+          </p:sp>
+        </mc:Fallback>
+      </mc:AlternateContent>
+      <mc:AlternateContent xmlns:mc="http://schemas.openxmlformats.org/markup-compatibility/2006">
+        <mc:Choice xmlns:a14="http://schemas.microsoft.com/office/drawing/2010/main" Requires="a14">
+          <p:sp>
+            <p:nvSpPr>
+              <p:cNvPr id="10" name="Flowchart: Decision 9">
+                <a:extLst>
+                  <a:ext uri="{FF2B5EF4-FFF2-40B4-BE49-F238E27FC236}">
+                    <a16:creationId xmlns:a16="http://schemas.microsoft.com/office/drawing/2014/main" id="{DBF7B754-9394-B929-100E-31D2743914A7}"/>
+                  </a:ext>
+                </a:extLst>
+              </p:cNvPr>
+              <p:cNvSpPr/>
+              <p:nvPr/>
+            </p:nvSpPr>
+            <p:spPr>
+              <a:xfrm>
+                <a:off x="5866067" y="156165"/>
+                <a:ext cx="1836171" cy="1714176"/>
+              </a:xfrm>
+              <a:prstGeom prst="flowChartDecision">
+                <a:avLst/>
+              </a:prstGeom>
+              <a:ln w="57150"/>
+            </p:spPr>
+            <p:style>
+              <a:lnRef idx="2">
+                <a:schemeClr val="dk1"/>
+              </a:lnRef>
+              <a:fillRef idx="1">
+                <a:schemeClr val="lt1"/>
+              </a:fillRef>
+              <a:effectRef idx="0">
+                <a:schemeClr val="dk1"/>
+              </a:effectRef>
+              <a:fontRef idx="minor">
+                <a:schemeClr val="dk1"/>
+              </a:fontRef>
+            </p:style>
+            <p:txBody>
+              <a:bodyPr rtlCol="0" anchor="ctr"/>
+              <a:lstStyle/>
+              <a:p>
+                <a:pPr algn="ctr"/>
+                <a14:m>
+                  <m:oMathPara xmlns:m="http://schemas.openxmlformats.org/officeDocument/2006/math">
+                    <m:oMathParaPr>
+                      <m:jc m:val="centerGroup"/>
+                    </m:oMathParaPr>
+                    <m:oMath xmlns:m="http://schemas.openxmlformats.org/officeDocument/2006/math">
+                      <m:sSub>
+                        <m:sSubPr>
+                          <m:ctrlPr>
+                            <a:rPr lang="en-PH" sz="3200" b="0" i="1" smtClean="0">
+                              <a:latin typeface="Cambria Math" panose="02040503050406030204" pitchFamily="18" charset="0"/>
+                            </a:rPr>
+                          </m:ctrlPr>
+                        </m:sSubPr>
+                        <m:e>
+                          <m:r>
+                            <a:rPr lang="en-PH" sz="3200" b="0" i="1" smtClean="0">
+                              <a:latin typeface="Cambria Math" panose="02040503050406030204" pitchFamily="18" charset="0"/>
+                            </a:rPr>
+                            <m:t>𝑠</m:t>
+                          </m:r>
+                        </m:e>
+                        <m:sub>
+                          <m:r>
+                            <a:rPr lang="en-PH" sz="3200" b="0" i="1" smtClean="0">
+                              <a:latin typeface="Cambria Math" panose="02040503050406030204" pitchFamily="18" charset="0"/>
+                            </a:rPr>
+                            <m:t>𝑖</m:t>
+                          </m:r>
+                          <m:r>
+                            <a:rPr lang="en-PH" sz="3200" b="0" i="1" smtClean="0">
+                              <a:latin typeface="Cambria Math" panose="02040503050406030204" pitchFamily="18" charset="0"/>
+                            </a:rPr>
+                            <m:t>,</m:t>
+                          </m:r>
+                          <m:r>
+                            <a:rPr lang="en-PH" sz="3200" b="0" i="1" smtClean="0">
+                              <a:latin typeface="Cambria Math" panose="02040503050406030204" pitchFamily="18" charset="0"/>
+                            </a:rPr>
+                            <m:t>𝑗</m:t>
+                          </m:r>
+                        </m:sub>
+                      </m:sSub>
+                      <m:r>
+                        <a:rPr lang="en-PH" sz="3200" b="0" i="1" smtClean="0">
+                          <a:latin typeface="Cambria Math" panose="02040503050406030204" pitchFamily="18" charset="0"/>
+                        </a:rPr>
+                        <m:t>=1</m:t>
+                      </m:r>
+                    </m:oMath>
+                  </m:oMathPara>
+                </a14:m>
+                <a:endParaRPr lang="en-PH" sz="3200" dirty="0"/>
+              </a:p>
+            </p:txBody>
+          </p:sp>
+        </mc:Choice>
+        <mc:Fallback>
+          <p:sp>
+            <p:nvSpPr>
+              <p:cNvPr id="10" name="Flowchart: Decision 9">
+                <a:extLst>
+                  <a:ext uri="{FF2B5EF4-FFF2-40B4-BE49-F238E27FC236}">
+                    <a16:creationId xmlns:a16="http://schemas.microsoft.com/office/drawing/2014/main" id="{DBF7B754-9394-B929-100E-31D2743914A7}"/>
+                  </a:ext>
+                </a:extLst>
+              </p:cNvPr>
+              <p:cNvSpPr>
+                <a:spLocks noRot="1" noChangeAspect="1" noMove="1" noResize="1" noEditPoints="1" noAdjustHandles="1" noChangeArrowheads="1" noChangeShapeType="1" noTextEdit="1"/>
+              </p:cNvSpPr>
+              <p:nvPr/>
+            </p:nvSpPr>
+            <p:spPr>
+              <a:xfrm>
+                <a:off x="5866067" y="156165"/>
+                <a:ext cx="1836171" cy="1714176"/>
+              </a:xfrm>
+              <a:prstGeom prst="flowChartDecision">
+                <a:avLst/>
+              </a:prstGeom>
+              <a:blipFill>
+                <a:blip r:embed="rId6"/>
+                <a:stretch>
+                  <a:fillRect/>
+                </a:stretch>
+              </a:blipFill>
+              <a:ln w="57150"/>
+            </p:spPr>
+            <p:txBody>
+              <a:bodyPr/>
+              <a:lstStyle/>
+              <a:p>
+                <a:r>
+                  <a:rPr lang="en-PH">
+                    <a:noFill/>
+                  </a:rPr>
+                  <a:t> </a:t>
+                </a:r>
+              </a:p>
+            </p:txBody>
+          </p:sp>
+        </mc:Fallback>
+      </mc:AlternateContent>
+      <p:cxnSp>
+        <p:nvCxnSpPr>
+          <p:cNvPr id="11" name="Straight Arrow Connector 10">
+            <a:extLst>
+              <a:ext uri="{FF2B5EF4-FFF2-40B4-BE49-F238E27FC236}">
+                <a16:creationId xmlns:a16="http://schemas.microsoft.com/office/drawing/2014/main" id="{4F7CE89C-7769-4B4A-8693-94A10153DC89}"/>
+              </a:ext>
+            </a:extLst>
+          </p:cNvPr>
+          <p:cNvCxnSpPr>
+            <a:cxnSpLocks/>
+            <a:stCxn id="10" idx="3"/>
+            <a:endCxn id="7" idx="1"/>
+          </p:cNvCxnSpPr>
+          <p:nvPr/>
+        </p:nvCxnSpPr>
+        <p:spPr>
+          <a:xfrm>
+            <a:off x="7702238" y="1013253"/>
+            <a:ext cx="1053170" cy="1"/>
+          </a:xfrm>
+          <a:prstGeom prst="straightConnector1">
+            <a:avLst/>
+          </a:prstGeom>
+          <a:ln w="57150">
+            <a:tailEnd type="triangle"/>
+          </a:ln>
+        </p:spPr>
+        <p:style>
+          <a:lnRef idx="2">
+            <a:schemeClr val="dk1"/>
+          </a:lnRef>
+          <a:fillRef idx="0">
+            <a:schemeClr val="dk1"/>
+          </a:fillRef>
+          <a:effectRef idx="1">
+            <a:schemeClr val="dk1"/>
+          </a:effectRef>
+          <a:fontRef idx="minor">
+            <a:schemeClr val="tx1"/>
+          </a:fontRef>
+        </p:style>
+      </p:cxnSp>
+      <mc:AlternateContent xmlns:mc="http://schemas.openxmlformats.org/markup-compatibility/2006">
+        <mc:Choice xmlns:a14="http://schemas.microsoft.com/office/drawing/2010/main" Requires="a14">
+          <p:sp>
+            <p:nvSpPr>
+              <p:cNvPr id="12" name="Flowchart: Process 11">
+                <a:extLst>
+                  <a:ext uri="{FF2B5EF4-FFF2-40B4-BE49-F238E27FC236}">
+                    <a16:creationId xmlns:a16="http://schemas.microsoft.com/office/drawing/2014/main" id="{86EE3ECE-BFE1-1696-433C-DA9B6B538283}"/>
+                  </a:ext>
+                </a:extLst>
+              </p:cNvPr>
+              <p:cNvSpPr/>
+              <p:nvPr/>
+            </p:nvSpPr>
+            <p:spPr>
+              <a:xfrm>
+                <a:off x="5594619" y="3101842"/>
+                <a:ext cx="2379067" cy="2838730"/>
+              </a:xfrm>
+              <a:prstGeom prst="flowChartProcess">
+                <a:avLst/>
+              </a:prstGeom>
+              <a:ln w="57150"/>
+            </p:spPr>
+            <p:style>
+              <a:lnRef idx="2">
+                <a:schemeClr val="dk1"/>
+              </a:lnRef>
+              <a:fillRef idx="1">
+                <a:schemeClr val="lt1"/>
+              </a:fillRef>
+              <a:effectRef idx="0">
+                <a:schemeClr val="dk1"/>
+              </a:effectRef>
+              <a:fontRef idx="minor">
+                <a:schemeClr val="dk1"/>
+              </a:fontRef>
+            </p:style>
+            <p:txBody>
+              <a:bodyPr rtlCol="0" anchor="ctr"/>
+              <a:lstStyle/>
+              <a:p>
+                <a:pPr algn="ctr"/>
+                <a14:m>
+                  <m:oMath xmlns:m="http://schemas.openxmlformats.org/officeDocument/2006/math">
+                    <m:sSubSup>
+                      <m:sSubSupPr>
+                        <m:ctrlPr>
+                          <a:rPr lang="en-PH" sz="2800" b="0" i="1" smtClean="0">
+                            <a:latin typeface="Cambria Math" panose="02040503050406030204" pitchFamily="18" charset="0"/>
+                          </a:rPr>
+                        </m:ctrlPr>
+                      </m:sSubSupPr>
+                      <m:e>
+                        <m:r>
+                          <a:rPr lang="en-PH" sz="2800" b="0" i="1" smtClean="0">
+                            <a:latin typeface="Cambria Math" panose="02040503050406030204" pitchFamily="18" charset="0"/>
+                          </a:rPr>
+                          <m:t>𝑠</m:t>
+                        </m:r>
+                      </m:e>
+                      <m:sub>
+                        <m:r>
+                          <a:rPr lang="en-PH" sz="2800" b="0" i="1" smtClean="0">
+                            <a:latin typeface="Cambria Math" panose="02040503050406030204" pitchFamily="18" charset="0"/>
+                          </a:rPr>
+                          <m:t>𝑖</m:t>
+                        </m:r>
+                        <m:r>
+                          <a:rPr lang="en-PH" sz="2800" b="0" i="1" smtClean="0">
+                            <a:latin typeface="Cambria Math" panose="02040503050406030204" pitchFamily="18" charset="0"/>
+                          </a:rPr>
+                          <m:t>,</m:t>
+                        </m:r>
+                        <m:r>
+                          <a:rPr lang="en-PH" sz="2800" b="0" i="1" smtClean="0">
+                            <a:latin typeface="Cambria Math" panose="02040503050406030204" pitchFamily="18" charset="0"/>
+                          </a:rPr>
+                          <m:t>𝑗</m:t>
+                        </m:r>
+                      </m:sub>
+                      <m:sup>
+                        <m:r>
+                          <a:rPr lang="en-PH" sz="2800" b="0" i="1" smtClean="0">
+                            <a:latin typeface="Cambria Math" panose="02040503050406030204" pitchFamily="18" charset="0"/>
+                          </a:rPr>
+                          <m:t>′</m:t>
+                        </m:r>
+                      </m:sup>
+                    </m:sSubSup>
+                    <m:r>
+                      <a:rPr lang="en-PH" sz="2800" b="0" i="1" smtClean="0">
+                        <a:latin typeface="Cambria Math" panose="02040503050406030204" pitchFamily="18" charset="0"/>
+                      </a:rPr>
+                      <m:t>=1</m:t>
+                    </m:r>
+                  </m:oMath>
+                </a14:m>
+                <a:r>
+                  <a:rPr lang="en-PH" sz="2800" dirty="0"/>
+                  <a:t> where </a:t>
+                </a:r>
+                <a14:m>
+                  <m:oMath xmlns:m="http://schemas.openxmlformats.org/officeDocument/2006/math">
+                    <m:sSubSup>
+                      <m:sSubSupPr>
+                        <m:ctrlPr>
+                          <a:rPr lang="en-PH" sz="2800" b="0" i="1" smtClean="0">
+                            <a:latin typeface="Cambria Math" panose="02040503050406030204" pitchFamily="18" charset="0"/>
+                          </a:rPr>
+                        </m:ctrlPr>
+                      </m:sSubSupPr>
+                      <m:e>
+                        <m:r>
+                          <a:rPr lang="en-PH" sz="2800" b="0" i="1" smtClean="0">
+                            <a:latin typeface="Cambria Math" panose="02040503050406030204" pitchFamily="18" charset="0"/>
+                          </a:rPr>
+                          <m:t>𝑠</m:t>
+                        </m:r>
+                      </m:e>
+                      <m:sub>
+                        <m:r>
+                          <a:rPr lang="en-PH" sz="2800" b="0" i="1" smtClean="0">
+                            <a:latin typeface="Cambria Math" panose="02040503050406030204" pitchFamily="18" charset="0"/>
+                          </a:rPr>
+                          <m:t>𝑖</m:t>
+                        </m:r>
+                        <m:r>
+                          <a:rPr lang="en-PH" sz="2800" b="0" i="1" smtClean="0">
+                            <a:latin typeface="Cambria Math" panose="02040503050406030204" pitchFamily="18" charset="0"/>
+                          </a:rPr>
+                          <m:t>,</m:t>
+                        </m:r>
+                        <m:r>
+                          <a:rPr lang="en-PH" sz="2800" b="0" i="1" smtClean="0">
+                            <a:latin typeface="Cambria Math" panose="02040503050406030204" pitchFamily="18" charset="0"/>
+                          </a:rPr>
+                          <m:t>𝑗</m:t>
+                        </m:r>
+                      </m:sub>
+                      <m:sup>
+                        <m:r>
+                          <a:rPr lang="en-PH" sz="2800" b="0" i="1" smtClean="0">
+                            <a:latin typeface="Cambria Math" panose="02040503050406030204" pitchFamily="18" charset="0"/>
+                          </a:rPr>
+                          <m:t>′</m:t>
+                        </m:r>
+                      </m:sup>
+                    </m:sSubSup>
+                  </m:oMath>
+                </a14:m>
+                <a:r>
+                  <a:rPr lang="en-PH" sz="2800" dirty="0"/>
+                  <a:t> is the state of student </a:t>
+                </a:r>
+                <a14:m>
+                  <m:oMath xmlns:m="http://schemas.openxmlformats.org/officeDocument/2006/math">
+                    <m:sSub>
+                      <m:sSubPr>
+                        <m:ctrlPr>
+                          <a:rPr lang="en-PH" sz="2800" b="0" i="1" smtClean="0">
+                            <a:latin typeface="Cambria Math" panose="02040503050406030204" pitchFamily="18" charset="0"/>
+                          </a:rPr>
+                        </m:ctrlPr>
+                      </m:sSubPr>
+                      <m:e>
+                        <m:r>
+                          <a:rPr lang="en-PH" sz="2800" b="0" i="1" smtClean="0">
+                            <a:latin typeface="Cambria Math" panose="02040503050406030204" pitchFamily="18" charset="0"/>
+                          </a:rPr>
+                          <m:t>𝑐</m:t>
+                        </m:r>
+                      </m:e>
+                      <m:sub>
+                        <m:r>
+                          <a:rPr lang="en-PH" sz="2800" b="0" i="1" smtClean="0">
+                            <a:latin typeface="Cambria Math" panose="02040503050406030204" pitchFamily="18" charset="0"/>
+                          </a:rPr>
+                          <m:t>𝑖</m:t>
+                        </m:r>
+                        <m:r>
+                          <a:rPr lang="en-PH" sz="2800" b="0" i="1" smtClean="0">
+                            <a:latin typeface="Cambria Math" panose="02040503050406030204" pitchFamily="18" charset="0"/>
+                          </a:rPr>
+                          <m:t>,</m:t>
+                        </m:r>
+                        <m:r>
+                          <a:rPr lang="en-PH" sz="2800" b="0" i="1" smtClean="0">
+                            <a:latin typeface="Cambria Math" panose="02040503050406030204" pitchFamily="18" charset="0"/>
+                          </a:rPr>
+                          <m:t>𝑗</m:t>
+                        </m:r>
+                      </m:sub>
+                    </m:sSub>
+                  </m:oMath>
+                </a14:m>
+                <a:r>
+                  <a:rPr lang="en-PH" sz="2800" dirty="0"/>
+                  <a:t> in the next time step</a:t>
+                </a:r>
+              </a:p>
+            </p:txBody>
+          </p:sp>
+        </mc:Choice>
+        <mc:Fallback>
+          <p:sp>
+            <p:nvSpPr>
+              <p:cNvPr id="12" name="Flowchart: Process 11">
+                <a:extLst>
+                  <a:ext uri="{FF2B5EF4-FFF2-40B4-BE49-F238E27FC236}">
+                    <a16:creationId xmlns:a16="http://schemas.microsoft.com/office/drawing/2014/main" id="{86EE3ECE-BFE1-1696-433C-DA9B6B538283}"/>
+                  </a:ext>
+                </a:extLst>
+              </p:cNvPr>
+              <p:cNvSpPr>
+                <a:spLocks noRot="1" noChangeAspect="1" noMove="1" noResize="1" noEditPoints="1" noAdjustHandles="1" noChangeArrowheads="1" noChangeShapeType="1" noTextEdit="1"/>
+              </p:cNvSpPr>
+              <p:nvPr/>
+            </p:nvSpPr>
+            <p:spPr>
+              <a:xfrm>
+                <a:off x="5594619" y="3101842"/>
+                <a:ext cx="2379067" cy="2838730"/>
+              </a:xfrm>
+              <a:prstGeom prst="flowChartProcess">
+                <a:avLst/>
+              </a:prstGeom>
+              <a:blipFill>
+                <a:blip r:embed="rId7"/>
+                <a:stretch>
+                  <a:fillRect l="-1504" t="-211" r="-5263" b="-3579"/>
+                </a:stretch>
+              </a:blipFill>
+              <a:ln w="57150"/>
+            </p:spPr>
+            <p:txBody>
+              <a:bodyPr/>
+              <a:lstStyle/>
+              <a:p>
+                <a:r>
+                  <a:rPr lang="en-PH">
+                    <a:noFill/>
+                  </a:rPr>
+                  <a:t> </a:t>
+                </a:r>
+              </a:p>
+            </p:txBody>
+          </p:sp>
+        </mc:Fallback>
+      </mc:AlternateContent>
+      <mc:AlternateContent xmlns:mc="http://schemas.openxmlformats.org/markup-compatibility/2006">
+        <mc:Choice xmlns:a14="http://schemas.microsoft.com/office/drawing/2010/main" Requires="a14">
+          <p:sp>
+            <p:nvSpPr>
+              <p:cNvPr id="13" name="Flowchart: Process 12">
+                <a:extLst>
+                  <a:ext uri="{FF2B5EF4-FFF2-40B4-BE49-F238E27FC236}">
+                    <a16:creationId xmlns:a16="http://schemas.microsoft.com/office/drawing/2014/main" id="{BA73112E-0592-F68B-E2B5-E64CDD8BC116}"/>
+                  </a:ext>
+                </a:extLst>
+              </p:cNvPr>
+              <p:cNvSpPr/>
+              <p:nvPr/>
+            </p:nvSpPr>
+            <p:spPr>
+              <a:xfrm>
+                <a:off x="794746" y="4196739"/>
+                <a:ext cx="2379067" cy="2086004"/>
+              </a:xfrm>
+              <a:prstGeom prst="flowChartProcess">
+                <a:avLst/>
+              </a:prstGeom>
+              <a:ln w="57150"/>
+            </p:spPr>
+            <p:style>
+              <a:lnRef idx="2">
+                <a:schemeClr val="dk1"/>
+              </a:lnRef>
+              <a:fillRef idx="1">
+                <a:schemeClr val="lt1"/>
+              </a:fillRef>
+              <a:effectRef idx="0">
+                <a:schemeClr val="dk1"/>
+              </a:effectRef>
+              <a:fontRef idx="minor">
+                <a:schemeClr val="dk1"/>
+              </a:fontRef>
+            </p:style>
+            <p:txBody>
+              <a:bodyPr rtlCol="0" anchor="ctr"/>
+              <a:lstStyle/>
+              <a:p>
+                <a:pPr algn="ctr"/>
+                <a14:m>
+                  <m:oMath xmlns:m="http://schemas.openxmlformats.org/officeDocument/2006/math">
+                    <m:sSubSup>
+                      <m:sSubSupPr>
+                        <m:ctrlPr>
+                          <a:rPr lang="en-PH" sz="2400" b="0" i="1" smtClean="0">
+                            <a:latin typeface="Cambria Math" panose="02040503050406030204" pitchFamily="18" charset="0"/>
+                          </a:rPr>
+                        </m:ctrlPr>
+                      </m:sSubSupPr>
+                      <m:e>
+                        <m:r>
+                          <a:rPr lang="en-PH" sz="2400" b="0" i="1" smtClean="0">
+                            <a:latin typeface="Cambria Math" panose="02040503050406030204" pitchFamily="18" charset="0"/>
+                          </a:rPr>
+                          <m:t>𝑠</m:t>
+                        </m:r>
+                      </m:e>
+                      <m:sub>
+                        <m:r>
+                          <a:rPr lang="en-PH" sz="2400" b="0" i="1" smtClean="0">
+                            <a:latin typeface="Cambria Math" panose="02040503050406030204" pitchFamily="18" charset="0"/>
+                          </a:rPr>
+                          <m:t>𝑖</m:t>
+                        </m:r>
+                        <m:r>
+                          <a:rPr lang="en-PH" sz="2400" b="0" i="1" smtClean="0">
+                            <a:latin typeface="Cambria Math" panose="02040503050406030204" pitchFamily="18" charset="0"/>
+                          </a:rPr>
+                          <m:t>,</m:t>
+                        </m:r>
+                        <m:r>
+                          <a:rPr lang="en-PH" sz="2400" b="0" i="1" smtClean="0">
+                            <a:latin typeface="Cambria Math" panose="02040503050406030204" pitchFamily="18" charset="0"/>
+                          </a:rPr>
+                          <m:t>𝑗</m:t>
+                        </m:r>
+                      </m:sub>
+                      <m:sup>
+                        <m:r>
+                          <a:rPr lang="en-PH" sz="2400" b="0" i="1" smtClean="0">
+                            <a:latin typeface="Cambria Math" panose="02040503050406030204" pitchFamily="18" charset="0"/>
+                          </a:rPr>
+                          <m:t>′</m:t>
+                        </m:r>
+                      </m:sup>
+                    </m:sSubSup>
+                    <m:r>
+                      <a:rPr lang="en-PH" sz="2400" b="0" i="1" smtClean="0">
+                        <a:latin typeface="Cambria Math" panose="02040503050406030204" pitchFamily="18" charset="0"/>
+                      </a:rPr>
+                      <m:t>=0</m:t>
+                    </m:r>
+                  </m:oMath>
+                </a14:m>
+                <a:r>
+                  <a:rPr lang="en-PH" sz="2400" dirty="0"/>
+                  <a:t> where </a:t>
+                </a:r>
+                <a14:m>
+                  <m:oMath xmlns:m="http://schemas.openxmlformats.org/officeDocument/2006/math">
+                    <m:sSubSup>
+                      <m:sSubSupPr>
+                        <m:ctrlPr>
+                          <a:rPr lang="en-PH" sz="2400" b="0" i="1" smtClean="0">
+                            <a:latin typeface="Cambria Math" panose="02040503050406030204" pitchFamily="18" charset="0"/>
+                          </a:rPr>
+                        </m:ctrlPr>
+                      </m:sSubSupPr>
+                      <m:e>
+                        <m:r>
+                          <a:rPr lang="en-PH" sz="2400" b="0" i="1" smtClean="0">
+                            <a:latin typeface="Cambria Math" panose="02040503050406030204" pitchFamily="18" charset="0"/>
+                          </a:rPr>
+                          <m:t>𝑠</m:t>
+                        </m:r>
+                      </m:e>
+                      <m:sub>
+                        <m:r>
+                          <a:rPr lang="en-PH" sz="2400" b="0" i="1" smtClean="0">
+                            <a:latin typeface="Cambria Math" panose="02040503050406030204" pitchFamily="18" charset="0"/>
+                          </a:rPr>
+                          <m:t>𝑖</m:t>
+                        </m:r>
+                        <m:r>
+                          <a:rPr lang="en-PH" sz="2400" b="0" i="1" smtClean="0">
+                            <a:latin typeface="Cambria Math" panose="02040503050406030204" pitchFamily="18" charset="0"/>
+                          </a:rPr>
+                          <m:t>,</m:t>
+                        </m:r>
+                        <m:r>
+                          <a:rPr lang="en-PH" sz="2400" b="0" i="1" smtClean="0">
+                            <a:latin typeface="Cambria Math" panose="02040503050406030204" pitchFamily="18" charset="0"/>
+                          </a:rPr>
+                          <m:t>𝑗</m:t>
+                        </m:r>
+                      </m:sub>
+                      <m:sup>
+                        <m:r>
+                          <a:rPr lang="en-PH" sz="2400" b="0" i="1" smtClean="0">
+                            <a:latin typeface="Cambria Math" panose="02040503050406030204" pitchFamily="18" charset="0"/>
+                          </a:rPr>
+                          <m:t>′</m:t>
+                        </m:r>
+                      </m:sup>
+                    </m:sSubSup>
+                  </m:oMath>
+                </a14:m>
+                <a:r>
+                  <a:rPr lang="en-PH" sz="2400" dirty="0"/>
+                  <a:t> is the state of student </a:t>
+                </a:r>
+                <a14:m>
+                  <m:oMath xmlns:m="http://schemas.openxmlformats.org/officeDocument/2006/math">
+                    <m:sSub>
+                      <m:sSubPr>
+                        <m:ctrlPr>
+                          <a:rPr lang="en-PH" sz="2400" b="0" i="1" smtClean="0">
+                            <a:latin typeface="Cambria Math" panose="02040503050406030204" pitchFamily="18" charset="0"/>
+                          </a:rPr>
+                        </m:ctrlPr>
+                      </m:sSubPr>
+                      <m:e>
+                        <m:r>
+                          <a:rPr lang="en-PH" sz="2400" b="0" i="1" smtClean="0">
+                            <a:latin typeface="Cambria Math" panose="02040503050406030204" pitchFamily="18" charset="0"/>
+                          </a:rPr>
+                          <m:t>𝑐</m:t>
+                        </m:r>
+                      </m:e>
+                      <m:sub>
+                        <m:r>
+                          <a:rPr lang="en-PH" sz="2400" b="0" i="1" smtClean="0">
+                            <a:latin typeface="Cambria Math" panose="02040503050406030204" pitchFamily="18" charset="0"/>
+                          </a:rPr>
+                          <m:t>𝑖</m:t>
+                        </m:r>
+                        <m:r>
+                          <a:rPr lang="en-PH" sz="2400" b="0" i="1" smtClean="0">
+                            <a:latin typeface="Cambria Math" panose="02040503050406030204" pitchFamily="18" charset="0"/>
+                          </a:rPr>
+                          <m:t>,</m:t>
+                        </m:r>
+                        <m:r>
+                          <a:rPr lang="en-PH" sz="2400" b="0" i="1" smtClean="0">
+                            <a:latin typeface="Cambria Math" panose="02040503050406030204" pitchFamily="18" charset="0"/>
+                          </a:rPr>
+                          <m:t>𝑗</m:t>
+                        </m:r>
+                      </m:sub>
+                    </m:sSub>
+                  </m:oMath>
+                </a14:m>
+                <a:r>
+                  <a:rPr lang="en-PH" sz="2400" dirty="0"/>
+                  <a:t> in the next time step</a:t>
+                </a:r>
+              </a:p>
+            </p:txBody>
+          </p:sp>
+        </mc:Choice>
+        <mc:Fallback>
+          <p:sp>
+            <p:nvSpPr>
+              <p:cNvPr id="13" name="Flowchart: Process 12">
+                <a:extLst>
+                  <a:ext uri="{FF2B5EF4-FFF2-40B4-BE49-F238E27FC236}">
+                    <a16:creationId xmlns:a16="http://schemas.microsoft.com/office/drawing/2014/main" id="{BA73112E-0592-F68B-E2B5-E64CDD8BC116}"/>
+                  </a:ext>
+                </a:extLst>
+              </p:cNvPr>
+              <p:cNvSpPr>
+                <a:spLocks noRot="1" noChangeAspect="1" noMove="1" noResize="1" noEditPoints="1" noAdjustHandles="1" noChangeArrowheads="1" noChangeShapeType="1" noTextEdit="1"/>
+              </p:cNvSpPr>
+              <p:nvPr/>
+            </p:nvSpPr>
+            <p:spPr>
+              <a:xfrm>
+                <a:off x="794746" y="4196739"/>
+                <a:ext cx="2379067" cy="2086004"/>
+              </a:xfrm>
+              <a:prstGeom prst="flowChartProcess">
+                <a:avLst/>
+              </a:prstGeom>
+              <a:blipFill>
+                <a:blip r:embed="rId8"/>
+                <a:stretch>
+                  <a:fillRect l="-750" r="-2750" b="-3977"/>
+                </a:stretch>
+              </a:blipFill>
+              <a:ln w="57150"/>
+            </p:spPr>
+            <p:txBody>
+              <a:bodyPr/>
+              <a:lstStyle/>
+              <a:p>
+                <a:r>
+                  <a:rPr lang="en-PH">
+                    <a:noFill/>
+                  </a:rPr>
+                  <a:t> </a:t>
+                </a:r>
+              </a:p>
+            </p:txBody>
+          </p:sp>
+        </mc:Fallback>
+      </mc:AlternateContent>
+      <p:sp>
+        <p:nvSpPr>
+          <p:cNvPr id="14" name="TextBox 13">
+            <a:extLst>
+              <a:ext uri="{FF2B5EF4-FFF2-40B4-BE49-F238E27FC236}">
+                <a16:creationId xmlns:a16="http://schemas.microsoft.com/office/drawing/2014/main" id="{D417782A-8516-DADC-359B-7BD2E2EB416A}"/>
+              </a:ext>
+            </a:extLst>
+          </p:cNvPr>
+          <p:cNvSpPr txBox="1"/>
+          <p:nvPr/>
+        </p:nvSpPr>
+        <p:spPr>
+          <a:xfrm>
+            <a:off x="7657158" y="1013251"/>
+            <a:ext cx="1143329" cy="523220"/>
+          </a:xfrm>
+          <a:prstGeom prst="rect">
+            <a:avLst/>
+          </a:prstGeom>
+          <a:noFill/>
+        </p:spPr>
+        <p:txBody>
+          <a:bodyPr wrap="square" rtlCol="0">
+            <a:spAutoFit/>
+          </a:bodyPr>
+          <a:lstStyle/>
+          <a:p>
+            <a:r>
+              <a:rPr lang="en-PH" sz="2800" dirty="0"/>
+              <a:t>False</a:t>
+            </a:r>
+          </a:p>
+        </p:txBody>
+      </p:sp>
+      <p:cxnSp>
+        <p:nvCxnSpPr>
+          <p:cNvPr id="15" name="Straight Arrow Connector 14">
+            <a:extLst>
+              <a:ext uri="{FF2B5EF4-FFF2-40B4-BE49-F238E27FC236}">
+                <a16:creationId xmlns:a16="http://schemas.microsoft.com/office/drawing/2014/main" id="{5A649764-06BA-293C-E408-9CDF596936E2}"/>
+              </a:ext>
+            </a:extLst>
+          </p:cNvPr>
+          <p:cNvCxnSpPr>
+            <a:cxnSpLocks/>
+            <a:stCxn id="7" idx="2"/>
+            <a:endCxn id="9" idx="0"/>
+          </p:cNvCxnSpPr>
+          <p:nvPr/>
+        </p:nvCxnSpPr>
+        <p:spPr>
+          <a:xfrm flipH="1">
+            <a:off x="10401468" y="1870342"/>
+            <a:ext cx="35168" cy="976082"/>
+          </a:xfrm>
+          <a:prstGeom prst="straightConnector1">
+            <a:avLst/>
+          </a:prstGeom>
+          <a:ln w="57150">
+            <a:tailEnd type="triangle"/>
+          </a:ln>
+        </p:spPr>
+        <p:style>
+          <a:lnRef idx="2">
+            <a:schemeClr val="dk1"/>
+          </a:lnRef>
+          <a:fillRef idx="0">
+            <a:schemeClr val="dk1"/>
+          </a:fillRef>
+          <a:effectRef idx="1">
+            <a:schemeClr val="dk1"/>
+          </a:effectRef>
+          <a:fontRef idx="minor">
+            <a:schemeClr val="tx1"/>
+          </a:fontRef>
+        </p:style>
+      </p:cxnSp>
+      <p:cxnSp>
+        <p:nvCxnSpPr>
+          <p:cNvPr id="16" name="Straight Arrow Connector 15">
+            <a:extLst>
+              <a:ext uri="{FF2B5EF4-FFF2-40B4-BE49-F238E27FC236}">
+                <a16:creationId xmlns:a16="http://schemas.microsoft.com/office/drawing/2014/main" id="{F5D8B071-FF3E-DAE8-B66F-1FC6FDD01685}"/>
+              </a:ext>
+            </a:extLst>
+          </p:cNvPr>
+          <p:cNvCxnSpPr>
+            <a:cxnSpLocks/>
+            <a:stCxn id="10" idx="2"/>
+            <a:endCxn id="12" idx="0"/>
+          </p:cNvCxnSpPr>
+          <p:nvPr/>
+        </p:nvCxnSpPr>
+        <p:spPr>
+          <a:xfrm>
+            <a:off x="6784153" y="1870341"/>
+            <a:ext cx="0" cy="1231501"/>
+          </a:xfrm>
+          <a:prstGeom prst="straightConnector1">
+            <a:avLst/>
+          </a:prstGeom>
+          <a:ln w="57150">
+            <a:tailEnd type="triangle"/>
+          </a:ln>
+        </p:spPr>
+        <p:style>
+          <a:lnRef idx="2">
+            <a:schemeClr val="dk1"/>
+          </a:lnRef>
+          <a:fillRef idx="0">
+            <a:schemeClr val="dk1"/>
+          </a:fillRef>
+          <a:effectRef idx="1">
+            <a:schemeClr val="dk1"/>
+          </a:effectRef>
+          <a:fontRef idx="minor">
+            <a:schemeClr val="tx1"/>
+          </a:fontRef>
+        </p:style>
+      </p:cxnSp>
+      <p:cxnSp>
+        <p:nvCxnSpPr>
+          <p:cNvPr id="17" name="Straight Arrow Connector 16">
+            <a:extLst>
+              <a:ext uri="{FF2B5EF4-FFF2-40B4-BE49-F238E27FC236}">
+                <a16:creationId xmlns:a16="http://schemas.microsoft.com/office/drawing/2014/main" id="{CA49C09E-0E6B-0A28-A168-6CD9008AFC7D}"/>
+              </a:ext>
+            </a:extLst>
+          </p:cNvPr>
+          <p:cNvCxnSpPr>
+            <a:cxnSpLocks/>
+            <a:stCxn id="9" idx="1"/>
+            <a:endCxn id="12" idx="3"/>
+          </p:cNvCxnSpPr>
+          <p:nvPr/>
+        </p:nvCxnSpPr>
+        <p:spPr>
+          <a:xfrm flipH="1">
+            <a:off x="7973686" y="4508445"/>
+            <a:ext cx="717698" cy="12762"/>
+          </a:xfrm>
+          <a:prstGeom prst="straightConnector1">
+            <a:avLst/>
+          </a:prstGeom>
+          <a:ln w="57150">
+            <a:tailEnd type="triangle"/>
+          </a:ln>
+        </p:spPr>
+        <p:style>
+          <a:lnRef idx="2">
+            <a:schemeClr val="dk1"/>
+          </a:lnRef>
+          <a:fillRef idx="0">
+            <a:schemeClr val="dk1"/>
+          </a:fillRef>
+          <a:effectRef idx="1">
+            <a:schemeClr val="dk1"/>
+          </a:effectRef>
+          <a:fontRef idx="minor">
+            <a:schemeClr val="tx1"/>
+          </a:fontRef>
+        </p:style>
+      </p:cxnSp>
+      <p:sp>
+        <p:nvSpPr>
+          <p:cNvPr id="18" name="TextBox 17">
+            <a:extLst>
+              <a:ext uri="{FF2B5EF4-FFF2-40B4-BE49-F238E27FC236}">
+                <a16:creationId xmlns:a16="http://schemas.microsoft.com/office/drawing/2014/main" id="{6A5B2EB9-22E9-35B7-31D9-4055D43EDC5E}"/>
+              </a:ext>
+            </a:extLst>
+          </p:cNvPr>
+          <p:cNvSpPr txBox="1"/>
+          <p:nvPr/>
+        </p:nvSpPr>
+        <p:spPr>
+          <a:xfrm>
+            <a:off x="6797422" y="2434960"/>
+            <a:ext cx="910217" cy="523220"/>
+          </a:xfrm>
+          <a:prstGeom prst="rect">
+            <a:avLst/>
+          </a:prstGeom>
+          <a:noFill/>
+        </p:spPr>
+        <p:txBody>
+          <a:bodyPr wrap="square" rtlCol="0">
+            <a:spAutoFit/>
+          </a:bodyPr>
+          <a:lstStyle/>
+          <a:p>
+            <a:r>
+              <a:rPr lang="en-PH" sz="2800" dirty="0"/>
+              <a:t>True</a:t>
+            </a:r>
+          </a:p>
+        </p:txBody>
+      </p:sp>
+      <p:sp>
+        <p:nvSpPr>
+          <p:cNvPr id="19" name="TextBox 18">
+            <a:extLst>
+              <a:ext uri="{FF2B5EF4-FFF2-40B4-BE49-F238E27FC236}">
+                <a16:creationId xmlns:a16="http://schemas.microsoft.com/office/drawing/2014/main" id="{5E8CB58F-1A4B-D28D-0A66-12F94290F3BD}"/>
+              </a:ext>
+            </a:extLst>
+          </p:cNvPr>
+          <p:cNvSpPr txBox="1"/>
+          <p:nvPr/>
+        </p:nvSpPr>
+        <p:spPr>
+          <a:xfrm>
+            <a:off x="8137185" y="4546687"/>
+            <a:ext cx="910217" cy="523220"/>
+          </a:xfrm>
+          <a:prstGeom prst="rect">
+            <a:avLst/>
+          </a:prstGeom>
+          <a:noFill/>
+        </p:spPr>
+        <p:txBody>
+          <a:bodyPr wrap="square" rtlCol="0">
+            <a:spAutoFit/>
+          </a:bodyPr>
+          <a:lstStyle/>
+          <a:p>
+            <a:r>
+              <a:rPr lang="en-PH" sz="2800" dirty="0"/>
+              <a:t>True</a:t>
+            </a:r>
+          </a:p>
+        </p:txBody>
+      </p:sp>
+      <p:cxnSp>
+        <p:nvCxnSpPr>
+          <p:cNvPr id="20" name="Connector: Elbow 19">
+            <a:extLst>
+              <a:ext uri="{FF2B5EF4-FFF2-40B4-BE49-F238E27FC236}">
+                <a16:creationId xmlns:a16="http://schemas.microsoft.com/office/drawing/2014/main" id="{48AED5B3-9A8A-59C6-7BBB-DEA0C47E9EA4}"/>
+              </a:ext>
+            </a:extLst>
+          </p:cNvPr>
+          <p:cNvCxnSpPr>
+            <a:cxnSpLocks/>
+            <a:stCxn id="9" idx="2"/>
+            <a:endCxn id="13" idx="2"/>
+          </p:cNvCxnSpPr>
+          <p:nvPr/>
+        </p:nvCxnSpPr>
+        <p:spPr>
+          <a:xfrm rot="5400000">
+            <a:off x="6136735" y="2018010"/>
+            <a:ext cx="112278" cy="8417188"/>
+          </a:xfrm>
+          <a:prstGeom prst="bentConnector3">
+            <a:avLst>
+              <a:gd name="adj1" fmla="val 478118"/>
+            </a:avLst>
+          </a:prstGeom>
+          <a:ln w="57150">
+            <a:tailEnd type="triangle"/>
+          </a:ln>
+        </p:spPr>
+        <p:style>
+          <a:lnRef idx="2">
+            <a:schemeClr val="dk1"/>
+          </a:lnRef>
+          <a:fillRef idx="0">
+            <a:schemeClr val="dk1"/>
+          </a:fillRef>
+          <a:effectRef idx="1">
+            <a:schemeClr val="dk1"/>
+          </a:effectRef>
+          <a:fontRef idx="minor">
+            <a:schemeClr val="tx1"/>
+          </a:fontRef>
+        </p:style>
+      </p:cxnSp>
+      <p:cxnSp>
+        <p:nvCxnSpPr>
+          <p:cNvPr id="21" name="Connector: Elbow 20">
+            <a:extLst>
+              <a:ext uri="{FF2B5EF4-FFF2-40B4-BE49-F238E27FC236}">
+                <a16:creationId xmlns:a16="http://schemas.microsoft.com/office/drawing/2014/main" id="{1C0DD4B5-E800-399E-DCFA-A5C269F0EEC2}"/>
+              </a:ext>
+            </a:extLst>
+          </p:cNvPr>
+          <p:cNvCxnSpPr>
+            <a:cxnSpLocks/>
+            <a:stCxn id="13" idx="3"/>
+            <a:endCxn id="34" idx="2"/>
+          </p:cNvCxnSpPr>
+          <p:nvPr/>
+        </p:nvCxnSpPr>
+        <p:spPr>
+          <a:xfrm flipV="1">
+            <a:off x="3173813" y="4070644"/>
+            <a:ext cx="896335" cy="1169097"/>
+          </a:xfrm>
+          <a:prstGeom prst="bentConnector2">
+            <a:avLst/>
+          </a:prstGeom>
+          <a:ln w="57150">
+            <a:tailEnd type="triangle"/>
+          </a:ln>
+        </p:spPr>
+        <p:style>
+          <a:lnRef idx="2">
+            <a:schemeClr val="dk1"/>
+          </a:lnRef>
+          <a:fillRef idx="0">
+            <a:schemeClr val="dk1"/>
+          </a:fillRef>
+          <a:effectRef idx="1">
+            <a:schemeClr val="dk1"/>
+          </a:effectRef>
+          <a:fontRef idx="minor">
+            <a:schemeClr val="tx1"/>
+          </a:fontRef>
+        </p:style>
+      </p:cxnSp>
+      <p:cxnSp>
+        <p:nvCxnSpPr>
+          <p:cNvPr id="22" name="Connector: Elbow 21">
+            <a:extLst>
+              <a:ext uri="{FF2B5EF4-FFF2-40B4-BE49-F238E27FC236}">
+                <a16:creationId xmlns:a16="http://schemas.microsoft.com/office/drawing/2014/main" id="{863D097E-701B-BA78-FF78-7B15DEA2BDC1}"/>
+              </a:ext>
+            </a:extLst>
+          </p:cNvPr>
+          <p:cNvCxnSpPr>
+            <a:cxnSpLocks/>
+            <a:stCxn id="12" idx="1"/>
+            <a:endCxn id="34" idx="2"/>
+          </p:cNvCxnSpPr>
+          <p:nvPr/>
+        </p:nvCxnSpPr>
+        <p:spPr>
+          <a:xfrm rot="10800000">
+            <a:off x="4070149" y="4070645"/>
+            <a:ext cx="1524471" cy="450563"/>
+          </a:xfrm>
+          <a:prstGeom prst="bentConnector2">
+            <a:avLst/>
+          </a:prstGeom>
+          <a:ln w="57150">
+            <a:tailEnd type="triangle"/>
+          </a:ln>
+        </p:spPr>
+        <p:style>
+          <a:lnRef idx="2">
+            <a:schemeClr val="dk1"/>
+          </a:lnRef>
+          <a:fillRef idx="0">
+            <a:schemeClr val="dk1"/>
+          </a:fillRef>
+          <a:effectRef idx="1">
+            <a:schemeClr val="dk1"/>
+          </a:effectRef>
+          <a:fontRef idx="minor">
+            <a:schemeClr val="tx1"/>
+          </a:fontRef>
+        </p:style>
+      </p:cxnSp>
+      <p:sp>
+        <p:nvSpPr>
+          <p:cNvPr id="23" name="TextBox 22">
+            <a:extLst>
+              <a:ext uri="{FF2B5EF4-FFF2-40B4-BE49-F238E27FC236}">
+                <a16:creationId xmlns:a16="http://schemas.microsoft.com/office/drawing/2014/main" id="{3D25A8B2-A2B8-5596-A523-13431F4A0046}"/>
+              </a:ext>
+            </a:extLst>
+          </p:cNvPr>
+          <p:cNvSpPr txBox="1"/>
+          <p:nvPr/>
+        </p:nvSpPr>
+        <p:spPr>
+          <a:xfrm>
+            <a:off x="9258138" y="6185059"/>
+            <a:ext cx="1143329" cy="523220"/>
+          </a:xfrm>
+          <a:prstGeom prst="rect">
+            <a:avLst/>
+          </a:prstGeom>
+          <a:noFill/>
+        </p:spPr>
+        <p:txBody>
+          <a:bodyPr wrap="square" rtlCol="0">
+            <a:spAutoFit/>
+          </a:bodyPr>
+          <a:lstStyle/>
+          <a:p>
+            <a:r>
+              <a:rPr lang="en-PH" sz="2800" dirty="0"/>
+              <a:t>False</a:t>
+            </a:r>
+          </a:p>
+        </p:txBody>
+      </p:sp>
+      <mc:AlternateContent xmlns:mc="http://schemas.openxmlformats.org/markup-compatibility/2006">
+        <mc:Choice xmlns:a14="http://schemas.microsoft.com/office/drawing/2010/main" Requires="a14">
+          <p:sp>
+            <p:nvSpPr>
+              <p:cNvPr id="34" name="Flowchart: Decision 33">
+                <a:extLst>
+                  <a:ext uri="{FF2B5EF4-FFF2-40B4-BE49-F238E27FC236}">
+                    <a16:creationId xmlns:a16="http://schemas.microsoft.com/office/drawing/2014/main" id="{779F8355-A256-55A5-EBB1-1BEC3B216927}"/>
+                  </a:ext>
+                </a:extLst>
+              </p:cNvPr>
+              <p:cNvSpPr/>
+              <p:nvPr/>
+            </p:nvSpPr>
+            <p:spPr>
+              <a:xfrm>
+                <a:off x="2988933" y="2051887"/>
+                <a:ext cx="2162429" cy="2018757"/>
+              </a:xfrm>
+              <a:prstGeom prst="flowChartDecision">
+                <a:avLst/>
+              </a:prstGeom>
+              <a:ln w="57150"/>
+            </p:spPr>
+            <p:style>
+              <a:lnRef idx="2">
+                <a:schemeClr val="dk1"/>
+              </a:lnRef>
+              <a:fillRef idx="1">
+                <a:schemeClr val="lt1"/>
+              </a:fillRef>
+              <a:effectRef idx="0">
+                <a:schemeClr val="dk1"/>
+              </a:effectRef>
+              <a:fontRef idx="minor">
+                <a:schemeClr val="dk1"/>
+              </a:fontRef>
+            </p:style>
+            <p:txBody>
+              <a:bodyPr rtlCol="0" anchor="ctr"/>
+              <a:lstStyle/>
+              <a:p>
+                <a:pPr algn="ctr"/>
+                <a:r>
+                  <a:rPr lang="en-PH" sz="2800" dirty="0"/>
+                  <a:t>Done for all </a:t>
+                </a:r>
+                <a14:m>
+                  <m:oMath xmlns:m="http://schemas.openxmlformats.org/officeDocument/2006/math">
+                    <m:r>
+                      <a:rPr lang="en-PH" sz="2800" b="0" i="1" smtClean="0">
+                        <a:latin typeface="Cambria Math" panose="02040503050406030204" pitchFamily="18" charset="0"/>
+                      </a:rPr>
+                      <m:t>𝑖</m:t>
+                    </m:r>
+                    <m:r>
+                      <a:rPr lang="en-PH" sz="2800" b="0" i="1" smtClean="0">
+                        <a:latin typeface="Cambria Math" panose="02040503050406030204" pitchFamily="18" charset="0"/>
+                      </a:rPr>
+                      <m:t>,</m:t>
+                    </m:r>
+                    <m:r>
+                      <a:rPr lang="en-PH" sz="2800" b="0" i="1" smtClean="0">
+                        <a:latin typeface="Cambria Math" panose="02040503050406030204" pitchFamily="18" charset="0"/>
+                      </a:rPr>
+                      <m:t>𝑗</m:t>
+                    </m:r>
+                  </m:oMath>
+                </a14:m>
+                <a:endParaRPr lang="en-PH" sz="2800" dirty="0"/>
+              </a:p>
+            </p:txBody>
+          </p:sp>
+        </mc:Choice>
+        <mc:Fallback>
+          <p:sp>
+            <p:nvSpPr>
+              <p:cNvPr id="34" name="Flowchart: Decision 33">
+                <a:extLst>
+                  <a:ext uri="{FF2B5EF4-FFF2-40B4-BE49-F238E27FC236}">
+                    <a16:creationId xmlns:a16="http://schemas.microsoft.com/office/drawing/2014/main" id="{779F8355-A256-55A5-EBB1-1BEC3B216927}"/>
+                  </a:ext>
+                </a:extLst>
+              </p:cNvPr>
+              <p:cNvSpPr>
+                <a:spLocks noRot="1" noChangeAspect="1" noMove="1" noResize="1" noEditPoints="1" noAdjustHandles="1" noChangeArrowheads="1" noChangeShapeType="1" noTextEdit="1"/>
+              </p:cNvSpPr>
+              <p:nvPr/>
+            </p:nvSpPr>
+            <p:spPr>
+              <a:xfrm>
+                <a:off x="2988933" y="2051887"/>
+                <a:ext cx="2162429" cy="2018757"/>
+              </a:xfrm>
+              <a:prstGeom prst="flowChartDecision">
+                <a:avLst/>
+              </a:prstGeom>
+              <a:blipFill>
+                <a:blip r:embed="rId9"/>
+                <a:stretch>
+                  <a:fillRect/>
+                </a:stretch>
+              </a:blipFill>
+              <a:ln w="57150"/>
+            </p:spPr>
+            <p:txBody>
+              <a:bodyPr/>
+              <a:lstStyle/>
+              <a:p>
+                <a:r>
+                  <a:rPr lang="en-PH">
+                    <a:noFill/>
+                  </a:rPr>
+                  <a:t> </a:t>
+                </a:r>
+              </a:p>
+            </p:txBody>
+          </p:sp>
+        </mc:Fallback>
+      </mc:AlternateContent>
+      <p:sp>
+        <p:nvSpPr>
+          <p:cNvPr id="35" name="Oval 34">
+            <a:extLst>
+              <a:ext uri="{FF2B5EF4-FFF2-40B4-BE49-F238E27FC236}">
+                <a16:creationId xmlns:a16="http://schemas.microsoft.com/office/drawing/2014/main" id="{DE21BB8B-9476-D517-5651-9B6FB72BC50F}"/>
+              </a:ext>
+            </a:extLst>
+          </p:cNvPr>
+          <p:cNvSpPr/>
+          <p:nvPr/>
+        </p:nvSpPr>
+        <p:spPr>
+          <a:xfrm>
+            <a:off x="-6798086" y="319882"/>
+            <a:ext cx="1767010" cy="1386739"/>
+          </a:xfrm>
+          <a:prstGeom prst="ellipse">
+            <a:avLst/>
+          </a:prstGeom>
+          <a:solidFill>
+            <a:schemeClr val="bg1"/>
+          </a:solidFill>
+          <a:ln w="57150">
+            <a:solidFill>
+              <a:schemeClr val="tx1"/>
+            </a:solidFill>
+          </a:ln>
+        </p:spPr>
+        <p:style>
+          <a:lnRef idx="2">
+            <a:schemeClr val="accent6"/>
+          </a:lnRef>
+          <a:fillRef idx="1">
+            <a:schemeClr val="lt1"/>
+          </a:fillRef>
+          <a:effectRef idx="0">
+            <a:schemeClr val="accent6"/>
+          </a:effectRef>
+          <a:fontRef idx="minor">
+            <a:schemeClr val="dk1"/>
+          </a:fontRef>
+        </p:style>
+        <p:txBody>
+          <a:bodyPr rtlCol="0" anchor="ctr"/>
+          <a:lstStyle/>
+          <a:p>
+            <a:pPr algn="ctr"/>
+            <a:r>
+              <a:rPr lang="en-PH" sz="2800" dirty="0"/>
+              <a:t>Begin</a:t>
+            </a:r>
+          </a:p>
+        </p:txBody>
+      </p:sp>
+      <p:cxnSp>
+        <p:nvCxnSpPr>
+          <p:cNvPr id="44" name="Straight Arrow Connector 43">
+            <a:extLst>
+              <a:ext uri="{FF2B5EF4-FFF2-40B4-BE49-F238E27FC236}">
+                <a16:creationId xmlns:a16="http://schemas.microsoft.com/office/drawing/2014/main" id="{528E2522-BE11-2350-6C50-D98F8474DAE9}"/>
+              </a:ext>
+            </a:extLst>
+          </p:cNvPr>
+          <p:cNvCxnSpPr>
+            <a:cxnSpLocks/>
+            <a:stCxn id="34" idx="0"/>
+            <a:endCxn id="4" idx="2"/>
+          </p:cNvCxnSpPr>
+          <p:nvPr/>
+        </p:nvCxnSpPr>
+        <p:spPr>
+          <a:xfrm flipV="1">
+            <a:off x="4070148" y="1644849"/>
+            <a:ext cx="0" cy="407038"/>
+          </a:xfrm>
+          <a:prstGeom prst="straightConnector1">
+            <a:avLst/>
+          </a:prstGeom>
+          <a:ln w="57150">
+            <a:solidFill>
+              <a:schemeClr val="tx1"/>
+            </a:solidFill>
+            <a:tailEnd type="triangle"/>
+          </a:ln>
+        </p:spPr>
+        <p:style>
+          <a:lnRef idx="2">
+            <a:schemeClr val="accent1"/>
+          </a:lnRef>
+          <a:fillRef idx="0">
+            <a:schemeClr val="accent1"/>
+          </a:fillRef>
+          <a:effectRef idx="1">
+            <a:schemeClr val="accent1"/>
+          </a:effectRef>
+          <a:fontRef idx="minor">
+            <a:schemeClr val="tx1"/>
+          </a:fontRef>
+        </p:style>
+      </p:cxnSp>
+      <p:sp>
+        <p:nvSpPr>
+          <p:cNvPr id="45" name="TextBox 44">
+            <a:extLst>
+              <a:ext uri="{FF2B5EF4-FFF2-40B4-BE49-F238E27FC236}">
+                <a16:creationId xmlns:a16="http://schemas.microsoft.com/office/drawing/2014/main" id="{08FAEB32-145B-58DF-F602-F549CF3D3FCD}"/>
+              </a:ext>
+            </a:extLst>
+          </p:cNvPr>
+          <p:cNvSpPr txBox="1"/>
+          <p:nvPr/>
+        </p:nvSpPr>
+        <p:spPr>
+          <a:xfrm>
+            <a:off x="4083533" y="1674552"/>
+            <a:ext cx="1143329" cy="523220"/>
+          </a:xfrm>
+          <a:prstGeom prst="rect">
+            <a:avLst/>
+          </a:prstGeom>
+          <a:noFill/>
+        </p:spPr>
+        <p:txBody>
+          <a:bodyPr wrap="square" rtlCol="0">
+            <a:spAutoFit/>
+          </a:bodyPr>
+          <a:lstStyle/>
+          <a:p>
+            <a:r>
+              <a:rPr lang="en-PH" sz="2800" dirty="0"/>
+              <a:t>False</a:t>
+            </a:r>
+          </a:p>
+        </p:txBody>
+      </p:sp>
+      <p:sp>
+        <p:nvSpPr>
+          <p:cNvPr id="49" name="TextBox 48">
+            <a:extLst>
+              <a:ext uri="{FF2B5EF4-FFF2-40B4-BE49-F238E27FC236}">
+                <a16:creationId xmlns:a16="http://schemas.microsoft.com/office/drawing/2014/main" id="{BCFC339D-CA26-6931-3602-E42F8E1A7A8C}"/>
+              </a:ext>
+            </a:extLst>
+          </p:cNvPr>
+          <p:cNvSpPr txBox="1"/>
+          <p:nvPr/>
+        </p:nvSpPr>
+        <p:spPr>
+          <a:xfrm>
+            <a:off x="2038396" y="2547954"/>
+            <a:ext cx="910217" cy="523220"/>
+          </a:xfrm>
+          <a:prstGeom prst="rect">
+            <a:avLst/>
+          </a:prstGeom>
+          <a:noFill/>
+        </p:spPr>
+        <p:txBody>
+          <a:bodyPr wrap="square" rtlCol="0">
+            <a:spAutoFit/>
+          </a:bodyPr>
+          <a:lstStyle/>
+          <a:p>
+            <a:r>
+              <a:rPr lang="en-PH" sz="2800" dirty="0"/>
+              <a:t>True</a:t>
+            </a:r>
+          </a:p>
+        </p:txBody>
+      </p:sp>
+      <p:sp>
+        <p:nvSpPr>
+          <p:cNvPr id="53" name="Flowchart: Decision 52">
+            <a:extLst>
+              <a:ext uri="{FF2B5EF4-FFF2-40B4-BE49-F238E27FC236}">
+                <a16:creationId xmlns:a16="http://schemas.microsoft.com/office/drawing/2014/main" id="{1C182E96-B40B-9825-D08A-BD264631FBBA}"/>
+              </a:ext>
+            </a:extLst>
+          </p:cNvPr>
+          <p:cNvSpPr/>
+          <p:nvPr/>
+        </p:nvSpPr>
+        <p:spPr>
+          <a:xfrm>
+            <a:off x="-3027675" y="2016029"/>
+            <a:ext cx="3376406" cy="2171625"/>
+          </a:xfrm>
+          <a:prstGeom prst="flowChartDecision">
+            <a:avLst/>
+          </a:prstGeom>
+          <a:ln w="57150"/>
+        </p:spPr>
+        <p:style>
+          <a:lnRef idx="2">
+            <a:schemeClr val="dk1"/>
+          </a:lnRef>
+          <a:fillRef idx="1">
+            <a:schemeClr val="lt1"/>
+          </a:fillRef>
+          <a:effectRef idx="0">
+            <a:schemeClr val="dk1"/>
+          </a:effectRef>
+          <a:fontRef idx="minor">
+            <a:schemeClr val="dk1"/>
+          </a:fontRef>
+        </p:style>
+        <p:txBody>
+          <a:bodyPr rtlCol="0" anchor="ctr"/>
+          <a:lstStyle/>
+          <a:p>
+            <a:pPr algn="ctr"/>
+            <a:r>
+              <a:rPr lang="en-PH" sz="2800" dirty="0"/>
+              <a:t>Steady state achieved</a:t>
+            </a:r>
+          </a:p>
+        </p:txBody>
+      </p:sp>
+      <p:cxnSp>
+        <p:nvCxnSpPr>
+          <p:cNvPr id="55" name="Straight Arrow Connector 54">
+            <a:extLst>
+              <a:ext uri="{FF2B5EF4-FFF2-40B4-BE49-F238E27FC236}">
+                <a16:creationId xmlns:a16="http://schemas.microsoft.com/office/drawing/2014/main" id="{0CE86FFD-4E63-4442-4D73-CBC83972E14A}"/>
+              </a:ext>
+            </a:extLst>
+          </p:cNvPr>
+          <p:cNvCxnSpPr>
+            <a:cxnSpLocks/>
+            <a:stCxn id="34" idx="1"/>
+            <a:endCxn id="53" idx="3"/>
+          </p:cNvCxnSpPr>
+          <p:nvPr/>
+        </p:nvCxnSpPr>
+        <p:spPr>
+          <a:xfrm flipH="1">
+            <a:off x="348731" y="3061266"/>
+            <a:ext cx="2640202" cy="40576"/>
+          </a:xfrm>
+          <a:prstGeom prst="straightConnector1">
+            <a:avLst/>
+          </a:prstGeom>
+          <a:ln w="57150">
+            <a:solidFill>
+              <a:schemeClr val="tx1"/>
+            </a:solidFill>
+            <a:tailEnd type="triangle"/>
+          </a:ln>
+        </p:spPr>
+        <p:style>
+          <a:lnRef idx="2">
+            <a:schemeClr val="accent1"/>
+          </a:lnRef>
+          <a:fillRef idx="0">
+            <a:schemeClr val="accent1"/>
+          </a:fillRef>
+          <a:effectRef idx="1">
+            <a:schemeClr val="accent1"/>
+          </a:effectRef>
+          <a:fontRef idx="minor">
+            <a:schemeClr val="tx1"/>
+          </a:fontRef>
+        </p:style>
+      </p:cxnSp>
+      <p:cxnSp>
+        <p:nvCxnSpPr>
+          <p:cNvPr id="58" name="Straight Arrow Connector 57">
+            <a:extLst>
+              <a:ext uri="{FF2B5EF4-FFF2-40B4-BE49-F238E27FC236}">
+                <a16:creationId xmlns:a16="http://schemas.microsoft.com/office/drawing/2014/main" id="{18FBA621-267B-1C08-FFFF-4799BB236CB5}"/>
+              </a:ext>
+            </a:extLst>
+          </p:cNvPr>
+          <p:cNvCxnSpPr>
+            <a:cxnSpLocks/>
+            <a:stCxn id="53" idx="0"/>
+          </p:cNvCxnSpPr>
+          <p:nvPr/>
+        </p:nvCxnSpPr>
+        <p:spPr>
+          <a:xfrm flipV="1">
+            <a:off x="-1339472" y="1013252"/>
+            <a:ext cx="16031" cy="1002777"/>
+          </a:xfrm>
+          <a:prstGeom prst="straightConnector1">
+            <a:avLst/>
+          </a:prstGeom>
+          <a:ln w="57150">
+            <a:tailEnd type="triangle"/>
+          </a:ln>
+        </p:spPr>
+        <p:style>
+          <a:lnRef idx="2">
+            <a:schemeClr val="dk1"/>
+          </a:lnRef>
+          <a:fillRef idx="0">
+            <a:schemeClr val="dk1"/>
+          </a:fillRef>
+          <a:effectRef idx="1">
+            <a:schemeClr val="dk1"/>
+          </a:effectRef>
+          <a:fontRef idx="minor">
+            <a:schemeClr val="tx1"/>
+          </a:fontRef>
+        </p:style>
+      </p:cxnSp>
+      <p:sp>
+        <p:nvSpPr>
+          <p:cNvPr id="60" name="TextBox 59">
+            <a:extLst>
+              <a:ext uri="{FF2B5EF4-FFF2-40B4-BE49-F238E27FC236}">
+                <a16:creationId xmlns:a16="http://schemas.microsoft.com/office/drawing/2014/main" id="{5F95A007-DFF0-213D-B950-51F45FE0C095}"/>
+              </a:ext>
+            </a:extLst>
+          </p:cNvPr>
+          <p:cNvSpPr txBox="1"/>
+          <p:nvPr/>
+        </p:nvSpPr>
+        <p:spPr>
+          <a:xfrm>
+            <a:off x="-1311432" y="1439863"/>
+            <a:ext cx="1143329" cy="523220"/>
+          </a:xfrm>
+          <a:prstGeom prst="rect">
+            <a:avLst/>
+          </a:prstGeom>
+          <a:noFill/>
+        </p:spPr>
+        <p:txBody>
+          <a:bodyPr wrap="square" rtlCol="0">
+            <a:spAutoFit/>
+          </a:bodyPr>
+          <a:lstStyle/>
+          <a:p>
+            <a:r>
+              <a:rPr lang="en-PH" sz="2800" dirty="0"/>
+              <a:t>False</a:t>
+            </a:r>
+          </a:p>
+        </p:txBody>
+      </p:sp>
+      <p:sp>
+        <p:nvSpPr>
+          <p:cNvPr id="61" name="TextBox 60">
+            <a:extLst>
+              <a:ext uri="{FF2B5EF4-FFF2-40B4-BE49-F238E27FC236}">
+                <a16:creationId xmlns:a16="http://schemas.microsoft.com/office/drawing/2014/main" id="{DEC61A45-7C92-99B7-F4E2-5A7D0C84C926}"/>
+              </a:ext>
+            </a:extLst>
+          </p:cNvPr>
+          <p:cNvSpPr txBox="1"/>
+          <p:nvPr/>
+        </p:nvSpPr>
+        <p:spPr>
+          <a:xfrm>
+            <a:off x="-4024690" y="2593268"/>
+            <a:ext cx="910217" cy="523220"/>
+          </a:xfrm>
+          <a:prstGeom prst="rect">
+            <a:avLst/>
+          </a:prstGeom>
+          <a:noFill/>
+        </p:spPr>
+        <p:txBody>
+          <a:bodyPr wrap="square" rtlCol="0">
+            <a:spAutoFit/>
+          </a:bodyPr>
+          <a:lstStyle/>
+          <a:p>
+            <a:r>
+              <a:rPr lang="en-PH" sz="2800" dirty="0"/>
+              <a:t>True</a:t>
+            </a:r>
+          </a:p>
+        </p:txBody>
+      </p:sp>
+      <p:sp>
+        <p:nvSpPr>
+          <p:cNvPr id="62" name="Oval 61">
+            <a:extLst>
+              <a:ext uri="{FF2B5EF4-FFF2-40B4-BE49-F238E27FC236}">
+                <a16:creationId xmlns:a16="http://schemas.microsoft.com/office/drawing/2014/main" id="{A710FF80-0572-A61A-96FD-0EAA0922B5C1}"/>
+              </a:ext>
+            </a:extLst>
+          </p:cNvPr>
+          <p:cNvSpPr/>
+          <p:nvPr/>
+        </p:nvSpPr>
+        <p:spPr>
+          <a:xfrm>
+            <a:off x="-6842619" y="2388184"/>
+            <a:ext cx="1767010" cy="1386739"/>
+          </a:xfrm>
+          <a:prstGeom prst="ellipse">
+            <a:avLst/>
+          </a:prstGeom>
+          <a:solidFill>
+            <a:schemeClr val="bg1"/>
+          </a:solidFill>
+          <a:ln w="57150">
+            <a:solidFill>
+              <a:schemeClr val="tx1"/>
+            </a:solidFill>
+          </a:ln>
+        </p:spPr>
+        <p:style>
+          <a:lnRef idx="2">
+            <a:schemeClr val="accent6"/>
+          </a:lnRef>
+          <a:fillRef idx="1">
+            <a:schemeClr val="lt1"/>
+          </a:fillRef>
+          <a:effectRef idx="0">
+            <a:schemeClr val="accent6"/>
+          </a:effectRef>
+          <a:fontRef idx="minor">
+            <a:schemeClr val="dk1"/>
+          </a:fontRef>
+        </p:style>
+        <p:txBody>
+          <a:bodyPr rtlCol="0" anchor="ctr"/>
+          <a:lstStyle/>
+          <a:p>
+            <a:pPr algn="ctr"/>
+            <a:r>
+              <a:rPr lang="en-PH" sz="2800" dirty="0"/>
+              <a:t>End</a:t>
+            </a:r>
+          </a:p>
+        </p:txBody>
+      </p:sp>
+      <p:cxnSp>
+        <p:nvCxnSpPr>
+          <p:cNvPr id="64" name="Straight Arrow Connector 63">
+            <a:extLst>
+              <a:ext uri="{FF2B5EF4-FFF2-40B4-BE49-F238E27FC236}">
+                <a16:creationId xmlns:a16="http://schemas.microsoft.com/office/drawing/2014/main" id="{00C49729-275F-F229-57B3-40EACE11203C}"/>
+              </a:ext>
+            </a:extLst>
+          </p:cNvPr>
+          <p:cNvCxnSpPr>
+            <a:cxnSpLocks/>
+            <a:stCxn id="53" idx="1"/>
+            <a:endCxn id="62" idx="6"/>
+          </p:cNvCxnSpPr>
+          <p:nvPr/>
+        </p:nvCxnSpPr>
+        <p:spPr>
+          <a:xfrm flipH="1" flipV="1">
+            <a:off x="-5075609" y="3081554"/>
+            <a:ext cx="2047934" cy="20288"/>
+          </a:xfrm>
+          <a:prstGeom prst="straightConnector1">
+            <a:avLst/>
+          </a:prstGeom>
+          <a:ln w="57150">
+            <a:solidFill>
+              <a:schemeClr val="tx1"/>
+            </a:solidFill>
+            <a:tailEnd type="triangle"/>
+          </a:ln>
+        </p:spPr>
+        <p:style>
+          <a:lnRef idx="2">
+            <a:schemeClr val="accent1"/>
+          </a:lnRef>
+          <a:fillRef idx="0">
+            <a:schemeClr val="accent1"/>
+          </a:fillRef>
+          <a:effectRef idx="1">
+            <a:schemeClr val="accent1"/>
+          </a:effectRef>
+          <a:fontRef idx="minor">
+            <a:schemeClr val="tx1"/>
+          </a:fontRef>
+        </p:style>
+      </p:cxnSp>
+      <p:cxnSp>
+        <p:nvCxnSpPr>
+          <p:cNvPr id="66" name="Straight Arrow Connector 65">
+            <a:extLst>
+              <a:ext uri="{FF2B5EF4-FFF2-40B4-BE49-F238E27FC236}">
+                <a16:creationId xmlns:a16="http://schemas.microsoft.com/office/drawing/2014/main" id="{8DAAEF1F-138A-C383-6845-9C61AB15161B}"/>
+              </a:ext>
+            </a:extLst>
+          </p:cNvPr>
+          <p:cNvCxnSpPr>
+            <a:cxnSpLocks/>
+            <a:stCxn id="35" idx="6"/>
+            <a:endCxn id="2" idx="1"/>
+          </p:cNvCxnSpPr>
+          <p:nvPr/>
+        </p:nvCxnSpPr>
+        <p:spPr>
+          <a:xfrm>
+            <a:off x="-5031076" y="1013252"/>
+            <a:ext cx="483694" cy="0"/>
+          </a:xfrm>
+          <a:prstGeom prst="straightConnector1">
+            <a:avLst/>
+          </a:prstGeom>
+          <a:ln w="57150">
+            <a:tailEnd type="triangle"/>
+          </a:ln>
+        </p:spPr>
+        <p:style>
+          <a:lnRef idx="2">
+            <a:schemeClr val="dk1"/>
+          </a:lnRef>
+          <a:fillRef idx="0">
+            <a:schemeClr val="dk1"/>
+          </a:fillRef>
+          <a:effectRef idx="1">
+            <a:schemeClr val="dk1"/>
+          </a:effectRef>
+          <a:fontRef idx="minor">
+            <a:schemeClr val="tx1"/>
+          </a:fontRef>
+        </p:style>
+      </p:cxnSp>
+      <p:sp>
+        <p:nvSpPr>
+          <p:cNvPr id="67" name="TextBox 66">
+            <a:extLst>
+              <a:ext uri="{FF2B5EF4-FFF2-40B4-BE49-F238E27FC236}">
+                <a16:creationId xmlns:a16="http://schemas.microsoft.com/office/drawing/2014/main" id="{E2FB7560-08BE-80AE-69FA-FFAEA6FBFC65}"/>
+              </a:ext>
+            </a:extLst>
+          </p:cNvPr>
+          <p:cNvSpPr txBox="1"/>
+          <p:nvPr/>
+        </p:nvSpPr>
+        <p:spPr>
+          <a:xfrm>
+            <a:off x="721279" y="6958860"/>
+            <a:ext cx="2526001" cy="523220"/>
+          </a:xfrm>
+          <a:prstGeom prst="rect">
+            <a:avLst/>
+          </a:prstGeom>
+          <a:noFill/>
+        </p:spPr>
+        <p:txBody>
+          <a:bodyPr wrap="square" rtlCol="0">
+            <a:spAutoFit/>
+          </a:bodyPr>
+          <a:lstStyle/>
+          <a:p>
+            <a:pPr algn="ctr"/>
+            <a:r>
+              <a:rPr lang="en-PH" sz="2800" dirty="0"/>
+              <a:t>One time step</a:t>
+            </a:r>
+          </a:p>
+        </p:txBody>
+      </p:sp>
+    </p:spTree>
+    <p:extLst>
+      <p:ext uri="{BB962C8B-B14F-4D97-AF65-F5344CB8AC3E}">
+        <p14:creationId xmlns:p14="http://schemas.microsoft.com/office/powerpoint/2010/main" val="2981562498"/>
+      </p:ext>
+    </p:extLst>
+  </p:cSld>
+  <p:clrMapOvr>
+    <a:masterClrMapping/>
+  </p:clrMapOvr>
+</p:sld>
+</file>
+
+<file path=ppt/slides/slide8.xml><?xml version="1.0" encoding="utf-8"?>
+<p:sld xmlns:a="http://schemas.openxmlformats.org/drawingml/2006/main" xmlns:r="http://schemas.openxmlformats.org/officeDocument/2006/relationships" xmlns:p="http://schemas.openxmlformats.org/presentationml/2006/main">
+  <p:cSld>
+    <p:spTree>
+      <p:nvGrpSpPr>
+        <p:cNvPr id="1" name="">
+          <a:extLst>
+            <a:ext uri="{FF2B5EF4-FFF2-40B4-BE49-F238E27FC236}">
               <a16:creationId xmlns:a16="http://schemas.microsoft.com/office/drawing/2014/main" id="{02432322-544A-50F3-7F79-5360E446656F}"/>
             </a:ext>
           </a:extLst>
@@ -13659,8 +16178,8 @@
           </a:p>
         </p:txBody>
       </p:sp>
-      <mc:AlternateContent xmlns:mc="http://schemas.openxmlformats.org/markup-compatibility/2006">
-        <mc:Choice xmlns:a14="http://schemas.microsoft.com/office/drawing/2010/main" Requires="a14">
+      <mc:AlternateContent xmlns:mc="http://schemas.openxmlformats.org/markup-compatibility/2006" xmlns:a14="http://schemas.microsoft.com/office/drawing/2010/main">
+        <mc:Choice Requires="a14">
           <p:sp>
             <p:nvSpPr>
               <p:cNvPr id="2" name="Flowchart: Process 1">
@@ -13749,7 +16268,7 @@
             </p:txBody>
           </p:sp>
         </mc:Choice>
-        <mc:Fallback>
+        <mc:Fallback xmlns="">
           <p:sp>
             <p:nvSpPr>
               <p:cNvPr id="2" name="Flowchart: Process 1">
@@ -13838,8 +16357,8 @@
           </a:fontRef>
         </p:style>
       </p:cxnSp>
-      <mc:AlternateContent xmlns:mc="http://schemas.openxmlformats.org/markup-compatibility/2006">
-        <mc:Choice xmlns:a14="http://schemas.microsoft.com/office/drawing/2010/main" Requires="a14">
+      <mc:AlternateContent xmlns:mc="http://schemas.openxmlformats.org/markup-compatibility/2006" xmlns:a14="http://schemas.microsoft.com/office/drawing/2010/main">
+        <mc:Choice Requires="a14">
           <p:sp>
             <p:nvSpPr>
               <p:cNvPr id="4" name="Flowchart: Process 3">
@@ -13931,7 +16450,7 @@
             </p:txBody>
           </p:sp>
         </mc:Choice>
-        <mc:Fallback>
+        <mc:Fallback xmlns="">
           <p:sp>
             <p:nvSpPr>
               <p:cNvPr id="4" name="Flowchart: Process 3">
@@ -14020,8 +16539,8 @@
           </a:fontRef>
         </p:style>
       </p:cxnSp>
-      <mc:AlternateContent xmlns:mc="http://schemas.openxmlformats.org/markup-compatibility/2006">
-        <mc:Choice xmlns:a14="http://schemas.microsoft.com/office/drawing/2010/main" Requires="a14">
+      <mc:AlternateContent xmlns:mc="http://schemas.openxmlformats.org/markup-compatibility/2006" xmlns:a14="http://schemas.microsoft.com/office/drawing/2010/main">
+        <mc:Choice Requires="a14">
           <p:sp>
             <p:nvSpPr>
               <p:cNvPr id="9" name="Flowchart: Decision 8">
@@ -14138,7 +16657,7 @@
             </p:txBody>
           </p:sp>
         </mc:Choice>
-        <mc:Fallback>
+        <mc:Fallback xmlns="">
           <p:sp>
             <p:nvSpPr>
               <p:cNvPr id="9" name="Flowchart: Decision 8">
@@ -14184,8 +16703,8 @@
           </p:sp>
         </mc:Fallback>
       </mc:AlternateContent>
-      <mc:AlternateContent xmlns:mc="http://schemas.openxmlformats.org/markup-compatibility/2006">
-        <mc:Choice xmlns:a14="http://schemas.microsoft.com/office/drawing/2010/main" Requires="a14">
+      <mc:AlternateContent xmlns:mc="http://schemas.openxmlformats.org/markup-compatibility/2006" xmlns:a14="http://schemas.microsoft.com/office/drawing/2010/main">
+        <mc:Choice Requires="a14">
           <p:sp>
             <p:nvSpPr>
               <p:cNvPr id="10" name="Flowchart: Decision 9">
@@ -14284,7 +16803,7 @@
             </p:txBody>
           </p:sp>
         </mc:Choice>
-        <mc:Fallback>
+        <mc:Fallback xmlns="">
           <p:sp>
             <p:nvSpPr>
               <p:cNvPr id="10" name="Flowchart: Decision 9">
@@ -14373,8 +16892,8 @@
           </a:fontRef>
         </p:style>
       </p:cxnSp>
-      <mc:AlternateContent xmlns:mc="http://schemas.openxmlformats.org/markup-compatibility/2006">
-        <mc:Choice xmlns:a14="http://schemas.microsoft.com/office/drawing/2010/main" Requires="a14">
+      <mc:AlternateContent xmlns:mc="http://schemas.openxmlformats.org/markup-compatibility/2006" xmlns:a14="http://schemas.microsoft.com/office/drawing/2010/main">
+        <mc:Choice Requires="a14">
           <p:sp>
             <p:nvSpPr>
               <p:cNvPr id="12" name="Flowchart: Process 11">
@@ -14577,7 +17096,7 @@
             </p:txBody>
           </p:sp>
         </mc:Choice>
-        <mc:Fallback>
+        <mc:Fallback xmlns="">
           <p:sp>
             <p:nvSpPr>
               <p:cNvPr id="12" name="Flowchart: Process 11">
@@ -14623,8 +17142,8 @@
           </p:sp>
         </mc:Fallback>
       </mc:AlternateContent>
-      <mc:AlternateContent xmlns:mc="http://schemas.openxmlformats.org/markup-compatibility/2006">
-        <mc:Choice xmlns:a14="http://schemas.microsoft.com/office/drawing/2010/main" Requires="a14">
+      <mc:AlternateContent xmlns:mc="http://schemas.openxmlformats.org/markup-compatibility/2006" xmlns:a14="http://schemas.microsoft.com/office/drawing/2010/main">
+        <mc:Choice Requires="a14">
           <p:sp>
             <p:nvSpPr>
               <p:cNvPr id="13" name="Flowchart: Process 12">
@@ -14827,7 +17346,7 @@
             </p:txBody>
           </p:sp>
         </mc:Choice>
-        <mc:Fallback>
+        <mc:Fallback xmlns="">
           <p:sp>
             <p:nvSpPr>
               <p:cNvPr id="13" name="Flowchart: Process 12">
@@ -15242,8 +17761,8 @@
           </a:p>
         </p:txBody>
       </p:sp>
-      <mc:AlternateContent xmlns:mc="http://schemas.openxmlformats.org/markup-compatibility/2006">
-        <mc:Choice xmlns:a14="http://schemas.microsoft.com/office/drawing/2010/main" Requires="a14">
+      <mc:AlternateContent xmlns:mc="http://schemas.openxmlformats.org/markup-compatibility/2006" xmlns:a14="http://schemas.microsoft.com/office/drawing/2010/main">
+        <mc:Choice Requires="a14">
           <p:sp>
             <p:nvSpPr>
               <p:cNvPr id="34" name="Flowchart: Decision 33">
@@ -15316,7 +17835,7 @@
             </p:txBody>
           </p:sp>
         </mc:Choice>
-        <mc:Fallback>
+        <mc:Fallback xmlns="">
           <p:sp>
             <p:nvSpPr>
               <p:cNvPr id="34" name="Flowchart: Decision 33">
@@ -15934,8 +18453,8 @@
           </a:p>
         </p:txBody>
       </p:sp>
-      <mc:AlternateContent xmlns:mc="http://schemas.openxmlformats.org/markup-compatibility/2006">
-        <mc:Choice xmlns:a14="http://schemas.microsoft.com/office/drawing/2010/main" Requires="a14">
+      <mc:AlternateContent xmlns:mc="http://schemas.openxmlformats.org/markup-compatibility/2006" xmlns:a14="http://schemas.microsoft.com/office/drawing/2010/main">
+        <mc:Choice Requires="a14">
           <p:sp>
             <p:nvSpPr>
               <p:cNvPr id="28" name="Flowchart: Process 27">
@@ -16173,7 +18692,7 @@
             </p:txBody>
           </p:sp>
         </mc:Choice>
-        <mc:Fallback>
+        <mc:Fallback xmlns="">
           <p:sp>
             <p:nvSpPr>
               <p:cNvPr id="28" name="Flowchart: Process 27">
@@ -16219,8 +18738,8 @@
           </p:sp>
         </mc:Fallback>
       </mc:AlternateContent>
-      <mc:AlternateContent xmlns:mc="http://schemas.openxmlformats.org/markup-compatibility/2006">
-        <mc:Choice xmlns:a14="http://schemas.microsoft.com/office/drawing/2010/main" Requires="a14">
+      <mc:AlternateContent xmlns:mc="http://schemas.openxmlformats.org/markup-compatibility/2006" xmlns:a14="http://schemas.microsoft.com/office/drawing/2010/main">
+        <mc:Choice Requires="a14">
           <p:sp>
             <p:nvSpPr>
               <p:cNvPr id="29" name="Flowchart: Process 28">
@@ -16564,7 +19083,7 @@
             </p:txBody>
           </p:sp>
         </mc:Choice>
-        <mc:Fallback>
+        <mc:Fallback xmlns="">
           <p:sp>
             <p:nvSpPr>
               <p:cNvPr id="29" name="Flowchart: Process 28">

--- a/documents/Figures editing.pptx
+++ b/documents/Figures editing.pptx
@@ -13,6 +13,8 @@
     <p:sldId id="260" r:id="rId7"/>
     <p:sldId id="263" r:id="rId8"/>
     <p:sldId id="262" r:id="rId9"/>
+    <p:sldId id="264" r:id="rId10"/>
+    <p:sldId id="265" r:id="rId11"/>
   </p:sldIdLst>
   <p:sldSz cx="12192000" cy="6858000"/>
   <p:notesSz cx="6858000" cy="9144000"/>
@@ -268,7 +270,7 @@
           <a:p>
             <a:fld id="{F6E9F5A1-C99C-41F9-B991-61D99245B2FF}" type="datetimeFigureOut">
               <a:rPr lang="en-PH" smtClean="0"/>
-              <a:t>04/04/2025</a:t>
+              <a:t>04/06/2025</a:t>
             </a:fld>
             <a:endParaRPr lang="en-PH"/>
           </a:p>
@@ -468,7 +470,7 @@
           <a:p>
             <a:fld id="{F6E9F5A1-C99C-41F9-B991-61D99245B2FF}" type="datetimeFigureOut">
               <a:rPr lang="en-PH" smtClean="0"/>
-              <a:t>04/04/2025</a:t>
+              <a:t>04/06/2025</a:t>
             </a:fld>
             <a:endParaRPr lang="en-PH"/>
           </a:p>
@@ -678,7 +680,7 @@
           <a:p>
             <a:fld id="{F6E9F5A1-C99C-41F9-B991-61D99245B2FF}" type="datetimeFigureOut">
               <a:rPr lang="en-PH" smtClean="0"/>
-              <a:t>04/04/2025</a:t>
+              <a:t>04/06/2025</a:t>
             </a:fld>
             <a:endParaRPr lang="en-PH"/>
           </a:p>
@@ -878,7 +880,7 @@
           <a:p>
             <a:fld id="{F6E9F5A1-C99C-41F9-B991-61D99245B2FF}" type="datetimeFigureOut">
               <a:rPr lang="en-PH" smtClean="0"/>
-              <a:t>04/04/2025</a:t>
+              <a:t>04/06/2025</a:t>
             </a:fld>
             <a:endParaRPr lang="en-PH"/>
           </a:p>
@@ -1154,7 +1156,7 @@
           <a:p>
             <a:fld id="{F6E9F5A1-C99C-41F9-B991-61D99245B2FF}" type="datetimeFigureOut">
               <a:rPr lang="en-PH" smtClean="0"/>
-              <a:t>04/04/2025</a:t>
+              <a:t>04/06/2025</a:t>
             </a:fld>
             <a:endParaRPr lang="en-PH"/>
           </a:p>
@@ -1422,7 +1424,7 @@
           <a:p>
             <a:fld id="{F6E9F5A1-C99C-41F9-B991-61D99245B2FF}" type="datetimeFigureOut">
               <a:rPr lang="en-PH" smtClean="0"/>
-              <a:t>04/04/2025</a:t>
+              <a:t>04/06/2025</a:t>
             </a:fld>
             <a:endParaRPr lang="en-PH"/>
           </a:p>
@@ -1837,7 +1839,7 @@
           <a:p>
             <a:fld id="{F6E9F5A1-C99C-41F9-B991-61D99245B2FF}" type="datetimeFigureOut">
               <a:rPr lang="en-PH" smtClean="0"/>
-              <a:t>04/04/2025</a:t>
+              <a:t>04/06/2025</a:t>
             </a:fld>
             <a:endParaRPr lang="en-PH"/>
           </a:p>
@@ -1979,7 +1981,7 @@
           <a:p>
             <a:fld id="{F6E9F5A1-C99C-41F9-B991-61D99245B2FF}" type="datetimeFigureOut">
               <a:rPr lang="en-PH" smtClean="0"/>
-              <a:t>04/04/2025</a:t>
+              <a:t>04/06/2025</a:t>
             </a:fld>
             <a:endParaRPr lang="en-PH"/>
           </a:p>
@@ -2092,7 +2094,7 @@
           <a:p>
             <a:fld id="{F6E9F5A1-C99C-41F9-B991-61D99245B2FF}" type="datetimeFigureOut">
               <a:rPr lang="en-PH" smtClean="0"/>
-              <a:t>04/04/2025</a:t>
+              <a:t>04/06/2025</a:t>
             </a:fld>
             <a:endParaRPr lang="en-PH"/>
           </a:p>
@@ -2405,7 +2407,7 @@
           <a:p>
             <a:fld id="{F6E9F5A1-C99C-41F9-B991-61D99245B2FF}" type="datetimeFigureOut">
               <a:rPr lang="en-PH" smtClean="0"/>
-              <a:t>04/04/2025</a:t>
+              <a:t>04/06/2025</a:t>
             </a:fld>
             <a:endParaRPr lang="en-PH"/>
           </a:p>
@@ -2694,7 +2696,7 @@
           <a:p>
             <a:fld id="{F6E9F5A1-C99C-41F9-B991-61D99245B2FF}" type="datetimeFigureOut">
               <a:rPr lang="en-PH" smtClean="0"/>
-              <a:t>04/04/2025</a:t>
+              <a:t>04/06/2025</a:t>
             </a:fld>
             <a:endParaRPr lang="en-PH"/>
           </a:p>
@@ -2937,7 +2939,7 @@
           <a:p>
             <a:fld id="{F6E9F5A1-C99C-41F9-B991-61D99245B2FF}" type="datetimeFigureOut">
               <a:rPr lang="en-PH" smtClean="0"/>
-              <a:t>04/04/2025</a:t>
+              <a:t>04/06/2025</a:t>
             </a:fld>
             <a:endParaRPr lang="en-PH"/>
           </a:p>
@@ -4152,6 +4154,232 @@
     <p:extLst>
       <p:ext uri="{BB962C8B-B14F-4D97-AF65-F5344CB8AC3E}">
         <p14:creationId xmlns:p14="http://schemas.microsoft.com/office/powerpoint/2010/main" val="2771841543"/>
+      </p:ext>
+    </p:extLst>
+  </p:cSld>
+  <p:clrMapOvr>
+    <a:masterClrMapping/>
+  </p:clrMapOvr>
+</p:sld>
+</file>
+
+<file path=ppt/slides/slide10.xml><?xml version="1.0" encoding="utf-8"?>
+<p:sld xmlns:a="http://schemas.openxmlformats.org/drawingml/2006/main" xmlns:r="http://schemas.openxmlformats.org/officeDocument/2006/relationships" xmlns:p="http://schemas.openxmlformats.org/presentationml/2006/main">
+  <p:cSld>
+    <p:spTree>
+      <p:nvGrpSpPr>
+        <p:cNvPr id="1" name=""/>
+        <p:cNvGrpSpPr/>
+        <p:nvPr/>
+      </p:nvGrpSpPr>
+      <p:grpSpPr>
+        <a:xfrm>
+          <a:off x="0" y="0"/>
+          <a:ext cx="0" cy="0"/>
+          <a:chOff x="0" y="0"/>
+          <a:chExt cx="0" cy="0"/>
+        </a:xfrm>
+      </p:grpSpPr>
+      <p:pic>
+        <p:nvPicPr>
+          <p:cNvPr id="3" name="Picture 2" descr="A graph of a number of numbers&#10;&#10;AI-generated content may be incorrect.">
+            <a:extLst>
+              <a:ext uri="{FF2B5EF4-FFF2-40B4-BE49-F238E27FC236}">
+                <a16:creationId xmlns:a16="http://schemas.microsoft.com/office/drawing/2014/main" id="{9C85A712-B06B-1E15-6820-535F217B9983}"/>
+              </a:ext>
+            </a:extLst>
+          </p:cNvPr>
+          <p:cNvPicPr>
+            <a:picLocks noChangeAspect="1"/>
+          </p:cNvPicPr>
+          <p:nvPr/>
+        </p:nvPicPr>
+        <p:blipFill>
+          <a:blip r:embed="rId2">
+            <a:extLst>
+              <a:ext uri="{28A0092B-C50C-407E-A947-70E740481C1C}">
+                <a14:useLocalDpi xmlns:a14="http://schemas.microsoft.com/office/drawing/2010/main" val="0"/>
+              </a:ext>
+            </a:extLst>
+          </a:blip>
+          <a:stretch>
+            <a:fillRect/>
+          </a:stretch>
+        </p:blipFill>
+        <p:spPr>
+          <a:xfrm>
+            <a:off x="1245929" y="0"/>
+            <a:ext cx="9700141" cy="6858000"/>
+          </a:xfrm>
+          <a:prstGeom prst="rect">
+            <a:avLst/>
+          </a:prstGeom>
+        </p:spPr>
+      </p:pic>
+      <p:sp>
+        <p:nvSpPr>
+          <p:cNvPr id="4" name="TextBox 3">
+            <a:extLst>
+              <a:ext uri="{FF2B5EF4-FFF2-40B4-BE49-F238E27FC236}">
+                <a16:creationId xmlns:a16="http://schemas.microsoft.com/office/drawing/2014/main" id="{95766CE1-EC15-DB1F-CAB3-76E1228B7A0E}"/>
+              </a:ext>
+            </a:extLst>
+          </p:cNvPr>
+          <p:cNvSpPr txBox="1"/>
+          <p:nvPr/>
+        </p:nvSpPr>
+        <p:spPr>
+          <a:xfrm>
+            <a:off x="3525574" y="1564748"/>
+            <a:ext cx="2068402" cy="461665"/>
+          </a:xfrm>
+          <a:prstGeom prst="rect">
+            <a:avLst/>
+          </a:prstGeom>
+          <a:noFill/>
+        </p:spPr>
+        <p:txBody>
+          <a:bodyPr wrap="square" rtlCol="0">
+            <a:spAutoFit/>
+          </a:bodyPr>
+          <a:lstStyle/>
+          <a:p>
+            <a:pPr algn="ctr"/>
+            <a:r>
+              <a:rPr lang="en-PH" sz="2400" dirty="0">
+                <a:solidFill>
+                  <a:srgbClr val="0173B2"/>
+                </a:solidFill>
+              </a:rPr>
+              <a:t>L = 32, 64, 128</a:t>
+            </a:r>
+          </a:p>
+        </p:txBody>
+      </p:sp>
+      <p:sp>
+        <p:nvSpPr>
+          <p:cNvPr id="5" name="TextBox 4">
+            <a:extLst>
+              <a:ext uri="{FF2B5EF4-FFF2-40B4-BE49-F238E27FC236}">
+                <a16:creationId xmlns:a16="http://schemas.microsoft.com/office/drawing/2014/main" id="{8B6AA083-6CD1-E73A-FDA1-3696BF091CE4}"/>
+              </a:ext>
+            </a:extLst>
+          </p:cNvPr>
+          <p:cNvSpPr txBox="1"/>
+          <p:nvPr/>
+        </p:nvSpPr>
+        <p:spPr>
+          <a:xfrm>
+            <a:off x="5827059" y="2646218"/>
+            <a:ext cx="951074" cy="461665"/>
+          </a:xfrm>
+          <a:prstGeom prst="rect">
+            <a:avLst/>
+          </a:prstGeom>
+          <a:noFill/>
+        </p:spPr>
+        <p:txBody>
+          <a:bodyPr wrap="square" rtlCol="0">
+            <a:spAutoFit/>
+          </a:bodyPr>
+          <a:lstStyle/>
+          <a:p>
+            <a:pPr algn="ctr"/>
+            <a:r>
+              <a:rPr lang="en-PH" sz="2400" dirty="0">
+                <a:solidFill>
+                  <a:srgbClr val="DE8F05"/>
+                </a:solidFill>
+              </a:rPr>
+              <a:t>L = 32</a:t>
+            </a:r>
+          </a:p>
+        </p:txBody>
+      </p:sp>
+      <p:sp>
+        <p:nvSpPr>
+          <p:cNvPr id="6" name="TextBox 5">
+            <a:extLst>
+              <a:ext uri="{FF2B5EF4-FFF2-40B4-BE49-F238E27FC236}">
+                <a16:creationId xmlns:a16="http://schemas.microsoft.com/office/drawing/2014/main" id="{2874F81D-B30F-4C7F-A8CC-B73C569A0A14}"/>
+              </a:ext>
+            </a:extLst>
+          </p:cNvPr>
+          <p:cNvSpPr txBox="1"/>
+          <p:nvPr/>
+        </p:nvSpPr>
+        <p:spPr>
+          <a:xfrm>
+            <a:off x="7230932" y="1908047"/>
+            <a:ext cx="951074" cy="461665"/>
+          </a:xfrm>
+          <a:prstGeom prst="rect">
+            <a:avLst/>
+          </a:prstGeom>
+          <a:noFill/>
+        </p:spPr>
+        <p:txBody>
+          <a:bodyPr wrap="square" rtlCol="0">
+            <a:spAutoFit/>
+          </a:bodyPr>
+          <a:lstStyle/>
+          <a:p>
+            <a:pPr algn="ctr"/>
+            <a:r>
+              <a:rPr lang="en-PH" sz="2400" dirty="0">
+                <a:solidFill>
+                  <a:srgbClr val="DE8F05"/>
+                </a:solidFill>
+              </a:rPr>
+              <a:t>L = 64</a:t>
+            </a:r>
+          </a:p>
+        </p:txBody>
+      </p:sp>
+      <p:sp>
+        <p:nvSpPr>
+          <p:cNvPr id="7" name="TextBox 6">
+            <a:extLst>
+              <a:ext uri="{FF2B5EF4-FFF2-40B4-BE49-F238E27FC236}">
+                <a16:creationId xmlns:a16="http://schemas.microsoft.com/office/drawing/2014/main" id="{2AC6606B-8645-83B1-B116-ED57FFBDE65A}"/>
+              </a:ext>
+            </a:extLst>
+          </p:cNvPr>
+          <p:cNvSpPr txBox="1"/>
+          <p:nvPr/>
+        </p:nvSpPr>
+        <p:spPr>
+          <a:xfrm>
+            <a:off x="8424867" y="1209615"/>
+            <a:ext cx="1217896" cy="461665"/>
+          </a:xfrm>
+          <a:prstGeom prst="rect">
+            <a:avLst/>
+          </a:prstGeom>
+          <a:noFill/>
+        </p:spPr>
+        <p:txBody>
+          <a:bodyPr wrap="square" rtlCol="0">
+            <a:spAutoFit/>
+          </a:bodyPr>
+          <a:lstStyle/>
+          <a:p>
+            <a:pPr algn="ctr"/>
+            <a:r>
+              <a:rPr lang="en-PH" sz="2400" dirty="0">
+                <a:solidFill>
+                  <a:srgbClr val="DE8F05"/>
+                </a:solidFill>
+              </a:rPr>
+              <a:t>L = 128</a:t>
+            </a:r>
+          </a:p>
+        </p:txBody>
+      </p:sp>
+    </p:spTree>
+    <p:extLst>
+      <p:ext uri="{BB962C8B-B14F-4D97-AF65-F5344CB8AC3E}">
+        <p14:creationId xmlns:p14="http://schemas.microsoft.com/office/powerpoint/2010/main" val="1080307861"/>
       </p:ext>
     </p:extLst>
   </p:cSld>
@@ -13660,8 +13888,8 @@
           </a:p>
         </p:txBody>
       </p:sp>
-      <mc:AlternateContent xmlns:mc="http://schemas.openxmlformats.org/markup-compatibility/2006">
-        <mc:Choice xmlns:a14="http://schemas.microsoft.com/office/drawing/2010/main" Requires="a14">
+      <mc:AlternateContent xmlns:mc="http://schemas.openxmlformats.org/markup-compatibility/2006" xmlns:a14="http://schemas.microsoft.com/office/drawing/2010/main">
+        <mc:Choice Requires="a14">
           <p:sp>
             <p:nvSpPr>
               <p:cNvPr id="2" name="Flowchart: Process 1">
@@ -13750,7 +13978,7 @@
             </p:txBody>
           </p:sp>
         </mc:Choice>
-        <mc:Fallback>
+        <mc:Fallback xmlns="">
           <p:sp>
             <p:nvSpPr>
               <p:cNvPr id="2" name="Flowchart: Process 1">
@@ -13839,8 +14067,8 @@
           </a:fontRef>
         </p:style>
       </p:cxnSp>
-      <mc:AlternateContent xmlns:mc="http://schemas.openxmlformats.org/markup-compatibility/2006">
-        <mc:Choice xmlns:a14="http://schemas.microsoft.com/office/drawing/2010/main" Requires="a14">
+      <mc:AlternateContent xmlns:mc="http://schemas.openxmlformats.org/markup-compatibility/2006" xmlns:a14="http://schemas.microsoft.com/office/drawing/2010/main">
+        <mc:Choice Requires="a14">
           <p:sp>
             <p:nvSpPr>
               <p:cNvPr id="4" name="Flowchart: Process 3">
@@ -13932,7 +14160,7 @@
             </p:txBody>
           </p:sp>
         </mc:Choice>
-        <mc:Fallback>
+        <mc:Fallback xmlns="">
           <p:sp>
             <p:nvSpPr>
               <p:cNvPr id="4" name="Flowchart: Process 3">
@@ -14021,8 +14249,8 @@
           </a:fontRef>
         </p:style>
       </p:cxnSp>
-      <mc:AlternateContent xmlns:mc="http://schemas.openxmlformats.org/markup-compatibility/2006">
-        <mc:Choice xmlns:a14="http://schemas.microsoft.com/office/drawing/2010/main" Requires="a14">
+      <mc:AlternateContent xmlns:mc="http://schemas.openxmlformats.org/markup-compatibility/2006" xmlns:a14="http://schemas.microsoft.com/office/drawing/2010/main">
+        <mc:Choice Requires="a14">
           <p:sp>
             <p:nvSpPr>
               <p:cNvPr id="7" name="Flowchart: Process 6">
@@ -14114,7 +14342,7 @@
             </p:txBody>
           </p:sp>
         </mc:Choice>
-        <mc:Fallback>
+        <mc:Fallback xmlns="">
           <p:sp>
             <p:nvSpPr>
               <p:cNvPr id="7" name="Flowchart: Process 6">
@@ -14160,8 +14388,8 @@
           </p:sp>
         </mc:Fallback>
       </mc:AlternateContent>
-      <mc:AlternateContent xmlns:mc="http://schemas.openxmlformats.org/markup-compatibility/2006">
-        <mc:Choice xmlns:a14="http://schemas.microsoft.com/office/drawing/2010/main" Requires="a14">
+      <mc:AlternateContent xmlns:mc="http://schemas.openxmlformats.org/markup-compatibility/2006" xmlns:a14="http://schemas.microsoft.com/office/drawing/2010/main">
+        <mc:Choice Requires="a14">
           <p:sp>
             <p:nvSpPr>
               <p:cNvPr id="9" name="Flowchart: Decision 8">
@@ -14278,7 +14506,7 @@
             </p:txBody>
           </p:sp>
         </mc:Choice>
-        <mc:Fallback>
+        <mc:Fallback xmlns="">
           <p:sp>
             <p:nvSpPr>
               <p:cNvPr id="9" name="Flowchart: Decision 8">
@@ -14324,8 +14552,8 @@
           </p:sp>
         </mc:Fallback>
       </mc:AlternateContent>
-      <mc:AlternateContent xmlns:mc="http://schemas.openxmlformats.org/markup-compatibility/2006">
-        <mc:Choice xmlns:a14="http://schemas.microsoft.com/office/drawing/2010/main" Requires="a14">
+      <mc:AlternateContent xmlns:mc="http://schemas.openxmlformats.org/markup-compatibility/2006" xmlns:a14="http://schemas.microsoft.com/office/drawing/2010/main">
+        <mc:Choice Requires="a14">
           <p:sp>
             <p:nvSpPr>
               <p:cNvPr id="10" name="Flowchart: Decision 9">
@@ -14424,7 +14652,7 @@
             </p:txBody>
           </p:sp>
         </mc:Choice>
-        <mc:Fallback>
+        <mc:Fallback xmlns="">
           <p:sp>
             <p:nvSpPr>
               <p:cNvPr id="10" name="Flowchart: Decision 9">
@@ -14513,8 +14741,8 @@
           </a:fontRef>
         </p:style>
       </p:cxnSp>
-      <mc:AlternateContent xmlns:mc="http://schemas.openxmlformats.org/markup-compatibility/2006">
-        <mc:Choice xmlns:a14="http://schemas.microsoft.com/office/drawing/2010/main" Requires="a14">
+      <mc:AlternateContent xmlns:mc="http://schemas.openxmlformats.org/markup-compatibility/2006" xmlns:a14="http://schemas.microsoft.com/office/drawing/2010/main">
+        <mc:Choice Requires="a14">
           <p:sp>
             <p:nvSpPr>
               <p:cNvPr id="12" name="Flowchart: Process 11">
@@ -14717,7 +14945,7 @@
             </p:txBody>
           </p:sp>
         </mc:Choice>
-        <mc:Fallback>
+        <mc:Fallback xmlns="">
           <p:sp>
             <p:nvSpPr>
               <p:cNvPr id="12" name="Flowchart: Process 11">
@@ -14763,8 +14991,8 @@
           </p:sp>
         </mc:Fallback>
       </mc:AlternateContent>
-      <mc:AlternateContent xmlns:mc="http://schemas.openxmlformats.org/markup-compatibility/2006">
-        <mc:Choice xmlns:a14="http://schemas.microsoft.com/office/drawing/2010/main" Requires="a14">
+      <mc:AlternateContent xmlns:mc="http://schemas.openxmlformats.org/markup-compatibility/2006" xmlns:a14="http://schemas.microsoft.com/office/drawing/2010/main">
+        <mc:Choice Requires="a14">
           <p:sp>
             <p:nvSpPr>
               <p:cNvPr id="13" name="Flowchart: Process 12">
@@ -14967,7 +15195,7 @@
             </p:txBody>
           </p:sp>
         </mc:Choice>
-        <mc:Fallback>
+        <mc:Fallback xmlns="">
           <p:sp>
             <p:nvSpPr>
               <p:cNvPr id="13" name="Flowchart: Process 12">
@@ -15413,8 +15641,8 @@
           </a:p>
         </p:txBody>
       </p:sp>
-      <mc:AlternateContent xmlns:mc="http://schemas.openxmlformats.org/markup-compatibility/2006">
-        <mc:Choice xmlns:a14="http://schemas.microsoft.com/office/drawing/2010/main" Requires="a14">
+      <mc:AlternateContent xmlns:mc="http://schemas.openxmlformats.org/markup-compatibility/2006" xmlns:a14="http://schemas.microsoft.com/office/drawing/2010/main">
+        <mc:Choice Requires="a14">
           <p:sp>
             <p:nvSpPr>
               <p:cNvPr id="34" name="Flowchart: Decision 33">
@@ -15487,7 +15715,7 @@
             </p:txBody>
           </p:sp>
         </mc:Choice>
-        <mc:Fallback>
+        <mc:Fallback xmlns="">
           <p:sp>
             <p:nvSpPr>
               <p:cNvPr id="34" name="Flowchart: Decision 33">
@@ -19228,6 +19456,291 @@
 </p:sld>
 </file>
 
+<file path=ppt/slides/slide9.xml><?xml version="1.0" encoding="utf-8"?>
+<p:sld xmlns:a="http://schemas.openxmlformats.org/drawingml/2006/main" xmlns:r="http://schemas.openxmlformats.org/officeDocument/2006/relationships" xmlns:p="http://schemas.openxmlformats.org/presentationml/2006/main">
+  <p:cSld>
+    <p:spTree>
+      <p:nvGrpSpPr>
+        <p:cNvPr id="1" name=""/>
+        <p:cNvGrpSpPr/>
+        <p:nvPr/>
+      </p:nvGrpSpPr>
+      <p:grpSpPr>
+        <a:xfrm>
+          <a:off x="0" y="0"/>
+          <a:ext cx="0" cy="0"/>
+          <a:chOff x="0" y="0"/>
+          <a:chExt cx="0" cy="0"/>
+        </a:xfrm>
+      </p:grpSpPr>
+      <p:grpSp>
+        <p:nvGrpSpPr>
+          <p:cNvPr id="9" name="Group 8">
+            <a:extLst>
+              <a:ext uri="{FF2B5EF4-FFF2-40B4-BE49-F238E27FC236}">
+                <a16:creationId xmlns:a16="http://schemas.microsoft.com/office/drawing/2014/main" id="{6B2C83B3-CB12-FCDE-4512-87348B07FE8B}"/>
+              </a:ext>
+            </a:extLst>
+          </p:cNvPr>
+          <p:cNvGrpSpPr/>
+          <p:nvPr/>
+        </p:nvGrpSpPr>
+        <p:grpSpPr>
+          <a:xfrm>
+            <a:off x="1296729" y="401320"/>
+            <a:ext cx="9700141" cy="6151880"/>
+            <a:chOff x="1245929" y="0"/>
+            <a:chExt cx="9700141" cy="6151880"/>
+          </a:xfrm>
+        </p:grpSpPr>
+        <p:pic>
+          <p:nvPicPr>
+            <p:cNvPr id="3" name="Picture 2" descr="A graph of a number of steps&#10;&#10;AI-generated content may be incorrect.">
+              <a:extLst>
+                <a:ext uri="{FF2B5EF4-FFF2-40B4-BE49-F238E27FC236}">
+                  <a16:creationId xmlns:a16="http://schemas.microsoft.com/office/drawing/2014/main" id="{71C94A44-0499-0139-EF14-60124B7F92B9}"/>
+                </a:ext>
+              </a:extLst>
+            </p:cNvPr>
+            <p:cNvPicPr>
+              <a:picLocks noChangeAspect="1"/>
+            </p:cNvPicPr>
+            <p:nvPr/>
+          </p:nvPicPr>
+          <p:blipFill>
+            <a:blip r:embed="rId2">
+              <a:extLst>
+                <a:ext uri="{28A0092B-C50C-407E-A947-70E740481C1C}">
+                  <a14:useLocalDpi xmlns:a14="http://schemas.microsoft.com/office/drawing/2010/main" val="0"/>
+                </a:ext>
+              </a:extLst>
+            </a:blip>
+            <a:srcRect b="10296"/>
+            <a:stretch/>
+          </p:blipFill>
+          <p:spPr>
+            <a:xfrm>
+              <a:off x="1245929" y="0"/>
+              <a:ext cx="9700141" cy="6151880"/>
+            </a:xfrm>
+            <a:prstGeom prst="rect">
+              <a:avLst/>
+            </a:prstGeom>
+          </p:spPr>
+        </p:pic>
+        <p:sp>
+          <p:nvSpPr>
+            <p:cNvPr id="4" name="TextBox 3">
+              <a:extLst>
+                <a:ext uri="{FF2B5EF4-FFF2-40B4-BE49-F238E27FC236}">
+                  <a16:creationId xmlns:a16="http://schemas.microsoft.com/office/drawing/2014/main" id="{6F75358F-434C-A7AB-A82F-938B5FF6CAF8}"/>
+                </a:ext>
+              </a:extLst>
+            </p:cNvPr>
+            <p:cNvSpPr txBox="1"/>
+            <p:nvPr/>
+          </p:nvSpPr>
+          <p:spPr>
+            <a:xfrm>
+              <a:off x="2772539" y="2967335"/>
+              <a:ext cx="1608759" cy="461665"/>
+            </a:xfrm>
+            <a:prstGeom prst="rect">
+              <a:avLst/>
+            </a:prstGeom>
+            <a:noFill/>
+          </p:spPr>
+          <p:txBody>
+            <a:bodyPr wrap="square" rtlCol="0">
+              <a:spAutoFit/>
+            </a:bodyPr>
+            <a:lstStyle/>
+            <a:p>
+              <a:r>
+                <a:rPr lang="en-PH" sz="2400" dirty="0">
+                  <a:solidFill>
+                    <a:srgbClr val="479AC8"/>
+                  </a:solidFill>
+                </a:rPr>
+                <a:t>Traditional</a:t>
+              </a:r>
+            </a:p>
+          </p:txBody>
+        </p:sp>
+        <p:sp>
+          <p:nvSpPr>
+            <p:cNvPr id="5" name="TextBox 4">
+              <a:extLst>
+                <a:ext uri="{FF2B5EF4-FFF2-40B4-BE49-F238E27FC236}">
+                  <a16:creationId xmlns:a16="http://schemas.microsoft.com/office/drawing/2014/main" id="{74A532B5-628F-C998-D5EF-E29E0A2839C2}"/>
+                </a:ext>
+              </a:extLst>
+            </p:cNvPr>
+            <p:cNvSpPr txBox="1"/>
+            <p:nvPr/>
+          </p:nvSpPr>
+          <p:spPr>
+            <a:xfrm>
+              <a:off x="6728419" y="1397695"/>
+              <a:ext cx="1208774" cy="830997"/>
+            </a:xfrm>
+            <a:prstGeom prst="rect">
+              <a:avLst/>
+            </a:prstGeom>
+            <a:noFill/>
+          </p:spPr>
+          <p:txBody>
+            <a:bodyPr wrap="square" rtlCol="0">
+              <a:spAutoFit/>
+            </a:bodyPr>
+            <a:lstStyle/>
+            <a:p>
+              <a:pPr algn="ctr"/>
+              <a:r>
+                <a:rPr lang="en-PH" sz="2400" dirty="0">
+                  <a:solidFill>
+                    <a:srgbClr val="E5A83D"/>
+                  </a:solidFill>
+                </a:rPr>
+                <a:t>Inner Corner</a:t>
+              </a:r>
+            </a:p>
+          </p:txBody>
+        </p:sp>
+        <p:sp>
+          <p:nvSpPr>
+            <p:cNvPr id="6" name="TextBox 5">
+              <a:extLst>
+                <a:ext uri="{FF2B5EF4-FFF2-40B4-BE49-F238E27FC236}">
+                  <a16:creationId xmlns:a16="http://schemas.microsoft.com/office/drawing/2014/main" id="{057741A2-1752-968F-1A88-0A944C3CC834}"/>
+                </a:ext>
+              </a:extLst>
+            </p:cNvPr>
+            <p:cNvSpPr txBox="1"/>
+            <p:nvPr/>
+          </p:nvSpPr>
+          <p:spPr>
+            <a:xfrm>
+              <a:off x="8393389" y="3679885"/>
+              <a:ext cx="1208774" cy="830997"/>
+            </a:xfrm>
+            <a:prstGeom prst="rect">
+              <a:avLst/>
+            </a:prstGeom>
+            <a:noFill/>
+          </p:spPr>
+          <p:txBody>
+            <a:bodyPr wrap="square" rtlCol="0">
+              <a:spAutoFit/>
+            </a:bodyPr>
+            <a:lstStyle/>
+            <a:p>
+              <a:pPr algn="ctr"/>
+              <a:r>
+                <a:rPr lang="en-PH" sz="2400" dirty="0">
+                  <a:solidFill>
+                    <a:srgbClr val="3BB493"/>
+                  </a:solidFill>
+                </a:rPr>
+                <a:t>Outer Corner</a:t>
+              </a:r>
+            </a:p>
+          </p:txBody>
+        </p:sp>
+        <p:sp>
+          <p:nvSpPr>
+            <p:cNvPr id="7" name="TextBox 6">
+              <a:extLst>
+                <a:ext uri="{FF2B5EF4-FFF2-40B4-BE49-F238E27FC236}">
+                  <a16:creationId xmlns:a16="http://schemas.microsoft.com/office/drawing/2014/main" id="{DC077492-1A05-3BFC-E234-E54B21677F74}"/>
+                </a:ext>
+              </a:extLst>
+            </p:cNvPr>
+            <p:cNvSpPr txBox="1"/>
+            <p:nvPr/>
+          </p:nvSpPr>
+          <p:spPr>
+            <a:xfrm>
+              <a:off x="9088616" y="2136338"/>
+              <a:ext cx="1208774" cy="461665"/>
+            </a:xfrm>
+            <a:prstGeom prst="rect">
+              <a:avLst/>
+            </a:prstGeom>
+            <a:noFill/>
+          </p:spPr>
+          <p:txBody>
+            <a:bodyPr wrap="square" rtlCol="0">
+              <a:spAutoFit/>
+            </a:bodyPr>
+            <a:lstStyle/>
+            <a:p>
+              <a:pPr algn="ctr"/>
+              <a:r>
+                <a:rPr lang="en-PH" sz="2400" dirty="0">
+                  <a:solidFill>
+                    <a:srgbClr val="DF833A"/>
+                  </a:solidFill>
+                </a:rPr>
+                <a:t>Center</a:t>
+              </a:r>
+            </a:p>
+          </p:txBody>
+        </p:sp>
+        <p:sp>
+          <p:nvSpPr>
+            <p:cNvPr id="8" name="TextBox 7">
+              <a:extLst>
+                <a:ext uri="{FF2B5EF4-FFF2-40B4-BE49-F238E27FC236}">
+                  <a16:creationId xmlns:a16="http://schemas.microsoft.com/office/drawing/2014/main" id="{4DAB3222-9999-B157-8454-FB50BE36C125}"/>
+                </a:ext>
+              </a:extLst>
+            </p:cNvPr>
+            <p:cNvSpPr txBox="1"/>
+            <p:nvPr/>
+          </p:nvSpPr>
+          <p:spPr>
+            <a:xfrm>
+              <a:off x="9523886" y="1054456"/>
+              <a:ext cx="1320585" cy="461665"/>
+            </a:xfrm>
+            <a:prstGeom prst="rect">
+              <a:avLst/>
+            </a:prstGeom>
+            <a:noFill/>
+          </p:spPr>
+          <p:txBody>
+            <a:bodyPr wrap="square" rtlCol="0">
+              <a:spAutoFit/>
+            </a:bodyPr>
+            <a:lstStyle/>
+            <a:p>
+              <a:pPr algn="ctr"/>
+              <a:r>
+                <a:rPr lang="en-PH" sz="2400" dirty="0">
+                  <a:solidFill>
+                    <a:srgbClr val="D797CC"/>
+                  </a:solidFill>
+                </a:rPr>
+                <a:t>Random</a:t>
+              </a:r>
+            </a:p>
+          </p:txBody>
+        </p:sp>
+      </p:grpSp>
+    </p:spTree>
+    <p:extLst>
+      <p:ext uri="{BB962C8B-B14F-4D97-AF65-F5344CB8AC3E}">
+        <p14:creationId xmlns:p14="http://schemas.microsoft.com/office/powerpoint/2010/main" val="3655925873"/>
+      </p:ext>
+    </p:extLst>
+  </p:cSld>
+  <p:clrMapOvr>
+    <a:masterClrMapping/>
+  </p:clrMapOvr>
+</p:sld>
+</file>
+
 <file path=ppt/theme/theme1.xml><?xml version="1.0" encoding="utf-8"?>
 <a:theme xmlns:a="http://schemas.openxmlformats.org/drawingml/2006/main" name="Office Theme">
   <a:themeElements>

--- a/documents/Figures editing.pptx
+++ b/documents/Figures editing.pptx
@@ -15,6 +15,8 @@
     <p:sldId id="262" r:id="rId9"/>
     <p:sldId id="264" r:id="rId10"/>
     <p:sldId id="265" r:id="rId11"/>
+    <p:sldId id="266" r:id="rId12"/>
+    <p:sldId id="267" r:id="rId13"/>
   </p:sldIdLst>
   <p:sldSz cx="12192000" cy="6858000"/>
   <p:notesSz cx="6858000" cy="9144000"/>
@@ -4180,206 +4182,1474 @@
           <a:chExt cx="0" cy="0"/>
         </a:xfrm>
       </p:grpSpPr>
-      <p:pic>
-        <p:nvPicPr>
-          <p:cNvPr id="3" name="Picture 2" descr="A graph of a number of numbers&#10;&#10;AI-generated content may be incorrect.">
+      <p:grpSp>
+        <p:nvGrpSpPr>
+          <p:cNvPr id="8" name="Group 7">
             <a:extLst>
               <a:ext uri="{FF2B5EF4-FFF2-40B4-BE49-F238E27FC236}">
-                <a16:creationId xmlns:a16="http://schemas.microsoft.com/office/drawing/2014/main" id="{9C85A712-B06B-1E15-6820-535F217B9983}"/>
+                <a16:creationId xmlns:a16="http://schemas.microsoft.com/office/drawing/2014/main" id="{6C6EF7AB-ECA4-E425-DF25-0BE6F0E34875}"/>
               </a:ext>
             </a:extLst>
           </p:cNvPr>
-          <p:cNvPicPr>
-            <a:picLocks noChangeAspect="1"/>
-          </p:cNvPicPr>
+          <p:cNvGrpSpPr/>
           <p:nvPr/>
-        </p:nvPicPr>
-        <p:blipFill>
-          <a:blip r:embed="rId2">
-            <a:extLst>
-              <a:ext uri="{28A0092B-C50C-407E-A947-70E740481C1C}">
-                <a14:useLocalDpi xmlns:a14="http://schemas.microsoft.com/office/drawing/2010/main" val="0"/>
-              </a:ext>
-            </a:extLst>
-          </a:blip>
-          <a:stretch>
-            <a:fillRect/>
-          </a:stretch>
-        </p:blipFill>
-        <p:spPr>
+        </p:nvGrpSpPr>
+        <p:grpSpPr>
           <a:xfrm>
-            <a:off x="1245929" y="0"/>
-            <a:ext cx="9700141" cy="6858000"/>
+            <a:off x="1138353" y="360625"/>
+            <a:ext cx="9700141" cy="6136749"/>
+            <a:chOff x="1245929" y="0"/>
+            <a:chExt cx="9700141" cy="6136749"/>
           </a:xfrm>
-          <a:prstGeom prst="rect">
-            <a:avLst/>
-          </a:prstGeom>
-        </p:spPr>
-      </p:pic>
-      <p:sp>
-        <p:nvSpPr>
-          <p:cNvPr id="4" name="TextBox 3">
-            <a:extLst>
-              <a:ext uri="{FF2B5EF4-FFF2-40B4-BE49-F238E27FC236}">
-                <a16:creationId xmlns:a16="http://schemas.microsoft.com/office/drawing/2014/main" id="{95766CE1-EC15-DB1F-CAB3-76E1228B7A0E}"/>
-              </a:ext>
-            </a:extLst>
-          </p:cNvPr>
-          <p:cNvSpPr txBox="1"/>
-          <p:nvPr/>
-        </p:nvSpPr>
-        <p:spPr>
-          <a:xfrm>
-            <a:off x="3525574" y="1564748"/>
-            <a:ext cx="2068402" cy="461665"/>
-          </a:xfrm>
-          <a:prstGeom prst="rect">
-            <a:avLst/>
-          </a:prstGeom>
-          <a:noFill/>
-        </p:spPr>
-        <p:txBody>
-          <a:bodyPr wrap="square" rtlCol="0">
-            <a:spAutoFit/>
-          </a:bodyPr>
-          <a:lstStyle/>
-          <a:p>
-            <a:pPr algn="ctr"/>
-            <a:r>
-              <a:rPr lang="en-PH" sz="2400" dirty="0">
-                <a:solidFill>
-                  <a:srgbClr val="0173B2"/>
-                </a:solidFill>
-              </a:rPr>
-              <a:t>L = 32, 64, 128</a:t>
-            </a:r>
-          </a:p>
-        </p:txBody>
-      </p:sp>
-      <p:sp>
-        <p:nvSpPr>
-          <p:cNvPr id="5" name="TextBox 4">
-            <a:extLst>
-              <a:ext uri="{FF2B5EF4-FFF2-40B4-BE49-F238E27FC236}">
-                <a16:creationId xmlns:a16="http://schemas.microsoft.com/office/drawing/2014/main" id="{8B6AA083-6CD1-E73A-FDA1-3696BF091CE4}"/>
-              </a:ext>
-            </a:extLst>
-          </p:cNvPr>
-          <p:cNvSpPr txBox="1"/>
-          <p:nvPr/>
-        </p:nvSpPr>
-        <p:spPr>
-          <a:xfrm>
-            <a:off x="5827059" y="2646218"/>
-            <a:ext cx="951074" cy="461665"/>
-          </a:xfrm>
-          <a:prstGeom prst="rect">
-            <a:avLst/>
-          </a:prstGeom>
-          <a:noFill/>
-        </p:spPr>
-        <p:txBody>
-          <a:bodyPr wrap="square" rtlCol="0">
-            <a:spAutoFit/>
-          </a:bodyPr>
-          <a:lstStyle/>
-          <a:p>
-            <a:pPr algn="ctr"/>
-            <a:r>
-              <a:rPr lang="en-PH" sz="2400" dirty="0">
-                <a:solidFill>
-                  <a:srgbClr val="DE8F05"/>
-                </a:solidFill>
-              </a:rPr>
-              <a:t>L = 32</a:t>
-            </a:r>
-          </a:p>
-        </p:txBody>
-      </p:sp>
-      <p:sp>
-        <p:nvSpPr>
-          <p:cNvPr id="6" name="TextBox 5">
-            <a:extLst>
-              <a:ext uri="{FF2B5EF4-FFF2-40B4-BE49-F238E27FC236}">
-                <a16:creationId xmlns:a16="http://schemas.microsoft.com/office/drawing/2014/main" id="{2874F81D-B30F-4C7F-A8CC-B73C569A0A14}"/>
-              </a:ext>
-            </a:extLst>
-          </p:cNvPr>
-          <p:cNvSpPr txBox="1"/>
-          <p:nvPr/>
-        </p:nvSpPr>
-        <p:spPr>
-          <a:xfrm>
-            <a:off x="7230932" y="1908047"/>
-            <a:ext cx="951074" cy="461665"/>
-          </a:xfrm>
-          <a:prstGeom prst="rect">
-            <a:avLst/>
-          </a:prstGeom>
-          <a:noFill/>
-        </p:spPr>
-        <p:txBody>
-          <a:bodyPr wrap="square" rtlCol="0">
-            <a:spAutoFit/>
-          </a:bodyPr>
-          <a:lstStyle/>
-          <a:p>
-            <a:pPr algn="ctr"/>
-            <a:r>
-              <a:rPr lang="en-PH" sz="2400" dirty="0">
-                <a:solidFill>
-                  <a:srgbClr val="DE8F05"/>
-                </a:solidFill>
-              </a:rPr>
-              <a:t>L = 64</a:t>
-            </a:r>
-          </a:p>
-        </p:txBody>
-      </p:sp>
-      <p:sp>
-        <p:nvSpPr>
-          <p:cNvPr id="7" name="TextBox 6">
-            <a:extLst>
-              <a:ext uri="{FF2B5EF4-FFF2-40B4-BE49-F238E27FC236}">
-                <a16:creationId xmlns:a16="http://schemas.microsoft.com/office/drawing/2014/main" id="{2AC6606B-8645-83B1-B116-ED57FFBDE65A}"/>
-              </a:ext>
-            </a:extLst>
-          </p:cNvPr>
-          <p:cNvSpPr txBox="1"/>
-          <p:nvPr/>
-        </p:nvSpPr>
-        <p:spPr>
-          <a:xfrm>
-            <a:off x="8424867" y="1209615"/>
-            <a:ext cx="1217896" cy="461665"/>
-          </a:xfrm>
-          <a:prstGeom prst="rect">
-            <a:avLst/>
-          </a:prstGeom>
-          <a:noFill/>
-        </p:spPr>
-        <p:txBody>
-          <a:bodyPr wrap="square" rtlCol="0">
-            <a:spAutoFit/>
-          </a:bodyPr>
-          <a:lstStyle/>
-          <a:p>
-            <a:pPr algn="ctr"/>
-            <a:r>
-              <a:rPr lang="en-PH" sz="2400" dirty="0">
-                <a:solidFill>
-                  <a:srgbClr val="DE8F05"/>
-                </a:solidFill>
-              </a:rPr>
-              <a:t>L = 128</a:t>
-            </a:r>
-          </a:p>
-        </p:txBody>
-      </p:sp>
+        </p:grpSpPr>
+        <p:pic>
+          <p:nvPicPr>
+            <p:cNvPr id="3" name="Picture 2" descr="A graph of a number of numbers&#10;&#10;AI-generated content may be incorrect.">
+              <a:extLst>
+                <a:ext uri="{FF2B5EF4-FFF2-40B4-BE49-F238E27FC236}">
+                  <a16:creationId xmlns:a16="http://schemas.microsoft.com/office/drawing/2014/main" id="{9C85A712-B06B-1E15-6820-535F217B9983}"/>
+                </a:ext>
+              </a:extLst>
+            </p:cNvPr>
+            <p:cNvPicPr>
+              <a:picLocks noChangeAspect="1"/>
+            </p:cNvPicPr>
+            <p:nvPr/>
+          </p:nvPicPr>
+          <p:blipFill>
+            <a:blip r:embed="rId2">
+              <a:extLst>
+                <a:ext uri="{28A0092B-C50C-407E-A947-70E740481C1C}">
+                  <a14:useLocalDpi xmlns:a14="http://schemas.microsoft.com/office/drawing/2010/main" val="0"/>
+                </a:ext>
+              </a:extLst>
+            </a:blip>
+            <a:srcRect b="10516"/>
+            <a:stretch/>
+          </p:blipFill>
+          <p:spPr>
+            <a:xfrm>
+              <a:off x="1245929" y="0"/>
+              <a:ext cx="9700141" cy="6136749"/>
+            </a:xfrm>
+            <a:prstGeom prst="rect">
+              <a:avLst/>
+            </a:prstGeom>
+          </p:spPr>
+        </p:pic>
+        <p:sp>
+          <p:nvSpPr>
+            <p:cNvPr id="4" name="TextBox 3">
+              <a:extLst>
+                <a:ext uri="{FF2B5EF4-FFF2-40B4-BE49-F238E27FC236}">
+                  <a16:creationId xmlns:a16="http://schemas.microsoft.com/office/drawing/2014/main" id="{95766CE1-EC15-DB1F-CAB3-76E1228B7A0E}"/>
+                </a:ext>
+              </a:extLst>
+            </p:cNvPr>
+            <p:cNvSpPr txBox="1"/>
+            <p:nvPr/>
+          </p:nvSpPr>
+          <p:spPr>
+            <a:xfrm>
+              <a:off x="3525574" y="1564748"/>
+              <a:ext cx="2068402" cy="461665"/>
+            </a:xfrm>
+            <a:prstGeom prst="rect">
+              <a:avLst/>
+            </a:prstGeom>
+            <a:noFill/>
+          </p:spPr>
+          <p:txBody>
+            <a:bodyPr wrap="square" rtlCol="0">
+              <a:spAutoFit/>
+            </a:bodyPr>
+            <a:lstStyle/>
+            <a:p>
+              <a:pPr algn="ctr"/>
+              <a:r>
+                <a:rPr lang="en-PH" sz="2400" dirty="0">
+                  <a:solidFill>
+                    <a:srgbClr val="0173B2"/>
+                  </a:solidFill>
+                  <a:latin typeface="Calibri" panose="020F0502020204030204" pitchFamily="34" charset="0"/>
+                  <a:ea typeface="Calibri" panose="020F0502020204030204" pitchFamily="34" charset="0"/>
+                  <a:cs typeface="Calibri" panose="020F0502020204030204" pitchFamily="34" charset="0"/>
+                </a:rPr>
+                <a:t>L = 32, 64, 128</a:t>
+              </a:r>
+            </a:p>
+          </p:txBody>
+        </p:sp>
+        <p:sp>
+          <p:nvSpPr>
+            <p:cNvPr id="5" name="TextBox 4">
+              <a:extLst>
+                <a:ext uri="{FF2B5EF4-FFF2-40B4-BE49-F238E27FC236}">
+                  <a16:creationId xmlns:a16="http://schemas.microsoft.com/office/drawing/2014/main" id="{8B6AA083-6CD1-E73A-FDA1-3696BF091CE4}"/>
+                </a:ext>
+              </a:extLst>
+            </p:cNvPr>
+            <p:cNvSpPr txBox="1"/>
+            <p:nvPr/>
+          </p:nvSpPr>
+          <p:spPr>
+            <a:xfrm>
+              <a:off x="5827059" y="2646218"/>
+              <a:ext cx="951074" cy="461665"/>
+            </a:xfrm>
+            <a:prstGeom prst="rect">
+              <a:avLst/>
+            </a:prstGeom>
+            <a:noFill/>
+          </p:spPr>
+          <p:txBody>
+            <a:bodyPr wrap="square" rtlCol="0">
+              <a:spAutoFit/>
+            </a:bodyPr>
+            <a:lstStyle/>
+            <a:p>
+              <a:pPr algn="ctr"/>
+              <a:r>
+                <a:rPr lang="en-PH" sz="2400" dirty="0">
+                  <a:solidFill>
+                    <a:srgbClr val="DE8F05"/>
+                  </a:solidFill>
+                  <a:latin typeface="Calibri" panose="020F0502020204030204" pitchFamily="34" charset="0"/>
+                  <a:ea typeface="Calibri" panose="020F0502020204030204" pitchFamily="34" charset="0"/>
+                  <a:cs typeface="Calibri" panose="020F0502020204030204" pitchFamily="34" charset="0"/>
+                </a:rPr>
+                <a:t>L = 32</a:t>
+              </a:r>
+            </a:p>
+          </p:txBody>
+        </p:sp>
+        <p:sp>
+          <p:nvSpPr>
+            <p:cNvPr id="6" name="TextBox 5">
+              <a:extLst>
+                <a:ext uri="{FF2B5EF4-FFF2-40B4-BE49-F238E27FC236}">
+                  <a16:creationId xmlns:a16="http://schemas.microsoft.com/office/drawing/2014/main" id="{2874F81D-B30F-4C7F-A8CC-B73C569A0A14}"/>
+                </a:ext>
+              </a:extLst>
+            </p:cNvPr>
+            <p:cNvSpPr txBox="1"/>
+            <p:nvPr/>
+          </p:nvSpPr>
+          <p:spPr>
+            <a:xfrm>
+              <a:off x="7230932" y="1908047"/>
+              <a:ext cx="951074" cy="461665"/>
+            </a:xfrm>
+            <a:prstGeom prst="rect">
+              <a:avLst/>
+            </a:prstGeom>
+            <a:noFill/>
+          </p:spPr>
+          <p:txBody>
+            <a:bodyPr wrap="square" rtlCol="0">
+              <a:spAutoFit/>
+            </a:bodyPr>
+            <a:lstStyle/>
+            <a:p>
+              <a:pPr algn="ctr"/>
+              <a:r>
+                <a:rPr lang="en-PH" sz="2400" dirty="0">
+                  <a:solidFill>
+                    <a:srgbClr val="DE8F05"/>
+                  </a:solidFill>
+                  <a:latin typeface="Calibri" panose="020F0502020204030204" pitchFamily="34" charset="0"/>
+                  <a:ea typeface="Calibri" panose="020F0502020204030204" pitchFamily="34" charset="0"/>
+                  <a:cs typeface="Calibri" panose="020F0502020204030204" pitchFamily="34" charset="0"/>
+                </a:rPr>
+                <a:t>L = 64</a:t>
+              </a:r>
+            </a:p>
+          </p:txBody>
+        </p:sp>
+        <p:sp>
+          <p:nvSpPr>
+            <p:cNvPr id="7" name="TextBox 6">
+              <a:extLst>
+                <a:ext uri="{FF2B5EF4-FFF2-40B4-BE49-F238E27FC236}">
+                  <a16:creationId xmlns:a16="http://schemas.microsoft.com/office/drawing/2014/main" id="{2AC6606B-8645-83B1-B116-ED57FFBDE65A}"/>
+                </a:ext>
+              </a:extLst>
+            </p:cNvPr>
+            <p:cNvSpPr txBox="1"/>
+            <p:nvPr/>
+          </p:nvSpPr>
+          <p:spPr>
+            <a:xfrm>
+              <a:off x="8424867" y="1209615"/>
+              <a:ext cx="1217896" cy="461665"/>
+            </a:xfrm>
+            <a:prstGeom prst="rect">
+              <a:avLst/>
+            </a:prstGeom>
+            <a:noFill/>
+          </p:spPr>
+          <p:txBody>
+            <a:bodyPr wrap="square" rtlCol="0">
+              <a:spAutoFit/>
+            </a:bodyPr>
+            <a:lstStyle/>
+            <a:p>
+              <a:pPr algn="ctr"/>
+              <a:r>
+                <a:rPr lang="en-PH" sz="2400" dirty="0">
+                  <a:solidFill>
+                    <a:srgbClr val="DE8F05"/>
+                  </a:solidFill>
+                  <a:latin typeface="Calibri" panose="020F0502020204030204" pitchFamily="34" charset="0"/>
+                  <a:ea typeface="Calibri" panose="020F0502020204030204" pitchFamily="34" charset="0"/>
+                  <a:cs typeface="Calibri" panose="020F0502020204030204" pitchFamily="34" charset="0"/>
+                </a:rPr>
+                <a:t>L = 128</a:t>
+              </a:r>
+            </a:p>
+          </p:txBody>
+        </p:sp>
+      </p:grpSp>
     </p:spTree>
     <p:extLst>
       <p:ext uri="{BB962C8B-B14F-4D97-AF65-F5344CB8AC3E}">
         <p14:creationId xmlns:p14="http://schemas.microsoft.com/office/powerpoint/2010/main" val="1080307861"/>
+      </p:ext>
+    </p:extLst>
+  </p:cSld>
+  <p:clrMapOvr>
+    <a:masterClrMapping/>
+  </p:clrMapOvr>
+</p:sld>
+</file>
+
+<file path=ppt/slides/slide11.xml><?xml version="1.0" encoding="utf-8"?>
+<p:sld xmlns:a="http://schemas.openxmlformats.org/drawingml/2006/main" xmlns:r="http://schemas.openxmlformats.org/officeDocument/2006/relationships" xmlns:p="http://schemas.openxmlformats.org/presentationml/2006/main">
+  <p:cSld>
+    <p:spTree>
+      <p:nvGrpSpPr>
+        <p:cNvPr id="1" name=""/>
+        <p:cNvGrpSpPr/>
+        <p:nvPr/>
+      </p:nvGrpSpPr>
+      <p:grpSpPr>
+        <a:xfrm>
+          <a:off x="0" y="0"/>
+          <a:ext cx="0" cy="0"/>
+          <a:chOff x="0" y="0"/>
+          <a:chExt cx="0" cy="0"/>
+        </a:xfrm>
+      </p:grpSpPr>
+      <p:grpSp>
+        <p:nvGrpSpPr>
+          <p:cNvPr id="10" name="Group 9">
+            <a:extLst>
+              <a:ext uri="{FF2B5EF4-FFF2-40B4-BE49-F238E27FC236}">
+                <a16:creationId xmlns:a16="http://schemas.microsoft.com/office/drawing/2014/main" id="{711972D2-03A1-C9E1-7285-6485423878CD}"/>
+              </a:ext>
+            </a:extLst>
+          </p:cNvPr>
+          <p:cNvGrpSpPr/>
+          <p:nvPr/>
+        </p:nvGrpSpPr>
+        <p:grpSpPr>
+          <a:xfrm>
+            <a:off x="1245929" y="358180"/>
+            <a:ext cx="9700141" cy="6141639"/>
+            <a:chOff x="1245929" y="0"/>
+            <a:chExt cx="9700141" cy="6141639"/>
+          </a:xfrm>
+        </p:grpSpPr>
+        <p:pic>
+          <p:nvPicPr>
+            <p:cNvPr id="3" name="Picture 2" descr="A graph of a line graph&#10;&#10;AI-generated content may be incorrect.">
+              <a:extLst>
+                <a:ext uri="{FF2B5EF4-FFF2-40B4-BE49-F238E27FC236}">
+                  <a16:creationId xmlns:a16="http://schemas.microsoft.com/office/drawing/2014/main" id="{9A8A4833-D173-93D7-B256-687BE32BBB52}"/>
+                </a:ext>
+              </a:extLst>
+            </p:cNvPr>
+            <p:cNvPicPr>
+              <a:picLocks noChangeAspect="1"/>
+            </p:cNvPicPr>
+            <p:nvPr/>
+          </p:nvPicPr>
+          <p:blipFill>
+            <a:blip r:embed="rId2">
+              <a:extLst>
+                <a:ext uri="{28A0092B-C50C-407E-A947-70E740481C1C}">
+                  <a14:useLocalDpi xmlns:a14="http://schemas.microsoft.com/office/drawing/2010/main" val="0"/>
+                </a:ext>
+              </a:extLst>
+            </a:blip>
+            <a:srcRect b="10446"/>
+            <a:stretch/>
+          </p:blipFill>
+          <p:spPr>
+            <a:xfrm>
+              <a:off x="1245929" y="0"/>
+              <a:ext cx="9700141" cy="6141639"/>
+            </a:xfrm>
+            <a:prstGeom prst="rect">
+              <a:avLst/>
+            </a:prstGeom>
+          </p:spPr>
+        </p:pic>
+        <p:sp>
+          <p:nvSpPr>
+            <p:cNvPr id="4" name="TextBox 3">
+              <a:extLst>
+                <a:ext uri="{FF2B5EF4-FFF2-40B4-BE49-F238E27FC236}">
+                  <a16:creationId xmlns:a16="http://schemas.microsoft.com/office/drawing/2014/main" id="{CDB60429-4B92-7C8F-D241-1B055E8C6DEF}"/>
+                </a:ext>
+              </a:extLst>
+            </p:cNvPr>
+            <p:cNvSpPr txBox="1"/>
+            <p:nvPr/>
+          </p:nvSpPr>
+          <p:spPr>
+            <a:xfrm>
+              <a:off x="4187190" y="1154003"/>
+              <a:ext cx="1221283" cy="461665"/>
+            </a:xfrm>
+            <a:prstGeom prst="rect">
+              <a:avLst/>
+            </a:prstGeom>
+            <a:noFill/>
+          </p:spPr>
+          <p:txBody>
+            <a:bodyPr wrap="square" rtlCol="0">
+              <a:spAutoFit/>
+            </a:bodyPr>
+            <a:lstStyle/>
+            <a:p>
+              <a:r>
+                <a:rPr lang="el-GR" sz="2400" dirty="0">
+                  <a:solidFill>
+                    <a:srgbClr val="0173B2"/>
+                  </a:solidFill>
+                  <a:latin typeface="Calibri" panose="020F0502020204030204" pitchFamily="34" charset="0"/>
+                  <a:ea typeface="Calibri" panose="020F0502020204030204" pitchFamily="34" charset="0"/>
+                  <a:cs typeface="Calibri" panose="020F0502020204030204" pitchFamily="34" charset="0"/>
+                </a:rPr>
+                <a:t>δλ</a:t>
+              </a:r>
+              <a:r>
+                <a:rPr lang="en-PH" sz="2400" dirty="0">
+                  <a:solidFill>
+                    <a:srgbClr val="0173B2"/>
+                  </a:solidFill>
+                  <a:latin typeface="Calibri" panose="020F0502020204030204" pitchFamily="34" charset="0"/>
+                  <a:ea typeface="Calibri" panose="020F0502020204030204" pitchFamily="34" charset="0"/>
+                  <a:cs typeface="Calibri" panose="020F0502020204030204" pitchFamily="34" charset="0"/>
+                </a:rPr>
+                <a:t> </a:t>
+              </a:r>
+              <a:r>
+                <a:rPr lang="el-GR" sz="2400" dirty="0">
+                  <a:solidFill>
+                    <a:srgbClr val="0173B2"/>
+                  </a:solidFill>
+                  <a:latin typeface="Calibri" panose="020F0502020204030204" pitchFamily="34" charset="0"/>
+                  <a:ea typeface="Calibri" panose="020F0502020204030204" pitchFamily="34" charset="0"/>
+                  <a:cs typeface="Calibri" panose="020F0502020204030204" pitchFamily="34" charset="0"/>
+                </a:rPr>
+                <a:t>=</a:t>
+              </a:r>
+              <a:r>
+                <a:rPr lang="en-PH" sz="2400" dirty="0">
+                  <a:solidFill>
+                    <a:srgbClr val="0173B2"/>
+                  </a:solidFill>
+                  <a:latin typeface="Calibri" panose="020F0502020204030204" pitchFamily="34" charset="0"/>
+                  <a:ea typeface="Calibri" panose="020F0502020204030204" pitchFamily="34" charset="0"/>
+                  <a:cs typeface="Calibri" panose="020F0502020204030204" pitchFamily="34" charset="0"/>
+                </a:rPr>
+                <a:t> </a:t>
+              </a:r>
+              <a:r>
+                <a:rPr lang="el-GR" sz="2400" dirty="0">
+                  <a:solidFill>
+                    <a:srgbClr val="0173B2"/>
+                  </a:solidFill>
+                  <a:latin typeface="Calibri" panose="020F0502020204030204" pitchFamily="34" charset="0"/>
+                  <a:ea typeface="Calibri" panose="020F0502020204030204" pitchFamily="34" charset="0"/>
+                  <a:cs typeface="Calibri" panose="020F0502020204030204" pitchFamily="34" charset="0"/>
+                </a:rPr>
+                <a:t>0.0</a:t>
+              </a:r>
+              <a:endParaRPr lang="en-PH" sz="2400" dirty="0">
+                <a:solidFill>
+                  <a:srgbClr val="0173B2"/>
+                </a:solidFill>
+                <a:latin typeface="Calibri" panose="020F0502020204030204" pitchFamily="34" charset="0"/>
+                <a:ea typeface="Calibri" panose="020F0502020204030204" pitchFamily="34" charset="0"/>
+                <a:cs typeface="Calibri" panose="020F0502020204030204" pitchFamily="34" charset="0"/>
+              </a:endParaRPr>
+            </a:p>
+          </p:txBody>
+        </p:sp>
+        <p:sp>
+          <p:nvSpPr>
+            <p:cNvPr id="5" name="TextBox 4">
+              <a:extLst>
+                <a:ext uri="{FF2B5EF4-FFF2-40B4-BE49-F238E27FC236}">
+                  <a16:creationId xmlns:a16="http://schemas.microsoft.com/office/drawing/2014/main" id="{775DDB3A-4AC2-0105-4589-7B9203E5899A}"/>
+                </a:ext>
+              </a:extLst>
+            </p:cNvPr>
+            <p:cNvSpPr txBox="1"/>
+            <p:nvPr/>
+          </p:nvSpPr>
+          <p:spPr>
+            <a:xfrm>
+              <a:off x="6349974" y="812627"/>
+              <a:ext cx="1277646" cy="461665"/>
+            </a:xfrm>
+            <a:prstGeom prst="rect">
+              <a:avLst/>
+            </a:prstGeom>
+            <a:noFill/>
+          </p:spPr>
+          <p:txBody>
+            <a:bodyPr wrap="square" rtlCol="0">
+              <a:spAutoFit/>
+            </a:bodyPr>
+            <a:lstStyle/>
+            <a:p>
+              <a:r>
+                <a:rPr lang="el-GR" sz="2400" dirty="0">
+                  <a:solidFill>
+                    <a:srgbClr val="0173B2"/>
+                  </a:solidFill>
+                  <a:latin typeface="Calibri" panose="020F0502020204030204" pitchFamily="34" charset="0"/>
+                  <a:ea typeface="Calibri" panose="020F0502020204030204" pitchFamily="34" charset="0"/>
+                  <a:cs typeface="Calibri" panose="020F0502020204030204" pitchFamily="34" charset="0"/>
+                </a:rPr>
+                <a:t>δλ</a:t>
+              </a:r>
+              <a:r>
+                <a:rPr lang="en-PH" sz="2400" dirty="0">
+                  <a:solidFill>
+                    <a:srgbClr val="0173B2"/>
+                  </a:solidFill>
+                  <a:latin typeface="Calibri" panose="020F0502020204030204" pitchFamily="34" charset="0"/>
+                  <a:ea typeface="Calibri" panose="020F0502020204030204" pitchFamily="34" charset="0"/>
+                  <a:cs typeface="Calibri" panose="020F0502020204030204" pitchFamily="34" charset="0"/>
+                </a:rPr>
+                <a:t> </a:t>
+              </a:r>
+              <a:r>
+                <a:rPr lang="el-GR" sz="2400" dirty="0">
+                  <a:solidFill>
+                    <a:srgbClr val="0173B2"/>
+                  </a:solidFill>
+                  <a:latin typeface="Calibri" panose="020F0502020204030204" pitchFamily="34" charset="0"/>
+                  <a:ea typeface="Calibri" panose="020F0502020204030204" pitchFamily="34" charset="0"/>
+                  <a:cs typeface="Calibri" panose="020F0502020204030204" pitchFamily="34" charset="0"/>
+                </a:rPr>
+                <a:t>=</a:t>
+              </a:r>
+              <a:r>
+                <a:rPr lang="en-PH" sz="2400" dirty="0">
+                  <a:solidFill>
+                    <a:srgbClr val="0173B2"/>
+                  </a:solidFill>
+                  <a:latin typeface="Calibri" panose="020F0502020204030204" pitchFamily="34" charset="0"/>
+                  <a:ea typeface="Calibri" panose="020F0502020204030204" pitchFamily="34" charset="0"/>
+                  <a:cs typeface="Calibri" panose="020F0502020204030204" pitchFamily="34" charset="0"/>
+                </a:rPr>
+                <a:t> </a:t>
+              </a:r>
+              <a:r>
+                <a:rPr lang="el-GR" sz="2400" dirty="0">
+                  <a:solidFill>
+                    <a:srgbClr val="0173B2"/>
+                  </a:solidFill>
+                  <a:latin typeface="Calibri" panose="020F0502020204030204" pitchFamily="34" charset="0"/>
+                  <a:ea typeface="Calibri" panose="020F0502020204030204" pitchFamily="34" charset="0"/>
+                  <a:cs typeface="Calibri" panose="020F0502020204030204" pitchFamily="34" charset="0"/>
+                </a:rPr>
+                <a:t>0.</a:t>
+              </a:r>
+              <a:r>
+                <a:rPr lang="en-PH" sz="2400" dirty="0">
+                  <a:solidFill>
+                    <a:srgbClr val="0173B2"/>
+                  </a:solidFill>
+                  <a:latin typeface="Calibri" panose="020F0502020204030204" pitchFamily="34" charset="0"/>
+                  <a:ea typeface="Calibri" panose="020F0502020204030204" pitchFamily="34" charset="0"/>
+                  <a:cs typeface="Calibri" panose="020F0502020204030204" pitchFamily="34" charset="0"/>
+                </a:rPr>
+                <a:t>2</a:t>
+              </a:r>
+            </a:p>
+          </p:txBody>
+        </p:sp>
+        <p:sp>
+          <p:nvSpPr>
+            <p:cNvPr id="6" name="TextBox 5">
+              <a:extLst>
+                <a:ext uri="{FF2B5EF4-FFF2-40B4-BE49-F238E27FC236}">
+                  <a16:creationId xmlns:a16="http://schemas.microsoft.com/office/drawing/2014/main" id="{EA08AC0A-ADC4-85C8-3C8B-FE0CA60C20C6}"/>
+                </a:ext>
+              </a:extLst>
+            </p:cNvPr>
+            <p:cNvSpPr txBox="1"/>
+            <p:nvPr/>
+          </p:nvSpPr>
+          <p:spPr>
+            <a:xfrm>
+              <a:off x="4928844" y="2635559"/>
+              <a:ext cx="1221283" cy="461665"/>
+            </a:xfrm>
+            <a:prstGeom prst="rect">
+              <a:avLst/>
+            </a:prstGeom>
+            <a:noFill/>
+          </p:spPr>
+          <p:txBody>
+            <a:bodyPr wrap="square" rtlCol="0">
+              <a:spAutoFit/>
+            </a:bodyPr>
+            <a:lstStyle/>
+            <a:p>
+              <a:r>
+                <a:rPr lang="el-GR" sz="2400" dirty="0">
+                  <a:solidFill>
+                    <a:srgbClr val="0173B2"/>
+                  </a:solidFill>
+                  <a:latin typeface="Calibri" panose="020F0502020204030204" pitchFamily="34" charset="0"/>
+                  <a:ea typeface="Calibri" panose="020F0502020204030204" pitchFamily="34" charset="0"/>
+                  <a:cs typeface="Calibri" panose="020F0502020204030204" pitchFamily="34" charset="0"/>
+                </a:rPr>
+                <a:t>δλ</a:t>
+              </a:r>
+              <a:r>
+                <a:rPr lang="en-PH" sz="2400" dirty="0">
+                  <a:solidFill>
+                    <a:srgbClr val="0173B2"/>
+                  </a:solidFill>
+                  <a:latin typeface="Calibri" panose="020F0502020204030204" pitchFamily="34" charset="0"/>
+                  <a:ea typeface="Calibri" panose="020F0502020204030204" pitchFamily="34" charset="0"/>
+                  <a:cs typeface="Calibri" panose="020F0502020204030204" pitchFamily="34" charset="0"/>
+                </a:rPr>
+                <a:t> </a:t>
+              </a:r>
+              <a:r>
+                <a:rPr lang="el-GR" sz="2400" dirty="0">
+                  <a:solidFill>
+                    <a:srgbClr val="0173B2"/>
+                  </a:solidFill>
+                  <a:latin typeface="Calibri" panose="020F0502020204030204" pitchFamily="34" charset="0"/>
+                  <a:ea typeface="Calibri" panose="020F0502020204030204" pitchFamily="34" charset="0"/>
+                  <a:cs typeface="Calibri" panose="020F0502020204030204" pitchFamily="34" charset="0"/>
+                </a:rPr>
+                <a:t>=</a:t>
+              </a:r>
+              <a:r>
+                <a:rPr lang="en-PH" sz="2400" dirty="0">
+                  <a:solidFill>
+                    <a:srgbClr val="0173B2"/>
+                  </a:solidFill>
+                  <a:latin typeface="Calibri" panose="020F0502020204030204" pitchFamily="34" charset="0"/>
+                  <a:ea typeface="Calibri" panose="020F0502020204030204" pitchFamily="34" charset="0"/>
+                  <a:cs typeface="Calibri" panose="020F0502020204030204" pitchFamily="34" charset="0"/>
+                </a:rPr>
+                <a:t> </a:t>
+              </a:r>
+              <a:r>
+                <a:rPr lang="el-GR" sz="2400" dirty="0">
+                  <a:solidFill>
+                    <a:srgbClr val="0173B2"/>
+                  </a:solidFill>
+                  <a:latin typeface="Calibri" panose="020F0502020204030204" pitchFamily="34" charset="0"/>
+                  <a:ea typeface="Calibri" panose="020F0502020204030204" pitchFamily="34" charset="0"/>
+                  <a:cs typeface="Calibri" panose="020F0502020204030204" pitchFamily="34" charset="0"/>
+                </a:rPr>
+                <a:t>0.</a:t>
+              </a:r>
+              <a:r>
+                <a:rPr lang="en-PH" sz="2400" dirty="0">
+                  <a:solidFill>
+                    <a:srgbClr val="0173B2"/>
+                  </a:solidFill>
+                  <a:latin typeface="Calibri" panose="020F0502020204030204" pitchFamily="34" charset="0"/>
+                  <a:ea typeface="Calibri" panose="020F0502020204030204" pitchFamily="34" charset="0"/>
+                  <a:cs typeface="Calibri" panose="020F0502020204030204" pitchFamily="34" charset="0"/>
+                </a:rPr>
+                <a:t>4</a:t>
+              </a:r>
+            </a:p>
+          </p:txBody>
+        </p:sp>
+        <p:sp>
+          <p:nvSpPr>
+            <p:cNvPr id="8" name="TextBox 7">
+              <a:extLst>
+                <a:ext uri="{FF2B5EF4-FFF2-40B4-BE49-F238E27FC236}">
+                  <a16:creationId xmlns:a16="http://schemas.microsoft.com/office/drawing/2014/main" id="{F65B0590-3C6C-3C3F-D11B-8FB22AFA7E8E}"/>
+                </a:ext>
+              </a:extLst>
+            </p:cNvPr>
+            <p:cNvSpPr txBox="1"/>
+            <p:nvPr/>
+          </p:nvSpPr>
+          <p:spPr>
+            <a:xfrm>
+              <a:off x="4857750" y="3606144"/>
+              <a:ext cx="1776767" cy="461665"/>
+            </a:xfrm>
+            <a:prstGeom prst="rect">
+              <a:avLst/>
+            </a:prstGeom>
+            <a:noFill/>
+          </p:spPr>
+          <p:txBody>
+            <a:bodyPr wrap="square" rtlCol="0">
+              <a:spAutoFit/>
+            </a:bodyPr>
+            <a:lstStyle/>
+            <a:p>
+              <a:r>
+                <a:rPr lang="el-GR" sz="2400" dirty="0">
+                  <a:solidFill>
+                    <a:srgbClr val="DE8F05"/>
+                  </a:solidFill>
+                  <a:latin typeface="Calibri" panose="020F0502020204030204" pitchFamily="34" charset="0"/>
+                  <a:ea typeface="Calibri" panose="020F0502020204030204" pitchFamily="34" charset="0"/>
+                  <a:cs typeface="Calibri" panose="020F0502020204030204" pitchFamily="34" charset="0"/>
+                </a:rPr>
+                <a:t>δλ</a:t>
+              </a:r>
+              <a:r>
+                <a:rPr lang="en-PH" sz="2400" dirty="0">
+                  <a:solidFill>
+                    <a:srgbClr val="DE8F05"/>
+                  </a:solidFill>
+                  <a:latin typeface="Calibri" panose="020F0502020204030204" pitchFamily="34" charset="0"/>
+                  <a:ea typeface="Calibri" panose="020F0502020204030204" pitchFamily="34" charset="0"/>
+                  <a:cs typeface="Calibri" panose="020F0502020204030204" pitchFamily="34" charset="0"/>
+                </a:rPr>
+                <a:t> </a:t>
+              </a:r>
+              <a:r>
+                <a:rPr lang="el-GR" sz="2400" dirty="0">
+                  <a:solidFill>
+                    <a:srgbClr val="DE8F05"/>
+                  </a:solidFill>
+                  <a:latin typeface="Calibri" panose="020F0502020204030204" pitchFamily="34" charset="0"/>
+                  <a:ea typeface="Calibri" panose="020F0502020204030204" pitchFamily="34" charset="0"/>
+                  <a:cs typeface="Calibri" panose="020F0502020204030204" pitchFamily="34" charset="0"/>
+                </a:rPr>
+                <a:t>=</a:t>
+              </a:r>
+              <a:r>
+                <a:rPr lang="en-PH" sz="2400" dirty="0">
+                  <a:solidFill>
+                    <a:srgbClr val="DE8F05"/>
+                  </a:solidFill>
+                  <a:latin typeface="Calibri" panose="020F0502020204030204" pitchFamily="34" charset="0"/>
+                  <a:ea typeface="Calibri" panose="020F0502020204030204" pitchFamily="34" charset="0"/>
+                  <a:cs typeface="Calibri" panose="020F0502020204030204" pitchFamily="34" charset="0"/>
+                </a:rPr>
+                <a:t> </a:t>
+              </a:r>
+              <a:r>
+                <a:rPr lang="el-GR" sz="2400" dirty="0">
+                  <a:solidFill>
+                    <a:srgbClr val="DE8F05"/>
+                  </a:solidFill>
+                  <a:latin typeface="Calibri" panose="020F0502020204030204" pitchFamily="34" charset="0"/>
+                  <a:ea typeface="Calibri" panose="020F0502020204030204" pitchFamily="34" charset="0"/>
+                  <a:cs typeface="Calibri" panose="020F0502020204030204" pitchFamily="34" charset="0"/>
+                </a:rPr>
+                <a:t>0.</a:t>
+              </a:r>
+              <a:r>
+                <a:rPr lang="en-PH" sz="2400" dirty="0">
+                  <a:solidFill>
+                    <a:srgbClr val="DE8F05"/>
+                  </a:solidFill>
+                  <a:latin typeface="Calibri" panose="020F0502020204030204" pitchFamily="34" charset="0"/>
+                  <a:ea typeface="Calibri" panose="020F0502020204030204" pitchFamily="34" charset="0"/>
+                  <a:cs typeface="Calibri" panose="020F0502020204030204" pitchFamily="34" charset="0"/>
+                </a:rPr>
+                <a:t>0, 0.2</a:t>
+              </a:r>
+            </a:p>
+          </p:txBody>
+        </p:sp>
+        <p:sp>
+          <p:nvSpPr>
+            <p:cNvPr id="9" name="TextBox 8">
+              <a:extLst>
+                <a:ext uri="{FF2B5EF4-FFF2-40B4-BE49-F238E27FC236}">
+                  <a16:creationId xmlns:a16="http://schemas.microsoft.com/office/drawing/2014/main" id="{A7BE308A-BABE-8D6A-2D88-9E64E92F4EB7}"/>
+                </a:ext>
+              </a:extLst>
+            </p:cNvPr>
+            <p:cNvSpPr txBox="1"/>
+            <p:nvPr/>
+          </p:nvSpPr>
+          <p:spPr>
+            <a:xfrm>
+              <a:off x="7181088" y="3648816"/>
+              <a:ext cx="1638845" cy="461665"/>
+            </a:xfrm>
+            <a:prstGeom prst="rect">
+              <a:avLst/>
+            </a:prstGeom>
+            <a:noFill/>
+          </p:spPr>
+          <p:txBody>
+            <a:bodyPr wrap="square" rtlCol="0">
+              <a:spAutoFit/>
+            </a:bodyPr>
+            <a:lstStyle/>
+            <a:p>
+              <a:r>
+                <a:rPr lang="el-GR" sz="2400" dirty="0">
+                  <a:solidFill>
+                    <a:srgbClr val="DE8F05"/>
+                  </a:solidFill>
+                  <a:latin typeface="Calibri" panose="020F0502020204030204" pitchFamily="34" charset="0"/>
+                  <a:ea typeface="Calibri" panose="020F0502020204030204" pitchFamily="34" charset="0"/>
+                  <a:cs typeface="Calibri" panose="020F0502020204030204" pitchFamily="34" charset="0"/>
+                </a:rPr>
+                <a:t>δλ</a:t>
+              </a:r>
+              <a:r>
+                <a:rPr lang="en-PH" sz="2400" dirty="0">
+                  <a:solidFill>
+                    <a:srgbClr val="DE8F05"/>
+                  </a:solidFill>
+                  <a:latin typeface="Calibri" panose="020F0502020204030204" pitchFamily="34" charset="0"/>
+                  <a:ea typeface="Calibri" panose="020F0502020204030204" pitchFamily="34" charset="0"/>
+                  <a:cs typeface="Calibri" panose="020F0502020204030204" pitchFamily="34" charset="0"/>
+                </a:rPr>
+                <a:t> </a:t>
+              </a:r>
+              <a:r>
+                <a:rPr lang="el-GR" sz="2400" dirty="0">
+                  <a:solidFill>
+                    <a:srgbClr val="DE8F05"/>
+                  </a:solidFill>
+                  <a:latin typeface="Calibri" panose="020F0502020204030204" pitchFamily="34" charset="0"/>
+                  <a:ea typeface="Calibri" panose="020F0502020204030204" pitchFamily="34" charset="0"/>
+                  <a:cs typeface="Calibri" panose="020F0502020204030204" pitchFamily="34" charset="0"/>
+                </a:rPr>
+                <a:t>=</a:t>
+              </a:r>
+              <a:r>
+                <a:rPr lang="en-PH" sz="2400" dirty="0">
+                  <a:solidFill>
+                    <a:srgbClr val="DE8F05"/>
+                  </a:solidFill>
+                  <a:latin typeface="Calibri" panose="020F0502020204030204" pitchFamily="34" charset="0"/>
+                  <a:ea typeface="Calibri" panose="020F0502020204030204" pitchFamily="34" charset="0"/>
+                  <a:cs typeface="Calibri" panose="020F0502020204030204" pitchFamily="34" charset="0"/>
+                </a:rPr>
+                <a:t> </a:t>
+              </a:r>
+              <a:r>
+                <a:rPr lang="el-GR" sz="2400" dirty="0">
+                  <a:solidFill>
+                    <a:srgbClr val="DE8F05"/>
+                  </a:solidFill>
+                  <a:latin typeface="Calibri" panose="020F0502020204030204" pitchFamily="34" charset="0"/>
+                  <a:ea typeface="Calibri" panose="020F0502020204030204" pitchFamily="34" charset="0"/>
+                  <a:cs typeface="Calibri" panose="020F0502020204030204" pitchFamily="34" charset="0"/>
+                </a:rPr>
+                <a:t>0.</a:t>
+              </a:r>
+              <a:r>
+                <a:rPr lang="en-PH" sz="2400" dirty="0">
+                  <a:solidFill>
+                    <a:srgbClr val="DE8F05"/>
+                  </a:solidFill>
+                  <a:latin typeface="Calibri" panose="020F0502020204030204" pitchFamily="34" charset="0"/>
+                  <a:ea typeface="Calibri" panose="020F0502020204030204" pitchFamily="34" charset="0"/>
+                  <a:cs typeface="Calibri" panose="020F0502020204030204" pitchFamily="34" charset="0"/>
+                </a:rPr>
+                <a:t>4</a:t>
+              </a:r>
+            </a:p>
+          </p:txBody>
+        </p:sp>
+      </p:grpSp>
+    </p:spTree>
+    <p:extLst>
+      <p:ext uri="{BB962C8B-B14F-4D97-AF65-F5344CB8AC3E}">
+        <p14:creationId xmlns:p14="http://schemas.microsoft.com/office/powerpoint/2010/main" val="3691018217"/>
+      </p:ext>
+    </p:extLst>
+  </p:cSld>
+  <p:clrMapOvr>
+    <a:masterClrMapping/>
+  </p:clrMapOvr>
+</p:sld>
+</file>
+
+<file path=ppt/slides/slide12.xml><?xml version="1.0" encoding="utf-8"?>
+<p:sld xmlns:a="http://schemas.openxmlformats.org/drawingml/2006/main" xmlns:r="http://schemas.openxmlformats.org/officeDocument/2006/relationships" xmlns:p="http://schemas.openxmlformats.org/presentationml/2006/main">
+  <p:cSld>
+    <p:spTree>
+      <p:nvGrpSpPr>
+        <p:cNvPr id="1" name=""/>
+        <p:cNvGrpSpPr/>
+        <p:nvPr/>
+      </p:nvGrpSpPr>
+      <p:grpSpPr>
+        <a:xfrm>
+          <a:off x="0" y="0"/>
+          <a:ext cx="0" cy="0"/>
+          <a:chOff x="0" y="0"/>
+          <a:chExt cx="0" cy="0"/>
+        </a:xfrm>
+      </p:grpSpPr>
+      <p:grpSp>
+        <p:nvGrpSpPr>
+          <p:cNvPr id="10" name="Group 9">
+            <a:extLst>
+              <a:ext uri="{FF2B5EF4-FFF2-40B4-BE49-F238E27FC236}">
+                <a16:creationId xmlns:a16="http://schemas.microsoft.com/office/drawing/2014/main" id="{DE45D85B-B8F7-7CF5-DED4-C3F5687B7456}"/>
+              </a:ext>
+            </a:extLst>
+          </p:cNvPr>
+          <p:cNvGrpSpPr/>
+          <p:nvPr/>
+        </p:nvGrpSpPr>
+        <p:grpSpPr>
+          <a:xfrm>
+            <a:off x="1187251" y="532993"/>
+            <a:ext cx="9700141" cy="6146528"/>
+            <a:chOff x="1245929" y="0"/>
+            <a:chExt cx="9700141" cy="6146528"/>
+          </a:xfrm>
+        </p:grpSpPr>
+        <p:pic>
+          <p:nvPicPr>
+            <p:cNvPr id="3" name="Picture 2" descr="A graph of different colored lines&#10;&#10;AI-generated content may be incorrect.">
+              <a:extLst>
+                <a:ext uri="{FF2B5EF4-FFF2-40B4-BE49-F238E27FC236}">
+                  <a16:creationId xmlns:a16="http://schemas.microsoft.com/office/drawing/2014/main" id="{38155C25-C689-4DB0-7CF9-D4334E85A88C}"/>
+                </a:ext>
+              </a:extLst>
+            </p:cNvPr>
+            <p:cNvPicPr>
+              <a:picLocks noChangeAspect="1"/>
+            </p:cNvPicPr>
+            <p:nvPr/>
+          </p:nvPicPr>
+          <p:blipFill>
+            <a:blip r:embed="rId2">
+              <a:extLst>
+                <a:ext uri="{28A0092B-C50C-407E-A947-70E740481C1C}">
+                  <a14:useLocalDpi xmlns:a14="http://schemas.microsoft.com/office/drawing/2010/main" val="0"/>
+                </a:ext>
+              </a:extLst>
+            </a:blip>
+            <a:srcRect b="10375"/>
+            <a:stretch/>
+          </p:blipFill>
+          <p:spPr>
+            <a:xfrm>
+              <a:off x="1245929" y="0"/>
+              <a:ext cx="9700141" cy="6146528"/>
+            </a:xfrm>
+            <a:prstGeom prst="rect">
+              <a:avLst/>
+            </a:prstGeom>
+          </p:spPr>
+        </p:pic>
+        <p:sp>
+          <p:nvSpPr>
+            <p:cNvPr id="4" name="TextBox 3">
+              <a:extLst>
+                <a:ext uri="{FF2B5EF4-FFF2-40B4-BE49-F238E27FC236}">
+                  <a16:creationId xmlns:a16="http://schemas.microsoft.com/office/drawing/2014/main" id="{358FBAD4-519D-C680-1951-33C81527585B}"/>
+                </a:ext>
+              </a:extLst>
+            </p:cNvPr>
+            <p:cNvSpPr txBox="1"/>
+            <p:nvPr/>
+          </p:nvSpPr>
+          <p:spPr>
+            <a:xfrm>
+              <a:off x="3168616" y="1271358"/>
+              <a:ext cx="1149112" cy="461665"/>
+            </a:xfrm>
+            <a:prstGeom prst="rect">
+              <a:avLst/>
+            </a:prstGeom>
+            <a:noFill/>
+          </p:spPr>
+          <p:txBody>
+            <a:bodyPr wrap="square" rtlCol="0">
+              <a:spAutoFit/>
+            </a:bodyPr>
+            <a:lstStyle/>
+            <a:p>
+              <a:pPr algn="ctr"/>
+              <a:r>
+                <a:rPr lang="el-GR" sz="2400" dirty="0">
+                  <a:solidFill>
+                    <a:srgbClr val="0B79B5"/>
+                  </a:solidFill>
+                  <a:latin typeface="Calibri" panose="020F0502020204030204" pitchFamily="34" charset="0"/>
+                  <a:ea typeface="Calibri" panose="020F0502020204030204" pitchFamily="34" charset="0"/>
+                  <a:cs typeface="Calibri" panose="020F0502020204030204" pitchFamily="34" charset="0"/>
+                </a:rPr>
+                <a:t>ρ</a:t>
+              </a:r>
+              <a:r>
+                <a:rPr lang="en-PH" sz="2400" dirty="0">
+                  <a:solidFill>
+                    <a:srgbClr val="0B79B5"/>
+                  </a:solidFill>
+                  <a:latin typeface="Calibri" panose="020F0502020204030204" pitchFamily="34" charset="0"/>
+                  <a:ea typeface="Calibri" panose="020F0502020204030204" pitchFamily="34" charset="0"/>
+                  <a:cs typeface="Calibri" panose="020F0502020204030204" pitchFamily="34" charset="0"/>
+                </a:rPr>
+                <a:t> </a:t>
+              </a:r>
+              <a:r>
+                <a:rPr lang="el-GR" sz="2400" dirty="0">
+                  <a:solidFill>
+                    <a:srgbClr val="0B79B5"/>
+                  </a:solidFill>
+                  <a:latin typeface="Calibri" panose="020F0502020204030204" pitchFamily="34" charset="0"/>
+                  <a:ea typeface="Calibri" panose="020F0502020204030204" pitchFamily="34" charset="0"/>
+                  <a:cs typeface="Calibri" panose="020F0502020204030204" pitchFamily="34" charset="0"/>
+                </a:rPr>
+                <a:t>=</a:t>
+              </a:r>
+              <a:r>
+                <a:rPr lang="en-PH" sz="2400" dirty="0">
+                  <a:solidFill>
+                    <a:srgbClr val="0B79B5"/>
+                  </a:solidFill>
+                  <a:latin typeface="Calibri" panose="020F0502020204030204" pitchFamily="34" charset="0"/>
+                  <a:ea typeface="Calibri" panose="020F0502020204030204" pitchFamily="34" charset="0"/>
+                  <a:cs typeface="Calibri" panose="020F0502020204030204" pitchFamily="34" charset="0"/>
+                </a:rPr>
+                <a:t> </a:t>
+              </a:r>
+              <a:r>
+                <a:rPr lang="el-GR" sz="2400" dirty="0">
+                  <a:solidFill>
+                    <a:srgbClr val="0B79B5"/>
+                  </a:solidFill>
+                  <a:latin typeface="Calibri" panose="020F0502020204030204" pitchFamily="34" charset="0"/>
+                  <a:ea typeface="Calibri" panose="020F0502020204030204" pitchFamily="34" charset="0"/>
+                  <a:cs typeface="Calibri" panose="020F0502020204030204" pitchFamily="34" charset="0"/>
+                </a:rPr>
+                <a:t>0.9</a:t>
+              </a:r>
+              <a:endParaRPr lang="en-PH" sz="2400" dirty="0">
+                <a:solidFill>
+                  <a:srgbClr val="0B79B5"/>
+                </a:solidFill>
+                <a:latin typeface="Calibri" panose="020F0502020204030204" pitchFamily="34" charset="0"/>
+                <a:ea typeface="Calibri" panose="020F0502020204030204" pitchFamily="34" charset="0"/>
+                <a:cs typeface="Calibri" panose="020F0502020204030204" pitchFamily="34" charset="0"/>
+              </a:endParaRPr>
+            </a:p>
+          </p:txBody>
+        </p:sp>
+        <p:sp>
+          <p:nvSpPr>
+            <p:cNvPr id="5" name="TextBox 4">
+              <a:extLst>
+                <a:ext uri="{FF2B5EF4-FFF2-40B4-BE49-F238E27FC236}">
+                  <a16:creationId xmlns:a16="http://schemas.microsoft.com/office/drawing/2014/main" id="{9EC726F2-9BBD-7291-60D1-27E6B6456DF3}"/>
+                </a:ext>
+              </a:extLst>
+            </p:cNvPr>
+            <p:cNvSpPr txBox="1"/>
+            <p:nvPr/>
+          </p:nvSpPr>
+          <p:spPr>
+            <a:xfrm>
+              <a:off x="4509736" y="2246718"/>
+              <a:ext cx="1149112" cy="461665"/>
+            </a:xfrm>
+            <a:prstGeom prst="rect">
+              <a:avLst/>
+            </a:prstGeom>
+            <a:noFill/>
+          </p:spPr>
+          <p:txBody>
+            <a:bodyPr wrap="square" rtlCol="0">
+              <a:spAutoFit/>
+            </a:bodyPr>
+            <a:lstStyle/>
+            <a:p>
+              <a:pPr algn="ctr"/>
+              <a:r>
+                <a:rPr lang="el-GR" sz="2400" dirty="0">
+                  <a:solidFill>
+                    <a:srgbClr val="479AC8"/>
+                  </a:solidFill>
+                  <a:latin typeface="Calibri" panose="020F0502020204030204" pitchFamily="34" charset="0"/>
+                  <a:ea typeface="Calibri" panose="020F0502020204030204" pitchFamily="34" charset="0"/>
+                  <a:cs typeface="Calibri" panose="020F0502020204030204" pitchFamily="34" charset="0"/>
+                </a:rPr>
+                <a:t>ρ</a:t>
+              </a:r>
+              <a:r>
+                <a:rPr lang="en-PH" sz="2400" dirty="0">
+                  <a:solidFill>
+                    <a:srgbClr val="479AC8"/>
+                  </a:solidFill>
+                  <a:latin typeface="Calibri" panose="020F0502020204030204" pitchFamily="34" charset="0"/>
+                  <a:ea typeface="Calibri" panose="020F0502020204030204" pitchFamily="34" charset="0"/>
+                  <a:cs typeface="Calibri" panose="020F0502020204030204" pitchFamily="34" charset="0"/>
+                </a:rPr>
+                <a:t> </a:t>
+              </a:r>
+              <a:r>
+                <a:rPr lang="el-GR" sz="2400" dirty="0">
+                  <a:solidFill>
+                    <a:srgbClr val="479AC8"/>
+                  </a:solidFill>
+                  <a:latin typeface="Calibri" panose="020F0502020204030204" pitchFamily="34" charset="0"/>
+                  <a:ea typeface="Calibri" panose="020F0502020204030204" pitchFamily="34" charset="0"/>
+                  <a:cs typeface="Calibri" panose="020F0502020204030204" pitchFamily="34" charset="0"/>
+                </a:rPr>
+                <a:t>=</a:t>
+              </a:r>
+              <a:r>
+                <a:rPr lang="en-PH" sz="2400" dirty="0">
+                  <a:solidFill>
+                    <a:srgbClr val="479AC8"/>
+                  </a:solidFill>
+                  <a:latin typeface="Calibri" panose="020F0502020204030204" pitchFamily="34" charset="0"/>
+                  <a:ea typeface="Calibri" panose="020F0502020204030204" pitchFamily="34" charset="0"/>
+                  <a:cs typeface="Calibri" panose="020F0502020204030204" pitchFamily="34" charset="0"/>
+                </a:rPr>
+                <a:t> </a:t>
+              </a:r>
+              <a:r>
+                <a:rPr lang="el-GR" sz="2400" dirty="0">
+                  <a:solidFill>
+                    <a:srgbClr val="479AC8"/>
+                  </a:solidFill>
+                  <a:latin typeface="Calibri" panose="020F0502020204030204" pitchFamily="34" charset="0"/>
+                  <a:ea typeface="Calibri" panose="020F0502020204030204" pitchFamily="34" charset="0"/>
+                  <a:cs typeface="Calibri" panose="020F0502020204030204" pitchFamily="34" charset="0"/>
+                </a:rPr>
+                <a:t>0.</a:t>
+              </a:r>
+              <a:r>
+                <a:rPr lang="en-PH" sz="2400" dirty="0">
+                  <a:solidFill>
+                    <a:srgbClr val="479AC8"/>
+                  </a:solidFill>
+                  <a:latin typeface="Calibri" panose="020F0502020204030204" pitchFamily="34" charset="0"/>
+                  <a:ea typeface="Calibri" panose="020F0502020204030204" pitchFamily="34" charset="0"/>
+                  <a:cs typeface="Calibri" panose="020F0502020204030204" pitchFamily="34" charset="0"/>
+                </a:rPr>
+                <a:t>5</a:t>
+              </a:r>
+            </a:p>
+          </p:txBody>
+        </p:sp>
+        <p:sp>
+          <p:nvSpPr>
+            <p:cNvPr id="6" name="TextBox 5">
+              <a:extLst>
+                <a:ext uri="{FF2B5EF4-FFF2-40B4-BE49-F238E27FC236}">
+                  <a16:creationId xmlns:a16="http://schemas.microsoft.com/office/drawing/2014/main" id="{9047D6F8-DBEA-C227-E4F7-4AF1B4CECE89}"/>
+                </a:ext>
+              </a:extLst>
+            </p:cNvPr>
+            <p:cNvSpPr txBox="1"/>
+            <p:nvPr/>
+          </p:nvSpPr>
+          <p:spPr>
+            <a:xfrm>
+              <a:off x="4159216" y="3687953"/>
+              <a:ext cx="1149112" cy="461665"/>
+            </a:xfrm>
+            <a:prstGeom prst="rect">
+              <a:avLst/>
+            </a:prstGeom>
+            <a:noFill/>
+          </p:spPr>
+          <p:txBody>
+            <a:bodyPr wrap="square" rtlCol="0">
+              <a:spAutoFit/>
+            </a:bodyPr>
+            <a:lstStyle/>
+            <a:p>
+              <a:pPr algn="ctr"/>
+              <a:r>
+                <a:rPr lang="el-GR" sz="2400" dirty="0">
+                  <a:solidFill>
+                    <a:srgbClr val="6FAFD3"/>
+                  </a:solidFill>
+                  <a:latin typeface="Calibri" panose="020F0502020204030204" pitchFamily="34" charset="0"/>
+                  <a:ea typeface="Calibri" panose="020F0502020204030204" pitchFamily="34" charset="0"/>
+                  <a:cs typeface="Calibri" panose="020F0502020204030204" pitchFamily="34" charset="0"/>
+                </a:rPr>
+                <a:t>ρ</a:t>
+              </a:r>
+              <a:r>
+                <a:rPr lang="en-PH" sz="2400" dirty="0">
+                  <a:solidFill>
+                    <a:srgbClr val="6FAFD3"/>
+                  </a:solidFill>
+                  <a:latin typeface="Calibri" panose="020F0502020204030204" pitchFamily="34" charset="0"/>
+                  <a:ea typeface="Calibri" panose="020F0502020204030204" pitchFamily="34" charset="0"/>
+                  <a:cs typeface="Calibri" panose="020F0502020204030204" pitchFamily="34" charset="0"/>
+                </a:rPr>
+                <a:t> </a:t>
+              </a:r>
+              <a:r>
+                <a:rPr lang="el-GR" sz="2400" dirty="0">
+                  <a:solidFill>
+                    <a:srgbClr val="6FAFD3"/>
+                  </a:solidFill>
+                  <a:latin typeface="Calibri" panose="020F0502020204030204" pitchFamily="34" charset="0"/>
+                  <a:ea typeface="Calibri" panose="020F0502020204030204" pitchFamily="34" charset="0"/>
+                  <a:cs typeface="Calibri" panose="020F0502020204030204" pitchFamily="34" charset="0"/>
+                </a:rPr>
+                <a:t>=</a:t>
+              </a:r>
+              <a:r>
+                <a:rPr lang="en-PH" sz="2400" dirty="0">
+                  <a:solidFill>
+                    <a:srgbClr val="6FAFD3"/>
+                  </a:solidFill>
+                  <a:latin typeface="Calibri" panose="020F0502020204030204" pitchFamily="34" charset="0"/>
+                  <a:ea typeface="Calibri" panose="020F0502020204030204" pitchFamily="34" charset="0"/>
+                  <a:cs typeface="Calibri" panose="020F0502020204030204" pitchFamily="34" charset="0"/>
+                </a:rPr>
+                <a:t> </a:t>
+              </a:r>
+              <a:r>
+                <a:rPr lang="el-GR" sz="2400" dirty="0">
+                  <a:solidFill>
+                    <a:srgbClr val="6FAFD3"/>
+                  </a:solidFill>
+                  <a:latin typeface="Calibri" panose="020F0502020204030204" pitchFamily="34" charset="0"/>
+                  <a:ea typeface="Calibri" panose="020F0502020204030204" pitchFamily="34" charset="0"/>
+                  <a:cs typeface="Calibri" panose="020F0502020204030204" pitchFamily="34" charset="0"/>
+                </a:rPr>
+                <a:t>0.</a:t>
+              </a:r>
+              <a:r>
+                <a:rPr lang="en-PH" sz="2400" dirty="0">
+                  <a:solidFill>
+                    <a:srgbClr val="6FAFD3"/>
+                  </a:solidFill>
+                  <a:latin typeface="Calibri" panose="020F0502020204030204" pitchFamily="34" charset="0"/>
+                  <a:ea typeface="Calibri" panose="020F0502020204030204" pitchFamily="34" charset="0"/>
+                  <a:cs typeface="Calibri" panose="020F0502020204030204" pitchFamily="34" charset="0"/>
+                </a:rPr>
+                <a:t>1</a:t>
+              </a:r>
+            </a:p>
+          </p:txBody>
+        </p:sp>
+        <p:sp>
+          <p:nvSpPr>
+            <p:cNvPr id="7" name="TextBox 6">
+              <a:extLst>
+                <a:ext uri="{FF2B5EF4-FFF2-40B4-BE49-F238E27FC236}">
+                  <a16:creationId xmlns:a16="http://schemas.microsoft.com/office/drawing/2014/main" id="{B11515C1-A736-5EF0-A6C3-EF06A6C7D2F0}"/>
+                </a:ext>
+              </a:extLst>
+            </p:cNvPr>
+            <p:cNvSpPr txBox="1"/>
+            <p:nvPr/>
+          </p:nvSpPr>
+          <p:spPr>
+            <a:xfrm>
+              <a:off x="5474936" y="1267148"/>
+              <a:ext cx="1149112" cy="461665"/>
+            </a:xfrm>
+            <a:prstGeom prst="rect">
+              <a:avLst/>
+            </a:prstGeom>
+            <a:noFill/>
+          </p:spPr>
+          <p:txBody>
+            <a:bodyPr wrap="square" rtlCol="0">
+              <a:spAutoFit/>
+            </a:bodyPr>
+            <a:lstStyle/>
+            <a:p>
+              <a:pPr algn="ctr"/>
+              <a:r>
+                <a:rPr lang="el-GR" sz="2400" dirty="0">
+                  <a:solidFill>
+                    <a:srgbClr val="E0940F"/>
+                  </a:solidFill>
+                  <a:latin typeface="Calibri" panose="020F0502020204030204" pitchFamily="34" charset="0"/>
+                  <a:ea typeface="Calibri" panose="020F0502020204030204" pitchFamily="34" charset="0"/>
+                  <a:cs typeface="Calibri" panose="020F0502020204030204" pitchFamily="34" charset="0"/>
+                </a:rPr>
+                <a:t>ρ</a:t>
+              </a:r>
+              <a:r>
+                <a:rPr lang="en-PH" sz="2400" dirty="0">
+                  <a:solidFill>
+                    <a:srgbClr val="E0940F"/>
+                  </a:solidFill>
+                  <a:latin typeface="Calibri" panose="020F0502020204030204" pitchFamily="34" charset="0"/>
+                  <a:ea typeface="Calibri" panose="020F0502020204030204" pitchFamily="34" charset="0"/>
+                  <a:cs typeface="Calibri" panose="020F0502020204030204" pitchFamily="34" charset="0"/>
+                </a:rPr>
+                <a:t> </a:t>
+              </a:r>
+              <a:r>
+                <a:rPr lang="el-GR" sz="2400" dirty="0">
+                  <a:solidFill>
+                    <a:srgbClr val="E0940F"/>
+                  </a:solidFill>
+                  <a:latin typeface="Calibri" panose="020F0502020204030204" pitchFamily="34" charset="0"/>
+                  <a:ea typeface="Calibri" panose="020F0502020204030204" pitchFamily="34" charset="0"/>
+                  <a:cs typeface="Calibri" panose="020F0502020204030204" pitchFamily="34" charset="0"/>
+                </a:rPr>
+                <a:t>=</a:t>
+              </a:r>
+              <a:r>
+                <a:rPr lang="en-PH" sz="2400" dirty="0">
+                  <a:solidFill>
+                    <a:srgbClr val="E0940F"/>
+                  </a:solidFill>
+                  <a:latin typeface="Calibri" panose="020F0502020204030204" pitchFamily="34" charset="0"/>
+                  <a:ea typeface="Calibri" panose="020F0502020204030204" pitchFamily="34" charset="0"/>
+                  <a:cs typeface="Calibri" panose="020F0502020204030204" pitchFamily="34" charset="0"/>
+                </a:rPr>
+                <a:t> </a:t>
+              </a:r>
+              <a:r>
+                <a:rPr lang="el-GR" sz="2400" dirty="0">
+                  <a:solidFill>
+                    <a:srgbClr val="E0940F"/>
+                  </a:solidFill>
+                  <a:latin typeface="Calibri" panose="020F0502020204030204" pitchFamily="34" charset="0"/>
+                  <a:ea typeface="Calibri" panose="020F0502020204030204" pitchFamily="34" charset="0"/>
+                  <a:cs typeface="Calibri" panose="020F0502020204030204" pitchFamily="34" charset="0"/>
+                </a:rPr>
+                <a:t>0.9</a:t>
+              </a:r>
+              <a:endParaRPr lang="en-PH" sz="2400" dirty="0">
+                <a:solidFill>
+                  <a:srgbClr val="E0940F"/>
+                </a:solidFill>
+                <a:latin typeface="Calibri" panose="020F0502020204030204" pitchFamily="34" charset="0"/>
+                <a:ea typeface="Calibri" panose="020F0502020204030204" pitchFamily="34" charset="0"/>
+                <a:cs typeface="Calibri" panose="020F0502020204030204" pitchFamily="34" charset="0"/>
+              </a:endParaRPr>
+            </a:p>
+          </p:txBody>
+        </p:sp>
+        <p:sp>
+          <p:nvSpPr>
+            <p:cNvPr id="8" name="TextBox 7">
+              <a:extLst>
+                <a:ext uri="{FF2B5EF4-FFF2-40B4-BE49-F238E27FC236}">
+                  <a16:creationId xmlns:a16="http://schemas.microsoft.com/office/drawing/2014/main" id="{5F412A06-5D04-791F-804B-02E81E5C2786}"/>
+                </a:ext>
+              </a:extLst>
+            </p:cNvPr>
+            <p:cNvSpPr txBox="1"/>
+            <p:nvPr/>
+          </p:nvSpPr>
+          <p:spPr>
+            <a:xfrm>
+              <a:off x="6666196" y="2379052"/>
+              <a:ext cx="1149112" cy="461665"/>
+            </a:xfrm>
+            <a:prstGeom prst="rect">
+              <a:avLst/>
+            </a:prstGeom>
+            <a:noFill/>
+          </p:spPr>
+          <p:txBody>
+            <a:bodyPr wrap="square" rtlCol="0">
+              <a:spAutoFit/>
+            </a:bodyPr>
+            <a:lstStyle/>
+            <a:p>
+              <a:pPr algn="ctr"/>
+              <a:r>
+                <a:rPr lang="el-GR" sz="2400" dirty="0">
+                  <a:solidFill>
+                    <a:srgbClr val="E5A83D"/>
+                  </a:solidFill>
+                  <a:latin typeface="Calibri" panose="020F0502020204030204" pitchFamily="34" charset="0"/>
+                  <a:ea typeface="Calibri" panose="020F0502020204030204" pitchFamily="34" charset="0"/>
+                  <a:cs typeface="Calibri" panose="020F0502020204030204" pitchFamily="34" charset="0"/>
+                </a:rPr>
+                <a:t>ρ</a:t>
+              </a:r>
+              <a:r>
+                <a:rPr lang="en-PH" sz="2400" dirty="0">
+                  <a:solidFill>
+                    <a:srgbClr val="E5A83D"/>
+                  </a:solidFill>
+                  <a:latin typeface="Calibri" panose="020F0502020204030204" pitchFamily="34" charset="0"/>
+                  <a:ea typeface="Calibri" panose="020F0502020204030204" pitchFamily="34" charset="0"/>
+                  <a:cs typeface="Calibri" panose="020F0502020204030204" pitchFamily="34" charset="0"/>
+                </a:rPr>
+                <a:t> </a:t>
+              </a:r>
+              <a:r>
+                <a:rPr lang="el-GR" sz="2400" dirty="0">
+                  <a:solidFill>
+                    <a:srgbClr val="E5A83D"/>
+                  </a:solidFill>
+                  <a:latin typeface="Calibri" panose="020F0502020204030204" pitchFamily="34" charset="0"/>
+                  <a:ea typeface="Calibri" panose="020F0502020204030204" pitchFamily="34" charset="0"/>
+                  <a:cs typeface="Calibri" panose="020F0502020204030204" pitchFamily="34" charset="0"/>
+                </a:rPr>
+                <a:t>=</a:t>
+              </a:r>
+              <a:r>
+                <a:rPr lang="en-PH" sz="2400" dirty="0">
+                  <a:solidFill>
+                    <a:srgbClr val="E5A83D"/>
+                  </a:solidFill>
+                  <a:latin typeface="Calibri" panose="020F0502020204030204" pitchFamily="34" charset="0"/>
+                  <a:ea typeface="Calibri" panose="020F0502020204030204" pitchFamily="34" charset="0"/>
+                  <a:cs typeface="Calibri" panose="020F0502020204030204" pitchFamily="34" charset="0"/>
+                </a:rPr>
+                <a:t> </a:t>
+              </a:r>
+              <a:r>
+                <a:rPr lang="el-GR" sz="2400" dirty="0">
+                  <a:solidFill>
+                    <a:srgbClr val="E5A83D"/>
+                  </a:solidFill>
+                  <a:latin typeface="Calibri" panose="020F0502020204030204" pitchFamily="34" charset="0"/>
+                  <a:ea typeface="Calibri" panose="020F0502020204030204" pitchFamily="34" charset="0"/>
+                  <a:cs typeface="Calibri" panose="020F0502020204030204" pitchFamily="34" charset="0"/>
+                </a:rPr>
+                <a:t>0.</a:t>
+              </a:r>
+              <a:r>
+                <a:rPr lang="en-PH" sz="2400" dirty="0">
+                  <a:solidFill>
+                    <a:srgbClr val="E5A83D"/>
+                  </a:solidFill>
+                  <a:latin typeface="Calibri" panose="020F0502020204030204" pitchFamily="34" charset="0"/>
+                  <a:ea typeface="Calibri" panose="020F0502020204030204" pitchFamily="34" charset="0"/>
+                  <a:cs typeface="Calibri" panose="020F0502020204030204" pitchFamily="34" charset="0"/>
+                </a:rPr>
+                <a:t>5</a:t>
+              </a:r>
+            </a:p>
+          </p:txBody>
+        </p:sp>
+        <p:sp>
+          <p:nvSpPr>
+            <p:cNvPr id="9" name="TextBox 8">
+              <a:extLst>
+                <a:ext uri="{FF2B5EF4-FFF2-40B4-BE49-F238E27FC236}">
+                  <a16:creationId xmlns:a16="http://schemas.microsoft.com/office/drawing/2014/main" id="{817E988E-CEA3-5058-DA62-07169899CEF0}"/>
+                </a:ext>
+              </a:extLst>
+            </p:cNvPr>
+            <p:cNvSpPr txBox="1"/>
+            <p:nvPr/>
+          </p:nvSpPr>
+          <p:spPr>
+            <a:xfrm>
+              <a:off x="8394412" y="2906356"/>
+              <a:ext cx="1149112" cy="461665"/>
+            </a:xfrm>
+            <a:prstGeom prst="rect">
+              <a:avLst/>
+            </a:prstGeom>
+            <a:noFill/>
+          </p:spPr>
+          <p:txBody>
+            <a:bodyPr wrap="square" rtlCol="0">
+              <a:spAutoFit/>
+            </a:bodyPr>
+            <a:lstStyle/>
+            <a:p>
+              <a:pPr algn="ctr"/>
+              <a:r>
+                <a:rPr lang="el-GR" sz="2400" dirty="0">
+                  <a:solidFill>
+                    <a:srgbClr val="ECBF71"/>
+                  </a:solidFill>
+                  <a:latin typeface="Calibri" panose="020F0502020204030204" pitchFamily="34" charset="0"/>
+                  <a:ea typeface="Calibri" panose="020F0502020204030204" pitchFamily="34" charset="0"/>
+                  <a:cs typeface="Calibri" panose="020F0502020204030204" pitchFamily="34" charset="0"/>
+                </a:rPr>
+                <a:t>ρ</a:t>
+              </a:r>
+              <a:r>
+                <a:rPr lang="en-PH" sz="2400" dirty="0">
+                  <a:solidFill>
+                    <a:srgbClr val="ECBF71"/>
+                  </a:solidFill>
+                  <a:latin typeface="Calibri" panose="020F0502020204030204" pitchFamily="34" charset="0"/>
+                  <a:ea typeface="Calibri" panose="020F0502020204030204" pitchFamily="34" charset="0"/>
+                  <a:cs typeface="Calibri" panose="020F0502020204030204" pitchFamily="34" charset="0"/>
+                </a:rPr>
+                <a:t> </a:t>
+              </a:r>
+              <a:r>
+                <a:rPr lang="el-GR" sz="2400" dirty="0">
+                  <a:solidFill>
+                    <a:srgbClr val="ECBF71"/>
+                  </a:solidFill>
+                  <a:latin typeface="Calibri" panose="020F0502020204030204" pitchFamily="34" charset="0"/>
+                  <a:ea typeface="Calibri" panose="020F0502020204030204" pitchFamily="34" charset="0"/>
+                  <a:cs typeface="Calibri" panose="020F0502020204030204" pitchFamily="34" charset="0"/>
+                </a:rPr>
+                <a:t>=</a:t>
+              </a:r>
+              <a:r>
+                <a:rPr lang="en-PH" sz="2400" dirty="0">
+                  <a:solidFill>
+                    <a:srgbClr val="ECBF71"/>
+                  </a:solidFill>
+                  <a:latin typeface="Calibri" panose="020F0502020204030204" pitchFamily="34" charset="0"/>
+                  <a:ea typeface="Calibri" panose="020F0502020204030204" pitchFamily="34" charset="0"/>
+                  <a:cs typeface="Calibri" panose="020F0502020204030204" pitchFamily="34" charset="0"/>
+                </a:rPr>
+                <a:t> </a:t>
+              </a:r>
+              <a:r>
+                <a:rPr lang="el-GR" sz="2400" dirty="0">
+                  <a:solidFill>
+                    <a:srgbClr val="ECBF71"/>
+                  </a:solidFill>
+                  <a:latin typeface="Calibri" panose="020F0502020204030204" pitchFamily="34" charset="0"/>
+                  <a:ea typeface="Calibri" panose="020F0502020204030204" pitchFamily="34" charset="0"/>
+                  <a:cs typeface="Calibri" panose="020F0502020204030204" pitchFamily="34" charset="0"/>
+                </a:rPr>
+                <a:t>0.</a:t>
+              </a:r>
+              <a:r>
+                <a:rPr lang="en-PH" sz="2400" dirty="0">
+                  <a:solidFill>
+                    <a:srgbClr val="ECBF71"/>
+                  </a:solidFill>
+                  <a:latin typeface="Calibri" panose="020F0502020204030204" pitchFamily="34" charset="0"/>
+                  <a:ea typeface="Calibri" panose="020F0502020204030204" pitchFamily="34" charset="0"/>
+                  <a:cs typeface="Calibri" panose="020F0502020204030204" pitchFamily="34" charset="0"/>
+                </a:rPr>
+                <a:t>1</a:t>
+              </a:r>
+            </a:p>
+          </p:txBody>
+        </p:sp>
+      </p:grpSp>
+    </p:spTree>
+    <p:extLst>
+      <p:ext uri="{BB962C8B-B14F-4D97-AF65-F5344CB8AC3E}">
+        <p14:creationId xmlns:p14="http://schemas.microsoft.com/office/powerpoint/2010/main" val="623149192"/>
       </p:ext>
     </p:extLst>
   </p:cSld>
@@ -19561,6 +20831,9 @@
                   <a:solidFill>
                     <a:srgbClr val="479AC8"/>
                   </a:solidFill>
+                  <a:latin typeface="Calibri" panose="020F0502020204030204" pitchFamily="34" charset="0"/>
+                  <a:ea typeface="Calibri" panose="020F0502020204030204" pitchFamily="34" charset="0"/>
+                  <a:cs typeface="Calibri" panose="020F0502020204030204" pitchFamily="34" charset="0"/>
                 </a:rPr>
                 <a:t>Traditional</a:t>
               </a:r>
@@ -19601,6 +20874,9 @@
                   <a:solidFill>
                     <a:srgbClr val="E5A83D"/>
                   </a:solidFill>
+                  <a:latin typeface="Calibri" panose="020F0502020204030204" pitchFamily="34" charset="0"/>
+                  <a:ea typeface="Calibri" panose="020F0502020204030204" pitchFamily="34" charset="0"/>
+                  <a:cs typeface="Calibri" panose="020F0502020204030204" pitchFamily="34" charset="0"/>
                 </a:rPr>
                 <a:t>Inner Corner</a:t>
               </a:r>
@@ -19641,6 +20917,9 @@
                   <a:solidFill>
                     <a:srgbClr val="3BB493"/>
                   </a:solidFill>
+                  <a:latin typeface="Calibri" panose="020F0502020204030204" pitchFamily="34" charset="0"/>
+                  <a:ea typeface="Calibri" panose="020F0502020204030204" pitchFamily="34" charset="0"/>
+                  <a:cs typeface="Calibri" panose="020F0502020204030204" pitchFamily="34" charset="0"/>
                 </a:rPr>
                 <a:t>Outer Corner</a:t>
               </a:r>
@@ -19681,6 +20960,9 @@
                   <a:solidFill>
                     <a:srgbClr val="DF833A"/>
                   </a:solidFill>
+                  <a:latin typeface="Calibri" panose="020F0502020204030204" pitchFamily="34" charset="0"/>
+                  <a:ea typeface="Calibri" panose="020F0502020204030204" pitchFamily="34" charset="0"/>
+                  <a:cs typeface="Calibri" panose="020F0502020204030204" pitchFamily="34" charset="0"/>
                 </a:rPr>
                 <a:t>Center</a:t>
               </a:r>
@@ -19721,6 +21003,9 @@
                   <a:solidFill>
                     <a:srgbClr val="D797CC"/>
                   </a:solidFill>
+                  <a:latin typeface="Calibri" panose="020F0502020204030204" pitchFamily="34" charset="0"/>
+                  <a:ea typeface="Calibri" panose="020F0502020204030204" pitchFamily="34" charset="0"/>
+                  <a:cs typeface="Calibri" panose="020F0502020204030204" pitchFamily="34" charset="0"/>
                 </a:rPr>
                 <a:t>Random</a:t>
               </a:r>

--- a/documents/Figures editing.pptx
+++ b/documents/Figures editing.pptx
@@ -17,6 +17,10 @@
     <p:sldId id="265" r:id="rId11"/>
     <p:sldId id="266" r:id="rId12"/>
     <p:sldId id="267" r:id="rId13"/>
+    <p:sldId id="268" r:id="rId14"/>
+    <p:sldId id="269" r:id="rId15"/>
+    <p:sldId id="270" r:id="rId16"/>
+    <p:sldId id="271" r:id="rId17"/>
   </p:sldIdLst>
   <p:sldSz cx="12192000" cy="6858000"/>
   <p:notesSz cx="6858000" cy="9144000"/>
@@ -5650,6 +5654,2318 @@
     <p:extLst>
       <p:ext uri="{BB962C8B-B14F-4D97-AF65-F5344CB8AC3E}">
         <p14:creationId xmlns:p14="http://schemas.microsoft.com/office/powerpoint/2010/main" val="623149192"/>
+      </p:ext>
+    </p:extLst>
+  </p:cSld>
+  <p:clrMapOvr>
+    <a:masterClrMapping/>
+  </p:clrMapOvr>
+</p:sld>
+</file>
+
+<file path=ppt/slides/slide13.xml><?xml version="1.0" encoding="utf-8"?>
+<p:sld xmlns:a="http://schemas.openxmlformats.org/drawingml/2006/main" xmlns:r="http://schemas.openxmlformats.org/officeDocument/2006/relationships" xmlns:p="http://schemas.openxmlformats.org/presentationml/2006/main">
+  <p:cSld>
+    <p:spTree>
+      <p:nvGrpSpPr>
+        <p:cNvPr id="1" name=""/>
+        <p:cNvGrpSpPr/>
+        <p:nvPr/>
+      </p:nvGrpSpPr>
+      <p:grpSpPr>
+        <a:xfrm>
+          <a:off x="0" y="0"/>
+          <a:ext cx="0" cy="0"/>
+          <a:chOff x="0" y="0"/>
+          <a:chExt cx="0" cy="0"/>
+        </a:xfrm>
+      </p:grpSpPr>
+      <p:pic>
+        <p:nvPicPr>
+          <p:cNvPr id="3" name="Picture 2" descr="A screenshot of a video game&#10;&#10;AI-generated content may be incorrect.">
+            <a:extLst>
+              <a:ext uri="{FF2B5EF4-FFF2-40B4-BE49-F238E27FC236}">
+                <a16:creationId xmlns:a16="http://schemas.microsoft.com/office/drawing/2014/main" id="{00AAA89B-11A6-5624-40C9-65F374CCF7F9}"/>
+              </a:ext>
+            </a:extLst>
+          </p:cNvPr>
+          <p:cNvPicPr>
+            <a:picLocks noChangeAspect="1"/>
+          </p:cNvPicPr>
+          <p:nvPr/>
+        </p:nvPicPr>
+        <p:blipFill>
+          <a:blip r:embed="rId2">
+            <a:extLst>
+              <a:ext uri="{28A0092B-C50C-407E-A947-70E740481C1C}">
+                <a14:useLocalDpi xmlns:a14="http://schemas.microsoft.com/office/drawing/2010/main" val="0"/>
+              </a:ext>
+            </a:extLst>
+          </a:blip>
+          <a:stretch>
+            <a:fillRect/>
+          </a:stretch>
+        </p:blipFill>
+        <p:spPr>
+          <a:xfrm>
+            <a:off x="-11427893" y="0"/>
+            <a:ext cx="8131215" cy="6858000"/>
+          </a:xfrm>
+          <a:prstGeom prst="rect">
+            <a:avLst/>
+          </a:prstGeom>
+        </p:spPr>
+      </p:pic>
+      <p:pic>
+        <p:nvPicPr>
+          <p:cNvPr id="5" name="Picture 4" descr="A pixelated image of a person&#10;&#10;AI-generated content may be incorrect.">
+            <a:extLst>
+              <a:ext uri="{FF2B5EF4-FFF2-40B4-BE49-F238E27FC236}">
+                <a16:creationId xmlns:a16="http://schemas.microsoft.com/office/drawing/2014/main" id="{7326FEAB-D092-8E0D-1580-977C4D9538B0}"/>
+              </a:ext>
+            </a:extLst>
+          </p:cNvPr>
+          <p:cNvPicPr>
+            <a:picLocks noChangeAspect="1"/>
+          </p:cNvPicPr>
+          <p:nvPr/>
+        </p:nvPicPr>
+        <p:blipFill>
+          <a:blip r:embed="rId3">
+            <a:extLst>
+              <a:ext uri="{28A0092B-C50C-407E-A947-70E740481C1C}">
+                <a14:useLocalDpi xmlns:a14="http://schemas.microsoft.com/office/drawing/2010/main" val="0"/>
+              </a:ext>
+            </a:extLst>
+          </a:blip>
+          <a:stretch>
+            <a:fillRect/>
+          </a:stretch>
+        </p:blipFill>
+        <p:spPr>
+          <a:xfrm>
+            <a:off x="-4514372" y="0"/>
+            <a:ext cx="8137478" cy="6858000"/>
+          </a:xfrm>
+          <a:prstGeom prst="rect">
+            <a:avLst/>
+          </a:prstGeom>
+        </p:spPr>
+      </p:pic>
+      <p:pic>
+        <p:nvPicPr>
+          <p:cNvPr id="7" name="Picture 6" descr="A blue and black pixelated objects&#10;&#10;AI-generated content may be incorrect.">
+            <a:extLst>
+              <a:ext uri="{FF2B5EF4-FFF2-40B4-BE49-F238E27FC236}">
+                <a16:creationId xmlns:a16="http://schemas.microsoft.com/office/drawing/2014/main" id="{77DCD21F-943F-188F-E1E1-A5E9E0A4085A}"/>
+              </a:ext>
+            </a:extLst>
+          </p:cNvPr>
+          <p:cNvPicPr>
+            <a:picLocks noChangeAspect="1"/>
+          </p:cNvPicPr>
+          <p:nvPr/>
+        </p:nvPicPr>
+        <p:blipFill>
+          <a:blip r:embed="rId4">
+            <a:extLst>
+              <a:ext uri="{28A0092B-C50C-407E-A947-70E740481C1C}">
+                <a14:useLocalDpi xmlns:a14="http://schemas.microsoft.com/office/drawing/2010/main" val="0"/>
+              </a:ext>
+            </a:extLst>
+          </a:blip>
+          <a:stretch>
+            <a:fillRect/>
+          </a:stretch>
+        </p:blipFill>
+        <p:spPr>
+          <a:xfrm>
+            <a:off x="2402962" y="0"/>
+            <a:ext cx="8137966" cy="6858000"/>
+          </a:xfrm>
+          <a:prstGeom prst="rect">
+            <a:avLst/>
+          </a:prstGeom>
+        </p:spPr>
+      </p:pic>
+      <p:pic>
+        <p:nvPicPr>
+          <p:cNvPr id="9" name="Picture 8" descr="A blue and black pixelated squares&#10;&#10;AI-generated content may be incorrect.">
+            <a:extLst>
+              <a:ext uri="{FF2B5EF4-FFF2-40B4-BE49-F238E27FC236}">
+                <a16:creationId xmlns:a16="http://schemas.microsoft.com/office/drawing/2014/main" id="{10EF06D7-75A5-75A2-905D-9C471304AB9E}"/>
+              </a:ext>
+            </a:extLst>
+          </p:cNvPr>
+          <p:cNvPicPr>
+            <a:picLocks noChangeAspect="1"/>
+          </p:cNvPicPr>
+          <p:nvPr/>
+        </p:nvPicPr>
+        <p:blipFill>
+          <a:blip r:embed="rId5">
+            <a:extLst>
+              <a:ext uri="{28A0092B-C50C-407E-A947-70E740481C1C}">
+                <a14:useLocalDpi xmlns:a14="http://schemas.microsoft.com/office/drawing/2010/main" val="0"/>
+              </a:ext>
+            </a:extLst>
+          </a:blip>
+          <a:stretch>
+            <a:fillRect/>
+          </a:stretch>
+        </p:blipFill>
+        <p:spPr>
+          <a:xfrm>
+            <a:off x="9311218" y="0"/>
+            <a:ext cx="8147044" cy="6858000"/>
+          </a:xfrm>
+          <a:prstGeom prst="rect">
+            <a:avLst/>
+          </a:prstGeom>
+        </p:spPr>
+      </p:pic>
+      <p:pic>
+        <p:nvPicPr>
+          <p:cNvPr id="11" name="Picture 10" descr="A blue and black pixelated pattern&#10;&#10;AI-generated content may be incorrect.">
+            <a:extLst>
+              <a:ext uri="{FF2B5EF4-FFF2-40B4-BE49-F238E27FC236}">
+                <a16:creationId xmlns:a16="http://schemas.microsoft.com/office/drawing/2014/main" id="{07898BE4-F4D8-030E-B637-98BA161A6117}"/>
+              </a:ext>
+            </a:extLst>
+          </p:cNvPr>
+          <p:cNvPicPr>
+            <a:picLocks noChangeAspect="1"/>
+          </p:cNvPicPr>
+          <p:nvPr/>
+        </p:nvPicPr>
+        <p:blipFill>
+          <a:blip r:embed="rId6">
+            <a:extLst>
+              <a:ext uri="{28A0092B-C50C-407E-A947-70E740481C1C}">
+                <a14:useLocalDpi xmlns:a14="http://schemas.microsoft.com/office/drawing/2010/main" val="0"/>
+              </a:ext>
+            </a:extLst>
+          </a:blip>
+          <a:stretch>
+            <a:fillRect/>
+          </a:stretch>
+        </p:blipFill>
+        <p:spPr>
+          <a:xfrm>
+            <a:off x="16236756" y="0"/>
+            <a:ext cx="8198662" cy="6858000"/>
+          </a:xfrm>
+          <a:prstGeom prst="rect">
+            <a:avLst/>
+          </a:prstGeom>
+        </p:spPr>
+      </p:pic>
+    </p:spTree>
+    <p:extLst>
+      <p:ext uri="{BB962C8B-B14F-4D97-AF65-F5344CB8AC3E}">
+        <p14:creationId xmlns:p14="http://schemas.microsoft.com/office/powerpoint/2010/main" val="3350613451"/>
+      </p:ext>
+    </p:extLst>
+  </p:cSld>
+  <p:clrMapOvr>
+    <a:masterClrMapping/>
+  </p:clrMapOvr>
+</p:sld>
+</file>
+
+<file path=ppt/slides/slide14.xml><?xml version="1.0" encoding="utf-8"?>
+<p:sld xmlns:a="http://schemas.openxmlformats.org/drawingml/2006/main" xmlns:r="http://schemas.openxmlformats.org/officeDocument/2006/relationships" xmlns:p="http://schemas.openxmlformats.org/presentationml/2006/main">
+  <p:cSld>
+    <p:spTree>
+      <p:nvGrpSpPr>
+        <p:cNvPr id="1" name=""/>
+        <p:cNvGrpSpPr/>
+        <p:nvPr/>
+      </p:nvGrpSpPr>
+      <p:grpSpPr>
+        <a:xfrm>
+          <a:off x="0" y="0"/>
+          <a:ext cx="0" cy="0"/>
+          <a:chOff x="0" y="0"/>
+          <a:chExt cx="0" cy="0"/>
+        </a:xfrm>
+      </p:grpSpPr>
+      <p:pic>
+        <p:nvPicPr>
+          <p:cNvPr id="5" name="Picture 4" descr="A blue and black squares&#10;&#10;AI-generated content may be incorrect.">
+            <a:extLst>
+              <a:ext uri="{FF2B5EF4-FFF2-40B4-BE49-F238E27FC236}">
+                <a16:creationId xmlns:a16="http://schemas.microsoft.com/office/drawing/2014/main" id="{767D86C5-C725-BF99-E573-CCBD67AB9AF7}"/>
+              </a:ext>
+            </a:extLst>
+          </p:cNvPr>
+          <p:cNvPicPr>
+            <a:picLocks noChangeAspect="1"/>
+          </p:cNvPicPr>
+          <p:nvPr/>
+        </p:nvPicPr>
+        <p:blipFill>
+          <a:blip r:embed="rId2">
+            <a:extLst>
+              <a:ext uri="{28A0092B-C50C-407E-A947-70E740481C1C}">
+                <a14:useLocalDpi xmlns:a14="http://schemas.microsoft.com/office/drawing/2010/main" val="0"/>
+              </a:ext>
+            </a:extLst>
+          </a:blip>
+          <a:stretch>
+            <a:fillRect/>
+          </a:stretch>
+        </p:blipFill>
+        <p:spPr>
+          <a:xfrm>
+            <a:off x="-11061493" y="0"/>
+            <a:ext cx="8270154" cy="6858000"/>
+          </a:xfrm>
+          <a:prstGeom prst="rect">
+            <a:avLst/>
+          </a:prstGeom>
+        </p:spPr>
+      </p:pic>
+      <p:pic>
+        <p:nvPicPr>
+          <p:cNvPr id="7" name="Picture 6" descr="A blue and black pixelated pattern&#10;&#10;AI-generated content may be incorrect.">
+            <a:extLst>
+              <a:ext uri="{FF2B5EF4-FFF2-40B4-BE49-F238E27FC236}">
+                <a16:creationId xmlns:a16="http://schemas.microsoft.com/office/drawing/2014/main" id="{124C3601-868C-1684-A715-058D42BCEE2D}"/>
+              </a:ext>
+            </a:extLst>
+          </p:cNvPr>
+          <p:cNvPicPr>
+            <a:picLocks noChangeAspect="1"/>
+          </p:cNvPicPr>
+          <p:nvPr/>
+        </p:nvPicPr>
+        <p:blipFill>
+          <a:blip r:embed="rId3">
+            <a:extLst>
+              <a:ext uri="{28A0092B-C50C-407E-A947-70E740481C1C}">
+                <a14:useLocalDpi xmlns:a14="http://schemas.microsoft.com/office/drawing/2010/main" val="0"/>
+              </a:ext>
+            </a:extLst>
+          </a:blip>
+          <a:stretch>
+            <a:fillRect/>
+          </a:stretch>
+        </p:blipFill>
+        <p:spPr>
+          <a:xfrm>
+            <a:off x="-4265837" y="0"/>
+            <a:ext cx="8255671" cy="6858000"/>
+          </a:xfrm>
+          <a:prstGeom prst="rect">
+            <a:avLst/>
+          </a:prstGeom>
+        </p:spPr>
+      </p:pic>
+      <p:pic>
+        <p:nvPicPr>
+          <p:cNvPr id="9" name="Picture 8" descr="A blue and black pixelated pattern&#10;&#10;AI-generated content may be incorrect.">
+            <a:extLst>
+              <a:ext uri="{FF2B5EF4-FFF2-40B4-BE49-F238E27FC236}">
+                <a16:creationId xmlns:a16="http://schemas.microsoft.com/office/drawing/2014/main" id="{21DAE51F-D512-2F5B-BFBB-37DCD061969C}"/>
+              </a:ext>
+            </a:extLst>
+          </p:cNvPr>
+          <p:cNvPicPr>
+            <a:picLocks noChangeAspect="1"/>
+          </p:cNvPicPr>
+          <p:nvPr/>
+        </p:nvPicPr>
+        <p:blipFill>
+          <a:blip r:embed="rId4">
+            <a:extLst>
+              <a:ext uri="{28A0092B-C50C-407E-A947-70E740481C1C}">
+                <a14:useLocalDpi xmlns:a14="http://schemas.microsoft.com/office/drawing/2010/main" val="0"/>
+              </a:ext>
+            </a:extLst>
+          </a:blip>
+          <a:stretch>
+            <a:fillRect/>
+          </a:stretch>
+        </p:blipFill>
+        <p:spPr>
+          <a:xfrm>
+            <a:off x="2630496" y="0"/>
+            <a:ext cx="8169838" cy="6858000"/>
+          </a:xfrm>
+          <a:prstGeom prst="rect">
+            <a:avLst/>
+          </a:prstGeom>
+        </p:spPr>
+      </p:pic>
+      <p:pic>
+        <p:nvPicPr>
+          <p:cNvPr id="11" name="Picture 10" descr="A blue and white pixelated pattern&#10;&#10;AI-generated content may be incorrect.">
+            <a:extLst>
+              <a:ext uri="{FF2B5EF4-FFF2-40B4-BE49-F238E27FC236}">
+                <a16:creationId xmlns:a16="http://schemas.microsoft.com/office/drawing/2014/main" id="{D923B1C3-1A21-5240-43B0-D002AA73E0C4}"/>
+              </a:ext>
+            </a:extLst>
+          </p:cNvPr>
+          <p:cNvPicPr>
+            <a:picLocks noChangeAspect="1"/>
+          </p:cNvPicPr>
+          <p:nvPr/>
+        </p:nvPicPr>
+        <p:blipFill>
+          <a:blip r:embed="rId5">
+            <a:extLst>
+              <a:ext uri="{28A0092B-C50C-407E-A947-70E740481C1C}">
+                <a14:useLocalDpi xmlns:a14="http://schemas.microsoft.com/office/drawing/2010/main" val="0"/>
+              </a:ext>
+            </a:extLst>
+          </a:blip>
+          <a:stretch>
+            <a:fillRect/>
+          </a:stretch>
+        </p:blipFill>
+        <p:spPr>
+          <a:xfrm>
+            <a:off x="9371952" y="0"/>
+            <a:ext cx="8200416" cy="6858000"/>
+          </a:xfrm>
+          <a:prstGeom prst="rect">
+            <a:avLst/>
+          </a:prstGeom>
+        </p:spPr>
+      </p:pic>
+      <p:pic>
+        <p:nvPicPr>
+          <p:cNvPr id="3" name="Picture 2" descr="A blue and white pixelated pattern&#10;&#10;AI-generated content may be incorrect.">
+            <a:extLst>
+              <a:ext uri="{FF2B5EF4-FFF2-40B4-BE49-F238E27FC236}">
+                <a16:creationId xmlns:a16="http://schemas.microsoft.com/office/drawing/2014/main" id="{08D66352-73E0-171E-EB18-79016ABF251A}"/>
+              </a:ext>
+            </a:extLst>
+          </p:cNvPr>
+          <p:cNvPicPr>
+            <a:picLocks noChangeAspect="1"/>
+          </p:cNvPicPr>
+          <p:nvPr/>
+        </p:nvPicPr>
+        <p:blipFill>
+          <a:blip r:embed="rId6">
+            <a:extLst>
+              <a:ext uri="{28A0092B-C50C-407E-A947-70E740481C1C}">
+                <a14:useLocalDpi xmlns:a14="http://schemas.microsoft.com/office/drawing/2010/main" val="0"/>
+              </a:ext>
+            </a:extLst>
+          </a:blip>
+          <a:stretch>
+            <a:fillRect/>
+          </a:stretch>
+        </p:blipFill>
+        <p:spPr>
+          <a:xfrm>
+            <a:off x="16182452" y="0"/>
+            <a:ext cx="8162551" cy="6858000"/>
+          </a:xfrm>
+          <a:prstGeom prst="rect">
+            <a:avLst/>
+          </a:prstGeom>
+        </p:spPr>
+      </p:pic>
+    </p:spTree>
+    <p:extLst>
+      <p:ext uri="{BB962C8B-B14F-4D97-AF65-F5344CB8AC3E}">
+        <p14:creationId xmlns:p14="http://schemas.microsoft.com/office/powerpoint/2010/main" val="718169941"/>
+      </p:ext>
+    </p:extLst>
+  </p:cSld>
+  <p:clrMapOvr>
+    <a:masterClrMapping/>
+  </p:clrMapOvr>
+</p:sld>
+</file>
+
+<file path=ppt/slides/slide15.xml><?xml version="1.0" encoding="utf-8"?>
+<p:sld xmlns:a="http://schemas.openxmlformats.org/drawingml/2006/main" xmlns:r="http://schemas.openxmlformats.org/officeDocument/2006/relationships" xmlns:p="http://schemas.openxmlformats.org/presentationml/2006/main">
+  <p:cSld>
+    <p:bg>
+      <p:bgPr>
+        <a:solidFill>
+          <a:schemeClr val="bg1"/>
+        </a:solidFill>
+        <a:effectLst/>
+      </p:bgPr>
+    </p:bg>
+    <p:spTree>
+      <p:nvGrpSpPr>
+        <p:cNvPr id="1" name=""/>
+        <p:cNvGrpSpPr/>
+        <p:nvPr/>
+      </p:nvGrpSpPr>
+      <p:grpSpPr>
+        <a:xfrm>
+          <a:off x="0" y="0"/>
+          <a:ext cx="0" cy="0"/>
+          <a:chOff x="0" y="0"/>
+          <a:chExt cx="0" cy="0"/>
+        </a:xfrm>
+      </p:grpSpPr>
+      <p:pic>
+        <p:nvPicPr>
+          <p:cNvPr id="10" name="Picture 9" descr="A graph of a function&#10;&#10;AI-generated content may be incorrect.">
+            <a:extLst>
+              <a:ext uri="{FF2B5EF4-FFF2-40B4-BE49-F238E27FC236}">
+                <a16:creationId xmlns:a16="http://schemas.microsoft.com/office/drawing/2014/main" id="{42DDB831-42AD-366F-F88F-8D49665B662B}"/>
+              </a:ext>
+            </a:extLst>
+          </p:cNvPr>
+          <p:cNvPicPr>
+            <a:picLocks noChangeAspect="1"/>
+          </p:cNvPicPr>
+          <p:nvPr/>
+        </p:nvPicPr>
+        <p:blipFill>
+          <a:blip r:embed="rId2">
+            <a:extLst>
+              <a:ext uri="{28A0092B-C50C-407E-A947-70E740481C1C}">
+                <a14:useLocalDpi xmlns:a14="http://schemas.microsoft.com/office/drawing/2010/main" val="0"/>
+              </a:ext>
+            </a:extLst>
+          </a:blip>
+          <a:stretch>
+            <a:fillRect/>
+          </a:stretch>
+        </p:blipFill>
+        <p:spPr>
+          <a:xfrm>
+            <a:off x="1245929" y="0"/>
+            <a:ext cx="9700141" cy="6858000"/>
+          </a:xfrm>
+          <a:prstGeom prst="rect">
+            <a:avLst/>
+          </a:prstGeom>
+        </p:spPr>
+      </p:pic>
+      <p:sp>
+        <p:nvSpPr>
+          <p:cNvPr id="8" name="Rectangle 7">
+            <a:extLst>
+              <a:ext uri="{FF2B5EF4-FFF2-40B4-BE49-F238E27FC236}">
+                <a16:creationId xmlns:a16="http://schemas.microsoft.com/office/drawing/2014/main" id="{42A4FC2C-047E-45A5-965D-8E1E3BF09BC6}"/>
+              </a:ext>
+              <a:ext uri="{C183D7F6-B498-43B3-948B-1728B52AA6E4}">
+                <adec:decorative xmlns:adec="http://schemas.microsoft.com/office/drawing/2017/decorative" val="1"/>
+              </a:ext>
+            </a:extLst>
+          </p:cNvPr>
+          <p:cNvSpPr>
+            <a:spLocks noGrp="1" noRot="1" noChangeAspect="1" noMove="1" noResize="1" noEditPoints="1" noAdjustHandles="1" noChangeArrowheads="1" noChangeShapeType="1" noTextEdit="1"/>
+          </p:cNvSpPr>
+          <p:nvPr>
+            <p:extLst>
+              <p:ext uri="{386F3935-93C4-4BCD-93E2-E3B085C9AB24}">
+                <p16:designElem xmlns:p16="http://schemas.microsoft.com/office/powerpoint/2015/main" val="1"/>
+              </p:ext>
+            </p:extLst>
+          </p:nvPr>
+        </p:nvSpPr>
+        <p:spPr bwMode="white">
+          <a:xfrm>
+            <a:off x="1524" y="0"/>
+            <a:ext cx="12188952" cy="6858000"/>
+          </a:xfrm>
+          <a:prstGeom prst="rect">
+            <a:avLst/>
+          </a:prstGeom>
+          <a:noFill/>
+          <a:ln>
+            <a:noFill/>
+          </a:ln>
+        </p:spPr>
+        <p:style>
+          <a:lnRef idx="2">
+            <a:schemeClr val="accent1">
+              <a:shade val="50000"/>
+            </a:schemeClr>
+          </a:lnRef>
+          <a:fillRef idx="1">
+            <a:schemeClr val="accent1"/>
+          </a:fillRef>
+          <a:effectRef idx="0">
+            <a:schemeClr val="accent1"/>
+          </a:effectRef>
+          <a:fontRef idx="minor">
+            <a:schemeClr val="lt1"/>
+          </a:fontRef>
+        </p:style>
+        <p:txBody>
+          <a:bodyPr rtlCol="0" anchor="ctr"/>
+          <a:lstStyle>
+            <a:defPPr>
+              <a:defRPr lang="en-US"/>
+            </a:defPPr>
+            <a:lvl1pPr marL="0" algn="l" defTabSz="914400" rtl="0" eaLnBrk="1" latinLnBrk="0" hangingPunct="1">
+              <a:defRPr sz="1800" kern="1200">
+                <a:solidFill>
+                  <a:schemeClr val="lt1"/>
+                </a:solidFill>
+                <a:latin typeface="+mn-lt"/>
+                <a:ea typeface="+mn-ea"/>
+                <a:cs typeface="+mn-cs"/>
+              </a:defRPr>
+            </a:lvl1pPr>
+            <a:lvl2pPr marL="457200" algn="l" defTabSz="914400" rtl="0" eaLnBrk="1" latinLnBrk="0" hangingPunct="1">
+              <a:defRPr sz="1800" kern="1200">
+                <a:solidFill>
+                  <a:schemeClr val="lt1"/>
+                </a:solidFill>
+                <a:latin typeface="+mn-lt"/>
+                <a:ea typeface="+mn-ea"/>
+                <a:cs typeface="+mn-cs"/>
+              </a:defRPr>
+            </a:lvl2pPr>
+            <a:lvl3pPr marL="914400" algn="l" defTabSz="914400" rtl="0" eaLnBrk="1" latinLnBrk="0" hangingPunct="1">
+              <a:defRPr sz="1800" kern="1200">
+                <a:solidFill>
+                  <a:schemeClr val="lt1"/>
+                </a:solidFill>
+                <a:latin typeface="+mn-lt"/>
+                <a:ea typeface="+mn-ea"/>
+                <a:cs typeface="+mn-cs"/>
+              </a:defRPr>
+            </a:lvl3pPr>
+            <a:lvl4pPr marL="1371600" algn="l" defTabSz="914400" rtl="0" eaLnBrk="1" latinLnBrk="0" hangingPunct="1">
+              <a:defRPr sz="1800" kern="1200">
+                <a:solidFill>
+                  <a:schemeClr val="lt1"/>
+                </a:solidFill>
+                <a:latin typeface="+mn-lt"/>
+                <a:ea typeface="+mn-ea"/>
+                <a:cs typeface="+mn-cs"/>
+              </a:defRPr>
+            </a:lvl4pPr>
+            <a:lvl5pPr marL="1828800" algn="l" defTabSz="914400" rtl="0" eaLnBrk="1" latinLnBrk="0" hangingPunct="1">
+              <a:defRPr sz="1800" kern="1200">
+                <a:solidFill>
+                  <a:schemeClr val="lt1"/>
+                </a:solidFill>
+                <a:latin typeface="+mn-lt"/>
+                <a:ea typeface="+mn-ea"/>
+                <a:cs typeface="+mn-cs"/>
+              </a:defRPr>
+            </a:lvl5pPr>
+            <a:lvl6pPr marL="2286000" algn="l" defTabSz="914400" rtl="0" eaLnBrk="1" latinLnBrk="0" hangingPunct="1">
+              <a:defRPr sz="1800" kern="1200">
+                <a:solidFill>
+                  <a:schemeClr val="lt1"/>
+                </a:solidFill>
+                <a:latin typeface="+mn-lt"/>
+                <a:ea typeface="+mn-ea"/>
+                <a:cs typeface="+mn-cs"/>
+              </a:defRPr>
+            </a:lvl6pPr>
+            <a:lvl7pPr marL="2743200" algn="l" defTabSz="914400" rtl="0" eaLnBrk="1" latinLnBrk="0" hangingPunct="1">
+              <a:defRPr sz="1800" kern="1200">
+                <a:solidFill>
+                  <a:schemeClr val="lt1"/>
+                </a:solidFill>
+                <a:latin typeface="+mn-lt"/>
+                <a:ea typeface="+mn-ea"/>
+                <a:cs typeface="+mn-cs"/>
+              </a:defRPr>
+            </a:lvl7pPr>
+            <a:lvl8pPr marL="3200400" algn="l" defTabSz="914400" rtl="0" eaLnBrk="1" latinLnBrk="0" hangingPunct="1">
+              <a:defRPr sz="1800" kern="1200">
+                <a:solidFill>
+                  <a:schemeClr val="lt1"/>
+                </a:solidFill>
+                <a:latin typeface="+mn-lt"/>
+                <a:ea typeface="+mn-ea"/>
+                <a:cs typeface="+mn-cs"/>
+              </a:defRPr>
+            </a:lvl8pPr>
+            <a:lvl9pPr marL="3657600" algn="l" defTabSz="914400" rtl="0" eaLnBrk="1" latinLnBrk="0" hangingPunct="1">
+              <a:defRPr sz="1800" kern="1200">
+                <a:solidFill>
+                  <a:schemeClr val="lt1"/>
+                </a:solidFill>
+                <a:latin typeface="+mn-lt"/>
+                <a:ea typeface="+mn-ea"/>
+                <a:cs typeface="+mn-cs"/>
+              </a:defRPr>
+            </a:lvl9pPr>
+          </a:lstStyle>
+          <a:p>
+            <a:pPr algn="ctr"/>
+            <a:endParaRPr lang="en-US"/>
+          </a:p>
+        </p:txBody>
+      </p:sp>
+      <mc:AlternateContent xmlns:mc="http://schemas.openxmlformats.org/markup-compatibility/2006">
+        <mc:Choice xmlns:a14="http://schemas.microsoft.com/office/drawing/2010/main" Requires="a14">
+          <p:sp>
+            <p:nvSpPr>
+              <p:cNvPr id="7" name="TextBox 6">
+                <a:extLst>
+                  <a:ext uri="{FF2B5EF4-FFF2-40B4-BE49-F238E27FC236}">
+                    <a16:creationId xmlns:a16="http://schemas.microsoft.com/office/drawing/2014/main" id="{8671A7D0-84CA-380F-2ACA-03C28C22233B}"/>
+                  </a:ext>
+                </a:extLst>
+              </p:cNvPr>
+              <p:cNvSpPr txBox="1"/>
+              <p:nvPr/>
+            </p:nvSpPr>
+            <p:spPr>
+              <a:xfrm>
+                <a:off x="2430088" y="1661377"/>
+                <a:ext cx="3881120" cy="707886"/>
+              </a:xfrm>
+              <a:prstGeom prst="rect">
+                <a:avLst/>
+              </a:prstGeom>
+              <a:noFill/>
+            </p:spPr>
+            <p:txBody>
+              <a:bodyPr wrap="square" rtlCol="0">
+                <a:spAutoFit/>
+              </a:bodyPr>
+              <a:lstStyle/>
+              <a:p>
+                <a:r>
+                  <a:rPr lang="en-PH" sz="2000" dirty="0">
+                    <a:solidFill>
+                      <a:srgbClr val="0173B2"/>
+                    </a:solidFill>
+                    <a:latin typeface="Calibri" panose="020F0502020204030204" pitchFamily="34" charset="0"/>
+                    <a:ea typeface="Calibri" panose="020F0502020204030204" pitchFamily="34" charset="0"/>
+                    <a:cs typeface="Calibri" panose="020F0502020204030204" pitchFamily="34" charset="0"/>
+                  </a:rPr>
+                  <a:t>Traditional:</a:t>
+                </a:r>
+              </a:p>
+              <a:p>
+                <a14:m>
+                  <m:oMath xmlns:m="http://schemas.openxmlformats.org/officeDocument/2006/math">
+                    <m:sSub>
+                      <m:sSubPr>
+                        <m:ctrlPr>
+                          <a:rPr lang="en-PH" sz="2000" b="0" i="1" smtClean="0">
+                            <a:solidFill>
+                              <a:srgbClr val="0173B2"/>
+                            </a:solidFill>
+                            <a:latin typeface="Cambria Math" panose="02040503050406030204" pitchFamily="18" charset="0"/>
+                          </a:rPr>
+                        </m:ctrlPr>
+                      </m:sSubPr>
+                      <m:e>
+                        <m:r>
+                          <a:rPr lang="en-PH" sz="2000" b="0" i="1" smtClean="0">
+                            <a:solidFill>
+                              <a:srgbClr val="0173B2"/>
+                            </a:solidFill>
+                            <a:latin typeface="Cambria Math" panose="02040503050406030204" pitchFamily="18" charset="0"/>
+                          </a:rPr>
+                          <m:t>𝑓</m:t>
+                        </m:r>
+                      </m:e>
+                      <m:sub>
+                        <m:r>
+                          <a:rPr lang="en-PH" sz="2000" b="0" i="1" smtClean="0">
+                            <a:solidFill>
+                              <a:srgbClr val="0173B2"/>
+                            </a:solidFill>
+                            <a:latin typeface="Cambria Math" panose="02040503050406030204" pitchFamily="18" charset="0"/>
+                          </a:rPr>
+                          <m:t>𝑡</m:t>
+                        </m:r>
+                      </m:sub>
+                    </m:sSub>
+                    <m:r>
+                      <a:rPr lang="en-PH" sz="2000" b="0" i="1" smtClean="0">
+                        <a:solidFill>
+                          <a:srgbClr val="0173B2"/>
+                        </a:solidFill>
+                        <a:latin typeface="Cambria Math" panose="02040503050406030204" pitchFamily="18" charset="0"/>
+                      </a:rPr>
+                      <m:t>=0.547 </m:t>
+                    </m:r>
+                    <m:sSub>
+                      <m:sSubPr>
+                        <m:ctrlPr>
+                          <a:rPr lang="en-PH" sz="2000" b="0" i="1" smtClean="0">
+                            <a:solidFill>
+                              <a:srgbClr val="0173B2"/>
+                            </a:solidFill>
+                            <a:latin typeface="Cambria Math" panose="02040503050406030204" pitchFamily="18" charset="0"/>
+                          </a:rPr>
+                        </m:ctrlPr>
+                      </m:sSubPr>
+                      <m:e>
+                        <m:r>
+                          <a:rPr lang="en-PH" sz="2000" b="0" i="1" smtClean="0">
+                            <a:solidFill>
+                              <a:srgbClr val="0173B2"/>
+                            </a:solidFill>
+                            <a:latin typeface="Cambria Math" panose="02040503050406030204" pitchFamily="18" charset="0"/>
+                          </a:rPr>
+                          <m:t>𝑓</m:t>
+                        </m:r>
+                      </m:e>
+                      <m:sub>
+                        <m:r>
+                          <a:rPr lang="en-PH" sz="2000" b="0" i="1" smtClean="0">
+                            <a:solidFill>
+                              <a:srgbClr val="0173B2"/>
+                            </a:solidFill>
+                            <a:latin typeface="Cambria Math" panose="02040503050406030204" pitchFamily="18" charset="0"/>
+                          </a:rPr>
+                          <m:t>𝑡</m:t>
+                        </m:r>
+                        <m:r>
+                          <a:rPr lang="en-PH" sz="2000" b="0" i="1" smtClean="0">
+                            <a:solidFill>
+                              <a:srgbClr val="0173B2"/>
+                            </a:solidFill>
+                            <a:latin typeface="Cambria Math" panose="02040503050406030204" pitchFamily="18" charset="0"/>
+                          </a:rPr>
+                          <m:t>−1</m:t>
+                        </m:r>
+                      </m:sub>
+                    </m:sSub>
+                    <m:r>
+                      <a:rPr lang="en-PH" sz="2000" b="0" i="1" smtClean="0">
+                        <a:solidFill>
+                          <a:srgbClr val="0173B2"/>
+                        </a:solidFill>
+                        <a:latin typeface="Cambria Math" panose="02040503050406030204" pitchFamily="18" charset="0"/>
+                      </a:rPr>
+                      <m:t>+0.452</m:t>
+                    </m:r>
+                  </m:oMath>
+                </a14:m>
+                <a:r>
+                  <a:rPr lang="en-PH" sz="2000" dirty="0">
+                    <a:solidFill>
+                      <a:srgbClr val="0173B2"/>
+                    </a:solidFill>
+                  </a:rPr>
+                  <a:t> </a:t>
+                </a:r>
+              </a:p>
+            </p:txBody>
+          </p:sp>
+        </mc:Choice>
+        <mc:Fallback>
+          <p:sp>
+            <p:nvSpPr>
+              <p:cNvPr id="7" name="TextBox 6">
+                <a:extLst>
+                  <a:ext uri="{FF2B5EF4-FFF2-40B4-BE49-F238E27FC236}">
+                    <a16:creationId xmlns:a16="http://schemas.microsoft.com/office/drawing/2014/main" id="{8671A7D0-84CA-380F-2ACA-03C28C22233B}"/>
+                  </a:ext>
+                </a:extLst>
+              </p:cNvPr>
+              <p:cNvSpPr txBox="1">
+                <a:spLocks noRot="1" noChangeAspect="1" noMove="1" noResize="1" noEditPoints="1" noAdjustHandles="1" noChangeArrowheads="1" noChangeShapeType="1" noTextEdit="1"/>
+              </p:cNvSpPr>
+              <p:nvPr/>
+            </p:nvSpPr>
+            <p:spPr>
+              <a:xfrm>
+                <a:off x="2430088" y="1661377"/>
+                <a:ext cx="3881120" cy="707886"/>
+              </a:xfrm>
+              <a:prstGeom prst="rect">
+                <a:avLst/>
+              </a:prstGeom>
+              <a:blipFill>
+                <a:blip r:embed="rId3"/>
+                <a:stretch>
+                  <a:fillRect l="-1730" t="-5172" b="-7759"/>
+                </a:stretch>
+              </a:blipFill>
+            </p:spPr>
+            <p:txBody>
+              <a:bodyPr/>
+              <a:lstStyle/>
+              <a:p>
+                <a:r>
+                  <a:rPr lang="en-PH">
+                    <a:noFill/>
+                  </a:rPr>
+                  <a:t> </a:t>
+                </a:r>
+              </a:p>
+            </p:txBody>
+          </p:sp>
+        </mc:Fallback>
+      </mc:AlternateContent>
+      <mc:AlternateContent xmlns:mc="http://schemas.openxmlformats.org/markup-compatibility/2006">
+        <mc:Choice xmlns:a14="http://schemas.microsoft.com/office/drawing/2010/main" Requires="a14">
+          <p:sp>
+            <p:nvSpPr>
+              <p:cNvPr id="11" name="TextBox 10">
+                <a:extLst>
+                  <a:ext uri="{FF2B5EF4-FFF2-40B4-BE49-F238E27FC236}">
+                    <a16:creationId xmlns:a16="http://schemas.microsoft.com/office/drawing/2014/main" id="{C882797F-CC1F-0337-D48C-4C6282A6386C}"/>
+                  </a:ext>
+                </a:extLst>
+              </p:cNvPr>
+              <p:cNvSpPr txBox="1"/>
+              <p:nvPr/>
+            </p:nvSpPr>
+            <p:spPr>
+              <a:xfrm>
+                <a:off x="3782173" y="4801932"/>
+                <a:ext cx="4288450" cy="713016"/>
+              </a:xfrm>
+              <a:prstGeom prst="rect">
+                <a:avLst/>
+              </a:prstGeom>
+              <a:noFill/>
+            </p:spPr>
+            <p:txBody>
+              <a:bodyPr wrap="square" rtlCol="0">
+                <a:spAutoFit/>
+              </a:bodyPr>
+              <a:lstStyle/>
+              <a:p>
+                <a:r>
+                  <a:rPr lang="en-PH" sz="2000" dirty="0">
+                    <a:solidFill>
+                      <a:srgbClr val="DE8F05"/>
+                    </a:solidFill>
+                    <a:latin typeface="Calibri" panose="020F0502020204030204" pitchFamily="34" charset="0"/>
+                    <a:ea typeface="Calibri" panose="020F0502020204030204" pitchFamily="34" charset="0"/>
+                    <a:cs typeface="Calibri" panose="020F0502020204030204" pitchFamily="34" charset="0"/>
+                  </a:rPr>
+                  <a:t>Peer (inner corner):</a:t>
+                </a:r>
+              </a:p>
+              <a:p>
+                <a:pPr/>
+                <a14:m>
+                  <m:oMathPara xmlns:m="http://schemas.openxmlformats.org/officeDocument/2006/math">
+                    <m:oMathParaPr>
+                      <m:jc m:val="centerGroup"/>
+                    </m:oMathParaPr>
+                    <m:oMath xmlns:m="http://schemas.openxmlformats.org/officeDocument/2006/math">
+                      <m:sSub>
+                        <m:sSubPr>
+                          <m:ctrlPr>
+                            <a:rPr lang="en-PH" sz="2000" b="0" i="1" smtClean="0">
+                              <a:solidFill>
+                                <a:srgbClr val="DE8F05"/>
+                              </a:solidFill>
+                              <a:latin typeface="Cambria Math" panose="02040503050406030204" pitchFamily="18" charset="0"/>
+                            </a:rPr>
+                          </m:ctrlPr>
+                        </m:sSubPr>
+                        <m:e>
+                          <m:r>
+                            <a:rPr lang="en-PH" sz="2000" b="0" i="1" smtClean="0">
+                              <a:solidFill>
+                                <a:srgbClr val="DE8F05"/>
+                              </a:solidFill>
+                              <a:latin typeface="Cambria Math" panose="02040503050406030204" pitchFamily="18" charset="0"/>
+                            </a:rPr>
+                            <m:t>𝑓</m:t>
+                          </m:r>
+                        </m:e>
+                        <m:sub>
+                          <m:r>
+                            <a:rPr lang="en-PH" sz="2000" b="0" i="1" smtClean="0">
+                              <a:solidFill>
+                                <a:srgbClr val="DE8F05"/>
+                              </a:solidFill>
+                              <a:latin typeface="Cambria Math" panose="02040503050406030204" pitchFamily="18" charset="0"/>
+                            </a:rPr>
+                            <m:t>𝑡</m:t>
+                          </m:r>
+                        </m:sub>
+                      </m:sSub>
+                      <m:r>
+                        <a:rPr lang="en-PH" sz="2000" b="0" i="1" smtClean="0">
+                          <a:solidFill>
+                            <a:srgbClr val="DE8F05"/>
+                          </a:solidFill>
+                          <a:latin typeface="Cambria Math" panose="02040503050406030204" pitchFamily="18" charset="0"/>
+                        </a:rPr>
+                        <m:t>=−0.62 </m:t>
+                      </m:r>
+                      <m:sSubSup>
+                        <m:sSubSupPr>
+                          <m:ctrlPr>
+                            <a:rPr lang="en-PH" sz="2000" b="0" i="1" smtClean="0">
+                              <a:solidFill>
+                                <a:srgbClr val="DE8F05"/>
+                              </a:solidFill>
+                              <a:latin typeface="Cambria Math" panose="02040503050406030204" pitchFamily="18" charset="0"/>
+                            </a:rPr>
+                          </m:ctrlPr>
+                        </m:sSubSupPr>
+                        <m:e>
+                          <m:r>
+                            <a:rPr lang="en-PH" sz="2000" b="0" i="1" smtClean="0">
+                              <a:solidFill>
+                                <a:srgbClr val="DE8F05"/>
+                              </a:solidFill>
+                              <a:latin typeface="Cambria Math" panose="02040503050406030204" pitchFamily="18" charset="0"/>
+                            </a:rPr>
+                            <m:t>𝑓</m:t>
+                          </m:r>
+                        </m:e>
+                        <m:sub>
+                          <m:r>
+                            <a:rPr lang="en-PH" sz="2000" b="0" i="1" smtClean="0">
+                              <a:solidFill>
+                                <a:srgbClr val="DE8F05"/>
+                              </a:solidFill>
+                              <a:latin typeface="Cambria Math" panose="02040503050406030204" pitchFamily="18" charset="0"/>
+                            </a:rPr>
+                            <m:t>𝑡</m:t>
+                          </m:r>
+                          <m:r>
+                            <a:rPr lang="en-PH" sz="2000" b="0" i="1" smtClean="0">
+                              <a:solidFill>
+                                <a:srgbClr val="DE8F05"/>
+                              </a:solidFill>
+                              <a:latin typeface="Cambria Math" panose="02040503050406030204" pitchFamily="18" charset="0"/>
+                            </a:rPr>
+                            <m:t>−1</m:t>
+                          </m:r>
+                        </m:sub>
+                        <m:sup>
+                          <m:r>
+                            <a:rPr lang="en-PH" sz="2000" b="0" i="1" smtClean="0">
+                              <a:solidFill>
+                                <a:srgbClr val="DE8F05"/>
+                              </a:solidFill>
+                              <a:latin typeface="Cambria Math" panose="02040503050406030204" pitchFamily="18" charset="0"/>
+                            </a:rPr>
+                            <m:t>2</m:t>
+                          </m:r>
+                        </m:sup>
+                      </m:sSubSup>
+                      <m:r>
+                        <a:rPr lang="en-PH" sz="2000" b="0" i="1" smtClean="0">
+                          <a:solidFill>
+                            <a:srgbClr val="DE8F05"/>
+                          </a:solidFill>
+                          <a:latin typeface="Cambria Math" panose="02040503050406030204" pitchFamily="18" charset="0"/>
+                        </a:rPr>
+                        <m:t>+1.608 </m:t>
+                      </m:r>
+                      <m:sSub>
+                        <m:sSubPr>
+                          <m:ctrlPr>
+                            <a:rPr lang="en-PH" sz="2000" b="0" i="1" smtClean="0">
+                              <a:solidFill>
+                                <a:srgbClr val="DE8F05"/>
+                              </a:solidFill>
+                              <a:latin typeface="Cambria Math" panose="02040503050406030204" pitchFamily="18" charset="0"/>
+                            </a:rPr>
+                          </m:ctrlPr>
+                        </m:sSubPr>
+                        <m:e>
+                          <m:r>
+                            <a:rPr lang="en-PH" sz="2000" b="0" i="1" smtClean="0">
+                              <a:solidFill>
+                                <a:srgbClr val="DE8F05"/>
+                              </a:solidFill>
+                              <a:latin typeface="Cambria Math" panose="02040503050406030204" pitchFamily="18" charset="0"/>
+                            </a:rPr>
+                            <m:t>𝑓</m:t>
+                          </m:r>
+                        </m:e>
+                        <m:sub>
+                          <m:r>
+                            <a:rPr lang="en-PH" sz="2000" b="0" i="1" smtClean="0">
+                              <a:solidFill>
+                                <a:srgbClr val="DE8F05"/>
+                              </a:solidFill>
+                              <a:latin typeface="Cambria Math" panose="02040503050406030204" pitchFamily="18" charset="0"/>
+                            </a:rPr>
+                            <m:t>𝑡</m:t>
+                          </m:r>
+                          <m:r>
+                            <a:rPr lang="en-PH" sz="2000" b="0" i="1" smtClean="0">
+                              <a:solidFill>
+                                <a:srgbClr val="DE8F05"/>
+                              </a:solidFill>
+                              <a:latin typeface="Cambria Math" panose="02040503050406030204" pitchFamily="18" charset="0"/>
+                            </a:rPr>
+                            <m:t>−1</m:t>
+                          </m:r>
+                        </m:sub>
+                      </m:sSub>
+                      <m:r>
+                        <a:rPr lang="en-PH" sz="2000" b="0" i="1" smtClean="0">
+                          <a:solidFill>
+                            <a:srgbClr val="DE8F05"/>
+                          </a:solidFill>
+                          <a:latin typeface="Cambria Math" panose="02040503050406030204" pitchFamily="18" charset="0"/>
+                        </a:rPr>
+                        <m:t>+0.019</m:t>
+                      </m:r>
+                    </m:oMath>
+                  </m:oMathPara>
+                </a14:m>
+                <a:endParaRPr lang="en-PH" sz="2000" dirty="0">
+                  <a:solidFill>
+                    <a:srgbClr val="DE8F05"/>
+                  </a:solidFill>
+                </a:endParaRPr>
+              </a:p>
+            </p:txBody>
+          </p:sp>
+        </mc:Choice>
+        <mc:Fallback>
+          <p:sp>
+            <p:nvSpPr>
+              <p:cNvPr id="11" name="TextBox 10">
+                <a:extLst>
+                  <a:ext uri="{FF2B5EF4-FFF2-40B4-BE49-F238E27FC236}">
+                    <a16:creationId xmlns:a16="http://schemas.microsoft.com/office/drawing/2014/main" id="{C882797F-CC1F-0337-D48C-4C6282A6386C}"/>
+                  </a:ext>
+                </a:extLst>
+              </p:cNvPr>
+              <p:cNvSpPr txBox="1">
+                <a:spLocks noRot="1" noChangeAspect="1" noMove="1" noResize="1" noEditPoints="1" noAdjustHandles="1" noChangeArrowheads="1" noChangeShapeType="1" noTextEdit="1"/>
+              </p:cNvSpPr>
+              <p:nvPr/>
+            </p:nvSpPr>
+            <p:spPr>
+              <a:xfrm>
+                <a:off x="3782173" y="4801932"/>
+                <a:ext cx="4288450" cy="713016"/>
+              </a:xfrm>
+              <a:prstGeom prst="rect">
+                <a:avLst/>
+              </a:prstGeom>
+              <a:blipFill>
+                <a:blip r:embed="rId4"/>
+                <a:stretch>
+                  <a:fillRect l="-1420" t="-5128" b="-7692"/>
+                </a:stretch>
+              </a:blipFill>
+            </p:spPr>
+            <p:txBody>
+              <a:bodyPr/>
+              <a:lstStyle/>
+              <a:p>
+                <a:r>
+                  <a:rPr lang="en-PH">
+                    <a:noFill/>
+                  </a:rPr>
+                  <a:t> </a:t>
+                </a:r>
+              </a:p>
+            </p:txBody>
+          </p:sp>
+        </mc:Fallback>
+      </mc:AlternateContent>
+      <mc:AlternateContent xmlns:mc="http://schemas.openxmlformats.org/markup-compatibility/2006">
+        <mc:Choice xmlns:a14="http://schemas.microsoft.com/office/drawing/2010/main" Requires="a14">
+          <p:sp>
+            <p:nvSpPr>
+              <p:cNvPr id="12" name="TextBox 11">
+                <a:extLst>
+                  <a:ext uri="{FF2B5EF4-FFF2-40B4-BE49-F238E27FC236}">
+                    <a16:creationId xmlns:a16="http://schemas.microsoft.com/office/drawing/2014/main" id="{7D602AEA-2417-AF32-7807-AFC5570E42B7}"/>
+                  </a:ext>
+                </a:extLst>
+              </p:cNvPr>
+              <p:cNvSpPr txBox="1"/>
+              <p:nvPr/>
+            </p:nvSpPr>
+            <p:spPr>
+              <a:xfrm>
+                <a:off x="4491298" y="560566"/>
+                <a:ext cx="3025832" cy="707886"/>
+              </a:xfrm>
+              <a:prstGeom prst="rect">
+                <a:avLst/>
+              </a:prstGeom>
+              <a:noFill/>
+            </p:spPr>
+            <p:txBody>
+              <a:bodyPr wrap="square" rtlCol="0">
+                <a:spAutoFit/>
+              </a:bodyPr>
+              <a:lstStyle/>
+              <a:p>
+                <a:r>
+                  <a:rPr lang="en-PH" sz="2000" dirty="0">
+                    <a:solidFill>
+                      <a:srgbClr val="029E73"/>
+                    </a:solidFill>
+                    <a:latin typeface="Calibri" panose="020F0502020204030204" pitchFamily="34" charset="0"/>
+                    <a:ea typeface="Calibri" panose="020F0502020204030204" pitchFamily="34" charset="0"/>
+                    <a:cs typeface="Calibri" panose="020F0502020204030204" pitchFamily="34" charset="0"/>
+                  </a:rPr>
+                  <a:t>Theoretical:</a:t>
+                </a:r>
+              </a:p>
+              <a:p>
+                <a14:m>
+                  <m:oMath xmlns:m="http://schemas.openxmlformats.org/officeDocument/2006/math">
+                    <m:sSub>
+                      <m:sSubPr>
+                        <m:ctrlPr>
+                          <a:rPr lang="en-PH" sz="2000" b="0" i="1" smtClean="0">
+                            <a:solidFill>
+                              <a:srgbClr val="029E73"/>
+                            </a:solidFill>
+                            <a:latin typeface="Cambria Math" panose="02040503050406030204" pitchFamily="18" charset="0"/>
+                          </a:rPr>
+                        </m:ctrlPr>
+                      </m:sSubPr>
+                      <m:e>
+                        <m:r>
+                          <a:rPr lang="en-PH" sz="2000" b="0" i="1" smtClean="0">
+                            <a:solidFill>
+                              <a:srgbClr val="029E73"/>
+                            </a:solidFill>
+                            <a:latin typeface="Cambria Math" panose="02040503050406030204" pitchFamily="18" charset="0"/>
+                          </a:rPr>
+                          <m:t>𝑓</m:t>
+                        </m:r>
+                      </m:e>
+                      <m:sub>
+                        <m:r>
+                          <a:rPr lang="en-PH" sz="2000" b="0" i="1" smtClean="0">
+                            <a:solidFill>
+                              <a:srgbClr val="029E73"/>
+                            </a:solidFill>
+                            <a:latin typeface="Cambria Math" panose="02040503050406030204" pitchFamily="18" charset="0"/>
+                          </a:rPr>
+                          <m:t>𝑡</m:t>
+                        </m:r>
+                      </m:sub>
+                    </m:sSub>
+                    <m:r>
+                      <a:rPr lang="en-PH" sz="2000" b="0" i="1" smtClean="0">
+                        <a:solidFill>
+                          <a:srgbClr val="029E73"/>
+                        </a:solidFill>
+                        <a:latin typeface="Cambria Math" panose="02040503050406030204" pitchFamily="18" charset="0"/>
+                      </a:rPr>
+                      <m:t>=</m:t>
+                    </m:r>
+                    <m:sSub>
+                      <m:sSubPr>
+                        <m:ctrlPr>
+                          <a:rPr lang="en-PH" sz="2000" b="0" i="1" smtClean="0">
+                            <a:solidFill>
+                              <a:srgbClr val="029E73"/>
+                            </a:solidFill>
+                            <a:latin typeface="Cambria Math" panose="02040503050406030204" pitchFamily="18" charset="0"/>
+                          </a:rPr>
+                        </m:ctrlPr>
+                      </m:sSubPr>
+                      <m:e>
+                        <m:r>
+                          <a:rPr lang="en-PH" sz="2000" b="0" i="1" smtClean="0">
+                            <a:solidFill>
+                              <a:srgbClr val="029E73"/>
+                            </a:solidFill>
+                            <a:latin typeface="Cambria Math" panose="02040503050406030204" pitchFamily="18" charset="0"/>
+                          </a:rPr>
+                          <m:t>𝑓</m:t>
+                        </m:r>
+                      </m:e>
+                      <m:sub>
+                        <m:r>
+                          <a:rPr lang="en-PH" sz="2000" b="0" i="1" smtClean="0">
+                            <a:solidFill>
+                              <a:srgbClr val="029E73"/>
+                            </a:solidFill>
+                            <a:latin typeface="Cambria Math" panose="02040503050406030204" pitchFamily="18" charset="0"/>
+                          </a:rPr>
+                          <m:t>𝑡</m:t>
+                        </m:r>
+                        <m:r>
+                          <a:rPr lang="en-PH" sz="2000" b="0" i="1" smtClean="0">
+                            <a:solidFill>
+                              <a:srgbClr val="029E73"/>
+                            </a:solidFill>
+                            <a:latin typeface="Cambria Math" panose="02040503050406030204" pitchFamily="18" charset="0"/>
+                          </a:rPr>
+                          <m:t>−1</m:t>
+                        </m:r>
+                      </m:sub>
+                    </m:sSub>
+                    <m:r>
+                      <a:rPr lang="en-PH" sz="2000" b="0" i="1" smtClean="0">
+                        <a:solidFill>
+                          <a:srgbClr val="029E73"/>
+                        </a:solidFill>
+                        <a:latin typeface="Cambria Math" panose="02040503050406030204" pitchFamily="18" charset="0"/>
+                      </a:rPr>
+                      <m:t>+</m:t>
+                    </m:r>
+                    <m:sSub>
+                      <m:sSubPr>
+                        <m:ctrlPr>
+                          <a:rPr lang="en-PH" sz="2000" b="0" i="1" smtClean="0">
+                            <a:solidFill>
+                              <a:srgbClr val="029E73"/>
+                            </a:solidFill>
+                            <a:latin typeface="Cambria Math" panose="02040503050406030204" pitchFamily="18" charset="0"/>
+                          </a:rPr>
+                        </m:ctrlPr>
+                      </m:sSubPr>
+                      <m:e>
+                        <m:r>
+                          <a:rPr lang="en-PH" sz="2000" b="0" i="1" smtClean="0">
+                            <a:solidFill>
+                              <a:srgbClr val="029E73"/>
+                            </a:solidFill>
+                            <a:latin typeface="Cambria Math" panose="02040503050406030204" pitchFamily="18" charset="0"/>
+                          </a:rPr>
+                          <m:t>𝑓</m:t>
+                        </m:r>
+                      </m:e>
+                      <m:sub>
+                        <m:r>
+                          <a:rPr lang="en-PH" sz="2000" b="0" i="1" smtClean="0">
+                            <a:solidFill>
+                              <a:srgbClr val="029E73"/>
+                            </a:solidFill>
+                            <a:latin typeface="Cambria Math" panose="02040503050406030204" pitchFamily="18" charset="0"/>
+                          </a:rPr>
+                          <m:t>𝑡</m:t>
+                        </m:r>
+                        <m:r>
+                          <a:rPr lang="en-PH" sz="2000" b="0" i="1" smtClean="0">
+                            <a:solidFill>
+                              <a:srgbClr val="029E73"/>
+                            </a:solidFill>
+                            <a:latin typeface="Cambria Math" panose="02040503050406030204" pitchFamily="18" charset="0"/>
+                          </a:rPr>
+                          <m:t>−1</m:t>
+                        </m:r>
+                      </m:sub>
+                    </m:sSub>
+                    <m:r>
+                      <a:rPr lang="en-PH" sz="2000" b="0" i="1" smtClean="0">
+                        <a:solidFill>
+                          <a:srgbClr val="029E73"/>
+                        </a:solidFill>
+                        <a:latin typeface="Cambria Math" panose="02040503050406030204" pitchFamily="18" charset="0"/>
+                      </a:rPr>
+                      <m:t>(1−</m:t>
+                    </m:r>
+                    <m:sSub>
+                      <m:sSubPr>
+                        <m:ctrlPr>
+                          <a:rPr lang="en-PH" sz="2000" b="0" i="1" smtClean="0">
+                            <a:solidFill>
+                              <a:srgbClr val="029E73"/>
+                            </a:solidFill>
+                            <a:latin typeface="Cambria Math" panose="02040503050406030204" pitchFamily="18" charset="0"/>
+                          </a:rPr>
+                        </m:ctrlPr>
+                      </m:sSubPr>
+                      <m:e>
+                        <m:r>
+                          <a:rPr lang="en-PH" sz="2000" b="0" i="1" smtClean="0">
+                            <a:solidFill>
+                              <a:srgbClr val="029E73"/>
+                            </a:solidFill>
+                            <a:latin typeface="Cambria Math" panose="02040503050406030204" pitchFamily="18" charset="0"/>
+                          </a:rPr>
+                          <m:t>𝑓</m:t>
+                        </m:r>
+                      </m:e>
+                      <m:sub>
+                        <m:r>
+                          <a:rPr lang="en-PH" sz="2000" b="0" i="1" smtClean="0">
+                            <a:solidFill>
+                              <a:srgbClr val="029E73"/>
+                            </a:solidFill>
+                            <a:latin typeface="Cambria Math" panose="02040503050406030204" pitchFamily="18" charset="0"/>
+                          </a:rPr>
+                          <m:t>𝑡</m:t>
+                        </m:r>
+                        <m:r>
+                          <a:rPr lang="en-PH" sz="2000" b="0" i="1" smtClean="0">
+                            <a:solidFill>
+                              <a:srgbClr val="029E73"/>
+                            </a:solidFill>
+                            <a:latin typeface="Cambria Math" panose="02040503050406030204" pitchFamily="18" charset="0"/>
+                          </a:rPr>
+                          <m:t>−1</m:t>
+                        </m:r>
+                      </m:sub>
+                    </m:sSub>
+                    <m:r>
+                      <a:rPr lang="en-PH" sz="2000" b="0" i="1" smtClean="0">
+                        <a:solidFill>
+                          <a:srgbClr val="029E73"/>
+                        </a:solidFill>
+                        <a:latin typeface="Cambria Math" panose="02040503050406030204" pitchFamily="18" charset="0"/>
+                      </a:rPr>
+                      <m:t>)</m:t>
+                    </m:r>
+                  </m:oMath>
+                </a14:m>
+                <a:r>
+                  <a:rPr lang="en-PH" sz="2000" dirty="0">
+                    <a:solidFill>
+                      <a:srgbClr val="029E73"/>
+                    </a:solidFill>
+                  </a:rPr>
+                  <a:t> </a:t>
+                </a:r>
+              </a:p>
+            </p:txBody>
+          </p:sp>
+        </mc:Choice>
+        <mc:Fallback>
+          <p:sp>
+            <p:nvSpPr>
+              <p:cNvPr id="12" name="TextBox 11">
+                <a:extLst>
+                  <a:ext uri="{FF2B5EF4-FFF2-40B4-BE49-F238E27FC236}">
+                    <a16:creationId xmlns:a16="http://schemas.microsoft.com/office/drawing/2014/main" id="{7D602AEA-2417-AF32-7807-AFC5570E42B7}"/>
+                  </a:ext>
+                </a:extLst>
+              </p:cNvPr>
+              <p:cNvSpPr txBox="1">
+                <a:spLocks noRot="1" noChangeAspect="1" noMove="1" noResize="1" noEditPoints="1" noAdjustHandles="1" noChangeArrowheads="1" noChangeShapeType="1" noTextEdit="1"/>
+              </p:cNvSpPr>
+              <p:nvPr/>
+            </p:nvSpPr>
+            <p:spPr>
+              <a:xfrm>
+                <a:off x="4491298" y="560566"/>
+                <a:ext cx="3025832" cy="707886"/>
+              </a:xfrm>
+              <a:prstGeom prst="rect">
+                <a:avLst/>
+              </a:prstGeom>
+              <a:blipFill>
+                <a:blip r:embed="rId5"/>
+                <a:stretch>
+                  <a:fillRect l="-2218" t="-5172" b="-7759"/>
+                </a:stretch>
+              </a:blipFill>
+            </p:spPr>
+            <p:txBody>
+              <a:bodyPr/>
+              <a:lstStyle/>
+              <a:p>
+                <a:r>
+                  <a:rPr lang="en-PH">
+                    <a:noFill/>
+                  </a:rPr>
+                  <a:t> </a:t>
+                </a:r>
+              </a:p>
+            </p:txBody>
+          </p:sp>
+        </mc:Fallback>
+      </mc:AlternateContent>
+    </p:spTree>
+    <p:extLst>
+      <p:ext uri="{BB962C8B-B14F-4D97-AF65-F5344CB8AC3E}">
+        <p14:creationId xmlns:p14="http://schemas.microsoft.com/office/powerpoint/2010/main" val="3835316186"/>
+      </p:ext>
+    </p:extLst>
+  </p:cSld>
+  <p:clrMapOvr>
+    <a:masterClrMapping/>
+  </p:clrMapOvr>
+</p:sld>
+</file>
+
+<file path=ppt/slides/slide16.xml><?xml version="1.0" encoding="utf-8"?>
+<p:sld xmlns:a="http://schemas.openxmlformats.org/drawingml/2006/main" xmlns:r="http://schemas.openxmlformats.org/officeDocument/2006/relationships" xmlns:p="http://schemas.openxmlformats.org/presentationml/2006/main">
+  <p:cSld>
+    <p:spTree>
+      <p:nvGrpSpPr>
+        <p:cNvPr id="1" name=""/>
+        <p:cNvGrpSpPr/>
+        <p:nvPr/>
+      </p:nvGrpSpPr>
+      <p:grpSpPr>
+        <a:xfrm>
+          <a:off x="0" y="0"/>
+          <a:ext cx="0" cy="0"/>
+          <a:chOff x="0" y="0"/>
+          <a:chExt cx="0" cy="0"/>
+        </a:xfrm>
+      </p:grpSpPr>
+      <p:pic>
+        <p:nvPicPr>
+          <p:cNvPr id="3" name="Picture 2" descr="A graph of a curve&#10;&#10;AI-generated content may be incorrect.">
+            <a:extLst>
+              <a:ext uri="{FF2B5EF4-FFF2-40B4-BE49-F238E27FC236}">
+                <a16:creationId xmlns:a16="http://schemas.microsoft.com/office/drawing/2014/main" id="{0C6218E5-5078-288E-37B9-4B760B3C8975}"/>
+              </a:ext>
+            </a:extLst>
+          </p:cNvPr>
+          <p:cNvPicPr>
+            <a:picLocks noChangeAspect="1"/>
+          </p:cNvPicPr>
+          <p:nvPr/>
+        </p:nvPicPr>
+        <p:blipFill>
+          <a:blip r:embed="rId2">
+            <a:extLst>
+              <a:ext uri="{28A0092B-C50C-407E-A947-70E740481C1C}">
+                <a14:useLocalDpi xmlns:a14="http://schemas.microsoft.com/office/drawing/2010/main" val="0"/>
+              </a:ext>
+            </a:extLst>
+          </a:blip>
+          <a:stretch>
+            <a:fillRect/>
+          </a:stretch>
+        </p:blipFill>
+        <p:spPr>
+          <a:xfrm>
+            <a:off x="1245929" y="0"/>
+            <a:ext cx="9700141" cy="6858000"/>
+          </a:xfrm>
+          <a:prstGeom prst="rect">
+            <a:avLst/>
+          </a:prstGeom>
+        </p:spPr>
+      </p:pic>
+      <mc:AlternateContent xmlns:mc="http://schemas.openxmlformats.org/markup-compatibility/2006">
+        <mc:Choice xmlns:a14="http://schemas.microsoft.com/office/drawing/2010/main" Requires="a14">
+          <p:sp>
+            <p:nvSpPr>
+              <p:cNvPr id="4" name="TextBox 3">
+                <a:extLst>
+                  <a:ext uri="{FF2B5EF4-FFF2-40B4-BE49-F238E27FC236}">
+                    <a16:creationId xmlns:a16="http://schemas.microsoft.com/office/drawing/2014/main" id="{744FD73D-2905-32B5-7D61-BC6C0967C8DE}"/>
+                  </a:ext>
+                </a:extLst>
+              </p:cNvPr>
+              <p:cNvSpPr txBox="1"/>
+              <p:nvPr/>
+            </p:nvSpPr>
+            <p:spPr>
+              <a:xfrm>
+                <a:off x="2394919" y="3075057"/>
+                <a:ext cx="3881120" cy="707886"/>
+              </a:xfrm>
+              <a:prstGeom prst="rect">
+                <a:avLst/>
+              </a:prstGeom>
+              <a:noFill/>
+            </p:spPr>
+            <p:txBody>
+              <a:bodyPr wrap="square" rtlCol="0">
+                <a:spAutoFit/>
+              </a:bodyPr>
+              <a:lstStyle/>
+              <a:p>
+                <a:r>
+                  <a:rPr lang="en-PH" sz="2000" dirty="0">
+                    <a:solidFill>
+                      <a:srgbClr val="0173B2"/>
+                    </a:solidFill>
+                    <a:latin typeface="Calibri" panose="020F0502020204030204" pitchFamily="34" charset="0"/>
+                    <a:ea typeface="Calibri" panose="020F0502020204030204" pitchFamily="34" charset="0"/>
+                    <a:cs typeface="Calibri" panose="020F0502020204030204" pitchFamily="34" charset="0"/>
+                  </a:rPr>
+                  <a:t>Traditional:</a:t>
+                </a:r>
+              </a:p>
+              <a:p>
+                <a14:m>
+                  <m:oMath xmlns:m="http://schemas.openxmlformats.org/officeDocument/2006/math">
+                    <m:sSub>
+                      <m:sSubPr>
+                        <m:ctrlPr>
+                          <a:rPr lang="en-PH" sz="2000" b="0" i="1" smtClean="0">
+                            <a:solidFill>
+                              <a:srgbClr val="0173B2"/>
+                            </a:solidFill>
+                            <a:latin typeface="Cambria Math" panose="02040503050406030204" pitchFamily="18" charset="0"/>
+                          </a:rPr>
+                        </m:ctrlPr>
+                      </m:sSubPr>
+                      <m:e>
+                        <m:r>
+                          <a:rPr lang="en-PH" sz="2000" b="0" i="1" smtClean="0">
+                            <a:solidFill>
+                              <a:srgbClr val="0173B2"/>
+                            </a:solidFill>
+                            <a:latin typeface="Cambria Math" panose="02040503050406030204" pitchFamily="18" charset="0"/>
+                          </a:rPr>
+                          <m:t>𝑓</m:t>
+                        </m:r>
+                      </m:e>
+                      <m:sub>
+                        <m:r>
+                          <a:rPr lang="en-PH" sz="2000" b="0" i="1" smtClean="0">
+                            <a:solidFill>
+                              <a:srgbClr val="0173B2"/>
+                            </a:solidFill>
+                            <a:latin typeface="Cambria Math" panose="02040503050406030204" pitchFamily="18" charset="0"/>
+                          </a:rPr>
+                          <m:t>𝑡</m:t>
+                        </m:r>
+                      </m:sub>
+                    </m:sSub>
+                    <m:r>
+                      <a:rPr lang="en-PH" sz="2000" b="0" i="1" smtClean="0">
+                        <a:solidFill>
+                          <a:srgbClr val="0173B2"/>
+                        </a:solidFill>
+                        <a:latin typeface="Cambria Math" panose="02040503050406030204" pitchFamily="18" charset="0"/>
+                      </a:rPr>
+                      <m:t>=0.</m:t>
+                    </m:r>
+                    <m:r>
+                      <a:rPr lang="en-PH" sz="2000" b="0" i="1" smtClean="0">
+                        <a:solidFill>
+                          <a:srgbClr val="0173B2"/>
+                        </a:solidFill>
+                        <a:latin typeface="Cambria Math" panose="02040503050406030204" pitchFamily="18" charset="0"/>
+                      </a:rPr>
+                      <m:t>9</m:t>
+                    </m:r>
+                    <m:r>
+                      <a:rPr lang="en-PH" sz="2000" b="0" i="1" smtClean="0">
+                        <a:solidFill>
+                          <a:srgbClr val="0173B2"/>
+                        </a:solidFill>
+                        <a:latin typeface="Cambria Math" panose="02040503050406030204" pitchFamily="18" charset="0"/>
+                      </a:rPr>
+                      <m:t>7 </m:t>
+                    </m:r>
+                    <m:sSub>
+                      <m:sSubPr>
+                        <m:ctrlPr>
+                          <a:rPr lang="en-PH" sz="2000" b="0" i="1" smtClean="0">
+                            <a:solidFill>
+                              <a:srgbClr val="0173B2"/>
+                            </a:solidFill>
+                            <a:latin typeface="Cambria Math" panose="02040503050406030204" pitchFamily="18" charset="0"/>
+                          </a:rPr>
+                        </m:ctrlPr>
+                      </m:sSubPr>
+                      <m:e>
+                        <m:r>
+                          <a:rPr lang="en-PH" sz="2000" b="0" i="1" smtClean="0">
+                            <a:solidFill>
+                              <a:srgbClr val="0173B2"/>
+                            </a:solidFill>
+                            <a:latin typeface="Cambria Math" panose="02040503050406030204" pitchFamily="18" charset="0"/>
+                          </a:rPr>
+                          <m:t>𝑓</m:t>
+                        </m:r>
+                      </m:e>
+                      <m:sub>
+                        <m:r>
+                          <a:rPr lang="en-PH" sz="2000" b="0" i="1" smtClean="0">
+                            <a:solidFill>
+                              <a:srgbClr val="0173B2"/>
+                            </a:solidFill>
+                            <a:latin typeface="Cambria Math" panose="02040503050406030204" pitchFamily="18" charset="0"/>
+                          </a:rPr>
+                          <m:t>𝑡</m:t>
+                        </m:r>
+                        <m:r>
+                          <a:rPr lang="en-PH" sz="2000" b="0" i="1" smtClean="0">
+                            <a:solidFill>
+                              <a:srgbClr val="0173B2"/>
+                            </a:solidFill>
+                            <a:latin typeface="Cambria Math" panose="02040503050406030204" pitchFamily="18" charset="0"/>
+                          </a:rPr>
+                          <m:t>−1</m:t>
+                        </m:r>
+                      </m:sub>
+                    </m:sSub>
+                    <m:r>
+                      <a:rPr lang="en-PH" sz="2000" b="0" i="1" smtClean="0">
+                        <a:solidFill>
+                          <a:srgbClr val="0173B2"/>
+                        </a:solidFill>
+                        <a:latin typeface="Cambria Math" panose="02040503050406030204" pitchFamily="18" charset="0"/>
+                      </a:rPr>
+                      <m:t>+</m:t>
+                    </m:r>
+                    <m:r>
+                      <a:rPr lang="en-PH" sz="2000" b="0" i="1" smtClean="0">
+                        <a:solidFill>
+                          <a:srgbClr val="0173B2"/>
+                        </a:solidFill>
+                        <a:latin typeface="Cambria Math" panose="02040503050406030204" pitchFamily="18" charset="0"/>
+                      </a:rPr>
+                      <m:t>0.029</m:t>
+                    </m:r>
+                  </m:oMath>
+                </a14:m>
+                <a:r>
+                  <a:rPr lang="en-PH" sz="2000" dirty="0">
+                    <a:solidFill>
+                      <a:srgbClr val="0173B2"/>
+                    </a:solidFill>
+                  </a:rPr>
+                  <a:t> </a:t>
+                </a:r>
+              </a:p>
+            </p:txBody>
+          </p:sp>
+        </mc:Choice>
+        <mc:Fallback>
+          <p:sp>
+            <p:nvSpPr>
+              <p:cNvPr id="4" name="TextBox 3">
+                <a:extLst>
+                  <a:ext uri="{FF2B5EF4-FFF2-40B4-BE49-F238E27FC236}">
+                    <a16:creationId xmlns:a16="http://schemas.microsoft.com/office/drawing/2014/main" id="{744FD73D-2905-32B5-7D61-BC6C0967C8DE}"/>
+                  </a:ext>
+                </a:extLst>
+              </p:cNvPr>
+              <p:cNvSpPr txBox="1">
+                <a:spLocks noRot="1" noChangeAspect="1" noMove="1" noResize="1" noEditPoints="1" noAdjustHandles="1" noChangeArrowheads="1" noChangeShapeType="1" noTextEdit="1"/>
+              </p:cNvSpPr>
+              <p:nvPr/>
+            </p:nvSpPr>
+            <p:spPr>
+              <a:xfrm>
+                <a:off x="2394919" y="3075057"/>
+                <a:ext cx="3881120" cy="707886"/>
+              </a:xfrm>
+              <a:prstGeom prst="rect">
+                <a:avLst/>
+              </a:prstGeom>
+              <a:blipFill>
+                <a:blip r:embed="rId3"/>
+                <a:stretch>
+                  <a:fillRect l="-1727" t="-4274" b="-6838"/>
+                </a:stretch>
+              </a:blipFill>
+            </p:spPr>
+            <p:txBody>
+              <a:bodyPr/>
+              <a:lstStyle/>
+              <a:p>
+                <a:r>
+                  <a:rPr lang="en-PH">
+                    <a:noFill/>
+                  </a:rPr>
+                  <a:t> </a:t>
+                </a:r>
+              </a:p>
+            </p:txBody>
+          </p:sp>
+        </mc:Fallback>
+      </mc:AlternateContent>
+      <mc:AlternateContent xmlns:mc="http://schemas.openxmlformats.org/markup-compatibility/2006">
+        <mc:Choice xmlns:a14="http://schemas.microsoft.com/office/drawing/2010/main" Requires="a14">
+          <p:sp>
+            <p:nvSpPr>
+              <p:cNvPr id="5" name="TextBox 4">
+                <a:extLst>
+                  <a:ext uri="{FF2B5EF4-FFF2-40B4-BE49-F238E27FC236}">
+                    <a16:creationId xmlns:a16="http://schemas.microsoft.com/office/drawing/2014/main" id="{63181D15-C6CD-D2CD-9819-A22DF363522D}"/>
+                  </a:ext>
+                </a:extLst>
+              </p:cNvPr>
+              <p:cNvSpPr txBox="1"/>
+              <p:nvPr/>
+            </p:nvSpPr>
+            <p:spPr>
+              <a:xfrm>
+                <a:off x="6004214" y="3472857"/>
+                <a:ext cx="4288450" cy="713016"/>
+              </a:xfrm>
+              <a:prstGeom prst="rect">
+                <a:avLst/>
+              </a:prstGeom>
+              <a:noFill/>
+            </p:spPr>
+            <p:txBody>
+              <a:bodyPr wrap="square" rtlCol="0">
+                <a:spAutoFit/>
+              </a:bodyPr>
+              <a:lstStyle/>
+              <a:p>
+                <a:r>
+                  <a:rPr lang="en-PH" sz="2000" dirty="0">
+                    <a:solidFill>
+                      <a:srgbClr val="DE8F05"/>
+                    </a:solidFill>
+                    <a:latin typeface="Calibri" panose="020F0502020204030204" pitchFamily="34" charset="0"/>
+                    <a:ea typeface="Calibri" panose="020F0502020204030204" pitchFamily="34" charset="0"/>
+                    <a:cs typeface="Calibri" panose="020F0502020204030204" pitchFamily="34" charset="0"/>
+                  </a:rPr>
+                  <a:t>Peer (inner corner):</a:t>
+                </a:r>
+              </a:p>
+              <a:p>
+                <a:pPr/>
+                <a14:m>
+                  <m:oMathPara xmlns:m="http://schemas.openxmlformats.org/officeDocument/2006/math">
+                    <m:oMathParaPr>
+                      <m:jc m:val="centerGroup"/>
+                    </m:oMathParaPr>
+                    <m:oMath xmlns:m="http://schemas.openxmlformats.org/officeDocument/2006/math">
+                      <m:sSub>
+                        <m:sSubPr>
+                          <m:ctrlPr>
+                            <a:rPr lang="en-PH" sz="2000" b="0" i="1" smtClean="0">
+                              <a:solidFill>
+                                <a:srgbClr val="DE8F05"/>
+                              </a:solidFill>
+                              <a:latin typeface="Cambria Math" panose="02040503050406030204" pitchFamily="18" charset="0"/>
+                            </a:rPr>
+                          </m:ctrlPr>
+                        </m:sSubPr>
+                        <m:e>
+                          <m:r>
+                            <a:rPr lang="en-PH" sz="2000" b="0" i="1" smtClean="0">
+                              <a:solidFill>
+                                <a:srgbClr val="DE8F05"/>
+                              </a:solidFill>
+                              <a:latin typeface="Cambria Math" panose="02040503050406030204" pitchFamily="18" charset="0"/>
+                            </a:rPr>
+                            <m:t>𝑓</m:t>
+                          </m:r>
+                        </m:e>
+                        <m:sub>
+                          <m:r>
+                            <a:rPr lang="en-PH" sz="2000" b="0" i="1" smtClean="0">
+                              <a:solidFill>
+                                <a:srgbClr val="DE8F05"/>
+                              </a:solidFill>
+                              <a:latin typeface="Cambria Math" panose="02040503050406030204" pitchFamily="18" charset="0"/>
+                            </a:rPr>
+                            <m:t>𝑡</m:t>
+                          </m:r>
+                        </m:sub>
+                      </m:sSub>
+                      <m:r>
+                        <a:rPr lang="en-PH" sz="2000" b="0" i="1" smtClean="0">
+                          <a:solidFill>
+                            <a:srgbClr val="DE8F05"/>
+                          </a:solidFill>
+                          <a:latin typeface="Cambria Math" panose="02040503050406030204" pitchFamily="18" charset="0"/>
+                        </a:rPr>
+                        <m:t>=−0.</m:t>
+                      </m:r>
+                      <m:r>
+                        <a:rPr lang="en-PH" sz="2000" b="0" i="1" smtClean="0">
+                          <a:solidFill>
+                            <a:srgbClr val="DE8F05"/>
+                          </a:solidFill>
+                          <a:latin typeface="Cambria Math" panose="02040503050406030204" pitchFamily="18" charset="0"/>
+                        </a:rPr>
+                        <m:t>033</m:t>
+                      </m:r>
+                      <m:r>
+                        <a:rPr lang="en-PH" sz="2000" b="0" i="1" smtClean="0">
+                          <a:solidFill>
+                            <a:srgbClr val="DE8F05"/>
+                          </a:solidFill>
+                          <a:latin typeface="Cambria Math" panose="02040503050406030204" pitchFamily="18" charset="0"/>
+                        </a:rPr>
+                        <m:t> </m:t>
+                      </m:r>
+                      <m:sSubSup>
+                        <m:sSubSupPr>
+                          <m:ctrlPr>
+                            <a:rPr lang="en-PH" sz="2000" b="0" i="1" smtClean="0">
+                              <a:solidFill>
+                                <a:srgbClr val="DE8F05"/>
+                              </a:solidFill>
+                              <a:latin typeface="Cambria Math" panose="02040503050406030204" pitchFamily="18" charset="0"/>
+                            </a:rPr>
+                          </m:ctrlPr>
+                        </m:sSubSupPr>
+                        <m:e>
+                          <m:r>
+                            <a:rPr lang="en-PH" sz="2000" b="0" i="1" smtClean="0">
+                              <a:solidFill>
+                                <a:srgbClr val="DE8F05"/>
+                              </a:solidFill>
+                              <a:latin typeface="Cambria Math" panose="02040503050406030204" pitchFamily="18" charset="0"/>
+                            </a:rPr>
+                            <m:t>𝑓</m:t>
+                          </m:r>
+                        </m:e>
+                        <m:sub>
+                          <m:r>
+                            <a:rPr lang="en-PH" sz="2000" b="0" i="1" smtClean="0">
+                              <a:solidFill>
+                                <a:srgbClr val="DE8F05"/>
+                              </a:solidFill>
+                              <a:latin typeface="Cambria Math" panose="02040503050406030204" pitchFamily="18" charset="0"/>
+                            </a:rPr>
+                            <m:t>𝑡</m:t>
+                          </m:r>
+                          <m:r>
+                            <a:rPr lang="en-PH" sz="2000" b="0" i="1" smtClean="0">
+                              <a:solidFill>
+                                <a:srgbClr val="DE8F05"/>
+                              </a:solidFill>
+                              <a:latin typeface="Cambria Math" panose="02040503050406030204" pitchFamily="18" charset="0"/>
+                            </a:rPr>
+                            <m:t>−1</m:t>
+                          </m:r>
+                        </m:sub>
+                        <m:sup>
+                          <m:r>
+                            <a:rPr lang="en-PH" sz="2000" b="0" i="1" smtClean="0">
+                              <a:solidFill>
+                                <a:srgbClr val="DE8F05"/>
+                              </a:solidFill>
+                              <a:latin typeface="Cambria Math" panose="02040503050406030204" pitchFamily="18" charset="0"/>
+                            </a:rPr>
+                            <m:t>2</m:t>
+                          </m:r>
+                        </m:sup>
+                      </m:sSubSup>
+                      <m:r>
+                        <a:rPr lang="en-PH" sz="2000" b="0" i="1" smtClean="0">
+                          <a:solidFill>
+                            <a:srgbClr val="DE8F05"/>
+                          </a:solidFill>
+                          <a:latin typeface="Cambria Math" panose="02040503050406030204" pitchFamily="18" charset="0"/>
+                        </a:rPr>
+                        <m:t>+1.</m:t>
+                      </m:r>
+                      <m:r>
+                        <a:rPr lang="en-PH" sz="2000" b="0" i="1" smtClean="0">
+                          <a:solidFill>
+                            <a:srgbClr val="DE8F05"/>
+                          </a:solidFill>
+                          <a:latin typeface="Cambria Math" panose="02040503050406030204" pitchFamily="18" charset="0"/>
+                        </a:rPr>
+                        <m:t>033</m:t>
+                      </m:r>
+                      <m:r>
+                        <a:rPr lang="en-PH" sz="2000" b="0" i="1" smtClean="0">
+                          <a:solidFill>
+                            <a:srgbClr val="DE8F05"/>
+                          </a:solidFill>
+                          <a:latin typeface="Cambria Math" panose="02040503050406030204" pitchFamily="18" charset="0"/>
+                        </a:rPr>
+                        <m:t> </m:t>
+                      </m:r>
+                      <m:sSub>
+                        <m:sSubPr>
+                          <m:ctrlPr>
+                            <a:rPr lang="en-PH" sz="2000" b="0" i="1" smtClean="0">
+                              <a:solidFill>
+                                <a:srgbClr val="DE8F05"/>
+                              </a:solidFill>
+                              <a:latin typeface="Cambria Math" panose="02040503050406030204" pitchFamily="18" charset="0"/>
+                            </a:rPr>
+                          </m:ctrlPr>
+                        </m:sSubPr>
+                        <m:e>
+                          <m:r>
+                            <a:rPr lang="en-PH" sz="2000" b="0" i="1" smtClean="0">
+                              <a:solidFill>
+                                <a:srgbClr val="DE8F05"/>
+                              </a:solidFill>
+                              <a:latin typeface="Cambria Math" panose="02040503050406030204" pitchFamily="18" charset="0"/>
+                            </a:rPr>
+                            <m:t>𝑓</m:t>
+                          </m:r>
+                        </m:e>
+                        <m:sub>
+                          <m:r>
+                            <a:rPr lang="en-PH" sz="2000" b="0" i="1" smtClean="0">
+                              <a:solidFill>
+                                <a:srgbClr val="DE8F05"/>
+                              </a:solidFill>
+                              <a:latin typeface="Cambria Math" panose="02040503050406030204" pitchFamily="18" charset="0"/>
+                            </a:rPr>
+                            <m:t>𝑡</m:t>
+                          </m:r>
+                          <m:r>
+                            <a:rPr lang="en-PH" sz="2000" b="0" i="1" smtClean="0">
+                              <a:solidFill>
+                                <a:srgbClr val="DE8F05"/>
+                              </a:solidFill>
+                              <a:latin typeface="Cambria Math" panose="02040503050406030204" pitchFamily="18" charset="0"/>
+                            </a:rPr>
+                            <m:t>−1</m:t>
+                          </m:r>
+                        </m:sub>
+                      </m:sSub>
+                      <m:r>
+                        <a:rPr lang="en-PH" sz="2000" b="0" i="1" smtClean="0">
+                          <a:solidFill>
+                            <a:srgbClr val="DE8F05"/>
+                          </a:solidFill>
+                          <a:latin typeface="Cambria Math" panose="02040503050406030204" pitchFamily="18" charset="0"/>
+                        </a:rPr>
+                        <m:t>+0.0</m:t>
+                      </m:r>
+                    </m:oMath>
+                  </m:oMathPara>
+                </a14:m>
+                <a:endParaRPr lang="en-PH" sz="2000" dirty="0">
+                  <a:solidFill>
+                    <a:srgbClr val="DE8F05"/>
+                  </a:solidFill>
+                </a:endParaRPr>
+              </a:p>
+            </p:txBody>
+          </p:sp>
+        </mc:Choice>
+        <mc:Fallback>
+          <p:sp>
+            <p:nvSpPr>
+              <p:cNvPr id="5" name="TextBox 4">
+                <a:extLst>
+                  <a:ext uri="{FF2B5EF4-FFF2-40B4-BE49-F238E27FC236}">
+                    <a16:creationId xmlns:a16="http://schemas.microsoft.com/office/drawing/2014/main" id="{63181D15-C6CD-D2CD-9819-A22DF363522D}"/>
+                  </a:ext>
+                </a:extLst>
+              </p:cNvPr>
+              <p:cNvSpPr txBox="1">
+                <a:spLocks noRot="1" noChangeAspect="1" noMove="1" noResize="1" noEditPoints="1" noAdjustHandles="1" noChangeArrowheads="1" noChangeShapeType="1" noTextEdit="1"/>
+              </p:cNvSpPr>
+              <p:nvPr/>
+            </p:nvSpPr>
+            <p:spPr>
+              <a:xfrm>
+                <a:off x="6004214" y="3472857"/>
+                <a:ext cx="4288450" cy="713016"/>
+              </a:xfrm>
+              <a:prstGeom prst="rect">
+                <a:avLst/>
+              </a:prstGeom>
+              <a:blipFill>
+                <a:blip r:embed="rId4"/>
+                <a:stretch>
+                  <a:fillRect l="-1565" t="-5128" b="-7692"/>
+                </a:stretch>
+              </a:blipFill>
+            </p:spPr>
+            <p:txBody>
+              <a:bodyPr/>
+              <a:lstStyle/>
+              <a:p>
+                <a:r>
+                  <a:rPr lang="en-PH">
+                    <a:noFill/>
+                  </a:rPr>
+                  <a:t> </a:t>
+                </a:r>
+              </a:p>
+            </p:txBody>
+          </p:sp>
+        </mc:Fallback>
+      </mc:AlternateContent>
+      <mc:AlternateContent xmlns:mc="http://schemas.openxmlformats.org/markup-compatibility/2006">
+        <mc:Choice xmlns:a14="http://schemas.microsoft.com/office/drawing/2010/main" Requires="a14">
+          <p:sp>
+            <p:nvSpPr>
+              <p:cNvPr id="6" name="TextBox 5">
+                <a:extLst>
+                  <a:ext uri="{FF2B5EF4-FFF2-40B4-BE49-F238E27FC236}">
+                    <a16:creationId xmlns:a16="http://schemas.microsoft.com/office/drawing/2014/main" id="{AF88C21F-7543-5E39-0C1F-EFCA0BE32916}"/>
+                  </a:ext>
+                </a:extLst>
+              </p:cNvPr>
+              <p:cNvSpPr txBox="1"/>
+              <p:nvPr/>
+            </p:nvSpPr>
+            <p:spPr>
+              <a:xfrm>
+                <a:off x="3792938" y="841920"/>
+                <a:ext cx="3025832" cy="707886"/>
+              </a:xfrm>
+              <a:prstGeom prst="rect">
+                <a:avLst/>
+              </a:prstGeom>
+              <a:noFill/>
+            </p:spPr>
+            <p:txBody>
+              <a:bodyPr wrap="square" rtlCol="0">
+                <a:spAutoFit/>
+              </a:bodyPr>
+              <a:lstStyle/>
+              <a:p>
+                <a:r>
+                  <a:rPr lang="en-PH" sz="2000" dirty="0">
+                    <a:solidFill>
+                      <a:srgbClr val="029E73"/>
+                    </a:solidFill>
+                    <a:latin typeface="Calibri" panose="020F0502020204030204" pitchFamily="34" charset="0"/>
+                    <a:ea typeface="Calibri" panose="020F0502020204030204" pitchFamily="34" charset="0"/>
+                    <a:cs typeface="Calibri" panose="020F0502020204030204" pitchFamily="34" charset="0"/>
+                  </a:rPr>
+                  <a:t>Theoretical:</a:t>
+                </a:r>
+              </a:p>
+              <a:p>
+                <a14:m>
+                  <m:oMath xmlns:m="http://schemas.openxmlformats.org/officeDocument/2006/math">
+                    <m:sSub>
+                      <m:sSubPr>
+                        <m:ctrlPr>
+                          <a:rPr lang="en-PH" sz="2000" b="0" i="1" smtClean="0">
+                            <a:solidFill>
+                              <a:srgbClr val="029E73"/>
+                            </a:solidFill>
+                            <a:latin typeface="Cambria Math" panose="02040503050406030204" pitchFamily="18" charset="0"/>
+                          </a:rPr>
+                        </m:ctrlPr>
+                      </m:sSubPr>
+                      <m:e>
+                        <m:r>
+                          <a:rPr lang="en-PH" sz="2000" b="0" i="1" smtClean="0">
+                            <a:solidFill>
+                              <a:srgbClr val="029E73"/>
+                            </a:solidFill>
+                            <a:latin typeface="Cambria Math" panose="02040503050406030204" pitchFamily="18" charset="0"/>
+                          </a:rPr>
+                          <m:t>𝑓</m:t>
+                        </m:r>
+                      </m:e>
+                      <m:sub>
+                        <m:r>
+                          <a:rPr lang="en-PH" sz="2000" b="0" i="1" smtClean="0">
+                            <a:solidFill>
+                              <a:srgbClr val="029E73"/>
+                            </a:solidFill>
+                            <a:latin typeface="Cambria Math" panose="02040503050406030204" pitchFamily="18" charset="0"/>
+                          </a:rPr>
+                          <m:t>𝑡</m:t>
+                        </m:r>
+                      </m:sub>
+                    </m:sSub>
+                    <m:r>
+                      <a:rPr lang="en-PH" sz="2000" b="0" i="1" smtClean="0">
+                        <a:solidFill>
+                          <a:srgbClr val="029E73"/>
+                        </a:solidFill>
+                        <a:latin typeface="Cambria Math" panose="02040503050406030204" pitchFamily="18" charset="0"/>
+                      </a:rPr>
+                      <m:t>=</m:t>
+                    </m:r>
+                    <m:sSub>
+                      <m:sSubPr>
+                        <m:ctrlPr>
+                          <a:rPr lang="en-PH" sz="2000" b="0" i="1" smtClean="0">
+                            <a:solidFill>
+                              <a:srgbClr val="029E73"/>
+                            </a:solidFill>
+                            <a:latin typeface="Cambria Math" panose="02040503050406030204" pitchFamily="18" charset="0"/>
+                          </a:rPr>
+                        </m:ctrlPr>
+                      </m:sSubPr>
+                      <m:e>
+                        <m:r>
+                          <a:rPr lang="en-PH" sz="2000" b="0" i="1" smtClean="0">
+                            <a:solidFill>
+                              <a:srgbClr val="029E73"/>
+                            </a:solidFill>
+                            <a:latin typeface="Cambria Math" panose="02040503050406030204" pitchFamily="18" charset="0"/>
+                          </a:rPr>
+                          <m:t>𝑓</m:t>
+                        </m:r>
+                      </m:e>
+                      <m:sub>
+                        <m:r>
+                          <a:rPr lang="en-PH" sz="2000" b="0" i="1" smtClean="0">
+                            <a:solidFill>
+                              <a:srgbClr val="029E73"/>
+                            </a:solidFill>
+                            <a:latin typeface="Cambria Math" panose="02040503050406030204" pitchFamily="18" charset="0"/>
+                          </a:rPr>
+                          <m:t>𝑡</m:t>
+                        </m:r>
+                        <m:r>
+                          <a:rPr lang="en-PH" sz="2000" b="0" i="1" smtClean="0">
+                            <a:solidFill>
+                              <a:srgbClr val="029E73"/>
+                            </a:solidFill>
+                            <a:latin typeface="Cambria Math" panose="02040503050406030204" pitchFamily="18" charset="0"/>
+                          </a:rPr>
+                          <m:t>−1</m:t>
+                        </m:r>
+                      </m:sub>
+                    </m:sSub>
+                    <m:r>
+                      <a:rPr lang="en-PH" sz="2000" b="0" i="1" smtClean="0">
+                        <a:solidFill>
+                          <a:srgbClr val="029E73"/>
+                        </a:solidFill>
+                        <a:latin typeface="Cambria Math" panose="02040503050406030204" pitchFamily="18" charset="0"/>
+                      </a:rPr>
+                      <m:t>+</m:t>
+                    </m:r>
+                    <m:sSub>
+                      <m:sSubPr>
+                        <m:ctrlPr>
+                          <a:rPr lang="en-PH" sz="2000" b="0" i="1" smtClean="0">
+                            <a:solidFill>
+                              <a:srgbClr val="029E73"/>
+                            </a:solidFill>
+                            <a:latin typeface="Cambria Math" panose="02040503050406030204" pitchFamily="18" charset="0"/>
+                          </a:rPr>
+                        </m:ctrlPr>
+                      </m:sSubPr>
+                      <m:e>
+                        <m:r>
+                          <a:rPr lang="en-PH" sz="2000" b="0" i="1" smtClean="0">
+                            <a:solidFill>
+                              <a:srgbClr val="029E73"/>
+                            </a:solidFill>
+                            <a:latin typeface="Cambria Math" panose="02040503050406030204" pitchFamily="18" charset="0"/>
+                          </a:rPr>
+                          <m:t>𝑓</m:t>
+                        </m:r>
+                      </m:e>
+                      <m:sub>
+                        <m:r>
+                          <a:rPr lang="en-PH" sz="2000" b="0" i="1" smtClean="0">
+                            <a:solidFill>
+                              <a:srgbClr val="029E73"/>
+                            </a:solidFill>
+                            <a:latin typeface="Cambria Math" panose="02040503050406030204" pitchFamily="18" charset="0"/>
+                          </a:rPr>
+                          <m:t>𝑡</m:t>
+                        </m:r>
+                        <m:r>
+                          <a:rPr lang="en-PH" sz="2000" b="0" i="1" smtClean="0">
+                            <a:solidFill>
+                              <a:srgbClr val="029E73"/>
+                            </a:solidFill>
+                            <a:latin typeface="Cambria Math" panose="02040503050406030204" pitchFamily="18" charset="0"/>
+                          </a:rPr>
+                          <m:t>−1</m:t>
+                        </m:r>
+                      </m:sub>
+                    </m:sSub>
+                    <m:r>
+                      <a:rPr lang="en-PH" sz="2000" b="0" i="1" smtClean="0">
+                        <a:solidFill>
+                          <a:srgbClr val="029E73"/>
+                        </a:solidFill>
+                        <a:latin typeface="Cambria Math" panose="02040503050406030204" pitchFamily="18" charset="0"/>
+                      </a:rPr>
+                      <m:t>(1−</m:t>
+                    </m:r>
+                    <m:sSub>
+                      <m:sSubPr>
+                        <m:ctrlPr>
+                          <a:rPr lang="en-PH" sz="2000" b="0" i="1" smtClean="0">
+                            <a:solidFill>
+                              <a:srgbClr val="029E73"/>
+                            </a:solidFill>
+                            <a:latin typeface="Cambria Math" panose="02040503050406030204" pitchFamily="18" charset="0"/>
+                          </a:rPr>
+                        </m:ctrlPr>
+                      </m:sSubPr>
+                      <m:e>
+                        <m:r>
+                          <a:rPr lang="en-PH" sz="2000" b="0" i="1" smtClean="0">
+                            <a:solidFill>
+                              <a:srgbClr val="029E73"/>
+                            </a:solidFill>
+                            <a:latin typeface="Cambria Math" panose="02040503050406030204" pitchFamily="18" charset="0"/>
+                          </a:rPr>
+                          <m:t>𝑓</m:t>
+                        </m:r>
+                      </m:e>
+                      <m:sub>
+                        <m:r>
+                          <a:rPr lang="en-PH" sz="2000" b="0" i="1" smtClean="0">
+                            <a:solidFill>
+                              <a:srgbClr val="029E73"/>
+                            </a:solidFill>
+                            <a:latin typeface="Cambria Math" panose="02040503050406030204" pitchFamily="18" charset="0"/>
+                          </a:rPr>
+                          <m:t>𝑡</m:t>
+                        </m:r>
+                        <m:r>
+                          <a:rPr lang="en-PH" sz="2000" b="0" i="1" smtClean="0">
+                            <a:solidFill>
+                              <a:srgbClr val="029E73"/>
+                            </a:solidFill>
+                            <a:latin typeface="Cambria Math" panose="02040503050406030204" pitchFamily="18" charset="0"/>
+                          </a:rPr>
+                          <m:t>−1</m:t>
+                        </m:r>
+                      </m:sub>
+                    </m:sSub>
+                    <m:r>
+                      <a:rPr lang="en-PH" sz="2000" b="0" i="1" smtClean="0">
+                        <a:solidFill>
+                          <a:srgbClr val="029E73"/>
+                        </a:solidFill>
+                        <a:latin typeface="Cambria Math" panose="02040503050406030204" pitchFamily="18" charset="0"/>
+                      </a:rPr>
+                      <m:t>)</m:t>
+                    </m:r>
+                  </m:oMath>
+                </a14:m>
+                <a:r>
+                  <a:rPr lang="en-PH" sz="2000" dirty="0">
+                    <a:solidFill>
+                      <a:srgbClr val="029E73"/>
+                    </a:solidFill>
+                  </a:rPr>
+                  <a:t> </a:t>
+                </a:r>
+              </a:p>
+            </p:txBody>
+          </p:sp>
+        </mc:Choice>
+        <mc:Fallback>
+          <p:sp>
+            <p:nvSpPr>
+              <p:cNvPr id="6" name="TextBox 5">
+                <a:extLst>
+                  <a:ext uri="{FF2B5EF4-FFF2-40B4-BE49-F238E27FC236}">
+                    <a16:creationId xmlns:a16="http://schemas.microsoft.com/office/drawing/2014/main" id="{AF88C21F-7543-5E39-0C1F-EFCA0BE32916}"/>
+                  </a:ext>
+                </a:extLst>
+              </p:cNvPr>
+              <p:cNvSpPr txBox="1">
+                <a:spLocks noRot="1" noChangeAspect="1" noMove="1" noResize="1" noEditPoints="1" noAdjustHandles="1" noChangeArrowheads="1" noChangeShapeType="1" noTextEdit="1"/>
+              </p:cNvSpPr>
+              <p:nvPr/>
+            </p:nvSpPr>
+            <p:spPr>
+              <a:xfrm>
+                <a:off x="3792938" y="841920"/>
+                <a:ext cx="3025832" cy="707886"/>
+              </a:xfrm>
+              <a:prstGeom prst="rect">
+                <a:avLst/>
+              </a:prstGeom>
+              <a:blipFill>
+                <a:blip r:embed="rId5"/>
+                <a:stretch>
+                  <a:fillRect l="-2012" t="-4310" b="-8621"/>
+                </a:stretch>
+              </a:blipFill>
+            </p:spPr>
+            <p:txBody>
+              <a:bodyPr/>
+              <a:lstStyle/>
+              <a:p>
+                <a:r>
+                  <a:rPr lang="en-PH">
+                    <a:noFill/>
+                  </a:rPr>
+                  <a:t> </a:t>
+                </a:r>
+              </a:p>
+            </p:txBody>
+          </p:sp>
+        </mc:Fallback>
+      </mc:AlternateContent>
+    </p:spTree>
+    <p:extLst>
+      <p:ext uri="{BB962C8B-B14F-4D97-AF65-F5344CB8AC3E}">
+        <p14:creationId xmlns:p14="http://schemas.microsoft.com/office/powerpoint/2010/main" val="3359930704"/>
       </p:ext>
     </p:extLst>
   </p:cSld>

--- a/documents/Figures editing.pptx
+++ b/documents/Figures editing.pptx
@@ -19,8 +19,9 @@
     <p:sldId id="267" r:id="rId13"/>
     <p:sldId id="268" r:id="rId14"/>
     <p:sldId id="269" r:id="rId15"/>
-    <p:sldId id="270" r:id="rId16"/>
-    <p:sldId id="271" r:id="rId17"/>
+    <p:sldId id="272" r:id="rId16"/>
+    <p:sldId id="270" r:id="rId17"/>
+    <p:sldId id="271" r:id="rId18"/>
   </p:sldIdLst>
   <p:sldSz cx="12192000" cy="6858000"/>
   <p:notesSz cx="6858000" cy="9144000"/>
@@ -276,7 +277,7 @@
           <a:p>
             <a:fld id="{F6E9F5A1-C99C-41F9-B991-61D99245B2FF}" type="datetimeFigureOut">
               <a:rPr lang="en-PH" smtClean="0"/>
-              <a:t>04/06/2025</a:t>
+              <a:t>04/10/2025</a:t>
             </a:fld>
             <a:endParaRPr lang="en-PH"/>
           </a:p>
@@ -476,7 +477,7 @@
           <a:p>
             <a:fld id="{F6E9F5A1-C99C-41F9-B991-61D99245B2FF}" type="datetimeFigureOut">
               <a:rPr lang="en-PH" smtClean="0"/>
-              <a:t>04/06/2025</a:t>
+              <a:t>04/10/2025</a:t>
             </a:fld>
             <a:endParaRPr lang="en-PH"/>
           </a:p>
@@ -686,7 +687,7 @@
           <a:p>
             <a:fld id="{F6E9F5A1-C99C-41F9-B991-61D99245B2FF}" type="datetimeFigureOut">
               <a:rPr lang="en-PH" smtClean="0"/>
-              <a:t>04/06/2025</a:t>
+              <a:t>04/10/2025</a:t>
             </a:fld>
             <a:endParaRPr lang="en-PH"/>
           </a:p>
@@ -886,7 +887,7 @@
           <a:p>
             <a:fld id="{F6E9F5A1-C99C-41F9-B991-61D99245B2FF}" type="datetimeFigureOut">
               <a:rPr lang="en-PH" smtClean="0"/>
-              <a:t>04/06/2025</a:t>
+              <a:t>04/10/2025</a:t>
             </a:fld>
             <a:endParaRPr lang="en-PH"/>
           </a:p>
@@ -1162,7 +1163,7 @@
           <a:p>
             <a:fld id="{F6E9F5A1-C99C-41F9-B991-61D99245B2FF}" type="datetimeFigureOut">
               <a:rPr lang="en-PH" smtClean="0"/>
-              <a:t>04/06/2025</a:t>
+              <a:t>04/10/2025</a:t>
             </a:fld>
             <a:endParaRPr lang="en-PH"/>
           </a:p>
@@ -1430,7 +1431,7 @@
           <a:p>
             <a:fld id="{F6E9F5A1-C99C-41F9-B991-61D99245B2FF}" type="datetimeFigureOut">
               <a:rPr lang="en-PH" smtClean="0"/>
-              <a:t>04/06/2025</a:t>
+              <a:t>04/10/2025</a:t>
             </a:fld>
             <a:endParaRPr lang="en-PH"/>
           </a:p>
@@ -1845,7 +1846,7 @@
           <a:p>
             <a:fld id="{F6E9F5A1-C99C-41F9-B991-61D99245B2FF}" type="datetimeFigureOut">
               <a:rPr lang="en-PH" smtClean="0"/>
-              <a:t>04/06/2025</a:t>
+              <a:t>04/10/2025</a:t>
             </a:fld>
             <a:endParaRPr lang="en-PH"/>
           </a:p>
@@ -1987,7 +1988,7 @@
           <a:p>
             <a:fld id="{F6E9F5A1-C99C-41F9-B991-61D99245B2FF}" type="datetimeFigureOut">
               <a:rPr lang="en-PH" smtClean="0"/>
-              <a:t>04/06/2025</a:t>
+              <a:t>04/10/2025</a:t>
             </a:fld>
             <a:endParaRPr lang="en-PH"/>
           </a:p>
@@ -2100,7 +2101,7 @@
           <a:p>
             <a:fld id="{F6E9F5A1-C99C-41F9-B991-61D99245B2FF}" type="datetimeFigureOut">
               <a:rPr lang="en-PH" smtClean="0"/>
-              <a:t>04/06/2025</a:t>
+              <a:t>04/10/2025</a:t>
             </a:fld>
             <a:endParaRPr lang="en-PH"/>
           </a:p>
@@ -2413,7 +2414,7 @@
           <a:p>
             <a:fld id="{F6E9F5A1-C99C-41F9-B991-61D99245B2FF}" type="datetimeFigureOut">
               <a:rPr lang="en-PH" smtClean="0"/>
-              <a:t>04/06/2025</a:t>
+              <a:t>04/10/2025</a:t>
             </a:fld>
             <a:endParaRPr lang="en-PH"/>
           </a:p>
@@ -2702,7 +2703,7 @@
           <a:p>
             <a:fld id="{F6E9F5A1-C99C-41F9-B991-61D99245B2FF}" type="datetimeFigureOut">
               <a:rPr lang="en-PH" smtClean="0"/>
-              <a:t>04/06/2025</a:t>
+              <a:t>04/10/2025</a:t>
             </a:fld>
             <a:endParaRPr lang="en-PH"/>
           </a:p>
@@ -2945,7 +2946,7 @@
           <a:p>
             <a:fld id="{F6E9F5A1-C99C-41F9-B991-61D99245B2FF}" type="datetimeFigureOut">
               <a:rPr lang="en-PH" smtClean="0"/>
-              <a:t>04/06/2025</a:t>
+              <a:t>04/10/2025</a:t>
             </a:fld>
             <a:endParaRPr lang="en-PH"/>
           </a:p>
@@ -4186,234 +4187,214 @@
           <a:chExt cx="0" cy="0"/>
         </a:xfrm>
       </p:grpSpPr>
-      <p:grpSp>
-        <p:nvGrpSpPr>
-          <p:cNvPr id="8" name="Group 7">
+      <p:pic>
+        <p:nvPicPr>
+          <p:cNvPr id="12" name="Picture 11" descr="A line graph with different colored lines&#10;&#10;AI-generated content may be incorrect.">
             <a:extLst>
               <a:ext uri="{FF2B5EF4-FFF2-40B4-BE49-F238E27FC236}">
-                <a16:creationId xmlns:a16="http://schemas.microsoft.com/office/drawing/2014/main" id="{6C6EF7AB-ECA4-E425-DF25-0BE6F0E34875}"/>
+                <a16:creationId xmlns:a16="http://schemas.microsoft.com/office/drawing/2014/main" id="{9DFE61CA-E3CA-0269-8C11-296F5CCC1E22}"/>
               </a:ext>
             </a:extLst>
           </p:cNvPr>
-          <p:cNvGrpSpPr/>
+          <p:cNvPicPr>
+            <a:picLocks noChangeAspect="1"/>
+          </p:cNvPicPr>
           <p:nvPr/>
-        </p:nvGrpSpPr>
-        <p:grpSpPr>
+        </p:nvPicPr>
+        <p:blipFill>
+          <a:blip r:embed="rId2">
+            <a:extLst>
+              <a:ext uri="{28A0092B-C50C-407E-A947-70E740481C1C}">
+                <a14:useLocalDpi xmlns:a14="http://schemas.microsoft.com/office/drawing/2010/main" val="0"/>
+              </a:ext>
+            </a:extLst>
+          </a:blip>
+          <a:stretch>
+            <a:fillRect/>
+          </a:stretch>
+        </p:blipFill>
+        <p:spPr>
           <a:xfrm>
-            <a:off x="1138353" y="360625"/>
-            <a:ext cx="9700141" cy="6136749"/>
-            <a:chOff x="1245929" y="0"/>
-            <a:chExt cx="9700141" cy="6136749"/>
+            <a:off x="1245929" y="0"/>
+            <a:ext cx="9700141" cy="6858000"/>
           </a:xfrm>
-        </p:grpSpPr>
-        <p:pic>
-          <p:nvPicPr>
-            <p:cNvPr id="3" name="Picture 2" descr="A graph of a number of numbers&#10;&#10;AI-generated content may be incorrect.">
-              <a:extLst>
-                <a:ext uri="{FF2B5EF4-FFF2-40B4-BE49-F238E27FC236}">
-                  <a16:creationId xmlns:a16="http://schemas.microsoft.com/office/drawing/2014/main" id="{9C85A712-B06B-1E15-6820-535F217B9983}"/>
-                </a:ext>
-              </a:extLst>
-            </p:cNvPr>
-            <p:cNvPicPr>
-              <a:picLocks noChangeAspect="1"/>
-            </p:cNvPicPr>
-            <p:nvPr/>
-          </p:nvPicPr>
-          <p:blipFill>
-            <a:blip r:embed="rId2">
-              <a:extLst>
-                <a:ext uri="{28A0092B-C50C-407E-A947-70E740481C1C}">
-                  <a14:useLocalDpi xmlns:a14="http://schemas.microsoft.com/office/drawing/2010/main" val="0"/>
-                </a:ext>
-              </a:extLst>
-            </a:blip>
-            <a:srcRect b="10516"/>
-            <a:stretch/>
-          </p:blipFill>
-          <p:spPr>
-            <a:xfrm>
-              <a:off x="1245929" y="0"/>
-              <a:ext cx="9700141" cy="6136749"/>
-            </a:xfrm>
-            <a:prstGeom prst="rect">
-              <a:avLst/>
-            </a:prstGeom>
-          </p:spPr>
-        </p:pic>
-        <p:sp>
-          <p:nvSpPr>
-            <p:cNvPr id="4" name="TextBox 3">
-              <a:extLst>
-                <a:ext uri="{FF2B5EF4-FFF2-40B4-BE49-F238E27FC236}">
-                  <a16:creationId xmlns:a16="http://schemas.microsoft.com/office/drawing/2014/main" id="{95766CE1-EC15-DB1F-CAB3-76E1228B7A0E}"/>
-                </a:ext>
-              </a:extLst>
-            </p:cNvPr>
-            <p:cNvSpPr txBox="1"/>
-            <p:nvPr/>
-          </p:nvSpPr>
-          <p:spPr>
-            <a:xfrm>
-              <a:off x="3525574" y="1564748"/>
-              <a:ext cx="2068402" cy="461665"/>
-            </a:xfrm>
-            <a:prstGeom prst="rect">
-              <a:avLst/>
-            </a:prstGeom>
-            <a:noFill/>
-          </p:spPr>
-          <p:txBody>
-            <a:bodyPr wrap="square" rtlCol="0">
-              <a:spAutoFit/>
-            </a:bodyPr>
-            <a:lstStyle/>
-            <a:p>
-              <a:pPr algn="ctr"/>
-              <a:r>
-                <a:rPr lang="en-PH" sz="2400" dirty="0">
-                  <a:solidFill>
-                    <a:srgbClr val="0173B2"/>
-                  </a:solidFill>
-                  <a:latin typeface="Calibri" panose="020F0502020204030204" pitchFamily="34" charset="0"/>
-                  <a:ea typeface="Calibri" panose="020F0502020204030204" pitchFamily="34" charset="0"/>
-                  <a:cs typeface="Calibri" panose="020F0502020204030204" pitchFamily="34" charset="0"/>
-                </a:rPr>
-                <a:t>L = 32, 64, 128</a:t>
-              </a:r>
-            </a:p>
-          </p:txBody>
-        </p:sp>
-        <p:sp>
-          <p:nvSpPr>
-            <p:cNvPr id="5" name="TextBox 4">
-              <a:extLst>
-                <a:ext uri="{FF2B5EF4-FFF2-40B4-BE49-F238E27FC236}">
-                  <a16:creationId xmlns:a16="http://schemas.microsoft.com/office/drawing/2014/main" id="{8B6AA083-6CD1-E73A-FDA1-3696BF091CE4}"/>
-                </a:ext>
-              </a:extLst>
-            </p:cNvPr>
-            <p:cNvSpPr txBox="1"/>
-            <p:nvPr/>
-          </p:nvSpPr>
-          <p:spPr>
-            <a:xfrm>
-              <a:off x="5827059" y="2646218"/>
-              <a:ext cx="951074" cy="461665"/>
-            </a:xfrm>
-            <a:prstGeom prst="rect">
-              <a:avLst/>
-            </a:prstGeom>
-            <a:noFill/>
-          </p:spPr>
-          <p:txBody>
-            <a:bodyPr wrap="square" rtlCol="0">
-              <a:spAutoFit/>
-            </a:bodyPr>
-            <a:lstStyle/>
-            <a:p>
-              <a:pPr algn="ctr"/>
-              <a:r>
-                <a:rPr lang="en-PH" sz="2400" dirty="0">
-                  <a:solidFill>
-                    <a:srgbClr val="DE8F05"/>
-                  </a:solidFill>
-                  <a:latin typeface="Calibri" panose="020F0502020204030204" pitchFamily="34" charset="0"/>
-                  <a:ea typeface="Calibri" panose="020F0502020204030204" pitchFamily="34" charset="0"/>
-                  <a:cs typeface="Calibri" panose="020F0502020204030204" pitchFamily="34" charset="0"/>
-                </a:rPr>
-                <a:t>L = 32</a:t>
-              </a:r>
-            </a:p>
-          </p:txBody>
-        </p:sp>
-        <p:sp>
-          <p:nvSpPr>
-            <p:cNvPr id="6" name="TextBox 5">
-              <a:extLst>
-                <a:ext uri="{FF2B5EF4-FFF2-40B4-BE49-F238E27FC236}">
-                  <a16:creationId xmlns:a16="http://schemas.microsoft.com/office/drawing/2014/main" id="{2874F81D-B30F-4C7F-A8CC-B73C569A0A14}"/>
-                </a:ext>
-              </a:extLst>
-            </p:cNvPr>
-            <p:cNvSpPr txBox="1"/>
-            <p:nvPr/>
-          </p:nvSpPr>
-          <p:spPr>
-            <a:xfrm>
-              <a:off x="7230932" y="1908047"/>
-              <a:ext cx="951074" cy="461665"/>
-            </a:xfrm>
-            <a:prstGeom prst="rect">
-              <a:avLst/>
-            </a:prstGeom>
-            <a:noFill/>
-          </p:spPr>
-          <p:txBody>
-            <a:bodyPr wrap="square" rtlCol="0">
-              <a:spAutoFit/>
-            </a:bodyPr>
-            <a:lstStyle/>
-            <a:p>
-              <a:pPr algn="ctr"/>
-              <a:r>
-                <a:rPr lang="en-PH" sz="2400" dirty="0">
-                  <a:solidFill>
-                    <a:srgbClr val="DE8F05"/>
-                  </a:solidFill>
-                  <a:latin typeface="Calibri" panose="020F0502020204030204" pitchFamily="34" charset="0"/>
-                  <a:ea typeface="Calibri" panose="020F0502020204030204" pitchFamily="34" charset="0"/>
-                  <a:cs typeface="Calibri" panose="020F0502020204030204" pitchFamily="34" charset="0"/>
-                </a:rPr>
-                <a:t>L = 64</a:t>
-              </a:r>
-            </a:p>
-          </p:txBody>
-        </p:sp>
-        <p:sp>
-          <p:nvSpPr>
-            <p:cNvPr id="7" name="TextBox 6">
-              <a:extLst>
-                <a:ext uri="{FF2B5EF4-FFF2-40B4-BE49-F238E27FC236}">
-                  <a16:creationId xmlns:a16="http://schemas.microsoft.com/office/drawing/2014/main" id="{2AC6606B-8645-83B1-B116-ED57FFBDE65A}"/>
-                </a:ext>
-              </a:extLst>
-            </p:cNvPr>
-            <p:cNvSpPr txBox="1"/>
-            <p:nvPr/>
-          </p:nvSpPr>
-          <p:spPr>
-            <a:xfrm>
-              <a:off x="8424867" y="1209615"/>
-              <a:ext cx="1217896" cy="461665"/>
-            </a:xfrm>
-            <a:prstGeom prst="rect">
-              <a:avLst/>
-            </a:prstGeom>
-            <a:noFill/>
-          </p:spPr>
-          <p:txBody>
-            <a:bodyPr wrap="square" rtlCol="0">
-              <a:spAutoFit/>
-            </a:bodyPr>
-            <a:lstStyle/>
-            <a:p>
-              <a:pPr algn="ctr"/>
-              <a:r>
-                <a:rPr lang="en-PH" sz="2400" dirty="0">
-                  <a:solidFill>
-                    <a:srgbClr val="DE8F05"/>
-                  </a:solidFill>
-                  <a:latin typeface="Calibri" panose="020F0502020204030204" pitchFamily="34" charset="0"/>
-                  <a:ea typeface="Calibri" panose="020F0502020204030204" pitchFamily="34" charset="0"/>
-                  <a:cs typeface="Calibri" panose="020F0502020204030204" pitchFamily="34" charset="0"/>
-                </a:rPr>
-                <a:t>L = 128</a:t>
-              </a:r>
-            </a:p>
-          </p:txBody>
-        </p:sp>
-      </p:grpSp>
+          <a:prstGeom prst="rect">
+            <a:avLst/>
+          </a:prstGeom>
+        </p:spPr>
+      </p:pic>
+      <p:sp>
+        <p:nvSpPr>
+          <p:cNvPr id="4" name="TextBox 3">
+            <a:extLst>
+              <a:ext uri="{FF2B5EF4-FFF2-40B4-BE49-F238E27FC236}">
+                <a16:creationId xmlns:a16="http://schemas.microsoft.com/office/drawing/2014/main" id="{95766CE1-EC15-DB1F-CAB3-76E1228B7A0E}"/>
+              </a:ext>
+            </a:extLst>
+          </p:cNvPr>
+          <p:cNvSpPr txBox="1"/>
+          <p:nvPr/>
+        </p:nvSpPr>
+        <p:spPr>
+          <a:xfrm>
+            <a:off x="3417998" y="1925373"/>
+            <a:ext cx="2068402" cy="461665"/>
+          </a:xfrm>
+          <a:prstGeom prst="rect">
+            <a:avLst/>
+          </a:prstGeom>
+          <a:noFill/>
+        </p:spPr>
+        <p:txBody>
+          <a:bodyPr wrap="square" rtlCol="0">
+            <a:spAutoFit/>
+          </a:bodyPr>
+          <a:lstStyle/>
+          <a:p>
+            <a:pPr algn="ctr"/>
+            <a:r>
+              <a:rPr lang="en-PH" sz="2400" dirty="0">
+                <a:solidFill>
+                  <a:srgbClr val="0173B2"/>
+                </a:solidFill>
+                <a:latin typeface="Calibri" panose="020F0502020204030204" pitchFamily="34" charset="0"/>
+                <a:ea typeface="Calibri" panose="020F0502020204030204" pitchFamily="34" charset="0"/>
+                <a:cs typeface="Calibri" panose="020F0502020204030204" pitchFamily="34" charset="0"/>
+              </a:rPr>
+              <a:t>L = 32, 64, 128</a:t>
+            </a:r>
+          </a:p>
+        </p:txBody>
+      </p:sp>
+      <p:sp>
+        <p:nvSpPr>
+          <p:cNvPr id="5" name="TextBox 4">
+            <a:extLst>
+              <a:ext uri="{FF2B5EF4-FFF2-40B4-BE49-F238E27FC236}">
+                <a16:creationId xmlns:a16="http://schemas.microsoft.com/office/drawing/2014/main" id="{8B6AA083-6CD1-E73A-FDA1-3696BF091CE4}"/>
+              </a:ext>
+            </a:extLst>
+          </p:cNvPr>
+          <p:cNvSpPr txBox="1"/>
+          <p:nvPr/>
+        </p:nvSpPr>
+        <p:spPr>
+          <a:xfrm>
+            <a:off x="6913582" y="3060632"/>
+            <a:ext cx="951074" cy="461665"/>
+          </a:xfrm>
+          <a:prstGeom prst="rect">
+            <a:avLst/>
+          </a:prstGeom>
+          <a:noFill/>
+        </p:spPr>
+        <p:txBody>
+          <a:bodyPr wrap="square" rtlCol="0">
+            <a:spAutoFit/>
+          </a:bodyPr>
+          <a:lstStyle/>
+          <a:p>
+            <a:pPr algn="ctr"/>
+            <a:r>
+              <a:rPr lang="en-PH" sz="2400" dirty="0">
+                <a:solidFill>
+                  <a:srgbClr val="DE8F05"/>
+                </a:solidFill>
+                <a:latin typeface="Calibri" panose="020F0502020204030204" pitchFamily="34" charset="0"/>
+                <a:ea typeface="Calibri" panose="020F0502020204030204" pitchFamily="34" charset="0"/>
+                <a:cs typeface="Calibri" panose="020F0502020204030204" pitchFamily="34" charset="0"/>
+              </a:rPr>
+              <a:t>L = 32</a:t>
+            </a:r>
+          </a:p>
+        </p:txBody>
+      </p:sp>
+      <p:sp>
+        <p:nvSpPr>
+          <p:cNvPr id="6" name="TextBox 5">
+            <a:extLst>
+              <a:ext uri="{FF2B5EF4-FFF2-40B4-BE49-F238E27FC236}">
+                <a16:creationId xmlns:a16="http://schemas.microsoft.com/office/drawing/2014/main" id="{2874F81D-B30F-4C7F-A8CC-B73C569A0A14}"/>
+              </a:ext>
+            </a:extLst>
+          </p:cNvPr>
+          <p:cNvSpPr txBox="1"/>
+          <p:nvPr/>
+        </p:nvSpPr>
+        <p:spPr>
+          <a:xfrm>
+            <a:off x="8161469" y="2521476"/>
+            <a:ext cx="951074" cy="461665"/>
+          </a:xfrm>
+          <a:prstGeom prst="rect">
+            <a:avLst/>
+          </a:prstGeom>
+          <a:noFill/>
+        </p:spPr>
+        <p:txBody>
+          <a:bodyPr wrap="square" rtlCol="0">
+            <a:spAutoFit/>
+          </a:bodyPr>
+          <a:lstStyle/>
+          <a:p>
+            <a:pPr algn="ctr"/>
+            <a:r>
+              <a:rPr lang="en-PH" sz="2400" dirty="0">
+                <a:solidFill>
+                  <a:srgbClr val="DE8F05"/>
+                </a:solidFill>
+                <a:latin typeface="Calibri" panose="020F0502020204030204" pitchFamily="34" charset="0"/>
+                <a:ea typeface="Calibri" panose="020F0502020204030204" pitchFamily="34" charset="0"/>
+                <a:cs typeface="Calibri" panose="020F0502020204030204" pitchFamily="34" charset="0"/>
+              </a:rPr>
+              <a:t>L = 64</a:t>
+            </a:r>
+          </a:p>
+        </p:txBody>
+      </p:sp>
+      <p:sp>
+        <p:nvSpPr>
+          <p:cNvPr id="7" name="TextBox 6">
+            <a:extLst>
+              <a:ext uri="{FF2B5EF4-FFF2-40B4-BE49-F238E27FC236}">
+                <a16:creationId xmlns:a16="http://schemas.microsoft.com/office/drawing/2014/main" id="{2AC6606B-8645-83B1-B116-ED57FFBDE65A}"/>
+              </a:ext>
+            </a:extLst>
+          </p:cNvPr>
+          <p:cNvSpPr txBox="1"/>
+          <p:nvPr/>
+        </p:nvSpPr>
+        <p:spPr>
+          <a:xfrm>
+            <a:off x="9500631" y="1796250"/>
+            <a:ext cx="1217896" cy="461665"/>
+          </a:xfrm>
+          <a:prstGeom prst="rect">
+            <a:avLst/>
+          </a:prstGeom>
+          <a:noFill/>
+        </p:spPr>
+        <p:txBody>
+          <a:bodyPr wrap="square" rtlCol="0">
+            <a:spAutoFit/>
+          </a:bodyPr>
+          <a:lstStyle/>
+          <a:p>
+            <a:pPr algn="ctr"/>
+            <a:r>
+              <a:rPr lang="en-PH" sz="2400" dirty="0">
+                <a:solidFill>
+                  <a:srgbClr val="DE8F05"/>
+                </a:solidFill>
+                <a:latin typeface="Calibri" panose="020F0502020204030204" pitchFamily="34" charset="0"/>
+                <a:ea typeface="Calibri" panose="020F0502020204030204" pitchFamily="34" charset="0"/>
+                <a:cs typeface="Calibri" panose="020F0502020204030204" pitchFamily="34" charset="0"/>
+              </a:rPr>
+              <a:t>L = 128</a:t>
+            </a:r>
+          </a:p>
+        </p:txBody>
+      </p:sp>
     </p:spTree>
     <p:extLst>
       <p:ext uri="{BB962C8B-B14F-4D97-AF65-F5344CB8AC3E}">
@@ -4444,544 +4425,524 @@
           <a:chExt cx="0" cy="0"/>
         </a:xfrm>
       </p:grpSpPr>
-      <p:grpSp>
-        <p:nvGrpSpPr>
-          <p:cNvPr id="10" name="Group 9">
+      <p:pic>
+        <p:nvPicPr>
+          <p:cNvPr id="12" name="Picture 11" descr="A graph of a line graph&#10;&#10;AI-generated content may be incorrect.">
             <a:extLst>
               <a:ext uri="{FF2B5EF4-FFF2-40B4-BE49-F238E27FC236}">
-                <a16:creationId xmlns:a16="http://schemas.microsoft.com/office/drawing/2014/main" id="{711972D2-03A1-C9E1-7285-6485423878CD}"/>
+                <a16:creationId xmlns:a16="http://schemas.microsoft.com/office/drawing/2014/main" id="{818B3FD8-106A-2A9D-B73F-22AA58DFD092}"/>
               </a:ext>
             </a:extLst>
           </p:cNvPr>
-          <p:cNvGrpSpPr/>
+          <p:cNvPicPr>
+            <a:picLocks noChangeAspect="1"/>
+          </p:cNvPicPr>
           <p:nvPr/>
-        </p:nvGrpSpPr>
-        <p:grpSpPr>
+        </p:nvPicPr>
+        <p:blipFill>
+          <a:blip r:embed="rId2">
+            <a:extLst>
+              <a:ext uri="{28A0092B-C50C-407E-A947-70E740481C1C}">
+                <a14:useLocalDpi xmlns:a14="http://schemas.microsoft.com/office/drawing/2010/main" val="0"/>
+              </a:ext>
+            </a:extLst>
+          </a:blip>
+          <a:stretch>
+            <a:fillRect/>
+          </a:stretch>
+        </p:blipFill>
+        <p:spPr>
           <a:xfrm>
-            <a:off x="1245929" y="358180"/>
-            <a:ext cx="9700141" cy="6141639"/>
-            <a:chOff x="1245929" y="0"/>
-            <a:chExt cx="9700141" cy="6141639"/>
+            <a:off x="1245929" y="0"/>
+            <a:ext cx="9700141" cy="6858000"/>
           </a:xfrm>
-        </p:grpSpPr>
-        <p:pic>
-          <p:nvPicPr>
-            <p:cNvPr id="3" name="Picture 2" descr="A graph of a line graph&#10;&#10;AI-generated content may be incorrect.">
-              <a:extLst>
-                <a:ext uri="{FF2B5EF4-FFF2-40B4-BE49-F238E27FC236}">
-                  <a16:creationId xmlns:a16="http://schemas.microsoft.com/office/drawing/2014/main" id="{9A8A4833-D173-93D7-B256-687BE32BBB52}"/>
-                </a:ext>
-              </a:extLst>
-            </p:cNvPr>
-            <p:cNvPicPr>
-              <a:picLocks noChangeAspect="1"/>
-            </p:cNvPicPr>
-            <p:nvPr/>
-          </p:nvPicPr>
-          <p:blipFill>
-            <a:blip r:embed="rId2">
-              <a:extLst>
-                <a:ext uri="{28A0092B-C50C-407E-A947-70E740481C1C}">
-                  <a14:useLocalDpi xmlns:a14="http://schemas.microsoft.com/office/drawing/2010/main" val="0"/>
-                </a:ext>
-              </a:extLst>
-            </a:blip>
-            <a:srcRect b="10446"/>
-            <a:stretch/>
-          </p:blipFill>
-          <p:spPr>
-            <a:xfrm>
-              <a:off x="1245929" y="0"/>
-              <a:ext cx="9700141" cy="6141639"/>
-            </a:xfrm>
-            <a:prstGeom prst="rect">
-              <a:avLst/>
-            </a:prstGeom>
-          </p:spPr>
-        </p:pic>
-        <p:sp>
-          <p:nvSpPr>
-            <p:cNvPr id="4" name="TextBox 3">
-              <a:extLst>
-                <a:ext uri="{FF2B5EF4-FFF2-40B4-BE49-F238E27FC236}">
-                  <a16:creationId xmlns:a16="http://schemas.microsoft.com/office/drawing/2014/main" id="{CDB60429-4B92-7C8F-D241-1B055E8C6DEF}"/>
-                </a:ext>
-              </a:extLst>
-            </p:cNvPr>
-            <p:cNvSpPr txBox="1"/>
-            <p:nvPr/>
-          </p:nvSpPr>
-          <p:spPr>
-            <a:xfrm>
-              <a:off x="4187190" y="1154003"/>
-              <a:ext cx="1221283" cy="461665"/>
-            </a:xfrm>
-            <a:prstGeom prst="rect">
-              <a:avLst/>
-            </a:prstGeom>
-            <a:noFill/>
-          </p:spPr>
-          <p:txBody>
-            <a:bodyPr wrap="square" rtlCol="0">
-              <a:spAutoFit/>
-            </a:bodyPr>
-            <a:lstStyle/>
-            <a:p>
-              <a:r>
-                <a:rPr lang="el-GR" sz="2400" dirty="0">
-                  <a:solidFill>
-                    <a:srgbClr val="0173B2"/>
-                  </a:solidFill>
-                  <a:latin typeface="Calibri" panose="020F0502020204030204" pitchFamily="34" charset="0"/>
-                  <a:ea typeface="Calibri" panose="020F0502020204030204" pitchFamily="34" charset="0"/>
-                  <a:cs typeface="Calibri" panose="020F0502020204030204" pitchFamily="34" charset="0"/>
-                </a:rPr>
-                <a:t>δλ</a:t>
-              </a:r>
-              <a:r>
-                <a:rPr lang="en-PH" sz="2400" dirty="0">
-                  <a:solidFill>
-                    <a:srgbClr val="0173B2"/>
-                  </a:solidFill>
-                  <a:latin typeface="Calibri" panose="020F0502020204030204" pitchFamily="34" charset="0"/>
-                  <a:ea typeface="Calibri" panose="020F0502020204030204" pitchFamily="34" charset="0"/>
-                  <a:cs typeface="Calibri" panose="020F0502020204030204" pitchFamily="34" charset="0"/>
-                </a:rPr>
-                <a:t> </a:t>
-              </a:r>
-              <a:r>
-                <a:rPr lang="el-GR" sz="2400" dirty="0">
-                  <a:solidFill>
-                    <a:srgbClr val="0173B2"/>
-                  </a:solidFill>
-                  <a:latin typeface="Calibri" panose="020F0502020204030204" pitchFamily="34" charset="0"/>
-                  <a:ea typeface="Calibri" panose="020F0502020204030204" pitchFamily="34" charset="0"/>
-                  <a:cs typeface="Calibri" panose="020F0502020204030204" pitchFamily="34" charset="0"/>
-                </a:rPr>
-                <a:t>=</a:t>
-              </a:r>
-              <a:r>
-                <a:rPr lang="en-PH" sz="2400" dirty="0">
-                  <a:solidFill>
-                    <a:srgbClr val="0173B2"/>
-                  </a:solidFill>
-                  <a:latin typeface="Calibri" panose="020F0502020204030204" pitchFamily="34" charset="0"/>
-                  <a:ea typeface="Calibri" panose="020F0502020204030204" pitchFamily="34" charset="0"/>
-                  <a:cs typeface="Calibri" panose="020F0502020204030204" pitchFamily="34" charset="0"/>
-                </a:rPr>
-                <a:t> </a:t>
-              </a:r>
-              <a:r>
-                <a:rPr lang="el-GR" sz="2400" dirty="0">
-                  <a:solidFill>
-                    <a:srgbClr val="0173B2"/>
-                  </a:solidFill>
-                  <a:latin typeface="Calibri" panose="020F0502020204030204" pitchFamily="34" charset="0"/>
-                  <a:ea typeface="Calibri" panose="020F0502020204030204" pitchFamily="34" charset="0"/>
-                  <a:cs typeface="Calibri" panose="020F0502020204030204" pitchFamily="34" charset="0"/>
-                </a:rPr>
-                <a:t>0.0</a:t>
-              </a:r>
-              <a:endParaRPr lang="en-PH" sz="2400" dirty="0">
+          <a:prstGeom prst="rect">
+            <a:avLst/>
+          </a:prstGeom>
+        </p:spPr>
+      </p:pic>
+      <p:sp>
+        <p:nvSpPr>
+          <p:cNvPr id="4" name="TextBox 3">
+            <a:extLst>
+              <a:ext uri="{FF2B5EF4-FFF2-40B4-BE49-F238E27FC236}">
+                <a16:creationId xmlns:a16="http://schemas.microsoft.com/office/drawing/2014/main" id="{CDB60429-4B92-7C8F-D241-1B055E8C6DEF}"/>
+              </a:ext>
+            </a:extLst>
+          </p:cNvPr>
+          <p:cNvSpPr txBox="1"/>
+          <p:nvPr/>
+        </p:nvSpPr>
+        <p:spPr>
+          <a:xfrm>
+            <a:off x="3988173" y="1440612"/>
+            <a:ext cx="1221283" cy="461665"/>
+          </a:xfrm>
+          <a:prstGeom prst="rect">
+            <a:avLst/>
+          </a:prstGeom>
+          <a:noFill/>
+        </p:spPr>
+        <p:txBody>
+          <a:bodyPr wrap="square" rtlCol="0">
+            <a:spAutoFit/>
+          </a:bodyPr>
+          <a:lstStyle/>
+          <a:p>
+            <a:r>
+              <a:rPr lang="el-GR" sz="2400" dirty="0">
                 <a:solidFill>
                   <a:srgbClr val="0173B2"/>
                 </a:solidFill>
                 <a:latin typeface="Calibri" panose="020F0502020204030204" pitchFamily="34" charset="0"/>
                 <a:ea typeface="Calibri" panose="020F0502020204030204" pitchFamily="34" charset="0"/>
                 <a:cs typeface="Calibri" panose="020F0502020204030204" pitchFamily="34" charset="0"/>
-              </a:endParaRPr>
-            </a:p>
-          </p:txBody>
-        </p:sp>
-        <p:sp>
-          <p:nvSpPr>
-            <p:cNvPr id="5" name="TextBox 4">
-              <a:extLst>
-                <a:ext uri="{FF2B5EF4-FFF2-40B4-BE49-F238E27FC236}">
-                  <a16:creationId xmlns:a16="http://schemas.microsoft.com/office/drawing/2014/main" id="{775DDB3A-4AC2-0105-4589-7B9203E5899A}"/>
-                </a:ext>
-              </a:extLst>
-            </p:cNvPr>
-            <p:cNvSpPr txBox="1"/>
-            <p:nvPr/>
-          </p:nvSpPr>
-          <p:spPr>
-            <a:xfrm>
-              <a:off x="6349974" y="812627"/>
-              <a:ext cx="1277646" cy="461665"/>
-            </a:xfrm>
-            <a:prstGeom prst="rect">
-              <a:avLst/>
-            </a:prstGeom>
-            <a:noFill/>
-          </p:spPr>
-          <p:txBody>
-            <a:bodyPr wrap="square" rtlCol="0">
-              <a:spAutoFit/>
-            </a:bodyPr>
-            <a:lstStyle/>
-            <a:p>
-              <a:r>
-                <a:rPr lang="el-GR" sz="2400" dirty="0">
-                  <a:solidFill>
-                    <a:srgbClr val="0173B2"/>
-                  </a:solidFill>
-                  <a:latin typeface="Calibri" panose="020F0502020204030204" pitchFamily="34" charset="0"/>
-                  <a:ea typeface="Calibri" panose="020F0502020204030204" pitchFamily="34" charset="0"/>
-                  <a:cs typeface="Calibri" panose="020F0502020204030204" pitchFamily="34" charset="0"/>
-                </a:rPr>
-                <a:t>δλ</a:t>
-              </a:r>
-              <a:r>
-                <a:rPr lang="en-PH" sz="2400" dirty="0">
-                  <a:solidFill>
-                    <a:srgbClr val="0173B2"/>
-                  </a:solidFill>
-                  <a:latin typeface="Calibri" panose="020F0502020204030204" pitchFamily="34" charset="0"/>
-                  <a:ea typeface="Calibri" panose="020F0502020204030204" pitchFamily="34" charset="0"/>
-                  <a:cs typeface="Calibri" panose="020F0502020204030204" pitchFamily="34" charset="0"/>
-                </a:rPr>
-                <a:t> </a:t>
-              </a:r>
-              <a:r>
-                <a:rPr lang="el-GR" sz="2400" dirty="0">
-                  <a:solidFill>
-                    <a:srgbClr val="0173B2"/>
-                  </a:solidFill>
-                  <a:latin typeface="Calibri" panose="020F0502020204030204" pitchFamily="34" charset="0"/>
-                  <a:ea typeface="Calibri" panose="020F0502020204030204" pitchFamily="34" charset="0"/>
-                  <a:cs typeface="Calibri" panose="020F0502020204030204" pitchFamily="34" charset="0"/>
-                </a:rPr>
-                <a:t>=</a:t>
-              </a:r>
-              <a:r>
-                <a:rPr lang="en-PH" sz="2400" dirty="0">
-                  <a:solidFill>
-                    <a:srgbClr val="0173B2"/>
-                  </a:solidFill>
-                  <a:latin typeface="Calibri" panose="020F0502020204030204" pitchFamily="34" charset="0"/>
-                  <a:ea typeface="Calibri" panose="020F0502020204030204" pitchFamily="34" charset="0"/>
-                  <a:cs typeface="Calibri" panose="020F0502020204030204" pitchFamily="34" charset="0"/>
-                </a:rPr>
-                <a:t> </a:t>
-              </a:r>
-              <a:r>
-                <a:rPr lang="el-GR" sz="2400" dirty="0">
-                  <a:solidFill>
-                    <a:srgbClr val="0173B2"/>
-                  </a:solidFill>
-                  <a:latin typeface="Calibri" panose="020F0502020204030204" pitchFamily="34" charset="0"/>
-                  <a:ea typeface="Calibri" panose="020F0502020204030204" pitchFamily="34" charset="0"/>
-                  <a:cs typeface="Calibri" panose="020F0502020204030204" pitchFamily="34" charset="0"/>
-                </a:rPr>
-                <a:t>0.</a:t>
-              </a:r>
-              <a:r>
-                <a:rPr lang="en-PH" sz="2400" dirty="0">
-                  <a:solidFill>
-                    <a:srgbClr val="0173B2"/>
-                  </a:solidFill>
-                  <a:latin typeface="Calibri" panose="020F0502020204030204" pitchFamily="34" charset="0"/>
-                  <a:ea typeface="Calibri" panose="020F0502020204030204" pitchFamily="34" charset="0"/>
-                  <a:cs typeface="Calibri" panose="020F0502020204030204" pitchFamily="34" charset="0"/>
-                </a:rPr>
-                <a:t>2</a:t>
-              </a:r>
-            </a:p>
-          </p:txBody>
-        </p:sp>
-        <p:sp>
-          <p:nvSpPr>
-            <p:cNvPr id="6" name="TextBox 5">
-              <a:extLst>
-                <a:ext uri="{FF2B5EF4-FFF2-40B4-BE49-F238E27FC236}">
-                  <a16:creationId xmlns:a16="http://schemas.microsoft.com/office/drawing/2014/main" id="{EA08AC0A-ADC4-85C8-3C8B-FE0CA60C20C6}"/>
-                </a:ext>
-              </a:extLst>
-            </p:cNvPr>
-            <p:cNvSpPr txBox="1"/>
-            <p:nvPr/>
-          </p:nvSpPr>
-          <p:spPr>
-            <a:xfrm>
-              <a:off x="4928844" y="2635559"/>
-              <a:ext cx="1221283" cy="461665"/>
-            </a:xfrm>
-            <a:prstGeom prst="rect">
-              <a:avLst/>
-            </a:prstGeom>
-            <a:noFill/>
-          </p:spPr>
-          <p:txBody>
-            <a:bodyPr wrap="square" rtlCol="0">
-              <a:spAutoFit/>
-            </a:bodyPr>
-            <a:lstStyle/>
-            <a:p>
-              <a:r>
-                <a:rPr lang="el-GR" sz="2400" dirty="0">
-                  <a:solidFill>
-                    <a:srgbClr val="0173B2"/>
-                  </a:solidFill>
-                  <a:latin typeface="Calibri" panose="020F0502020204030204" pitchFamily="34" charset="0"/>
-                  <a:ea typeface="Calibri" panose="020F0502020204030204" pitchFamily="34" charset="0"/>
-                  <a:cs typeface="Calibri" panose="020F0502020204030204" pitchFamily="34" charset="0"/>
-                </a:rPr>
-                <a:t>δλ</a:t>
-              </a:r>
-              <a:r>
-                <a:rPr lang="en-PH" sz="2400" dirty="0">
-                  <a:solidFill>
-                    <a:srgbClr val="0173B2"/>
-                  </a:solidFill>
-                  <a:latin typeface="Calibri" panose="020F0502020204030204" pitchFamily="34" charset="0"/>
-                  <a:ea typeface="Calibri" panose="020F0502020204030204" pitchFamily="34" charset="0"/>
-                  <a:cs typeface="Calibri" panose="020F0502020204030204" pitchFamily="34" charset="0"/>
-                </a:rPr>
-                <a:t> </a:t>
-              </a:r>
-              <a:r>
-                <a:rPr lang="el-GR" sz="2400" dirty="0">
-                  <a:solidFill>
-                    <a:srgbClr val="0173B2"/>
-                  </a:solidFill>
-                  <a:latin typeface="Calibri" panose="020F0502020204030204" pitchFamily="34" charset="0"/>
-                  <a:ea typeface="Calibri" panose="020F0502020204030204" pitchFamily="34" charset="0"/>
-                  <a:cs typeface="Calibri" panose="020F0502020204030204" pitchFamily="34" charset="0"/>
-                </a:rPr>
-                <a:t>=</a:t>
-              </a:r>
-              <a:r>
-                <a:rPr lang="en-PH" sz="2400" dirty="0">
-                  <a:solidFill>
-                    <a:srgbClr val="0173B2"/>
-                  </a:solidFill>
-                  <a:latin typeface="Calibri" panose="020F0502020204030204" pitchFamily="34" charset="0"/>
-                  <a:ea typeface="Calibri" panose="020F0502020204030204" pitchFamily="34" charset="0"/>
-                  <a:cs typeface="Calibri" panose="020F0502020204030204" pitchFamily="34" charset="0"/>
-                </a:rPr>
-                <a:t> </a:t>
-              </a:r>
-              <a:r>
-                <a:rPr lang="el-GR" sz="2400" dirty="0">
-                  <a:solidFill>
-                    <a:srgbClr val="0173B2"/>
-                  </a:solidFill>
-                  <a:latin typeface="Calibri" panose="020F0502020204030204" pitchFamily="34" charset="0"/>
-                  <a:ea typeface="Calibri" panose="020F0502020204030204" pitchFamily="34" charset="0"/>
-                  <a:cs typeface="Calibri" panose="020F0502020204030204" pitchFamily="34" charset="0"/>
-                </a:rPr>
-                <a:t>0.</a:t>
-              </a:r>
-              <a:r>
-                <a:rPr lang="en-PH" sz="2400" dirty="0">
-                  <a:solidFill>
-                    <a:srgbClr val="0173B2"/>
-                  </a:solidFill>
-                  <a:latin typeface="Calibri" panose="020F0502020204030204" pitchFamily="34" charset="0"/>
-                  <a:ea typeface="Calibri" panose="020F0502020204030204" pitchFamily="34" charset="0"/>
-                  <a:cs typeface="Calibri" panose="020F0502020204030204" pitchFamily="34" charset="0"/>
-                </a:rPr>
-                <a:t>4</a:t>
-              </a:r>
-            </a:p>
-          </p:txBody>
-        </p:sp>
-        <p:sp>
-          <p:nvSpPr>
-            <p:cNvPr id="8" name="TextBox 7">
-              <a:extLst>
-                <a:ext uri="{FF2B5EF4-FFF2-40B4-BE49-F238E27FC236}">
-                  <a16:creationId xmlns:a16="http://schemas.microsoft.com/office/drawing/2014/main" id="{F65B0590-3C6C-3C3F-D11B-8FB22AFA7E8E}"/>
-                </a:ext>
-              </a:extLst>
-            </p:cNvPr>
-            <p:cNvSpPr txBox="1"/>
-            <p:nvPr/>
-          </p:nvSpPr>
-          <p:spPr>
-            <a:xfrm>
-              <a:off x="4857750" y="3606144"/>
-              <a:ext cx="1776767" cy="461665"/>
-            </a:xfrm>
-            <a:prstGeom prst="rect">
-              <a:avLst/>
-            </a:prstGeom>
-            <a:noFill/>
-          </p:spPr>
-          <p:txBody>
-            <a:bodyPr wrap="square" rtlCol="0">
-              <a:spAutoFit/>
-            </a:bodyPr>
-            <a:lstStyle/>
-            <a:p>
-              <a:r>
-                <a:rPr lang="el-GR" sz="2400" dirty="0">
-                  <a:solidFill>
-                    <a:srgbClr val="DE8F05"/>
-                  </a:solidFill>
-                  <a:latin typeface="Calibri" panose="020F0502020204030204" pitchFamily="34" charset="0"/>
-                  <a:ea typeface="Calibri" panose="020F0502020204030204" pitchFamily="34" charset="0"/>
-                  <a:cs typeface="Calibri" panose="020F0502020204030204" pitchFamily="34" charset="0"/>
-                </a:rPr>
-                <a:t>δλ</a:t>
-              </a:r>
-              <a:r>
-                <a:rPr lang="en-PH" sz="2400" dirty="0">
-                  <a:solidFill>
-                    <a:srgbClr val="DE8F05"/>
-                  </a:solidFill>
-                  <a:latin typeface="Calibri" panose="020F0502020204030204" pitchFamily="34" charset="0"/>
-                  <a:ea typeface="Calibri" panose="020F0502020204030204" pitchFamily="34" charset="0"/>
-                  <a:cs typeface="Calibri" panose="020F0502020204030204" pitchFamily="34" charset="0"/>
-                </a:rPr>
-                <a:t> </a:t>
-              </a:r>
-              <a:r>
-                <a:rPr lang="el-GR" sz="2400" dirty="0">
-                  <a:solidFill>
-                    <a:srgbClr val="DE8F05"/>
-                  </a:solidFill>
-                  <a:latin typeface="Calibri" panose="020F0502020204030204" pitchFamily="34" charset="0"/>
-                  <a:ea typeface="Calibri" panose="020F0502020204030204" pitchFamily="34" charset="0"/>
-                  <a:cs typeface="Calibri" panose="020F0502020204030204" pitchFamily="34" charset="0"/>
-                </a:rPr>
-                <a:t>=</a:t>
-              </a:r>
-              <a:r>
-                <a:rPr lang="en-PH" sz="2400" dirty="0">
-                  <a:solidFill>
-                    <a:srgbClr val="DE8F05"/>
-                  </a:solidFill>
-                  <a:latin typeface="Calibri" panose="020F0502020204030204" pitchFamily="34" charset="0"/>
-                  <a:ea typeface="Calibri" panose="020F0502020204030204" pitchFamily="34" charset="0"/>
-                  <a:cs typeface="Calibri" panose="020F0502020204030204" pitchFamily="34" charset="0"/>
-                </a:rPr>
-                <a:t> </a:t>
-              </a:r>
-              <a:r>
-                <a:rPr lang="el-GR" sz="2400" dirty="0">
-                  <a:solidFill>
-                    <a:srgbClr val="DE8F05"/>
-                  </a:solidFill>
-                  <a:latin typeface="Calibri" panose="020F0502020204030204" pitchFamily="34" charset="0"/>
-                  <a:ea typeface="Calibri" panose="020F0502020204030204" pitchFamily="34" charset="0"/>
-                  <a:cs typeface="Calibri" panose="020F0502020204030204" pitchFamily="34" charset="0"/>
-                </a:rPr>
-                <a:t>0.</a:t>
-              </a:r>
-              <a:r>
-                <a:rPr lang="en-PH" sz="2400" dirty="0">
-                  <a:solidFill>
-                    <a:srgbClr val="DE8F05"/>
-                  </a:solidFill>
-                  <a:latin typeface="Calibri" panose="020F0502020204030204" pitchFamily="34" charset="0"/>
-                  <a:ea typeface="Calibri" panose="020F0502020204030204" pitchFamily="34" charset="0"/>
-                  <a:cs typeface="Calibri" panose="020F0502020204030204" pitchFamily="34" charset="0"/>
-                </a:rPr>
-                <a:t>0, 0.2</a:t>
-              </a:r>
-            </a:p>
-          </p:txBody>
-        </p:sp>
-        <p:sp>
-          <p:nvSpPr>
-            <p:cNvPr id="9" name="TextBox 8">
-              <a:extLst>
-                <a:ext uri="{FF2B5EF4-FFF2-40B4-BE49-F238E27FC236}">
-                  <a16:creationId xmlns:a16="http://schemas.microsoft.com/office/drawing/2014/main" id="{A7BE308A-BABE-8D6A-2D88-9E64E92F4EB7}"/>
-                </a:ext>
-              </a:extLst>
-            </p:cNvPr>
-            <p:cNvSpPr txBox="1"/>
-            <p:nvPr/>
-          </p:nvSpPr>
-          <p:spPr>
-            <a:xfrm>
-              <a:off x="7181088" y="3648816"/>
-              <a:ext cx="1638845" cy="461665"/>
-            </a:xfrm>
-            <a:prstGeom prst="rect">
-              <a:avLst/>
-            </a:prstGeom>
-            <a:noFill/>
-          </p:spPr>
-          <p:txBody>
-            <a:bodyPr wrap="square" rtlCol="0">
-              <a:spAutoFit/>
-            </a:bodyPr>
-            <a:lstStyle/>
-            <a:p>
-              <a:r>
-                <a:rPr lang="el-GR" sz="2400" dirty="0">
-                  <a:solidFill>
-                    <a:srgbClr val="DE8F05"/>
-                  </a:solidFill>
-                  <a:latin typeface="Calibri" panose="020F0502020204030204" pitchFamily="34" charset="0"/>
-                  <a:ea typeface="Calibri" panose="020F0502020204030204" pitchFamily="34" charset="0"/>
-                  <a:cs typeface="Calibri" panose="020F0502020204030204" pitchFamily="34" charset="0"/>
-                </a:rPr>
-                <a:t>δλ</a:t>
-              </a:r>
-              <a:r>
-                <a:rPr lang="en-PH" sz="2400" dirty="0">
-                  <a:solidFill>
-                    <a:srgbClr val="DE8F05"/>
-                  </a:solidFill>
-                  <a:latin typeface="Calibri" panose="020F0502020204030204" pitchFamily="34" charset="0"/>
-                  <a:ea typeface="Calibri" panose="020F0502020204030204" pitchFamily="34" charset="0"/>
-                  <a:cs typeface="Calibri" panose="020F0502020204030204" pitchFamily="34" charset="0"/>
-                </a:rPr>
-                <a:t> </a:t>
-              </a:r>
-              <a:r>
-                <a:rPr lang="el-GR" sz="2400" dirty="0">
-                  <a:solidFill>
-                    <a:srgbClr val="DE8F05"/>
-                  </a:solidFill>
-                  <a:latin typeface="Calibri" panose="020F0502020204030204" pitchFamily="34" charset="0"/>
-                  <a:ea typeface="Calibri" panose="020F0502020204030204" pitchFamily="34" charset="0"/>
-                  <a:cs typeface="Calibri" panose="020F0502020204030204" pitchFamily="34" charset="0"/>
-                </a:rPr>
-                <a:t>=</a:t>
-              </a:r>
-              <a:r>
-                <a:rPr lang="en-PH" sz="2400" dirty="0">
-                  <a:solidFill>
-                    <a:srgbClr val="DE8F05"/>
-                  </a:solidFill>
-                  <a:latin typeface="Calibri" panose="020F0502020204030204" pitchFamily="34" charset="0"/>
-                  <a:ea typeface="Calibri" panose="020F0502020204030204" pitchFamily="34" charset="0"/>
-                  <a:cs typeface="Calibri" panose="020F0502020204030204" pitchFamily="34" charset="0"/>
-                </a:rPr>
-                <a:t> </a:t>
-              </a:r>
-              <a:r>
-                <a:rPr lang="el-GR" sz="2400" dirty="0">
-                  <a:solidFill>
-                    <a:srgbClr val="DE8F05"/>
-                  </a:solidFill>
-                  <a:latin typeface="Calibri" panose="020F0502020204030204" pitchFamily="34" charset="0"/>
-                  <a:ea typeface="Calibri" panose="020F0502020204030204" pitchFamily="34" charset="0"/>
-                  <a:cs typeface="Calibri" panose="020F0502020204030204" pitchFamily="34" charset="0"/>
-                </a:rPr>
-                <a:t>0.</a:t>
-              </a:r>
-              <a:r>
-                <a:rPr lang="en-PH" sz="2400" dirty="0">
-                  <a:solidFill>
-                    <a:srgbClr val="DE8F05"/>
-                  </a:solidFill>
-                  <a:latin typeface="Calibri" panose="020F0502020204030204" pitchFamily="34" charset="0"/>
-                  <a:ea typeface="Calibri" panose="020F0502020204030204" pitchFamily="34" charset="0"/>
-                  <a:cs typeface="Calibri" panose="020F0502020204030204" pitchFamily="34" charset="0"/>
-                </a:rPr>
-                <a:t>4</a:t>
-              </a:r>
-            </a:p>
-          </p:txBody>
-        </p:sp>
-      </p:grpSp>
+              </a:rPr>
+              <a:t>δλ</a:t>
+            </a:r>
+            <a:r>
+              <a:rPr lang="en-PH" sz="2400" dirty="0">
+                <a:solidFill>
+                  <a:srgbClr val="0173B2"/>
+                </a:solidFill>
+                <a:latin typeface="Calibri" panose="020F0502020204030204" pitchFamily="34" charset="0"/>
+                <a:ea typeface="Calibri" panose="020F0502020204030204" pitchFamily="34" charset="0"/>
+                <a:cs typeface="Calibri" panose="020F0502020204030204" pitchFamily="34" charset="0"/>
+              </a:rPr>
+              <a:t> </a:t>
+            </a:r>
+            <a:r>
+              <a:rPr lang="el-GR" sz="2400" dirty="0">
+                <a:solidFill>
+                  <a:srgbClr val="0173B2"/>
+                </a:solidFill>
+                <a:latin typeface="Calibri" panose="020F0502020204030204" pitchFamily="34" charset="0"/>
+                <a:ea typeface="Calibri" panose="020F0502020204030204" pitchFamily="34" charset="0"/>
+                <a:cs typeface="Calibri" panose="020F0502020204030204" pitchFamily="34" charset="0"/>
+              </a:rPr>
+              <a:t>=</a:t>
+            </a:r>
+            <a:r>
+              <a:rPr lang="en-PH" sz="2400" dirty="0">
+                <a:solidFill>
+                  <a:srgbClr val="0173B2"/>
+                </a:solidFill>
+                <a:latin typeface="Calibri" panose="020F0502020204030204" pitchFamily="34" charset="0"/>
+                <a:ea typeface="Calibri" panose="020F0502020204030204" pitchFamily="34" charset="0"/>
+                <a:cs typeface="Calibri" panose="020F0502020204030204" pitchFamily="34" charset="0"/>
+              </a:rPr>
+              <a:t> </a:t>
+            </a:r>
+            <a:r>
+              <a:rPr lang="el-GR" sz="2400" dirty="0">
+                <a:solidFill>
+                  <a:srgbClr val="0173B2"/>
+                </a:solidFill>
+                <a:latin typeface="Calibri" panose="020F0502020204030204" pitchFamily="34" charset="0"/>
+                <a:ea typeface="Calibri" panose="020F0502020204030204" pitchFamily="34" charset="0"/>
+                <a:cs typeface="Calibri" panose="020F0502020204030204" pitchFamily="34" charset="0"/>
+              </a:rPr>
+              <a:t>0.0</a:t>
+            </a:r>
+            <a:endParaRPr lang="en-PH" sz="2400" dirty="0">
+              <a:solidFill>
+                <a:srgbClr val="0173B2"/>
+              </a:solidFill>
+              <a:latin typeface="Calibri" panose="020F0502020204030204" pitchFamily="34" charset="0"/>
+              <a:ea typeface="Calibri" panose="020F0502020204030204" pitchFamily="34" charset="0"/>
+              <a:cs typeface="Calibri" panose="020F0502020204030204" pitchFamily="34" charset="0"/>
+            </a:endParaRPr>
+          </a:p>
+        </p:txBody>
+      </p:sp>
+      <p:sp>
+        <p:nvSpPr>
+          <p:cNvPr id="5" name="TextBox 4">
+            <a:extLst>
+              <a:ext uri="{FF2B5EF4-FFF2-40B4-BE49-F238E27FC236}">
+                <a16:creationId xmlns:a16="http://schemas.microsoft.com/office/drawing/2014/main" id="{775DDB3A-4AC2-0105-4589-7B9203E5899A}"/>
+              </a:ext>
+            </a:extLst>
+          </p:cNvPr>
+          <p:cNvSpPr txBox="1"/>
+          <p:nvPr/>
+        </p:nvSpPr>
+        <p:spPr>
+          <a:xfrm>
+            <a:off x="5995694" y="1209780"/>
+            <a:ext cx="1277646" cy="461665"/>
+          </a:xfrm>
+          <a:prstGeom prst="rect">
+            <a:avLst/>
+          </a:prstGeom>
+          <a:noFill/>
+        </p:spPr>
+        <p:txBody>
+          <a:bodyPr wrap="square" rtlCol="0">
+            <a:spAutoFit/>
+          </a:bodyPr>
+          <a:lstStyle/>
+          <a:p>
+            <a:r>
+              <a:rPr lang="el-GR" sz="2400" dirty="0">
+                <a:solidFill>
+                  <a:srgbClr val="0173B2"/>
+                </a:solidFill>
+                <a:latin typeface="Calibri" panose="020F0502020204030204" pitchFamily="34" charset="0"/>
+                <a:ea typeface="Calibri" panose="020F0502020204030204" pitchFamily="34" charset="0"/>
+                <a:cs typeface="Calibri" panose="020F0502020204030204" pitchFamily="34" charset="0"/>
+              </a:rPr>
+              <a:t>δλ</a:t>
+            </a:r>
+            <a:r>
+              <a:rPr lang="en-PH" sz="2400" dirty="0">
+                <a:solidFill>
+                  <a:srgbClr val="0173B2"/>
+                </a:solidFill>
+                <a:latin typeface="Calibri" panose="020F0502020204030204" pitchFamily="34" charset="0"/>
+                <a:ea typeface="Calibri" panose="020F0502020204030204" pitchFamily="34" charset="0"/>
+                <a:cs typeface="Calibri" panose="020F0502020204030204" pitchFamily="34" charset="0"/>
+              </a:rPr>
+              <a:t> </a:t>
+            </a:r>
+            <a:r>
+              <a:rPr lang="el-GR" sz="2400" dirty="0">
+                <a:solidFill>
+                  <a:srgbClr val="0173B2"/>
+                </a:solidFill>
+                <a:latin typeface="Calibri" panose="020F0502020204030204" pitchFamily="34" charset="0"/>
+                <a:ea typeface="Calibri" panose="020F0502020204030204" pitchFamily="34" charset="0"/>
+                <a:cs typeface="Calibri" panose="020F0502020204030204" pitchFamily="34" charset="0"/>
+              </a:rPr>
+              <a:t>=</a:t>
+            </a:r>
+            <a:r>
+              <a:rPr lang="en-PH" sz="2400" dirty="0">
+                <a:solidFill>
+                  <a:srgbClr val="0173B2"/>
+                </a:solidFill>
+                <a:latin typeface="Calibri" panose="020F0502020204030204" pitchFamily="34" charset="0"/>
+                <a:ea typeface="Calibri" panose="020F0502020204030204" pitchFamily="34" charset="0"/>
+                <a:cs typeface="Calibri" panose="020F0502020204030204" pitchFamily="34" charset="0"/>
+              </a:rPr>
+              <a:t> </a:t>
+            </a:r>
+            <a:r>
+              <a:rPr lang="el-GR" sz="2400" dirty="0">
+                <a:solidFill>
+                  <a:srgbClr val="0173B2"/>
+                </a:solidFill>
+                <a:latin typeface="Calibri" panose="020F0502020204030204" pitchFamily="34" charset="0"/>
+                <a:ea typeface="Calibri" panose="020F0502020204030204" pitchFamily="34" charset="0"/>
+                <a:cs typeface="Calibri" panose="020F0502020204030204" pitchFamily="34" charset="0"/>
+              </a:rPr>
+              <a:t>0.</a:t>
+            </a:r>
+            <a:r>
+              <a:rPr lang="en-PH" sz="2400" dirty="0">
+                <a:solidFill>
+                  <a:srgbClr val="0173B2"/>
+                </a:solidFill>
+                <a:latin typeface="Calibri" panose="020F0502020204030204" pitchFamily="34" charset="0"/>
+                <a:ea typeface="Calibri" panose="020F0502020204030204" pitchFamily="34" charset="0"/>
+                <a:cs typeface="Calibri" panose="020F0502020204030204" pitchFamily="34" charset="0"/>
+              </a:rPr>
+              <a:t>2</a:t>
+            </a:r>
+          </a:p>
+        </p:txBody>
+      </p:sp>
+      <p:sp>
+        <p:nvSpPr>
+          <p:cNvPr id="6" name="TextBox 5">
+            <a:extLst>
+              <a:ext uri="{FF2B5EF4-FFF2-40B4-BE49-F238E27FC236}">
+                <a16:creationId xmlns:a16="http://schemas.microsoft.com/office/drawing/2014/main" id="{EA08AC0A-ADC4-85C8-3C8B-FE0CA60C20C6}"/>
+              </a:ext>
+            </a:extLst>
+          </p:cNvPr>
+          <p:cNvSpPr txBox="1"/>
+          <p:nvPr/>
+        </p:nvSpPr>
+        <p:spPr>
+          <a:xfrm>
+            <a:off x="4928844" y="2993739"/>
+            <a:ext cx="1221283" cy="461665"/>
+          </a:xfrm>
+          <a:prstGeom prst="rect">
+            <a:avLst/>
+          </a:prstGeom>
+          <a:noFill/>
+        </p:spPr>
+        <p:txBody>
+          <a:bodyPr wrap="square" rtlCol="0">
+            <a:spAutoFit/>
+          </a:bodyPr>
+          <a:lstStyle/>
+          <a:p>
+            <a:r>
+              <a:rPr lang="el-GR" sz="2400" dirty="0">
+                <a:solidFill>
+                  <a:srgbClr val="0173B2"/>
+                </a:solidFill>
+                <a:latin typeface="Calibri" panose="020F0502020204030204" pitchFamily="34" charset="0"/>
+                <a:ea typeface="Calibri" panose="020F0502020204030204" pitchFamily="34" charset="0"/>
+                <a:cs typeface="Calibri" panose="020F0502020204030204" pitchFamily="34" charset="0"/>
+              </a:rPr>
+              <a:t>δλ</a:t>
+            </a:r>
+            <a:r>
+              <a:rPr lang="en-PH" sz="2400" dirty="0">
+                <a:solidFill>
+                  <a:srgbClr val="0173B2"/>
+                </a:solidFill>
+                <a:latin typeface="Calibri" panose="020F0502020204030204" pitchFamily="34" charset="0"/>
+                <a:ea typeface="Calibri" panose="020F0502020204030204" pitchFamily="34" charset="0"/>
+                <a:cs typeface="Calibri" panose="020F0502020204030204" pitchFamily="34" charset="0"/>
+              </a:rPr>
+              <a:t> </a:t>
+            </a:r>
+            <a:r>
+              <a:rPr lang="el-GR" sz="2400" dirty="0">
+                <a:solidFill>
+                  <a:srgbClr val="0173B2"/>
+                </a:solidFill>
+                <a:latin typeface="Calibri" panose="020F0502020204030204" pitchFamily="34" charset="0"/>
+                <a:ea typeface="Calibri" panose="020F0502020204030204" pitchFamily="34" charset="0"/>
+                <a:cs typeface="Calibri" panose="020F0502020204030204" pitchFamily="34" charset="0"/>
+              </a:rPr>
+              <a:t>=</a:t>
+            </a:r>
+            <a:r>
+              <a:rPr lang="en-PH" sz="2400" dirty="0">
+                <a:solidFill>
+                  <a:srgbClr val="0173B2"/>
+                </a:solidFill>
+                <a:latin typeface="Calibri" panose="020F0502020204030204" pitchFamily="34" charset="0"/>
+                <a:ea typeface="Calibri" panose="020F0502020204030204" pitchFamily="34" charset="0"/>
+                <a:cs typeface="Calibri" panose="020F0502020204030204" pitchFamily="34" charset="0"/>
+              </a:rPr>
+              <a:t> </a:t>
+            </a:r>
+            <a:r>
+              <a:rPr lang="el-GR" sz="2400" dirty="0">
+                <a:solidFill>
+                  <a:srgbClr val="0173B2"/>
+                </a:solidFill>
+                <a:latin typeface="Calibri" panose="020F0502020204030204" pitchFamily="34" charset="0"/>
+                <a:ea typeface="Calibri" panose="020F0502020204030204" pitchFamily="34" charset="0"/>
+                <a:cs typeface="Calibri" panose="020F0502020204030204" pitchFamily="34" charset="0"/>
+              </a:rPr>
+              <a:t>0.</a:t>
+            </a:r>
+            <a:r>
+              <a:rPr lang="en-PH" sz="2400" dirty="0">
+                <a:solidFill>
+                  <a:srgbClr val="0173B2"/>
+                </a:solidFill>
+                <a:latin typeface="Calibri" panose="020F0502020204030204" pitchFamily="34" charset="0"/>
+                <a:ea typeface="Calibri" panose="020F0502020204030204" pitchFamily="34" charset="0"/>
+                <a:cs typeface="Calibri" panose="020F0502020204030204" pitchFamily="34" charset="0"/>
+              </a:rPr>
+              <a:t>4</a:t>
+            </a:r>
+          </a:p>
+        </p:txBody>
+      </p:sp>
+      <p:sp>
+        <p:nvSpPr>
+          <p:cNvPr id="8" name="TextBox 7">
+            <a:extLst>
+              <a:ext uri="{FF2B5EF4-FFF2-40B4-BE49-F238E27FC236}">
+                <a16:creationId xmlns:a16="http://schemas.microsoft.com/office/drawing/2014/main" id="{F65B0590-3C6C-3C3F-D11B-8FB22AFA7E8E}"/>
+              </a:ext>
+            </a:extLst>
+          </p:cNvPr>
+          <p:cNvSpPr txBox="1"/>
+          <p:nvPr/>
+        </p:nvSpPr>
+        <p:spPr>
+          <a:xfrm>
+            <a:off x="4857750" y="3964324"/>
+            <a:ext cx="1776767" cy="461665"/>
+          </a:xfrm>
+          <a:prstGeom prst="rect">
+            <a:avLst/>
+          </a:prstGeom>
+          <a:noFill/>
+        </p:spPr>
+        <p:txBody>
+          <a:bodyPr wrap="square" rtlCol="0">
+            <a:spAutoFit/>
+          </a:bodyPr>
+          <a:lstStyle/>
+          <a:p>
+            <a:r>
+              <a:rPr lang="el-GR" sz="2400" dirty="0">
+                <a:solidFill>
+                  <a:srgbClr val="DE8F05"/>
+                </a:solidFill>
+                <a:latin typeface="Calibri" panose="020F0502020204030204" pitchFamily="34" charset="0"/>
+                <a:ea typeface="Calibri" panose="020F0502020204030204" pitchFamily="34" charset="0"/>
+                <a:cs typeface="Calibri" panose="020F0502020204030204" pitchFamily="34" charset="0"/>
+              </a:rPr>
+              <a:t>δλ</a:t>
+            </a:r>
+            <a:r>
+              <a:rPr lang="en-PH" sz="2400" dirty="0">
+                <a:solidFill>
+                  <a:srgbClr val="DE8F05"/>
+                </a:solidFill>
+                <a:latin typeface="Calibri" panose="020F0502020204030204" pitchFamily="34" charset="0"/>
+                <a:ea typeface="Calibri" panose="020F0502020204030204" pitchFamily="34" charset="0"/>
+                <a:cs typeface="Calibri" panose="020F0502020204030204" pitchFamily="34" charset="0"/>
+              </a:rPr>
+              <a:t> </a:t>
+            </a:r>
+            <a:r>
+              <a:rPr lang="el-GR" sz="2400" dirty="0">
+                <a:solidFill>
+                  <a:srgbClr val="DE8F05"/>
+                </a:solidFill>
+                <a:latin typeface="Calibri" panose="020F0502020204030204" pitchFamily="34" charset="0"/>
+                <a:ea typeface="Calibri" panose="020F0502020204030204" pitchFamily="34" charset="0"/>
+                <a:cs typeface="Calibri" panose="020F0502020204030204" pitchFamily="34" charset="0"/>
+              </a:rPr>
+              <a:t>=</a:t>
+            </a:r>
+            <a:r>
+              <a:rPr lang="en-PH" sz="2400" dirty="0">
+                <a:solidFill>
+                  <a:srgbClr val="DE8F05"/>
+                </a:solidFill>
+                <a:latin typeface="Calibri" panose="020F0502020204030204" pitchFamily="34" charset="0"/>
+                <a:ea typeface="Calibri" panose="020F0502020204030204" pitchFamily="34" charset="0"/>
+                <a:cs typeface="Calibri" panose="020F0502020204030204" pitchFamily="34" charset="0"/>
+              </a:rPr>
+              <a:t> </a:t>
+            </a:r>
+            <a:r>
+              <a:rPr lang="el-GR" sz="2400" dirty="0">
+                <a:solidFill>
+                  <a:srgbClr val="DE8F05"/>
+                </a:solidFill>
+                <a:latin typeface="Calibri" panose="020F0502020204030204" pitchFamily="34" charset="0"/>
+                <a:ea typeface="Calibri" panose="020F0502020204030204" pitchFamily="34" charset="0"/>
+                <a:cs typeface="Calibri" panose="020F0502020204030204" pitchFamily="34" charset="0"/>
+              </a:rPr>
+              <a:t>0.</a:t>
+            </a:r>
+            <a:r>
+              <a:rPr lang="en-PH" sz="2400" dirty="0">
+                <a:solidFill>
+                  <a:srgbClr val="DE8F05"/>
+                </a:solidFill>
+                <a:latin typeface="Calibri" panose="020F0502020204030204" pitchFamily="34" charset="0"/>
+                <a:ea typeface="Calibri" panose="020F0502020204030204" pitchFamily="34" charset="0"/>
+                <a:cs typeface="Calibri" panose="020F0502020204030204" pitchFamily="34" charset="0"/>
+              </a:rPr>
+              <a:t>0, 0.2</a:t>
+            </a:r>
+          </a:p>
+        </p:txBody>
+      </p:sp>
+      <p:sp>
+        <p:nvSpPr>
+          <p:cNvPr id="9" name="TextBox 8">
+            <a:extLst>
+              <a:ext uri="{FF2B5EF4-FFF2-40B4-BE49-F238E27FC236}">
+                <a16:creationId xmlns:a16="http://schemas.microsoft.com/office/drawing/2014/main" id="{A7BE308A-BABE-8D6A-2D88-9E64E92F4EB7}"/>
+              </a:ext>
+            </a:extLst>
+          </p:cNvPr>
+          <p:cNvSpPr txBox="1"/>
+          <p:nvPr/>
+        </p:nvSpPr>
+        <p:spPr>
+          <a:xfrm>
+            <a:off x="7181088" y="4006996"/>
+            <a:ext cx="1638845" cy="461665"/>
+          </a:xfrm>
+          <a:prstGeom prst="rect">
+            <a:avLst/>
+          </a:prstGeom>
+          <a:noFill/>
+        </p:spPr>
+        <p:txBody>
+          <a:bodyPr wrap="square" rtlCol="0">
+            <a:spAutoFit/>
+          </a:bodyPr>
+          <a:lstStyle/>
+          <a:p>
+            <a:r>
+              <a:rPr lang="el-GR" sz="2400" dirty="0">
+                <a:solidFill>
+                  <a:srgbClr val="DE8F05"/>
+                </a:solidFill>
+                <a:latin typeface="Calibri" panose="020F0502020204030204" pitchFamily="34" charset="0"/>
+                <a:ea typeface="Calibri" panose="020F0502020204030204" pitchFamily="34" charset="0"/>
+                <a:cs typeface="Calibri" panose="020F0502020204030204" pitchFamily="34" charset="0"/>
+              </a:rPr>
+              <a:t>δλ</a:t>
+            </a:r>
+            <a:r>
+              <a:rPr lang="en-PH" sz="2400" dirty="0">
+                <a:solidFill>
+                  <a:srgbClr val="DE8F05"/>
+                </a:solidFill>
+                <a:latin typeface="Calibri" panose="020F0502020204030204" pitchFamily="34" charset="0"/>
+                <a:ea typeface="Calibri" panose="020F0502020204030204" pitchFamily="34" charset="0"/>
+                <a:cs typeface="Calibri" panose="020F0502020204030204" pitchFamily="34" charset="0"/>
+              </a:rPr>
+              <a:t> </a:t>
+            </a:r>
+            <a:r>
+              <a:rPr lang="el-GR" sz="2400" dirty="0">
+                <a:solidFill>
+                  <a:srgbClr val="DE8F05"/>
+                </a:solidFill>
+                <a:latin typeface="Calibri" panose="020F0502020204030204" pitchFamily="34" charset="0"/>
+                <a:ea typeface="Calibri" panose="020F0502020204030204" pitchFamily="34" charset="0"/>
+                <a:cs typeface="Calibri" panose="020F0502020204030204" pitchFamily="34" charset="0"/>
+              </a:rPr>
+              <a:t>=</a:t>
+            </a:r>
+            <a:r>
+              <a:rPr lang="en-PH" sz="2400" dirty="0">
+                <a:solidFill>
+                  <a:srgbClr val="DE8F05"/>
+                </a:solidFill>
+                <a:latin typeface="Calibri" panose="020F0502020204030204" pitchFamily="34" charset="0"/>
+                <a:ea typeface="Calibri" panose="020F0502020204030204" pitchFamily="34" charset="0"/>
+                <a:cs typeface="Calibri" panose="020F0502020204030204" pitchFamily="34" charset="0"/>
+              </a:rPr>
+              <a:t> </a:t>
+            </a:r>
+            <a:r>
+              <a:rPr lang="el-GR" sz="2400" dirty="0">
+                <a:solidFill>
+                  <a:srgbClr val="DE8F05"/>
+                </a:solidFill>
+                <a:latin typeface="Calibri" panose="020F0502020204030204" pitchFamily="34" charset="0"/>
+                <a:ea typeface="Calibri" panose="020F0502020204030204" pitchFamily="34" charset="0"/>
+                <a:cs typeface="Calibri" panose="020F0502020204030204" pitchFamily="34" charset="0"/>
+              </a:rPr>
+              <a:t>0.</a:t>
+            </a:r>
+            <a:r>
+              <a:rPr lang="en-PH" sz="2400" dirty="0">
+                <a:solidFill>
+                  <a:srgbClr val="DE8F05"/>
+                </a:solidFill>
+                <a:latin typeface="Calibri" panose="020F0502020204030204" pitchFamily="34" charset="0"/>
+                <a:ea typeface="Calibri" panose="020F0502020204030204" pitchFamily="34" charset="0"/>
+                <a:cs typeface="Calibri" panose="020F0502020204030204" pitchFamily="34" charset="0"/>
+              </a:rPr>
+              <a:t>4</a:t>
+            </a:r>
+          </a:p>
+        </p:txBody>
+      </p:sp>
     </p:spTree>
     <p:extLst>
       <p:ext uri="{BB962C8B-B14F-4D97-AF65-F5344CB8AC3E}">
@@ -5012,644 +4973,626 @@
           <a:chExt cx="0" cy="0"/>
         </a:xfrm>
       </p:grpSpPr>
-      <p:grpSp>
-        <p:nvGrpSpPr>
-          <p:cNvPr id="10" name="Group 9">
+      <p:pic>
+        <p:nvPicPr>
+          <p:cNvPr id="13" name="Picture 12" descr="A graph of different colored lines&#10;&#10;AI-generated content may be incorrect.">
             <a:extLst>
               <a:ext uri="{FF2B5EF4-FFF2-40B4-BE49-F238E27FC236}">
-                <a16:creationId xmlns:a16="http://schemas.microsoft.com/office/drawing/2014/main" id="{DE45D85B-B8F7-7CF5-DED4-C3F5687B7456}"/>
+                <a16:creationId xmlns:a16="http://schemas.microsoft.com/office/drawing/2014/main" id="{E4007CA9-8350-70DD-1757-261BDC9326BD}"/>
               </a:ext>
             </a:extLst>
           </p:cNvPr>
-          <p:cNvGrpSpPr/>
+          <p:cNvPicPr>
+            <a:picLocks noChangeAspect="1"/>
+          </p:cNvPicPr>
           <p:nvPr/>
-        </p:nvGrpSpPr>
-        <p:grpSpPr>
+        </p:nvPicPr>
+        <p:blipFill>
+          <a:blip r:embed="rId2">
+            <a:extLst>
+              <a:ext uri="{28A0092B-C50C-407E-A947-70E740481C1C}">
+                <a14:useLocalDpi xmlns:a14="http://schemas.microsoft.com/office/drawing/2010/main" val="0"/>
+              </a:ext>
+            </a:extLst>
+          </a:blip>
+          <a:stretch>
+            <a:fillRect/>
+          </a:stretch>
+        </p:blipFill>
+        <p:spPr>
           <a:xfrm>
-            <a:off x="1187251" y="532993"/>
-            <a:ext cx="9700141" cy="6146528"/>
-            <a:chOff x="1245929" y="0"/>
-            <a:chExt cx="9700141" cy="6146528"/>
+            <a:off x="1245929" y="0"/>
+            <a:ext cx="9700141" cy="6858000"/>
           </a:xfrm>
-        </p:grpSpPr>
-        <p:pic>
-          <p:nvPicPr>
-            <p:cNvPr id="3" name="Picture 2" descr="A graph of different colored lines&#10;&#10;AI-generated content may be incorrect.">
-              <a:extLst>
-                <a:ext uri="{FF2B5EF4-FFF2-40B4-BE49-F238E27FC236}">
-                  <a16:creationId xmlns:a16="http://schemas.microsoft.com/office/drawing/2014/main" id="{38155C25-C689-4DB0-7CF9-D4334E85A88C}"/>
-                </a:ext>
-              </a:extLst>
-            </p:cNvPr>
-            <p:cNvPicPr>
-              <a:picLocks noChangeAspect="1"/>
-            </p:cNvPicPr>
-            <p:nvPr/>
-          </p:nvPicPr>
-          <p:blipFill>
-            <a:blip r:embed="rId2">
-              <a:extLst>
-                <a:ext uri="{28A0092B-C50C-407E-A947-70E740481C1C}">
-                  <a14:useLocalDpi xmlns:a14="http://schemas.microsoft.com/office/drawing/2010/main" val="0"/>
-                </a:ext>
-              </a:extLst>
-            </a:blip>
-            <a:srcRect b="10375"/>
-            <a:stretch/>
-          </p:blipFill>
-          <p:spPr>
-            <a:xfrm>
-              <a:off x="1245929" y="0"/>
-              <a:ext cx="9700141" cy="6146528"/>
-            </a:xfrm>
-            <a:prstGeom prst="rect">
-              <a:avLst/>
-            </a:prstGeom>
-          </p:spPr>
-        </p:pic>
-        <p:sp>
-          <p:nvSpPr>
-            <p:cNvPr id="4" name="TextBox 3">
-              <a:extLst>
-                <a:ext uri="{FF2B5EF4-FFF2-40B4-BE49-F238E27FC236}">
-                  <a16:creationId xmlns:a16="http://schemas.microsoft.com/office/drawing/2014/main" id="{358FBAD4-519D-C680-1951-33C81527585B}"/>
-                </a:ext>
-              </a:extLst>
-            </p:cNvPr>
-            <p:cNvSpPr txBox="1"/>
-            <p:nvPr/>
-          </p:nvSpPr>
-          <p:spPr>
-            <a:xfrm>
-              <a:off x="3168616" y="1271358"/>
-              <a:ext cx="1149112" cy="461665"/>
-            </a:xfrm>
-            <a:prstGeom prst="rect">
-              <a:avLst/>
-            </a:prstGeom>
-            <a:noFill/>
-          </p:spPr>
-          <p:txBody>
-            <a:bodyPr wrap="square" rtlCol="0">
-              <a:spAutoFit/>
-            </a:bodyPr>
-            <a:lstStyle/>
-            <a:p>
-              <a:pPr algn="ctr"/>
-              <a:r>
-                <a:rPr lang="el-GR" sz="2400" dirty="0">
-                  <a:solidFill>
-                    <a:srgbClr val="0B79B5"/>
-                  </a:solidFill>
-                  <a:latin typeface="Calibri" panose="020F0502020204030204" pitchFamily="34" charset="0"/>
-                  <a:ea typeface="Calibri" panose="020F0502020204030204" pitchFamily="34" charset="0"/>
-                  <a:cs typeface="Calibri" panose="020F0502020204030204" pitchFamily="34" charset="0"/>
-                </a:rPr>
-                <a:t>ρ</a:t>
-              </a:r>
-              <a:r>
-                <a:rPr lang="en-PH" sz="2400" dirty="0">
-                  <a:solidFill>
-                    <a:srgbClr val="0B79B5"/>
-                  </a:solidFill>
-                  <a:latin typeface="Calibri" panose="020F0502020204030204" pitchFamily="34" charset="0"/>
-                  <a:ea typeface="Calibri" panose="020F0502020204030204" pitchFamily="34" charset="0"/>
-                  <a:cs typeface="Calibri" panose="020F0502020204030204" pitchFamily="34" charset="0"/>
-                </a:rPr>
-                <a:t> </a:t>
-              </a:r>
-              <a:r>
-                <a:rPr lang="el-GR" sz="2400" dirty="0">
-                  <a:solidFill>
-                    <a:srgbClr val="0B79B5"/>
-                  </a:solidFill>
-                  <a:latin typeface="Calibri" panose="020F0502020204030204" pitchFamily="34" charset="0"/>
-                  <a:ea typeface="Calibri" panose="020F0502020204030204" pitchFamily="34" charset="0"/>
-                  <a:cs typeface="Calibri" panose="020F0502020204030204" pitchFamily="34" charset="0"/>
-                </a:rPr>
-                <a:t>=</a:t>
-              </a:r>
-              <a:r>
-                <a:rPr lang="en-PH" sz="2400" dirty="0">
-                  <a:solidFill>
-                    <a:srgbClr val="0B79B5"/>
-                  </a:solidFill>
-                  <a:latin typeface="Calibri" panose="020F0502020204030204" pitchFamily="34" charset="0"/>
-                  <a:ea typeface="Calibri" panose="020F0502020204030204" pitchFamily="34" charset="0"/>
-                  <a:cs typeface="Calibri" panose="020F0502020204030204" pitchFamily="34" charset="0"/>
-                </a:rPr>
-                <a:t> </a:t>
-              </a:r>
-              <a:r>
-                <a:rPr lang="el-GR" sz="2400" dirty="0">
-                  <a:solidFill>
-                    <a:srgbClr val="0B79B5"/>
-                  </a:solidFill>
-                  <a:latin typeface="Calibri" panose="020F0502020204030204" pitchFamily="34" charset="0"/>
-                  <a:ea typeface="Calibri" panose="020F0502020204030204" pitchFamily="34" charset="0"/>
-                  <a:cs typeface="Calibri" panose="020F0502020204030204" pitchFamily="34" charset="0"/>
-                </a:rPr>
-                <a:t>0.9</a:t>
-              </a:r>
-              <a:endParaRPr lang="en-PH" sz="2400" dirty="0">
+          <a:prstGeom prst="rect">
+            <a:avLst/>
+          </a:prstGeom>
+        </p:spPr>
+      </p:pic>
+      <p:sp>
+        <p:nvSpPr>
+          <p:cNvPr id="4" name="TextBox 3">
+            <a:extLst>
+              <a:ext uri="{FF2B5EF4-FFF2-40B4-BE49-F238E27FC236}">
+                <a16:creationId xmlns:a16="http://schemas.microsoft.com/office/drawing/2014/main" id="{358FBAD4-519D-C680-1951-33C81527585B}"/>
+              </a:ext>
+            </a:extLst>
+          </p:cNvPr>
+          <p:cNvSpPr txBox="1"/>
+          <p:nvPr/>
+        </p:nvSpPr>
+        <p:spPr>
+          <a:xfrm>
+            <a:off x="3109938" y="1804351"/>
+            <a:ext cx="1149112" cy="461665"/>
+          </a:xfrm>
+          <a:prstGeom prst="rect">
+            <a:avLst/>
+          </a:prstGeom>
+          <a:noFill/>
+        </p:spPr>
+        <p:txBody>
+          <a:bodyPr wrap="square" rtlCol="0">
+            <a:spAutoFit/>
+          </a:bodyPr>
+          <a:lstStyle/>
+          <a:p>
+            <a:pPr algn="ctr"/>
+            <a:r>
+              <a:rPr lang="el-GR" sz="2400" dirty="0">
                 <a:solidFill>
                   <a:srgbClr val="0B79B5"/>
                 </a:solidFill>
                 <a:latin typeface="Calibri" panose="020F0502020204030204" pitchFamily="34" charset="0"/>
                 <a:ea typeface="Calibri" panose="020F0502020204030204" pitchFamily="34" charset="0"/>
                 <a:cs typeface="Calibri" panose="020F0502020204030204" pitchFamily="34" charset="0"/>
-              </a:endParaRPr>
-            </a:p>
-          </p:txBody>
-        </p:sp>
-        <p:sp>
-          <p:nvSpPr>
-            <p:cNvPr id="5" name="TextBox 4">
-              <a:extLst>
-                <a:ext uri="{FF2B5EF4-FFF2-40B4-BE49-F238E27FC236}">
-                  <a16:creationId xmlns:a16="http://schemas.microsoft.com/office/drawing/2014/main" id="{9EC726F2-9BBD-7291-60D1-27E6B6456DF3}"/>
-                </a:ext>
-              </a:extLst>
-            </p:cNvPr>
-            <p:cNvSpPr txBox="1"/>
-            <p:nvPr/>
-          </p:nvSpPr>
-          <p:spPr>
-            <a:xfrm>
-              <a:off x="4509736" y="2246718"/>
-              <a:ext cx="1149112" cy="461665"/>
-            </a:xfrm>
-            <a:prstGeom prst="rect">
-              <a:avLst/>
-            </a:prstGeom>
-            <a:noFill/>
-          </p:spPr>
-          <p:txBody>
-            <a:bodyPr wrap="square" rtlCol="0">
-              <a:spAutoFit/>
-            </a:bodyPr>
-            <a:lstStyle/>
-            <a:p>
-              <a:pPr algn="ctr"/>
-              <a:r>
-                <a:rPr lang="el-GR" sz="2400" dirty="0">
-                  <a:solidFill>
-                    <a:srgbClr val="479AC8"/>
-                  </a:solidFill>
-                  <a:latin typeface="Calibri" panose="020F0502020204030204" pitchFamily="34" charset="0"/>
-                  <a:ea typeface="Calibri" panose="020F0502020204030204" pitchFamily="34" charset="0"/>
-                  <a:cs typeface="Calibri" panose="020F0502020204030204" pitchFamily="34" charset="0"/>
-                </a:rPr>
-                <a:t>ρ</a:t>
-              </a:r>
-              <a:r>
-                <a:rPr lang="en-PH" sz="2400" dirty="0">
-                  <a:solidFill>
-                    <a:srgbClr val="479AC8"/>
-                  </a:solidFill>
-                  <a:latin typeface="Calibri" panose="020F0502020204030204" pitchFamily="34" charset="0"/>
-                  <a:ea typeface="Calibri" panose="020F0502020204030204" pitchFamily="34" charset="0"/>
-                  <a:cs typeface="Calibri" panose="020F0502020204030204" pitchFamily="34" charset="0"/>
-                </a:rPr>
-                <a:t> </a:t>
-              </a:r>
-              <a:r>
-                <a:rPr lang="el-GR" sz="2400" dirty="0">
-                  <a:solidFill>
-                    <a:srgbClr val="479AC8"/>
-                  </a:solidFill>
-                  <a:latin typeface="Calibri" panose="020F0502020204030204" pitchFamily="34" charset="0"/>
-                  <a:ea typeface="Calibri" panose="020F0502020204030204" pitchFamily="34" charset="0"/>
-                  <a:cs typeface="Calibri" panose="020F0502020204030204" pitchFamily="34" charset="0"/>
-                </a:rPr>
-                <a:t>=</a:t>
-              </a:r>
-              <a:r>
-                <a:rPr lang="en-PH" sz="2400" dirty="0">
-                  <a:solidFill>
-                    <a:srgbClr val="479AC8"/>
-                  </a:solidFill>
-                  <a:latin typeface="Calibri" panose="020F0502020204030204" pitchFamily="34" charset="0"/>
-                  <a:ea typeface="Calibri" panose="020F0502020204030204" pitchFamily="34" charset="0"/>
-                  <a:cs typeface="Calibri" panose="020F0502020204030204" pitchFamily="34" charset="0"/>
-                </a:rPr>
-                <a:t> </a:t>
-              </a:r>
-              <a:r>
-                <a:rPr lang="el-GR" sz="2400" dirty="0">
-                  <a:solidFill>
-                    <a:srgbClr val="479AC8"/>
-                  </a:solidFill>
-                  <a:latin typeface="Calibri" panose="020F0502020204030204" pitchFamily="34" charset="0"/>
-                  <a:ea typeface="Calibri" panose="020F0502020204030204" pitchFamily="34" charset="0"/>
-                  <a:cs typeface="Calibri" panose="020F0502020204030204" pitchFamily="34" charset="0"/>
-                </a:rPr>
-                <a:t>0.</a:t>
-              </a:r>
-              <a:r>
-                <a:rPr lang="en-PH" sz="2400" dirty="0">
-                  <a:solidFill>
-                    <a:srgbClr val="479AC8"/>
-                  </a:solidFill>
-                  <a:latin typeface="Calibri" panose="020F0502020204030204" pitchFamily="34" charset="0"/>
-                  <a:ea typeface="Calibri" panose="020F0502020204030204" pitchFamily="34" charset="0"/>
-                  <a:cs typeface="Calibri" panose="020F0502020204030204" pitchFamily="34" charset="0"/>
-                </a:rPr>
-                <a:t>5</a:t>
-              </a:r>
-            </a:p>
-          </p:txBody>
-        </p:sp>
-        <p:sp>
-          <p:nvSpPr>
-            <p:cNvPr id="6" name="TextBox 5">
-              <a:extLst>
-                <a:ext uri="{FF2B5EF4-FFF2-40B4-BE49-F238E27FC236}">
-                  <a16:creationId xmlns:a16="http://schemas.microsoft.com/office/drawing/2014/main" id="{9047D6F8-DBEA-C227-E4F7-4AF1B4CECE89}"/>
-                </a:ext>
-              </a:extLst>
-            </p:cNvPr>
-            <p:cNvSpPr txBox="1"/>
-            <p:nvPr/>
-          </p:nvSpPr>
-          <p:spPr>
-            <a:xfrm>
-              <a:off x="4159216" y="3687953"/>
-              <a:ext cx="1149112" cy="461665"/>
-            </a:xfrm>
-            <a:prstGeom prst="rect">
-              <a:avLst/>
-            </a:prstGeom>
-            <a:noFill/>
-          </p:spPr>
-          <p:txBody>
-            <a:bodyPr wrap="square" rtlCol="0">
-              <a:spAutoFit/>
-            </a:bodyPr>
-            <a:lstStyle/>
-            <a:p>
-              <a:pPr algn="ctr"/>
-              <a:r>
-                <a:rPr lang="el-GR" sz="2400" dirty="0">
-                  <a:solidFill>
-                    <a:srgbClr val="6FAFD3"/>
-                  </a:solidFill>
-                  <a:latin typeface="Calibri" panose="020F0502020204030204" pitchFamily="34" charset="0"/>
-                  <a:ea typeface="Calibri" panose="020F0502020204030204" pitchFamily="34" charset="0"/>
-                  <a:cs typeface="Calibri" panose="020F0502020204030204" pitchFamily="34" charset="0"/>
-                </a:rPr>
-                <a:t>ρ</a:t>
-              </a:r>
-              <a:r>
-                <a:rPr lang="en-PH" sz="2400" dirty="0">
-                  <a:solidFill>
-                    <a:srgbClr val="6FAFD3"/>
-                  </a:solidFill>
-                  <a:latin typeface="Calibri" panose="020F0502020204030204" pitchFamily="34" charset="0"/>
-                  <a:ea typeface="Calibri" panose="020F0502020204030204" pitchFamily="34" charset="0"/>
-                  <a:cs typeface="Calibri" panose="020F0502020204030204" pitchFamily="34" charset="0"/>
-                </a:rPr>
-                <a:t> </a:t>
-              </a:r>
-              <a:r>
-                <a:rPr lang="el-GR" sz="2400" dirty="0">
-                  <a:solidFill>
-                    <a:srgbClr val="6FAFD3"/>
-                  </a:solidFill>
-                  <a:latin typeface="Calibri" panose="020F0502020204030204" pitchFamily="34" charset="0"/>
-                  <a:ea typeface="Calibri" panose="020F0502020204030204" pitchFamily="34" charset="0"/>
-                  <a:cs typeface="Calibri" panose="020F0502020204030204" pitchFamily="34" charset="0"/>
-                </a:rPr>
-                <a:t>=</a:t>
-              </a:r>
-              <a:r>
-                <a:rPr lang="en-PH" sz="2400" dirty="0">
-                  <a:solidFill>
-                    <a:srgbClr val="6FAFD3"/>
-                  </a:solidFill>
-                  <a:latin typeface="Calibri" panose="020F0502020204030204" pitchFamily="34" charset="0"/>
-                  <a:ea typeface="Calibri" panose="020F0502020204030204" pitchFamily="34" charset="0"/>
-                  <a:cs typeface="Calibri" panose="020F0502020204030204" pitchFamily="34" charset="0"/>
-                </a:rPr>
-                <a:t> </a:t>
-              </a:r>
-              <a:r>
-                <a:rPr lang="el-GR" sz="2400" dirty="0">
-                  <a:solidFill>
-                    <a:srgbClr val="6FAFD3"/>
-                  </a:solidFill>
-                  <a:latin typeface="Calibri" panose="020F0502020204030204" pitchFamily="34" charset="0"/>
-                  <a:ea typeface="Calibri" panose="020F0502020204030204" pitchFamily="34" charset="0"/>
-                  <a:cs typeface="Calibri" panose="020F0502020204030204" pitchFamily="34" charset="0"/>
-                </a:rPr>
-                <a:t>0.</a:t>
-              </a:r>
-              <a:r>
-                <a:rPr lang="en-PH" sz="2400" dirty="0">
-                  <a:solidFill>
-                    <a:srgbClr val="6FAFD3"/>
-                  </a:solidFill>
-                  <a:latin typeface="Calibri" panose="020F0502020204030204" pitchFamily="34" charset="0"/>
-                  <a:ea typeface="Calibri" panose="020F0502020204030204" pitchFamily="34" charset="0"/>
-                  <a:cs typeface="Calibri" panose="020F0502020204030204" pitchFamily="34" charset="0"/>
-                </a:rPr>
-                <a:t>1</a:t>
-              </a:r>
-            </a:p>
-          </p:txBody>
-        </p:sp>
-        <p:sp>
-          <p:nvSpPr>
-            <p:cNvPr id="7" name="TextBox 6">
-              <a:extLst>
-                <a:ext uri="{FF2B5EF4-FFF2-40B4-BE49-F238E27FC236}">
-                  <a16:creationId xmlns:a16="http://schemas.microsoft.com/office/drawing/2014/main" id="{B11515C1-A736-5EF0-A6C3-EF06A6C7D2F0}"/>
-                </a:ext>
-              </a:extLst>
-            </p:cNvPr>
-            <p:cNvSpPr txBox="1"/>
-            <p:nvPr/>
-          </p:nvSpPr>
-          <p:spPr>
-            <a:xfrm>
-              <a:off x="5474936" y="1267148"/>
-              <a:ext cx="1149112" cy="461665"/>
-            </a:xfrm>
-            <a:prstGeom prst="rect">
-              <a:avLst/>
-            </a:prstGeom>
-            <a:noFill/>
-          </p:spPr>
-          <p:txBody>
-            <a:bodyPr wrap="square" rtlCol="0">
-              <a:spAutoFit/>
-            </a:bodyPr>
-            <a:lstStyle/>
-            <a:p>
-              <a:pPr algn="ctr"/>
-              <a:r>
-                <a:rPr lang="el-GR" sz="2400" dirty="0">
-                  <a:solidFill>
-                    <a:srgbClr val="E0940F"/>
-                  </a:solidFill>
-                  <a:latin typeface="Calibri" panose="020F0502020204030204" pitchFamily="34" charset="0"/>
-                  <a:ea typeface="Calibri" panose="020F0502020204030204" pitchFamily="34" charset="0"/>
-                  <a:cs typeface="Calibri" panose="020F0502020204030204" pitchFamily="34" charset="0"/>
-                </a:rPr>
-                <a:t>ρ</a:t>
-              </a:r>
-              <a:r>
-                <a:rPr lang="en-PH" sz="2400" dirty="0">
-                  <a:solidFill>
-                    <a:srgbClr val="E0940F"/>
-                  </a:solidFill>
-                  <a:latin typeface="Calibri" panose="020F0502020204030204" pitchFamily="34" charset="0"/>
-                  <a:ea typeface="Calibri" panose="020F0502020204030204" pitchFamily="34" charset="0"/>
-                  <a:cs typeface="Calibri" panose="020F0502020204030204" pitchFamily="34" charset="0"/>
-                </a:rPr>
-                <a:t> </a:t>
-              </a:r>
-              <a:r>
-                <a:rPr lang="el-GR" sz="2400" dirty="0">
-                  <a:solidFill>
-                    <a:srgbClr val="E0940F"/>
-                  </a:solidFill>
-                  <a:latin typeface="Calibri" panose="020F0502020204030204" pitchFamily="34" charset="0"/>
-                  <a:ea typeface="Calibri" panose="020F0502020204030204" pitchFamily="34" charset="0"/>
-                  <a:cs typeface="Calibri" panose="020F0502020204030204" pitchFamily="34" charset="0"/>
-                </a:rPr>
-                <a:t>=</a:t>
-              </a:r>
-              <a:r>
-                <a:rPr lang="en-PH" sz="2400" dirty="0">
-                  <a:solidFill>
-                    <a:srgbClr val="E0940F"/>
-                  </a:solidFill>
-                  <a:latin typeface="Calibri" panose="020F0502020204030204" pitchFamily="34" charset="0"/>
-                  <a:ea typeface="Calibri" panose="020F0502020204030204" pitchFamily="34" charset="0"/>
-                  <a:cs typeface="Calibri" panose="020F0502020204030204" pitchFamily="34" charset="0"/>
-                </a:rPr>
-                <a:t> </a:t>
-              </a:r>
-              <a:r>
-                <a:rPr lang="el-GR" sz="2400" dirty="0">
-                  <a:solidFill>
-                    <a:srgbClr val="E0940F"/>
-                  </a:solidFill>
-                  <a:latin typeface="Calibri" panose="020F0502020204030204" pitchFamily="34" charset="0"/>
-                  <a:ea typeface="Calibri" panose="020F0502020204030204" pitchFamily="34" charset="0"/>
-                  <a:cs typeface="Calibri" panose="020F0502020204030204" pitchFamily="34" charset="0"/>
-                </a:rPr>
-                <a:t>0.9</a:t>
-              </a:r>
-              <a:endParaRPr lang="en-PH" sz="2400" dirty="0">
+              </a:rPr>
+              <a:t>ρ</a:t>
+            </a:r>
+            <a:r>
+              <a:rPr lang="en-PH" sz="2400" dirty="0">
+                <a:solidFill>
+                  <a:srgbClr val="0B79B5"/>
+                </a:solidFill>
+                <a:latin typeface="Calibri" panose="020F0502020204030204" pitchFamily="34" charset="0"/>
+                <a:ea typeface="Calibri" panose="020F0502020204030204" pitchFamily="34" charset="0"/>
+                <a:cs typeface="Calibri" panose="020F0502020204030204" pitchFamily="34" charset="0"/>
+              </a:rPr>
+              <a:t> </a:t>
+            </a:r>
+            <a:r>
+              <a:rPr lang="el-GR" sz="2400" dirty="0">
+                <a:solidFill>
+                  <a:srgbClr val="0B79B5"/>
+                </a:solidFill>
+                <a:latin typeface="Calibri" panose="020F0502020204030204" pitchFamily="34" charset="0"/>
+                <a:ea typeface="Calibri" panose="020F0502020204030204" pitchFamily="34" charset="0"/>
+                <a:cs typeface="Calibri" panose="020F0502020204030204" pitchFamily="34" charset="0"/>
+              </a:rPr>
+              <a:t>=</a:t>
+            </a:r>
+            <a:r>
+              <a:rPr lang="en-PH" sz="2400" dirty="0">
+                <a:solidFill>
+                  <a:srgbClr val="0B79B5"/>
+                </a:solidFill>
+                <a:latin typeface="Calibri" panose="020F0502020204030204" pitchFamily="34" charset="0"/>
+                <a:ea typeface="Calibri" panose="020F0502020204030204" pitchFamily="34" charset="0"/>
+                <a:cs typeface="Calibri" panose="020F0502020204030204" pitchFamily="34" charset="0"/>
+              </a:rPr>
+              <a:t> </a:t>
+            </a:r>
+            <a:r>
+              <a:rPr lang="el-GR" sz="2400" dirty="0">
+                <a:solidFill>
+                  <a:srgbClr val="0B79B5"/>
+                </a:solidFill>
+                <a:latin typeface="Calibri" panose="020F0502020204030204" pitchFamily="34" charset="0"/>
+                <a:ea typeface="Calibri" panose="020F0502020204030204" pitchFamily="34" charset="0"/>
+                <a:cs typeface="Calibri" panose="020F0502020204030204" pitchFamily="34" charset="0"/>
+              </a:rPr>
+              <a:t>0.9</a:t>
+            </a:r>
+            <a:endParaRPr lang="en-PH" sz="2400" dirty="0">
+              <a:solidFill>
+                <a:srgbClr val="0B79B5"/>
+              </a:solidFill>
+              <a:latin typeface="Calibri" panose="020F0502020204030204" pitchFamily="34" charset="0"/>
+              <a:ea typeface="Calibri" panose="020F0502020204030204" pitchFamily="34" charset="0"/>
+              <a:cs typeface="Calibri" panose="020F0502020204030204" pitchFamily="34" charset="0"/>
+            </a:endParaRPr>
+          </a:p>
+        </p:txBody>
+      </p:sp>
+      <p:sp>
+        <p:nvSpPr>
+          <p:cNvPr id="5" name="TextBox 4">
+            <a:extLst>
+              <a:ext uri="{FF2B5EF4-FFF2-40B4-BE49-F238E27FC236}">
+                <a16:creationId xmlns:a16="http://schemas.microsoft.com/office/drawing/2014/main" id="{9EC726F2-9BBD-7291-60D1-27E6B6456DF3}"/>
+              </a:ext>
+            </a:extLst>
+          </p:cNvPr>
+          <p:cNvSpPr txBox="1"/>
+          <p:nvPr/>
+        </p:nvSpPr>
+        <p:spPr>
+          <a:xfrm>
+            <a:off x="4362905" y="3048565"/>
+            <a:ext cx="1149112" cy="461665"/>
+          </a:xfrm>
+          <a:prstGeom prst="rect">
+            <a:avLst/>
+          </a:prstGeom>
+          <a:noFill/>
+        </p:spPr>
+        <p:txBody>
+          <a:bodyPr wrap="square" rtlCol="0">
+            <a:spAutoFit/>
+          </a:bodyPr>
+          <a:lstStyle/>
+          <a:p>
+            <a:pPr algn="ctr"/>
+            <a:r>
+              <a:rPr lang="el-GR" sz="2400" dirty="0">
+                <a:solidFill>
+                  <a:srgbClr val="479AC8"/>
+                </a:solidFill>
+                <a:latin typeface="Calibri" panose="020F0502020204030204" pitchFamily="34" charset="0"/>
+                <a:ea typeface="Calibri" panose="020F0502020204030204" pitchFamily="34" charset="0"/>
+                <a:cs typeface="Calibri" panose="020F0502020204030204" pitchFamily="34" charset="0"/>
+              </a:rPr>
+              <a:t>ρ</a:t>
+            </a:r>
+            <a:r>
+              <a:rPr lang="en-PH" sz="2400" dirty="0">
+                <a:solidFill>
+                  <a:srgbClr val="479AC8"/>
+                </a:solidFill>
+                <a:latin typeface="Calibri" panose="020F0502020204030204" pitchFamily="34" charset="0"/>
+                <a:ea typeface="Calibri" panose="020F0502020204030204" pitchFamily="34" charset="0"/>
+                <a:cs typeface="Calibri" panose="020F0502020204030204" pitchFamily="34" charset="0"/>
+              </a:rPr>
+              <a:t> </a:t>
+            </a:r>
+            <a:r>
+              <a:rPr lang="el-GR" sz="2400" dirty="0">
+                <a:solidFill>
+                  <a:srgbClr val="479AC8"/>
+                </a:solidFill>
+                <a:latin typeface="Calibri" panose="020F0502020204030204" pitchFamily="34" charset="0"/>
+                <a:ea typeface="Calibri" panose="020F0502020204030204" pitchFamily="34" charset="0"/>
+                <a:cs typeface="Calibri" panose="020F0502020204030204" pitchFamily="34" charset="0"/>
+              </a:rPr>
+              <a:t>=</a:t>
+            </a:r>
+            <a:r>
+              <a:rPr lang="en-PH" sz="2400" dirty="0">
+                <a:solidFill>
+                  <a:srgbClr val="479AC8"/>
+                </a:solidFill>
+                <a:latin typeface="Calibri" panose="020F0502020204030204" pitchFamily="34" charset="0"/>
+                <a:ea typeface="Calibri" panose="020F0502020204030204" pitchFamily="34" charset="0"/>
+                <a:cs typeface="Calibri" panose="020F0502020204030204" pitchFamily="34" charset="0"/>
+              </a:rPr>
+              <a:t> </a:t>
+            </a:r>
+            <a:r>
+              <a:rPr lang="el-GR" sz="2400" dirty="0">
+                <a:solidFill>
+                  <a:srgbClr val="479AC8"/>
+                </a:solidFill>
+                <a:latin typeface="Calibri" panose="020F0502020204030204" pitchFamily="34" charset="0"/>
+                <a:ea typeface="Calibri" panose="020F0502020204030204" pitchFamily="34" charset="0"/>
+                <a:cs typeface="Calibri" panose="020F0502020204030204" pitchFamily="34" charset="0"/>
+              </a:rPr>
+              <a:t>0.</a:t>
+            </a:r>
+            <a:r>
+              <a:rPr lang="en-PH" sz="2400" dirty="0">
+                <a:solidFill>
+                  <a:srgbClr val="479AC8"/>
+                </a:solidFill>
+                <a:latin typeface="Calibri" panose="020F0502020204030204" pitchFamily="34" charset="0"/>
+                <a:ea typeface="Calibri" panose="020F0502020204030204" pitchFamily="34" charset="0"/>
+                <a:cs typeface="Calibri" panose="020F0502020204030204" pitchFamily="34" charset="0"/>
+              </a:rPr>
+              <a:t>5</a:t>
+            </a:r>
+          </a:p>
+        </p:txBody>
+      </p:sp>
+      <p:sp>
+        <p:nvSpPr>
+          <p:cNvPr id="6" name="TextBox 5">
+            <a:extLst>
+              <a:ext uri="{FF2B5EF4-FFF2-40B4-BE49-F238E27FC236}">
+                <a16:creationId xmlns:a16="http://schemas.microsoft.com/office/drawing/2014/main" id="{9047D6F8-DBEA-C227-E4F7-4AF1B4CECE89}"/>
+              </a:ext>
+            </a:extLst>
+          </p:cNvPr>
+          <p:cNvSpPr txBox="1"/>
+          <p:nvPr/>
+        </p:nvSpPr>
+        <p:spPr>
+          <a:xfrm>
+            <a:off x="3756293" y="4361152"/>
+            <a:ext cx="1149112" cy="461665"/>
+          </a:xfrm>
+          <a:prstGeom prst="rect">
+            <a:avLst/>
+          </a:prstGeom>
+          <a:noFill/>
+        </p:spPr>
+        <p:txBody>
+          <a:bodyPr wrap="square" rtlCol="0">
+            <a:spAutoFit/>
+          </a:bodyPr>
+          <a:lstStyle/>
+          <a:p>
+            <a:pPr algn="ctr"/>
+            <a:r>
+              <a:rPr lang="el-GR" sz="2400" dirty="0">
+                <a:solidFill>
+                  <a:srgbClr val="6FAFD3"/>
+                </a:solidFill>
+                <a:latin typeface="Calibri" panose="020F0502020204030204" pitchFamily="34" charset="0"/>
+                <a:ea typeface="Calibri" panose="020F0502020204030204" pitchFamily="34" charset="0"/>
+                <a:cs typeface="Calibri" panose="020F0502020204030204" pitchFamily="34" charset="0"/>
+              </a:rPr>
+              <a:t>ρ</a:t>
+            </a:r>
+            <a:r>
+              <a:rPr lang="en-PH" sz="2400" dirty="0">
+                <a:solidFill>
+                  <a:srgbClr val="6FAFD3"/>
+                </a:solidFill>
+                <a:latin typeface="Calibri" panose="020F0502020204030204" pitchFamily="34" charset="0"/>
+                <a:ea typeface="Calibri" panose="020F0502020204030204" pitchFamily="34" charset="0"/>
+                <a:cs typeface="Calibri" panose="020F0502020204030204" pitchFamily="34" charset="0"/>
+              </a:rPr>
+              <a:t> </a:t>
+            </a:r>
+            <a:r>
+              <a:rPr lang="el-GR" sz="2400" dirty="0">
+                <a:solidFill>
+                  <a:srgbClr val="6FAFD3"/>
+                </a:solidFill>
+                <a:latin typeface="Calibri" panose="020F0502020204030204" pitchFamily="34" charset="0"/>
+                <a:ea typeface="Calibri" panose="020F0502020204030204" pitchFamily="34" charset="0"/>
+                <a:cs typeface="Calibri" panose="020F0502020204030204" pitchFamily="34" charset="0"/>
+              </a:rPr>
+              <a:t>=</a:t>
+            </a:r>
+            <a:r>
+              <a:rPr lang="en-PH" sz="2400" dirty="0">
+                <a:solidFill>
+                  <a:srgbClr val="6FAFD3"/>
+                </a:solidFill>
+                <a:latin typeface="Calibri" panose="020F0502020204030204" pitchFamily="34" charset="0"/>
+                <a:ea typeface="Calibri" panose="020F0502020204030204" pitchFamily="34" charset="0"/>
+                <a:cs typeface="Calibri" panose="020F0502020204030204" pitchFamily="34" charset="0"/>
+              </a:rPr>
+              <a:t> </a:t>
+            </a:r>
+            <a:r>
+              <a:rPr lang="el-GR" sz="2400" dirty="0">
+                <a:solidFill>
+                  <a:srgbClr val="6FAFD3"/>
+                </a:solidFill>
+                <a:latin typeface="Calibri" panose="020F0502020204030204" pitchFamily="34" charset="0"/>
+                <a:ea typeface="Calibri" panose="020F0502020204030204" pitchFamily="34" charset="0"/>
+                <a:cs typeface="Calibri" panose="020F0502020204030204" pitchFamily="34" charset="0"/>
+              </a:rPr>
+              <a:t>0.</a:t>
+            </a:r>
+            <a:r>
+              <a:rPr lang="en-PH" sz="2400" dirty="0">
+                <a:solidFill>
+                  <a:srgbClr val="6FAFD3"/>
+                </a:solidFill>
+                <a:latin typeface="Calibri" panose="020F0502020204030204" pitchFamily="34" charset="0"/>
+                <a:ea typeface="Calibri" panose="020F0502020204030204" pitchFamily="34" charset="0"/>
+                <a:cs typeface="Calibri" panose="020F0502020204030204" pitchFamily="34" charset="0"/>
+              </a:rPr>
+              <a:t>1</a:t>
+            </a:r>
+          </a:p>
+        </p:txBody>
+      </p:sp>
+      <p:sp>
+        <p:nvSpPr>
+          <p:cNvPr id="7" name="TextBox 6">
+            <a:extLst>
+              <a:ext uri="{FF2B5EF4-FFF2-40B4-BE49-F238E27FC236}">
+                <a16:creationId xmlns:a16="http://schemas.microsoft.com/office/drawing/2014/main" id="{B11515C1-A736-5EF0-A6C3-EF06A6C7D2F0}"/>
+              </a:ext>
+            </a:extLst>
+          </p:cNvPr>
+          <p:cNvSpPr txBox="1"/>
+          <p:nvPr/>
+        </p:nvSpPr>
+        <p:spPr>
+          <a:xfrm>
+            <a:off x="5271030" y="1880823"/>
+            <a:ext cx="1149112" cy="461665"/>
+          </a:xfrm>
+          <a:prstGeom prst="rect">
+            <a:avLst/>
+          </a:prstGeom>
+          <a:solidFill>
+            <a:schemeClr val="bg1"/>
+          </a:solidFill>
+        </p:spPr>
+        <p:txBody>
+          <a:bodyPr wrap="square" rtlCol="0">
+            <a:spAutoFit/>
+          </a:bodyPr>
+          <a:lstStyle/>
+          <a:p>
+            <a:pPr algn="ctr"/>
+            <a:r>
+              <a:rPr lang="el-GR" sz="2400" dirty="0">
                 <a:solidFill>
                   <a:srgbClr val="E0940F"/>
                 </a:solidFill>
                 <a:latin typeface="Calibri" panose="020F0502020204030204" pitchFamily="34" charset="0"/>
                 <a:ea typeface="Calibri" panose="020F0502020204030204" pitchFamily="34" charset="0"/>
                 <a:cs typeface="Calibri" panose="020F0502020204030204" pitchFamily="34" charset="0"/>
-              </a:endParaRPr>
-            </a:p>
-          </p:txBody>
-        </p:sp>
-        <p:sp>
-          <p:nvSpPr>
-            <p:cNvPr id="8" name="TextBox 7">
-              <a:extLst>
-                <a:ext uri="{FF2B5EF4-FFF2-40B4-BE49-F238E27FC236}">
-                  <a16:creationId xmlns:a16="http://schemas.microsoft.com/office/drawing/2014/main" id="{5F412A06-5D04-791F-804B-02E81E5C2786}"/>
-                </a:ext>
-              </a:extLst>
-            </p:cNvPr>
-            <p:cNvSpPr txBox="1"/>
-            <p:nvPr/>
-          </p:nvSpPr>
-          <p:spPr>
-            <a:xfrm>
-              <a:off x="6666196" y="2379052"/>
-              <a:ext cx="1149112" cy="461665"/>
-            </a:xfrm>
-            <a:prstGeom prst="rect">
-              <a:avLst/>
-            </a:prstGeom>
-            <a:noFill/>
-          </p:spPr>
-          <p:txBody>
-            <a:bodyPr wrap="square" rtlCol="0">
-              <a:spAutoFit/>
-            </a:bodyPr>
-            <a:lstStyle/>
-            <a:p>
-              <a:pPr algn="ctr"/>
-              <a:r>
-                <a:rPr lang="el-GR" sz="2400" dirty="0">
-                  <a:solidFill>
-                    <a:srgbClr val="E5A83D"/>
-                  </a:solidFill>
-                  <a:latin typeface="Calibri" panose="020F0502020204030204" pitchFamily="34" charset="0"/>
-                  <a:ea typeface="Calibri" panose="020F0502020204030204" pitchFamily="34" charset="0"/>
-                  <a:cs typeface="Calibri" panose="020F0502020204030204" pitchFamily="34" charset="0"/>
-                </a:rPr>
-                <a:t>ρ</a:t>
-              </a:r>
-              <a:r>
-                <a:rPr lang="en-PH" sz="2400" dirty="0">
-                  <a:solidFill>
-                    <a:srgbClr val="E5A83D"/>
-                  </a:solidFill>
-                  <a:latin typeface="Calibri" panose="020F0502020204030204" pitchFamily="34" charset="0"/>
-                  <a:ea typeface="Calibri" panose="020F0502020204030204" pitchFamily="34" charset="0"/>
-                  <a:cs typeface="Calibri" panose="020F0502020204030204" pitchFamily="34" charset="0"/>
-                </a:rPr>
-                <a:t> </a:t>
-              </a:r>
-              <a:r>
-                <a:rPr lang="el-GR" sz="2400" dirty="0">
-                  <a:solidFill>
-                    <a:srgbClr val="E5A83D"/>
-                  </a:solidFill>
-                  <a:latin typeface="Calibri" panose="020F0502020204030204" pitchFamily="34" charset="0"/>
-                  <a:ea typeface="Calibri" panose="020F0502020204030204" pitchFamily="34" charset="0"/>
-                  <a:cs typeface="Calibri" panose="020F0502020204030204" pitchFamily="34" charset="0"/>
-                </a:rPr>
-                <a:t>=</a:t>
-              </a:r>
-              <a:r>
-                <a:rPr lang="en-PH" sz="2400" dirty="0">
-                  <a:solidFill>
-                    <a:srgbClr val="E5A83D"/>
-                  </a:solidFill>
-                  <a:latin typeface="Calibri" panose="020F0502020204030204" pitchFamily="34" charset="0"/>
-                  <a:ea typeface="Calibri" panose="020F0502020204030204" pitchFamily="34" charset="0"/>
-                  <a:cs typeface="Calibri" panose="020F0502020204030204" pitchFamily="34" charset="0"/>
-                </a:rPr>
-                <a:t> </a:t>
-              </a:r>
-              <a:r>
-                <a:rPr lang="el-GR" sz="2400" dirty="0">
-                  <a:solidFill>
-                    <a:srgbClr val="E5A83D"/>
-                  </a:solidFill>
-                  <a:latin typeface="Calibri" panose="020F0502020204030204" pitchFamily="34" charset="0"/>
-                  <a:ea typeface="Calibri" panose="020F0502020204030204" pitchFamily="34" charset="0"/>
-                  <a:cs typeface="Calibri" panose="020F0502020204030204" pitchFamily="34" charset="0"/>
-                </a:rPr>
-                <a:t>0.</a:t>
-              </a:r>
-              <a:r>
-                <a:rPr lang="en-PH" sz="2400" dirty="0">
-                  <a:solidFill>
-                    <a:srgbClr val="E5A83D"/>
-                  </a:solidFill>
-                  <a:latin typeface="Calibri" panose="020F0502020204030204" pitchFamily="34" charset="0"/>
-                  <a:ea typeface="Calibri" panose="020F0502020204030204" pitchFamily="34" charset="0"/>
-                  <a:cs typeface="Calibri" panose="020F0502020204030204" pitchFamily="34" charset="0"/>
-                </a:rPr>
-                <a:t>5</a:t>
-              </a:r>
-            </a:p>
-          </p:txBody>
-        </p:sp>
-        <p:sp>
-          <p:nvSpPr>
-            <p:cNvPr id="9" name="TextBox 8">
-              <a:extLst>
-                <a:ext uri="{FF2B5EF4-FFF2-40B4-BE49-F238E27FC236}">
-                  <a16:creationId xmlns:a16="http://schemas.microsoft.com/office/drawing/2014/main" id="{817E988E-CEA3-5058-DA62-07169899CEF0}"/>
-                </a:ext>
-              </a:extLst>
-            </p:cNvPr>
-            <p:cNvSpPr txBox="1"/>
-            <p:nvPr/>
-          </p:nvSpPr>
-          <p:spPr>
-            <a:xfrm>
-              <a:off x="8394412" y="2906356"/>
-              <a:ext cx="1149112" cy="461665"/>
-            </a:xfrm>
-            <a:prstGeom prst="rect">
-              <a:avLst/>
-            </a:prstGeom>
-            <a:noFill/>
-          </p:spPr>
-          <p:txBody>
-            <a:bodyPr wrap="square" rtlCol="0">
-              <a:spAutoFit/>
-            </a:bodyPr>
-            <a:lstStyle/>
-            <a:p>
-              <a:pPr algn="ctr"/>
-              <a:r>
-                <a:rPr lang="el-GR" sz="2400" dirty="0">
-                  <a:solidFill>
-                    <a:srgbClr val="ECBF71"/>
-                  </a:solidFill>
-                  <a:latin typeface="Calibri" panose="020F0502020204030204" pitchFamily="34" charset="0"/>
-                  <a:ea typeface="Calibri" panose="020F0502020204030204" pitchFamily="34" charset="0"/>
-                  <a:cs typeface="Calibri" panose="020F0502020204030204" pitchFamily="34" charset="0"/>
-                </a:rPr>
-                <a:t>ρ</a:t>
-              </a:r>
-              <a:r>
-                <a:rPr lang="en-PH" sz="2400" dirty="0">
-                  <a:solidFill>
-                    <a:srgbClr val="ECBF71"/>
-                  </a:solidFill>
-                  <a:latin typeface="Calibri" panose="020F0502020204030204" pitchFamily="34" charset="0"/>
-                  <a:ea typeface="Calibri" panose="020F0502020204030204" pitchFamily="34" charset="0"/>
-                  <a:cs typeface="Calibri" panose="020F0502020204030204" pitchFamily="34" charset="0"/>
-                </a:rPr>
-                <a:t> </a:t>
-              </a:r>
-              <a:r>
-                <a:rPr lang="el-GR" sz="2400" dirty="0">
-                  <a:solidFill>
-                    <a:srgbClr val="ECBF71"/>
-                  </a:solidFill>
-                  <a:latin typeface="Calibri" panose="020F0502020204030204" pitchFamily="34" charset="0"/>
-                  <a:ea typeface="Calibri" panose="020F0502020204030204" pitchFamily="34" charset="0"/>
-                  <a:cs typeface="Calibri" panose="020F0502020204030204" pitchFamily="34" charset="0"/>
-                </a:rPr>
-                <a:t>=</a:t>
-              </a:r>
-              <a:r>
-                <a:rPr lang="en-PH" sz="2400" dirty="0">
-                  <a:solidFill>
-                    <a:srgbClr val="ECBF71"/>
-                  </a:solidFill>
-                  <a:latin typeface="Calibri" panose="020F0502020204030204" pitchFamily="34" charset="0"/>
-                  <a:ea typeface="Calibri" panose="020F0502020204030204" pitchFamily="34" charset="0"/>
-                  <a:cs typeface="Calibri" panose="020F0502020204030204" pitchFamily="34" charset="0"/>
-                </a:rPr>
-                <a:t> </a:t>
-              </a:r>
-              <a:r>
-                <a:rPr lang="el-GR" sz="2400" dirty="0">
-                  <a:solidFill>
-                    <a:srgbClr val="ECBF71"/>
-                  </a:solidFill>
-                  <a:latin typeface="Calibri" panose="020F0502020204030204" pitchFamily="34" charset="0"/>
-                  <a:ea typeface="Calibri" panose="020F0502020204030204" pitchFamily="34" charset="0"/>
-                  <a:cs typeface="Calibri" panose="020F0502020204030204" pitchFamily="34" charset="0"/>
-                </a:rPr>
-                <a:t>0.</a:t>
-              </a:r>
-              <a:r>
-                <a:rPr lang="en-PH" sz="2400" dirty="0">
-                  <a:solidFill>
-                    <a:srgbClr val="ECBF71"/>
-                  </a:solidFill>
-                  <a:latin typeface="Calibri" panose="020F0502020204030204" pitchFamily="34" charset="0"/>
-                  <a:ea typeface="Calibri" panose="020F0502020204030204" pitchFamily="34" charset="0"/>
-                  <a:cs typeface="Calibri" panose="020F0502020204030204" pitchFamily="34" charset="0"/>
-                </a:rPr>
-                <a:t>1</a:t>
-              </a:r>
-            </a:p>
-          </p:txBody>
-        </p:sp>
-      </p:grpSp>
+              </a:rPr>
+              <a:t>ρ</a:t>
+            </a:r>
+            <a:r>
+              <a:rPr lang="en-PH" sz="2400" dirty="0">
+                <a:solidFill>
+                  <a:srgbClr val="E0940F"/>
+                </a:solidFill>
+                <a:latin typeface="Calibri" panose="020F0502020204030204" pitchFamily="34" charset="0"/>
+                <a:ea typeface="Calibri" panose="020F0502020204030204" pitchFamily="34" charset="0"/>
+                <a:cs typeface="Calibri" panose="020F0502020204030204" pitchFamily="34" charset="0"/>
+              </a:rPr>
+              <a:t> </a:t>
+            </a:r>
+            <a:r>
+              <a:rPr lang="el-GR" sz="2400" dirty="0">
+                <a:solidFill>
+                  <a:srgbClr val="E0940F"/>
+                </a:solidFill>
+                <a:latin typeface="Calibri" panose="020F0502020204030204" pitchFamily="34" charset="0"/>
+                <a:ea typeface="Calibri" panose="020F0502020204030204" pitchFamily="34" charset="0"/>
+                <a:cs typeface="Calibri" panose="020F0502020204030204" pitchFamily="34" charset="0"/>
+              </a:rPr>
+              <a:t>=</a:t>
+            </a:r>
+            <a:r>
+              <a:rPr lang="en-PH" sz="2400" dirty="0">
+                <a:solidFill>
+                  <a:srgbClr val="E0940F"/>
+                </a:solidFill>
+                <a:latin typeface="Calibri" panose="020F0502020204030204" pitchFamily="34" charset="0"/>
+                <a:ea typeface="Calibri" panose="020F0502020204030204" pitchFamily="34" charset="0"/>
+                <a:cs typeface="Calibri" panose="020F0502020204030204" pitchFamily="34" charset="0"/>
+              </a:rPr>
+              <a:t> </a:t>
+            </a:r>
+            <a:r>
+              <a:rPr lang="el-GR" sz="2400" dirty="0">
+                <a:solidFill>
+                  <a:srgbClr val="E0940F"/>
+                </a:solidFill>
+                <a:latin typeface="Calibri" panose="020F0502020204030204" pitchFamily="34" charset="0"/>
+                <a:ea typeface="Calibri" panose="020F0502020204030204" pitchFamily="34" charset="0"/>
+                <a:cs typeface="Calibri" panose="020F0502020204030204" pitchFamily="34" charset="0"/>
+              </a:rPr>
+              <a:t>0.9</a:t>
+            </a:r>
+            <a:endParaRPr lang="en-PH" sz="2400" dirty="0">
+              <a:solidFill>
+                <a:srgbClr val="E0940F"/>
+              </a:solidFill>
+              <a:latin typeface="Calibri" panose="020F0502020204030204" pitchFamily="34" charset="0"/>
+              <a:ea typeface="Calibri" panose="020F0502020204030204" pitchFamily="34" charset="0"/>
+              <a:cs typeface="Calibri" panose="020F0502020204030204" pitchFamily="34" charset="0"/>
+            </a:endParaRPr>
+          </a:p>
+        </p:txBody>
+      </p:sp>
+      <p:sp>
+        <p:nvSpPr>
+          <p:cNvPr id="8" name="TextBox 7">
+            <a:extLst>
+              <a:ext uri="{FF2B5EF4-FFF2-40B4-BE49-F238E27FC236}">
+                <a16:creationId xmlns:a16="http://schemas.microsoft.com/office/drawing/2014/main" id="{5F412A06-5D04-791F-804B-02E81E5C2786}"/>
+              </a:ext>
+            </a:extLst>
+          </p:cNvPr>
+          <p:cNvSpPr txBox="1"/>
+          <p:nvPr/>
+        </p:nvSpPr>
+        <p:spPr>
+          <a:xfrm>
+            <a:off x="6679985" y="3198167"/>
+            <a:ext cx="1149112" cy="461665"/>
+          </a:xfrm>
+          <a:prstGeom prst="rect">
+            <a:avLst/>
+          </a:prstGeom>
+          <a:noFill/>
+        </p:spPr>
+        <p:txBody>
+          <a:bodyPr wrap="square" rtlCol="0">
+            <a:spAutoFit/>
+          </a:bodyPr>
+          <a:lstStyle/>
+          <a:p>
+            <a:pPr algn="ctr"/>
+            <a:r>
+              <a:rPr lang="el-GR" sz="2400" dirty="0">
+                <a:solidFill>
+                  <a:srgbClr val="E5A83D"/>
+                </a:solidFill>
+                <a:latin typeface="Calibri" panose="020F0502020204030204" pitchFamily="34" charset="0"/>
+                <a:ea typeface="Calibri" panose="020F0502020204030204" pitchFamily="34" charset="0"/>
+                <a:cs typeface="Calibri" panose="020F0502020204030204" pitchFamily="34" charset="0"/>
+              </a:rPr>
+              <a:t>ρ</a:t>
+            </a:r>
+            <a:r>
+              <a:rPr lang="en-PH" sz="2400" dirty="0">
+                <a:solidFill>
+                  <a:srgbClr val="E5A83D"/>
+                </a:solidFill>
+                <a:latin typeface="Calibri" panose="020F0502020204030204" pitchFamily="34" charset="0"/>
+                <a:ea typeface="Calibri" panose="020F0502020204030204" pitchFamily="34" charset="0"/>
+                <a:cs typeface="Calibri" panose="020F0502020204030204" pitchFamily="34" charset="0"/>
+              </a:rPr>
+              <a:t> </a:t>
+            </a:r>
+            <a:r>
+              <a:rPr lang="el-GR" sz="2400" dirty="0">
+                <a:solidFill>
+                  <a:srgbClr val="E5A83D"/>
+                </a:solidFill>
+                <a:latin typeface="Calibri" panose="020F0502020204030204" pitchFamily="34" charset="0"/>
+                <a:ea typeface="Calibri" panose="020F0502020204030204" pitchFamily="34" charset="0"/>
+                <a:cs typeface="Calibri" panose="020F0502020204030204" pitchFamily="34" charset="0"/>
+              </a:rPr>
+              <a:t>=</a:t>
+            </a:r>
+            <a:r>
+              <a:rPr lang="en-PH" sz="2400" dirty="0">
+                <a:solidFill>
+                  <a:srgbClr val="E5A83D"/>
+                </a:solidFill>
+                <a:latin typeface="Calibri" panose="020F0502020204030204" pitchFamily="34" charset="0"/>
+                <a:ea typeface="Calibri" panose="020F0502020204030204" pitchFamily="34" charset="0"/>
+                <a:cs typeface="Calibri" panose="020F0502020204030204" pitchFamily="34" charset="0"/>
+              </a:rPr>
+              <a:t> </a:t>
+            </a:r>
+            <a:r>
+              <a:rPr lang="el-GR" sz="2400" dirty="0">
+                <a:solidFill>
+                  <a:srgbClr val="E5A83D"/>
+                </a:solidFill>
+                <a:latin typeface="Calibri" panose="020F0502020204030204" pitchFamily="34" charset="0"/>
+                <a:ea typeface="Calibri" panose="020F0502020204030204" pitchFamily="34" charset="0"/>
+                <a:cs typeface="Calibri" panose="020F0502020204030204" pitchFamily="34" charset="0"/>
+              </a:rPr>
+              <a:t>0.</a:t>
+            </a:r>
+            <a:r>
+              <a:rPr lang="en-PH" sz="2400" dirty="0">
+                <a:solidFill>
+                  <a:srgbClr val="E5A83D"/>
+                </a:solidFill>
+                <a:latin typeface="Calibri" panose="020F0502020204030204" pitchFamily="34" charset="0"/>
+                <a:ea typeface="Calibri" panose="020F0502020204030204" pitchFamily="34" charset="0"/>
+                <a:cs typeface="Calibri" panose="020F0502020204030204" pitchFamily="34" charset="0"/>
+              </a:rPr>
+              <a:t>5</a:t>
+            </a:r>
+          </a:p>
+        </p:txBody>
+      </p:sp>
+      <p:sp>
+        <p:nvSpPr>
+          <p:cNvPr id="9" name="TextBox 8">
+            <a:extLst>
+              <a:ext uri="{FF2B5EF4-FFF2-40B4-BE49-F238E27FC236}">
+                <a16:creationId xmlns:a16="http://schemas.microsoft.com/office/drawing/2014/main" id="{817E988E-CEA3-5058-DA62-07169899CEF0}"/>
+              </a:ext>
+            </a:extLst>
+          </p:cNvPr>
+          <p:cNvSpPr txBox="1"/>
+          <p:nvPr/>
+        </p:nvSpPr>
+        <p:spPr>
+          <a:xfrm>
+            <a:off x="7980731" y="4361152"/>
+            <a:ext cx="1149112" cy="461665"/>
+          </a:xfrm>
+          <a:prstGeom prst="rect">
+            <a:avLst/>
+          </a:prstGeom>
+          <a:noFill/>
+        </p:spPr>
+        <p:txBody>
+          <a:bodyPr wrap="square" rtlCol="0">
+            <a:spAutoFit/>
+          </a:bodyPr>
+          <a:lstStyle/>
+          <a:p>
+            <a:pPr algn="ctr"/>
+            <a:r>
+              <a:rPr lang="el-GR" sz="2400" dirty="0">
+                <a:solidFill>
+                  <a:srgbClr val="ECBF71"/>
+                </a:solidFill>
+                <a:latin typeface="Calibri" panose="020F0502020204030204" pitchFamily="34" charset="0"/>
+                <a:ea typeface="Calibri" panose="020F0502020204030204" pitchFamily="34" charset="0"/>
+                <a:cs typeface="Calibri" panose="020F0502020204030204" pitchFamily="34" charset="0"/>
+              </a:rPr>
+              <a:t>ρ</a:t>
+            </a:r>
+            <a:r>
+              <a:rPr lang="en-PH" sz="2400" dirty="0">
+                <a:solidFill>
+                  <a:srgbClr val="ECBF71"/>
+                </a:solidFill>
+                <a:latin typeface="Calibri" panose="020F0502020204030204" pitchFamily="34" charset="0"/>
+                <a:ea typeface="Calibri" panose="020F0502020204030204" pitchFamily="34" charset="0"/>
+                <a:cs typeface="Calibri" panose="020F0502020204030204" pitchFamily="34" charset="0"/>
+              </a:rPr>
+              <a:t> </a:t>
+            </a:r>
+            <a:r>
+              <a:rPr lang="el-GR" sz="2400" dirty="0">
+                <a:solidFill>
+                  <a:srgbClr val="ECBF71"/>
+                </a:solidFill>
+                <a:latin typeface="Calibri" panose="020F0502020204030204" pitchFamily="34" charset="0"/>
+                <a:ea typeface="Calibri" panose="020F0502020204030204" pitchFamily="34" charset="0"/>
+                <a:cs typeface="Calibri" panose="020F0502020204030204" pitchFamily="34" charset="0"/>
+              </a:rPr>
+              <a:t>=</a:t>
+            </a:r>
+            <a:r>
+              <a:rPr lang="en-PH" sz="2400" dirty="0">
+                <a:solidFill>
+                  <a:srgbClr val="ECBF71"/>
+                </a:solidFill>
+                <a:latin typeface="Calibri" panose="020F0502020204030204" pitchFamily="34" charset="0"/>
+                <a:ea typeface="Calibri" panose="020F0502020204030204" pitchFamily="34" charset="0"/>
+                <a:cs typeface="Calibri" panose="020F0502020204030204" pitchFamily="34" charset="0"/>
+              </a:rPr>
+              <a:t> </a:t>
+            </a:r>
+            <a:r>
+              <a:rPr lang="el-GR" sz="2400" dirty="0">
+                <a:solidFill>
+                  <a:srgbClr val="ECBF71"/>
+                </a:solidFill>
+                <a:latin typeface="Calibri" panose="020F0502020204030204" pitchFamily="34" charset="0"/>
+                <a:ea typeface="Calibri" panose="020F0502020204030204" pitchFamily="34" charset="0"/>
+                <a:cs typeface="Calibri" panose="020F0502020204030204" pitchFamily="34" charset="0"/>
+              </a:rPr>
+              <a:t>0.</a:t>
+            </a:r>
+            <a:r>
+              <a:rPr lang="en-PH" sz="2400" dirty="0">
+                <a:solidFill>
+                  <a:srgbClr val="ECBF71"/>
+                </a:solidFill>
+                <a:latin typeface="Calibri" panose="020F0502020204030204" pitchFamily="34" charset="0"/>
+                <a:ea typeface="Calibri" panose="020F0502020204030204" pitchFamily="34" charset="0"/>
+                <a:cs typeface="Calibri" panose="020F0502020204030204" pitchFamily="34" charset="0"/>
+              </a:rPr>
+              <a:t>1</a:t>
+            </a:r>
+          </a:p>
+        </p:txBody>
+      </p:sp>
     </p:spTree>
     <p:extLst>
       <p:ext uri="{BB962C8B-B14F-4D97-AF65-F5344CB8AC3E}">
@@ -5846,14 +5789,13 @@
               </a:ext>
             </a:extLst>
           </a:blip>
-          <a:stretch>
-            <a:fillRect/>
-          </a:stretch>
+          <a:srcRect r="15723"/>
+          <a:stretch/>
         </p:blipFill>
         <p:spPr>
           <a:xfrm>
             <a:off x="16236756" y="0"/>
-            <a:ext cx="8198662" cy="6858000"/>
+            <a:ext cx="6909618" cy="6858000"/>
           </a:xfrm>
           <a:prstGeom prst="rect">
             <a:avLst/>
@@ -6056,14 +5998,13 @@
               </a:ext>
             </a:extLst>
           </a:blip>
-          <a:stretch>
-            <a:fillRect/>
-          </a:stretch>
+          <a:srcRect r="15097"/>
+          <a:stretch/>
         </p:blipFill>
         <p:spPr>
           <a:xfrm>
             <a:off x="16182452" y="0"/>
-            <a:ext cx="8162551" cy="6858000"/>
+            <a:ext cx="6930211" cy="6858000"/>
           </a:xfrm>
           <a:prstGeom prst="rect">
             <a:avLst/>
@@ -6084,6 +6025,1785 @@
 </file>
 
 <file path=ppt/slides/slide15.xml><?xml version="1.0" encoding="utf-8"?>
+<p:sld xmlns:a="http://schemas.openxmlformats.org/drawingml/2006/main" xmlns:r="http://schemas.openxmlformats.org/officeDocument/2006/relationships" xmlns:p="http://schemas.openxmlformats.org/presentationml/2006/main">
+  <p:cSld>
+    <p:spTree>
+      <p:nvGrpSpPr>
+        <p:cNvPr id="1" name="">
+          <a:extLst>
+            <a:ext uri="{FF2B5EF4-FFF2-40B4-BE49-F238E27FC236}">
+              <a16:creationId xmlns:a16="http://schemas.microsoft.com/office/drawing/2014/main" id="{D63CEFBA-787B-DA9B-3C02-B07F5033173E}"/>
+            </a:ext>
+          </a:extLst>
+        </p:cNvPr>
+        <p:cNvGrpSpPr/>
+        <p:nvPr/>
+      </p:nvGrpSpPr>
+      <p:grpSpPr>
+        <a:xfrm>
+          <a:off x="0" y="0"/>
+          <a:ext cx="0" cy="0"/>
+          <a:chOff x="0" y="0"/>
+          <a:chExt cx="0" cy="0"/>
+        </a:xfrm>
+      </p:grpSpPr>
+      <p:grpSp>
+        <p:nvGrpSpPr>
+          <p:cNvPr id="51" name="Group 50">
+            <a:extLst>
+              <a:ext uri="{FF2B5EF4-FFF2-40B4-BE49-F238E27FC236}">
+                <a16:creationId xmlns:a16="http://schemas.microsoft.com/office/drawing/2014/main" id="{9E4F3A19-2CA3-FD6A-CFD2-E995B2577621}"/>
+              </a:ext>
+            </a:extLst>
+          </p:cNvPr>
+          <p:cNvGrpSpPr/>
+          <p:nvPr/>
+        </p:nvGrpSpPr>
+        <p:grpSpPr>
+          <a:xfrm>
+            <a:off x="1078112" y="727040"/>
+            <a:ext cx="10122992" cy="5150373"/>
+            <a:chOff x="1078112" y="727040"/>
+            <a:chExt cx="10122992" cy="5150373"/>
+          </a:xfrm>
+        </p:grpSpPr>
+        <p:grpSp>
+          <p:nvGrpSpPr>
+            <p:cNvPr id="39" name="Group 38">
+              <a:extLst>
+                <a:ext uri="{FF2B5EF4-FFF2-40B4-BE49-F238E27FC236}">
+                  <a16:creationId xmlns:a16="http://schemas.microsoft.com/office/drawing/2014/main" id="{7FF99198-0B7F-67B8-9510-C2FC643B0481}"/>
+                </a:ext>
+              </a:extLst>
+            </p:cNvPr>
+            <p:cNvGrpSpPr/>
+            <p:nvPr/>
+          </p:nvGrpSpPr>
+          <p:grpSpPr>
+            <a:xfrm>
+              <a:off x="1078112" y="727040"/>
+              <a:ext cx="9360000" cy="5150373"/>
+              <a:chOff x="86826" y="864908"/>
+              <a:chExt cx="9360000" cy="5150373"/>
+            </a:xfrm>
+          </p:grpSpPr>
+          <p:grpSp>
+            <p:nvGrpSpPr>
+              <p:cNvPr id="29" name="Group 28">
+                <a:extLst>
+                  <a:ext uri="{FF2B5EF4-FFF2-40B4-BE49-F238E27FC236}">
+                    <a16:creationId xmlns:a16="http://schemas.microsoft.com/office/drawing/2014/main" id="{DCAC7C86-3520-B627-0626-DD12F095B0E0}"/>
+                  </a:ext>
+                </a:extLst>
+              </p:cNvPr>
+              <p:cNvGrpSpPr/>
+              <p:nvPr/>
+            </p:nvGrpSpPr>
+            <p:grpSpPr>
+              <a:xfrm>
+                <a:off x="86826" y="864908"/>
+                <a:ext cx="9360000" cy="2564092"/>
+                <a:chOff x="1250992" y="476563"/>
+                <a:chExt cx="9360000" cy="2564092"/>
+              </a:xfrm>
+            </p:grpSpPr>
+            <p:grpSp>
+              <p:nvGrpSpPr>
+                <p:cNvPr id="13" name="Group 12">
+                  <a:extLst>
+                    <a:ext uri="{FF2B5EF4-FFF2-40B4-BE49-F238E27FC236}">
+                      <a16:creationId xmlns:a16="http://schemas.microsoft.com/office/drawing/2014/main" id="{068AE401-65AD-FEA0-A09D-AE97B3698077}"/>
+                    </a:ext>
+                  </a:extLst>
+                </p:cNvPr>
+                <p:cNvGrpSpPr/>
+                <p:nvPr/>
+              </p:nvGrpSpPr>
+              <p:grpSpPr>
+                <a:xfrm flipV="1">
+                  <a:off x="1250992" y="938228"/>
+                  <a:ext cx="9360000" cy="1706859"/>
+                  <a:chOff x="-11061493" y="0"/>
+                  <a:chExt cx="34152392" cy="6858000"/>
+                </a:xfrm>
+              </p:grpSpPr>
+              <p:pic>
+                <p:nvPicPr>
+                  <p:cNvPr id="5" name="Picture 4" descr="A blue and black squares&#10;&#10;AI-generated content may be incorrect.">
+                    <a:extLst>
+                      <a:ext uri="{FF2B5EF4-FFF2-40B4-BE49-F238E27FC236}">
+                        <a16:creationId xmlns:a16="http://schemas.microsoft.com/office/drawing/2014/main" id="{9D13B88A-751F-8C1C-2864-B4502E985A6E}"/>
+                      </a:ext>
+                    </a:extLst>
+                  </p:cNvPr>
+                  <p:cNvPicPr>
+                    <a:picLocks noChangeAspect="1"/>
+                  </p:cNvPicPr>
+                  <p:nvPr/>
+                </p:nvPicPr>
+                <p:blipFill>
+                  <a:blip r:embed="rId2">
+                    <a:extLst>
+                      <a:ext uri="{28A0092B-C50C-407E-A947-70E740481C1C}">
+                        <a14:useLocalDpi xmlns:a14="http://schemas.microsoft.com/office/drawing/2010/main" val="0"/>
+                      </a:ext>
+                    </a:extLst>
+                  </a:blip>
+                  <a:stretch>
+                    <a:fillRect/>
+                  </a:stretch>
+                </p:blipFill>
+                <p:spPr>
+                  <a:xfrm>
+                    <a:off x="-11061493" y="0"/>
+                    <a:ext cx="8270154" cy="6858000"/>
+                  </a:xfrm>
+                  <a:prstGeom prst="rect">
+                    <a:avLst/>
+                  </a:prstGeom>
+                </p:spPr>
+              </p:pic>
+              <p:pic>
+                <p:nvPicPr>
+                  <p:cNvPr id="7" name="Picture 6" descr="A blue and black pixelated pattern&#10;&#10;AI-generated content may be incorrect.">
+                    <a:extLst>
+                      <a:ext uri="{FF2B5EF4-FFF2-40B4-BE49-F238E27FC236}">
+                        <a16:creationId xmlns:a16="http://schemas.microsoft.com/office/drawing/2014/main" id="{A4021F74-B028-E2DE-E3DB-19E6756321C5}"/>
+                      </a:ext>
+                    </a:extLst>
+                  </p:cNvPr>
+                  <p:cNvPicPr>
+                    <a:picLocks noChangeAspect="1"/>
+                  </p:cNvPicPr>
+                  <p:nvPr/>
+                </p:nvPicPr>
+                <p:blipFill>
+                  <a:blip r:embed="rId3">
+                    <a:extLst>
+                      <a:ext uri="{28A0092B-C50C-407E-A947-70E740481C1C}">
+                        <a14:useLocalDpi xmlns:a14="http://schemas.microsoft.com/office/drawing/2010/main" val="0"/>
+                      </a:ext>
+                    </a:extLst>
+                  </a:blip>
+                  <a:stretch>
+                    <a:fillRect/>
+                  </a:stretch>
+                </p:blipFill>
+                <p:spPr>
+                  <a:xfrm>
+                    <a:off x="-4265837" y="0"/>
+                    <a:ext cx="8255671" cy="6858000"/>
+                  </a:xfrm>
+                  <a:prstGeom prst="rect">
+                    <a:avLst/>
+                  </a:prstGeom>
+                </p:spPr>
+              </p:pic>
+              <p:pic>
+                <p:nvPicPr>
+                  <p:cNvPr id="9" name="Picture 8" descr="A blue and black pixelated pattern&#10;&#10;AI-generated content may be incorrect.">
+                    <a:extLst>
+                      <a:ext uri="{FF2B5EF4-FFF2-40B4-BE49-F238E27FC236}">
+                        <a16:creationId xmlns:a16="http://schemas.microsoft.com/office/drawing/2014/main" id="{243D9C55-9C4E-D33D-E642-9DEF78827CFA}"/>
+                      </a:ext>
+                    </a:extLst>
+                  </p:cNvPr>
+                  <p:cNvPicPr>
+                    <a:picLocks noChangeAspect="1"/>
+                  </p:cNvPicPr>
+                  <p:nvPr/>
+                </p:nvPicPr>
+                <p:blipFill>
+                  <a:blip r:embed="rId4">
+                    <a:extLst>
+                      <a:ext uri="{28A0092B-C50C-407E-A947-70E740481C1C}">
+                        <a14:useLocalDpi xmlns:a14="http://schemas.microsoft.com/office/drawing/2010/main" val="0"/>
+                      </a:ext>
+                    </a:extLst>
+                  </a:blip>
+                  <a:stretch>
+                    <a:fillRect/>
+                  </a:stretch>
+                </p:blipFill>
+                <p:spPr>
+                  <a:xfrm>
+                    <a:off x="2630496" y="0"/>
+                    <a:ext cx="8169838" cy="6858000"/>
+                  </a:xfrm>
+                  <a:prstGeom prst="rect">
+                    <a:avLst/>
+                  </a:prstGeom>
+                </p:spPr>
+              </p:pic>
+              <p:pic>
+                <p:nvPicPr>
+                  <p:cNvPr id="11" name="Picture 10" descr="A blue and white pixelated pattern&#10;&#10;AI-generated content may be incorrect.">
+                    <a:extLst>
+                      <a:ext uri="{FF2B5EF4-FFF2-40B4-BE49-F238E27FC236}">
+                        <a16:creationId xmlns:a16="http://schemas.microsoft.com/office/drawing/2014/main" id="{4CE8D7AF-F2E2-DBE0-223E-4DF11302ECC3}"/>
+                      </a:ext>
+                    </a:extLst>
+                  </p:cNvPr>
+                  <p:cNvPicPr>
+                    <a:picLocks noChangeAspect="1"/>
+                  </p:cNvPicPr>
+                  <p:nvPr/>
+                </p:nvPicPr>
+                <p:blipFill>
+                  <a:blip r:embed="rId5">
+                    <a:extLst>
+                      <a:ext uri="{28A0092B-C50C-407E-A947-70E740481C1C}">
+                        <a14:useLocalDpi xmlns:a14="http://schemas.microsoft.com/office/drawing/2010/main" val="0"/>
+                      </a:ext>
+                    </a:extLst>
+                  </a:blip>
+                  <a:stretch>
+                    <a:fillRect/>
+                  </a:stretch>
+                </p:blipFill>
+                <p:spPr>
+                  <a:xfrm>
+                    <a:off x="9371952" y="0"/>
+                    <a:ext cx="8200416" cy="6858000"/>
+                  </a:xfrm>
+                  <a:prstGeom prst="rect">
+                    <a:avLst/>
+                  </a:prstGeom>
+                </p:spPr>
+              </p:pic>
+              <p:pic>
+                <p:nvPicPr>
+                  <p:cNvPr id="3" name="Picture 2" descr="A blue and white pixelated pattern&#10;&#10;AI-generated content may be incorrect.">
+                    <a:extLst>
+                      <a:ext uri="{FF2B5EF4-FFF2-40B4-BE49-F238E27FC236}">
+                        <a16:creationId xmlns:a16="http://schemas.microsoft.com/office/drawing/2014/main" id="{438B06D0-1E3D-8477-2256-7F32AB307259}"/>
+                      </a:ext>
+                    </a:extLst>
+                  </p:cNvPr>
+                  <p:cNvPicPr>
+                    <a:picLocks noChangeAspect="1"/>
+                  </p:cNvPicPr>
+                  <p:nvPr/>
+                </p:nvPicPr>
+                <p:blipFill>
+                  <a:blip r:embed="rId6">
+                    <a:extLst>
+                      <a:ext uri="{28A0092B-C50C-407E-A947-70E740481C1C}">
+                        <a14:useLocalDpi xmlns:a14="http://schemas.microsoft.com/office/drawing/2010/main" val="0"/>
+                      </a:ext>
+                    </a:extLst>
+                  </a:blip>
+                  <a:srcRect r="15364"/>
+                  <a:stretch/>
+                </p:blipFill>
+                <p:spPr>
+                  <a:xfrm>
+                    <a:off x="16182452" y="0"/>
+                    <a:ext cx="6908447" cy="6858000"/>
+                  </a:xfrm>
+                  <a:prstGeom prst="rect">
+                    <a:avLst/>
+                  </a:prstGeom>
+                </p:spPr>
+              </p:pic>
+            </p:grpSp>
+            <p:sp>
+              <p:nvSpPr>
+                <p:cNvPr id="15" name="TextBox 14">
+                  <a:extLst>
+                    <a:ext uri="{FF2B5EF4-FFF2-40B4-BE49-F238E27FC236}">
+                      <a16:creationId xmlns:a16="http://schemas.microsoft.com/office/drawing/2014/main" id="{09E5C21B-38F0-F4E5-D676-CA509BAFFBB3}"/>
+                    </a:ext>
+                  </a:extLst>
+                </p:cNvPr>
+                <p:cNvSpPr txBox="1"/>
+                <p:nvPr/>
+              </p:nvSpPr>
+              <p:spPr>
+                <a:xfrm>
+                  <a:off x="1284514" y="476563"/>
+                  <a:ext cx="4876800" cy="461665"/>
+                </a:xfrm>
+                <a:prstGeom prst="rect">
+                  <a:avLst/>
+                </a:prstGeom>
+                <a:noFill/>
+              </p:spPr>
+              <p:txBody>
+                <a:bodyPr wrap="square" rtlCol="0">
+                  <a:spAutoFit/>
+                </a:bodyPr>
+                <a:lstStyle/>
+                <a:p>
+                  <a:r>
+                    <a:rPr lang="en-PH" sz="2400" dirty="0">
+                      <a:latin typeface="Times New Roman" panose="02020603050405020304" pitchFamily="18" charset="0"/>
+                      <a:cs typeface="Times New Roman" panose="02020603050405020304" pitchFamily="18" charset="0"/>
+                    </a:rPr>
+                    <a:t>(a) Traditional Instruction (TI)  </a:t>
+                  </a:r>
+                </a:p>
+              </p:txBody>
+            </p:sp>
+            <mc:AlternateContent xmlns:mc="http://schemas.openxmlformats.org/markup-compatibility/2006">
+              <mc:Choice xmlns:a14="http://schemas.microsoft.com/office/drawing/2010/main" Requires="a14">
+                <p:sp>
+                  <p:nvSpPr>
+                    <p:cNvPr id="17" name="TextBox 16">
+                      <a:extLst>
+                        <a:ext uri="{FF2B5EF4-FFF2-40B4-BE49-F238E27FC236}">
+                          <a16:creationId xmlns:a16="http://schemas.microsoft.com/office/drawing/2014/main" id="{216A1DEE-D9F3-368D-3A62-28F8540EB768}"/>
+                        </a:ext>
+                      </a:extLst>
+                    </p:cNvPr>
+                    <p:cNvSpPr txBox="1"/>
+                    <p:nvPr/>
+                  </p:nvSpPr>
+                  <p:spPr>
+                    <a:xfrm>
+                      <a:off x="1544565" y="2671323"/>
+                      <a:ext cx="1275311" cy="369332"/>
+                    </a:xfrm>
+                    <a:prstGeom prst="rect">
+                      <a:avLst/>
+                    </a:prstGeom>
+                    <a:noFill/>
+                  </p:spPr>
+                  <p:txBody>
+                    <a:bodyPr wrap="square" rtlCol="0">
+                      <a:spAutoFit/>
+                    </a:bodyPr>
+                    <a:lstStyle/>
+                    <a:p>
+                      <a14:m>
+                        <m:oMathPara xmlns:m="http://schemas.openxmlformats.org/officeDocument/2006/math">
+                          <m:oMathParaPr>
+                            <m:jc m:val="centerGroup"/>
+                          </m:oMathParaPr>
+                          <m:oMath xmlns:m="http://schemas.openxmlformats.org/officeDocument/2006/math">
+                            <m:r>
+                              <a:rPr lang="en-PH" b="0" i="1" smtClean="0">
+                                <a:latin typeface="Cambria Math" panose="02040503050406030204" pitchFamily="18" charset="0"/>
+                              </a:rPr>
+                              <m:t>𝑡</m:t>
+                            </m:r>
+                            <m:r>
+                              <a:rPr lang="en-PH" b="0" i="1" smtClean="0">
+                                <a:latin typeface="Cambria Math" panose="02040503050406030204" pitchFamily="18" charset="0"/>
+                              </a:rPr>
+                              <m:t>=2</m:t>
+                            </m:r>
+                          </m:oMath>
+                        </m:oMathPara>
+                      </a14:m>
+                      <a:endParaRPr lang="en-PH" dirty="0"/>
+                    </a:p>
+                  </p:txBody>
+                </p:sp>
+              </mc:Choice>
+              <mc:Fallback>
+                <p:sp>
+                  <p:nvSpPr>
+                    <p:cNvPr id="17" name="TextBox 16">
+                      <a:extLst>
+                        <a:ext uri="{FF2B5EF4-FFF2-40B4-BE49-F238E27FC236}">
+                          <a16:creationId xmlns:a16="http://schemas.microsoft.com/office/drawing/2014/main" id="{216A1DEE-D9F3-368D-3A62-28F8540EB768}"/>
+                        </a:ext>
+                      </a:extLst>
+                    </p:cNvPr>
+                    <p:cNvSpPr txBox="1">
+                      <a:spLocks noRot="1" noChangeAspect="1" noMove="1" noResize="1" noEditPoints="1" noAdjustHandles="1" noChangeArrowheads="1" noChangeShapeType="1" noTextEdit="1"/>
+                    </p:cNvSpPr>
+                    <p:nvPr/>
+                  </p:nvSpPr>
+                  <p:spPr>
+                    <a:xfrm>
+                      <a:off x="1544565" y="2671323"/>
+                      <a:ext cx="1275311" cy="369332"/>
+                    </a:xfrm>
+                    <a:prstGeom prst="rect">
+                      <a:avLst/>
+                    </a:prstGeom>
+                    <a:blipFill>
+                      <a:blip r:embed="rId7"/>
+                      <a:stretch>
+                        <a:fillRect/>
+                      </a:stretch>
+                    </a:blipFill>
+                  </p:spPr>
+                  <p:txBody>
+                    <a:bodyPr/>
+                    <a:lstStyle/>
+                    <a:p>
+                      <a:r>
+                        <a:rPr lang="en-PH">
+                          <a:noFill/>
+                        </a:rPr>
+                        <a:t> </a:t>
+                      </a:r>
+                    </a:p>
+                  </p:txBody>
+                </p:sp>
+              </mc:Fallback>
+            </mc:AlternateContent>
+            <mc:AlternateContent xmlns:mc="http://schemas.openxmlformats.org/markup-compatibility/2006">
+              <mc:Choice xmlns:a14="http://schemas.microsoft.com/office/drawing/2010/main" Requires="a14">
+                <p:sp>
+                  <p:nvSpPr>
+                    <p:cNvPr id="18" name="TextBox 17">
+                      <a:extLst>
+                        <a:ext uri="{FF2B5EF4-FFF2-40B4-BE49-F238E27FC236}">
+                          <a16:creationId xmlns:a16="http://schemas.microsoft.com/office/drawing/2014/main" id="{85344BA9-BE76-DBF8-7F3E-6BFF364F8380}"/>
+                        </a:ext>
+                      </a:extLst>
+                    </p:cNvPr>
+                    <p:cNvSpPr txBox="1"/>
+                    <p:nvPr/>
+                  </p:nvSpPr>
+                  <p:spPr>
+                    <a:xfrm>
+                      <a:off x="3483107" y="2671323"/>
+                      <a:ext cx="1275311" cy="369332"/>
+                    </a:xfrm>
+                    <a:prstGeom prst="rect">
+                      <a:avLst/>
+                    </a:prstGeom>
+                    <a:noFill/>
+                  </p:spPr>
+                  <p:txBody>
+                    <a:bodyPr wrap="square" rtlCol="0">
+                      <a:spAutoFit/>
+                    </a:bodyPr>
+                    <a:lstStyle/>
+                    <a:p>
+                      <a14:m>
+                        <m:oMathPara xmlns:m="http://schemas.openxmlformats.org/officeDocument/2006/math">
+                          <m:oMathParaPr>
+                            <m:jc m:val="centerGroup"/>
+                          </m:oMathParaPr>
+                          <m:oMath xmlns:m="http://schemas.openxmlformats.org/officeDocument/2006/math">
+                            <m:r>
+                              <a:rPr lang="en-PH" b="0" i="1" smtClean="0">
+                                <a:latin typeface="Cambria Math" panose="02040503050406030204" pitchFamily="18" charset="0"/>
+                              </a:rPr>
+                              <m:t>𝑡</m:t>
+                            </m:r>
+                            <m:r>
+                              <a:rPr lang="en-PH" b="0" i="1" smtClean="0">
+                                <a:latin typeface="Cambria Math" panose="02040503050406030204" pitchFamily="18" charset="0"/>
+                              </a:rPr>
+                              <m:t>=8</m:t>
+                            </m:r>
+                          </m:oMath>
+                        </m:oMathPara>
+                      </a14:m>
+                      <a:endParaRPr lang="en-PH" dirty="0"/>
+                    </a:p>
+                  </p:txBody>
+                </p:sp>
+              </mc:Choice>
+              <mc:Fallback>
+                <p:sp>
+                  <p:nvSpPr>
+                    <p:cNvPr id="18" name="TextBox 17">
+                      <a:extLst>
+                        <a:ext uri="{FF2B5EF4-FFF2-40B4-BE49-F238E27FC236}">
+                          <a16:creationId xmlns:a16="http://schemas.microsoft.com/office/drawing/2014/main" id="{85344BA9-BE76-DBF8-7F3E-6BFF364F8380}"/>
+                        </a:ext>
+                      </a:extLst>
+                    </p:cNvPr>
+                    <p:cNvSpPr txBox="1">
+                      <a:spLocks noRot="1" noChangeAspect="1" noMove="1" noResize="1" noEditPoints="1" noAdjustHandles="1" noChangeArrowheads="1" noChangeShapeType="1" noTextEdit="1"/>
+                    </p:cNvSpPr>
+                    <p:nvPr/>
+                  </p:nvSpPr>
+                  <p:spPr>
+                    <a:xfrm>
+                      <a:off x="3483107" y="2671323"/>
+                      <a:ext cx="1275311" cy="369332"/>
+                    </a:xfrm>
+                    <a:prstGeom prst="rect">
+                      <a:avLst/>
+                    </a:prstGeom>
+                    <a:blipFill>
+                      <a:blip r:embed="rId8"/>
+                      <a:stretch>
+                        <a:fillRect/>
+                      </a:stretch>
+                    </a:blipFill>
+                  </p:spPr>
+                  <p:txBody>
+                    <a:bodyPr/>
+                    <a:lstStyle/>
+                    <a:p>
+                      <a:r>
+                        <a:rPr lang="en-PH">
+                          <a:noFill/>
+                        </a:rPr>
+                        <a:t> </a:t>
+                      </a:r>
+                    </a:p>
+                  </p:txBody>
+                </p:sp>
+              </mc:Fallback>
+            </mc:AlternateContent>
+            <mc:AlternateContent xmlns:mc="http://schemas.openxmlformats.org/markup-compatibility/2006">
+              <mc:Choice xmlns:a14="http://schemas.microsoft.com/office/drawing/2010/main" Requires="a14">
+                <p:sp>
+                  <p:nvSpPr>
+                    <p:cNvPr id="19" name="TextBox 18">
+                      <a:extLst>
+                        <a:ext uri="{FF2B5EF4-FFF2-40B4-BE49-F238E27FC236}">
+                          <a16:creationId xmlns:a16="http://schemas.microsoft.com/office/drawing/2014/main" id="{1896D283-8A0D-A1AD-DA60-EE6787BC8BEF}"/>
+                        </a:ext>
+                      </a:extLst>
+                    </p:cNvPr>
+                    <p:cNvSpPr txBox="1"/>
+                    <p:nvPr/>
+                  </p:nvSpPr>
+                  <p:spPr>
+                    <a:xfrm>
+                      <a:off x="5333932" y="2671323"/>
+                      <a:ext cx="1275311" cy="369332"/>
+                    </a:xfrm>
+                    <a:prstGeom prst="rect">
+                      <a:avLst/>
+                    </a:prstGeom>
+                    <a:noFill/>
+                  </p:spPr>
+                  <p:txBody>
+                    <a:bodyPr wrap="square" rtlCol="0">
+                      <a:spAutoFit/>
+                    </a:bodyPr>
+                    <a:lstStyle/>
+                    <a:p>
+                      <a14:m>
+                        <m:oMathPara xmlns:m="http://schemas.openxmlformats.org/officeDocument/2006/math">
+                          <m:oMathParaPr>
+                            <m:jc m:val="centerGroup"/>
+                          </m:oMathParaPr>
+                          <m:oMath xmlns:m="http://schemas.openxmlformats.org/officeDocument/2006/math">
+                            <m:r>
+                              <a:rPr lang="en-PH" b="0" i="1" smtClean="0">
+                                <a:latin typeface="Cambria Math" panose="02040503050406030204" pitchFamily="18" charset="0"/>
+                              </a:rPr>
+                              <m:t>𝑡</m:t>
+                            </m:r>
+                            <m:r>
+                              <a:rPr lang="en-PH" b="0" i="1" smtClean="0">
+                                <a:latin typeface="Cambria Math" panose="02040503050406030204" pitchFamily="18" charset="0"/>
+                              </a:rPr>
+                              <m:t>=16</m:t>
+                            </m:r>
+                          </m:oMath>
+                        </m:oMathPara>
+                      </a14:m>
+                      <a:endParaRPr lang="en-PH" dirty="0"/>
+                    </a:p>
+                  </p:txBody>
+                </p:sp>
+              </mc:Choice>
+              <mc:Fallback>
+                <p:sp>
+                  <p:nvSpPr>
+                    <p:cNvPr id="19" name="TextBox 18">
+                      <a:extLst>
+                        <a:ext uri="{FF2B5EF4-FFF2-40B4-BE49-F238E27FC236}">
+                          <a16:creationId xmlns:a16="http://schemas.microsoft.com/office/drawing/2014/main" id="{1896D283-8A0D-A1AD-DA60-EE6787BC8BEF}"/>
+                        </a:ext>
+                      </a:extLst>
+                    </p:cNvPr>
+                    <p:cNvSpPr txBox="1">
+                      <a:spLocks noRot="1" noChangeAspect="1" noMove="1" noResize="1" noEditPoints="1" noAdjustHandles="1" noChangeArrowheads="1" noChangeShapeType="1" noTextEdit="1"/>
+                    </p:cNvSpPr>
+                    <p:nvPr/>
+                  </p:nvSpPr>
+                  <p:spPr>
+                    <a:xfrm>
+                      <a:off x="5333932" y="2671323"/>
+                      <a:ext cx="1275311" cy="369332"/>
+                    </a:xfrm>
+                    <a:prstGeom prst="rect">
+                      <a:avLst/>
+                    </a:prstGeom>
+                    <a:blipFill>
+                      <a:blip r:embed="rId9"/>
+                      <a:stretch>
+                        <a:fillRect/>
+                      </a:stretch>
+                    </a:blipFill>
+                  </p:spPr>
+                  <p:txBody>
+                    <a:bodyPr/>
+                    <a:lstStyle/>
+                    <a:p>
+                      <a:r>
+                        <a:rPr lang="en-PH">
+                          <a:noFill/>
+                        </a:rPr>
+                        <a:t> </a:t>
+                      </a:r>
+                    </a:p>
+                  </p:txBody>
+                </p:sp>
+              </mc:Fallback>
+            </mc:AlternateContent>
+            <mc:AlternateContent xmlns:mc="http://schemas.openxmlformats.org/markup-compatibility/2006">
+              <mc:Choice xmlns:a14="http://schemas.microsoft.com/office/drawing/2010/main" Requires="a14">
+                <p:sp>
+                  <p:nvSpPr>
+                    <p:cNvPr id="20" name="TextBox 19">
+                      <a:extLst>
+                        <a:ext uri="{FF2B5EF4-FFF2-40B4-BE49-F238E27FC236}">
+                          <a16:creationId xmlns:a16="http://schemas.microsoft.com/office/drawing/2014/main" id="{57455FED-AA00-D154-CABB-7AC97F35E146}"/>
+                        </a:ext>
+                      </a:extLst>
+                    </p:cNvPr>
+                    <p:cNvSpPr txBox="1"/>
+                    <p:nvPr/>
+                  </p:nvSpPr>
+                  <p:spPr>
+                    <a:xfrm>
+                      <a:off x="7238500" y="2671323"/>
+                      <a:ext cx="1275311" cy="369332"/>
+                    </a:xfrm>
+                    <a:prstGeom prst="rect">
+                      <a:avLst/>
+                    </a:prstGeom>
+                    <a:noFill/>
+                  </p:spPr>
+                  <p:txBody>
+                    <a:bodyPr wrap="square" rtlCol="0">
+                      <a:spAutoFit/>
+                    </a:bodyPr>
+                    <a:lstStyle/>
+                    <a:p>
+                      <a14:m>
+                        <m:oMathPara xmlns:m="http://schemas.openxmlformats.org/officeDocument/2006/math">
+                          <m:oMathParaPr>
+                            <m:jc m:val="centerGroup"/>
+                          </m:oMathParaPr>
+                          <m:oMath xmlns:m="http://schemas.openxmlformats.org/officeDocument/2006/math">
+                            <m:r>
+                              <a:rPr lang="en-PH" b="0" i="1" smtClean="0">
+                                <a:latin typeface="Cambria Math" panose="02040503050406030204" pitchFamily="18" charset="0"/>
+                              </a:rPr>
+                              <m:t>𝑡</m:t>
+                            </m:r>
+                            <m:r>
+                              <a:rPr lang="en-PH" b="0" i="1" smtClean="0">
+                                <a:latin typeface="Cambria Math" panose="02040503050406030204" pitchFamily="18" charset="0"/>
+                              </a:rPr>
+                              <m:t>=32</m:t>
+                            </m:r>
+                          </m:oMath>
+                        </m:oMathPara>
+                      </a14:m>
+                      <a:endParaRPr lang="en-PH" dirty="0"/>
+                    </a:p>
+                  </p:txBody>
+                </p:sp>
+              </mc:Choice>
+              <mc:Fallback>
+                <p:sp>
+                  <p:nvSpPr>
+                    <p:cNvPr id="20" name="TextBox 19">
+                      <a:extLst>
+                        <a:ext uri="{FF2B5EF4-FFF2-40B4-BE49-F238E27FC236}">
+                          <a16:creationId xmlns:a16="http://schemas.microsoft.com/office/drawing/2014/main" id="{57455FED-AA00-D154-CABB-7AC97F35E146}"/>
+                        </a:ext>
+                      </a:extLst>
+                    </p:cNvPr>
+                    <p:cNvSpPr txBox="1">
+                      <a:spLocks noRot="1" noChangeAspect="1" noMove="1" noResize="1" noEditPoints="1" noAdjustHandles="1" noChangeArrowheads="1" noChangeShapeType="1" noTextEdit="1"/>
+                    </p:cNvSpPr>
+                    <p:nvPr/>
+                  </p:nvSpPr>
+                  <p:spPr>
+                    <a:xfrm>
+                      <a:off x="7238500" y="2671323"/>
+                      <a:ext cx="1275311" cy="369332"/>
+                    </a:xfrm>
+                    <a:prstGeom prst="rect">
+                      <a:avLst/>
+                    </a:prstGeom>
+                    <a:blipFill>
+                      <a:blip r:embed="rId10"/>
+                      <a:stretch>
+                        <a:fillRect/>
+                      </a:stretch>
+                    </a:blipFill>
+                  </p:spPr>
+                  <p:txBody>
+                    <a:bodyPr/>
+                    <a:lstStyle/>
+                    <a:p>
+                      <a:r>
+                        <a:rPr lang="en-PH">
+                          <a:noFill/>
+                        </a:rPr>
+                        <a:t> </a:t>
+                      </a:r>
+                    </a:p>
+                  </p:txBody>
+                </p:sp>
+              </mc:Fallback>
+            </mc:AlternateContent>
+            <mc:AlternateContent xmlns:mc="http://schemas.openxmlformats.org/markup-compatibility/2006">
+              <mc:Choice xmlns:a14="http://schemas.microsoft.com/office/drawing/2010/main" Requires="a14">
+                <p:sp>
+                  <p:nvSpPr>
+                    <p:cNvPr id="21" name="TextBox 20">
+                      <a:extLst>
+                        <a:ext uri="{FF2B5EF4-FFF2-40B4-BE49-F238E27FC236}">
+                          <a16:creationId xmlns:a16="http://schemas.microsoft.com/office/drawing/2014/main" id="{65CC09DB-D74C-7EC6-5C8F-FB80406C3BEB}"/>
+                        </a:ext>
+                      </a:extLst>
+                    </p:cNvPr>
+                    <p:cNvSpPr txBox="1"/>
+                    <p:nvPr/>
+                  </p:nvSpPr>
+                  <p:spPr>
+                    <a:xfrm>
+                      <a:off x="9070544" y="2671323"/>
+                      <a:ext cx="1275311" cy="369332"/>
+                    </a:xfrm>
+                    <a:prstGeom prst="rect">
+                      <a:avLst/>
+                    </a:prstGeom>
+                    <a:noFill/>
+                  </p:spPr>
+                  <p:txBody>
+                    <a:bodyPr wrap="square" rtlCol="0">
+                      <a:spAutoFit/>
+                    </a:bodyPr>
+                    <a:lstStyle/>
+                    <a:p>
+                      <a14:m>
+                        <m:oMathPara xmlns:m="http://schemas.openxmlformats.org/officeDocument/2006/math">
+                          <m:oMathParaPr>
+                            <m:jc m:val="centerGroup"/>
+                          </m:oMathParaPr>
+                          <m:oMath xmlns:m="http://schemas.openxmlformats.org/officeDocument/2006/math">
+                            <m:r>
+                              <a:rPr lang="en-PH" b="0" i="1" smtClean="0">
+                                <a:latin typeface="Cambria Math" panose="02040503050406030204" pitchFamily="18" charset="0"/>
+                              </a:rPr>
+                              <m:t>𝑡</m:t>
+                            </m:r>
+                            <m:r>
+                              <a:rPr lang="en-PH" b="0" i="1" smtClean="0">
+                                <a:latin typeface="Cambria Math" panose="02040503050406030204" pitchFamily="18" charset="0"/>
+                              </a:rPr>
+                              <m:t>=54</m:t>
+                            </m:r>
+                          </m:oMath>
+                        </m:oMathPara>
+                      </a14:m>
+                      <a:endParaRPr lang="en-PH" dirty="0"/>
+                    </a:p>
+                  </p:txBody>
+                </p:sp>
+              </mc:Choice>
+              <mc:Fallback>
+                <p:sp>
+                  <p:nvSpPr>
+                    <p:cNvPr id="21" name="TextBox 20">
+                      <a:extLst>
+                        <a:ext uri="{FF2B5EF4-FFF2-40B4-BE49-F238E27FC236}">
+                          <a16:creationId xmlns:a16="http://schemas.microsoft.com/office/drawing/2014/main" id="{65CC09DB-D74C-7EC6-5C8F-FB80406C3BEB}"/>
+                        </a:ext>
+                      </a:extLst>
+                    </p:cNvPr>
+                    <p:cNvSpPr txBox="1">
+                      <a:spLocks noRot="1" noChangeAspect="1" noMove="1" noResize="1" noEditPoints="1" noAdjustHandles="1" noChangeArrowheads="1" noChangeShapeType="1" noTextEdit="1"/>
+                    </p:cNvSpPr>
+                    <p:nvPr/>
+                  </p:nvSpPr>
+                  <p:spPr>
+                    <a:xfrm>
+                      <a:off x="9070544" y="2671323"/>
+                      <a:ext cx="1275311" cy="369332"/>
+                    </a:xfrm>
+                    <a:prstGeom prst="rect">
+                      <a:avLst/>
+                    </a:prstGeom>
+                    <a:blipFill>
+                      <a:blip r:embed="rId11"/>
+                      <a:stretch>
+                        <a:fillRect/>
+                      </a:stretch>
+                    </a:blipFill>
+                  </p:spPr>
+                  <p:txBody>
+                    <a:bodyPr/>
+                    <a:lstStyle/>
+                    <a:p>
+                      <a:r>
+                        <a:rPr lang="en-PH">
+                          <a:noFill/>
+                        </a:rPr>
+                        <a:t> </a:t>
+                      </a:r>
+                    </a:p>
+                  </p:txBody>
+                </p:sp>
+              </mc:Fallback>
+            </mc:AlternateContent>
+          </p:grpSp>
+          <p:grpSp>
+            <p:nvGrpSpPr>
+              <p:cNvPr id="30" name="Group 29">
+                <a:extLst>
+                  <a:ext uri="{FF2B5EF4-FFF2-40B4-BE49-F238E27FC236}">
+                    <a16:creationId xmlns:a16="http://schemas.microsoft.com/office/drawing/2014/main" id="{89D91988-1D40-8A1D-C49A-2FCA4CC8C95D}"/>
+                  </a:ext>
+                </a:extLst>
+              </p:cNvPr>
+              <p:cNvGrpSpPr/>
+              <p:nvPr/>
+            </p:nvGrpSpPr>
+            <p:grpSpPr>
+              <a:xfrm>
+                <a:off x="86826" y="3401762"/>
+                <a:ext cx="9360000" cy="2613519"/>
+                <a:chOff x="1250992" y="3013417"/>
+                <a:chExt cx="9360000" cy="2613519"/>
+              </a:xfrm>
+            </p:grpSpPr>
+            <p:grpSp>
+              <p:nvGrpSpPr>
+                <p:cNvPr id="12" name="Group 11">
+                  <a:extLst>
+                    <a:ext uri="{FF2B5EF4-FFF2-40B4-BE49-F238E27FC236}">
+                      <a16:creationId xmlns:a16="http://schemas.microsoft.com/office/drawing/2014/main" id="{F949B613-4A04-EC17-14C2-1C7C99AE5E0D}"/>
+                    </a:ext>
+                  </a:extLst>
+                </p:cNvPr>
+                <p:cNvGrpSpPr/>
+                <p:nvPr/>
+              </p:nvGrpSpPr>
+              <p:grpSpPr>
+                <a:xfrm>
+                  <a:off x="1250992" y="3409486"/>
+                  <a:ext cx="9360000" cy="1848619"/>
+                  <a:chOff x="-11061493" y="-7531330"/>
+                  <a:chExt cx="34369169" cy="6858000"/>
+                </a:xfrm>
+              </p:grpSpPr>
+              <p:pic>
+                <p:nvPicPr>
+                  <p:cNvPr id="2" name="Picture 1" descr="A screenshot of a video game&#10;&#10;AI-generated content may be incorrect.">
+                    <a:extLst>
+                      <a:ext uri="{FF2B5EF4-FFF2-40B4-BE49-F238E27FC236}">
+                        <a16:creationId xmlns:a16="http://schemas.microsoft.com/office/drawing/2014/main" id="{D68D6490-D006-1231-33DA-7EEC3AA1CE58}"/>
+                      </a:ext>
+                    </a:extLst>
+                  </p:cNvPr>
+                  <p:cNvPicPr>
+                    <a:picLocks noChangeAspect="1"/>
+                  </p:cNvPicPr>
+                  <p:nvPr/>
+                </p:nvPicPr>
+                <p:blipFill>
+                  <a:blip r:embed="rId12">
+                    <a:extLst>
+                      <a:ext uri="{28A0092B-C50C-407E-A947-70E740481C1C}">
+                        <a14:useLocalDpi xmlns:a14="http://schemas.microsoft.com/office/drawing/2010/main" val="0"/>
+                      </a:ext>
+                    </a:extLst>
+                  </a:blip>
+                  <a:stretch>
+                    <a:fillRect/>
+                  </a:stretch>
+                </p:blipFill>
+                <p:spPr>
+                  <a:xfrm>
+                    <a:off x="-11061493" y="-7531330"/>
+                    <a:ext cx="8131215" cy="6858000"/>
+                  </a:xfrm>
+                  <a:prstGeom prst="rect">
+                    <a:avLst/>
+                  </a:prstGeom>
+                </p:spPr>
+              </p:pic>
+              <p:pic>
+                <p:nvPicPr>
+                  <p:cNvPr id="4" name="Picture 3" descr="A pixelated image of a person&#10;&#10;AI-generated content may be incorrect.">
+                    <a:extLst>
+                      <a:ext uri="{FF2B5EF4-FFF2-40B4-BE49-F238E27FC236}">
+                        <a16:creationId xmlns:a16="http://schemas.microsoft.com/office/drawing/2014/main" id="{81360E2E-B088-6A5B-2D2D-DDE7C4397BCF}"/>
+                      </a:ext>
+                    </a:extLst>
+                  </p:cNvPr>
+                  <p:cNvPicPr>
+                    <a:picLocks noChangeAspect="1"/>
+                  </p:cNvPicPr>
+                  <p:nvPr/>
+                </p:nvPicPr>
+                <p:blipFill>
+                  <a:blip r:embed="rId13">
+                    <a:extLst>
+                      <a:ext uri="{28A0092B-C50C-407E-A947-70E740481C1C}">
+                        <a14:useLocalDpi xmlns:a14="http://schemas.microsoft.com/office/drawing/2010/main" val="0"/>
+                      </a:ext>
+                    </a:extLst>
+                  </a:blip>
+                  <a:stretch>
+                    <a:fillRect/>
+                  </a:stretch>
+                </p:blipFill>
+                <p:spPr>
+                  <a:xfrm>
+                    <a:off x="-4206741" y="-7531330"/>
+                    <a:ext cx="8137478" cy="6858000"/>
+                  </a:xfrm>
+                  <a:prstGeom prst="rect">
+                    <a:avLst/>
+                  </a:prstGeom>
+                </p:spPr>
+              </p:pic>
+              <p:pic>
+                <p:nvPicPr>
+                  <p:cNvPr id="6" name="Picture 5" descr="A blue and black pixelated objects&#10;&#10;AI-generated content may be incorrect.">
+                    <a:extLst>
+                      <a:ext uri="{FF2B5EF4-FFF2-40B4-BE49-F238E27FC236}">
+                        <a16:creationId xmlns:a16="http://schemas.microsoft.com/office/drawing/2014/main" id="{8BD5EA56-020E-2B8D-A96A-3FABA20742D5}"/>
+                      </a:ext>
+                    </a:extLst>
+                  </p:cNvPr>
+                  <p:cNvPicPr>
+                    <a:picLocks noChangeAspect="1"/>
+                  </p:cNvPicPr>
+                  <p:nvPr/>
+                </p:nvPicPr>
+                <p:blipFill>
+                  <a:blip r:embed="rId14">
+                    <a:extLst>
+                      <a:ext uri="{28A0092B-C50C-407E-A947-70E740481C1C}">
+                        <a14:useLocalDpi xmlns:a14="http://schemas.microsoft.com/office/drawing/2010/main" val="0"/>
+                      </a:ext>
+                    </a:extLst>
+                  </a:blip>
+                  <a:stretch>
+                    <a:fillRect/>
+                  </a:stretch>
+                </p:blipFill>
+                <p:spPr>
+                  <a:xfrm>
+                    <a:off x="2687768" y="-7531330"/>
+                    <a:ext cx="8137966" cy="6858000"/>
+                  </a:xfrm>
+                  <a:prstGeom prst="rect">
+                    <a:avLst/>
+                  </a:prstGeom>
+                </p:spPr>
+              </p:pic>
+              <p:pic>
+                <p:nvPicPr>
+                  <p:cNvPr id="8" name="Picture 7" descr="A blue and black pixelated squares&#10;&#10;AI-generated content may be incorrect.">
+                    <a:extLst>
+                      <a:ext uri="{FF2B5EF4-FFF2-40B4-BE49-F238E27FC236}">
+                        <a16:creationId xmlns:a16="http://schemas.microsoft.com/office/drawing/2014/main" id="{6FA47EDB-8C59-36B9-016A-35EBE8BC4698}"/>
+                      </a:ext>
+                    </a:extLst>
+                  </p:cNvPr>
+                  <p:cNvPicPr>
+                    <a:picLocks noChangeAspect="1"/>
+                  </p:cNvPicPr>
+                  <p:nvPr/>
+                </p:nvPicPr>
+                <p:blipFill>
+                  <a:blip r:embed="rId15">
+                    <a:extLst>
+                      <a:ext uri="{28A0092B-C50C-407E-A947-70E740481C1C}">
+                        <a14:useLocalDpi xmlns:a14="http://schemas.microsoft.com/office/drawing/2010/main" val="0"/>
+                      </a:ext>
+                    </a:extLst>
+                  </a:blip>
+                  <a:stretch>
+                    <a:fillRect/>
+                  </a:stretch>
+                </p:blipFill>
+                <p:spPr>
+                  <a:xfrm>
+                    <a:off x="9504232" y="-7531330"/>
+                    <a:ext cx="8147044" cy="6858000"/>
+                  </a:xfrm>
+                  <a:prstGeom prst="rect">
+                    <a:avLst/>
+                  </a:prstGeom>
+                </p:spPr>
+              </p:pic>
+              <p:pic>
+                <p:nvPicPr>
+                  <p:cNvPr id="10" name="Picture 9" descr="A blue and black pixelated pattern&#10;&#10;AI-generated content may be incorrect.">
+                    <a:extLst>
+                      <a:ext uri="{FF2B5EF4-FFF2-40B4-BE49-F238E27FC236}">
+                        <a16:creationId xmlns:a16="http://schemas.microsoft.com/office/drawing/2014/main" id="{9BBF71F4-1A6A-3769-8406-7A19817F45EC}"/>
+                      </a:ext>
+                    </a:extLst>
+                  </p:cNvPr>
+                  <p:cNvPicPr>
+                    <a:picLocks noChangeAspect="1"/>
+                  </p:cNvPicPr>
+                  <p:nvPr/>
+                </p:nvPicPr>
+                <p:blipFill>
+                  <a:blip r:embed="rId16">
+                    <a:extLst>
+                      <a:ext uri="{28A0092B-C50C-407E-A947-70E740481C1C}">
+                        <a14:useLocalDpi xmlns:a14="http://schemas.microsoft.com/office/drawing/2010/main" val="0"/>
+                      </a:ext>
+                    </a:extLst>
+                  </a:blip>
+                  <a:srcRect r="15737"/>
+                  <a:stretch/>
+                </p:blipFill>
+                <p:spPr>
+                  <a:xfrm>
+                    <a:off x="16399230" y="-7531330"/>
+                    <a:ext cx="6908446" cy="6858000"/>
+                  </a:xfrm>
+                  <a:prstGeom prst="rect">
+                    <a:avLst/>
+                  </a:prstGeom>
+                </p:spPr>
+              </p:pic>
+            </p:grpSp>
+            <p:sp>
+              <p:nvSpPr>
+                <p:cNvPr id="16" name="TextBox 15">
+                  <a:extLst>
+                    <a:ext uri="{FF2B5EF4-FFF2-40B4-BE49-F238E27FC236}">
+                      <a16:creationId xmlns:a16="http://schemas.microsoft.com/office/drawing/2014/main" id="{D44A09FE-A772-AE0D-49FA-EA34D3197F96}"/>
+                    </a:ext>
+                  </a:extLst>
+                </p:cNvPr>
+                <p:cNvSpPr txBox="1"/>
+                <p:nvPr/>
+              </p:nvSpPr>
+              <p:spPr>
+                <a:xfrm>
+                  <a:off x="1250992" y="3013417"/>
+                  <a:ext cx="4876800" cy="461665"/>
+                </a:xfrm>
+                <a:prstGeom prst="rect">
+                  <a:avLst/>
+                </a:prstGeom>
+                <a:noFill/>
+              </p:spPr>
+              <p:txBody>
+                <a:bodyPr wrap="square" rtlCol="0">
+                  <a:spAutoFit/>
+                </a:bodyPr>
+                <a:lstStyle/>
+                <a:p>
+                  <a:r>
+                    <a:rPr lang="en-PH" sz="2400" dirty="0">
+                      <a:latin typeface="Times New Roman" panose="02020603050405020304" pitchFamily="18" charset="0"/>
+                      <a:cs typeface="Times New Roman" panose="02020603050405020304" pitchFamily="18" charset="0"/>
+                    </a:rPr>
+                    <a:t>(b) Peer Instruction (PI)  </a:t>
+                  </a:r>
+                </a:p>
+              </p:txBody>
+            </p:sp>
+            <mc:AlternateContent xmlns:mc="http://schemas.openxmlformats.org/markup-compatibility/2006">
+              <mc:Choice xmlns:a14="http://schemas.microsoft.com/office/drawing/2010/main" Requires="a14">
+                <p:sp>
+                  <p:nvSpPr>
+                    <p:cNvPr id="22" name="TextBox 21">
+                      <a:extLst>
+                        <a:ext uri="{FF2B5EF4-FFF2-40B4-BE49-F238E27FC236}">
+                          <a16:creationId xmlns:a16="http://schemas.microsoft.com/office/drawing/2014/main" id="{6BD4BA52-8FF6-39A7-F35C-AE1BE2E158E1}"/>
+                        </a:ext>
+                      </a:extLst>
+                    </p:cNvPr>
+                    <p:cNvSpPr txBox="1"/>
+                    <p:nvPr/>
+                  </p:nvSpPr>
+                  <p:spPr>
+                    <a:xfrm>
+                      <a:off x="1440933" y="5257604"/>
+                      <a:ext cx="1275311" cy="369332"/>
+                    </a:xfrm>
+                    <a:prstGeom prst="rect">
+                      <a:avLst/>
+                    </a:prstGeom>
+                    <a:noFill/>
+                  </p:spPr>
+                  <p:txBody>
+                    <a:bodyPr wrap="square" rtlCol="0">
+                      <a:spAutoFit/>
+                    </a:bodyPr>
+                    <a:lstStyle/>
+                    <a:p>
+                      <a14:m>
+                        <m:oMathPara xmlns:m="http://schemas.openxmlformats.org/officeDocument/2006/math">
+                          <m:oMathParaPr>
+                            <m:jc m:val="centerGroup"/>
+                          </m:oMathParaPr>
+                          <m:oMath xmlns:m="http://schemas.openxmlformats.org/officeDocument/2006/math">
+                            <m:r>
+                              <a:rPr lang="en-PH" b="0" i="1" smtClean="0">
+                                <a:latin typeface="Cambria Math" panose="02040503050406030204" pitchFamily="18" charset="0"/>
+                              </a:rPr>
+                              <m:t>𝑡</m:t>
+                            </m:r>
+                            <m:r>
+                              <a:rPr lang="en-PH" b="0" i="1" smtClean="0">
+                                <a:latin typeface="Cambria Math" panose="02040503050406030204" pitchFamily="18" charset="0"/>
+                              </a:rPr>
+                              <m:t>=2</m:t>
+                            </m:r>
+                          </m:oMath>
+                        </m:oMathPara>
+                      </a14:m>
+                      <a:endParaRPr lang="en-PH" dirty="0"/>
+                    </a:p>
+                  </p:txBody>
+                </p:sp>
+              </mc:Choice>
+              <mc:Fallback>
+                <p:sp>
+                  <p:nvSpPr>
+                    <p:cNvPr id="22" name="TextBox 21">
+                      <a:extLst>
+                        <a:ext uri="{FF2B5EF4-FFF2-40B4-BE49-F238E27FC236}">
+                          <a16:creationId xmlns:a16="http://schemas.microsoft.com/office/drawing/2014/main" id="{6BD4BA52-8FF6-39A7-F35C-AE1BE2E158E1}"/>
+                        </a:ext>
+                      </a:extLst>
+                    </p:cNvPr>
+                    <p:cNvSpPr txBox="1">
+                      <a:spLocks noRot="1" noChangeAspect="1" noMove="1" noResize="1" noEditPoints="1" noAdjustHandles="1" noChangeArrowheads="1" noChangeShapeType="1" noTextEdit="1"/>
+                    </p:cNvSpPr>
+                    <p:nvPr/>
+                  </p:nvSpPr>
+                  <p:spPr>
+                    <a:xfrm>
+                      <a:off x="1440933" y="5257604"/>
+                      <a:ext cx="1275311" cy="369332"/>
+                    </a:xfrm>
+                    <a:prstGeom prst="rect">
+                      <a:avLst/>
+                    </a:prstGeom>
+                    <a:blipFill>
+                      <a:blip r:embed="rId17"/>
+                      <a:stretch>
+                        <a:fillRect/>
+                      </a:stretch>
+                    </a:blipFill>
+                  </p:spPr>
+                  <p:txBody>
+                    <a:bodyPr/>
+                    <a:lstStyle/>
+                    <a:p>
+                      <a:r>
+                        <a:rPr lang="en-PH">
+                          <a:noFill/>
+                        </a:rPr>
+                        <a:t> </a:t>
+                      </a:r>
+                    </a:p>
+                  </p:txBody>
+                </p:sp>
+              </mc:Fallback>
+            </mc:AlternateContent>
+            <mc:AlternateContent xmlns:mc="http://schemas.openxmlformats.org/markup-compatibility/2006">
+              <mc:Choice xmlns:a14="http://schemas.microsoft.com/office/drawing/2010/main" Requires="a14">
+                <p:sp>
+                  <p:nvSpPr>
+                    <p:cNvPr id="23" name="TextBox 22">
+                      <a:extLst>
+                        <a:ext uri="{FF2B5EF4-FFF2-40B4-BE49-F238E27FC236}">
+                          <a16:creationId xmlns:a16="http://schemas.microsoft.com/office/drawing/2014/main" id="{A410C86F-D365-F7AB-F40C-AA81793C0A41}"/>
+                        </a:ext>
+                      </a:extLst>
+                    </p:cNvPr>
+                    <p:cNvSpPr txBox="1"/>
+                    <p:nvPr/>
+                  </p:nvSpPr>
+                  <p:spPr>
+                    <a:xfrm>
+                      <a:off x="3379475" y="5257604"/>
+                      <a:ext cx="1275311" cy="369332"/>
+                    </a:xfrm>
+                    <a:prstGeom prst="rect">
+                      <a:avLst/>
+                    </a:prstGeom>
+                    <a:noFill/>
+                  </p:spPr>
+                  <p:txBody>
+                    <a:bodyPr wrap="square" rtlCol="0">
+                      <a:spAutoFit/>
+                    </a:bodyPr>
+                    <a:lstStyle/>
+                    <a:p>
+                      <a14:m>
+                        <m:oMathPara xmlns:m="http://schemas.openxmlformats.org/officeDocument/2006/math">
+                          <m:oMathParaPr>
+                            <m:jc m:val="centerGroup"/>
+                          </m:oMathParaPr>
+                          <m:oMath xmlns:m="http://schemas.openxmlformats.org/officeDocument/2006/math">
+                            <m:r>
+                              <a:rPr lang="en-PH" b="0" i="1" smtClean="0">
+                                <a:latin typeface="Cambria Math" panose="02040503050406030204" pitchFamily="18" charset="0"/>
+                              </a:rPr>
+                              <m:t>𝑡</m:t>
+                            </m:r>
+                            <m:r>
+                              <a:rPr lang="en-PH" b="0" i="1" smtClean="0">
+                                <a:latin typeface="Cambria Math" panose="02040503050406030204" pitchFamily="18" charset="0"/>
+                              </a:rPr>
+                              <m:t>=8</m:t>
+                            </m:r>
+                          </m:oMath>
+                        </m:oMathPara>
+                      </a14:m>
+                      <a:endParaRPr lang="en-PH" dirty="0"/>
+                    </a:p>
+                  </p:txBody>
+                </p:sp>
+              </mc:Choice>
+              <mc:Fallback>
+                <p:sp>
+                  <p:nvSpPr>
+                    <p:cNvPr id="23" name="TextBox 22">
+                      <a:extLst>
+                        <a:ext uri="{FF2B5EF4-FFF2-40B4-BE49-F238E27FC236}">
+                          <a16:creationId xmlns:a16="http://schemas.microsoft.com/office/drawing/2014/main" id="{A410C86F-D365-F7AB-F40C-AA81793C0A41}"/>
+                        </a:ext>
+                      </a:extLst>
+                    </p:cNvPr>
+                    <p:cNvSpPr txBox="1">
+                      <a:spLocks noRot="1" noChangeAspect="1" noMove="1" noResize="1" noEditPoints="1" noAdjustHandles="1" noChangeArrowheads="1" noChangeShapeType="1" noTextEdit="1"/>
+                    </p:cNvSpPr>
+                    <p:nvPr/>
+                  </p:nvSpPr>
+                  <p:spPr>
+                    <a:xfrm>
+                      <a:off x="3379475" y="5257604"/>
+                      <a:ext cx="1275311" cy="369332"/>
+                    </a:xfrm>
+                    <a:prstGeom prst="rect">
+                      <a:avLst/>
+                    </a:prstGeom>
+                    <a:blipFill>
+                      <a:blip r:embed="rId18"/>
+                      <a:stretch>
+                        <a:fillRect/>
+                      </a:stretch>
+                    </a:blipFill>
+                  </p:spPr>
+                  <p:txBody>
+                    <a:bodyPr/>
+                    <a:lstStyle/>
+                    <a:p>
+                      <a:r>
+                        <a:rPr lang="en-PH">
+                          <a:noFill/>
+                        </a:rPr>
+                        <a:t> </a:t>
+                      </a:r>
+                    </a:p>
+                  </p:txBody>
+                </p:sp>
+              </mc:Fallback>
+            </mc:AlternateContent>
+            <mc:AlternateContent xmlns:mc="http://schemas.openxmlformats.org/markup-compatibility/2006">
+              <mc:Choice xmlns:a14="http://schemas.microsoft.com/office/drawing/2010/main" Requires="a14">
+                <p:sp>
+                  <p:nvSpPr>
+                    <p:cNvPr id="24" name="TextBox 23">
+                      <a:extLst>
+                        <a:ext uri="{FF2B5EF4-FFF2-40B4-BE49-F238E27FC236}">
+                          <a16:creationId xmlns:a16="http://schemas.microsoft.com/office/drawing/2014/main" id="{B55F0B10-64D0-9C39-58EA-7DF19B56CC55}"/>
+                        </a:ext>
+                      </a:extLst>
+                    </p:cNvPr>
+                    <p:cNvSpPr txBox="1"/>
+                    <p:nvPr/>
+                  </p:nvSpPr>
+                  <p:spPr>
+                    <a:xfrm>
+                      <a:off x="5230300" y="5257604"/>
+                      <a:ext cx="1275311" cy="369332"/>
+                    </a:xfrm>
+                    <a:prstGeom prst="rect">
+                      <a:avLst/>
+                    </a:prstGeom>
+                    <a:noFill/>
+                  </p:spPr>
+                  <p:txBody>
+                    <a:bodyPr wrap="square" rtlCol="0">
+                      <a:spAutoFit/>
+                    </a:bodyPr>
+                    <a:lstStyle/>
+                    <a:p>
+                      <a14:m>
+                        <m:oMathPara xmlns:m="http://schemas.openxmlformats.org/officeDocument/2006/math">
+                          <m:oMathParaPr>
+                            <m:jc m:val="centerGroup"/>
+                          </m:oMathParaPr>
+                          <m:oMath xmlns:m="http://schemas.openxmlformats.org/officeDocument/2006/math">
+                            <m:r>
+                              <a:rPr lang="en-PH" b="0" i="1" smtClean="0">
+                                <a:latin typeface="Cambria Math" panose="02040503050406030204" pitchFamily="18" charset="0"/>
+                              </a:rPr>
+                              <m:t>𝑡</m:t>
+                            </m:r>
+                            <m:r>
+                              <a:rPr lang="en-PH" b="0" i="1" smtClean="0">
+                                <a:latin typeface="Cambria Math" panose="02040503050406030204" pitchFamily="18" charset="0"/>
+                              </a:rPr>
+                              <m:t>=16</m:t>
+                            </m:r>
+                          </m:oMath>
+                        </m:oMathPara>
+                      </a14:m>
+                      <a:endParaRPr lang="en-PH" dirty="0"/>
+                    </a:p>
+                  </p:txBody>
+                </p:sp>
+              </mc:Choice>
+              <mc:Fallback>
+                <p:sp>
+                  <p:nvSpPr>
+                    <p:cNvPr id="24" name="TextBox 23">
+                      <a:extLst>
+                        <a:ext uri="{FF2B5EF4-FFF2-40B4-BE49-F238E27FC236}">
+                          <a16:creationId xmlns:a16="http://schemas.microsoft.com/office/drawing/2014/main" id="{B55F0B10-64D0-9C39-58EA-7DF19B56CC55}"/>
+                        </a:ext>
+                      </a:extLst>
+                    </p:cNvPr>
+                    <p:cNvSpPr txBox="1">
+                      <a:spLocks noRot="1" noChangeAspect="1" noMove="1" noResize="1" noEditPoints="1" noAdjustHandles="1" noChangeArrowheads="1" noChangeShapeType="1" noTextEdit="1"/>
+                    </p:cNvSpPr>
+                    <p:nvPr/>
+                  </p:nvSpPr>
+                  <p:spPr>
+                    <a:xfrm>
+                      <a:off x="5230300" y="5257604"/>
+                      <a:ext cx="1275311" cy="369332"/>
+                    </a:xfrm>
+                    <a:prstGeom prst="rect">
+                      <a:avLst/>
+                    </a:prstGeom>
+                    <a:blipFill>
+                      <a:blip r:embed="rId19"/>
+                      <a:stretch>
+                        <a:fillRect/>
+                      </a:stretch>
+                    </a:blipFill>
+                  </p:spPr>
+                  <p:txBody>
+                    <a:bodyPr/>
+                    <a:lstStyle/>
+                    <a:p>
+                      <a:r>
+                        <a:rPr lang="en-PH">
+                          <a:noFill/>
+                        </a:rPr>
+                        <a:t> </a:t>
+                      </a:r>
+                    </a:p>
+                  </p:txBody>
+                </p:sp>
+              </mc:Fallback>
+            </mc:AlternateContent>
+            <mc:AlternateContent xmlns:mc="http://schemas.openxmlformats.org/markup-compatibility/2006">
+              <mc:Choice xmlns:a14="http://schemas.microsoft.com/office/drawing/2010/main" Requires="a14">
+                <p:sp>
+                  <p:nvSpPr>
+                    <p:cNvPr id="25" name="TextBox 24">
+                      <a:extLst>
+                        <a:ext uri="{FF2B5EF4-FFF2-40B4-BE49-F238E27FC236}">
+                          <a16:creationId xmlns:a16="http://schemas.microsoft.com/office/drawing/2014/main" id="{5D079931-FA57-3CC3-31BF-742DC7576903}"/>
+                        </a:ext>
+                      </a:extLst>
+                    </p:cNvPr>
+                    <p:cNvSpPr txBox="1"/>
+                    <p:nvPr/>
+                  </p:nvSpPr>
+                  <p:spPr>
+                    <a:xfrm>
+                      <a:off x="7134868" y="5257604"/>
+                      <a:ext cx="1275311" cy="369332"/>
+                    </a:xfrm>
+                    <a:prstGeom prst="rect">
+                      <a:avLst/>
+                    </a:prstGeom>
+                    <a:noFill/>
+                  </p:spPr>
+                  <p:txBody>
+                    <a:bodyPr wrap="square" rtlCol="0">
+                      <a:spAutoFit/>
+                    </a:bodyPr>
+                    <a:lstStyle/>
+                    <a:p>
+                      <a14:m>
+                        <m:oMathPara xmlns:m="http://schemas.openxmlformats.org/officeDocument/2006/math">
+                          <m:oMathParaPr>
+                            <m:jc m:val="centerGroup"/>
+                          </m:oMathParaPr>
+                          <m:oMath xmlns:m="http://schemas.openxmlformats.org/officeDocument/2006/math">
+                            <m:r>
+                              <a:rPr lang="en-PH" b="0" i="1" smtClean="0">
+                                <a:latin typeface="Cambria Math" panose="02040503050406030204" pitchFamily="18" charset="0"/>
+                              </a:rPr>
+                              <m:t>𝑡</m:t>
+                            </m:r>
+                            <m:r>
+                              <a:rPr lang="en-PH" b="0" i="1" smtClean="0">
+                                <a:latin typeface="Cambria Math" panose="02040503050406030204" pitchFamily="18" charset="0"/>
+                              </a:rPr>
+                              <m:t>=32</m:t>
+                            </m:r>
+                          </m:oMath>
+                        </m:oMathPara>
+                      </a14:m>
+                      <a:endParaRPr lang="en-PH" dirty="0"/>
+                    </a:p>
+                  </p:txBody>
+                </p:sp>
+              </mc:Choice>
+              <mc:Fallback>
+                <p:sp>
+                  <p:nvSpPr>
+                    <p:cNvPr id="25" name="TextBox 24">
+                      <a:extLst>
+                        <a:ext uri="{FF2B5EF4-FFF2-40B4-BE49-F238E27FC236}">
+                          <a16:creationId xmlns:a16="http://schemas.microsoft.com/office/drawing/2014/main" id="{5D079931-FA57-3CC3-31BF-742DC7576903}"/>
+                        </a:ext>
+                      </a:extLst>
+                    </p:cNvPr>
+                    <p:cNvSpPr txBox="1">
+                      <a:spLocks noRot="1" noChangeAspect="1" noMove="1" noResize="1" noEditPoints="1" noAdjustHandles="1" noChangeArrowheads="1" noChangeShapeType="1" noTextEdit="1"/>
+                    </p:cNvSpPr>
+                    <p:nvPr/>
+                  </p:nvSpPr>
+                  <p:spPr>
+                    <a:xfrm>
+                      <a:off x="7134868" y="5257604"/>
+                      <a:ext cx="1275311" cy="369332"/>
+                    </a:xfrm>
+                    <a:prstGeom prst="rect">
+                      <a:avLst/>
+                    </a:prstGeom>
+                    <a:blipFill>
+                      <a:blip r:embed="rId20"/>
+                      <a:stretch>
+                        <a:fillRect/>
+                      </a:stretch>
+                    </a:blipFill>
+                  </p:spPr>
+                  <p:txBody>
+                    <a:bodyPr/>
+                    <a:lstStyle/>
+                    <a:p>
+                      <a:r>
+                        <a:rPr lang="en-PH">
+                          <a:noFill/>
+                        </a:rPr>
+                        <a:t> </a:t>
+                      </a:r>
+                    </a:p>
+                  </p:txBody>
+                </p:sp>
+              </mc:Fallback>
+            </mc:AlternateContent>
+            <mc:AlternateContent xmlns:mc="http://schemas.openxmlformats.org/markup-compatibility/2006">
+              <mc:Choice xmlns:a14="http://schemas.microsoft.com/office/drawing/2010/main" Requires="a14">
+                <p:sp>
+                  <p:nvSpPr>
+                    <p:cNvPr id="26" name="TextBox 25">
+                      <a:extLst>
+                        <a:ext uri="{FF2B5EF4-FFF2-40B4-BE49-F238E27FC236}">
+                          <a16:creationId xmlns:a16="http://schemas.microsoft.com/office/drawing/2014/main" id="{1B6D9252-1EEA-36EB-4637-769F0B43F80B}"/>
+                        </a:ext>
+                      </a:extLst>
+                    </p:cNvPr>
+                    <p:cNvSpPr txBox="1"/>
+                    <p:nvPr/>
+                  </p:nvSpPr>
+                  <p:spPr>
+                    <a:xfrm>
+                      <a:off x="9039436" y="5257604"/>
+                      <a:ext cx="1275311" cy="369332"/>
+                    </a:xfrm>
+                    <a:prstGeom prst="rect">
+                      <a:avLst/>
+                    </a:prstGeom>
+                    <a:noFill/>
+                  </p:spPr>
+                  <p:txBody>
+                    <a:bodyPr wrap="square" rtlCol="0">
+                      <a:spAutoFit/>
+                    </a:bodyPr>
+                    <a:lstStyle/>
+                    <a:p>
+                      <a14:m>
+                        <m:oMathPara xmlns:m="http://schemas.openxmlformats.org/officeDocument/2006/math">
+                          <m:oMathParaPr>
+                            <m:jc m:val="centerGroup"/>
+                          </m:oMathParaPr>
+                          <m:oMath xmlns:m="http://schemas.openxmlformats.org/officeDocument/2006/math">
+                            <m:r>
+                              <a:rPr lang="en-PH" b="0" i="1" smtClean="0">
+                                <a:latin typeface="Cambria Math" panose="02040503050406030204" pitchFamily="18" charset="0"/>
+                              </a:rPr>
+                              <m:t>𝑡</m:t>
+                            </m:r>
+                            <m:r>
+                              <a:rPr lang="en-PH" b="0" i="1" smtClean="0">
+                                <a:latin typeface="Cambria Math" panose="02040503050406030204" pitchFamily="18" charset="0"/>
+                              </a:rPr>
+                              <m:t>=54</m:t>
+                            </m:r>
+                          </m:oMath>
+                        </m:oMathPara>
+                      </a14:m>
+                      <a:endParaRPr lang="en-PH" dirty="0"/>
+                    </a:p>
+                  </p:txBody>
+                </p:sp>
+              </mc:Choice>
+              <mc:Fallback>
+                <p:sp>
+                  <p:nvSpPr>
+                    <p:cNvPr id="26" name="TextBox 25">
+                      <a:extLst>
+                        <a:ext uri="{FF2B5EF4-FFF2-40B4-BE49-F238E27FC236}">
+                          <a16:creationId xmlns:a16="http://schemas.microsoft.com/office/drawing/2014/main" id="{1B6D9252-1EEA-36EB-4637-769F0B43F80B}"/>
+                        </a:ext>
+                      </a:extLst>
+                    </p:cNvPr>
+                    <p:cNvSpPr txBox="1">
+                      <a:spLocks noRot="1" noChangeAspect="1" noMove="1" noResize="1" noEditPoints="1" noAdjustHandles="1" noChangeArrowheads="1" noChangeShapeType="1" noTextEdit="1"/>
+                    </p:cNvSpPr>
+                    <p:nvPr/>
+                  </p:nvSpPr>
+                  <p:spPr>
+                    <a:xfrm>
+                      <a:off x="9039436" y="5257604"/>
+                      <a:ext cx="1275311" cy="369332"/>
+                    </a:xfrm>
+                    <a:prstGeom prst="rect">
+                      <a:avLst/>
+                    </a:prstGeom>
+                    <a:blipFill>
+                      <a:blip r:embed="rId21"/>
+                      <a:stretch>
+                        <a:fillRect/>
+                      </a:stretch>
+                    </a:blipFill>
+                  </p:spPr>
+                  <p:txBody>
+                    <a:bodyPr/>
+                    <a:lstStyle/>
+                    <a:p>
+                      <a:r>
+                        <a:rPr lang="en-PH">
+                          <a:noFill/>
+                        </a:rPr>
+                        <a:t> </a:t>
+                      </a:r>
+                    </a:p>
+                  </p:txBody>
+                </p:sp>
+              </mc:Fallback>
+            </mc:AlternateContent>
+          </p:grpSp>
+        </p:grpSp>
+        <p:grpSp>
+          <p:nvGrpSpPr>
+            <p:cNvPr id="50" name="Group 49">
+              <a:extLst>
+                <a:ext uri="{FF2B5EF4-FFF2-40B4-BE49-F238E27FC236}">
+                  <a16:creationId xmlns:a16="http://schemas.microsoft.com/office/drawing/2014/main" id="{5BBAF952-A2F8-7EE7-1F87-902EB413EB3E}"/>
+                </a:ext>
+              </a:extLst>
+            </p:cNvPr>
+            <p:cNvGrpSpPr/>
+            <p:nvPr/>
+          </p:nvGrpSpPr>
+          <p:grpSpPr>
+            <a:xfrm rot="5400000">
+              <a:off x="8748419" y="3094192"/>
+              <a:ext cx="4358172" cy="547198"/>
+              <a:chOff x="5903021" y="5767293"/>
+              <a:chExt cx="4358172" cy="547198"/>
+            </a:xfrm>
+          </p:grpSpPr>
+          <p:pic>
+            <p:nvPicPr>
+              <p:cNvPr id="45" name="Picture 44" descr="A blue and black squares&#10;&#10;AI-generated content may be incorrect.">
+                <a:extLst>
+                  <a:ext uri="{FF2B5EF4-FFF2-40B4-BE49-F238E27FC236}">
+                    <a16:creationId xmlns:a16="http://schemas.microsoft.com/office/drawing/2014/main" id="{BBAB12F8-84F6-7852-E2D7-09583337AB2F}"/>
+                  </a:ext>
+                </a:extLst>
+              </p:cNvPr>
+              <p:cNvPicPr>
+                <a:picLocks noChangeAspect="1"/>
+              </p:cNvPicPr>
+              <p:nvPr/>
+            </p:nvPicPr>
+            <p:blipFill>
+              <a:blip r:embed="rId2">
+                <a:extLst>
+                  <a:ext uri="{28A0092B-C50C-407E-A947-70E740481C1C}">
+                    <a14:useLocalDpi xmlns:a14="http://schemas.microsoft.com/office/drawing/2010/main" val="0"/>
+                  </a:ext>
+                </a:extLst>
+              </a:blip>
+              <a:srcRect l="88045" t="1602" r="7400" b="1203"/>
+              <a:stretch/>
+            </p:blipFill>
+            <p:spPr>
+              <a:xfrm rot="16200000">
+                <a:off x="8010252" y="4073168"/>
+                <a:ext cx="163271" cy="4319376"/>
+              </a:xfrm>
+              <a:prstGeom prst="rect">
+                <a:avLst/>
+              </a:prstGeom>
+            </p:spPr>
+          </p:pic>
+          <p:sp>
+            <p:nvSpPr>
+              <p:cNvPr id="46" name="TextBox 45">
+                <a:extLst>
+                  <a:ext uri="{FF2B5EF4-FFF2-40B4-BE49-F238E27FC236}">
+                    <a16:creationId xmlns:a16="http://schemas.microsoft.com/office/drawing/2014/main" id="{ED3B6BC6-FE53-E11B-9112-575BE1CCD0D3}"/>
+                  </a:ext>
+                </a:extLst>
+              </p:cNvPr>
+              <p:cNvSpPr txBox="1"/>
+              <p:nvPr/>
+            </p:nvSpPr>
+            <p:spPr>
+              <a:xfrm rot="16200000">
+                <a:off x="6408788" y="5261526"/>
+                <a:ext cx="461665" cy="1473200"/>
+              </a:xfrm>
+              <a:prstGeom prst="rect">
+                <a:avLst/>
+              </a:prstGeom>
+              <a:noFill/>
+            </p:spPr>
+            <p:txBody>
+              <a:bodyPr vert="eaVert" wrap="square" rtlCol="0">
+                <a:spAutoFit/>
+              </a:bodyPr>
+              <a:lstStyle/>
+              <a:p>
+                <a:pPr algn="ctr"/>
+                <a:r>
+                  <a:rPr lang="en-PH" dirty="0">
+                    <a:latin typeface="Times New Roman" panose="02020603050405020304" pitchFamily="18" charset="0"/>
+                    <a:cs typeface="Times New Roman" panose="02020603050405020304" pitchFamily="18" charset="0"/>
+                  </a:rPr>
+                  <a:t>Learned (fast)</a:t>
+                </a:r>
+              </a:p>
+            </p:txBody>
+          </p:sp>
+          <p:sp>
+            <p:nvSpPr>
+              <p:cNvPr id="47" name="TextBox 46">
+                <a:extLst>
+                  <a:ext uri="{FF2B5EF4-FFF2-40B4-BE49-F238E27FC236}">
+                    <a16:creationId xmlns:a16="http://schemas.microsoft.com/office/drawing/2014/main" id="{BB0B6245-9841-3E6C-F41F-604E45828E3B}"/>
+                  </a:ext>
+                </a:extLst>
+              </p:cNvPr>
+              <p:cNvSpPr txBox="1"/>
+              <p:nvPr/>
+            </p:nvSpPr>
+            <p:spPr>
+              <a:xfrm rot="16200000">
+                <a:off x="7851274" y="5232397"/>
+                <a:ext cx="461665" cy="1531458"/>
+              </a:xfrm>
+              <a:prstGeom prst="rect">
+                <a:avLst/>
+              </a:prstGeom>
+              <a:noFill/>
+            </p:spPr>
+            <p:txBody>
+              <a:bodyPr vert="eaVert" wrap="square" rtlCol="0">
+                <a:spAutoFit/>
+              </a:bodyPr>
+              <a:lstStyle/>
+              <a:p>
+                <a:pPr algn="ctr"/>
+                <a:r>
+                  <a:rPr lang="en-PH" dirty="0">
+                    <a:latin typeface="Times New Roman" panose="02020603050405020304" pitchFamily="18" charset="0"/>
+                    <a:cs typeface="Times New Roman" panose="02020603050405020304" pitchFamily="18" charset="0"/>
+                  </a:rPr>
+                  <a:t>Learned (slow)</a:t>
+                </a:r>
+              </a:p>
+            </p:txBody>
+          </p:sp>
+          <p:sp>
+            <p:nvSpPr>
+              <p:cNvPr id="48" name="TextBox 47">
+                <a:extLst>
+                  <a:ext uri="{FF2B5EF4-FFF2-40B4-BE49-F238E27FC236}">
+                    <a16:creationId xmlns:a16="http://schemas.microsoft.com/office/drawing/2014/main" id="{0F402A04-90BD-6A60-D24C-87DDECA0A2B4}"/>
+                  </a:ext>
+                </a:extLst>
+              </p:cNvPr>
+              <p:cNvSpPr txBox="1"/>
+              <p:nvPr/>
+            </p:nvSpPr>
+            <p:spPr>
+              <a:xfrm rot="16200000">
+                <a:off x="9264631" y="5232397"/>
+                <a:ext cx="461665" cy="1531458"/>
+              </a:xfrm>
+              <a:prstGeom prst="rect">
+                <a:avLst/>
+              </a:prstGeom>
+              <a:noFill/>
+            </p:spPr>
+            <p:txBody>
+              <a:bodyPr vert="eaVert" wrap="square" rtlCol="0">
+                <a:spAutoFit/>
+              </a:bodyPr>
+              <a:lstStyle/>
+              <a:p>
+                <a:pPr algn="ctr"/>
+                <a:r>
+                  <a:rPr lang="en-PH" dirty="0">
+                    <a:latin typeface="Times New Roman" panose="02020603050405020304" pitchFamily="18" charset="0"/>
+                    <a:cs typeface="Times New Roman" panose="02020603050405020304" pitchFamily="18" charset="0"/>
+                  </a:rPr>
+                  <a:t>Unlearned</a:t>
+                </a:r>
+              </a:p>
+            </p:txBody>
+          </p:sp>
+        </p:grpSp>
+      </p:grpSp>
+    </p:spTree>
+    <p:extLst>
+      <p:ext uri="{BB962C8B-B14F-4D97-AF65-F5344CB8AC3E}">
+        <p14:creationId xmlns:p14="http://schemas.microsoft.com/office/powerpoint/2010/main" val="846465579"/>
+      </p:ext>
+    </p:extLst>
+  </p:cSld>
+  <p:clrMapOvr>
+    <a:masterClrMapping/>
+  </p:clrMapOvr>
+</p:sld>
+</file>
+
+<file path=ppt/slides/slide16.xml><?xml version="1.0" encoding="utf-8"?>
 <p:sld xmlns:a="http://schemas.openxmlformats.org/drawingml/2006/main" xmlns:r="http://schemas.openxmlformats.org/officeDocument/2006/relationships" xmlns:p="http://schemas.openxmlformats.org/presentationml/2006/main">
   <p:cSld>
     <p:bg>
@@ -6315,8 +8035,8 @@
             </p:nvSpPr>
             <p:spPr>
               <a:xfrm>
-                <a:off x="2430088" y="1661377"/>
-                <a:ext cx="3881120" cy="707886"/>
+                <a:off x="2301300" y="1493951"/>
+                <a:ext cx="3881120" cy="830997"/>
               </a:xfrm>
               <a:prstGeom prst="rect">
                 <a:avLst/>
@@ -6330,7 +8050,7 @@
               <a:lstStyle/>
               <a:p>
                 <a:r>
-                  <a:rPr lang="en-PH" sz="2000" dirty="0">
+                  <a:rPr lang="en-PH" sz="2400" dirty="0">
                     <a:solidFill>
                       <a:srgbClr val="0173B2"/>
                     </a:solidFill>
@@ -6347,7 +8067,7 @@
                     <m:sSub>
                       <m:sSubPr>
                         <m:ctrlPr>
-                          <a:rPr lang="en-PH" sz="2000" b="0" i="1" smtClean="0">
+                          <a:rPr lang="en-PH" sz="2400" b="0" i="1" smtClean="0">
                             <a:solidFill>
                               <a:srgbClr val="0173B2"/>
                             </a:solidFill>
@@ -6357,7 +8077,7 @@
                       </m:sSubPr>
                       <m:e>
                         <m:r>
-                          <a:rPr lang="en-PH" sz="2000" b="0" i="1" smtClean="0">
+                          <a:rPr lang="en-PH" sz="2400" b="0" i="1" smtClean="0">
                             <a:solidFill>
                               <a:srgbClr val="0173B2"/>
                             </a:solidFill>
@@ -6368,7 +8088,7 @@
                       </m:e>
                       <m:sub>
                         <m:r>
-                          <a:rPr lang="en-PH" sz="2000" b="0" i="1" smtClean="0">
+                          <a:rPr lang="en-PH" sz="2400" b="0" i="1" smtClean="0">
                             <a:solidFill>
                               <a:srgbClr val="0173B2"/>
                             </a:solidFill>
@@ -6379,7 +8099,7 @@
                       </m:sub>
                     </m:sSub>
                     <m:r>
-                      <a:rPr lang="en-PH" sz="2000" b="0" i="1" smtClean="0">
+                      <a:rPr lang="en-PH" sz="2400" b="0" i="1" smtClean="0">
                         <a:solidFill>
                           <a:srgbClr val="0173B2"/>
                         </a:solidFill>
@@ -6390,7 +8110,7 @@
                     <m:sSub>
                       <m:sSubPr>
                         <m:ctrlPr>
-                          <a:rPr lang="en-PH" sz="2000" b="0" i="1" smtClean="0">
+                          <a:rPr lang="en-PH" sz="2400" b="0" i="1" smtClean="0">
                             <a:solidFill>
                               <a:srgbClr val="0173B2"/>
                             </a:solidFill>
@@ -6400,7 +8120,7 @@
                       </m:sSubPr>
                       <m:e>
                         <m:r>
-                          <a:rPr lang="en-PH" sz="2000" b="0" i="1" smtClean="0">
+                          <a:rPr lang="en-PH" sz="2400" b="0" i="1" smtClean="0">
                             <a:solidFill>
                               <a:srgbClr val="0173B2"/>
                             </a:solidFill>
@@ -6411,7 +8131,7 @@
                       </m:e>
                       <m:sub>
                         <m:r>
-                          <a:rPr lang="en-PH" sz="2000" b="0" i="1" smtClean="0">
+                          <a:rPr lang="en-PH" sz="2400" b="0" i="1" smtClean="0">
                             <a:solidFill>
                               <a:srgbClr val="0173B2"/>
                             </a:solidFill>
@@ -6420,7 +8140,7 @@
                           <m:t>𝑡</m:t>
                         </m:r>
                         <m:r>
-                          <a:rPr lang="en-PH" sz="2000" b="0" i="1" smtClean="0">
+                          <a:rPr lang="en-PH" sz="2400" b="0" i="1" smtClean="0">
                             <a:solidFill>
                               <a:srgbClr val="0173B2"/>
                             </a:solidFill>
@@ -6431,7 +8151,7 @@
                       </m:sub>
                     </m:sSub>
                     <m:r>
-                      <a:rPr lang="en-PH" sz="2000" b="0" i="1" smtClean="0">
+                      <a:rPr lang="en-PH" sz="2400" b="0" i="1" smtClean="0">
                         <a:solidFill>
                           <a:srgbClr val="0173B2"/>
                         </a:solidFill>
@@ -6442,7 +8162,7 @@
                   </m:oMath>
                 </a14:m>
                 <a:r>
-                  <a:rPr lang="en-PH" sz="2000" dirty="0">
+                  <a:rPr lang="en-PH" sz="2400" dirty="0">
                     <a:solidFill>
                       <a:srgbClr val="0173B2"/>
                     </a:solidFill>
@@ -6470,8 +8190,8 @@
             </p:nvSpPr>
             <p:spPr>
               <a:xfrm>
-                <a:off x="2430088" y="1661377"/>
-                <a:ext cx="3881120" cy="707886"/>
+                <a:off x="2301300" y="1493951"/>
+                <a:ext cx="3881120" cy="830997"/>
               </a:xfrm>
               <a:prstGeom prst="rect">
                 <a:avLst/>
@@ -6479,7 +8199,7 @@
               <a:blipFill>
                 <a:blip r:embed="rId3"/>
                 <a:stretch>
-                  <a:fillRect l="-1730" t="-5172" b="-7759"/>
+                  <a:fillRect l="-2516" t="-5882" b="-8824"/>
                 </a:stretch>
               </a:blipFill>
             </p:spPr>
@@ -6514,8 +8234,8 @@
             </p:nvSpPr>
             <p:spPr>
               <a:xfrm>
-                <a:off x="3782173" y="4801932"/>
-                <a:ext cx="4288450" cy="713016"/>
+                <a:off x="3726365" y="4892084"/>
+                <a:ext cx="5675214" cy="837152"/>
               </a:xfrm>
               <a:prstGeom prst="rect">
                 <a:avLst/>
@@ -6529,7 +8249,7 @@
               <a:lstStyle/>
               <a:p>
                 <a:r>
-                  <a:rPr lang="en-PH" sz="2000" dirty="0">
+                  <a:rPr lang="en-PH" sz="2400" dirty="0">
                     <a:solidFill>
                       <a:srgbClr val="DE8F05"/>
                     </a:solidFill>
@@ -6543,177 +8263,175 @@
               <a:p>
                 <a:pPr/>
                 <a14:m>
-                  <m:oMathPara xmlns:m="http://schemas.openxmlformats.org/officeDocument/2006/math">
-                    <m:oMathParaPr>
-                      <m:jc m:val="centerGroup"/>
-                    </m:oMathParaPr>
-                    <m:oMath xmlns:m="http://schemas.openxmlformats.org/officeDocument/2006/math">
-                      <m:sSub>
-                        <m:sSubPr>
-                          <m:ctrlPr>
-                            <a:rPr lang="en-PH" sz="2000" b="0" i="1" smtClean="0">
-                              <a:solidFill>
-                                <a:srgbClr val="DE8F05"/>
-                              </a:solidFill>
-                              <a:latin typeface="Cambria Math" panose="02040503050406030204" pitchFamily="18" charset="0"/>
-                            </a:rPr>
-                          </m:ctrlPr>
-                        </m:sSubPr>
-                        <m:e>
-                          <m:r>
-                            <a:rPr lang="en-PH" sz="2000" b="0" i="1" smtClean="0">
-                              <a:solidFill>
-                                <a:srgbClr val="DE8F05"/>
-                              </a:solidFill>
-                              <a:latin typeface="Cambria Math" panose="02040503050406030204" pitchFamily="18" charset="0"/>
-                            </a:rPr>
-                            <m:t>𝑓</m:t>
-                          </m:r>
-                        </m:e>
-                        <m:sub>
-                          <m:r>
-                            <a:rPr lang="en-PH" sz="2000" b="0" i="1" smtClean="0">
-                              <a:solidFill>
-                                <a:srgbClr val="DE8F05"/>
-                              </a:solidFill>
-                              <a:latin typeface="Cambria Math" panose="02040503050406030204" pitchFamily="18" charset="0"/>
-                            </a:rPr>
-                            <m:t>𝑡</m:t>
-                          </m:r>
-                        </m:sub>
-                      </m:sSub>
-                      <m:r>
-                        <a:rPr lang="en-PH" sz="2000" b="0" i="1" smtClean="0">
-                          <a:solidFill>
-                            <a:srgbClr val="DE8F05"/>
-                          </a:solidFill>
-                          <a:latin typeface="Cambria Math" panose="02040503050406030204" pitchFamily="18" charset="0"/>
-                        </a:rPr>
-                        <m:t>=−0.62 </m:t>
-                      </m:r>
-                      <m:sSubSup>
-                        <m:sSubSupPr>
-                          <m:ctrlPr>
-                            <a:rPr lang="en-PH" sz="2000" b="0" i="1" smtClean="0">
-                              <a:solidFill>
-                                <a:srgbClr val="DE8F05"/>
-                              </a:solidFill>
-                              <a:latin typeface="Cambria Math" panose="02040503050406030204" pitchFamily="18" charset="0"/>
-                            </a:rPr>
-                          </m:ctrlPr>
-                        </m:sSubSupPr>
-                        <m:e>
-                          <m:r>
-                            <a:rPr lang="en-PH" sz="2000" b="0" i="1" smtClean="0">
-                              <a:solidFill>
-                                <a:srgbClr val="DE8F05"/>
-                              </a:solidFill>
-                              <a:latin typeface="Cambria Math" panose="02040503050406030204" pitchFamily="18" charset="0"/>
-                            </a:rPr>
-                            <m:t>𝑓</m:t>
-                          </m:r>
-                        </m:e>
-                        <m:sub>
-                          <m:r>
-                            <a:rPr lang="en-PH" sz="2000" b="0" i="1" smtClean="0">
-                              <a:solidFill>
-                                <a:srgbClr val="DE8F05"/>
-                              </a:solidFill>
-                              <a:latin typeface="Cambria Math" panose="02040503050406030204" pitchFamily="18" charset="0"/>
-                            </a:rPr>
-                            <m:t>𝑡</m:t>
-                          </m:r>
-                          <m:r>
-                            <a:rPr lang="en-PH" sz="2000" b="0" i="1" smtClean="0">
-                              <a:solidFill>
-                                <a:srgbClr val="DE8F05"/>
-                              </a:solidFill>
-                              <a:latin typeface="Cambria Math" panose="02040503050406030204" pitchFamily="18" charset="0"/>
-                            </a:rPr>
-                            <m:t>−1</m:t>
-                          </m:r>
-                        </m:sub>
-                        <m:sup>
-                          <m:r>
-                            <a:rPr lang="en-PH" sz="2000" b="0" i="1" smtClean="0">
-                              <a:solidFill>
-                                <a:srgbClr val="DE8F05"/>
-                              </a:solidFill>
-                              <a:latin typeface="Cambria Math" panose="02040503050406030204" pitchFamily="18" charset="0"/>
-                            </a:rPr>
-                            <m:t>2</m:t>
-                          </m:r>
-                        </m:sup>
-                      </m:sSubSup>
-                      <m:r>
-                        <a:rPr lang="en-PH" sz="2000" b="0" i="1" smtClean="0">
-                          <a:solidFill>
-                            <a:srgbClr val="DE8F05"/>
-                          </a:solidFill>
-                          <a:latin typeface="Cambria Math" panose="02040503050406030204" pitchFamily="18" charset="0"/>
-                        </a:rPr>
-                        <m:t>+1.608 </m:t>
-                      </m:r>
-                      <m:sSub>
-                        <m:sSubPr>
-                          <m:ctrlPr>
-                            <a:rPr lang="en-PH" sz="2000" b="0" i="1" smtClean="0">
-                              <a:solidFill>
-                                <a:srgbClr val="DE8F05"/>
-                              </a:solidFill>
-                              <a:latin typeface="Cambria Math" panose="02040503050406030204" pitchFamily="18" charset="0"/>
-                            </a:rPr>
-                          </m:ctrlPr>
-                        </m:sSubPr>
-                        <m:e>
-                          <m:r>
-                            <a:rPr lang="en-PH" sz="2000" b="0" i="1" smtClean="0">
-                              <a:solidFill>
-                                <a:srgbClr val="DE8F05"/>
-                              </a:solidFill>
-                              <a:latin typeface="Cambria Math" panose="02040503050406030204" pitchFamily="18" charset="0"/>
-                            </a:rPr>
-                            <m:t>𝑓</m:t>
-                          </m:r>
-                        </m:e>
-                        <m:sub>
-                          <m:r>
-                            <a:rPr lang="en-PH" sz="2000" b="0" i="1" smtClean="0">
-                              <a:solidFill>
-                                <a:srgbClr val="DE8F05"/>
-                              </a:solidFill>
-                              <a:latin typeface="Cambria Math" panose="02040503050406030204" pitchFamily="18" charset="0"/>
-                            </a:rPr>
-                            <m:t>𝑡</m:t>
-                          </m:r>
-                          <m:r>
-                            <a:rPr lang="en-PH" sz="2000" b="0" i="1" smtClean="0">
-                              <a:solidFill>
-                                <a:srgbClr val="DE8F05"/>
-                              </a:solidFill>
-                              <a:latin typeface="Cambria Math" panose="02040503050406030204" pitchFamily="18" charset="0"/>
-                            </a:rPr>
-                            <m:t>−1</m:t>
-                          </m:r>
-                        </m:sub>
-                      </m:sSub>
-                      <m:r>
-                        <a:rPr lang="en-PH" sz="2000" b="0" i="1" smtClean="0">
-                          <a:solidFill>
-                            <a:srgbClr val="DE8F05"/>
-                          </a:solidFill>
-                          <a:latin typeface="Cambria Math" panose="02040503050406030204" pitchFamily="18" charset="0"/>
-                        </a:rPr>
-                        <m:t>+0.019</m:t>
-                      </m:r>
-                    </m:oMath>
-                  </m:oMathPara>
+                  <m:oMath xmlns:m="http://schemas.openxmlformats.org/officeDocument/2006/math">
+                    <m:sSub>
+                      <m:sSubPr>
+                        <m:ctrlPr>
+                          <a:rPr lang="en-PH" sz="2400" b="0" i="1" smtClean="0">
+                            <a:solidFill>
+                              <a:srgbClr val="DE8F05"/>
+                            </a:solidFill>
+                            <a:latin typeface="Cambria Math" panose="02040503050406030204" pitchFamily="18" charset="0"/>
+                          </a:rPr>
+                        </m:ctrlPr>
+                      </m:sSubPr>
+                      <m:e>
+                        <m:r>
+                          <a:rPr lang="en-PH" sz="2400" b="0" i="1" smtClean="0">
+                            <a:solidFill>
+                              <a:srgbClr val="DE8F05"/>
+                            </a:solidFill>
+                            <a:latin typeface="Cambria Math" panose="02040503050406030204" pitchFamily="18" charset="0"/>
+                          </a:rPr>
+                          <m:t>𝑓</m:t>
+                        </m:r>
+                      </m:e>
+                      <m:sub>
+                        <m:r>
+                          <a:rPr lang="en-PH" sz="2400" b="0" i="1" smtClean="0">
+                            <a:solidFill>
+                              <a:srgbClr val="DE8F05"/>
+                            </a:solidFill>
+                            <a:latin typeface="Cambria Math" panose="02040503050406030204" pitchFamily="18" charset="0"/>
+                          </a:rPr>
+                          <m:t>𝑡</m:t>
+                        </m:r>
+                      </m:sub>
+                    </m:sSub>
+                    <m:r>
+                      <a:rPr lang="en-PH" sz="2400" b="0" i="1" smtClean="0">
+                        <a:solidFill>
+                          <a:srgbClr val="DE8F05"/>
+                        </a:solidFill>
+                        <a:latin typeface="Cambria Math" panose="02040503050406030204" pitchFamily="18" charset="0"/>
+                      </a:rPr>
+                      <m:t>=−0.62 </m:t>
+                    </m:r>
+                    <m:sSubSup>
+                      <m:sSubSupPr>
+                        <m:ctrlPr>
+                          <a:rPr lang="en-PH" sz="2400" b="0" i="1" smtClean="0">
+                            <a:solidFill>
+                              <a:srgbClr val="DE8F05"/>
+                            </a:solidFill>
+                            <a:latin typeface="Cambria Math" panose="02040503050406030204" pitchFamily="18" charset="0"/>
+                          </a:rPr>
+                        </m:ctrlPr>
+                      </m:sSubSupPr>
+                      <m:e>
+                        <m:r>
+                          <a:rPr lang="en-PH" sz="2400" b="0" i="1" smtClean="0">
+                            <a:solidFill>
+                              <a:srgbClr val="DE8F05"/>
+                            </a:solidFill>
+                            <a:latin typeface="Cambria Math" panose="02040503050406030204" pitchFamily="18" charset="0"/>
+                          </a:rPr>
+                          <m:t>𝑓</m:t>
+                        </m:r>
+                      </m:e>
+                      <m:sub>
+                        <m:r>
+                          <a:rPr lang="en-PH" sz="2400" b="0" i="1" smtClean="0">
+                            <a:solidFill>
+                              <a:srgbClr val="DE8F05"/>
+                            </a:solidFill>
+                            <a:latin typeface="Cambria Math" panose="02040503050406030204" pitchFamily="18" charset="0"/>
+                          </a:rPr>
+                          <m:t>𝑡</m:t>
+                        </m:r>
+                        <m:r>
+                          <a:rPr lang="en-PH" sz="2400" b="0" i="1" smtClean="0">
+                            <a:solidFill>
+                              <a:srgbClr val="DE8F05"/>
+                            </a:solidFill>
+                            <a:latin typeface="Cambria Math" panose="02040503050406030204" pitchFamily="18" charset="0"/>
+                          </a:rPr>
+                          <m:t>−1</m:t>
+                        </m:r>
+                      </m:sub>
+                      <m:sup>
+                        <m:r>
+                          <a:rPr lang="en-PH" sz="2400" b="0" i="1" smtClean="0">
+                            <a:solidFill>
+                              <a:srgbClr val="DE8F05"/>
+                            </a:solidFill>
+                            <a:latin typeface="Cambria Math" panose="02040503050406030204" pitchFamily="18" charset="0"/>
+                          </a:rPr>
+                          <m:t>2</m:t>
+                        </m:r>
+                      </m:sup>
+                    </m:sSubSup>
+                    <m:r>
+                      <a:rPr lang="en-PH" sz="2400" b="0" i="1" smtClean="0">
+                        <a:solidFill>
+                          <a:srgbClr val="DE8F05"/>
+                        </a:solidFill>
+                        <a:latin typeface="Cambria Math" panose="02040503050406030204" pitchFamily="18" charset="0"/>
+                      </a:rPr>
+                      <m:t>+1.608 </m:t>
+                    </m:r>
+                    <m:sSub>
+                      <m:sSubPr>
+                        <m:ctrlPr>
+                          <a:rPr lang="en-PH" sz="2400" b="0" i="1" smtClean="0">
+                            <a:solidFill>
+                              <a:srgbClr val="DE8F05"/>
+                            </a:solidFill>
+                            <a:latin typeface="Cambria Math" panose="02040503050406030204" pitchFamily="18" charset="0"/>
+                          </a:rPr>
+                        </m:ctrlPr>
+                      </m:sSubPr>
+                      <m:e>
+                        <m:r>
+                          <a:rPr lang="en-PH" sz="2400" b="0" i="1" smtClean="0">
+                            <a:solidFill>
+                              <a:srgbClr val="DE8F05"/>
+                            </a:solidFill>
+                            <a:latin typeface="Cambria Math" panose="02040503050406030204" pitchFamily="18" charset="0"/>
+                          </a:rPr>
+                          <m:t>𝑓</m:t>
+                        </m:r>
+                      </m:e>
+                      <m:sub>
+                        <m:r>
+                          <a:rPr lang="en-PH" sz="2400" b="0" i="1" smtClean="0">
+                            <a:solidFill>
+                              <a:srgbClr val="DE8F05"/>
+                            </a:solidFill>
+                            <a:latin typeface="Cambria Math" panose="02040503050406030204" pitchFamily="18" charset="0"/>
+                          </a:rPr>
+                          <m:t>𝑡</m:t>
+                        </m:r>
+                        <m:r>
+                          <a:rPr lang="en-PH" sz="2400" b="0" i="1" smtClean="0">
+                            <a:solidFill>
+                              <a:srgbClr val="DE8F05"/>
+                            </a:solidFill>
+                            <a:latin typeface="Cambria Math" panose="02040503050406030204" pitchFamily="18" charset="0"/>
+                          </a:rPr>
+                          <m:t>−1</m:t>
+                        </m:r>
+                      </m:sub>
+                    </m:sSub>
+                    <m:r>
+                      <a:rPr lang="en-PH" sz="2400" b="0" i="1" smtClean="0">
+                        <a:solidFill>
+                          <a:srgbClr val="DE8F05"/>
+                        </a:solidFill>
+                        <a:latin typeface="Cambria Math" panose="02040503050406030204" pitchFamily="18" charset="0"/>
+                      </a:rPr>
+                      <m:t>+0.019</m:t>
+                    </m:r>
+                  </m:oMath>
                 </a14:m>
-                <a:endParaRPr lang="en-PH" sz="2000" dirty="0">
-                  <a:solidFill>
-                    <a:srgbClr val="DE8F05"/>
-                  </a:solidFill>
-                </a:endParaRPr>
+                <a:r>
+                  <a:rPr lang="en-PH" sz="2400" dirty="0">
+                    <a:solidFill>
+                      <a:srgbClr val="DE8F05"/>
+                    </a:solidFill>
+                  </a:rPr>
+                  <a:t> </a:t>
+                </a:r>
               </a:p>
             </p:txBody>
           </p:sp>
@@ -6735,8 +8453,8 @@
             </p:nvSpPr>
             <p:spPr>
               <a:xfrm>
-                <a:off x="3782173" y="4801932"/>
-                <a:ext cx="4288450" cy="713016"/>
+                <a:off x="3726365" y="4892084"/>
+                <a:ext cx="5675214" cy="837152"/>
               </a:xfrm>
               <a:prstGeom prst="rect">
                 <a:avLst/>
@@ -6744,7 +8462,7 @@
               <a:blipFill>
                 <a:blip r:embed="rId4"/>
                 <a:stretch>
-                  <a:fillRect l="-1420" t="-5128" b="-7692"/>
+                  <a:fillRect l="-1611" t="-5839" b="-9489"/>
                 </a:stretch>
               </a:blipFill>
             </p:spPr>
@@ -6779,8 +8497,8 @@
             </p:nvSpPr>
             <p:spPr>
               <a:xfrm>
-                <a:off x="4491298" y="560566"/>
-                <a:ext cx="3025832" cy="707886"/>
+                <a:off x="3726365" y="512055"/>
+                <a:ext cx="3734957" cy="830997"/>
               </a:xfrm>
               <a:prstGeom prst="rect">
                 <a:avLst/>
@@ -6794,7 +8512,7 @@
               <a:lstStyle/>
               <a:p>
                 <a:r>
-                  <a:rPr lang="en-PH" sz="2000" dirty="0">
+                  <a:rPr lang="en-PH" sz="2400" dirty="0">
                     <a:solidFill>
                       <a:srgbClr val="029E73"/>
                     </a:solidFill>
@@ -6802,7 +8520,7 @@
                     <a:ea typeface="Calibri" panose="020F0502020204030204" pitchFamily="34" charset="0"/>
                     <a:cs typeface="Calibri" panose="020F0502020204030204" pitchFamily="34" charset="0"/>
                   </a:rPr>
-                  <a:t>Theoretical:</a:t>
+                  <a:t>Theoretical (Nitta):</a:t>
                 </a:r>
               </a:p>
               <a:p>
@@ -6811,7 +8529,7 @@
                     <m:sSub>
                       <m:sSubPr>
                         <m:ctrlPr>
-                          <a:rPr lang="en-PH" sz="2000" b="0" i="1" smtClean="0">
+                          <a:rPr lang="en-PH" sz="2400" b="0" i="1" smtClean="0">
                             <a:solidFill>
                               <a:srgbClr val="029E73"/>
                             </a:solidFill>
@@ -6821,7 +8539,7 @@
                       </m:sSubPr>
                       <m:e>
                         <m:r>
-                          <a:rPr lang="en-PH" sz="2000" b="0" i="1" smtClean="0">
+                          <a:rPr lang="en-PH" sz="2400" b="0" i="1" smtClean="0">
                             <a:solidFill>
                               <a:srgbClr val="029E73"/>
                             </a:solidFill>
@@ -6832,7 +8550,7 @@
                       </m:e>
                       <m:sub>
                         <m:r>
-                          <a:rPr lang="en-PH" sz="2000" b="0" i="1" smtClean="0">
+                          <a:rPr lang="en-PH" sz="2400" b="0" i="1" smtClean="0">
                             <a:solidFill>
                               <a:srgbClr val="029E73"/>
                             </a:solidFill>
@@ -6843,7 +8561,7 @@
                       </m:sub>
                     </m:sSub>
                     <m:r>
-                      <a:rPr lang="en-PH" sz="2000" b="0" i="1" smtClean="0">
+                      <a:rPr lang="en-PH" sz="2400" b="0" i="1" smtClean="0">
                         <a:solidFill>
                           <a:srgbClr val="029E73"/>
                         </a:solidFill>
@@ -6854,7 +8572,7 @@
                     <m:sSub>
                       <m:sSubPr>
                         <m:ctrlPr>
-                          <a:rPr lang="en-PH" sz="2000" b="0" i="1" smtClean="0">
+                          <a:rPr lang="en-PH" sz="2400" b="0" i="1" smtClean="0">
                             <a:solidFill>
                               <a:srgbClr val="029E73"/>
                             </a:solidFill>
@@ -6864,7 +8582,7 @@
                       </m:sSubPr>
                       <m:e>
                         <m:r>
-                          <a:rPr lang="en-PH" sz="2000" b="0" i="1" smtClean="0">
+                          <a:rPr lang="en-PH" sz="2400" b="0" i="1" smtClean="0">
                             <a:solidFill>
                               <a:srgbClr val="029E73"/>
                             </a:solidFill>
@@ -6875,7 +8593,7 @@
                       </m:e>
                       <m:sub>
                         <m:r>
-                          <a:rPr lang="en-PH" sz="2000" b="0" i="1" smtClean="0">
+                          <a:rPr lang="en-PH" sz="2400" b="0" i="1" smtClean="0">
                             <a:solidFill>
                               <a:srgbClr val="029E73"/>
                             </a:solidFill>
@@ -6884,7 +8602,7 @@
                           <m:t>𝑡</m:t>
                         </m:r>
                         <m:r>
-                          <a:rPr lang="en-PH" sz="2000" b="0" i="1" smtClean="0">
+                          <a:rPr lang="en-PH" sz="2400" b="0" i="1" smtClean="0">
                             <a:solidFill>
                               <a:srgbClr val="029E73"/>
                             </a:solidFill>
@@ -6895,7 +8613,7 @@
                       </m:sub>
                     </m:sSub>
                     <m:r>
-                      <a:rPr lang="en-PH" sz="2000" b="0" i="1" smtClean="0">
+                      <a:rPr lang="en-PH" sz="2400" b="0" i="1" smtClean="0">
                         <a:solidFill>
                           <a:srgbClr val="029E73"/>
                         </a:solidFill>
@@ -6906,7 +8624,7 @@
                     <m:sSub>
                       <m:sSubPr>
                         <m:ctrlPr>
-                          <a:rPr lang="en-PH" sz="2000" b="0" i="1" smtClean="0">
+                          <a:rPr lang="en-PH" sz="2400" b="0" i="1" smtClean="0">
                             <a:solidFill>
                               <a:srgbClr val="029E73"/>
                             </a:solidFill>
@@ -6916,7 +8634,7 @@
                       </m:sSubPr>
                       <m:e>
                         <m:r>
-                          <a:rPr lang="en-PH" sz="2000" b="0" i="1" smtClean="0">
+                          <a:rPr lang="en-PH" sz="2400" b="0" i="1" smtClean="0">
                             <a:solidFill>
                               <a:srgbClr val="029E73"/>
                             </a:solidFill>
@@ -6927,7 +8645,7 @@
                       </m:e>
                       <m:sub>
                         <m:r>
-                          <a:rPr lang="en-PH" sz="2000" b="0" i="1" smtClean="0">
+                          <a:rPr lang="en-PH" sz="2400" b="0" i="1" smtClean="0">
                             <a:solidFill>
                               <a:srgbClr val="029E73"/>
                             </a:solidFill>
@@ -6936,7 +8654,7 @@
                           <m:t>𝑡</m:t>
                         </m:r>
                         <m:r>
-                          <a:rPr lang="en-PH" sz="2000" b="0" i="1" smtClean="0">
+                          <a:rPr lang="en-PH" sz="2400" b="0" i="1" smtClean="0">
                             <a:solidFill>
                               <a:srgbClr val="029E73"/>
                             </a:solidFill>
@@ -6947,7 +8665,7 @@
                       </m:sub>
                     </m:sSub>
                     <m:r>
-                      <a:rPr lang="en-PH" sz="2000" b="0" i="1" smtClean="0">
+                      <a:rPr lang="en-PH" sz="2400" b="0" i="1" smtClean="0">
                         <a:solidFill>
                           <a:srgbClr val="029E73"/>
                         </a:solidFill>
@@ -6958,7 +8676,7 @@
                     <m:sSub>
                       <m:sSubPr>
                         <m:ctrlPr>
-                          <a:rPr lang="en-PH" sz="2000" b="0" i="1" smtClean="0">
+                          <a:rPr lang="en-PH" sz="2400" b="0" i="1" smtClean="0">
                             <a:solidFill>
                               <a:srgbClr val="029E73"/>
                             </a:solidFill>
@@ -6968,7 +8686,7 @@
                       </m:sSubPr>
                       <m:e>
                         <m:r>
-                          <a:rPr lang="en-PH" sz="2000" b="0" i="1" smtClean="0">
+                          <a:rPr lang="en-PH" sz="2400" b="0" i="1" smtClean="0">
                             <a:solidFill>
                               <a:srgbClr val="029E73"/>
                             </a:solidFill>
@@ -6979,7 +8697,7 @@
                       </m:e>
                       <m:sub>
                         <m:r>
-                          <a:rPr lang="en-PH" sz="2000" b="0" i="1" smtClean="0">
+                          <a:rPr lang="en-PH" sz="2400" b="0" i="1" smtClean="0">
                             <a:solidFill>
                               <a:srgbClr val="029E73"/>
                             </a:solidFill>
@@ -6988,7 +8706,7 @@
                           <m:t>𝑡</m:t>
                         </m:r>
                         <m:r>
-                          <a:rPr lang="en-PH" sz="2000" b="0" i="1" smtClean="0">
+                          <a:rPr lang="en-PH" sz="2400" b="0" i="1" smtClean="0">
                             <a:solidFill>
                               <a:srgbClr val="029E73"/>
                             </a:solidFill>
@@ -6999,7 +8717,7 @@
                       </m:sub>
                     </m:sSub>
                     <m:r>
-                      <a:rPr lang="en-PH" sz="2000" b="0" i="1" smtClean="0">
+                      <a:rPr lang="en-PH" sz="2400" b="0" i="1" smtClean="0">
                         <a:solidFill>
                           <a:srgbClr val="029E73"/>
                         </a:solidFill>
@@ -7010,7 +8728,7 @@
                   </m:oMath>
                 </a14:m>
                 <a:r>
-                  <a:rPr lang="en-PH" sz="2000" dirty="0">
+                  <a:rPr lang="en-PH" sz="2400" dirty="0">
                     <a:solidFill>
                       <a:srgbClr val="029E73"/>
                     </a:solidFill>
@@ -7038,8 +8756,8 @@
             </p:nvSpPr>
             <p:spPr>
               <a:xfrm>
-                <a:off x="4491298" y="560566"/>
-                <a:ext cx="3025832" cy="707886"/>
+                <a:off x="3726365" y="512055"/>
+                <a:ext cx="3734957" cy="830997"/>
               </a:xfrm>
               <a:prstGeom prst="rect">
                 <a:avLst/>
@@ -7047,7 +8765,7 @@
               <a:blipFill>
                 <a:blip r:embed="rId5"/>
                 <a:stretch>
-                  <a:fillRect l="-2218" t="-5172" b="-7759"/>
+                  <a:fillRect l="-2447" t="-5882" b="-8824"/>
                 </a:stretch>
               </a:blipFill>
             </p:spPr>
@@ -7079,7 +8797,7 @@
 </p:sld>
 </file>
 
-<file path=ppt/slides/slide16.xml><?xml version="1.0" encoding="utf-8"?>
+<file path=ppt/slides/slide17.xml><?xml version="1.0" encoding="utf-8"?>
 <p:sld xmlns:a="http://schemas.openxmlformats.org/drawingml/2006/main" xmlns:r="http://schemas.openxmlformats.org/officeDocument/2006/relationships" xmlns:p="http://schemas.openxmlformats.org/presentationml/2006/main">
   <p:cSld>
     <p:spTree>
@@ -7148,13 +8866,15 @@
             </p:nvSpPr>
             <p:spPr>
               <a:xfrm>
-                <a:off x="2394919" y="3075057"/>
-                <a:ext cx="3881120" cy="707886"/>
+                <a:off x="3987547" y="4875727"/>
+                <a:ext cx="3224622" cy="830997"/>
               </a:xfrm>
               <a:prstGeom prst="rect">
                 <a:avLst/>
               </a:prstGeom>
-              <a:noFill/>
+              <a:solidFill>
+                <a:schemeClr val="bg1"/>
+              </a:solidFill>
             </p:spPr>
             <p:txBody>
               <a:bodyPr wrap="square" rtlCol="0">
@@ -7163,7 +8883,7 @@
               <a:lstStyle/>
               <a:p>
                 <a:r>
-                  <a:rPr lang="en-PH" sz="2000" dirty="0">
+                  <a:rPr lang="en-PH" sz="2400" dirty="0">
                     <a:solidFill>
                       <a:srgbClr val="0173B2"/>
                     </a:solidFill>
@@ -7180,7 +8900,7 @@
                     <m:sSub>
                       <m:sSubPr>
                         <m:ctrlPr>
-                          <a:rPr lang="en-PH" sz="2000" b="0" i="1" smtClean="0">
+                          <a:rPr lang="en-PH" sz="2400" b="0" i="1" smtClean="0">
                             <a:solidFill>
                               <a:srgbClr val="0173B2"/>
                             </a:solidFill>
@@ -7190,7 +8910,7 @@
                       </m:sSubPr>
                       <m:e>
                         <m:r>
-                          <a:rPr lang="en-PH" sz="2000" b="0" i="1" smtClean="0">
+                          <a:rPr lang="en-PH" sz="2400" b="0" i="1" smtClean="0">
                             <a:solidFill>
                               <a:srgbClr val="0173B2"/>
                             </a:solidFill>
@@ -7201,7 +8921,7 @@
                       </m:e>
                       <m:sub>
                         <m:r>
-                          <a:rPr lang="en-PH" sz="2000" b="0" i="1" smtClean="0">
+                          <a:rPr lang="en-PH" sz="2400" b="0" i="1" smtClean="0">
                             <a:solidFill>
                               <a:srgbClr val="0173B2"/>
                             </a:solidFill>
@@ -7212,36 +8932,18 @@
                       </m:sub>
                     </m:sSub>
                     <m:r>
-                      <a:rPr lang="en-PH" sz="2000" b="0" i="1" smtClean="0">
+                      <a:rPr lang="en-PH" sz="2400" b="0" i="1" smtClean="0">
                         <a:solidFill>
                           <a:srgbClr val="0173B2"/>
                         </a:solidFill>
                         <a:latin typeface="Cambria Math" panose="02040503050406030204" pitchFamily="18" charset="0"/>
                       </a:rPr>
-                      <m:t>=0.</m:t>
-                    </m:r>
-                    <m:r>
-                      <a:rPr lang="en-PH" sz="2000" b="0" i="1" smtClean="0">
-                        <a:solidFill>
-                          <a:srgbClr val="0173B2"/>
-                        </a:solidFill>
-                        <a:latin typeface="Cambria Math" panose="02040503050406030204" pitchFamily="18" charset="0"/>
-                      </a:rPr>
-                      <m:t>9</m:t>
-                    </m:r>
-                    <m:r>
-                      <a:rPr lang="en-PH" sz="2000" b="0" i="1" smtClean="0">
-                        <a:solidFill>
-                          <a:srgbClr val="0173B2"/>
-                        </a:solidFill>
-                        <a:latin typeface="Cambria Math" panose="02040503050406030204" pitchFamily="18" charset="0"/>
-                      </a:rPr>
-                      <m:t>7 </m:t>
+                      <m:t>=0.97 </m:t>
                     </m:r>
                     <m:sSub>
                       <m:sSubPr>
                         <m:ctrlPr>
-                          <a:rPr lang="en-PH" sz="2000" b="0" i="1" smtClean="0">
+                          <a:rPr lang="en-PH" sz="2400" b="0" i="1" smtClean="0">
                             <a:solidFill>
                               <a:srgbClr val="0173B2"/>
                             </a:solidFill>
@@ -7251,7 +8953,7 @@
                       </m:sSubPr>
                       <m:e>
                         <m:r>
-                          <a:rPr lang="en-PH" sz="2000" b="0" i="1" smtClean="0">
+                          <a:rPr lang="en-PH" sz="2400" b="0" i="1" smtClean="0">
                             <a:solidFill>
                               <a:srgbClr val="0173B2"/>
                             </a:solidFill>
@@ -7262,7 +8964,7 @@
                       </m:e>
                       <m:sub>
                         <m:r>
-                          <a:rPr lang="en-PH" sz="2000" b="0" i="1" smtClean="0">
+                          <a:rPr lang="en-PH" sz="2400" b="0" i="1" smtClean="0">
                             <a:solidFill>
                               <a:srgbClr val="0173B2"/>
                             </a:solidFill>
@@ -7271,7 +8973,7 @@
                           <m:t>𝑡</m:t>
                         </m:r>
                         <m:r>
-                          <a:rPr lang="en-PH" sz="2000" b="0" i="1" smtClean="0">
+                          <a:rPr lang="en-PH" sz="2400" b="0" i="1" smtClean="0">
                             <a:solidFill>
                               <a:srgbClr val="0173B2"/>
                             </a:solidFill>
@@ -7282,27 +8984,18 @@
                       </m:sub>
                     </m:sSub>
                     <m:r>
-                      <a:rPr lang="en-PH" sz="2000" b="0" i="1" smtClean="0">
+                      <a:rPr lang="en-PH" sz="2400" b="0" i="1" smtClean="0">
                         <a:solidFill>
                           <a:srgbClr val="0173B2"/>
                         </a:solidFill>
                         <a:latin typeface="Cambria Math" panose="02040503050406030204" pitchFamily="18" charset="0"/>
                       </a:rPr>
-                      <m:t>+</m:t>
-                    </m:r>
-                    <m:r>
-                      <a:rPr lang="en-PH" sz="2000" b="0" i="1" smtClean="0">
-                        <a:solidFill>
-                          <a:srgbClr val="0173B2"/>
-                        </a:solidFill>
-                        <a:latin typeface="Cambria Math" panose="02040503050406030204" pitchFamily="18" charset="0"/>
-                      </a:rPr>
-                      <m:t>0.029</m:t>
+                      <m:t>+0.029</m:t>
                     </m:r>
                   </m:oMath>
                 </a14:m>
                 <a:r>
-                  <a:rPr lang="en-PH" sz="2000" dirty="0">
+                  <a:rPr lang="en-PH" sz="2400" dirty="0">
                     <a:solidFill>
                       <a:srgbClr val="0173B2"/>
                     </a:solidFill>
@@ -7330,8 +9023,8 @@
             </p:nvSpPr>
             <p:spPr>
               <a:xfrm>
-                <a:off x="2394919" y="3075057"/>
-                <a:ext cx="3881120" cy="707886"/>
+                <a:off x="3987547" y="4875727"/>
+                <a:ext cx="3224622" cy="830997"/>
               </a:xfrm>
               <a:prstGeom prst="rect">
                 <a:avLst/>
@@ -7339,7 +9032,7 @@
               <a:blipFill>
                 <a:blip r:embed="rId3"/>
                 <a:stretch>
-                  <a:fillRect l="-1727" t="-4274" b="-6838"/>
+                  <a:fillRect l="-2836" t="-5882" b="-8824"/>
                 </a:stretch>
               </a:blipFill>
             </p:spPr>
@@ -7374,13 +9067,15 @@
             </p:nvSpPr>
             <p:spPr>
               <a:xfrm>
-                <a:off x="6004214" y="3472857"/>
-                <a:ext cx="4288450" cy="713016"/>
+                <a:off x="5719482" y="3812525"/>
+                <a:ext cx="4950962" cy="837152"/>
               </a:xfrm>
               <a:prstGeom prst="rect">
                 <a:avLst/>
               </a:prstGeom>
-              <a:noFill/>
+              <a:solidFill>
+                <a:schemeClr val="bg1"/>
+              </a:solidFill>
             </p:spPr>
             <p:txBody>
               <a:bodyPr wrap="square" rtlCol="0">
@@ -7389,7 +9084,7 @@
               <a:lstStyle/>
               <a:p>
                 <a:r>
-                  <a:rPr lang="en-PH" sz="2000" dirty="0">
+                  <a:rPr lang="en-PH" sz="2400" dirty="0">
                     <a:solidFill>
                       <a:srgbClr val="DE8F05"/>
                     </a:solidFill>
@@ -7411,7 +9106,7 @@
                       <m:sSub>
                         <m:sSubPr>
                           <m:ctrlPr>
-                            <a:rPr lang="en-PH" sz="2000" b="0" i="1" smtClean="0">
+                            <a:rPr lang="en-PH" sz="2400" b="0" i="1" smtClean="0">
                               <a:solidFill>
                                 <a:srgbClr val="DE8F05"/>
                               </a:solidFill>
@@ -7421,7 +9116,7 @@
                         </m:sSubPr>
                         <m:e>
                           <m:r>
-                            <a:rPr lang="en-PH" sz="2000" b="0" i="1" smtClean="0">
+                            <a:rPr lang="en-PH" sz="2400" b="0" i="1" smtClean="0">
                               <a:solidFill>
                                 <a:srgbClr val="DE8F05"/>
                               </a:solidFill>
@@ -7432,7 +9127,7 @@
                         </m:e>
                         <m:sub>
                           <m:r>
-                            <a:rPr lang="en-PH" sz="2000" b="0" i="1" smtClean="0">
+                            <a:rPr lang="en-PH" sz="2400" b="0" i="1" smtClean="0">
                               <a:solidFill>
                                 <a:srgbClr val="DE8F05"/>
                               </a:solidFill>
@@ -7443,36 +9138,18 @@
                         </m:sub>
                       </m:sSub>
                       <m:r>
-                        <a:rPr lang="en-PH" sz="2000" b="0" i="1" smtClean="0">
+                        <a:rPr lang="en-PH" sz="2400" b="0" i="1" smtClean="0">
                           <a:solidFill>
                             <a:srgbClr val="DE8F05"/>
                           </a:solidFill>
                           <a:latin typeface="Cambria Math" panose="02040503050406030204" pitchFamily="18" charset="0"/>
                         </a:rPr>
-                        <m:t>=−0.</m:t>
-                      </m:r>
-                      <m:r>
-                        <a:rPr lang="en-PH" sz="2000" b="0" i="1" smtClean="0">
-                          <a:solidFill>
-                            <a:srgbClr val="DE8F05"/>
-                          </a:solidFill>
-                          <a:latin typeface="Cambria Math" panose="02040503050406030204" pitchFamily="18" charset="0"/>
-                        </a:rPr>
-                        <m:t>033</m:t>
-                      </m:r>
-                      <m:r>
-                        <a:rPr lang="en-PH" sz="2000" b="0" i="1" smtClean="0">
-                          <a:solidFill>
-                            <a:srgbClr val="DE8F05"/>
-                          </a:solidFill>
-                          <a:latin typeface="Cambria Math" panose="02040503050406030204" pitchFamily="18" charset="0"/>
-                        </a:rPr>
-                        <m:t> </m:t>
+                        <m:t>=−0.033 </m:t>
                       </m:r>
                       <m:sSubSup>
                         <m:sSubSupPr>
                           <m:ctrlPr>
-                            <a:rPr lang="en-PH" sz="2000" b="0" i="1" smtClean="0">
+                            <a:rPr lang="en-PH" sz="2400" b="0" i="1" smtClean="0">
                               <a:solidFill>
                                 <a:srgbClr val="DE8F05"/>
                               </a:solidFill>
@@ -7482,7 +9159,7 @@
                         </m:sSubSupPr>
                         <m:e>
                           <m:r>
-                            <a:rPr lang="en-PH" sz="2000" b="0" i="1" smtClean="0">
+                            <a:rPr lang="en-PH" sz="2400" b="0" i="1" smtClean="0">
                               <a:solidFill>
                                 <a:srgbClr val="DE8F05"/>
                               </a:solidFill>
@@ -7493,7 +9170,7 @@
                         </m:e>
                         <m:sub>
                           <m:r>
-                            <a:rPr lang="en-PH" sz="2000" b="0" i="1" smtClean="0">
+                            <a:rPr lang="en-PH" sz="2400" b="0" i="1" smtClean="0">
                               <a:solidFill>
                                 <a:srgbClr val="DE8F05"/>
                               </a:solidFill>
@@ -7502,7 +9179,7 @@
                             <m:t>𝑡</m:t>
                           </m:r>
                           <m:r>
-                            <a:rPr lang="en-PH" sz="2000" b="0" i="1" smtClean="0">
+                            <a:rPr lang="en-PH" sz="2400" b="0" i="1" smtClean="0">
                               <a:solidFill>
                                 <a:srgbClr val="DE8F05"/>
                               </a:solidFill>
@@ -7513,7 +9190,7 @@
                         </m:sub>
                         <m:sup>
                           <m:r>
-                            <a:rPr lang="en-PH" sz="2000" b="0" i="1" smtClean="0">
+                            <a:rPr lang="en-PH" sz="2400" b="0" i="1" smtClean="0">
                               <a:solidFill>
                                 <a:srgbClr val="DE8F05"/>
                               </a:solidFill>
@@ -7524,36 +9201,18 @@
                         </m:sup>
                       </m:sSubSup>
                       <m:r>
-                        <a:rPr lang="en-PH" sz="2000" b="0" i="1" smtClean="0">
+                        <a:rPr lang="en-PH" sz="2400" b="0" i="1" smtClean="0">
                           <a:solidFill>
                             <a:srgbClr val="DE8F05"/>
                           </a:solidFill>
                           <a:latin typeface="Cambria Math" panose="02040503050406030204" pitchFamily="18" charset="0"/>
                         </a:rPr>
-                        <m:t>+1.</m:t>
-                      </m:r>
-                      <m:r>
-                        <a:rPr lang="en-PH" sz="2000" b="0" i="1" smtClean="0">
-                          <a:solidFill>
-                            <a:srgbClr val="DE8F05"/>
-                          </a:solidFill>
-                          <a:latin typeface="Cambria Math" panose="02040503050406030204" pitchFamily="18" charset="0"/>
-                        </a:rPr>
-                        <m:t>033</m:t>
-                      </m:r>
-                      <m:r>
-                        <a:rPr lang="en-PH" sz="2000" b="0" i="1" smtClean="0">
-                          <a:solidFill>
-                            <a:srgbClr val="DE8F05"/>
-                          </a:solidFill>
-                          <a:latin typeface="Cambria Math" panose="02040503050406030204" pitchFamily="18" charset="0"/>
-                        </a:rPr>
-                        <m:t> </m:t>
+                        <m:t>+1.033 </m:t>
                       </m:r>
                       <m:sSub>
                         <m:sSubPr>
                           <m:ctrlPr>
-                            <a:rPr lang="en-PH" sz="2000" b="0" i="1" smtClean="0">
+                            <a:rPr lang="en-PH" sz="2400" b="0" i="1" smtClean="0">
                               <a:solidFill>
                                 <a:srgbClr val="DE8F05"/>
                               </a:solidFill>
@@ -7563,7 +9222,7 @@
                         </m:sSubPr>
                         <m:e>
                           <m:r>
-                            <a:rPr lang="en-PH" sz="2000" b="0" i="1" smtClean="0">
+                            <a:rPr lang="en-PH" sz="2400" b="0" i="1" smtClean="0">
                               <a:solidFill>
                                 <a:srgbClr val="DE8F05"/>
                               </a:solidFill>
@@ -7574,7 +9233,7 @@
                         </m:e>
                         <m:sub>
                           <m:r>
-                            <a:rPr lang="en-PH" sz="2000" b="0" i="1" smtClean="0">
+                            <a:rPr lang="en-PH" sz="2400" b="0" i="1" smtClean="0">
                               <a:solidFill>
                                 <a:srgbClr val="DE8F05"/>
                               </a:solidFill>
@@ -7583,7 +9242,7 @@
                             <m:t>𝑡</m:t>
                           </m:r>
                           <m:r>
-                            <a:rPr lang="en-PH" sz="2000" b="0" i="1" smtClean="0">
+                            <a:rPr lang="en-PH" sz="2400" b="0" i="1" smtClean="0">
                               <a:solidFill>
                                 <a:srgbClr val="DE8F05"/>
                               </a:solidFill>
@@ -7594,7 +9253,7 @@
                         </m:sub>
                       </m:sSub>
                       <m:r>
-                        <a:rPr lang="en-PH" sz="2000" b="0" i="1" smtClean="0">
+                        <a:rPr lang="en-PH" sz="2400" b="0" i="1" smtClean="0">
                           <a:solidFill>
                             <a:srgbClr val="DE8F05"/>
                           </a:solidFill>
@@ -7605,7 +9264,7 @@
                     </m:oMath>
                   </m:oMathPara>
                 </a14:m>
-                <a:endParaRPr lang="en-PH" sz="2000" dirty="0">
+                <a:endParaRPr lang="en-PH" sz="2400" dirty="0">
                   <a:solidFill>
                     <a:srgbClr val="DE8F05"/>
                   </a:solidFill>
@@ -7631,8 +9290,8 @@
             </p:nvSpPr>
             <p:spPr>
               <a:xfrm>
-                <a:off x="6004214" y="3472857"/>
-                <a:ext cx="4288450" cy="713016"/>
+                <a:off x="5719482" y="3812525"/>
+                <a:ext cx="4950962" cy="837152"/>
               </a:xfrm>
               <a:prstGeom prst="rect">
                 <a:avLst/>
@@ -7640,7 +9299,7 @@
               <a:blipFill>
                 <a:blip r:embed="rId4"/>
                 <a:stretch>
-                  <a:fillRect l="-1565" t="-5128" b="-7692"/>
+                  <a:fillRect l="-1847" t="-5797" b="-8696"/>
                 </a:stretch>
               </a:blipFill>
             </p:spPr>
@@ -7675,13 +9334,15 @@
             </p:nvSpPr>
             <p:spPr>
               <a:xfrm>
-                <a:off x="3792938" y="841920"/>
-                <a:ext cx="3025832" cy="707886"/>
+                <a:off x="2953555" y="799393"/>
+                <a:ext cx="3594759" cy="830997"/>
               </a:xfrm>
               <a:prstGeom prst="rect">
                 <a:avLst/>
               </a:prstGeom>
-              <a:noFill/>
+              <a:solidFill>
+                <a:schemeClr val="bg1"/>
+              </a:solidFill>
             </p:spPr>
             <p:txBody>
               <a:bodyPr wrap="square" rtlCol="0">
@@ -7690,7 +9351,7 @@
               <a:lstStyle/>
               <a:p>
                 <a:r>
-                  <a:rPr lang="en-PH" sz="2000" dirty="0">
+                  <a:rPr lang="en-PH" sz="2400" dirty="0">
                     <a:solidFill>
                       <a:srgbClr val="029E73"/>
                     </a:solidFill>
@@ -7698,7 +9359,7 @@
                     <a:ea typeface="Calibri" panose="020F0502020204030204" pitchFamily="34" charset="0"/>
                     <a:cs typeface="Calibri" panose="020F0502020204030204" pitchFamily="34" charset="0"/>
                   </a:rPr>
-                  <a:t>Theoretical:</a:t>
+                  <a:t>Theoretical (Nitta):</a:t>
                 </a:r>
               </a:p>
               <a:p>
@@ -7707,7 +9368,7 @@
                     <m:sSub>
                       <m:sSubPr>
                         <m:ctrlPr>
-                          <a:rPr lang="en-PH" sz="2000" b="0" i="1" smtClean="0">
+                          <a:rPr lang="en-PH" sz="2400" b="0" i="1" smtClean="0">
                             <a:solidFill>
                               <a:srgbClr val="029E73"/>
                             </a:solidFill>
@@ -7717,7 +9378,7 @@
                       </m:sSubPr>
                       <m:e>
                         <m:r>
-                          <a:rPr lang="en-PH" sz="2000" b="0" i="1" smtClean="0">
+                          <a:rPr lang="en-PH" sz="2400" b="0" i="1" smtClean="0">
                             <a:solidFill>
                               <a:srgbClr val="029E73"/>
                             </a:solidFill>
@@ -7728,7 +9389,7 @@
                       </m:e>
                       <m:sub>
                         <m:r>
-                          <a:rPr lang="en-PH" sz="2000" b="0" i="1" smtClean="0">
+                          <a:rPr lang="en-PH" sz="2400" b="0" i="1" smtClean="0">
                             <a:solidFill>
                               <a:srgbClr val="029E73"/>
                             </a:solidFill>
@@ -7739,7 +9400,7 @@
                       </m:sub>
                     </m:sSub>
                     <m:r>
-                      <a:rPr lang="en-PH" sz="2000" b="0" i="1" smtClean="0">
+                      <a:rPr lang="en-PH" sz="2400" b="0" i="1" smtClean="0">
                         <a:solidFill>
                           <a:srgbClr val="029E73"/>
                         </a:solidFill>
@@ -7750,7 +9411,7 @@
                     <m:sSub>
                       <m:sSubPr>
                         <m:ctrlPr>
-                          <a:rPr lang="en-PH" sz="2000" b="0" i="1" smtClean="0">
+                          <a:rPr lang="en-PH" sz="2400" b="0" i="1" smtClean="0">
                             <a:solidFill>
                               <a:srgbClr val="029E73"/>
                             </a:solidFill>
@@ -7760,7 +9421,7 @@
                       </m:sSubPr>
                       <m:e>
                         <m:r>
-                          <a:rPr lang="en-PH" sz="2000" b="0" i="1" smtClean="0">
+                          <a:rPr lang="en-PH" sz="2400" b="0" i="1" smtClean="0">
                             <a:solidFill>
                               <a:srgbClr val="029E73"/>
                             </a:solidFill>
@@ -7771,7 +9432,7 @@
                       </m:e>
                       <m:sub>
                         <m:r>
-                          <a:rPr lang="en-PH" sz="2000" b="0" i="1" smtClean="0">
+                          <a:rPr lang="en-PH" sz="2400" b="0" i="1" smtClean="0">
                             <a:solidFill>
                               <a:srgbClr val="029E73"/>
                             </a:solidFill>
@@ -7780,7 +9441,7 @@
                           <m:t>𝑡</m:t>
                         </m:r>
                         <m:r>
-                          <a:rPr lang="en-PH" sz="2000" b="0" i="1" smtClean="0">
+                          <a:rPr lang="en-PH" sz="2400" b="0" i="1" smtClean="0">
                             <a:solidFill>
                               <a:srgbClr val="029E73"/>
                             </a:solidFill>
@@ -7791,7 +9452,7 @@
                       </m:sub>
                     </m:sSub>
                     <m:r>
-                      <a:rPr lang="en-PH" sz="2000" b="0" i="1" smtClean="0">
+                      <a:rPr lang="en-PH" sz="2400" b="0" i="1" smtClean="0">
                         <a:solidFill>
                           <a:srgbClr val="029E73"/>
                         </a:solidFill>
@@ -7802,7 +9463,7 @@
                     <m:sSub>
                       <m:sSubPr>
                         <m:ctrlPr>
-                          <a:rPr lang="en-PH" sz="2000" b="0" i="1" smtClean="0">
+                          <a:rPr lang="en-PH" sz="2400" b="0" i="1" smtClean="0">
                             <a:solidFill>
                               <a:srgbClr val="029E73"/>
                             </a:solidFill>
@@ -7812,7 +9473,7 @@
                       </m:sSubPr>
                       <m:e>
                         <m:r>
-                          <a:rPr lang="en-PH" sz="2000" b="0" i="1" smtClean="0">
+                          <a:rPr lang="en-PH" sz="2400" b="0" i="1" smtClean="0">
                             <a:solidFill>
                               <a:srgbClr val="029E73"/>
                             </a:solidFill>
@@ -7823,7 +9484,7 @@
                       </m:e>
                       <m:sub>
                         <m:r>
-                          <a:rPr lang="en-PH" sz="2000" b="0" i="1" smtClean="0">
+                          <a:rPr lang="en-PH" sz="2400" b="0" i="1" smtClean="0">
                             <a:solidFill>
                               <a:srgbClr val="029E73"/>
                             </a:solidFill>
@@ -7832,7 +9493,7 @@
                           <m:t>𝑡</m:t>
                         </m:r>
                         <m:r>
-                          <a:rPr lang="en-PH" sz="2000" b="0" i="1" smtClean="0">
+                          <a:rPr lang="en-PH" sz="2400" b="0" i="1" smtClean="0">
                             <a:solidFill>
                               <a:srgbClr val="029E73"/>
                             </a:solidFill>
@@ -7843,7 +9504,7 @@
                       </m:sub>
                     </m:sSub>
                     <m:r>
-                      <a:rPr lang="en-PH" sz="2000" b="0" i="1" smtClean="0">
+                      <a:rPr lang="en-PH" sz="2400" b="0" i="1" smtClean="0">
                         <a:solidFill>
                           <a:srgbClr val="029E73"/>
                         </a:solidFill>
@@ -7854,7 +9515,7 @@
                     <m:sSub>
                       <m:sSubPr>
                         <m:ctrlPr>
-                          <a:rPr lang="en-PH" sz="2000" b="0" i="1" smtClean="0">
+                          <a:rPr lang="en-PH" sz="2400" b="0" i="1" smtClean="0">
                             <a:solidFill>
                               <a:srgbClr val="029E73"/>
                             </a:solidFill>
@@ -7864,7 +9525,7 @@
                       </m:sSubPr>
                       <m:e>
                         <m:r>
-                          <a:rPr lang="en-PH" sz="2000" b="0" i="1" smtClean="0">
+                          <a:rPr lang="en-PH" sz="2400" b="0" i="1" smtClean="0">
                             <a:solidFill>
                               <a:srgbClr val="029E73"/>
                             </a:solidFill>
@@ -7875,7 +9536,7 @@
                       </m:e>
                       <m:sub>
                         <m:r>
-                          <a:rPr lang="en-PH" sz="2000" b="0" i="1" smtClean="0">
+                          <a:rPr lang="en-PH" sz="2400" b="0" i="1" smtClean="0">
                             <a:solidFill>
                               <a:srgbClr val="029E73"/>
                             </a:solidFill>
@@ -7884,7 +9545,7 @@
                           <m:t>𝑡</m:t>
                         </m:r>
                         <m:r>
-                          <a:rPr lang="en-PH" sz="2000" b="0" i="1" smtClean="0">
+                          <a:rPr lang="en-PH" sz="2400" b="0" i="1" smtClean="0">
                             <a:solidFill>
                               <a:srgbClr val="029E73"/>
                             </a:solidFill>
@@ -7895,7 +9556,7 @@
                       </m:sub>
                     </m:sSub>
                     <m:r>
-                      <a:rPr lang="en-PH" sz="2000" b="0" i="1" smtClean="0">
+                      <a:rPr lang="en-PH" sz="2400" b="0" i="1" smtClean="0">
                         <a:solidFill>
                           <a:srgbClr val="029E73"/>
                         </a:solidFill>
@@ -7906,7 +9567,7 @@
                   </m:oMath>
                 </a14:m>
                 <a:r>
-                  <a:rPr lang="en-PH" sz="2000" dirty="0">
+                  <a:rPr lang="en-PH" sz="2400" dirty="0">
                     <a:solidFill>
                       <a:srgbClr val="029E73"/>
                     </a:solidFill>
@@ -7934,8 +9595,8 @@
             </p:nvSpPr>
             <p:spPr>
               <a:xfrm>
-                <a:off x="3792938" y="841920"/>
-                <a:ext cx="3025832" cy="707886"/>
+                <a:off x="2953555" y="799393"/>
+                <a:ext cx="3594759" cy="830997"/>
               </a:xfrm>
               <a:prstGeom prst="rect">
                 <a:avLst/>
@@ -7943,7 +9604,7 @@
               <a:blipFill>
                 <a:blip r:embed="rId5"/>
                 <a:stretch>
-                  <a:fillRect l="-2012" t="-4310" b="-8621"/>
+                  <a:fillRect l="-2716" t="-5882" r="-340" b="-8824"/>
                 </a:stretch>
               </a:blipFill>
             </p:spPr>
@@ -23059,276 +24720,256 @@
           <a:chExt cx="0" cy="0"/>
         </a:xfrm>
       </p:grpSpPr>
-      <p:grpSp>
-        <p:nvGrpSpPr>
-          <p:cNvPr id="9" name="Group 8">
+      <p:pic>
+        <p:nvPicPr>
+          <p:cNvPr id="10" name="Picture 9" descr="A graph of a line graph&#10;&#10;AI-generated content may be incorrect.">
             <a:extLst>
               <a:ext uri="{FF2B5EF4-FFF2-40B4-BE49-F238E27FC236}">
-                <a16:creationId xmlns:a16="http://schemas.microsoft.com/office/drawing/2014/main" id="{6B2C83B3-CB12-FCDE-4512-87348B07FE8B}"/>
+                <a16:creationId xmlns:a16="http://schemas.microsoft.com/office/drawing/2014/main" id="{429D3CAD-8760-A971-AB66-EE025DF5698B}"/>
               </a:ext>
             </a:extLst>
           </p:cNvPr>
-          <p:cNvGrpSpPr/>
+          <p:cNvPicPr>
+            <a:picLocks noChangeAspect="1"/>
+          </p:cNvPicPr>
           <p:nvPr/>
-        </p:nvGrpSpPr>
-        <p:grpSpPr>
+        </p:nvPicPr>
+        <p:blipFill>
+          <a:blip r:embed="rId2">
+            <a:extLst>
+              <a:ext uri="{28A0092B-C50C-407E-A947-70E740481C1C}">
+                <a14:useLocalDpi xmlns:a14="http://schemas.microsoft.com/office/drawing/2010/main" val="0"/>
+              </a:ext>
+            </a:extLst>
+          </a:blip>
+          <a:stretch>
+            <a:fillRect/>
+          </a:stretch>
+        </p:blipFill>
+        <p:spPr>
           <a:xfrm>
-            <a:off x="1296729" y="401320"/>
-            <a:ext cx="9700141" cy="6151880"/>
-            <a:chOff x="1245929" y="0"/>
-            <a:chExt cx="9700141" cy="6151880"/>
+            <a:off x="1245929" y="0"/>
+            <a:ext cx="9700141" cy="6858000"/>
           </a:xfrm>
-        </p:grpSpPr>
-        <p:pic>
-          <p:nvPicPr>
-            <p:cNvPr id="3" name="Picture 2" descr="A graph of a number of steps&#10;&#10;AI-generated content may be incorrect.">
-              <a:extLst>
-                <a:ext uri="{FF2B5EF4-FFF2-40B4-BE49-F238E27FC236}">
-                  <a16:creationId xmlns:a16="http://schemas.microsoft.com/office/drawing/2014/main" id="{71C94A44-0499-0139-EF14-60124B7F92B9}"/>
-                </a:ext>
-              </a:extLst>
-            </p:cNvPr>
-            <p:cNvPicPr>
-              <a:picLocks noChangeAspect="1"/>
-            </p:cNvPicPr>
-            <p:nvPr/>
-          </p:nvPicPr>
-          <p:blipFill>
-            <a:blip r:embed="rId2">
-              <a:extLst>
-                <a:ext uri="{28A0092B-C50C-407E-A947-70E740481C1C}">
-                  <a14:useLocalDpi xmlns:a14="http://schemas.microsoft.com/office/drawing/2010/main" val="0"/>
-                </a:ext>
-              </a:extLst>
-            </a:blip>
-            <a:srcRect b="10296"/>
-            <a:stretch/>
-          </p:blipFill>
-          <p:spPr>
-            <a:xfrm>
-              <a:off x="1245929" y="0"/>
-              <a:ext cx="9700141" cy="6151880"/>
-            </a:xfrm>
-            <a:prstGeom prst="rect">
-              <a:avLst/>
-            </a:prstGeom>
-          </p:spPr>
-        </p:pic>
-        <p:sp>
-          <p:nvSpPr>
-            <p:cNvPr id="4" name="TextBox 3">
-              <a:extLst>
-                <a:ext uri="{FF2B5EF4-FFF2-40B4-BE49-F238E27FC236}">
-                  <a16:creationId xmlns:a16="http://schemas.microsoft.com/office/drawing/2014/main" id="{6F75358F-434C-A7AB-A82F-938B5FF6CAF8}"/>
-                </a:ext>
-              </a:extLst>
-            </p:cNvPr>
-            <p:cNvSpPr txBox="1"/>
-            <p:nvPr/>
-          </p:nvSpPr>
-          <p:spPr>
-            <a:xfrm>
-              <a:off x="2772539" y="2967335"/>
-              <a:ext cx="1608759" cy="461665"/>
-            </a:xfrm>
-            <a:prstGeom prst="rect">
-              <a:avLst/>
-            </a:prstGeom>
-            <a:noFill/>
-          </p:spPr>
-          <p:txBody>
-            <a:bodyPr wrap="square" rtlCol="0">
-              <a:spAutoFit/>
-            </a:bodyPr>
-            <a:lstStyle/>
-            <a:p>
-              <a:r>
-                <a:rPr lang="en-PH" sz="2400" dirty="0">
-                  <a:solidFill>
-                    <a:srgbClr val="479AC8"/>
-                  </a:solidFill>
-                  <a:latin typeface="Calibri" panose="020F0502020204030204" pitchFamily="34" charset="0"/>
-                  <a:ea typeface="Calibri" panose="020F0502020204030204" pitchFamily="34" charset="0"/>
-                  <a:cs typeface="Calibri" panose="020F0502020204030204" pitchFamily="34" charset="0"/>
-                </a:rPr>
-                <a:t>Traditional</a:t>
-              </a:r>
-            </a:p>
-          </p:txBody>
-        </p:sp>
-        <p:sp>
-          <p:nvSpPr>
-            <p:cNvPr id="5" name="TextBox 4">
-              <a:extLst>
-                <a:ext uri="{FF2B5EF4-FFF2-40B4-BE49-F238E27FC236}">
-                  <a16:creationId xmlns:a16="http://schemas.microsoft.com/office/drawing/2014/main" id="{74A532B5-628F-C998-D5EF-E29E0A2839C2}"/>
-                </a:ext>
-              </a:extLst>
-            </p:cNvPr>
-            <p:cNvSpPr txBox="1"/>
-            <p:nvPr/>
-          </p:nvSpPr>
-          <p:spPr>
-            <a:xfrm>
-              <a:off x="6728419" y="1397695"/>
-              <a:ext cx="1208774" cy="830997"/>
-            </a:xfrm>
-            <a:prstGeom prst="rect">
-              <a:avLst/>
-            </a:prstGeom>
-            <a:noFill/>
-          </p:spPr>
-          <p:txBody>
-            <a:bodyPr wrap="square" rtlCol="0">
-              <a:spAutoFit/>
-            </a:bodyPr>
-            <a:lstStyle/>
-            <a:p>
-              <a:pPr algn="ctr"/>
-              <a:r>
-                <a:rPr lang="en-PH" sz="2400" dirty="0">
-                  <a:solidFill>
-                    <a:srgbClr val="E5A83D"/>
-                  </a:solidFill>
-                  <a:latin typeface="Calibri" panose="020F0502020204030204" pitchFamily="34" charset="0"/>
-                  <a:ea typeface="Calibri" panose="020F0502020204030204" pitchFamily="34" charset="0"/>
-                  <a:cs typeface="Calibri" panose="020F0502020204030204" pitchFamily="34" charset="0"/>
-                </a:rPr>
-                <a:t>Inner Corner</a:t>
-              </a:r>
-            </a:p>
-          </p:txBody>
-        </p:sp>
-        <p:sp>
-          <p:nvSpPr>
-            <p:cNvPr id="6" name="TextBox 5">
-              <a:extLst>
-                <a:ext uri="{FF2B5EF4-FFF2-40B4-BE49-F238E27FC236}">
-                  <a16:creationId xmlns:a16="http://schemas.microsoft.com/office/drawing/2014/main" id="{057741A2-1752-968F-1A88-0A944C3CC834}"/>
-                </a:ext>
-              </a:extLst>
-            </p:cNvPr>
-            <p:cNvSpPr txBox="1"/>
-            <p:nvPr/>
-          </p:nvSpPr>
-          <p:spPr>
-            <a:xfrm>
-              <a:off x="8393389" y="3679885"/>
-              <a:ext cx="1208774" cy="830997"/>
-            </a:xfrm>
-            <a:prstGeom prst="rect">
-              <a:avLst/>
-            </a:prstGeom>
-            <a:noFill/>
-          </p:spPr>
-          <p:txBody>
-            <a:bodyPr wrap="square" rtlCol="0">
-              <a:spAutoFit/>
-            </a:bodyPr>
-            <a:lstStyle/>
-            <a:p>
-              <a:pPr algn="ctr"/>
-              <a:r>
-                <a:rPr lang="en-PH" sz="2400" dirty="0">
-                  <a:solidFill>
-                    <a:srgbClr val="3BB493"/>
-                  </a:solidFill>
-                  <a:latin typeface="Calibri" panose="020F0502020204030204" pitchFamily="34" charset="0"/>
-                  <a:ea typeface="Calibri" panose="020F0502020204030204" pitchFamily="34" charset="0"/>
-                  <a:cs typeface="Calibri" panose="020F0502020204030204" pitchFamily="34" charset="0"/>
-                </a:rPr>
-                <a:t>Outer Corner</a:t>
-              </a:r>
-            </a:p>
-          </p:txBody>
-        </p:sp>
-        <p:sp>
-          <p:nvSpPr>
-            <p:cNvPr id="7" name="TextBox 6">
-              <a:extLst>
-                <a:ext uri="{FF2B5EF4-FFF2-40B4-BE49-F238E27FC236}">
-                  <a16:creationId xmlns:a16="http://schemas.microsoft.com/office/drawing/2014/main" id="{DC077492-1A05-3BFC-E234-E54B21677F74}"/>
-                </a:ext>
-              </a:extLst>
-            </p:cNvPr>
-            <p:cNvSpPr txBox="1"/>
-            <p:nvPr/>
-          </p:nvSpPr>
-          <p:spPr>
-            <a:xfrm>
-              <a:off x="9088616" y="2136338"/>
-              <a:ext cx="1208774" cy="461665"/>
-            </a:xfrm>
-            <a:prstGeom prst="rect">
-              <a:avLst/>
-            </a:prstGeom>
-            <a:noFill/>
-          </p:spPr>
-          <p:txBody>
-            <a:bodyPr wrap="square" rtlCol="0">
-              <a:spAutoFit/>
-            </a:bodyPr>
-            <a:lstStyle/>
-            <a:p>
-              <a:pPr algn="ctr"/>
-              <a:r>
-                <a:rPr lang="en-PH" sz="2400" dirty="0">
-                  <a:solidFill>
-                    <a:srgbClr val="DF833A"/>
-                  </a:solidFill>
-                  <a:latin typeface="Calibri" panose="020F0502020204030204" pitchFamily="34" charset="0"/>
-                  <a:ea typeface="Calibri" panose="020F0502020204030204" pitchFamily="34" charset="0"/>
-                  <a:cs typeface="Calibri" panose="020F0502020204030204" pitchFamily="34" charset="0"/>
-                </a:rPr>
-                <a:t>Center</a:t>
-              </a:r>
-            </a:p>
-          </p:txBody>
-        </p:sp>
-        <p:sp>
-          <p:nvSpPr>
-            <p:cNvPr id="8" name="TextBox 7">
-              <a:extLst>
-                <a:ext uri="{FF2B5EF4-FFF2-40B4-BE49-F238E27FC236}">
-                  <a16:creationId xmlns:a16="http://schemas.microsoft.com/office/drawing/2014/main" id="{4DAB3222-9999-B157-8454-FB50BE36C125}"/>
-                </a:ext>
-              </a:extLst>
-            </p:cNvPr>
-            <p:cNvSpPr txBox="1"/>
-            <p:nvPr/>
-          </p:nvSpPr>
-          <p:spPr>
-            <a:xfrm>
-              <a:off x="9523886" y="1054456"/>
-              <a:ext cx="1320585" cy="461665"/>
-            </a:xfrm>
-            <a:prstGeom prst="rect">
-              <a:avLst/>
-            </a:prstGeom>
-            <a:noFill/>
-          </p:spPr>
-          <p:txBody>
-            <a:bodyPr wrap="square" rtlCol="0">
-              <a:spAutoFit/>
-            </a:bodyPr>
-            <a:lstStyle/>
-            <a:p>
-              <a:pPr algn="ctr"/>
-              <a:r>
-                <a:rPr lang="en-PH" sz="2400" dirty="0">
-                  <a:solidFill>
-                    <a:srgbClr val="D797CC"/>
-                  </a:solidFill>
-                  <a:latin typeface="Calibri" panose="020F0502020204030204" pitchFamily="34" charset="0"/>
-                  <a:ea typeface="Calibri" panose="020F0502020204030204" pitchFamily="34" charset="0"/>
-                  <a:cs typeface="Calibri" panose="020F0502020204030204" pitchFamily="34" charset="0"/>
-                </a:rPr>
-                <a:t>Random</a:t>
-              </a:r>
-            </a:p>
-          </p:txBody>
-        </p:sp>
-      </p:grpSp>
+          <a:prstGeom prst="rect">
+            <a:avLst/>
+          </a:prstGeom>
+        </p:spPr>
+      </p:pic>
+      <p:sp>
+        <p:nvSpPr>
+          <p:cNvPr id="4" name="TextBox 3">
+            <a:extLst>
+              <a:ext uri="{FF2B5EF4-FFF2-40B4-BE49-F238E27FC236}">
+                <a16:creationId xmlns:a16="http://schemas.microsoft.com/office/drawing/2014/main" id="{6F75358F-434C-A7AB-A82F-938B5FF6CAF8}"/>
+              </a:ext>
+            </a:extLst>
+          </p:cNvPr>
+          <p:cNvSpPr txBox="1"/>
+          <p:nvPr/>
+        </p:nvSpPr>
+        <p:spPr>
+          <a:xfrm>
+            <a:off x="2823339" y="3368655"/>
+            <a:ext cx="1608759" cy="461665"/>
+          </a:xfrm>
+          <a:prstGeom prst="rect">
+            <a:avLst/>
+          </a:prstGeom>
+          <a:noFill/>
+        </p:spPr>
+        <p:txBody>
+          <a:bodyPr wrap="square" rtlCol="0">
+            <a:spAutoFit/>
+          </a:bodyPr>
+          <a:lstStyle/>
+          <a:p>
+            <a:r>
+              <a:rPr lang="en-PH" sz="2400" dirty="0">
+                <a:solidFill>
+                  <a:srgbClr val="479AC8"/>
+                </a:solidFill>
+                <a:latin typeface="Calibri" panose="020F0502020204030204" pitchFamily="34" charset="0"/>
+                <a:ea typeface="Calibri" panose="020F0502020204030204" pitchFamily="34" charset="0"/>
+                <a:cs typeface="Calibri" panose="020F0502020204030204" pitchFamily="34" charset="0"/>
+              </a:rPr>
+              <a:t>Traditional</a:t>
+            </a:r>
+          </a:p>
+        </p:txBody>
+      </p:sp>
+      <p:sp>
+        <p:nvSpPr>
+          <p:cNvPr id="5" name="TextBox 4">
+            <a:extLst>
+              <a:ext uri="{FF2B5EF4-FFF2-40B4-BE49-F238E27FC236}">
+                <a16:creationId xmlns:a16="http://schemas.microsoft.com/office/drawing/2014/main" id="{74A532B5-628F-C998-D5EF-E29E0A2839C2}"/>
+              </a:ext>
+            </a:extLst>
+          </p:cNvPr>
+          <p:cNvSpPr txBox="1"/>
+          <p:nvPr/>
+        </p:nvSpPr>
+        <p:spPr>
+          <a:xfrm>
+            <a:off x="6779219" y="1799015"/>
+            <a:ext cx="1208774" cy="830997"/>
+          </a:xfrm>
+          <a:prstGeom prst="rect">
+            <a:avLst/>
+          </a:prstGeom>
+          <a:noFill/>
+        </p:spPr>
+        <p:txBody>
+          <a:bodyPr wrap="square" rtlCol="0">
+            <a:spAutoFit/>
+          </a:bodyPr>
+          <a:lstStyle/>
+          <a:p>
+            <a:pPr algn="ctr"/>
+            <a:r>
+              <a:rPr lang="en-PH" sz="2400" dirty="0">
+                <a:solidFill>
+                  <a:srgbClr val="E5A83D"/>
+                </a:solidFill>
+                <a:latin typeface="Calibri" panose="020F0502020204030204" pitchFamily="34" charset="0"/>
+                <a:ea typeface="Calibri" panose="020F0502020204030204" pitchFamily="34" charset="0"/>
+                <a:cs typeface="Calibri" panose="020F0502020204030204" pitchFamily="34" charset="0"/>
+              </a:rPr>
+              <a:t>Inner Corner</a:t>
+            </a:r>
+          </a:p>
+        </p:txBody>
+      </p:sp>
+      <p:sp>
+        <p:nvSpPr>
+          <p:cNvPr id="6" name="TextBox 5">
+            <a:extLst>
+              <a:ext uri="{FF2B5EF4-FFF2-40B4-BE49-F238E27FC236}">
+                <a16:creationId xmlns:a16="http://schemas.microsoft.com/office/drawing/2014/main" id="{057741A2-1752-968F-1A88-0A944C3CC834}"/>
+              </a:ext>
+            </a:extLst>
+          </p:cNvPr>
+          <p:cNvSpPr txBox="1"/>
+          <p:nvPr/>
+        </p:nvSpPr>
+        <p:spPr>
+          <a:xfrm>
+            <a:off x="7685775" y="4855756"/>
+            <a:ext cx="1208774" cy="830997"/>
+          </a:xfrm>
+          <a:prstGeom prst="rect">
+            <a:avLst/>
+          </a:prstGeom>
+          <a:noFill/>
+        </p:spPr>
+        <p:txBody>
+          <a:bodyPr wrap="square" rtlCol="0">
+            <a:spAutoFit/>
+          </a:bodyPr>
+          <a:lstStyle/>
+          <a:p>
+            <a:pPr algn="ctr"/>
+            <a:r>
+              <a:rPr lang="en-PH" sz="2400" dirty="0">
+                <a:solidFill>
+                  <a:srgbClr val="3BB493"/>
+                </a:solidFill>
+                <a:latin typeface="Calibri" panose="020F0502020204030204" pitchFamily="34" charset="0"/>
+                <a:ea typeface="Calibri" panose="020F0502020204030204" pitchFamily="34" charset="0"/>
+                <a:cs typeface="Calibri" panose="020F0502020204030204" pitchFamily="34" charset="0"/>
+              </a:rPr>
+              <a:t>Outer Corner</a:t>
+            </a:r>
+          </a:p>
+        </p:txBody>
+      </p:sp>
+      <p:sp>
+        <p:nvSpPr>
+          <p:cNvPr id="7" name="TextBox 6">
+            <a:extLst>
+              <a:ext uri="{FF2B5EF4-FFF2-40B4-BE49-F238E27FC236}">
+                <a16:creationId xmlns:a16="http://schemas.microsoft.com/office/drawing/2014/main" id="{DC077492-1A05-3BFC-E234-E54B21677F74}"/>
+              </a:ext>
+            </a:extLst>
+          </p:cNvPr>
+          <p:cNvSpPr txBox="1"/>
+          <p:nvPr/>
+        </p:nvSpPr>
+        <p:spPr>
+          <a:xfrm>
+            <a:off x="8956279" y="3064782"/>
+            <a:ext cx="1208774" cy="461665"/>
+          </a:xfrm>
+          <a:prstGeom prst="rect">
+            <a:avLst/>
+          </a:prstGeom>
+          <a:noFill/>
+        </p:spPr>
+        <p:txBody>
+          <a:bodyPr wrap="square" rtlCol="0">
+            <a:spAutoFit/>
+          </a:bodyPr>
+          <a:lstStyle/>
+          <a:p>
+            <a:pPr algn="ctr"/>
+            <a:r>
+              <a:rPr lang="en-PH" sz="2400" dirty="0">
+                <a:solidFill>
+                  <a:srgbClr val="DF833A"/>
+                </a:solidFill>
+                <a:latin typeface="Calibri" panose="020F0502020204030204" pitchFamily="34" charset="0"/>
+                <a:ea typeface="Calibri" panose="020F0502020204030204" pitchFamily="34" charset="0"/>
+                <a:cs typeface="Calibri" panose="020F0502020204030204" pitchFamily="34" charset="0"/>
+              </a:rPr>
+              <a:t>Center</a:t>
+            </a:r>
+          </a:p>
+        </p:txBody>
+      </p:sp>
+      <p:sp>
+        <p:nvSpPr>
+          <p:cNvPr id="8" name="TextBox 7">
+            <a:extLst>
+              <a:ext uri="{FF2B5EF4-FFF2-40B4-BE49-F238E27FC236}">
+                <a16:creationId xmlns:a16="http://schemas.microsoft.com/office/drawing/2014/main" id="{4DAB3222-9999-B157-8454-FB50BE36C125}"/>
+              </a:ext>
+            </a:extLst>
+          </p:cNvPr>
+          <p:cNvSpPr txBox="1"/>
+          <p:nvPr/>
+        </p:nvSpPr>
+        <p:spPr>
+          <a:xfrm>
+            <a:off x="9504761" y="1224943"/>
+            <a:ext cx="1320585" cy="461665"/>
+          </a:xfrm>
+          <a:prstGeom prst="rect">
+            <a:avLst/>
+          </a:prstGeom>
+          <a:noFill/>
+        </p:spPr>
+        <p:txBody>
+          <a:bodyPr wrap="square" rtlCol="0">
+            <a:spAutoFit/>
+          </a:bodyPr>
+          <a:lstStyle/>
+          <a:p>
+            <a:pPr algn="ctr"/>
+            <a:r>
+              <a:rPr lang="en-PH" sz="2400" dirty="0">
+                <a:solidFill>
+                  <a:srgbClr val="D797CC"/>
+                </a:solidFill>
+                <a:latin typeface="Calibri" panose="020F0502020204030204" pitchFamily="34" charset="0"/>
+                <a:ea typeface="Calibri" panose="020F0502020204030204" pitchFamily="34" charset="0"/>
+                <a:cs typeface="Calibri" panose="020F0502020204030204" pitchFamily="34" charset="0"/>
+              </a:rPr>
+              <a:t>Random</a:t>
+            </a:r>
+          </a:p>
+        </p:txBody>
+      </p:sp>
     </p:spTree>
     <p:extLst>
       <p:ext uri="{BB962C8B-B14F-4D97-AF65-F5344CB8AC3E}">

--- a/documents/Figures editing.pptx
+++ b/documents/Figures editing.pptx
@@ -277,7 +277,7 @@
           <a:p>
             <a:fld id="{F6E9F5A1-C99C-41F9-B991-61D99245B2FF}" type="datetimeFigureOut">
               <a:rPr lang="en-PH" smtClean="0"/>
-              <a:t>04/10/2025</a:t>
+              <a:t>04/23/2025</a:t>
             </a:fld>
             <a:endParaRPr lang="en-PH"/>
           </a:p>
@@ -477,7 +477,7 @@
           <a:p>
             <a:fld id="{F6E9F5A1-C99C-41F9-B991-61D99245B2FF}" type="datetimeFigureOut">
               <a:rPr lang="en-PH" smtClean="0"/>
-              <a:t>04/10/2025</a:t>
+              <a:t>04/23/2025</a:t>
             </a:fld>
             <a:endParaRPr lang="en-PH"/>
           </a:p>
@@ -687,7 +687,7 @@
           <a:p>
             <a:fld id="{F6E9F5A1-C99C-41F9-B991-61D99245B2FF}" type="datetimeFigureOut">
               <a:rPr lang="en-PH" smtClean="0"/>
-              <a:t>04/10/2025</a:t>
+              <a:t>04/23/2025</a:t>
             </a:fld>
             <a:endParaRPr lang="en-PH"/>
           </a:p>
@@ -887,7 +887,7 @@
           <a:p>
             <a:fld id="{F6E9F5A1-C99C-41F9-B991-61D99245B2FF}" type="datetimeFigureOut">
               <a:rPr lang="en-PH" smtClean="0"/>
-              <a:t>04/10/2025</a:t>
+              <a:t>04/23/2025</a:t>
             </a:fld>
             <a:endParaRPr lang="en-PH"/>
           </a:p>
@@ -1163,7 +1163,7 @@
           <a:p>
             <a:fld id="{F6E9F5A1-C99C-41F9-B991-61D99245B2FF}" type="datetimeFigureOut">
               <a:rPr lang="en-PH" smtClean="0"/>
-              <a:t>04/10/2025</a:t>
+              <a:t>04/23/2025</a:t>
             </a:fld>
             <a:endParaRPr lang="en-PH"/>
           </a:p>
@@ -1431,7 +1431,7 @@
           <a:p>
             <a:fld id="{F6E9F5A1-C99C-41F9-B991-61D99245B2FF}" type="datetimeFigureOut">
               <a:rPr lang="en-PH" smtClean="0"/>
-              <a:t>04/10/2025</a:t>
+              <a:t>04/23/2025</a:t>
             </a:fld>
             <a:endParaRPr lang="en-PH"/>
           </a:p>
@@ -1846,7 +1846,7 @@
           <a:p>
             <a:fld id="{F6E9F5A1-C99C-41F9-B991-61D99245B2FF}" type="datetimeFigureOut">
               <a:rPr lang="en-PH" smtClean="0"/>
-              <a:t>04/10/2025</a:t>
+              <a:t>04/23/2025</a:t>
             </a:fld>
             <a:endParaRPr lang="en-PH"/>
           </a:p>
@@ -1988,7 +1988,7 @@
           <a:p>
             <a:fld id="{F6E9F5A1-C99C-41F9-B991-61D99245B2FF}" type="datetimeFigureOut">
               <a:rPr lang="en-PH" smtClean="0"/>
-              <a:t>04/10/2025</a:t>
+              <a:t>04/23/2025</a:t>
             </a:fld>
             <a:endParaRPr lang="en-PH"/>
           </a:p>
@@ -2101,7 +2101,7 @@
           <a:p>
             <a:fld id="{F6E9F5A1-C99C-41F9-B991-61D99245B2FF}" type="datetimeFigureOut">
               <a:rPr lang="en-PH" smtClean="0"/>
-              <a:t>04/10/2025</a:t>
+              <a:t>04/23/2025</a:t>
             </a:fld>
             <a:endParaRPr lang="en-PH"/>
           </a:p>
@@ -2414,7 +2414,7 @@
           <a:p>
             <a:fld id="{F6E9F5A1-C99C-41F9-B991-61D99245B2FF}" type="datetimeFigureOut">
               <a:rPr lang="en-PH" smtClean="0"/>
-              <a:t>04/10/2025</a:t>
+              <a:t>04/23/2025</a:t>
             </a:fld>
             <a:endParaRPr lang="en-PH"/>
           </a:p>
@@ -2703,7 +2703,7 @@
           <a:p>
             <a:fld id="{F6E9F5A1-C99C-41F9-B991-61D99245B2FF}" type="datetimeFigureOut">
               <a:rPr lang="en-PH" smtClean="0"/>
-              <a:t>04/10/2025</a:t>
+              <a:t>04/23/2025</a:t>
             </a:fld>
             <a:endParaRPr lang="en-PH"/>
           </a:p>
@@ -2946,7 +2946,7 @@
           <a:p>
             <a:fld id="{F6E9F5A1-C99C-41F9-B991-61D99245B2FF}" type="datetimeFigureOut">
               <a:rPr lang="en-PH" smtClean="0"/>
-              <a:t>04/10/2025</a:t>
+              <a:t>04/23/2025</a:t>
             </a:fld>
             <a:endParaRPr lang="en-PH"/>
           </a:p>
@@ -4189,10 +4189,10 @@
       </p:grpSpPr>
       <p:pic>
         <p:nvPicPr>
-          <p:cNvPr id="12" name="Picture 11" descr="A line graph with different colored lines&#10;&#10;AI-generated content may be incorrect.">
+          <p:cNvPr id="3" name="Picture 2">
             <a:extLst>
               <a:ext uri="{FF2B5EF4-FFF2-40B4-BE49-F238E27FC236}">
-                <a16:creationId xmlns:a16="http://schemas.microsoft.com/office/drawing/2014/main" id="{9DFE61CA-E3CA-0269-8C11-296F5CCC1E22}"/>
+                <a16:creationId xmlns:a16="http://schemas.microsoft.com/office/drawing/2014/main" id="{449EA148-DE7A-1B03-6D37-2F9EE7141852}"/>
               </a:ext>
             </a:extLst>
           </p:cNvPr>
@@ -4280,7 +4280,7 @@
         </p:nvSpPr>
         <p:spPr>
           <a:xfrm>
-            <a:off x="6913582" y="3060632"/>
+            <a:off x="6819314" y="3079485"/>
             <a:ext cx="951074" cy="461665"/>
           </a:xfrm>
           <a:prstGeom prst="rect">
@@ -4323,7 +4323,7 @@
         </p:nvSpPr>
         <p:spPr>
           <a:xfrm>
-            <a:off x="8161469" y="2521476"/>
+            <a:off x="8114335" y="2257915"/>
             <a:ext cx="951074" cy="461665"/>
           </a:xfrm>
           <a:prstGeom prst="rect">
@@ -4366,7 +4366,7 @@
         </p:nvSpPr>
         <p:spPr>
           <a:xfrm>
-            <a:off x="9500631" y="1796250"/>
+            <a:off x="9481777" y="1440336"/>
             <a:ext cx="1217896" cy="461665"/>
           </a:xfrm>
           <a:prstGeom prst="rect">
@@ -4427,10 +4427,10 @@
       </p:grpSpPr>
       <p:pic>
         <p:nvPicPr>
-          <p:cNvPr id="12" name="Picture 11" descr="A graph of a line graph&#10;&#10;AI-generated content may be incorrect.">
+          <p:cNvPr id="3" name="Picture 2">
             <a:extLst>
               <a:ext uri="{FF2B5EF4-FFF2-40B4-BE49-F238E27FC236}">
-                <a16:creationId xmlns:a16="http://schemas.microsoft.com/office/drawing/2014/main" id="{818B3FD8-106A-2A9D-B73F-22AA58DFD092}"/>
+                <a16:creationId xmlns:a16="http://schemas.microsoft.com/office/drawing/2014/main" id="{DC59A6B3-D1FE-42F3-3A16-2C379F4D7425}"/>
               </a:ext>
             </a:extLst>
           </p:cNvPr>
@@ -4569,7 +4569,7 @@
         </p:nvSpPr>
         <p:spPr>
           <a:xfrm>
-            <a:off x="5995694" y="1209780"/>
+            <a:off x="5995694" y="1113320"/>
             <a:ext cx="1277646" cy="461665"/>
           </a:xfrm>
           <a:prstGeom prst="rect">
@@ -4975,10 +4975,10 @@
       </p:grpSpPr>
       <p:pic>
         <p:nvPicPr>
-          <p:cNvPr id="13" name="Picture 12" descr="A graph of different colored lines&#10;&#10;AI-generated content may be incorrect.">
+          <p:cNvPr id="3" name="Picture 2">
             <a:extLst>
               <a:ext uri="{FF2B5EF4-FFF2-40B4-BE49-F238E27FC236}">
-                <a16:creationId xmlns:a16="http://schemas.microsoft.com/office/drawing/2014/main" id="{E4007CA9-8350-70DD-1757-261BDC9326BD}"/>
+                <a16:creationId xmlns:a16="http://schemas.microsoft.com/office/drawing/2014/main" id="{F52CBD7E-3446-F8CC-AF83-1E9EC6B19EBA}"/>
               </a:ext>
             </a:extLst>
           </p:cNvPr>
@@ -5118,7 +5118,7 @@
         </p:nvSpPr>
         <p:spPr>
           <a:xfrm>
-            <a:off x="4362905" y="3048565"/>
+            <a:off x="4259050" y="3052775"/>
             <a:ext cx="1149112" cy="461665"/>
           </a:xfrm>
           <a:prstGeom prst="rect">
@@ -5216,7 +5216,7 @@
         </p:nvSpPr>
         <p:spPr>
           <a:xfrm>
-            <a:off x="3756293" y="4361152"/>
+            <a:off x="3641462" y="4480588"/>
             <a:ext cx="1149112" cy="461665"/>
           </a:xfrm>
           <a:prstGeom prst="rect">
@@ -5314,7 +5314,7 @@
         </p:nvSpPr>
         <p:spPr>
           <a:xfrm>
-            <a:off x="5271030" y="1880823"/>
+            <a:off x="5176762" y="2024222"/>
             <a:ext cx="1149112" cy="461665"/>
           </a:xfrm>
           <a:prstGeom prst="rect">
@@ -5411,7 +5411,7 @@
         </p:nvSpPr>
         <p:spPr>
           <a:xfrm>
-            <a:off x="6679985" y="3198167"/>
+            <a:off x="6519730" y="3514440"/>
             <a:ext cx="1149112" cy="461665"/>
           </a:xfrm>
           <a:prstGeom prst="rect">
@@ -5509,7 +5509,7 @@
         </p:nvSpPr>
         <p:spPr>
           <a:xfrm>
-            <a:off x="7980731" y="4361152"/>
+            <a:off x="7990158" y="4249755"/>
             <a:ext cx="1149112" cy="461665"/>
           </a:xfrm>
           <a:prstGeom prst="rect">
@@ -6345,8 +6345,8 @@
                 </a:p>
               </p:txBody>
             </p:sp>
-            <mc:AlternateContent xmlns:mc="http://schemas.openxmlformats.org/markup-compatibility/2006">
-              <mc:Choice xmlns:a14="http://schemas.microsoft.com/office/drawing/2010/main" Requires="a14">
+            <mc:AlternateContent xmlns:mc="http://schemas.openxmlformats.org/markup-compatibility/2006" xmlns:a14="http://schemas.microsoft.com/office/drawing/2010/main">
+              <mc:Choice Requires="a14">
                 <p:sp>
                   <p:nvSpPr>
                     <p:cNvPr id="17" name="TextBox 16">
@@ -6375,6 +6375,7 @@
                     </a:bodyPr>
                     <a:lstStyle/>
                     <a:p>
+                      <a:pPr/>
                       <a14:m>
                         <m:oMathPara xmlns:m="http://schemas.openxmlformats.org/officeDocument/2006/math">
                           <m:oMathParaPr>
@@ -6401,7 +6402,7 @@
                   </p:txBody>
                 </p:sp>
               </mc:Choice>
-              <mc:Fallback>
+              <mc:Fallback xmlns="">
                 <p:sp>
                   <p:nvSpPr>
                     <p:cNvPr id="17" name="TextBox 16">
@@ -6446,8 +6447,8 @@
                 </p:sp>
               </mc:Fallback>
             </mc:AlternateContent>
-            <mc:AlternateContent xmlns:mc="http://schemas.openxmlformats.org/markup-compatibility/2006">
-              <mc:Choice xmlns:a14="http://schemas.microsoft.com/office/drawing/2010/main" Requires="a14">
+            <mc:AlternateContent xmlns:mc="http://schemas.openxmlformats.org/markup-compatibility/2006" xmlns:a14="http://schemas.microsoft.com/office/drawing/2010/main">
+              <mc:Choice Requires="a14">
                 <p:sp>
                   <p:nvSpPr>
                     <p:cNvPr id="18" name="TextBox 17">
@@ -6476,6 +6477,7 @@
                     </a:bodyPr>
                     <a:lstStyle/>
                     <a:p>
+                      <a:pPr/>
                       <a14:m>
                         <m:oMathPara xmlns:m="http://schemas.openxmlformats.org/officeDocument/2006/math">
                           <m:oMathParaPr>
@@ -6502,7 +6504,7 @@
                   </p:txBody>
                 </p:sp>
               </mc:Choice>
-              <mc:Fallback>
+              <mc:Fallback xmlns="">
                 <p:sp>
                   <p:nvSpPr>
                     <p:cNvPr id="18" name="TextBox 17">
@@ -6547,8 +6549,8 @@
                 </p:sp>
               </mc:Fallback>
             </mc:AlternateContent>
-            <mc:AlternateContent xmlns:mc="http://schemas.openxmlformats.org/markup-compatibility/2006">
-              <mc:Choice xmlns:a14="http://schemas.microsoft.com/office/drawing/2010/main" Requires="a14">
+            <mc:AlternateContent xmlns:mc="http://schemas.openxmlformats.org/markup-compatibility/2006" xmlns:a14="http://schemas.microsoft.com/office/drawing/2010/main">
+              <mc:Choice Requires="a14">
                 <p:sp>
                   <p:nvSpPr>
                     <p:cNvPr id="19" name="TextBox 18">
@@ -6577,6 +6579,7 @@
                     </a:bodyPr>
                     <a:lstStyle/>
                     <a:p>
+                      <a:pPr/>
                       <a14:m>
                         <m:oMathPara xmlns:m="http://schemas.openxmlformats.org/officeDocument/2006/math">
                           <m:oMathParaPr>
@@ -6603,7 +6606,7 @@
                   </p:txBody>
                 </p:sp>
               </mc:Choice>
-              <mc:Fallback>
+              <mc:Fallback xmlns="">
                 <p:sp>
                   <p:nvSpPr>
                     <p:cNvPr id="19" name="TextBox 18">
@@ -6648,8 +6651,8 @@
                 </p:sp>
               </mc:Fallback>
             </mc:AlternateContent>
-            <mc:AlternateContent xmlns:mc="http://schemas.openxmlformats.org/markup-compatibility/2006">
-              <mc:Choice xmlns:a14="http://schemas.microsoft.com/office/drawing/2010/main" Requires="a14">
+            <mc:AlternateContent xmlns:mc="http://schemas.openxmlformats.org/markup-compatibility/2006" xmlns:a14="http://schemas.microsoft.com/office/drawing/2010/main">
+              <mc:Choice Requires="a14">
                 <p:sp>
                   <p:nvSpPr>
                     <p:cNvPr id="20" name="TextBox 19">
@@ -6678,6 +6681,7 @@
                     </a:bodyPr>
                     <a:lstStyle/>
                     <a:p>
+                      <a:pPr/>
                       <a14:m>
                         <m:oMathPara xmlns:m="http://schemas.openxmlformats.org/officeDocument/2006/math">
                           <m:oMathParaPr>
@@ -6704,7 +6708,7 @@
                   </p:txBody>
                 </p:sp>
               </mc:Choice>
-              <mc:Fallback>
+              <mc:Fallback xmlns="">
                 <p:sp>
                   <p:nvSpPr>
                     <p:cNvPr id="20" name="TextBox 19">
@@ -6749,8 +6753,8 @@
                 </p:sp>
               </mc:Fallback>
             </mc:AlternateContent>
-            <mc:AlternateContent xmlns:mc="http://schemas.openxmlformats.org/markup-compatibility/2006">
-              <mc:Choice xmlns:a14="http://schemas.microsoft.com/office/drawing/2010/main" Requires="a14">
+            <mc:AlternateContent xmlns:mc="http://schemas.openxmlformats.org/markup-compatibility/2006" xmlns:a14="http://schemas.microsoft.com/office/drawing/2010/main">
+              <mc:Choice Requires="a14">
                 <p:sp>
                   <p:nvSpPr>
                     <p:cNvPr id="21" name="TextBox 20">
@@ -6779,6 +6783,7 @@
                     </a:bodyPr>
                     <a:lstStyle/>
                     <a:p>
+                      <a:pPr/>
                       <a14:m>
                         <m:oMathPara xmlns:m="http://schemas.openxmlformats.org/officeDocument/2006/math">
                           <m:oMathParaPr>
@@ -6805,7 +6810,7 @@
                   </p:txBody>
                 </p:sp>
               </mc:Choice>
-              <mc:Fallback>
+              <mc:Fallback xmlns="">
                 <p:sp>
                   <p:nvSpPr>
                     <p:cNvPr id="21" name="TextBox 20">
@@ -7109,8 +7114,8 @@
                 </a:p>
               </p:txBody>
             </p:sp>
-            <mc:AlternateContent xmlns:mc="http://schemas.openxmlformats.org/markup-compatibility/2006">
-              <mc:Choice xmlns:a14="http://schemas.microsoft.com/office/drawing/2010/main" Requires="a14">
+            <mc:AlternateContent xmlns:mc="http://schemas.openxmlformats.org/markup-compatibility/2006" xmlns:a14="http://schemas.microsoft.com/office/drawing/2010/main">
+              <mc:Choice Requires="a14">
                 <p:sp>
                   <p:nvSpPr>
                     <p:cNvPr id="22" name="TextBox 21">
@@ -7139,6 +7144,7 @@
                     </a:bodyPr>
                     <a:lstStyle/>
                     <a:p>
+                      <a:pPr/>
                       <a14:m>
                         <m:oMathPara xmlns:m="http://schemas.openxmlformats.org/officeDocument/2006/math">
                           <m:oMathParaPr>
@@ -7165,7 +7171,7 @@
                   </p:txBody>
                 </p:sp>
               </mc:Choice>
-              <mc:Fallback>
+              <mc:Fallback xmlns="">
                 <p:sp>
                   <p:nvSpPr>
                     <p:cNvPr id="22" name="TextBox 21">
@@ -7210,8 +7216,8 @@
                 </p:sp>
               </mc:Fallback>
             </mc:AlternateContent>
-            <mc:AlternateContent xmlns:mc="http://schemas.openxmlformats.org/markup-compatibility/2006">
-              <mc:Choice xmlns:a14="http://schemas.microsoft.com/office/drawing/2010/main" Requires="a14">
+            <mc:AlternateContent xmlns:mc="http://schemas.openxmlformats.org/markup-compatibility/2006" xmlns:a14="http://schemas.microsoft.com/office/drawing/2010/main">
+              <mc:Choice Requires="a14">
                 <p:sp>
                   <p:nvSpPr>
                     <p:cNvPr id="23" name="TextBox 22">
@@ -7240,6 +7246,7 @@
                     </a:bodyPr>
                     <a:lstStyle/>
                     <a:p>
+                      <a:pPr/>
                       <a14:m>
                         <m:oMathPara xmlns:m="http://schemas.openxmlformats.org/officeDocument/2006/math">
                           <m:oMathParaPr>
@@ -7266,7 +7273,7 @@
                   </p:txBody>
                 </p:sp>
               </mc:Choice>
-              <mc:Fallback>
+              <mc:Fallback xmlns="">
                 <p:sp>
                   <p:nvSpPr>
                     <p:cNvPr id="23" name="TextBox 22">
@@ -7311,8 +7318,8 @@
                 </p:sp>
               </mc:Fallback>
             </mc:AlternateContent>
-            <mc:AlternateContent xmlns:mc="http://schemas.openxmlformats.org/markup-compatibility/2006">
-              <mc:Choice xmlns:a14="http://schemas.microsoft.com/office/drawing/2010/main" Requires="a14">
+            <mc:AlternateContent xmlns:mc="http://schemas.openxmlformats.org/markup-compatibility/2006" xmlns:a14="http://schemas.microsoft.com/office/drawing/2010/main">
+              <mc:Choice Requires="a14">
                 <p:sp>
                   <p:nvSpPr>
                     <p:cNvPr id="24" name="TextBox 23">
@@ -7341,6 +7348,7 @@
                     </a:bodyPr>
                     <a:lstStyle/>
                     <a:p>
+                      <a:pPr/>
                       <a14:m>
                         <m:oMathPara xmlns:m="http://schemas.openxmlformats.org/officeDocument/2006/math">
                           <m:oMathParaPr>
@@ -7367,7 +7375,7 @@
                   </p:txBody>
                 </p:sp>
               </mc:Choice>
-              <mc:Fallback>
+              <mc:Fallback xmlns="">
                 <p:sp>
                   <p:nvSpPr>
                     <p:cNvPr id="24" name="TextBox 23">
@@ -7412,8 +7420,8 @@
                 </p:sp>
               </mc:Fallback>
             </mc:AlternateContent>
-            <mc:AlternateContent xmlns:mc="http://schemas.openxmlformats.org/markup-compatibility/2006">
-              <mc:Choice xmlns:a14="http://schemas.microsoft.com/office/drawing/2010/main" Requires="a14">
+            <mc:AlternateContent xmlns:mc="http://schemas.openxmlformats.org/markup-compatibility/2006" xmlns:a14="http://schemas.microsoft.com/office/drawing/2010/main">
+              <mc:Choice Requires="a14">
                 <p:sp>
                   <p:nvSpPr>
                     <p:cNvPr id="25" name="TextBox 24">
@@ -7442,6 +7450,7 @@
                     </a:bodyPr>
                     <a:lstStyle/>
                     <a:p>
+                      <a:pPr/>
                       <a14:m>
                         <m:oMathPara xmlns:m="http://schemas.openxmlformats.org/officeDocument/2006/math">
                           <m:oMathParaPr>
@@ -7468,7 +7477,7 @@
                   </p:txBody>
                 </p:sp>
               </mc:Choice>
-              <mc:Fallback>
+              <mc:Fallback xmlns="">
                 <p:sp>
                   <p:nvSpPr>
                     <p:cNvPr id="25" name="TextBox 24">
@@ -7513,8 +7522,8 @@
                 </p:sp>
               </mc:Fallback>
             </mc:AlternateContent>
-            <mc:AlternateContent xmlns:mc="http://schemas.openxmlformats.org/markup-compatibility/2006">
-              <mc:Choice xmlns:a14="http://schemas.microsoft.com/office/drawing/2010/main" Requires="a14">
+            <mc:AlternateContent xmlns:mc="http://schemas.openxmlformats.org/markup-compatibility/2006" xmlns:a14="http://schemas.microsoft.com/office/drawing/2010/main">
+              <mc:Choice Requires="a14">
                 <p:sp>
                   <p:nvSpPr>
                     <p:cNvPr id="26" name="TextBox 25">
@@ -7543,6 +7552,7 @@
                     </a:bodyPr>
                     <a:lstStyle/>
                     <a:p>
+                      <a:pPr/>
                       <a14:m>
                         <m:oMathPara xmlns:m="http://schemas.openxmlformats.org/officeDocument/2006/math">
                           <m:oMathParaPr>
@@ -7569,7 +7579,7 @@
                   </p:txBody>
                 </p:sp>
               </mc:Choice>
-              <mc:Fallback>
+              <mc:Fallback xmlns="">
                 <p:sp>
                   <p:nvSpPr>
                     <p:cNvPr id="26" name="TextBox 25">
@@ -7830,10 +7840,10 @@
       </p:grpSpPr>
       <p:pic>
         <p:nvPicPr>
-          <p:cNvPr id="10" name="Picture 9" descr="A graph of a function&#10;&#10;AI-generated content may be incorrect.">
+          <p:cNvPr id="3" name="Picture 2">
             <a:extLst>
               <a:ext uri="{FF2B5EF4-FFF2-40B4-BE49-F238E27FC236}">
-                <a16:creationId xmlns:a16="http://schemas.microsoft.com/office/drawing/2014/main" id="{42DDB831-42AD-366F-F88F-8D49665B662B}"/>
+                <a16:creationId xmlns:a16="http://schemas.microsoft.com/office/drawing/2014/main" id="{3A5008E0-DE59-3B45-7CC0-1076E8A0475A}"/>
               </a:ext>
             </a:extLst>
           </p:cNvPr>
@@ -8105,7 +8115,25 @@
                         </a:solidFill>
                         <a:latin typeface="Cambria Math" panose="02040503050406030204" pitchFamily="18" charset="0"/>
                       </a:rPr>
-                      <m:t>=0.547 </m:t>
+                      <m:t>=0.54</m:t>
+                    </m:r>
+                    <m:r>
+                      <a:rPr lang="en-PH" sz="2400" b="0" i="1" smtClean="0">
+                        <a:solidFill>
+                          <a:srgbClr val="0173B2"/>
+                        </a:solidFill>
+                        <a:latin typeface="Cambria Math" panose="02040503050406030204" pitchFamily="18" charset="0"/>
+                      </a:rPr>
+                      <m:t>8</m:t>
+                    </m:r>
+                    <m:r>
+                      <a:rPr lang="en-PH" sz="2400" b="0" i="1" smtClean="0">
+                        <a:solidFill>
+                          <a:srgbClr val="0173B2"/>
+                        </a:solidFill>
+                        <a:latin typeface="Cambria Math" panose="02040503050406030204" pitchFamily="18" charset="0"/>
+                      </a:rPr>
+                      <m:t> </m:t>
                     </m:r>
                     <m:sSub>
                       <m:sSubPr>
@@ -8261,7 +8289,6 @@
                 </a:r>
               </a:p>
               <a:p>
-                <a:pPr/>
                 <a14:m>
                   <m:oMath xmlns:m="http://schemas.openxmlformats.org/officeDocument/2006/math">
                     <m:sSub>
@@ -8305,7 +8332,25 @@
                         </a:solidFill>
                         <a:latin typeface="Cambria Math" panose="02040503050406030204" pitchFamily="18" charset="0"/>
                       </a:rPr>
-                      <m:t>=−0.62 </m:t>
+                      <m:t>=−0.6</m:t>
+                    </m:r>
+                    <m:r>
+                      <a:rPr lang="en-PH" sz="2400" b="0" i="1" smtClean="0">
+                        <a:solidFill>
+                          <a:srgbClr val="DE8F05"/>
+                        </a:solidFill>
+                        <a:latin typeface="Cambria Math" panose="02040503050406030204" pitchFamily="18" charset="0"/>
+                      </a:rPr>
+                      <m:t>05</m:t>
+                    </m:r>
+                    <m:r>
+                      <a:rPr lang="en-PH" sz="2400" b="0" i="1" smtClean="0">
+                        <a:solidFill>
+                          <a:srgbClr val="DE8F05"/>
+                        </a:solidFill>
+                        <a:latin typeface="Cambria Math" panose="02040503050406030204" pitchFamily="18" charset="0"/>
+                      </a:rPr>
+                      <m:t> </m:t>
                     </m:r>
                     <m:sSubSup>
                       <m:sSubSupPr>
@@ -8368,7 +8413,25 @@
                         </a:solidFill>
                         <a:latin typeface="Cambria Math" panose="02040503050406030204" pitchFamily="18" charset="0"/>
                       </a:rPr>
-                      <m:t>+1.608 </m:t>
+                      <m:t>+1.</m:t>
+                    </m:r>
+                    <m:r>
+                      <a:rPr lang="en-PH" sz="2400" b="0" i="1" smtClean="0">
+                        <a:solidFill>
+                          <a:srgbClr val="DE8F05"/>
+                        </a:solidFill>
+                        <a:latin typeface="Cambria Math" panose="02040503050406030204" pitchFamily="18" charset="0"/>
+                      </a:rPr>
+                      <m:t>595</m:t>
+                    </m:r>
+                    <m:r>
+                      <a:rPr lang="en-PH" sz="2400" b="0" i="1" smtClean="0">
+                        <a:solidFill>
+                          <a:srgbClr val="DE8F05"/>
+                        </a:solidFill>
+                        <a:latin typeface="Cambria Math" panose="02040503050406030204" pitchFamily="18" charset="0"/>
+                      </a:rPr>
+                      <m:t> </m:t>
                     </m:r>
                     <m:sSub>
                       <m:sSubPr>
@@ -8481,8 +8544,8 @@
           </p:sp>
         </mc:Fallback>
       </mc:AlternateContent>
-      <mc:AlternateContent xmlns:mc="http://schemas.openxmlformats.org/markup-compatibility/2006">
-        <mc:Choice xmlns:a14="http://schemas.microsoft.com/office/drawing/2010/main" Requires="a14">
+      <mc:AlternateContent xmlns:mc="http://schemas.openxmlformats.org/markup-compatibility/2006" xmlns:a14="http://schemas.microsoft.com/office/drawing/2010/main">
+        <mc:Choice Requires="a14">
           <p:sp>
             <p:nvSpPr>
               <p:cNvPr id="12" name="TextBox 11">
@@ -8739,7 +8802,7 @@
             </p:txBody>
           </p:sp>
         </mc:Choice>
-        <mc:Fallback>
+        <mc:Fallback xmlns="">
           <p:sp>
             <p:nvSpPr>
               <p:cNvPr id="12" name="TextBox 11">
@@ -8816,10 +8879,10 @@
       </p:grpSpPr>
       <p:pic>
         <p:nvPicPr>
-          <p:cNvPr id="3" name="Picture 2" descr="A graph of a curve&#10;&#10;AI-generated content may be incorrect.">
+          <p:cNvPr id="7" name="Picture 6">
             <a:extLst>
               <a:ext uri="{FF2B5EF4-FFF2-40B4-BE49-F238E27FC236}">
-                <a16:creationId xmlns:a16="http://schemas.microsoft.com/office/drawing/2014/main" id="{0C6218E5-5078-288E-37B9-4B760B3C8975}"/>
+                <a16:creationId xmlns:a16="http://schemas.microsoft.com/office/drawing/2014/main" id="{2FE496AB-2459-A966-5B76-6E68622E8391}"/>
               </a:ext>
             </a:extLst>
           </p:cNvPr>
@@ -8850,8 +8913,8 @@
           </a:prstGeom>
         </p:spPr>
       </p:pic>
-      <mc:AlternateContent xmlns:mc="http://schemas.openxmlformats.org/markup-compatibility/2006">
-        <mc:Choice xmlns:a14="http://schemas.microsoft.com/office/drawing/2010/main" Requires="a14">
+      <mc:AlternateContent xmlns:mc="http://schemas.openxmlformats.org/markup-compatibility/2006" xmlns:a14="http://schemas.microsoft.com/office/drawing/2010/main">
+        <mc:Choice Requires="a14">
           <p:sp>
             <p:nvSpPr>
               <p:cNvPr id="4" name="TextBox 3">
@@ -9006,7 +9069,7 @@
             </p:txBody>
           </p:sp>
         </mc:Choice>
-        <mc:Fallback>
+        <mc:Fallback xmlns="">
           <p:sp>
             <p:nvSpPr>
               <p:cNvPr id="4" name="TextBox 3">
@@ -9051,8 +9114,8 @@
           </p:sp>
         </mc:Fallback>
       </mc:AlternateContent>
-      <mc:AlternateContent xmlns:mc="http://schemas.openxmlformats.org/markup-compatibility/2006">
-        <mc:Choice xmlns:a14="http://schemas.microsoft.com/office/drawing/2010/main" Requires="a14">
+      <mc:AlternateContent xmlns:mc="http://schemas.openxmlformats.org/markup-compatibility/2006" xmlns:a14="http://schemas.microsoft.com/office/drawing/2010/main">
+        <mc:Choice Requires="a14">
           <p:sp>
             <p:nvSpPr>
               <p:cNvPr id="5" name="TextBox 4">
@@ -9273,7 +9336,7 @@
             </p:txBody>
           </p:sp>
         </mc:Choice>
-        <mc:Fallback>
+        <mc:Fallback xmlns="">
           <p:sp>
             <p:nvSpPr>
               <p:cNvPr id="5" name="TextBox 4">
@@ -9318,8 +9381,8 @@
           </p:sp>
         </mc:Fallback>
       </mc:AlternateContent>
-      <mc:AlternateContent xmlns:mc="http://schemas.openxmlformats.org/markup-compatibility/2006">
-        <mc:Choice xmlns:a14="http://schemas.microsoft.com/office/drawing/2010/main" Requires="a14">
+      <mc:AlternateContent xmlns:mc="http://schemas.openxmlformats.org/markup-compatibility/2006" xmlns:a14="http://schemas.microsoft.com/office/drawing/2010/main">
+        <mc:Choice Requires="a14">
           <p:sp>
             <p:nvSpPr>
               <p:cNvPr id="6" name="TextBox 5">
@@ -9578,7 +9641,7 @@
             </p:txBody>
           </p:sp>
         </mc:Choice>
-        <mc:Fallback>
+        <mc:Fallback xmlns="">
           <p:sp>
             <p:nvSpPr>
               <p:cNvPr id="6" name="TextBox 5">
@@ -24722,10 +24785,10 @@
       </p:grpSpPr>
       <p:pic>
         <p:nvPicPr>
-          <p:cNvPr id="10" name="Picture 9" descr="A graph of a line graph&#10;&#10;AI-generated content may be incorrect.">
+          <p:cNvPr id="3" name="Picture 2">
             <a:extLst>
               <a:ext uri="{FF2B5EF4-FFF2-40B4-BE49-F238E27FC236}">
-                <a16:creationId xmlns:a16="http://schemas.microsoft.com/office/drawing/2014/main" id="{429D3CAD-8760-A971-AB66-EE025DF5698B}"/>
+                <a16:creationId xmlns:a16="http://schemas.microsoft.com/office/drawing/2014/main" id="{C9E1BEDB-ABB7-93BA-BF07-96AC0A2F7749}"/>
               </a:ext>
             </a:extLst>
           </p:cNvPr>

--- a/documents/Figures editing.pptx
+++ b/documents/Figures editing.pptx
@@ -277,7 +277,7 @@
           <a:p>
             <a:fld id="{F6E9F5A1-C99C-41F9-B991-61D99245B2FF}" type="datetimeFigureOut">
               <a:rPr lang="en-PH" smtClean="0"/>
-              <a:t>04/23/2025</a:t>
+              <a:t>04/29/2025</a:t>
             </a:fld>
             <a:endParaRPr lang="en-PH"/>
           </a:p>
@@ -477,7 +477,7 @@
           <a:p>
             <a:fld id="{F6E9F5A1-C99C-41F9-B991-61D99245B2FF}" type="datetimeFigureOut">
               <a:rPr lang="en-PH" smtClean="0"/>
-              <a:t>04/23/2025</a:t>
+              <a:t>04/29/2025</a:t>
             </a:fld>
             <a:endParaRPr lang="en-PH"/>
           </a:p>
@@ -687,7 +687,7 @@
           <a:p>
             <a:fld id="{F6E9F5A1-C99C-41F9-B991-61D99245B2FF}" type="datetimeFigureOut">
               <a:rPr lang="en-PH" smtClean="0"/>
-              <a:t>04/23/2025</a:t>
+              <a:t>04/29/2025</a:t>
             </a:fld>
             <a:endParaRPr lang="en-PH"/>
           </a:p>
@@ -887,7 +887,7 @@
           <a:p>
             <a:fld id="{F6E9F5A1-C99C-41F9-B991-61D99245B2FF}" type="datetimeFigureOut">
               <a:rPr lang="en-PH" smtClean="0"/>
-              <a:t>04/23/2025</a:t>
+              <a:t>04/29/2025</a:t>
             </a:fld>
             <a:endParaRPr lang="en-PH"/>
           </a:p>
@@ -1163,7 +1163,7 @@
           <a:p>
             <a:fld id="{F6E9F5A1-C99C-41F9-B991-61D99245B2FF}" type="datetimeFigureOut">
               <a:rPr lang="en-PH" smtClean="0"/>
-              <a:t>04/23/2025</a:t>
+              <a:t>04/29/2025</a:t>
             </a:fld>
             <a:endParaRPr lang="en-PH"/>
           </a:p>
@@ -1431,7 +1431,7 @@
           <a:p>
             <a:fld id="{F6E9F5A1-C99C-41F9-B991-61D99245B2FF}" type="datetimeFigureOut">
               <a:rPr lang="en-PH" smtClean="0"/>
-              <a:t>04/23/2025</a:t>
+              <a:t>04/29/2025</a:t>
             </a:fld>
             <a:endParaRPr lang="en-PH"/>
           </a:p>
@@ -1846,7 +1846,7 @@
           <a:p>
             <a:fld id="{F6E9F5A1-C99C-41F9-B991-61D99245B2FF}" type="datetimeFigureOut">
               <a:rPr lang="en-PH" smtClean="0"/>
-              <a:t>04/23/2025</a:t>
+              <a:t>04/29/2025</a:t>
             </a:fld>
             <a:endParaRPr lang="en-PH"/>
           </a:p>
@@ -1988,7 +1988,7 @@
           <a:p>
             <a:fld id="{F6E9F5A1-C99C-41F9-B991-61D99245B2FF}" type="datetimeFigureOut">
               <a:rPr lang="en-PH" smtClean="0"/>
-              <a:t>04/23/2025</a:t>
+              <a:t>04/29/2025</a:t>
             </a:fld>
             <a:endParaRPr lang="en-PH"/>
           </a:p>
@@ -2101,7 +2101,7 @@
           <a:p>
             <a:fld id="{F6E9F5A1-C99C-41F9-B991-61D99245B2FF}" type="datetimeFigureOut">
               <a:rPr lang="en-PH" smtClean="0"/>
-              <a:t>04/23/2025</a:t>
+              <a:t>04/29/2025</a:t>
             </a:fld>
             <a:endParaRPr lang="en-PH"/>
           </a:p>
@@ -2414,7 +2414,7 @@
           <a:p>
             <a:fld id="{F6E9F5A1-C99C-41F9-B991-61D99245B2FF}" type="datetimeFigureOut">
               <a:rPr lang="en-PH" smtClean="0"/>
-              <a:t>04/23/2025</a:t>
+              <a:t>04/29/2025</a:t>
             </a:fld>
             <a:endParaRPr lang="en-PH"/>
           </a:p>
@@ -2703,7 +2703,7 @@
           <a:p>
             <a:fld id="{F6E9F5A1-C99C-41F9-B991-61D99245B2FF}" type="datetimeFigureOut">
               <a:rPr lang="en-PH" smtClean="0"/>
-              <a:t>04/23/2025</a:t>
+              <a:t>04/29/2025</a:t>
             </a:fld>
             <a:endParaRPr lang="en-PH"/>
           </a:p>
@@ -2946,7 +2946,7 @@
           <a:p>
             <a:fld id="{F6E9F5A1-C99C-41F9-B991-61D99245B2FF}" type="datetimeFigureOut">
               <a:rPr lang="en-PH" smtClean="0"/>
-              <a:t>04/23/2025</a:t>
+              <a:t>04/29/2025</a:t>
             </a:fld>
             <a:endParaRPr lang="en-PH"/>
           </a:p>
@@ -4189,10 +4189,10 @@
       </p:grpSpPr>
       <p:pic>
         <p:nvPicPr>
-          <p:cNvPr id="3" name="Picture 2">
+          <p:cNvPr id="8" name="Picture 7">
             <a:extLst>
               <a:ext uri="{FF2B5EF4-FFF2-40B4-BE49-F238E27FC236}">
-                <a16:creationId xmlns:a16="http://schemas.microsoft.com/office/drawing/2014/main" id="{449EA148-DE7A-1B03-6D37-2F9EE7141852}"/>
+                <a16:creationId xmlns:a16="http://schemas.microsoft.com/office/drawing/2014/main" id="{9DC25FC0-CB6D-3312-CAD3-BC6DA9E2CCA5}"/>
               </a:ext>
             </a:extLst>
           </p:cNvPr>
@@ -4427,10 +4427,10 @@
       </p:grpSpPr>
       <p:pic>
         <p:nvPicPr>
-          <p:cNvPr id="3" name="Picture 2">
+          <p:cNvPr id="7" name="Picture 6">
             <a:extLst>
               <a:ext uri="{FF2B5EF4-FFF2-40B4-BE49-F238E27FC236}">
-                <a16:creationId xmlns:a16="http://schemas.microsoft.com/office/drawing/2014/main" id="{DC59A6B3-D1FE-42F3-3A16-2C379F4D7425}"/>
+                <a16:creationId xmlns:a16="http://schemas.microsoft.com/office/drawing/2014/main" id="{554BA642-4D72-2DC1-AB7E-0B7E70859820}"/>
               </a:ext>
             </a:extLst>
           </p:cNvPr>
@@ -4975,10 +4975,10 @@
       </p:grpSpPr>
       <p:pic>
         <p:nvPicPr>
-          <p:cNvPr id="3" name="Picture 2">
+          <p:cNvPr id="10" name="Picture 9">
             <a:extLst>
               <a:ext uri="{FF2B5EF4-FFF2-40B4-BE49-F238E27FC236}">
-                <a16:creationId xmlns:a16="http://schemas.microsoft.com/office/drawing/2014/main" id="{F52CBD7E-3446-F8CC-AF83-1E9EC6B19EBA}"/>
+                <a16:creationId xmlns:a16="http://schemas.microsoft.com/office/drawing/2014/main" id="{C37662ED-05FB-C305-CD89-0100A017CE57}"/>
               </a:ext>
             </a:extLst>
           </p:cNvPr>
@@ -7874,163 +7874,8 @@
           </a:prstGeom>
         </p:spPr>
       </p:pic>
-      <p:sp>
-        <p:nvSpPr>
-          <p:cNvPr id="8" name="Rectangle 7">
-            <a:extLst>
-              <a:ext uri="{FF2B5EF4-FFF2-40B4-BE49-F238E27FC236}">
-                <a16:creationId xmlns:a16="http://schemas.microsoft.com/office/drawing/2014/main" id="{42A4FC2C-047E-45A5-965D-8E1E3BF09BC6}"/>
-              </a:ext>
-              <a:ext uri="{C183D7F6-B498-43B3-948B-1728B52AA6E4}">
-                <adec:decorative xmlns:adec="http://schemas.microsoft.com/office/drawing/2017/decorative" val="1"/>
-              </a:ext>
-            </a:extLst>
-          </p:cNvPr>
-          <p:cNvSpPr>
-            <a:spLocks noGrp="1" noRot="1" noChangeAspect="1" noMove="1" noResize="1" noEditPoints="1" noAdjustHandles="1" noChangeArrowheads="1" noChangeShapeType="1" noTextEdit="1"/>
-          </p:cNvSpPr>
-          <p:nvPr>
-            <p:extLst>
-              <p:ext uri="{386F3935-93C4-4BCD-93E2-E3B085C9AB24}">
-                <p16:designElem xmlns:p16="http://schemas.microsoft.com/office/powerpoint/2015/main" val="1"/>
-              </p:ext>
-            </p:extLst>
-          </p:nvPr>
-        </p:nvSpPr>
-        <p:spPr bwMode="white">
-          <a:xfrm>
-            <a:off x="1524" y="0"/>
-            <a:ext cx="12188952" cy="6858000"/>
-          </a:xfrm>
-          <a:prstGeom prst="rect">
-            <a:avLst/>
-          </a:prstGeom>
-          <a:noFill/>
-          <a:ln>
-            <a:noFill/>
-          </a:ln>
-        </p:spPr>
-        <p:style>
-          <a:lnRef idx="2">
-            <a:schemeClr val="accent1">
-              <a:shade val="50000"/>
-            </a:schemeClr>
-          </a:lnRef>
-          <a:fillRef idx="1">
-            <a:schemeClr val="accent1"/>
-          </a:fillRef>
-          <a:effectRef idx="0">
-            <a:schemeClr val="accent1"/>
-          </a:effectRef>
-          <a:fontRef idx="minor">
-            <a:schemeClr val="lt1"/>
-          </a:fontRef>
-        </p:style>
-        <p:txBody>
-          <a:bodyPr rtlCol="0" anchor="ctr"/>
-          <a:lstStyle>
-            <a:defPPr>
-              <a:defRPr lang="en-US"/>
-            </a:defPPr>
-            <a:lvl1pPr marL="0" algn="l" defTabSz="914400" rtl="0" eaLnBrk="1" latinLnBrk="0" hangingPunct="1">
-              <a:defRPr sz="1800" kern="1200">
-                <a:solidFill>
-                  <a:schemeClr val="lt1"/>
-                </a:solidFill>
-                <a:latin typeface="+mn-lt"/>
-                <a:ea typeface="+mn-ea"/>
-                <a:cs typeface="+mn-cs"/>
-              </a:defRPr>
-            </a:lvl1pPr>
-            <a:lvl2pPr marL="457200" algn="l" defTabSz="914400" rtl="0" eaLnBrk="1" latinLnBrk="0" hangingPunct="1">
-              <a:defRPr sz="1800" kern="1200">
-                <a:solidFill>
-                  <a:schemeClr val="lt1"/>
-                </a:solidFill>
-                <a:latin typeface="+mn-lt"/>
-                <a:ea typeface="+mn-ea"/>
-                <a:cs typeface="+mn-cs"/>
-              </a:defRPr>
-            </a:lvl2pPr>
-            <a:lvl3pPr marL="914400" algn="l" defTabSz="914400" rtl="0" eaLnBrk="1" latinLnBrk="0" hangingPunct="1">
-              <a:defRPr sz="1800" kern="1200">
-                <a:solidFill>
-                  <a:schemeClr val="lt1"/>
-                </a:solidFill>
-                <a:latin typeface="+mn-lt"/>
-                <a:ea typeface="+mn-ea"/>
-                <a:cs typeface="+mn-cs"/>
-              </a:defRPr>
-            </a:lvl3pPr>
-            <a:lvl4pPr marL="1371600" algn="l" defTabSz="914400" rtl="0" eaLnBrk="1" latinLnBrk="0" hangingPunct="1">
-              <a:defRPr sz="1800" kern="1200">
-                <a:solidFill>
-                  <a:schemeClr val="lt1"/>
-                </a:solidFill>
-                <a:latin typeface="+mn-lt"/>
-                <a:ea typeface="+mn-ea"/>
-                <a:cs typeface="+mn-cs"/>
-              </a:defRPr>
-            </a:lvl4pPr>
-            <a:lvl5pPr marL="1828800" algn="l" defTabSz="914400" rtl="0" eaLnBrk="1" latinLnBrk="0" hangingPunct="1">
-              <a:defRPr sz="1800" kern="1200">
-                <a:solidFill>
-                  <a:schemeClr val="lt1"/>
-                </a:solidFill>
-                <a:latin typeface="+mn-lt"/>
-                <a:ea typeface="+mn-ea"/>
-                <a:cs typeface="+mn-cs"/>
-              </a:defRPr>
-            </a:lvl5pPr>
-            <a:lvl6pPr marL="2286000" algn="l" defTabSz="914400" rtl="0" eaLnBrk="1" latinLnBrk="0" hangingPunct="1">
-              <a:defRPr sz="1800" kern="1200">
-                <a:solidFill>
-                  <a:schemeClr val="lt1"/>
-                </a:solidFill>
-                <a:latin typeface="+mn-lt"/>
-                <a:ea typeface="+mn-ea"/>
-                <a:cs typeface="+mn-cs"/>
-              </a:defRPr>
-            </a:lvl6pPr>
-            <a:lvl7pPr marL="2743200" algn="l" defTabSz="914400" rtl="0" eaLnBrk="1" latinLnBrk="0" hangingPunct="1">
-              <a:defRPr sz="1800" kern="1200">
-                <a:solidFill>
-                  <a:schemeClr val="lt1"/>
-                </a:solidFill>
-                <a:latin typeface="+mn-lt"/>
-                <a:ea typeface="+mn-ea"/>
-                <a:cs typeface="+mn-cs"/>
-              </a:defRPr>
-            </a:lvl7pPr>
-            <a:lvl8pPr marL="3200400" algn="l" defTabSz="914400" rtl="0" eaLnBrk="1" latinLnBrk="0" hangingPunct="1">
-              <a:defRPr sz="1800" kern="1200">
-                <a:solidFill>
-                  <a:schemeClr val="lt1"/>
-                </a:solidFill>
-                <a:latin typeface="+mn-lt"/>
-                <a:ea typeface="+mn-ea"/>
-                <a:cs typeface="+mn-cs"/>
-              </a:defRPr>
-            </a:lvl8pPr>
-            <a:lvl9pPr marL="3657600" algn="l" defTabSz="914400" rtl="0" eaLnBrk="1" latinLnBrk="0" hangingPunct="1">
-              <a:defRPr sz="1800" kern="1200">
-                <a:solidFill>
-                  <a:schemeClr val="lt1"/>
-                </a:solidFill>
-                <a:latin typeface="+mn-lt"/>
-                <a:ea typeface="+mn-ea"/>
-                <a:cs typeface="+mn-cs"/>
-              </a:defRPr>
-            </a:lvl9pPr>
-          </a:lstStyle>
-          <a:p>
-            <a:pPr algn="ctr"/>
-            <a:endParaRPr lang="en-US"/>
-          </a:p>
-        </p:txBody>
-      </p:sp>
-      <mc:AlternateContent xmlns:mc="http://schemas.openxmlformats.org/markup-compatibility/2006">
-        <mc:Choice xmlns:a14="http://schemas.microsoft.com/office/drawing/2010/main" Requires="a14">
+      <mc:AlternateContent xmlns:mc="http://schemas.openxmlformats.org/markup-compatibility/2006" xmlns:a14="http://schemas.microsoft.com/office/drawing/2010/main">
+        <mc:Choice Requires="a14">
           <p:sp>
             <p:nvSpPr>
               <p:cNvPr id="7" name="TextBox 6">
@@ -8115,25 +7960,7 @@
                         </a:solidFill>
                         <a:latin typeface="Cambria Math" panose="02040503050406030204" pitchFamily="18" charset="0"/>
                       </a:rPr>
-                      <m:t>=0.54</m:t>
-                    </m:r>
-                    <m:r>
-                      <a:rPr lang="en-PH" sz="2400" b="0" i="1" smtClean="0">
-                        <a:solidFill>
-                          <a:srgbClr val="0173B2"/>
-                        </a:solidFill>
-                        <a:latin typeface="Cambria Math" panose="02040503050406030204" pitchFamily="18" charset="0"/>
-                      </a:rPr>
-                      <m:t>8</m:t>
-                    </m:r>
-                    <m:r>
-                      <a:rPr lang="en-PH" sz="2400" b="0" i="1" smtClean="0">
-                        <a:solidFill>
-                          <a:srgbClr val="0173B2"/>
-                        </a:solidFill>
-                        <a:latin typeface="Cambria Math" panose="02040503050406030204" pitchFamily="18" charset="0"/>
-                      </a:rPr>
-                      <m:t> </m:t>
+                      <m:t>=0.548 </m:t>
                     </m:r>
                     <m:sSub>
                       <m:sSubPr>
@@ -8201,7 +8028,7 @@
             </p:txBody>
           </p:sp>
         </mc:Choice>
-        <mc:Fallback>
+        <mc:Fallback xmlns="">
           <p:sp>
             <p:nvSpPr>
               <p:cNvPr id="7" name="TextBox 6">
@@ -8246,8 +8073,8 @@
           </p:sp>
         </mc:Fallback>
       </mc:AlternateContent>
-      <mc:AlternateContent xmlns:mc="http://schemas.openxmlformats.org/markup-compatibility/2006">
-        <mc:Choice xmlns:a14="http://schemas.microsoft.com/office/drawing/2010/main" Requires="a14">
+      <mc:AlternateContent xmlns:mc="http://schemas.openxmlformats.org/markup-compatibility/2006" xmlns:a14="http://schemas.microsoft.com/office/drawing/2010/main">
+        <mc:Choice Requires="a14">
           <p:sp>
             <p:nvSpPr>
               <p:cNvPr id="11" name="TextBox 10">
@@ -8332,25 +8159,7 @@
                         </a:solidFill>
                         <a:latin typeface="Cambria Math" panose="02040503050406030204" pitchFamily="18" charset="0"/>
                       </a:rPr>
-                      <m:t>=−0.6</m:t>
-                    </m:r>
-                    <m:r>
-                      <a:rPr lang="en-PH" sz="2400" b="0" i="1" smtClean="0">
-                        <a:solidFill>
-                          <a:srgbClr val="DE8F05"/>
-                        </a:solidFill>
-                        <a:latin typeface="Cambria Math" panose="02040503050406030204" pitchFamily="18" charset="0"/>
-                      </a:rPr>
-                      <m:t>05</m:t>
-                    </m:r>
-                    <m:r>
-                      <a:rPr lang="en-PH" sz="2400" b="0" i="1" smtClean="0">
-                        <a:solidFill>
-                          <a:srgbClr val="DE8F05"/>
-                        </a:solidFill>
-                        <a:latin typeface="Cambria Math" panose="02040503050406030204" pitchFamily="18" charset="0"/>
-                      </a:rPr>
-                      <m:t> </m:t>
+                      <m:t>=−0.605 </m:t>
                     </m:r>
                     <m:sSubSup>
                       <m:sSubSupPr>
@@ -8413,25 +8222,7 @@
                         </a:solidFill>
                         <a:latin typeface="Cambria Math" panose="02040503050406030204" pitchFamily="18" charset="0"/>
                       </a:rPr>
-                      <m:t>+1.</m:t>
-                    </m:r>
-                    <m:r>
-                      <a:rPr lang="en-PH" sz="2400" b="0" i="1" smtClean="0">
-                        <a:solidFill>
-                          <a:srgbClr val="DE8F05"/>
-                        </a:solidFill>
-                        <a:latin typeface="Cambria Math" panose="02040503050406030204" pitchFamily="18" charset="0"/>
-                      </a:rPr>
-                      <m:t>595</m:t>
-                    </m:r>
-                    <m:r>
-                      <a:rPr lang="en-PH" sz="2400" b="0" i="1" smtClean="0">
-                        <a:solidFill>
-                          <a:srgbClr val="DE8F05"/>
-                        </a:solidFill>
-                        <a:latin typeface="Cambria Math" panose="02040503050406030204" pitchFamily="18" charset="0"/>
-                      </a:rPr>
-                      <m:t> </m:t>
+                      <m:t>+1.595 </m:t>
                     </m:r>
                     <m:sSub>
                       <m:sSubPr>
@@ -8499,7 +8290,7 @@
             </p:txBody>
           </p:sp>
         </mc:Choice>
-        <mc:Fallback>
+        <mc:Fallback xmlns="">
           <p:sp>
             <p:nvSpPr>
               <p:cNvPr id="11" name="TextBox 10">
@@ -24785,10 +24576,10 @@
       </p:grpSpPr>
       <p:pic>
         <p:nvPicPr>
-          <p:cNvPr id="3" name="Picture 2">
+          <p:cNvPr id="9" name="Picture 8">
             <a:extLst>
               <a:ext uri="{FF2B5EF4-FFF2-40B4-BE49-F238E27FC236}">
-                <a16:creationId xmlns:a16="http://schemas.microsoft.com/office/drawing/2014/main" id="{C9E1BEDB-ABB7-93BA-BF07-96AC0A2F7749}"/>
+                <a16:creationId xmlns:a16="http://schemas.microsoft.com/office/drawing/2014/main" id="{449E2DA2-BF7D-BCB6-1FA8-22EB3EE993E0}"/>
               </a:ext>
             </a:extLst>
           </p:cNvPr>
